--- a/ppt/웹접근성 오류 체크(운영).pptx
+++ b/ppt/웹접근성 오류 체크(운영).pptx
@@ -3731,6 +3731,329 @@
           </a:prstGeom>
         </p:spPr>
       </p:pic>
+      <p:cxnSp>
+        <p:nvCxnSpPr>
+          <p:cNvPr id="6" name="직선 연결선 5">
+            <a:extLst>
+              <a:ext uri="{FF2B5EF4-FFF2-40B4-BE49-F238E27FC236}">
+                <a16:creationId xmlns:a16="http://schemas.microsoft.com/office/drawing/2014/main" id="{FBC8F565-2FD9-A7F5-63A9-247DF0B9B893}"/>
+              </a:ext>
+            </a:extLst>
+          </p:cNvPr>
+          <p:cNvCxnSpPr/>
+          <p:nvPr/>
+        </p:nvCxnSpPr>
+        <p:spPr>
+          <a:xfrm>
+            <a:off x="540697" y="1983921"/>
+            <a:ext cx="10995439" cy="0"/>
+          </a:xfrm>
+          <a:prstGeom prst="line">
+            <a:avLst/>
+          </a:prstGeom>
+        </p:spPr>
+        <p:style>
+          <a:lnRef idx="1">
+            <a:schemeClr val="accent1"/>
+          </a:lnRef>
+          <a:fillRef idx="0">
+            <a:schemeClr val="accent1"/>
+          </a:fillRef>
+          <a:effectRef idx="0">
+            <a:schemeClr val="accent1"/>
+          </a:effectRef>
+          <a:fontRef idx="minor">
+            <a:schemeClr val="tx1"/>
+          </a:fontRef>
+        </p:style>
+      </p:cxnSp>
+      <p:pic>
+        <p:nvPicPr>
+          <p:cNvPr id="3" name="그림 2">
+            <a:extLst>
+              <a:ext uri="{FF2B5EF4-FFF2-40B4-BE49-F238E27FC236}">
+                <a16:creationId xmlns:a16="http://schemas.microsoft.com/office/drawing/2014/main" id="{E7B562EE-6725-590F-765F-7AED948406E3}"/>
+              </a:ext>
+            </a:extLst>
+          </p:cNvPr>
+          <p:cNvPicPr>
+            <a:picLocks noChangeAspect="1"/>
+          </p:cNvPicPr>
+          <p:nvPr/>
+        </p:nvPicPr>
+        <p:blipFill>
+          <a:blip r:embed="rId5"/>
+          <a:stretch>
+            <a:fillRect/>
+          </a:stretch>
+        </p:blipFill>
+        <p:spPr>
+          <a:xfrm>
+            <a:off x="601992" y="2448545"/>
+            <a:ext cx="3218894" cy="1464638"/>
+          </a:xfrm>
+          <a:prstGeom prst="rect">
+            <a:avLst/>
+          </a:prstGeom>
+        </p:spPr>
+      </p:pic>
+      <p:cxnSp>
+        <p:nvCxnSpPr>
+          <p:cNvPr id="9" name="직선 화살표 연결선 8">
+            <a:extLst>
+              <a:ext uri="{FF2B5EF4-FFF2-40B4-BE49-F238E27FC236}">
+                <a16:creationId xmlns:a16="http://schemas.microsoft.com/office/drawing/2014/main" id="{2785C300-5377-731E-CE9D-B06D62180B71}"/>
+              </a:ext>
+            </a:extLst>
+          </p:cNvPr>
+          <p:cNvCxnSpPr>
+            <a:cxnSpLocks/>
+          </p:cNvCxnSpPr>
+          <p:nvPr/>
+        </p:nvCxnSpPr>
+        <p:spPr>
+          <a:xfrm flipH="1">
+            <a:off x="2123238" y="2944586"/>
+            <a:ext cx="2269148" cy="0"/>
+          </a:xfrm>
+          <a:prstGeom prst="straightConnector1">
+            <a:avLst/>
+          </a:prstGeom>
+          <a:ln>
+            <a:tailEnd type="triangle"/>
+          </a:ln>
+        </p:spPr>
+        <p:style>
+          <a:lnRef idx="1">
+            <a:schemeClr val="accent1"/>
+          </a:lnRef>
+          <a:fillRef idx="0">
+            <a:schemeClr val="accent1"/>
+          </a:fillRef>
+          <a:effectRef idx="0">
+            <a:schemeClr val="accent1"/>
+          </a:effectRef>
+          <a:fontRef idx="minor">
+            <a:schemeClr val="tx1"/>
+          </a:fontRef>
+        </p:style>
+      </p:cxnSp>
+      <p:pic>
+        <p:nvPicPr>
+          <p:cNvPr id="7" name="그림 6">
+            <a:extLst>
+              <a:ext uri="{FF2B5EF4-FFF2-40B4-BE49-F238E27FC236}">
+                <a16:creationId xmlns:a16="http://schemas.microsoft.com/office/drawing/2014/main" id="{27ECFBE4-D99A-B389-608E-034FADA2F0F2}"/>
+              </a:ext>
+            </a:extLst>
+          </p:cNvPr>
+          <p:cNvPicPr>
+            <a:picLocks noChangeAspect="1"/>
+          </p:cNvPicPr>
+          <p:nvPr/>
+        </p:nvPicPr>
+        <p:blipFill>
+          <a:blip r:embed="rId6"/>
+          <a:stretch>
+            <a:fillRect/>
+          </a:stretch>
+        </p:blipFill>
+        <p:spPr>
+          <a:xfrm>
+            <a:off x="4667050" y="2522024"/>
+            <a:ext cx="2857899" cy="704948"/>
+          </a:xfrm>
+          <a:prstGeom prst="rect">
+            <a:avLst/>
+          </a:prstGeom>
+        </p:spPr>
+      </p:pic>
+      <p:sp>
+        <p:nvSpPr>
+          <p:cNvPr id="14" name="TextBox 13">
+            <a:extLst>
+              <a:ext uri="{FF2B5EF4-FFF2-40B4-BE49-F238E27FC236}">
+                <a16:creationId xmlns:a16="http://schemas.microsoft.com/office/drawing/2014/main" id="{A1680054-3C71-D489-2634-F5218E0329DC}"/>
+              </a:ext>
+            </a:extLst>
+          </p:cNvPr>
+          <p:cNvSpPr txBox="1"/>
+          <p:nvPr/>
+        </p:nvSpPr>
+        <p:spPr>
+          <a:xfrm>
+            <a:off x="4667050" y="3282504"/>
+            <a:ext cx="3805850" cy="373885"/>
+          </a:xfrm>
+          <a:prstGeom prst="rect">
+            <a:avLst/>
+          </a:prstGeom>
+          <a:noFill/>
+        </p:spPr>
+        <p:txBody>
+          <a:bodyPr wrap="none" rtlCol="0">
+            <a:spAutoFit/>
+          </a:bodyPr>
+          <a:lstStyle/>
+          <a:p>
+            <a:pPr>
+              <a:lnSpc>
+                <a:spcPct val="150000"/>
+              </a:lnSpc>
+            </a:pPr>
+            <a:r>
+              <a:rPr lang="ko-KR" altLang="en-US" sz="1400" dirty="0"/>
+              <a:t>링크 없으면 </a:t>
+            </a:r>
+            <a:r>
+              <a:rPr lang="en-US" altLang="ko-KR" sz="1400" dirty="0"/>
+              <a:t>a </a:t>
+            </a:r>
+            <a:r>
+              <a:rPr lang="ko-KR" altLang="en-US" sz="1400" dirty="0"/>
+              <a:t>태그를 </a:t>
+            </a:r>
+            <a:r>
+              <a:rPr lang="en-US" altLang="ko-KR" sz="1400" dirty="0"/>
+              <a:t>div </a:t>
+            </a:r>
+            <a:r>
+              <a:rPr lang="ko-KR" altLang="en-US" sz="1400" dirty="0"/>
+              <a:t>태그로 바꿔주세요</a:t>
+            </a:r>
+            <a:r>
+              <a:rPr lang="en-US" altLang="ko-KR" sz="1400" dirty="0"/>
+              <a:t>.</a:t>
+            </a:r>
+          </a:p>
+        </p:txBody>
+      </p:sp>
+      <p:cxnSp>
+        <p:nvCxnSpPr>
+          <p:cNvPr id="17" name="직선 연결선 16">
+            <a:extLst>
+              <a:ext uri="{FF2B5EF4-FFF2-40B4-BE49-F238E27FC236}">
+                <a16:creationId xmlns:a16="http://schemas.microsoft.com/office/drawing/2014/main" id="{CD147E53-7507-0E7C-60E3-560FA2B26576}"/>
+              </a:ext>
+            </a:extLst>
+          </p:cNvPr>
+          <p:cNvCxnSpPr/>
+          <p:nvPr/>
+        </p:nvCxnSpPr>
+        <p:spPr>
+          <a:xfrm>
+            <a:off x="540697" y="4343400"/>
+            <a:ext cx="10995439" cy="0"/>
+          </a:xfrm>
+          <a:prstGeom prst="line">
+            <a:avLst/>
+          </a:prstGeom>
+        </p:spPr>
+        <p:style>
+          <a:lnRef idx="1">
+            <a:schemeClr val="accent1"/>
+          </a:lnRef>
+          <a:fillRef idx="0">
+            <a:schemeClr val="accent1"/>
+          </a:fillRef>
+          <a:effectRef idx="0">
+            <a:schemeClr val="accent1"/>
+          </a:effectRef>
+          <a:fontRef idx="minor">
+            <a:schemeClr val="tx1"/>
+          </a:fontRef>
+        </p:style>
+      </p:cxnSp>
+      <p:pic>
+        <p:nvPicPr>
+          <p:cNvPr id="10" name="그림 9">
+            <a:extLst>
+              <a:ext uri="{FF2B5EF4-FFF2-40B4-BE49-F238E27FC236}">
+                <a16:creationId xmlns:a16="http://schemas.microsoft.com/office/drawing/2014/main" id="{197F9AC7-DE1C-D00D-6E2B-D28A25857B72}"/>
+              </a:ext>
+            </a:extLst>
+          </p:cNvPr>
+          <p:cNvPicPr>
+            <a:picLocks noChangeAspect="1"/>
+          </p:cNvPicPr>
+          <p:nvPr/>
+        </p:nvPicPr>
+        <p:blipFill>
+          <a:blip r:embed="rId7"/>
+          <a:stretch>
+            <a:fillRect/>
+          </a:stretch>
+        </p:blipFill>
+        <p:spPr>
+          <a:xfrm>
+            <a:off x="565190" y="4600194"/>
+            <a:ext cx="2798494" cy="1487905"/>
+          </a:xfrm>
+          <a:prstGeom prst="rect">
+            <a:avLst/>
+          </a:prstGeom>
+        </p:spPr>
+      </p:pic>
+      <p:pic>
+        <p:nvPicPr>
+          <p:cNvPr id="12" name="그림 11">
+            <a:extLst>
+              <a:ext uri="{FF2B5EF4-FFF2-40B4-BE49-F238E27FC236}">
+                <a16:creationId xmlns:a16="http://schemas.microsoft.com/office/drawing/2014/main" id="{2B44B261-39E6-881A-3096-1CBD00CD22BE}"/>
+              </a:ext>
+            </a:extLst>
+          </p:cNvPr>
+          <p:cNvPicPr>
+            <a:picLocks noChangeAspect="1"/>
+          </p:cNvPicPr>
+          <p:nvPr/>
+        </p:nvPicPr>
+        <p:blipFill>
+          <a:blip r:embed="rId8"/>
+          <a:stretch>
+            <a:fillRect/>
+          </a:stretch>
+        </p:blipFill>
+        <p:spPr>
+          <a:xfrm>
+            <a:off x="7042082" y="4842421"/>
+            <a:ext cx="3153215" cy="504895"/>
+          </a:xfrm>
+          <a:prstGeom prst="rect">
+            <a:avLst/>
+          </a:prstGeom>
+        </p:spPr>
+      </p:pic>
+      <p:pic>
+        <p:nvPicPr>
+          <p:cNvPr id="21" name="그림 20">
+            <a:extLst>
+              <a:ext uri="{FF2B5EF4-FFF2-40B4-BE49-F238E27FC236}">
+                <a16:creationId xmlns:a16="http://schemas.microsoft.com/office/drawing/2014/main" id="{F2FC1BD7-900D-75B4-71E6-CEDE59868BAB}"/>
+              </a:ext>
+            </a:extLst>
+          </p:cNvPr>
+          <p:cNvPicPr>
+            <a:picLocks noChangeAspect="1"/>
+          </p:cNvPicPr>
+          <p:nvPr/>
+        </p:nvPicPr>
+        <p:blipFill>
+          <a:blip r:embed="rId9"/>
+          <a:stretch>
+            <a:fillRect/>
+          </a:stretch>
+        </p:blipFill>
+        <p:spPr>
+          <a:xfrm>
+            <a:off x="3621516" y="4649281"/>
+            <a:ext cx="2994490" cy="1309568"/>
+          </a:xfrm>
+          <a:prstGeom prst="rect">
+            <a:avLst/>
+          </a:prstGeom>
+        </p:spPr>
+      </p:pic>
     </p:spTree>
     <p:extLst>
       <p:ext uri="{BB962C8B-B14F-4D97-AF65-F5344CB8AC3E}">
@@ -3761,12 +4084,111 @@
           <a:chExt cx="0" cy="0"/>
         </a:xfrm>
       </p:grpSpPr>
-      <p:sp>
-        <p:nvSpPr>
-          <p:cNvPr id="2" name="TextBox 1">
+      <p:pic>
+        <p:nvPicPr>
+          <p:cNvPr id="4" name="그림 3">
             <a:extLst>
               <a:ext uri="{FF2B5EF4-FFF2-40B4-BE49-F238E27FC236}">
-                <a16:creationId xmlns:a16="http://schemas.microsoft.com/office/drawing/2014/main" id="{B35CC9F4-688C-7A8A-DB21-ECB6CE0C04A9}"/>
+                <a16:creationId xmlns:a16="http://schemas.microsoft.com/office/drawing/2014/main" id="{5154AE30-FD11-74E7-5259-71D6F4C415AE}"/>
+              </a:ext>
+            </a:extLst>
+          </p:cNvPr>
+          <p:cNvPicPr>
+            <a:picLocks noChangeAspect="1"/>
+          </p:cNvPicPr>
+          <p:nvPr/>
+        </p:nvPicPr>
+        <p:blipFill>
+          <a:blip r:embed="rId2"/>
+          <a:stretch>
+            <a:fillRect/>
+          </a:stretch>
+        </p:blipFill>
+        <p:spPr>
+          <a:xfrm>
+            <a:off x="461703" y="399922"/>
+            <a:ext cx="2753136" cy="1351923"/>
+          </a:xfrm>
+          <a:prstGeom prst="rect">
+            <a:avLst/>
+          </a:prstGeom>
+        </p:spPr>
+      </p:pic>
+      <p:pic>
+        <p:nvPicPr>
+          <p:cNvPr id="6" name="그림 5">
+            <a:extLst>
+              <a:ext uri="{FF2B5EF4-FFF2-40B4-BE49-F238E27FC236}">
+                <a16:creationId xmlns:a16="http://schemas.microsoft.com/office/drawing/2014/main" id="{251FA6E5-EDF2-3FC3-78C2-98F56360C91B}"/>
+              </a:ext>
+            </a:extLst>
+          </p:cNvPr>
+          <p:cNvPicPr>
+            <a:picLocks noChangeAspect="1"/>
+          </p:cNvPicPr>
+          <p:nvPr/>
+        </p:nvPicPr>
+        <p:blipFill>
+          <a:blip r:embed="rId3"/>
+          <a:stretch>
+            <a:fillRect/>
+          </a:stretch>
+        </p:blipFill>
+        <p:spPr>
+          <a:xfrm>
+            <a:off x="4318145" y="399922"/>
+            <a:ext cx="2946435" cy="3883320"/>
+          </a:xfrm>
+          <a:prstGeom prst="rect">
+            <a:avLst/>
+          </a:prstGeom>
+        </p:spPr>
+      </p:pic>
+      <p:cxnSp>
+        <p:nvCxnSpPr>
+          <p:cNvPr id="8" name="직선 화살표 연결선 7">
+            <a:extLst>
+              <a:ext uri="{FF2B5EF4-FFF2-40B4-BE49-F238E27FC236}">
+                <a16:creationId xmlns:a16="http://schemas.microsoft.com/office/drawing/2014/main" id="{7E280CBF-8F39-D147-04F9-BD5E4AE683EA}"/>
+              </a:ext>
+            </a:extLst>
+          </p:cNvPr>
+          <p:cNvCxnSpPr/>
+          <p:nvPr/>
+        </p:nvCxnSpPr>
+        <p:spPr>
+          <a:xfrm>
+            <a:off x="3022333" y="1075883"/>
+            <a:ext cx="981776" cy="0"/>
+          </a:xfrm>
+          <a:prstGeom prst="straightConnector1">
+            <a:avLst/>
+          </a:prstGeom>
+          <a:ln>
+            <a:tailEnd type="triangle"/>
+          </a:ln>
+        </p:spPr>
+        <p:style>
+          <a:lnRef idx="1">
+            <a:schemeClr val="accent1"/>
+          </a:lnRef>
+          <a:fillRef idx="0">
+            <a:schemeClr val="accent1"/>
+          </a:fillRef>
+          <a:effectRef idx="0">
+            <a:schemeClr val="accent1"/>
+          </a:effectRef>
+          <a:fontRef idx="minor">
+            <a:schemeClr val="tx1"/>
+          </a:fontRef>
+        </p:style>
+      </p:cxnSp>
+      <p:sp>
+        <p:nvSpPr>
+          <p:cNvPr id="9" name="TextBox 8">
+            <a:extLst>
+              <a:ext uri="{FF2B5EF4-FFF2-40B4-BE49-F238E27FC236}">
+                <a16:creationId xmlns:a16="http://schemas.microsoft.com/office/drawing/2014/main" id="{74C54BB1-0956-2B4A-BEBE-3E9DBABA7AFA}"/>
               </a:ext>
             </a:extLst>
           </p:cNvPr>
@@ -3775,8 +4197,8 @@
         </p:nvSpPr>
         <p:spPr>
           <a:xfrm>
-            <a:off x="299803" y="217357"/>
-            <a:ext cx="944489" cy="369332"/>
+            <a:off x="3443326" y="1298121"/>
+            <a:ext cx="543739" cy="307777"/>
           </a:xfrm>
           <a:prstGeom prst="rect">
             <a:avLst/>
@@ -3790,13 +4212,261 @@
           <a:lstStyle/>
           <a:p>
             <a:r>
-              <a:rPr lang="en-US" altLang="ko-KR" dirty="0"/>
-              <a:t>111111</a:t>
-            </a:r>
-            <a:endParaRPr lang="ko-KR" altLang="en-US" dirty="0"/>
-          </a:p>
-        </p:txBody>
-      </p:sp>
+              <a:rPr lang="ko-KR" altLang="en-US" sz="1400" dirty="0"/>
+              <a:t>클릭</a:t>
+            </a:r>
+          </a:p>
+        </p:txBody>
+      </p:sp>
+      <p:cxnSp>
+        <p:nvCxnSpPr>
+          <p:cNvPr id="11" name="직선 화살표 연결선 10">
+            <a:extLst>
+              <a:ext uri="{FF2B5EF4-FFF2-40B4-BE49-F238E27FC236}">
+                <a16:creationId xmlns:a16="http://schemas.microsoft.com/office/drawing/2014/main" id="{F355A14B-5DB3-CDB3-2C3E-1B395DAC811C}"/>
+              </a:ext>
+            </a:extLst>
+          </p:cNvPr>
+          <p:cNvCxnSpPr/>
+          <p:nvPr/>
+        </p:nvCxnSpPr>
+        <p:spPr>
+          <a:xfrm flipH="1">
+            <a:off x="6096000" y="399922"/>
+            <a:ext cx="1861457" cy="0"/>
+          </a:xfrm>
+          <a:prstGeom prst="straightConnector1">
+            <a:avLst/>
+          </a:prstGeom>
+          <a:ln>
+            <a:tailEnd type="triangle"/>
+          </a:ln>
+        </p:spPr>
+        <p:style>
+          <a:lnRef idx="1">
+            <a:schemeClr val="accent1"/>
+          </a:lnRef>
+          <a:fillRef idx="0">
+            <a:schemeClr val="accent1"/>
+          </a:fillRef>
+          <a:effectRef idx="0">
+            <a:schemeClr val="accent1"/>
+          </a:effectRef>
+          <a:fontRef idx="minor">
+            <a:schemeClr val="tx1"/>
+          </a:fontRef>
+        </p:style>
+      </p:cxnSp>
+      <p:sp>
+        <p:nvSpPr>
+          <p:cNvPr id="12" name="TextBox 11">
+            <a:extLst>
+              <a:ext uri="{FF2B5EF4-FFF2-40B4-BE49-F238E27FC236}">
+                <a16:creationId xmlns:a16="http://schemas.microsoft.com/office/drawing/2014/main" id="{89EF5AEC-36C3-B871-A253-B80739D57D8F}"/>
+              </a:ext>
+            </a:extLst>
+          </p:cNvPr>
+          <p:cNvSpPr txBox="1"/>
+          <p:nvPr/>
+        </p:nvSpPr>
+        <p:spPr>
+          <a:xfrm>
+            <a:off x="7685587" y="519792"/>
+            <a:ext cx="4078361" cy="1384995"/>
+          </a:xfrm>
+          <a:prstGeom prst="rect">
+            <a:avLst/>
+          </a:prstGeom>
+          <a:noFill/>
+        </p:spPr>
+        <p:txBody>
+          <a:bodyPr wrap="none" rtlCol="0">
+            <a:spAutoFit/>
+          </a:bodyPr>
+          <a:lstStyle/>
+          <a:p>
+            <a:r>
+              <a:rPr lang="ko-KR" altLang="en-US" sz="1400" dirty="0"/>
+              <a:t>포커스가 여기로 와야 합니다</a:t>
+            </a:r>
+            <a:r>
+              <a:rPr lang="en-US" altLang="ko-KR" sz="1400" dirty="0"/>
+              <a:t>.</a:t>
+            </a:r>
+          </a:p>
+          <a:p>
+            <a:endParaRPr lang="en-US" altLang="ko-KR" sz="1400" dirty="0"/>
+          </a:p>
+          <a:p>
+            <a:r>
+              <a:rPr lang="en-US" altLang="ko-KR" sz="1400" dirty="0"/>
+              <a:t>X </a:t>
+            </a:r>
+            <a:r>
+              <a:rPr lang="ko-KR" altLang="en-US" sz="1400" dirty="0"/>
+              <a:t>버튼에서 </a:t>
+            </a:r>
+            <a:r>
+              <a:rPr lang="ko-KR" altLang="en-US" sz="1400" dirty="0" err="1"/>
+              <a:t>탭누르면</a:t>
+            </a:r>
+            <a:r>
+              <a:rPr lang="ko-KR" altLang="en-US" sz="1400" dirty="0"/>
+              <a:t> 포커스가 다시 여기로 와야</a:t>
+            </a:r>
+            <a:endParaRPr lang="en-US" altLang="ko-KR" sz="1400" dirty="0"/>
+          </a:p>
+          <a:p>
+            <a:r>
+              <a:rPr lang="ko-KR" altLang="en-US" sz="1400" dirty="0"/>
+              <a:t>합니다</a:t>
+            </a:r>
+            <a:r>
+              <a:rPr lang="en-US" altLang="ko-KR" sz="1400" dirty="0"/>
+              <a:t>.</a:t>
+            </a:r>
+          </a:p>
+          <a:p>
+            <a:endParaRPr lang="en-US" altLang="ko-KR" sz="1400" dirty="0"/>
+          </a:p>
+          <a:p>
+            <a:r>
+              <a:rPr lang="en-US" altLang="ko-KR" sz="1400" dirty="0"/>
+              <a:t>X </a:t>
+            </a:r>
+            <a:r>
+              <a:rPr lang="ko-KR" altLang="en-US" sz="1400" dirty="0"/>
+              <a:t>누르면 원래 </a:t>
+            </a:r>
+            <a:r>
+              <a:rPr lang="ko-KR" altLang="en-US" sz="1400" dirty="0" err="1"/>
+              <a:t>있던곳으로</a:t>
+            </a:r>
+            <a:r>
+              <a:rPr lang="ko-KR" altLang="en-US" sz="1400" dirty="0"/>
+              <a:t> 포커스가 가야합니다</a:t>
+            </a:r>
+            <a:r>
+              <a:rPr lang="en-US" altLang="ko-KR" sz="1400" dirty="0"/>
+              <a:t>.</a:t>
+            </a:r>
+            <a:endParaRPr lang="ko-KR" altLang="en-US" sz="1400" dirty="0"/>
+          </a:p>
+        </p:txBody>
+      </p:sp>
+      <p:cxnSp>
+        <p:nvCxnSpPr>
+          <p:cNvPr id="14" name="직선 화살표 연결선 13">
+            <a:extLst>
+              <a:ext uri="{FF2B5EF4-FFF2-40B4-BE49-F238E27FC236}">
+                <a16:creationId xmlns:a16="http://schemas.microsoft.com/office/drawing/2014/main" id="{7E7049B7-C4AA-544A-5CE6-6D8281EDD43E}"/>
+              </a:ext>
+            </a:extLst>
+          </p:cNvPr>
+          <p:cNvCxnSpPr>
+            <a:cxnSpLocks/>
+          </p:cNvCxnSpPr>
+          <p:nvPr/>
+        </p:nvCxnSpPr>
+        <p:spPr>
+          <a:xfrm flipV="1">
+            <a:off x="2691253" y="1298121"/>
+            <a:ext cx="0" cy="3943350"/>
+          </a:xfrm>
+          <a:prstGeom prst="straightConnector1">
+            <a:avLst/>
+          </a:prstGeom>
+          <a:ln>
+            <a:tailEnd type="triangle"/>
+          </a:ln>
+        </p:spPr>
+        <p:style>
+          <a:lnRef idx="1">
+            <a:schemeClr val="dk1"/>
+          </a:lnRef>
+          <a:fillRef idx="0">
+            <a:schemeClr val="dk1"/>
+          </a:fillRef>
+          <a:effectRef idx="0">
+            <a:schemeClr val="dk1"/>
+          </a:effectRef>
+          <a:fontRef idx="minor">
+            <a:schemeClr val="tx1"/>
+          </a:fontRef>
+        </p:style>
+      </p:cxnSp>
+      <p:cxnSp>
+        <p:nvCxnSpPr>
+          <p:cNvPr id="17" name="직선 연결선 16">
+            <a:extLst>
+              <a:ext uri="{FF2B5EF4-FFF2-40B4-BE49-F238E27FC236}">
+                <a16:creationId xmlns:a16="http://schemas.microsoft.com/office/drawing/2014/main" id="{F7FD24F0-77EA-66D1-B9AD-C46DF90108A0}"/>
+              </a:ext>
+            </a:extLst>
+          </p:cNvPr>
+          <p:cNvCxnSpPr/>
+          <p:nvPr/>
+        </p:nvCxnSpPr>
+        <p:spPr>
+          <a:xfrm>
+            <a:off x="2743200" y="5241471"/>
+            <a:ext cx="5519057" cy="0"/>
+          </a:xfrm>
+          <a:prstGeom prst="line">
+            <a:avLst/>
+          </a:prstGeom>
+        </p:spPr>
+        <p:style>
+          <a:lnRef idx="1">
+            <a:schemeClr val="accent1"/>
+          </a:lnRef>
+          <a:fillRef idx="0">
+            <a:schemeClr val="accent1"/>
+          </a:fillRef>
+          <a:effectRef idx="0">
+            <a:schemeClr val="accent1"/>
+          </a:effectRef>
+          <a:fontRef idx="minor">
+            <a:schemeClr val="tx1"/>
+          </a:fontRef>
+        </p:style>
+      </p:cxnSp>
+      <p:cxnSp>
+        <p:nvCxnSpPr>
+          <p:cNvPr id="19" name="직선 연결선 18">
+            <a:extLst>
+              <a:ext uri="{FF2B5EF4-FFF2-40B4-BE49-F238E27FC236}">
+                <a16:creationId xmlns:a16="http://schemas.microsoft.com/office/drawing/2014/main" id="{24E7478F-D91C-F669-C390-8DD4E1E6DADB}"/>
+              </a:ext>
+            </a:extLst>
+          </p:cNvPr>
+          <p:cNvCxnSpPr/>
+          <p:nvPr/>
+        </p:nvCxnSpPr>
+        <p:spPr>
+          <a:xfrm flipV="1">
+            <a:off x="8270421" y="2073729"/>
+            <a:ext cx="0" cy="3167742"/>
+          </a:xfrm>
+          <a:prstGeom prst="line">
+            <a:avLst/>
+          </a:prstGeom>
+        </p:spPr>
+        <p:style>
+          <a:lnRef idx="1">
+            <a:schemeClr val="accent1"/>
+          </a:lnRef>
+          <a:fillRef idx="0">
+            <a:schemeClr val="accent1"/>
+          </a:fillRef>
+          <a:effectRef idx="0">
+            <a:schemeClr val="accent1"/>
+          </a:effectRef>
+          <a:fontRef idx="minor">
+            <a:schemeClr val="tx1"/>
+          </a:fontRef>
+        </p:style>
+      </p:cxnSp>
     </p:spTree>
     <p:extLst>
       <p:ext uri="{BB962C8B-B14F-4D97-AF65-F5344CB8AC3E}">

--- a/ppt/웹접근성 오류 체크(운영).pptx
+++ b/ppt/웹접근성 오류 체크(운영).pptx
@@ -5,12 +5,29 @@
     <p:sldMasterId id="2147483648" r:id="rId1"/>
   </p:sldMasterIdLst>
   <p:sldIdLst>
-    <p:sldId id="296" r:id="rId2"/>
-    <p:sldId id="293" r:id="rId3"/>
-    <p:sldId id="294" r:id="rId4"/>
-    <p:sldId id="295" r:id="rId5"/>
-    <p:sldId id="287" r:id="rId6"/>
-    <p:sldId id="288" r:id="rId7"/>
+    <p:sldId id="287" r:id="rId2"/>
+    <p:sldId id="302" r:id="rId3"/>
+    <p:sldId id="303" r:id="rId4"/>
+    <p:sldId id="306" r:id="rId5"/>
+    <p:sldId id="298" r:id="rId6"/>
+    <p:sldId id="301" r:id="rId7"/>
+    <p:sldId id="310" r:id="rId8"/>
+    <p:sldId id="312" r:id="rId9"/>
+    <p:sldId id="314" r:id="rId10"/>
+    <p:sldId id="315" r:id="rId11"/>
+    <p:sldId id="313" r:id="rId12"/>
+    <p:sldId id="317" r:id="rId13"/>
+    <p:sldId id="304" r:id="rId14"/>
+    <p:sldId id="311" r:id="rId15"/>
+    <p:sldId id="300" r:id="rId16"/>
+    <p:sldId id="294" r:id="rId17"/>
+    <p:sldId id="295" r:id="rId18"/>
+    <p:sldId id="308" r:id="rId19"/>
+    <p:sldId id="309" r:id="rId20"/>
+    <p:sldId id="299" r:id="rId21"/>
+    <p:sldId id="293" r:id="rId22"/>
+    <p:sldId id="297" r:id="rId23"/>
+    <p:sldId id="288" r:id="rId24"/>
   </p:sldIdLst>
   <p:sldSz cx="12192000" cy="6858000"/>
   <p:notesSz cx="6858000" cy="9144000"/>
@@ -246,7 +263,7 @@
           <a:p>
             <a:fld id="{D203A8F8-6A3C-431B-BFF3-386CC4580D21}" type="datetimeFigureOut">
               <a:rPr lang="ko-KR" altLang="en-US" smtClean="0"/>
-              <a:t>2022-06-10</a:t>
+              <a:t>2022-06-13</a:t>
             </a:fld>
             <a:endParaRPr lang="ko-KR" altLang="en-US"/>
           </a:p>
@@ -414,7 +431,7 @@
           <a:p>
             <a:fld id="{D203A8F8-6A3C-431B-BFF3-386CC4580D21}" type="datetimeFigureOut">
               <a:rPr lang="ko-KR" altLang="en-US" smtClean="0"/>
-              <a:t>2022-06-10</a:t>
+              <a:t>2022-06-13</a:t>
             </a:fld>
             <a:endParaRPr lang="ko-KR" altLang="en-US"/>
           </a:p>
@@ -592,7 +609,7 @@
           <a:p>
             <a:fld id="{D203A8F8-6A3C-431B-BFF3-386CC4580D21}" type="datetimeFigureOut">
               <a:rPr lang="ko-KR" altLang="en-US" smtClean="0"/>
-              <a:t>2022-06-10</a:t>
+              <a:t>2022-06-13</a:t>
             </a:fld>
             <a:endParaRPr lang="ko-KR" altLang="en-US"/>
           </a:p>
@@ -760,7 +777,7 @@
           <a:p>
             <a:fld id="{D203A8F8-6A3C-431B-BFF3-386CC4580D21}" type="datetimeFigureOut">
               <a:rPr lang="ko-KR" altLang="en-US" smtClean="0"/>
-              <a:t>2022-06-10</a:t>
+              <a:t>2022-06-13</a:t>
             </a:fld>
             <a:endParaRPr lang="ko-KR" altLang="en-US"/>
           </a:p>
@@ -1005,7 +1022,7 @@
           <a:p>
             <a:fld id="{D203A8F8-6A3C-431B-BFF3-386CC4580D21}" type="datetimeFigureOut">
               <a:rPr lang="ko-KR" altLang="en-US" smtClean="0"/>
-              <a:t>2022-06-10</a:t>
+              <a:t>2022-06-13</a:t>
             </a:fld>
             <a:endParaRPr lang="ko-KR" altLang="en-US"/>
           </a:p>
@@ -1234,7 +1251,7 @@
           <a:p>
             <a:fld id="{D203A8F8-6A3C-431B-BFF3-386CC4580D21}" type="datetimeFigureOut">
               <a:rPr lang="ko-KR" altLang="en-US" smtClean="0"/>
-              <a:t>2022-06-10</a:t>
+              <a:t>2022-06-13</a:t>
             </a:fld>
             <a:endParaRPr lang="ko-KR" altLang="en-US"/>
           </a:p>
@@ -1598,7 +1615,7 @@
           <a:p>
             <a:fld id="{D203A8F8-6A3C-431B-BFF3-386CC4580D21}" type="datetimeFigureOut">
               <a:rPr lang="ko-KR" altLang="en-US" smtClean="0"/>
-              <a:t>2022-06-10</a:t>
+              <a:t>2022-06-13</a:t>
             </a:fld>
             <a:endParaRPr lang="ko-KR" altLang="en-US"/>
           </a:p>
@@ -1715,7 +1732,7 @@
           <a:p>
             <a:fld id="{D203A8F8-6A3C-431B-BFF3-386CC4580D21}" type="datetimeFigureOut">
               <a:rPr lang="ko-KR" altLang="en-US" smtClean="0"/>
-              <a:t>2022-06-10</a:t>
+              <a:t>2022-06-13</a:t>
             </a:fld>
             <a:endParaRPr lang="ko-KR" altLang="en-US"/>
           </a:p>
@@ -1810,7 +1827,7 @@
           <a:p>
             <a:fld id="{D203A8F8-6A3C-431B-BFF3-386CC4580D21}" type="datetimeFigureOut">
               <a:rPr lang="ko-KR" altLang="en-US" smtClean="0"/>
-              <a:t>2022-06-10</a:t>
+              <a:t>2022-06-13</a:t>
             </a:fld>
             <a:endParaRPr lang="ko-KR" altLang="en-US"/>
           </a:p>
@@ -2085,7 +2102,7 @@
           <a:p>
             <a:fld id="{D203A8F8-6A3C-431B-BFF3-386CC4580D21}" type="datetimeFigureOut">
               <a:rPr lang="ko-KR" altLang="en-US" smtClean="0"/>
-              <a:t>2022-06-10</a:t>
+              <a:t>2022-06-13</a:t>
             </a:fld>
             <a:endParaRPr lang="ko-KR" altLang="en-US"/>
           </a:p>
@@ -2337,7 +2354,7 @@
           <a:p>
             <a:fld id="{D203A8F8-6A3C-431B-BFF3-386CC4580D21}" type="datetimeFigureOut">
               <a:rPr lang="ko-KR" altLang="en-US" smtClean="0"/>
-              <a:t>2022-06-10</a:t>
+              <a:t>2022-06-13</a:t>
             </a:fld>
             <a:endParaRPr lang="ko-KR" altLang="en-US"/>
           </a:p>
@@ -2548,7 +2565,7 @@
           <a:p>
             <a:fld id="{D203A8F8-6A3C-431B-BFF3-386CC4580D21}" type="datetimeFigureOut">
               <a:rPr lang="ko-KR" altLang="en-US" smtClean="0"/>
-              <a:t>2022-06-10</a:t>
+              <a:t>2022-06-13</a:t>
             </a:fld>
             <a:endParaRPr lang="ko-KR" altLang="en-US"/>
           </a:p>
@@ -2953,12 +2970,310 @@
           <a:chExt cx="0" cy="0"/>
         </a:xfrm>
       </p:grpSpPr>
+      <p:sp>
+        <p:nvSpPr>
+          <p:cNvPr id="3" name="직사각형 2">
+            <a:extLst>
+              <a:ext uri="{FF2B5EF4-FFF2-40B4-BE49-F238E27FC236}">
+                <a16:creationId xmlns:a16="http://schemas.microsoft.com/office/drawing/2014/main" id="{C911613E-2065-A021-648C-90EA2DD07EE8}"/>
+              </a:ext>
+            </a:extLst>
+          </p:cNvPr>
+          <p:cNvSpPr/>
+          <p:nvPr/>
+        </p:nvSpPr>
+        <p:spPr>
+          <a:xfrm>
+            <a:off x="0" y="0"/>
+            <a:ext cx="12192000" cy="6858000"/>
+          </a:xfrm>
+          <a:prstGeom prst="rect">
+            <a:avLst/>
+          </a:prstGeom>
+        </p:spPr>
+        <p:style>
+          <a:lnRef idx="2">
+            <a:schemeClr val="accent1">
+              <a:shade val="50000"/>
+            </a:schemeClr>
+          </a:lnRef>
+          <a:fillRef idx="1">
+            <a:schemeClr val="accent1"/>
+          </a:fillRef>
+          <a:effectRef idx="0">
+            <a:schemeClr val="accent1"/>
+          </a:effectRef>
+          <a:fontRef idx="minor">
+            <a:schemeClr val="lt1"/>
+          </a:fontRef>
+        </p:style>
+        <p:txBody>
+          <a:bodyPr rtlCol="0" anchor="ctr"/>
+          <a:lstStyle/>
+          <a:p>
+            <a:pPr algn="ctr"/>
+            <a:r>
+              <a:rPr lang="ko-KR" altLang="en-US" sz="10000"/>
+              <a:t>공통</a:t>
+            </a:r>
+          </a:p>
+        </p:txBody>
+      </p:sp>
+    </p:spTree>
+    <p:extLst>
+      <p:ext uri="{BB962C8B-B14F-4D97-AF65-F5344CB8AC3E}">
+        <p14:creationId xmlns:p14="http://schemas.microsoft.com/office/powerpoint/2010/main" val="3392311031"/>
+      </p:ext>
+    </p:extLst>
+  </p:cSld>
+  <p:clrMapOvr>
+    <a:masterClrMapping/>
+  </p:clrMapOvr>
+</p:sld>
+</file>
+
+<file path=ppt/slides/slide10.xml><?xml version="1.0" encoding="utf-8"?>
+<p:sld xmlns:a="http://schemas.openxmlformats.org/drawingml/2006/main" xmlns:r="http://schemas.openxmlformats.org/officeDocument/2006/relationships" xmlns:p="http://schemas.openxmlformats.org/presentationml/2006/main">
+  <p:cSld>
+    <p:spTree>
+      <p:nvGrpSpPr>
+        <p:cNvPr id="1" name=""/>
+        <p:cNvGrpSpPr/>
+        <p:nvPr/>
+      </p:nvGrpSpPr>
+      <p:grpSpPr>
+        <a:xfrm>
+          <a:off x="0" y="0"/>
+          <a:ext cx="0" cy="0"/>
+          <a:chOff x="0" y="0"/>
+          <a:chExt cx="0" cy="0"/>
+        </a:xfrm>
+      </p:grpSpPr>
+      <p:pic>
+        <p:nvPicPr>
+          <p:cNvPr id="3" name="그림 2">
+            <a:extLst>
+              <a:ext uri="{FF2B5EF4-FFF2-40B4-BE49-F238E27FC236}">
+                <a16:creationId xmlns:a16="http://schemas.microsoft.com/office/drawing/2014/main" id="{4697F194-CA88-8A7D-8C5F-E51D25FE0F70}"/>
+              </a:ext>
+            </a:extLst>
+          </p:cNvPr>
+          <p:cNvPicPr>
+            <a:picLocks noChangeAspect="1"/>
+          </p:cNvPicPr>
+          <p:nvPr/>
+        </p:nvPicPr>
+        <p:blipFill>
+          <a:blip r:embed="rId2"/>
+          <a:stretch>
+            <a:fillRect/>
+          </a:stretch>
+        </p:blipFill>
+        <p:spPr>
+          <a:xfrm>
+            <a:off x="405928" y="281891"/>
+            <a:ext cx="3410426" cy="2848373"/>
+          </a:xfrm>
+          <a:prstGeom prst="rect">
+            <a:avLst/>
+          </a:prstGeom>
+        </p:spPr>
+      </p:pic>
+      <p:sp>
+        <p:nvSpPr>
+          <p:cNvPr id="4" name="TextBox 3">
+            <a:extLst>
+              <a:ext uri="{FF2B5EF4-FFF2-40B4-BE49-F238E27FC236}">
+                <a16:creationId xmlns:a16="http://schemas.microsoft.com/office/drawing/2014/main" id="{0EE56183-1800-B6F1-B8CD-6C7C0EF5988C}"/>
+              </a:ext>
+            </a:extLst>
+          </p:cNvPr>
+          <p:cNvSpPr txBox="1"/>
+          <p:nvPr/>
+        </p:nvSpPr>
+        <p:spPr>
+          <a:xfrm>
+            <a:off x="4850210" y="640835"/>
+            <a:ext cx="2566728" cy="307777"/>
+          </a:xfrm>
+          <a:prstGeom prst="rect">
+            <a:avLst/>
+          </a:prstGeom>
+          <a:noFill/>
+        </p:spPr>
+        <p:txBody>
+          <a:bodyPr wrap="none" rtlCol="0">
+            <a:spAutoFit/>
+          </a:bodyPr>
+          <a:lstStyle/>
+          <a:p>
+            <a:r>
+              <a:rPr lang="ko-KR" altLang="en-US" sz="1400" dirty="0"/>
+              <a:t>차트 키보드 조작이 안됩니다</a:t>
+            </a:r>
+            <a:r>
+              <a:rPr lang="en-US" altLang="ko-KR" sz="1400" dirty="0"/>
+              <a:t>.</a:t>
+            </a:r>
+            <a:endParaRPr lang="ko-KR" altLang="en-US" sz="1400" dirty="0"/>
+          </a:p>
+        </p:txBody>
+      </p:sp>
+      <p:sp>
+        <p:nvSpPr>
+          <p:cNvPr id="7" name="TextBox 6">
+            <a:extLst>
+              <a:ext uri="{FF2B5EF4-FFF2-40B4-BE49-F238E27FC236}">
+                <a16:creationId xmlns:a16="http://schemas.microsoft.com/office/drawing/2014/main" id="{D609AC89-3369-A138-9F40-22CB3BEEECE0}"/>
+              </a:ext>
+            </a:extLst>
+          </p:cNvPr>
+          <p:cNvSpPr txBox="1"/>
+          <p:nvPr/>
+        </p:nvSpPr>
+        <p:spPr>
+          <a:xfrm>
+            <a:off x="7726560" y="2437828"/>
+            <a:ext cx="2768707" cy="523220"/>
+          </a:xfrm>
+          <a:prstGeom prst="rect">
+            <a:avLst/>
+          </a:prstGeom>
+          <a:noFill/>
+        </p:spPr>
+        <p:txBody>
+          <a:bodyPr wrap="none" rtlCol="0">
+            <a:spAutoFit/>
+          </a:bodyPr>
+          <a:lstStyle/>
+          <a:p>
+            <a:r>
+              <a:rPr lang="ko-KR" altLang="en-US" sz="1400" dirty="0"/>
+              <a:t>방향키 </a:t>
+            </a:r>
+            <a:r>
+              <a:rPr lang="ko-KR" altLang="en-US" sz="1400" dirty="0" err="1"/>
+              <a:t>조작시</a:t>
+            </a:r>
+            <a:r>
+              <a:rPr lang="ko-KR" altLang="en-US" sz="1400" dirty="0"/>
+              <a:t> 가능하고 활성화 </a:t>
+            </a:r>
+            <a:endParaRPr lang="en-US" altLang="ko-KR" sz="1400" dirty="0"/>
+          </a:p>
+          <a:p>
+            <a:r>
+              <a:rPr lang="ko-KR" altLang="en-US" sz="1400" dirty="0"/>
+              <a:t>되도록 </a:t>
+            </a:r>
+            <a:r>
+              <a:rPr lang="ko-KR" altLang="en-US" sz="1400" dirty="0" err="1"/>
+              <a:t>해야합니다</a:t>
+            </a:r>
+            <a:r>
+              <a:rPr lang="en-US" altLang="ko-KR" sz="1400" dirty="0"/>
+              <a:t>.</a:t>
+            </a:r>
+            <a:endParaRPr lang="ko-KR" altLang="en-US" sz="1400" dirty="0"/>
+          </a:p>
+        </p:txBody>
+      </p:sp>
+      <p:pic>
+        <p:nvPicPr>
+          <p:cNvPr id="13" name="그림 12">
+            <a:extLst>
+              <a:ext uri="{FF2B5EF4-FFF2-40B4-BE49-F238E27FC236}">
+                <a16:creationId xmlns:a16="http://schemas.microsoft.com/office/drawing/2014/main" id="{F7A3D0C1-8B59-1C0F-0417-1802713AF9F8}"/>
+              </a:ext>
+            </a:extLst>
+          </p:cNvPr>
+          <p:cNvPicPr>
+            <a:picLocks noChangeAspect="1"/>
+          </p:cNvPicPr>
+          <p:nvPr/>
+        </p:nvPicPr>
+        <p:blipFill>
+          <a:blip r:embed="rId3"/>
+          <a:stretch>
+            <a:fillRect/>
+          </a:stretch>
+        </p:blipFill>
+        <p:spPr>
+          <a:xfrm>
+            <a:off x="4850210" y="1329477"/>
+            <a:ext cx="2686425" cy="2524477"/>
+          </a:xfrm>
+          <a:prstGeom prst="rect">
+            <a:avLst/>
+          </a:prstGeom>
+        </p:spPr>
+      </p:pic>
+      <p:pic>
+        <p:nvPicPr>
+          <p:cNvPr id="15" name="그림 14">
+            <a:extLst>
+              <a:ext uri="{FF2B5EF4-FFF2-40B4-BE49-F238E27FC236}">
+                <a16:creationId xmlns:a16="http://schemas.microsoft.com/office/drawing/2014/main" id="{95AF80D0-BA54-BA18-747B-13997C49B514}"/>
+              </a:ext>
+            </a:extLst>
+          </p:cNvPr>
+          <p:cNvPicPr>
+            <a:picLocks noChangeAspect="1"/>
+          </p:cNvPicPr>
+          <p:nvPr/>
+        </p:nvPicPr>
+        <p:blipFill>
+          <a:blip r:embed="rId4"/>
+          <a:stretch>
+            <a:fillRect/>
+          </a:stretch>
+        </p:blipFill>
+        <p:spPr>
+          <a:xfrm>
+            <a:off x="610744" y="3582367"/>
+            <a:ext cx="3000794" cy="2657846"/>
+          </a:xfrm>
+          <a:prstGeom prst="rect">
+            <a:avLst/>
+          </a:prstGeom>
+        </p:spPr>
+      </p:pic>
+      <p:pic>
+        <p:nvPicPr>
+          <p:cNvPr id="17" name="그림 16">
+            <a:extLst>
+              <a:ext uri="{FF2B5EF4-FFF2-40B4-BE49-F238E27FC236}">
+                <a16:creationId xmlns:a16="http://schemas.microsoft.com/office/drawing/2014/main" id="{10EF1F1E-E0D3-FAF4-679C-26DB1DE97D75}"/>
+              </a:ext>
+            </a:extLst>
+          </p:cNvPr>
+          <p:cNvPicPr>
+            <a:picLocks noChangeAspect="1"/>
+          </p:cNvPicPr>
+          <p:nvPr/>
+        </p:nvPicPr>
+        <p:blipFill>
+          <a:blip r:embed="rId5"/>
+          <a:stretch>
+            <a:fillRect/>
+          </a:stretch>
+        </p:blipFill>
+        <p:spPr>
+          <a:xfrm>
+            <a:off x="4350077" y="4914652"/>
+            <a:ext cx="1000265" cy="1381318"/>
+          </a:xfrm>
+          <a:prstGeom prst="rect">
+            <a:avLst/>
+          </a:prstGeom>
+        </p:spPr>
+      </p:pic>
       <p:cxnSp>
         <p:nvCxnSpPr>
-          <p:cNvPr id="6" name="직선 연결선 5">
-            <a:extLst>
-              <a:ext uri="{FF2B5EF4-FFF2-40B4-BE49-F238E27FC236}">
-                <a16:creationId xmlns:a16="http://schemas.microsoft.com/office/drawing/2014/main" id="{5D45C1E1-F3EC-07D3-A673-483AA5760BB6}"/>
+          <p:cNvPr id="19" name="직선 화살표 연결선 18">
+            <a:extLst>
+              <a:ext uri="{FF2B5EF4-FFF2-40B4-BE49-F238E27FC236}">
+                <a16:creationId xmlns:a16="http://schemas.microsoft.com/office/drawing/2014/main" id="{EA908510-387C-B5D4-4864-E48E0B35F3EC}"/>
               </a:ext>
             </a:extLst>
           </p:cNvPr>
@@ -2966,8 +3281,591 @@
           <p:nvPr/>
         </p:nvCxnSpPr>
         <p:spPr>
-          <a:xfrm>
-            <a:off x="540697" y="4171950"/>
+          <a:xfrm flipV="1">
+            <a:off x="1571926" y="5787826"/>
+            <a:ext cx="0" cy="452387"/>
+          </a:xfrm>
+          <a:prstGeom prst="straightConnector1">
+            <a:avLst/>
+          </a:prstGeom>
+          <a:ln>
+            <a:tailEnd type="triangle"/>
+          </a:ln>
+        </p:spPr>
+        <p:style>
+          <a:lnRef idx="1">
+            <a:schemeClr val="accent1"/>
+          </a:lnRef>
+          <a:fillRef idx="0">
+            <a:schemeClr val="accent1"/>
+          </a:fillRef>
+          <a:effectRef idx="0">
+            <a:schemeClr val="accent1"/>
+          </a:effectRef>
+          <a:fontRef idx="minor">
+            <a:schemeClr val="tx1"/>
+          </a:fontRef>
+        </p:style>
+      </p:cxnSp>
+      <p:sp>
+        <p:nvSpPr>
+          <p:cNvPr id="20" name="TextBox 19">
+            <a:extLst>
+              <a:ext uri="{FF2B5EF4-FFF2-40B4-BE49-F238E27FC236}">
+                <a16:creationId xmlns:a16="http://schemas.microsoft.com/office/drawing/2014/main" id="{206B0608-F3D7-D5C8-F8FB-13CE64EE3BFC}"/>
+              </a:ext>
+            </a:extLst>
+          </p:cNvPr>
+          <p:cNvSpPr txBox="1"/>
+          <p:nvPr/>
+        </p:nvSpPr>
+        <p:spPr>
+          <a:xfrm>
+            <a:off x="1385832" y="6351726"/>
+            <a:ext cx="3886000" cy="307777"/>
+          </a:xfrm>
+          <a:prstGeom prst="rect">
+            <a:avLst/>
+          </a:prstGeom>
+          <a:noFill/>
+        </p:spPr>
+        <p:txBody>
+          <a:bodyPr wrap="none" rtlCol="0">
+            <a:spAutoFit/>
+          </a:bodyPr>
+          <a:lstStyle/>
+          <a:p>
+            <a:r>
+              <a:rPr lang="ko-KR" altLang="en-US" sz="1400" dirty="0"/>
+              <a:t>차트 색이 </a:t>
+            </a:r>
+            <a:r>
+              <a:rPr lang="ko-KR" altLang="en-US" sz="1400" dirty="0" err="1"/>
+              <a:t>여러개인경우</a:t>
+            </a:r>
+            <a:r>
+              <a:rPr lang="ko-KR" altLang="en-US" sz="1400" dirty="0"/>
+              <a:t> 범례 들어가야합니다</a:t>
+            </a:r>
+            <a:r>
+              <a:rPr lang="en-US" altLang="ko-KR" sz="1400" dirty="0"/>
+              <a:t>.</a:t>
+            </a:r>
+            <a:endParaRPr lang="ko-KR" altLang="en-US" sz="1400" dirty="0"/>
+          </a:p>
+        </p:txBody>
+      </p:sp>
+    </p:spTree>
+    <p:extLst>
+      <p:ext uri="{BB962C8B-B14F-4D97-AF65-F5344CB8AC3E}">
+        <p14:creationId xmlns:p14="http://schemas.microsoft.com/office/powerpoint/2010/main" val="2477834225"/>
+      </p:ext>
+    </p:extLst>
+  </p:cSld>
+  <p:clrMapOvr>
+    <a:masterClrMapping/>
+  </p:clrMapOvr>
+</p:sld>
+</file>
+
+<file path=ppt/slides/slide11.xml><?xml version="1.0" encoding="utf-8"?>
+<p:sld xmlns:a="http://schemas.openxmlformats.org/drawingml/2006/main" xmlns:r="http://schemas.openxmlformats.org/officeDocument/2006/relationships" xmlns:p="http://schemas.openxmlformats.org/presentationml/2006/main">
+  <p:cSld>
+    <p:spTree>
+      <p:nvGrpSpPr>
+        <p:cNvPr id="1" name=""/>
+        <p:cNvGrpSpPr/>
+        <p:nvPr/>
+      </p:nvGrpSpPr>
+      <p:grpSpPr>
+        <a:xfrm>
+          <a:off x="0" y="0"/>
+          <a:ext cx="0" cy="0"/>
+          <a:chOff x="0" y="0"/>
+          <a:chExt cx="0" cy="0"/>
+        </a:xfrm>
+      </p:grpSpPr>
+      <p:pic>
+        <p:nvPicPr>
+          <p:cNvPr id="3" name="그림 2">
+            <a:extLst>
+              <a:ext uri="{FF2B5EF4-FFF2-40B4-BE49-F238E27FC236}">
+                <a16:creationId xmlns:a16="http://schemas.microsoft.com/office/drawing/2014/main" id="{269AEA47-39AB-4017-534B-96799CE524F0}"/>
+              </a:ext>
+            </a:extLst>
+          </p:cNvPr>
+          <p:cNvPicPr>
+            <a:picLocks noChangeAspect="1"/>
+          </p:cNvPicPr>
+          <p:nvPr/>
+        </p:nvPicPr>
+        <p:blipFill>
+          <a:blip r:embed="rId2"/>
+          <a:stretch>
+            <a:fillRect/>
+          </a:stretch>
+        </p:blipFill>
+        <p:spPr>
+          <a:xfrm>
+            <a:off x="1241631" y="938597"/>
+            <a:ext cx="2818234" cy="2256107"/>
+          </a:xfrm>
+          <a:prstGeom prst="rect">
+            <a:avLst/>
+          </a:prstGeom>
+        </p:spPr>
+      </p:pic>
+      <p:cxnSp>
+        <p:nvCxnSpPr>
+          <p:cNvPr id="5" name="직선 화살표 연결선 4">
+            <a:extLst>
+              <a:ext uri="{FF2B5EF4-FFF2-40B4-BE49-F238E27FC236}">
+                <a16:creationId xmlns:a16="http://schemas.microsoft.com/office/drawing/2014/main" id="{4602CB73-1A06-F49D-3370-18A008500F0E}"/>
+              </a:ext>
+            </a:extLst>
+          </p:cNvPr>
+          <p:cNvCxnSpPr>
+            <a:cxnSpLocks/>
+          </p:cNvCxnSpPr>
+          <p:nvPr/>
+        </p:nvCxnSpPr>
+        <p:spPr>
+          <a:xfrm>
+            <a:off x="1684421" y="742950"/>
+            <a:ext cx="0" cy="261257"/>
+          </a:xfrm>
+          <a:prstGeom prst="straightConnector1">
+            <a:avLst/>
+          </a:prstGeom>
+          <a:ln>
+            <a:tailEnd type="triangle"/>
+          </a:ln>
+        </p:spPr>
+        <p:style>
+          <a:lnRef idx="1">
+            <a:schemeClr val="accent1"/>
+          </a:lnRef>
+          <a:fillRef idx="0">
+            <a:schemeClr val="accent1"/>
+          </a:fillRef>
+          <a:effectRef idx="0">
+            <a:schemeClr val="accent1"/>
+          </a:effectRef>
+          <a:fontRef idx="minor">
+            <a:schemeClr val="tx1"/>
+          </a:fontRef>
+        </p:style>
+      </p:cxnSp>
+      <p:sp>
+        <p:nvSpPr>
+          <p:cNvPr id="6" name="TextBox 5">
+            <a:extLst>
+              <a:ext uri="{FF2B5EF4-FFF2-40B4-BE49-F238E27FC236}">
+                <a16:creationId xmlns:a16="http://schemas.microsoft.com/office/drawing/2014/main" id="{9E49748D-F8D3-228D-1BC5-45DDDB8B405A}"/>
+              </a:ext>
+            </a:extLst>
+          </p:cNvPr>
+          <p:cNvSpPr txBox="1"/>
+          <p:nvPr/>
+        </p:nvSpPr>
+        <p:spPr>
+          <a:xfrm>
+            <a:off x="1084294" y="369348"/>
+            <a:ext cx="1566454" cy="307777"/>
+          </a:xfrm>
+          <a:prstGeom prst="rect">
+            <a:avLst/>
+          </a:prstGeom>
+          <a:noFill/>
+        </p:spPr>
+        <p:txBody>
+          <a:bodyPr wrap="none" rtlCol="0">
+            <a:spAutoFit/>
+          </a:bodyPr>
+          <a:lstStyle/>
+          <a:p>
+            <a:r>
+              <a:rPr lang="ko-KR" altLang="en-US" sz="1400" dirty="0"/>
+              <a:t>버튼 태그로 변경</a:t>
+            </a:r>
+          </a:p>
+        </p:txBody>
+      </p:sp>
+      <p:cxnSp>
+        <p:nvCxnSpPr>
+          <p:cNvPr id="8" name="직선 화살표 연결선 7">
+            <a:extLst>
+              <a:ext uri="{FF2B5EF4-FFF2-40B4-BE49-F238E27FC236}">
+                <a16:creationId xmlns:a16="http://schemas.microsoft.com/office/drawing/2014/main" id="{904F1F86-698F-66B5-EBD6-1149A2A0E002}"/>
+              </a:ext>
+            </a:extLst>
+          </p:cNvPr>
+          <p:cNvCxnSpPr/>
+          <p:nvPr/>
+        </p:nvCxnSpPr>
+        <p:spPr>
+          <a:xfrm flipH="1">
+            <a:off x="4161362" y="1158096"/>
+            <a:ext cx="884167" cy="0"/>
+          </a:xfrm>
+          <a:prstGeom prst="straightConnector1">
+            <a:avLst/>
+          </a:prstGeom>
+          <a:ln>
+            <a:tailEnd type="triangle"/>
+          </a:ln>
+        </p:spPr>
+        <p:style>
+          <a:lnRef idx="1">
+            <a:schemeClr val="accent1"/>
+          </a:lnRef>
+          <a:fillRef idx="0">
+            <a:schemeClr val="accent1"/>
+          </a:fillRef>
+          <a:effectRef idx="0">
+            <a:schemeClr val="accent1"/>
+          </a:effectRef>
+          <a:fontRef idx="minor">
+            <a:schemeClr val="tx1"/>
+          </a:fontRef>
+        </p:style>
+      </p:cxnSp>
+      <p:sp>
+        <p:nvSpPr>
+          <p:cNvPr id="9" name="TextBox 8">
+            <a:extLst>
+              <a:ext uri="{FF2B5EF4-FFF2-40B4-BE49-F238E27FC236}">
+                <a16:creationId xmlns:a16="http://schemas.microsoft.com/office/drawing/2014/main" id="{C11E8480-5727-B782-24C2-73B2AFBD0BDE}"/>
+              </a:ext>
+            </a:extLst>
+          </p:cNvPr>
+          <p:cNvSpPr txBox="1"/>
+          <p:nvPr/>
+        </p:nvSpPr>
+        <p:spPr>
+          <a:xfrm>
+            <a:off x="5059213" y="1004207"/>
+            <a:ext cx="2949846" cy="954107"/>
+          </a:xfrm>
+          <a:prstGeom prst="rect">
+            <a:avLst/>
+          </a:prstGeom>
+          <a:noFill/>
+        </p:spPr>
+        <p:txBody>
+          <a:bodyPr wrap="none" rtlCol="0">
+            <a:spAutoFit/>
+          </a:bodyPr>
+          <a:lstStyle/>
+          <a:p>
+            <a:r>
+              <a:rPr lang="ko-KR" altLang="en-US" sz="1400" dirty="0" err="1"/>
+              <a:t>토글</a:t>
+            </a:r>
+            <a:r>
+              <a:rPr lang="ko-KR" altLang="en-US" sz="1400" dirty="0"/>
+              <a:t> 버튼 타이틀 추가</a:t>
+            </a:r>
+            <a:endParaRPr lang="en-US" altLang="ko-KR" sz="1400" dirty="0"/>
+          </a:p>
+          <a:p>
+            <a:endParaRPr lang="en-US" altLang="ko-KR" sz="1400" dirty="0"/>
+          </a:p>
+          <a:p>
+            <a:r>
+              <a:rPr lang="en-US" altLang="ko-KR" sz="1400" dirty="0"/>
+              <a:t>“</a:t>
+            </a:r>
+            <a:r>
+              <a:rPr lang="ko-KR" altLang="en-US" sz="1400" dirty="0" err="1"/>
+              <a:t>금강보행교</a:t>
+            </a:r>
+            <a:r>
+              <a:rPr lang="ko-KR" altLang="en-US" sz="1400" dirty="0"/>
+              <a:t> 상세정보 닫힘</a:t>
+            </a:r>
+            <a:r>
+              <a:rPr lang="en-US" altLang="ko-KR" sz="1400" dirty="0"/>
+              <a:t>“ (</a:t>
+            </a:r>
+            <a:r>
+              <a:rPr lang="ko-KR" altLang="en-US" sz="1400" dirty="0"/>
+              <a:t>기본</a:t>
+            </a:r>
+            <a:r>
+              <a:rPr lang="en-US" altLang="ko-KR" sz="1400" dirty="0"/>
+              <a:t>)</a:t>
+            </a:r>
+          </a:p>
+          <a:p>
+            <a:r>
+              <a:rPr lang="en-US" altLang="ko-KR" sz="1400" dirty="0"/>
+              <a:t>“</a:t>
+            </a:r>
+            <a:r>
+              <a:rPr lang="ko-KR" altLang="en-US" sz="1400" dirty="0" err="1"/>
+              <a:t>금강보행교</a:t>
+            </a:r>
+            <a:r>
+              <a:rPr lang="ko-KR" altLang="en-US" sz="1400" dirty="0"/>
+              <a:t> 상세정보 열림</a:t>
+            </a:r>
+            <a:r>
+              <a:rPr lang="en-US" altLang="ko-KR" sz="1400" dirty="0"/>
+              <a:t>“</a:t>
+            </a:r>
+          </a:p>
+        </p:txBody>
+      </p:sp>
+      <p:pic>
+        <p:nvPicPr>
+          <p:cNvPr id="11" name="그림 10">
+            <a:extLst>
+              <a:ext uri="{FF2B5EF4-FFF2-40B4-BE49-F238E27FC236}">
+                <a16:creationId xmlns:a16="http://schemas.microsoft.com/office/drawing/2014/main" id="{ABFB56BA-71AE-5B94-B306-DC562FA3C41D}"/>
+              </a:ext>
+            </a:extLst>
+          </p:cNvPr>
+          <p:cNvPicPr>
+            <a:picLocks noChangeAspect="1"/>
+          </p:cNvPicPr>
+          <p:nvPr/>
+        </p:nvPicPr>
+        <p:blipFill>
+          <a:blip r:embed="rId3"/>
+          <a:stretch>
+            <a:fillRect/>
+          </a:stretch>
+        </p:blipFill>
+        <p:spPr>
+          <a:xfrm>
+            <a:off x="1241631" y="3858943"/>
+            <a:ext cx="2664208" cy="2256107"/>
+          </a:xfrm>
+          <a:prstGeom prst="rect">
+            <a:avLst/>
+          </a:prstGeom>
+        </p:spPr>
+      </p:pic>
+      <p:pic>
+        <p:nvPicPr>
+          <p:cNvPr id="17" name="그림 16">
+            <a:extLst>
+              <a:ext uri="{FF2B5EF4-FFF2-40B4-BE49-F238E27FC236}">
+                <a16:creationId xmlns:a16="http://schemas.microsoft.com/office/drawing/2014/main" id="{9408521A-C6A2-6A23-7641-1BE5BEEAEF5F}"/>
+              </a:ext>
+            </a:extLst>
+          </p:cNvPr>
+          <p:cNvPicPr>
+            <a:picLocks noChangeAspect="1"/>
+          </p:cNvPicPr>
+          <p:nvPr/>
+        </p:nvPicPr>
+        <p:blipFill>
+          <a:blip r:embed="rId4"/>
+          <a:stretch>
+            <a:fillRect/>
+          </a:stretch>
+        </p:blipFill>
+        <p:spPr>
+          <a:xfrm>
+            <a:off x="5045529" y="3937121"/>
+            <a:ext cx="3991532" cy="1514686"/>
+          </a:xfrm>
+          <a:prstGeom prst="rect">
+            <a:avLst/>
+          </a:prstGeom>
+        </p:spPr>
+      </p:pic>
+      <p:sp>
+        <p:nvSpPr>
+          <p:cNvPr id="18" name="TextBox 17">
+            <a:extLst>
+              <a:ext uri="{FF2B5EF4-FFF2-40B4-BE49-F238E27FC236}">
+                <a16:creationId xmlns:a16="http://schemas.microsoft.com/office/drawing/2014/main" id="{9FDBD264-03EC-F4EC-578C-D1512B4CF80B}"/>
+              </a:ext>
+            </a:extLst>
+          </p:cNvPr>
+          <p:cNvSpPr txBox="1"/>
+          <p:nvPr/>
+        </p:nvSpPr>
+        <p:spPr>
+          <a:xfrm>
+            <a:off x="5309931" y="5932143"/>
+            <a:ext cx="2768707" cy="523220"/>
+          </a:xfrm>
+          <a:prstGeom prst="rect">
+            <a:avLst/>
+          </a:prstGeom>
+          <a:noFill/>
+        </p:spPr>
+        <p:txBody>
+          <a:bodyPr wrap="none" rtlCol="0">
+            <a:spAutoFit/>
+          </a:bodyPr>
+          <a:lstStyle/>
+          <a:p>
+            <a:r>
+              <a:rPr lang="ko-KR" altLang="en-US" sz="1400" dirty="0"/>
+              <a:t>방향키 </a:t>
+            </a:r>
+            <a:r>
+              <a:rPr lang="ko-KR" altLang="en-US" sz="1400" dirty="0" err="1"/>
+              <a:t>조작시</a:t>
+            </a:r>
+            <a:r>
+              <a:rPr lang="ko-KR" altLang="en-US" sz="1400" dirty="0"/>
+              <a:t> 가능하고 활성화 </a:t>
+            </a:r>
+            <a:endParaRPr lang="en-US" altLang="ko-KR" sz="1400" dirty="0"/>
+          </a:p>
+          <a:p>
+            <a:r>
+              <a:rPr lang="ko-KR" altLang="en-US" sz="1400" dirty="0"/>
+              <a:t>되도록 </a:t>
+            </a:r>
+            <a:r>
+              <a:rPr lang="ko-KR" altLang="en-US" sz="1400" dirty="0" err="1"/>
+              <a:t>해야합니다</a:t>
+            </a:r>
+            <a:r>
+              <a:rPr lang="en-US" altLang="ko-KR" sz="1400" dirty="0"/>
+              <a:t>.</a:t>
+            </a:r>
+            <a:endParaRPr lang="ko-KR" altLang="en-US" sz="1400" dirty="0"/>
+          </a:p>
+        </p:txBody>
+      </p:sp>
+    </p:spTree>
+    <p:extLst>
+      <p:ext uri="{BB962C8B-B14F-4D97-AF65-F5344CB8AC3E}">
+        <p14:creationId xmlns:p14="http://schemas.microsoft.com/office/powerpoint/2010/main" val="1373438760"/>
+      </p:ext>
+    </p:extLst>
+  </p:cSld>
+  <p:clrMapOvr>
+    <a:masterClrMapping/>
+  </p:clrMapOvr>
+</p:sld>
+</file>
+
+<file path=ppt/slides/slide12.xml><?xml version="1.0" encoding="utf-8"?>
+<p:sld xmlns:a="http://schemas.openxmlformats.org/drawingml/2006/main" xmlns:r="http://schemas.openxmlformats.org/officeDocument/2006/relationships" xmlns:p="http://schemas.openxmlformats.org/presentationml/2006/main">
+  <p:cSld>
+    <p:spTree>
+      <p:nvGrpSpPr>
+        <p:cNvPr id="1" name=""/>
+        <p:cNvGrpSpPr/>
+        <p:nvPr/>
+      </p:nvGrpSpPr>
+      <p:grpSpPr>
+        <a:xfrm>
+          <a:off x="0" y="0"/>
+          <a:ext cx="0" cy="0"/>
+          <a:chOff x="0" y="0"/>
+          <a:chExt cx="0" cy="0"/>
+        </a:xfrm>
+      </p:grpSpPr>
+      <p:pic>
+        <p:nvPicPr>
+          <p:cNvPr id="3" name="그림 2">
+            <a:extLst>
+              <a:ext uri="{FF2B5EF4-FFF2-40B4-BE49-F238E27FC236}">
+                <a16:creationId xmlns:a16="http://schemas.microsoft.com/office/drawing/2014/main" id="{7ED3E355-C3C3-3C39-E706-84598A098199}"/>
+              </a:ext>
+            </a:extLst>
+          </p:cNvPr>
+          <p:cNvPicPr>
+            <a:picLocks noChangeAspect="1"/>
+          </p:cNvPicPr>
+          <p:nvPr/>
+        </p:nvPicPr>
+        <p:blipFill>
+          <a:blip r:embed="rId2"/>
+          <a:stretch>
+            <a:fillRect/>
+          </a:stretch>
+        </p:blipFill>
+        <p:spPr>
+          <a:xfrm>
+            <a:off x="527008" y="459837"/>
+            <a:ext cx="3839111" cy="1219370"/>
+          </a:xfrm>
+          <a:prstGeom prst="rect">
+            <a:avLst/>
+          </a:prstGeom>
+        </p:spPr>
+      </p:pic>
+      <p:sp>
+        <p:nvSpPr>
+          <p:cNvPr id="4" name="TextBox 3">
+            <a:extLst>
+              <a:ext uri="{FF2B5EF4-FFF2-40B4-BE49-F238E27FC236}">
+                <a16:creationId xmlns:a16="http://schemas.microsoft.com/office/drawing/2014/main" id="{09962C56-CA3D-EC3C-C7C2-50DA0E95F409}"/>
+              </a:ext>
+            </a:extLst>
+          </p:cNvPr>
+          <p:cNvSpPr txBox="1"/>
+          <p:nvPr/>
+        </p:nvSpPr>
+        <p:spPr>
+          <a:xfrm>
+            <a:off x="5108199" y="832757"/>
+            <a:ext cx="3181448" cy="307777"/>
+          </a:xfrm>
+          <a:prstGeom prst="rect">
+            <a:avLst/>
+          </a:prstGeom>
+          <a:noFill/>
+        </p:spPr>
+        <p:txBody>
+          <a:bodyPr wrap="none" rtlCol="0">
+            <a:spAutoFit/>
+          </a:bodyPr>
+          <a:lstStyle/>
+          <a:p>
+            <a:r>
+              <a:rPr lang="en-US" altLang="ko-KR" sz="1400" dirty="0" err="1"/>
+              <a:t>Href</a:t>
+            </a:r>
+            <a:r>
+              <a:rPr lang="en-US" altLang="ko-KR" sz="1400" dirty="0"/>
+              <a:t>=“</a:t>
+            </a:r>
+            <a:r>
+              <a:rPr lang="en-US" altLang="ko-KR" sz="1400" dirty="0" err="1"/>
+              <a:t>javascript:void</a:t>
+            </a:r>
+            <a:r>
+              <a:rPr lang="en-US" altLang="ko-KR" sz="1400" dirty="0"/>
+              <a:t>(0);” </a:t>
+            </a:r>
+            <a:r>
+              <a:rPr lang="ko-KR" altLang="en-US" sz="1400" dirty="0"/>
+              <a:t>넣어주세요</a:t>
+            </a:r>
+            <a:r>
+              <a:rPr lang="en-US" altLang="ko-KR" sz="1400" dirty="0"/>
+              <a:t>.</a:t>
+            </a:r>
+          </a:p>
+        </p:txBody>
+      </p:sp>
+      <p:cxnSp>
+        <p:nvCxnSpPr>
+          <p:cNvPr id="5" name="직선 연결선 4">
+            <a:extLst>
+              <a:ext uri="{FF2B5EF4-FFF2-40B4-BE49-F238E27FC236}">
+                <a16:creationId xmlns:a16="http://schemas.microsoft.com/office/drawing/2014/main" id="{2CBD6ECF-BD80-8B94-E814-5077E69770E3}"/>
+              </a:ext>
+            </a:extLst>
+          </p:cNvPr>
+          <p:cNvCxnSpPr/>
+          <p:nvPr/>
+        </p:nvCxnSpPr>
+        <p:spPr>
+          <a:xfrm>
+            <a:off x="540697" y="2082510"/>
             <a:ext cx="10995439" cy="0"/>
           </a:xfrm>
           <a:prstGeom prst="line">
@@ -2991,10 +3889,246 @@
       </p:cxnSp>
       <p:pic>
         <p:nvPicPr>
-          <p:cNvPr id="9" name="그림 8">
-            <a:extLst>
-              <a:ext uri="{FF2B5EF4-FFF2-40B4-BE49-F238E27FC236}">
-                <a16:creationId xmlns:a16="http://schemas.microsoft.com/office/drawing/2014/main" id="{CD04C259-0679-7B08-1A02-E8CD9413B3BF}"/>
+          <p:cNvPr id="7" name="그림 6">
+            <a:extLst>
+              <a:ext uri="{FF2B5EF4-FFF2-40B4-BE49-F238E27FC236}">
+                <a16:creationId xmlns:a16="http://schemas.microsoft.com/office/drawing/2014/main" id="{793D2A07-C2B9-9A6C-6048-C8AAA449E106}"/>
+              </a:ext>
+            </a:extLst>
+          </p:cNvPr>
+          <p:cNvPicPr>
+            <a:picLocks noChangeAspect="1"/>
+          </p:cNvPicPr>
+          <p:nvPr/>
+        </p:nvPicPr>
+        <p:blipFill>
+          <a:blip r:embed="rId3"/>
+          <a:stretch>
+            <a:fillRect/>
+          </a:stretch>
+        </p:blipFill>
+        <p:spPr>
+          <a:xfrm>
+            <a:off x="540697" y="2324302"/>
+            <a:ext cx="3734321" cy="1400370"/>
+          </a:xfrm>
+          <a:prstGeom prst="rect">
+            <a:avLst/>
+          </a:prstGeom>
+        </p:spPr>
+      </p:pic>
+      <p:sp>
+        <p:nvSpPr>
+          <p:cNvPr id="8" name="TextBox 7">
+            <a:extLst>
+              <a:ext uri="{FF2B5EF4-FFF2-40B4-BE49-F238E27FC236}">
+                <a16:creationId xmlns:a16="http://schemas.microsoft.com/office/drawing/2014/main" id="{4EA4D0E4-8B3E-C97C-6699-F7D2AB9A6C31}"/>
+              </a:ext>
+            </a:extLst>
+          </p:cNvPr>
+          <p:cNvSpPr txBox="1"/>
+          <p:nvPr/>
+        </p:nvSpPr>
+        <p:spPr>
+          <a:xfrm>
+            <a:off x="5108199" y="2792186"/>
+            <a:ext cx="3181448" cy="307777"/>
+          </a:xfrm>
+          <a:prstGeom prst="rect">
+            <a:avLst/>
+          </a:prstGeom>
+          <a:noFill/>
+        </p:spPr>
+        <p:txBody>
+          <a:bodyPr wrap="none" rtlCol="0">
+            <a:spAutoFit/>
+          </a:bodyPr>
+          <a:lstStyle/>
+          <a:p>
+            <a:r>
+              <a:rPr lang="en-US" altLang="ko-KR" sz="1400" dirty="0" err="1"/>
+              <a:t>Href</a:t>
+            </a:r>
+            <a:r>
+              <a:rPr lang="en-US" altLang="ko-KR" sz="1400" dirty="0"/>
+              <a:t>=“</a:t>
+            </a:r>
+            <a:r>
+              <a:rPr lang="en-US" altLang="ko-KR" sz="1400" dirty="0" err="1"/>
+              <a:t>javascript:void</a:t>
+            </a:r>
+            <a:r>
+              <a:rPr lang="en-US" altLang="ko-KR" sz="1400" dirty="0"/>
+              <a:t>(0);” </a:t>
+            </a:r>
+            <a:r>
+              <a:rPr lang="ko-KR" altLang="en-US" sz="1400" dirty="0"/>
+              <a:t>넣어주세요</a:t>
+            </a:r>
+            <a:r>
+              <a:rPr lang="en-US" altLang="ko-KR" sz="1400" dirty="0"/>
+              <a:t>.</a:t>
+            </a:r>
+          </a:p>
+        </p:txBody>
+      </p:sp>
+      <p:cxnSp>
+        <p:nvCxnSpPr>
+          <p:cNvPr id="9" name="직선 연결선 8">
+            <a:extLst>
+              <a:ext uri="{FF2B5EF4-FFF2-40B4-BE49-F238E27FC236}">
+                <a16:creationId xmlns:a16="http://schemas.microsoft.com/office/drawing/2014/main" id="{AB6C7379-DEDD-DE51-5925-FE0A84039040}"/>
+              </a:ext>
+            </a:extLst>
+          </p:cNvPr>
+          <p:cNvCxnSpPr/>
+          <p:nvPr/>
+        </p:nvCxnSpPr>
+        <p:spPr>
+          <a:xfrm>
+            <a:off x="540697" y="4254210"/>
+            <a:ext cx="10995439" cy="0"/>
+          </a:xfrm>
+          <a:prstGeom prst="line">
+            <a:avLst/>
+          </a:prstGeom>
+        </p:spPr>
+        <p:style>
+          <a:lnRef idx="1">
+            <a:schemeClr val="accent1"/>
+          </a:lnRef>
+          <a:fillRef idx="0">
+            <a:schemeClr val="accent1"/>
+          </a:fillRef>
+          <a:effectRef idx="0">
+            <a:schemeClr val="accent1"/>
+          </a:effectRef>
+          <a:fontRef idx="minor">
+            <a:schemeClr val="tx1"/>
+          </a:fontRef>
+        </p:style>
+      </p:cxnSp>
+      <p:pic>
+        <p:nvPicPr>
+          <p:cNvPr id="11" name="그림 10">
+            <a:extLst>
+              <a:ext uri="{FF2B5EF4-FFF2-40B4-BE49-F238E27FC236}">
+                <a16:creationId xmlns:a16="http://schemas.microsoft.com/office/drawing/2014/main" id="{1DADFBA0-41F3-FAB0-AC63-A6175802A3D9}"/>
+              </a:ext>
+            </a:extLst>
+          </p:cNvPr>
+          <p:cNvPicPr>
+            <a:picLocks noChangeAspect="1"/>
+          </p:cNvPicPr>
+          <p:nvPr/>
+        </p:nvPicPr>
+        <p:blipFill>
+          <a:blip r:embed="rId4"/>
+          <a:stretch>
+            <a:fillRect/>
+          </a:stretch>
+        </p:blipFill>
+        <p:spPr>
+          <a:xfrm>
+            <a:off x="554304" y="4431733"/>
+            <a:ext cx="3391373" cy="1619476"/>
+          </a:xfrm>
+          <a:prstGeom prst="rect">
+            <a:avLst/>
+          </a:prstGeom>
+        </p:spPr>
+      </p:pic>
+      <p:sp>
+        <p:nvSpPr>
+          <p:cNvPr id="12" name="TextBox 11">
+            <a:extLst>
+              <a:ext uri="{FF2B5EF4-FFF2-40B4-BE49-F238E27FC236}">
+                <a16:creationId xmlns:a16="http://schemas.microsoft.com/office/drawing/2014/main" id="{70EE00F6-2FCC-C5B4-1D4A-9BD0CE5557DB}"/>
+              </a:ext>
+            </a:extLst>
+          </p:cNvPr>
+          <p:cNvSpPr txBox="1"/>
+          <p:nvPr/>
+        </p:nvSpPr>
+        <p:spPr>
+          <a:xfrm>
+            <a:off x="5108199" y="5012872"/>
+            <a:ext cx="3181448" cy="307777"/>
+          </a:xfrm>
+          <a:prstGeom prst="rect">
+            <a:avLst/>
+          </a:prstGeom>
+          <a:noFill/>
+        </p:spPr>
+        <p:txBody>
+          <a:bodyPr wrap="none" rtlCol="0">
+            <a:spAutoFit/>
+          </a:bodyPr>
+          <a:lstStyle/>
+          <a:p>
+            <a:r>
+              <a:rPr lang="en-US" altLang="ko-KR" sz="1400" dirty="0" err="1"/>
+              <a:t>Href</a:t>
+            </a:r>
+            <a:r>
+              <a:rPr lang="en-US" altLang="ko-KR" sz="1400" dirty="0"/>
+              <a:t>=“</a:t>
+            </a:r>
+            <a:r>
+              <a:rPr lang="en-US" altLang="ko-KR" sz="1400" dirty="0" err="1"/>
+              <a:t>javascript:void</a:t>
+            </a:r>
+            <a:r>
+              <a:rPr lang="en-US" altLang="ko-KR" sz="1400" dirty="0"/>
+              <a:t>(0);” </a:t>
+            </a:r>
+            <a:r>
+              <a:rPr lang="ko-KR" altLang="en-US" sz="1400" dirty="0"/>
+              <a:t>넣어주세요</a:t>
+            </a:r>
+            <a:r>
+              <a:rPr lang="en-US" altLang="ko-KR" sz="1400" dirty="0"/>
+              <a:t>.</a:t>
+            </a:r>
+          </a:p>
+        </p:txBody>
+      </p:sp>
+    </p:spTree>
+    <p:extLst>
+      <p:ext uri="{BB962C8B-B14F-4D97-AF65-F5344CB8AC3E}">
+        <p14:creationId xmlns:p14="http://schemas.microsoft.com/office/powerpoint/2010/main" val="4128771136"/>
+      </p:ext>
+    </p:extLst>
+  </p:cSld>
+  <p:clrMapOvr>
+    <a:masterClrMapping/>
+  </p:clrMapOvr>
+</p:sld>
+</file>
+
+<file path=ppt/slides/slide13.xml><?xml version="1.0" encoding="utf-8"?>
+<p:sld xmlns:a="http://schemas.openxmlformats.org/drawingml/2006/main" xmlns:r="http://schemas.openxmlformats.org/officeDocument/2006/relationships" xmlns:p="http://schemas.openxmlformats.org/presentationml/2006/main">
+  <p:cSld>
+    <p:spTree>
+      <p:nvGrpSpPr>
+        <p:cNvPr id="1" name=""/>
+        <p:cNvGrpSpPr/>
+        <p:nvPr/>
+      </p:nvGrpSpPr>
+      <p:grpSpPr>
+        <a:xfrm>
+          <a:off x="0" y="0"/>
+          <a:ext cx="0" cy="0"/>
+          <a:chOff x="0" y="0"/>
+          <a:chExt cx="0" cy="0"/>
+        </a:xfrm>
+      </p:grpSpPr>
+      <p:pic>
+        <p:nvPicPr>
+          <p:cNvPr id="10" name="그림 9">
+            <a:extLst>
+              <a:ext uri="{FF2B5EF4-FFF2-40B4-BE49-F238E27FC236}">
+                <a16:creationId xmlns:a16="http://schemas.microsoft.com/office/drawing/2014/main" id="{9CCC7B50-7215-AB82-B2DB-8F457FE87F8C}"/>
               </a:ext>
             </a:extLst>
           </p:cNvPr>
@@ -3011,77 +4145,20 @@
         </p:blipFill>
         <p:spPr>
           <a:xfrm>
-            <a:off x="333137" y="288370"/>
-            <a:ext cx="3410426" cy="1448002"/>
+            <a:off x="540697" y="618430"/>
+            <a:ext cx="1152686" cy="504895"/>
           </a:xfrm>
           <a:prstGeom prst="rect">
             <a:avLst/>
           </a:prstGeom>
         </p:spPr>
       </p:pic>
-      <p:sp>
-        <p:nvSpPr>
-          <p:cNvPr id="11" name="TextBox 10">
-            <a:extLst>
-              <a:ext uri="{FF2B5EF4-FFF2-40B4-BE49-F238E27FC236}">
-                <a16:creationId xmlns:a16="http://schemas.microsoft.com/office/drawing/2014/main" id="{06426AAF-2E9A-3CA3-B63A-A5F06AE3FF9E}"/>
-              </a:ext>
-            </a:extLst>
-          </p:cNvPr>
-          <p:cNvSpPr txBox="1"/>
-          <p:nvPr/>
-        </p:nvSpPr>
-        <p:spPr>
-          <a:xfrm>
-            <a:off x="4465864" y="489857"/>
-            <a:ext cx="4487126" cy="738664"/>
-          </a:xfrm>
-          <a:prstGeom prst="rect">
-            <a:avLst/>
-          </a:prstGeom>
-          <a:noFill/>
-        </p:spPr>
-        <p:txBody>
-          <a:bodyPr wrap="none" rtlCol="0">
-            <a:spAutoFit/>
-          </a:bodyPr>
-          <a:lstStyle/>
-          <a:p>
-            <a:r>
-              <a:rPr lang="ko-KR" altLang="en-US" sz="1400" dirty="0"/>
-              <a:t>현재 차트 누르면 기상으로 이동합니다</a:t>
-            </a:r>
-            <a:r>
-              <a:rPr lang="en-US" altLang="ko-KR" sz="1400" dirty="0"/>
-              <a:t>.</a:t>
-            </a:r>
-          </a:p>
-          <a:p>
-            <a:endParaRPr lang="en-US" altLang="ko-KR" sz="1400" dirty="0"/>
-          </a:p>
-          <a:p>
-            <a:r>
-              <a:rPr lang="ko-KR" altLang="en-US" sz="1400" dirty="0"/>
-              <a:t>버튼 추가해서 버튼 누르면 이동으로 </a:t>
-            </a:r>
-            <a:r>
-              <a:rPr lang="ko-KR" altLang="en-US" sz="1400" dirty="0" err="1"/>
-              <a:t>변경해야합니다</a:t>
-            </a:r>
-            <a:r>
-              <a:rPr lang="en-US" altLang="ko-KR" sz="1400" dirty="0"/>
-              <a:t>.</a:t>
-            </a:r>
-            <a:endParaRPr lang="ko-KR" altLang="en-US" sz="1400" dirty="0"/>
-          </a:p>
-        </p:txBody>
-      </p:sp>
       <p:pic>
         <p:nvPicPr>
-          <p:cNvPr id="17" name="그림 16">
-            <a:extLst>
-              <a:ext uri="{FF2B5EF4-FFF2-40B4-BE49-F238E27FC236}">
-                <a16:creationId xmlns:a16="http://schemas.microsoft.com/office/drawing/2014/main" id="{F3BFEF86-4117-70D9-F1CC-D85573B5A93C}"/>
+          <p:cNvPr id="11" name="그림 10">
+            <a:extLst>
+              <a:ext uri="{FF2B5EF4-FFF2-40B4-BE49-F238E27FC236}">
+                <a16:creationId xmlns:a16="http://schemas.microsoft.com/office/drawing/2014/main" id="{9F09A1BA-2AF2-BFCB-C038-7841AF5BA0E4}"/>
               </a:ext>
             </a:extLst>
           </p:cNvPr>
@@ -3098,8 +4175,762 @@
         </p:blipFill>
         <p:spPr>
           <a:xfrm>
-            <a:off x="390023" y="2217300"/>
-            <a:ext cx="4146444" cy="1405978"/>
+            <a:off x="4299283" y="709362"/>
+            <a:ext cx="1209844" cy="228632"/>
+          </a:xfrm>
+          <a:prstGeom prst="rect">
+            <a:avLst/>
+          </a:prstGeom>
+        </p:spPr>
+      </p:pic>
+      <p:sp>
+        <p:nvSpPr>
+          <p:cNvPr id="16" name="TextBox 15">
+            <a:extLst>
+              <a:ext uri="{FF2B5EF4-FFF2-40B4-BE49-F238E27FC236}">
+                <a16:creationId xmlns:a16="http://schemas.microsoft.com/office/drawing/2014/main" id="{75B6845A-6C52-3876-8A96-E3D3794195F3}"/>
+              </a:ext>
+            </a:extLst>
+          </p:cNvPr>
+          <p:cNvSpPr txBox="1"/>
+          <p:nvPr/>
+        </p:nvSpPr>
+        <p:spPr>
+          <a:xfrm>
+            <a:off x="7770120" y="709362"/>
+            <a:ext cx="1054135" cy="307777"/>
+          </a:xfrm>
+          <a:prstGeom prst="rect">
+            <a:avLst/>
+          </a:prstGeom>
+          <a:noFill/>
+        </p:spPr>
+        <p:txBody>
+          <a:bodyPr wrap="none" rtlCol="0">
+            <a:spAutoFit/>
+          </a:bodyPr>
+          <a:lstStyle/>
+          <a:p>
+            <a:r>
+              <a:rPr lang="en-US" altLang="ko-KR" sz="1400" dirty="0"/>
+              <a:t>#root </a:t>
+            </a:r>
+            <a:r>
+              <a:rPr lang="ko-KR" altLang="en-US" sz="1400" dirty="0"/>
+              <a:t>추가</a:t>
+            </a:r>
+          </a:p>
+        </p:txBody>
+      </p:sp>
+      <p:pic>
+        <p:nvPicPr>
+          <p:cNvPr id="20" name="그림 19">
+            <a:extLst>
+              <a:ext uri="{FF2B5EF4-FFF2-40B4-BE49-F238E27FC236}">
+                <a16:creationId xmlns:a16="http://schemas.microsoft.com/office/drawing/2014/main" id="{C13C5065-7C55-48E5-059B-845428C6AD0E}"/>
+              </a:ext>
+            </a:extLst>
+          </p:cNvPr>
+          <p:cNvPicPr>
+            <a:picLocks noChangeAspect="1"/>
+          </p:cNvPicPr>
+          <p:nvPr/>
+        </p:nvPicPr>
+        <p:blipFill>
+          <a:blip r:embed="rId4"/>
+          <a:stretch>
+            <a:fillRect/>
+          </a:stretch>
+        </p:blipFill>
+        <p:spPr>
+          <a:xfrm>
+            <a:off x="540697" y="2138318"/>
+            <a:ext cx="3829584" cy="638264"/>
+          </a:xfrm>
+          <a:prstGeom prst="rect">
+            <a:avLst/>
+          </a:prstGeom>
+        </p:spPr>
+      </p:pic>
+      <p:cxnSp>
+        <p:nvCxnSpPr>
+          <p:cNvPr id="21" name="직선 연결선 20">
+            <a:extLst>
+              <a:ext uri="{FF2B5EF4-FFF2-40B4-BE49-F238E27FC236}">
+                <a16:creationId xmlns:a16="http://schemas.microsoft.com/office/drawing/2014/main" id="{47137473-6588-44C2-73C1-AD02810B924D}"/>
+              </a:ext>
+            </a:extLst>
+          </p:cNvPr>
+          <p:cNvCxnSpPr/>
+          <p:nvPr/>
+        </p:nvCxnSpPr>
+        <p:spPr>
+          <a:xfrm>
+            <a:off x="540697" y="1715117"/>
+            <a:ext cx="10995439" cy="0"/>
+          </a:xfrm>
+          <a:prstGeom prst="line">
+            <a:avLst/>
+          </a:prstGeom>
+        </p:spPr>
+        <p:style>
+          <a:lnRef idx="1">
+            <a:schemeClr val="accent1"/>
+          </a:lnRef>
+          <a:fillRef idx="0">
+            <a:schemeClr val="accent1"/>
+          </a:fillRef>
+          <a:effectRef idx="0">
+            <a:schemeClr val="accent1"/>
+          </a:effectRef>
+          <a:fontRef idx="minor">
+            <a:schemeClr val="tx1"/>
+          </a:fontRef>
+        </p:style>
+      </p:cxnSp>
+      <p:sp>
+        <p:nvSpPr>
+          <p:cNvPr id="22" name="TextBox 21">
+            <a:extLst>
+              <a:ext uri="{FF2B5EF4-FFF2-40B4-BE49-F238E27FC236}">
+                <a16:creationId xmlns:a16="http://schemas.microsoft.com/office/drawing/2014/main" id="{48516B44-64A3-E35F-74A4-475CDE4EE13F}"/>
+              </a:ext>
+            </a:extLst>
+          </p:cNvPr>
+          <p:cNvSpPr txBox="1"/>
+          <p:nvPr/>
+        </p:nvSpPr>
+        <p:spPr>
+          <a:xfrm>
+            <a:off x="6406321" y="2259207"/>
+            <a:ext cx="3181448" cy="307777"/>
+          </a:xfrm>
+          <a:prstGeom prst="rect">
+            <a:avLst/>
+          </a:prstGeom>
+          <a:noFill/>
+        </p:spPr>
+        <p:txBody>
+          <a:bodyPr wrap="none" rtlCol="0">
+            <a:spAutoFit/>
+          </a:bodyPr>
+          <a:lstStyle/>
+          <a:p>
+            <a:r>
+              <a:rPr lang="en-US" altLang="ko-KR" sz="1400" dirty="0" err="1"/>
+              <a:t>Href</a:t>
+            </a:r>
+            <a:r>
+              <a:rPr lang="en-US" altLang="ko-KR" sz="1400" dirty="0"/>
+              <a:t>=“</a:t>
+            </a:r>
+            <a:r>
+              <a:rPr lang="en-US" altLang="ko-KR" sz="1400" dirty="0" err="1"/>
+              <a:t>javascript:void</a:t>
+            </a:r>
+            <a:r>
+              <a:rPr lang="en-US" altLang="ko-KR" sz="1400" dirty="0"/>
+              <a:t>(0);” </a:t>
+            </a:r>
+            <a:r>
+              <a:rPr lang="ko-KR" altLang="en-US" sz="1400" dirty="0"/>
+              <a:t>넣어주세요</a:t>
+            </a:r>
+            <a:r>
+              <a:rPr lang="en-US" altLang="ko-KR" sz="1400" dirty="0"/>
+              <a:t>.</a:t>
+            </a:r>
+          </a:p>
+        </p:txBody>
+      </p:sp>
+    </p:spTree>
+    <p:extLst>
+      <p:ext uri="{BB962C8B-B14F-4D97-AF65-F5344CB8AC3E}">
+        <p14:creationId xmlns:p14="http://schemas.microsoft.com/office/powerpoint/2010/main" val="337830621"/>
+      </p:ext>
+    </p:extLst>
+  </p:cSld>
+  <p:clrMapOvr>
+    <a:masterClrMapping/>
+  </p:clrMapOvr>
+</p:sld>
+</file>
+
+<file path=ppt/slides/slide14.xml><?xml version="1.0" encoding="utf-8"?>
+<p:sld xmlns:a="http://schemas.openxmlformats.org/drawingml/2006/main" xmlns:r="http://schemas.openxmlformats.org/officeDocument/2006/relationships" xmlns:p="http://schemas.openxmlformats.org/presentationml/2006/main">
+  <p:cSld>
+    <p:spTree>
+      <p:nvGrpSpPr>
+        <p:cNvPr id="1" name=""/>
+        <p:cNvGrpSpPr/>
+        <p:nvPr/>
+      </p:nvGrpSpPr>
+      <p:grpSpPr>
+        <a:xfrm>
+          <a:off x="0" y="0"/>
+          <a:ext cx="0" cy="0"/>
+          <a:chOff x="0" y="0"/>
+          <a:chExt cx="0" cy="0"/>
+        </a:xfrm>
+      </p:grpSpPr>
+    </p:spTree>
+    <p:extLst>
+      <p:ext uri="{BB962C8B-B14F-4D97-AF65-F5344CB8AC3E}">
+        <p14:creationId xmlns:p14="http://schemas.microsoft.com/office/powerpoint/2010/main" val="707612348"/>
+      </p:ext>
+    </p:extLst>
+  </p:cSld>
+  <p:clrMapOvr>
+    <a:masterClrMapping/>
+  </p:clrMapOvr>
+</p:sld>
+</file>
+
+<file path=ppt/slides/slide15.xml><?xml version="1.0" encoding="utf-8"?>
+<p:sld xmlns:a="http://schemas.openxmlformats.org/drawingml/2006/main" xmlns:r="http://schemas.openxmlformats.org/officeDocument/2006/relationships" xmlns:p="http://schemas.openxmlformats.org/presentationml/2006/main">
+  <p:cSld>
+    <p:spTree>
+      <p:nvGrpSpPr>
+        <p:cNvPr id="1" name=""/>
+        <p:cNvGrpSpPr/>
+        <p:nvPr/>
+      </p:nvGrpSpPr>
+      <p:grpSpPr>
+        <a:xfrm>
+          <a:off x="0" y="0"/>
+          <a:ext cx="0" cy="0"/>
+          <a:chOff x="0" y="0"/>
+          <a:chExt cx="0" cy="0"/>
+        </a:xfrm>
+      </p:grpSpPr>
+      <p:sp>
+        <p:nvSpPr>
+          <p:cNvPr id="3" name="직사각형 2">
+            <a:extLst>
+              <a:ext uri="{FF2B5EF4-FFF2-40B4-BE49-F238E27FC236}">
+                <a16:creationId xmlns:a16="http://schemas.microsoft.com/office/drawing/2014/main" id="{C911613E-2065-A021-648C-90EA2DD07EE8}"/>
+              </a:ext>
+            </a:extLst>
+          </p:cNvPr>
+          <p:cNvSpPr/>
+          <p:nvPr/>
+        </p:nvSpPr>
+        <p:spPr>
+          <a:xfrm>
+            <a:off x="0" y="0"/>
+            <a:ext cx="12192000" cy="6858000"/>
+          </a:xfrm>
+          <a:prstGeom prst="rect">
+            <a:avLst/>
+          </a:prstGeom>
+        </p:spPr>
+        <p:style>
+          <a:lnRef idx="2">
+            <a:schemeClr val="accent1">
+              <a:shade val="50000"/>
+            </a:schemeClr>
+          </a:lnRef>
+          <a:fillRef idx="1">
+            <a:schemeClr val="accent1"/>
+          </a:fillRef>
+          <a:effectRef idx="0">
+            <a:schemeClr val="accent1"/>
+          </a:effectRef>
+          <a:fontRef idx="minor">
+            <a:schemeClr val="lt1"/>
+          </a:fontRef>
+        </p:style>
+        <p:txBody>
+          <a:bodyPr rtlCol="0" anchor="ctr"/>
+          <a:lstStyle/>
+          <a:p>
+            <a:pPr algn="ctr"/>
+            <a:r>
+              <a:rPr lang="ko-KR" altLang="en-US" sz="10000" dirty="0"/>
+              <a:t>생활정보</a:t>
+            </a:r>
+          </a:p>
+        </p:txBody>
+      </p:sp>
+    </p:spTree>
+    <p:extLst>
+      <p:ext uri="{BB962C8B-B14F-4D97-AF65-F5344CB8AC3E}">
+        <p14:creationId xmlns:p14="http://schemas.microsoft.com/office/powerpoint/2010/main" val="3246108596"/>
+      </p:ext>
+    </p:extLst>
+  </p:cSld>
+  <p:clrMapOvr>
+    <a:masterClrMapping/>
+  </p:clrMapOvr>
+</p:sld>
+</file>
+
+<file path=ppt/slides/slide16.xml><?xml version="1.0" encoding="utf-8"?>
+<p:sld xmlns:a="http://schemas.openxmlformats.org/drawingml/2006/main" xmlns:r="http://schemas.openxmlformats.org/officeDocument/2006/relationships" xmlns:p="http://schemas.openxmlformats.org/presentationml/2006/main">
+  <p:cSld>
+    <p:spTree>
+      <p:nvGrpSpPr>
+        <p:cNvPr id="1" name=""/>
+        <p:cNvGrpSpPr/>
+        <p:nvPr/>
+      </p:nvGrpSpPr>
+      <p:grpSpPr>
+        <a:xfrm>
+          <a:off x="0" y="0"/>
+          <a:ext cx="0" cy="0"/>
+          <a:chOff x="0" y="0"/>
+          <a:chExt cx="0" cy="0"/>
+        </a:xfrm>
+      </p:grpSpPr>
+      <p:pic>
+        <p:nvPicPr>
+          <p:cNvPr id="13" name="그림 12">
+            <a:extLst>
+              <a:ext uri="{FF2B5EF4-FFF2-40B4-BE49-F238E27FC236}">
+                <a16:creationId xmlns:a16="http://schemas.microsoft.com/office/drawing/2014/main" id="{2DB7D813-D699-08B7-7091-053F0E2C133D}"/>
+              </a:ext>
+            </a:extLst>
+          </p:cNvPr>
+          <p:cNvPicPr>
+            <a:picLocks noChangeAspect="1"/>
+          </p:cNvPicPr>
+          <p:nvPr/>
+        </p:nvPicPr>
+        <p:blipFill>
+          <a:blip r:embed="rId2"/>
+          <a:stretch>
+            <a:fillRect/>
+          </a:stretch>
+        </p:blipFill>
+        <p:spPr>
+          <a:xfrm>
+            <a:off x="601992" y="578923"/>
+            <a:ext cx="1762371" cy="866896"/>
+          </a:xfrm>
+          <a:prstGeom prst="rect">
+            <a:avLst/>
+          </a:prstGeom>
+        </p:spPr>
+      </p:pic>
+      <p:cxnSp>
+        <p:nvCxnSpPr>
+          <p:cNvPr id="15" name="직선 화살표 연결선 14">
+            <a:extLst>
+              <a:ext uri="{FF2B5EF4-FFF2-40B4-BE49-F238E27FC236}">
+                <a16:creationId xmlns:a16="http://schemas.microsoft.com/office/drawing/2014/main" id="{AACCF77F-CCDC-C300-E130-41A582513651}"/>
+              </a:ext>
+            </a:extLst>
+          </p:cNvPr>
+          <p:cNvCxnSpPr/>
+          <p:nvPr/>
+        </p:nvCxnSpPr>
+        <p:spPr>
+          <a:xfrm flipH="1">
+            <a:off x="2274556" y="1167493"/>
+            <a:ext cx="689080" cy="0"/>
+          </a:xfrm>
+          <a:prstGeom prst="straightConnector1">
+            <a:avLst/>
+          </a:prstGeom>
+          <a:ln>
+            <a:tailEnd type="triangle"/>
+          </a:ln>
+        </p:spPr>
+        <p:style>
+          <a:lnRef idx="1">
+            <a:schemeClr val="accent1"/>
+          </a:lnRef>
+          <a:fillRef idx="0">
+            <a:schemeClr val="accent1"/>
+          </a:fillRef>
+          <a:effectRef idx="0">
+            <a:schemeClr val="accent1"/>
+          </a:effectRef>
+          <a:fontRef idx="minor">
+            <a:schemeClr val="tx1"/>
+          </a:fontRef>
+        </p:style>
+      </p:cxnSp>
+      <p:sp>
+        <p:nvSpPr>
+          <p:cNvPr id="16" name="TextBox 15">
+            <a:extLst>
+              <a:ext uri="{FF2B5EF4-FFF2-40B4-BE49-F238E27FC236}">
+                <a16:creationId xmlns:a16="http://schemas.microsoft.com/office/drawing/2014/main" id="{41588E7C-B845-208B-B3A4-7FB067FEB45C}"/>
+              </a:ext>
+            </a:extLst>
+          </p:cNvPr>
+          <p:cNvSpPr txBox="1"/>
+          <p:nvPr/>
+        </p:nvSpPr>
+        <p:spPr>
+          <a:xfrm>
+            <a:off x="3339191" y="1097294"/>
+            <a:ext cx="3929281" cy="697050"/>
+          </a:xfrm>
+          <a:prstGeom prst="rect">
+            <a:avLst/>
+          </a:prstGeom>
+          <a:noFill/>
+        </p:spPr>
+        <p:txBody>
+          <a:bodyPr wrap="none" rtlCol="0">
+            <a:spAutoFit/>
+          </a:bodyPr>
+          <a:lstStyle/>
+          <a:p>
+            <a:pPr>
+              <a:lnSpc>
+                <a:spcPct val="150000"/>
+              </a:lnSpc>
+            </a:pPr>
+            <a:r>
+              <a:rPr lang="en-US" altLang="ko-KR" sz="1400" dirty="0" err="1"/>
+              <a:t>href</a:t>
+            </a:r>
+            <a:r>
+              <a:rPr lang="en-US" altLang="ko-KR" sz="1400" dirty="0"/>
+              <a:t>=</a:t>
+            </a:r>
+            <a:r>
+              <a:rPr lang="en-US" altLang="ko-KR" sz="1400" dirty="0">
+                <a:hlinkClick r:id="rId3"/>
+              </a:rPr>
+              <a:t>tel:010-1234-1234</a:t>
+            </a:r>
+            <a:r>
+              <a:rPr lang="en-US" altLang="ko-KR" sz="1400" dirty="0"/>
+              <a:t> </a:t>
+            </a:r>
+            <a:r>
+              <a:rPr lang="ko-KR" altLang="en-US" sz="1400" dirty="0"/>
+              <a:t>로 </a:t>
+            </a:r>
+            <a:r>
+              <a:rPr lang="ko-KR" altLang="en-US" sz="1400" dirty="0" err="1"/>
+              <a:t>하면되는데</a:t>
+            </a:r>
+            <a:r>
+              <a:rPr lang="en-US" altLang="ko-KR" sz="1400" dirty="0"/>
+              <a:t>.</a:t>
+            </a:r>
+          </a:p>
+          <a:p>
+            <a:pPr>
+              <a:lnSpc>
+                <a:spcPct val="150000"/>
+              </a:lnSpc>
+            </a:pPr>
+            <a:r>
+              <a:rPr lang="ko-KR" altLang="en-US" sz="1400" dirty="0"/>
+              <a:t>번호 노출때문에</a:t>
+            </a:r>
+            <a:r>
+              <a:rPr lang="en-US" altLang="ko-KR" sz="1400" dirty="0"/>
+              <a:t> </a:t>
+            </a:r>
+            <a:r>
+              <a:rPr lang="ko-KR" altLang="en-US" sz="1400" dirty="0"/>
+              <a:t>스크립트로 하고 </a:t>
+            </a:r>
+            <a:r>
+              <a:rPr lang="ko-KR" altLang="en-US" sz="1400" dirty="0" err="1"/>
+              <a:t>있는건가요</a:t>
+            </a:r>
+            <a:r>
+              <a:rPr lang="en-US" altLang="ko-KR" sz="1400" dirty="0"/>
+              <a:t>?</a:t>
+            </a:r>
+          </a:p>
+        </p:txBody>
+      </p:sp>
+      <p:pic>
+        <p:nvPicPr>
+          <p:cNvPr id="18" name="그림 17">
+            <a:extLst>
+              <a:ext uri="{FF2B5EF4-FFF2-40B4-BE49-F238E27FC236}">
+                <a16:creationId xmlns:a16="http://schemas.microsoft.com/office/drawing/2014/main" id="{CAF5040D-06ED-27BB-0C9C-C5674FBAE89E}"/>
+              </a:ext>
+            </a:extLst>
+          </p:cNvPr>
+          <p:cNvPicPr>
+            <a:picLocks noChangeAspect="1"/>
+          </p:cNvPicPr>
+          <p:nvPr/>
+        </p:nvPicPr>
+        <p:blipFill>
+          <a:blip r:embed="rId4"/>
+          <a:stretch>
+            <a:fillRect/>
+          </a:stretch>
+        </p:blipFill>
+        <p:spPr>
+          <a:xfrm>
+            <a:off x="3453328" y="562594"/>
+            <a:ext cx="2362530" cy="504895"/>
+          </a:xfrm>
+          <a:prstGeom prst="rect">
+            <a:avLst/>
+          </a:prstGeom>
+        </p:spPr>
+      </p:pic>
+      <p:cxnSp>
+        <p:nvCxnSpPr>
+          <p:cNvPr id="6" name="직선 연결선 5">
+            <a:extLst>
+              <a:ext uri="{FF2B5EF4-FFF2-40B4-BE49-F238E27FC236}">
+                <a16:creationId xmlns:a16="http://schemas.microsoft.com/office/drawing/2014/main" id="{FBC8F565-2FD9-A7F5-63A9-247DF0B9B893}"/>
+              </a:ext>
+            </a:extLst>
+          </p:cNvPr>
+          <p:cNvCxnSpPr/>
+          <p:nvPr/>
+        </p:nvCxnSpPr>
+        <p:spPr>
+          <a:xfrm>
+            <a:off x="540697" y="1983921"/>
+            <a:ext cx="10995439" cy="0"/>
+          </a:xfrm>
+          <a:prstGeom prst="line">
+            <a:avLst/>
+          </a:prstGeom>
+        </p:spPr>
+        <p:style>
+          <a:lnRef idx="1">
+            <a:schemeClr val="accent1"/>
+          </a:lnRef>
+          <a:fillRef idx="0">
+            <a:schemeClr val="accent1"/>
+          </a:fillRef>
+          <a:effectRef idx="0">
+            <a:schemeClr val="accent1"/>
+          </a:effectRef>
+          <a:fontRef idx="minor">
+            <a:schemeClr val="tx1"/>
+          </a:fontRef>
+        </p:style>
+      </p:cxnSp>
+      <p:pic>
+        <p:nvPicPr>
+          <p:cNvPr id="3" name="그림 2">
+            <a:extLst>
+              <a:ext uri="{FF2B5EF4-FFF2-40B4-BE49-F238E27FC236}">
+                <a16:creationId xmlns:a16="http://schemas.microsoft.com/office/drawing/2014/main" id="{E7B562EE-6725-590F-765F-7AED948406E3}"/>
+              </a:ext>
+            </a:extLst>
+          </p:cNvPr>
+          <p:cNvPicPr>
+            <a:picLocks noChangeAspect="1"/>
+          </p:cNvPicPr>
+          <p:nvPr/>
+        </p:nvPicPr>
+        <p:blipFill>
+          <a:blip r:embed="rId5"/>
+          <a:stretch>
+            <a:fillRect/>
+          </a:stretch>
+        </p:blipFill>
+        <p:spPr>
+          <a:xfrm>
+            <a:off x="601992" y="2448545"/>
+            <a:ext cx="3218894" cy="1464638"/>
+          </a:xfrm>
+          <a:prstGeom prst="rect">
+            <a:avLst/>
+          </a:prstGeom>
+        </p:spPr>
+      </p:pic>
+      <p:cxnSp>
+        <p:nvCxnSpPr>
+          <p:cNvPr id="9" name="직선 화살표 연결선 8">
+            <a:extLst>
+              <a:ext uri="{FF2B5EF4-FFF2-40B4-BE49-F238E27FC236}">
+                <a16:creationId xmlns:a16="http://schemas.microsoft.com/office/drawing/2014/main" id="{2785C300-5377-731E-CE9D-B06D62180B71}"/>
+              </a:ext>
+            </a:extLst>
+          </p:cNvPr>
+          <p:cNvCxnSpPr>
+            <a:cxnSpLocks/>
+          </p:cNvCxnSpPr>
+          <p:nvPr/>
+        </p:nvCxnSpPr>
+        <p:spPr>
+          <a:xfrm flipH="1">
+            <a:off x="2123238" y="2944586"/>
+            <a:ext cx="2269148" cy="0"/>
+          </a:xfrm>
+          <a:prstGeom prst="straightConnector1">
+            <a:avLst/>
+          </a:prstGeom>
+          <a:ln>
+            <a:tailEnd type="triangle"/>
+          </a:ln>
+        </p:spPr>
+        <p:style>
+          <a:lnRef idx="1">
+            <a:schemeClr val="accent1"/>
+          </a:lnRef>
+          <a:fillRef idx="0">
+            <a:schemeClr val="accent1"/>
+          </a:fillRef>
+          <a:effectRef idx="0">
+            <a:schemeClr val="accent1"/>
+          </a:effectRef>
+          <a:fontRef idx="minor">
+            <a:schemeClr val="tx1"/>
+          </a:fontRef>
+        </p:style>
+      </p:cxnSp>
+      <p:pic>
+        <p:nvPicPr>
+          <p:cNvPr id="7" name="그림 6">
+            <a:extLst>
+              <a:ext uri="{FF2B5EF4-FFF2-40B4-BE49-F238E27FC236}">
+                <a16:creationId xmlns:a16="http://schemas.microsoft.com/office/drawing/2014/main" id="{27ECFBE4-D99A-B389-608E-034FADA2F0F2}"/>
+              </a:ext>
+            </a:extLst>
+          </p:cNvPr>
+          <p:cNvPicPr>
+            <a:picLocks noChangeAspect="1"/>
+          </p:cNvPicPr>
+          <p:nvPr/>
+        </p:nvPicPr>
+        <p:blipFill>
+          <a:blip r:embed="rId6"/>
+          <a:stretch>
+            <a:fillRect/>
+          </a:stretch>
+        </p:blipFill>
+        <p:spPr>
+          <a:xfrm>
+            <a:off x="4667050" y="2522024"/>
+            <a:ext cx="2857899" cy="704948"/>
+          </a:xfrm>
+          <a:prstGeom prst="rect">
+            <a:avLst/>
+          </a:prstGeom>
+        </p:spPr>
+      </p:pic>
+      <p:sp>
+        <p:nvSpPr>
+          <p:cNvPr id="14" name="TextBox 13">
+            <a:extLst>
+              <a:ext uri="{FF2B5EF4-FFF2-40B4-BE49-F238E27FC236}">
+                <a16:creationId xmlns:a16="http://schemas.microsoft.com/office/drawing/2014/main" id="{A1680054-3C71-D489-2634-F5218E0329DC}"/>
+              </a:ext>
+            </a:extLst>
+          </p:cNvPr>
+          <p:cNvSpPr txBox="1"/>
+          <p:nvPr/>
+        </p:nvSpPr>
+        <p:spPr>
+          <a:xfrm>
+            <a:off x="4667050" y="3282504"/>
+            <a:ext cx="3805850" cy="373885"/>
+          </a:xfrm>
+          <a:prstGeom prst="rect">
+            <a:avLst/>
+          </a:prstGeom>
+          <a:noFill/>
+        </p:spPr>
+        <p:txBody>
+          <a:bodyPr wrap="none" rtlCol="0">
+            <a:spAutoFit/>
+          </a:bodyPr>
+          <a:lstStyle/>
+          <a:p>
+            <a:pPr>
+              <a:lnSpc>
+                <a:spcPct val="150000"/>
+              </a:lnSpc>
+            </a:pPr>
+            <a:r>
+              <a:rPr lang="ko-KR" altLang="en-US" sz="1400" dirty="0"/>
+              <a:t>링크 없으면 </a:t>
+            </a:r>
+            <a:r>
+              <a:rPr lang="en-US" altLang="ko-KR" sz="1400" dirty="0"/>
+              <a:t>a </a:t>
+            </a:r>
+            <a:r>
+              <a:rPr lang="ko-KR" altLang="en-US" sz="1400" dirty="0"/>
+              <a:t>태그를 </a:t>
+            </a:r>
+            <a:r>
+              <a:rPr lang="en-US" altLang="ko-KR" sz="1400" dirty="0"/>
+              <a:t>div </a:t>
+            </a:r>
+            <a:r>
+              <a:rPr lang="ko-KR" altLang="en-US" sz="1400" dirty="0"/>
+              <a:t>태그로 바꿔주세요</a:t>
+            </a:r>
+            <a:r>
+              <a:rPr lang="en-US" altLang="ko-KR" sz="1400" dirty="0"/>
+              <a:t>.</a:t>
+            </a:r>
+          </a:p>
+        </p:txBody>
+      </p:sp>
+      <p:cxnSp>
+        <p:nvCxnSpPr>
+          <p:cNvPr id="17" name="직선 연결선 16">
+            <a:extLst>
+              <a:ext uri="{FF2B5EF4-FFF2-40B4-BE49-F238E27FC236}">
+                <a16:creationId xmlns:a16="http://schemas.microsoft.com/office/drawing/2014/main" id="{CD147E53-7507-0E7C-60E3-560FA2B26576}"/>
+              </a:ext>
+            </a:extLst>
+          </p:cNvPr>
+          <p:cNvCxnSpPr/>
+          <p:nvPr/>
+        </p:nvCxnSpPr>
+        <p:spPr>
+          <a:xfrm>
+            <a:off x="540697" y="4343400"/>
+            <a:ext cx="10995439" cy="0"/>
+          </a:xfrm>
+          <a:prstGeom prst="line">
+            <a:avLst/>
+          </a:prstGeom>
+        </p:spPr>
+        <p:style>
+          <a:lnRef idx="1">
+            <a:schemeClr val="accent1"/>
+          </a:lnRef>
+          <a:fillRef idx="0">
+            <a:schemeClr val="accent1"/>
+          </a:fillRef>
+          <a:effectRef idx="0">
+            <a:schemeClr val="accent1"/>
+          </a:effectRef>
+          <a:fontRef idx="minor">
+            <a:schemeClr val="tx1"/>
+          </a:fontRef>
+        </p:style>
+      </p:cxnSp>
+      <p:pic>
+        <p:nvPicPr>
+          <p:cNvPr id="10" name="그림 9">
+            <a:extLst>
+              <a:ext uri="{FF2B5EF4-FFF2-40B4-BE49-F238E27FC236}">
+                <a16:creationId xmlns:a16="http://schemas.microsoft.com/office/drawing/2014/main" id="{197F9AC7-DE1C-D00D-6E2B-D28A25857B72}"/>
+              </a:ext>
+            </a:extLst>
+          </p:cNvPr>
+          <p:cNvPicPr>
+            <a:picLocks noChangeAspect="1"/>
+          </p:cNvPicPr>
+          <p:nvPr/>
+        </p:nvPicPr>
+        <p:blipFill>
+          <a:blip r:embed="rId7"/>
+          <a:stretch>
+            <a:fillRect/>
+          </a:stretch>
+        </p:blipFill>
+        <p:spPr>
+          <a:xfrm>
+            <a:off x="565190" y="4600194"/>
+            <a:ext cx="2798494" cy="1487905"/>
           </a:xfrm>
           <a:prstGeom prst="rect">
             <a:avLst/>
@@ -3108,10 +4939,130 @@
       </p:pic>
       <p:pic>
         <p:nvPicPr>
-          <p:cNvPr id="18" name="그림 17">
-            <a:extLst>
-              <a:ext uri="{FF2B5EF4-FFF2-40B4-BE49-F238E27FC236}">
-                <a16:creationId xmlns:a16="http://schemas.microsoft.com/office/drawing/2014/main" id="{45D0FFD1-7326-4F63-F77F-7FE85EC1BED1}"/>
+          <p:cNvPr id="12" name="그림 11">
+            <a:extLst>
+              <a:ext uri="{FF2B5EF4-FFF2-40B4-BE49-F238E27FC236}">
+                <a16:creationId xmlns:a16="http://schemas.microsoft.com/office/drawing/2014/main" id="{2B44B261-39E6-881A-3096-1CBD00CD22BE}"/>
+              </a:ext>
+            </a:extLst>
+          </p:cNvPr>
+          <p:cNvPicPr>
+            <a:picLocks noChangeAspect="1"/>
+          </p:cNvPicPr>
+          <p:nvPr/>
+        </p:nvPicPr>
+        <p:blipFill>
+          <a:blip r:embed="rId8"/>
+          <a:stretch>
+            <a:fillRect/>
+          </a:stretch>
+        </p:blipFill>
+        <p:spPr>
+          <a:xfrm>
+            <a:off x="7042082" y="4842421"/>
+            <a:ext cx="3153215" cy="504895"/>
+          </a:xfrm>
+          <a:prstGeom prst="rect">
+            <a:avLst/>
+          </a:prstGeom>
+        </p:spPr>
+      </p:pic>
+      <p:pic>
+        <p:nvPicPr>
+          <p:cNvPr id="21" name="그림 20">
+            <a:extLst>
+              <a:ext uri="{FF2B5EF4-FFF2-40B4-BE49-F238E27FC236}">
+                <a16:creationId xmlns:a16="http://schemas.microsoft.com/office/drawing/2014/main" id="{F2FC1BD7-900D-75B4-71E6-CEDE59868BAB}"/>
+              </a:ext>
+            </a:extLst>
+          </p:cNvPr>
+          <p:cNvPicPr>
+            <a:picLocks noChangeAspect="1"/>
+          </p:cNvPicPr>
+          <p:nvPr/>
+        </p:nvPicPr>
+        <p:blipFill>
+          <a:blip r:embed="rId9"/>
+          <a:stretch>
+            <a:fillRect/>
+          </a:stretch>
+        </p:blipFill>
+        <p:spPr>
+          <a:xfrm>
+            <a:off x="3621516" y="4649281"/>
+            <a:ext cx="2994490" cy="1309568"/>
+          </a:xfrm>
+          <a:prstGeom prst="rect">
+            <a:avLst/>
+          </a:prstGeom>
+        </p:spPr>
+      </p:pic>
+    </p:spTree>
+    <p:extLst>
+      <p:ext uri="{BB962C8B-B14F-4D97-AF65-F5344CB8AC3E}">
+        <p14:creationId xmlns:p14="http://schemas.microsoft.com/office/powerpoint/2010/main" val="2351975111"/>
+      </p:ext>
+    </p:extLst>
+  </p:cSld>
+  <p:clrMapOvr>
+    <a:masterClrMapping/>
+  </p:clrMapOvr>
+</p:sld>
+</file>
+
+<file path=ppt/slides/slide17.xml><?xml version="1.0" encoding="utf-8"?>
+<p:sld xmlns:a="http://schemas.openxmlformats.org/drawingml/2006/main" xmlns:r="http://schemas.openxmlformats.org/officeDocument/2006/relationships" xmlns:p="http://schemas.openxmlformats.org/presentationml/2006/main">
+  <p:cSld>
+    <p:spTree>
+      <p:nvGrpSpPr>
+        <p:cNvPr id="1" name=""/>
+        <p:cNvGrpSpPr/>
+        <p:nvPr/>
+      </p:nvGrpSpPr>
+      <p:grpSpPr>
+        <a:xfrm>
+          <a:off x="0" y="0"/>
+          <a:ext cx="0" cy="0"/>
+          <a:chOff x="0" y="0"/>
+          <a:chExt cx="0" cy="0"/>
+        </a:xfrm>
+      </p:grpSpPr>
+      <p:pic>
+        <p:nvPicPr>
+          <p:cNvPr id="4" name="그림 3">
+            <a:extLst>
+              <a:ext uri="{FF2B5EF4-FFF2-40B4-BE49-F238E27FC236}">
+                <a16:creationId xmlns:a16="http://schemas.microsoft.com/office/drawing/2014/main" id="{5154AE30-FD11-74E7-5259-71D6F4C415AE}"/>
+              </a:ext>
+            </a:extLst>
+          </p:cNvPr>
+          <p:cNvPicPr>
+            <a:picLocks noChangeAspect="1"/>
+          </p:cNvPicPr>
+          <p:nvPr/>
+        </p:nvPicPr>
+        <p:blipFill>
+          <a:blip r:embed="rId2"/>
+          <a:stretch>
+            <a:fillRect/>
+          </a:stretch>
+        </p:blipFill>
+        <p:spPr>
+          <a:xfrm>
+            <a:off x="461703" y="399922"/>
+            <a:ext cx="2753136" cy="1351923"/>
+          </a:xfrm>
+          <a:prstGeom prst="rect">
+            <a:avLst/>
+          </a:prstGeom>
+        </p:spPr>
+      </p:pic>
+      <p:pic>
+        <p:nvPicPr>
+          <p:cNvPr id="6" name="그림 5">
+            <a:extLst>
+              <a:ext uri="{FF2B5EF4-FFF2-40B4-BE49-F238E27FC236}">
+                <a16:creationId xmlns:a16="http://schemas.microsoft.com/office/drawing/2014/main" id="{251FA6E5-EDF2-3FC3-78C2-98F56360C91B}"/>
               </a:ext>
             </a:extLst>
           </p:cNvPr>
@@ -3128,8 +5079,8 @@
         </p:blipFill>
         <p:spPr>
           <a:xfrm>
-            <a:off x="6790274" y="2189200"/>
-            <a:ext cx="4146444" cy="1405978"/>
+            <a:off x="4318145" y="399922"/>
+            <a:ext cx="2946435" cy="3883320"/>
           </a:xfrm>
           <a:prstGeom prst="rect">
             <a:avLst/>
@@ -3138,22 +5089,20 @@
       </p:pic>
       <p:cxnSp>
         <p:nvCxnSpPr>
-          <p:cNvPr id="20" name="직선 화살표 연결선 19">
-            <a:extLst>
-              <a:ext uri="{FF2B5EF4-FFF2-40B4-BE49-F238E27FC236}">
-                <a16:creationId xmlns:a16="http://schemas.microsoft.com/office/drawing/2014/main" id="{A46A51FA-B3A1-4D84-CDB4-25E2FF4EDFCC}"/>
-              </a:ext>
-            </a:extLst>
-          </p:cNvPr>
-          <p:cNvCxnSpPr>
-            <a:cxnSpLocks/>
-          </p:cNvCxnSpPr>
+          <p:cNvPr id="8" name="직선 화살표 연결선 7">
+            <a:extLst>
+              <a:ext uri="{FF2B5EF4-FFF2-40B4-BE49-F238E27FC236}">
+                <a16:creationId xmlns:a16="http://schemas.microsoft.com/office/drawing/2014/main" id="{7E280CBF-8F39-D147-04F9-BD5E4AE683EA}"/>
+              </a:ext>
+            </a:extLst>
+          </p:cNvPr>
+          <p:cNvCxnSpPr/>
           <p:nvPr/>
         </p:nvCxnSpPr>
         <p:spPr>
           <a:xfrm>
-            <a:off x="5127172" y="2733582"/>
-            <a:ext cx="1213323" cy="0"/>
+            <a:off x="3022333" y="1075883"/>
+            <a:ext cx="981776" cy="0"/>
           </a:xfrm>
           <a:prstGeom prst="straightConnector1">
             <a:avLst/>
@@ -3179,10 +5128,10 @@
       </p:cxnSp>
       <p:sp>
         <p:nvSpPr>
-          <p:cNvPr id="23" name="TextBox 22">
-            <a:extLst>
-              <a:ext uri="{FF2B5EF4-FFF2-40B4-BE49-F238E27FC236}">
-                <a16:creationId xmlns:a16="http://schemas.microsoft.com/office/drawing/2014/main" id="{328D09D0-2A55-5345-59FD-AFE5DB290BD3}"/>
+          <p:cNvPr id="9" name="TextBox 8">
+            <a:extLst>
+              <a:ext uri="{FF2B5EF4-FFF2-40B4-BE49-F238E27FC236}">
+                <a16:creationId xmlns:a16="http://schemas.microsoft.com/office/drawing/2014/main" id="{74C54BB1-0956-2B4A-BEBE-3E9DBABA7AFA}"/>
               </a:ext>
             </a:extLst>
           </p:cNvPr>
@@ -3191,8 +5140,8 @@
         </p:nvSpPr>
         <p:spPr>
           <a:xfrm>
-            <a:off x="5211168" y="2974478"/>
-            <a:ext cx="902811" cy="307777"/>
+            <a:off x="3443326" y="1298121"/>
+            <a:ext cx="543739" cy="307777"/>
           </a:xfrm>
           <a:prstGeom prst="rect">
             <a:avLst/>
@@ -3207,107 +5156,324 @@
           <a:p>
             <a:r>
               <a:rPr lang="ko-KR" altLang="en-US" sz="1400" dirty="0"/>
-              <a:t>문법오류</a:t>
-            </a:r>
-          </a:p>
-        </p:txBody>
-      </p:sp>
-      <p:sp>
-        <p:nvSpPr>
-          <p:cNvPr id="25" name="직사각형 24">
-            <a:extLst>
-              <a:ext uri="{FF2B5EF4-FFF2-40B4-BE49-F238E27FC236}">
-                <a16:creationId xmlns:a16="http://schemas.microsoft.com/office/drawing/2014/main" id="{75B83FDC-8A94-166C-6C3B-57DD588B9313}"/>
-              </a:ext>
-            </a:extLst>
-          </p:cNvPr>
-          <p:cNvSpPr/>
-          <p:nvPr/>
-        </p:nvSpPr>
-        <p:spPr>
-          <a:xfrm>
-            <a:off x="7045779" y="2449286"/>
-            <a:ext cx="563335" cy="130628"/>
-          </a:xfrm>
-          <a:prstGeom prst="rect">
-            <a:avLst/>
-          </a:prstGeom>
+              <a:t>클릭</a:t>
+            </a:r>
+          </a:p>
+        </p:txBody>
+      </p:sp>
+      <p:cxnSp>
+        <p:nvCxnSpPr>
+          <p:cNvPr id="11" name="직선 화살표 연결선 10">
+            <a:extLst>
+              <a:ext uri="{FF2B5EF4-FFF2-40B4-BE49-F238E27FC236}">
+                <a16:creationId xmlns:a16="http://schemas.microsoft.com/office/drawing/2014/main" id="{F355A14B-5DB3-CDB3-2C3E-1B395DAC811C}"/>
+              </a:ext>
+            </a:extLst>
+          </p:cNvPr>
+          <p:cNvCxnSpPr/>
+          <p:nvPr/>
+        </p:nvCxnSpPr>
+        <p:spPr>
+          <a:xfrm flipH="1">
+            <a:off x="6096000" y="399922"/>
+            <a:ext cx="1861457" cy="0"/>
+          </a:xfrm>
+          <a:prstGeom prst="straightConnector1">
+            <a:avLst/>
+          </a:prstGeom>
+          <a:ln>
+            <a:tailEnd type="triangle"/>
+          </a:ln>
         </p:spPr>
         <p:style>
-          <a:lnRef idx="2">
-            <a:schemeClr val="accent1">
-              <a:shade val="50000"/>
-            </a:schemeClr>
+          <a:lnRef idx="1">
+            <a:schemeClr val="accent1"/>
           </a:lnRef>
-          <a:fillRef idx="1">
+          <a:fillRef idx="0">
             <a:schemeClr val="accent1"/>
           </a:fillRef>
           <a:effectRef idx="0">
             <a:schemeClr val="accent1"/>
           </a:effectRef>
           <a:fontRef idx="minor">
-            <a:schemeClr val="lt1"/>
+            <a:schemeClr val="tx1"/>
           </a:fontRef>
         </p:style>
-        <p:txBody>
-          <a:bodyPr rtlCol="0" anchor="ctr"/>
+      </p:cxnSp>
+      <p:sp>
+        <p:nvSpPr>
+          <p:cNvPr id="12" name="TextBox 11">
+            <a:extLst>
+              <a:ext uri="{FF2B5EF4-FFF2-40B4-BE49-F238E27FC236}">
+                <a16:creationId xmlns:a16="http://schemas.microsoft.com/office/drawing/2014/main" id="{89EF5AEC-36C3-B871-A253-B80739D57D8F}"/>
+              </a:ext>
+            </a:extLst>
+          </p:cNvPr>
+          <p:cNvSpPr txBox="1"/>
+          <p:nvPr/>
+        </p:nvSpPr>
+        <p:spPr>
+          <a:xfrm>
+            <a:off x="7685587" y="519792"/>
+            <a:ext cx="4078361" cy="1384995"/>
+          </a:xfrm>
+          <a:prstGeom prst="rect">
+            <a:avLst/>
+          </a:prstGeom>
+          <a:noFill/>
+        </p:spPr>
+        <p:txBody>
+          <a:bodyPr wrap="none" rtlCol="0">
+            <a:spAutoFit/>
+          </a:bodyPr>
           <a:lstStyle/>
           <a:p>
-            <a:pPr algn="ctr"/>
-            <a:endParaRPr lang="ko-KR" altLang="en-US"/>
-          </a:p>
-        </p:txBody>
-      </p:sp>
-      <p:sp>
-        <p:nvSpPr>
-          <p:cNvPr id="26" name="직사각형 25">
-            <a:extLst>
-              <a:ext uri="{FF2B5EF4-FFF2-40B4-BE49-F238E27FC236}">
-                <a16:creationId xmlns:a16="http://schemas.microsoft.com/office/drawing/2014/main" id="{D03AF707-5AA0-0E40-FFC6-E62FDA5C8042}"/>
-              </a:ext>
-            </a:extLst>
-          </p:cNvPr>
-          <p:cNvSpPr/>
-          <p:nvPr/>
-        </p:nvSpPr>
-        <p:spPr>
-          <a:xfrm>
-            <a:off x="7045779" y="2857500"/>
-            <a:ext cx="563335" cy="130628"/>
-          </a:xfrm>
-          <a:prstGeom prst="rect">
-            <a:avLst/>
-          </a:prstGeom>
+            <a:r>
+              <a:rPr lang="ko-KR" altLang="en-US" sz="1400" dirty="0"/>
+              <a:t>포커스가 여기로 와야 합니다</a:t>
+            </a:r>
+            <a:r>
+              <a:rPr lang="en-US" altLang="ko-KR" sz="1400" dirty="0"/>
+              <a:t>.</a:t>
+            </a:r>
+          </a:p>
+          <a:p>
+            <a:endParaRPr lang="en-US" altLang="ko-KR" sz="1400" dirty="0"/>
+          </a:p>
+          <a:p>
+            <a:r>
+              <a:rPr lang="en-US" altLang="ko-KR" sz="1400" dirty="0"/>
+              <a:t>X </a:t>
+            </a:r>
+            <a:r>
+              <a:rPr lang="ko-KR" altLang="en-US" sz="1400" dirty="0"/>
+              <a:t>버튼에서 </a:t>
+            </a:r>
+            <a:r>
+              <a:rPr lang="ko-KR" altLang="en-US" sz="1400" dirty="0" err="1"/>
+              <a:t>탭누르면</a:t>
+            </a:r>
+            <a:r>
+              <a:rPr lang="ko-KR" altLang="en-US" sz="1400" dirty="0"/>
+              <a:t> 포커스가 다시 여기로 와야</a:t>
+            </a:r>
+            <a:endParaRPr lang="en-US" altLang="ko-KR" sz="1400" dirty="0"/>
+          </a:p>
+          <a:p>
+            <a:r>
+              <a:rPr lang="ko-KR" altLang="en-US" sz="1400" dirty="0"/>
+              <a:t>합니다</a:t>
+            </a:r>
+            <a:r>
+              <a:rPr lang="en-US" altLang="ko-KR" sz="1400" dirty="0"/>
+              <a:t>.</a:t>
+            </a:r>
+          </a:p>
+          <a:p>
+            <a:endParaRPr lang="en-US" altLang="ko-KR" sz="1400" dirty="0"/>
+          </a:p>
+          <a:p>
+            <a:r>
+              <a:rPr lang="en-US" altLang="ko-KR" sz="1400" dirty="0"/>
+              <a:t>X </a:t>
+            </a:r>
+            <a:r>
+              <a:rPr lang="ko-KR" altLang="en-US" sz="1400" dirty="0"/>
+              <a:t>누르면 원래 </a:t>
+            </a:r>
+            <a:r>
+              <a:rPr lang="ko-KR" altLang="en-US" sz="1400" dirty="0" err="1"/>
+              <a:t>있던곳으로</a:t>
+            </a:r>
+            <a:r>
+              <a:rPr lang="ko-KR" altLang="en-US" sz="1400" dirty="0"/>
+              <a:t> 포커스가 가야합니다</a:t>
+            </a:r>
+            <a:r>
+              <a:rPr lang="en-US" altLang="ko-KR" sz="1400" dirty="0"/>
+              <a:t>.</a:t>
+            </a:r>
+            <a:endParaRPr lang="ko-KR" altLang="en-US" sz="1400" dirty="0"/>
+          </a:p>
+        </p:txBody>
+      </p:sp>
+      <p:cxnSp>
+        <p:nvCxnSpPr>
+          <p:cNvPr id="14" name="직선 화살표 연결선 13">
+            <a:extLst>
+              <a:ext uri="{FF2B5EF4-FFF2-40B4-BE49-F238E27FC236}">
+                <a16:creationId xmlns:a16="http://schemas.microsoft.com/office/drawing/2014/main" id="{7E7049B7-C4AA-544A-5CE6-6D8281EDD43E}"/>
+              </a:ext>
+            </a:extLst>
+          </p:cNvPr>
+          <p:cNvCxnSpPr>
+            <a:cxnSpLocks/>
+          </p:cNvCxnSpPr>
+          <p:nvPr/>
+        </p:nvCxnSpPr>
+        <p:spPr>
+          <a:xfrm flipV="1">
+            <a:off x="2691253" y="1298121"/>
+            <a:ext cx="0" cy="3943350"/>
+          </a:xfrm>
+          <a:prstGeom prst="straightConnector1">
+            <a:avLst/>
+          </a:prstGeom>
+          <a:ln>
+            <a:tailEnd type="triangle"/>
+          </a:ln>
         </p:spPr>
         <p:style>
-          <a:lnRef idx="2">
-            <a:schemeClr val="accent1">
-              <a:shade val="50000"/>
-            </a:schemeClr>
+          <a:lnRef idx="1">
+            <a:schemeClr val="dk1"/>
           </a:lnRef>
-          <a:fillRef idx="1">
-            <a:schemeClr val="accent1"/>
+          <a:fillRef idx="0">
+            <a:schemeClr val="dk1"/>
           </a:fillRef>
           <a:effectRef idx="0">
-            <a:schemeClr val="accent1"/>
+            <a:schemeClr val="dk1"/>
           </a:effectRef>
           <a:fontRef idx="minor">
-            <a:schemeClr val="lt1"/>
+            <a:schemeClr val="tx1"/>
           </a:fontRef>
         </p:style>
-        <p:txBody>
-          <a:bodyPr rtlCol="0" anchor="ctr"/>
-          <a:lstStyle/>
-          <a:p>
-            <a:pPr algn="ctr"/>
-            <a:endParaRPr lang="ko-KR" altLang="en-US"/>
-          </a:p>
-        </p:txBody>
-      </p:sp>
+      </p:cxnSp>
+      <p:cxnSp>
+        <p:nvCxnSpPr>
+          <p:cNvPr id="17" name="직선 연결선 16">
+            <a:extLst>
+              <a:ext uri="{FF2B5EF4-FFF2-40B4-BE49-F238E27FC236}">
+                <a16:creationId xmlns:a16="http://schemas.microsoft.com/office/drawing/2014/main" id="{F7FD24F0-77EA-66D1-B9AD-C46DF90108A0}"/>
+              </a:ext>
+            </a:extLst>
+          </p:cNvPr>
+          <p:cNvCxnSpPr/>
+          <p:nvPr/>
+        </p:nvCxnSpPr>
+        <p:spPr>
+          <a:xfrm>
+            <a:off x="2743200" y="5241471"/>
+            <a:ext cx="5519057" cy="0"/>
+          </a:xfrm>
+          <a:prstGeom prst="line">
+            <a:avLst/>
+          </a:prstGeom>
+        </p:spPr>
+        <p:style>
+          <a:lnRef idx="1">
+            <a:schemeClr val="accent1"/>
+          </a:lnRef>
+          <a:fillRef idx="0">
+            <a:schemeClr val="accent1"/>
+          </a:fillRef>
+          <a:effectRef idx="0">
+            <a:schemeClr val="accent1"/>
+          </a:effectRef>
+          <a:fontRef idx="minor">
+            <a:schemeClr val="tx1"/>
+          </a:fontRef>
+        </p:style>
+      </p:cxnSp>
+      <p:cxnSp>
+        <p:nvCxnSpPr>
+          <p:cNvPr id="19" name="직선 연결선 18">
+            <a:extLst>
+              <a:ext uri="{FF2B5EF4-FFF2-40B4-BE49-F238E27FC236}">
+                <a16:creationId xmlns:a16="http://schemas.microsoft.com/office/drawing/2014/main" id="{24E7478F-D91C-F669-C390-8DD4E1E6DADB}"/>
+              </a:ext>
+            </a:extLst>
+          </p:cNvPr>
+          <p:cNvCxnSpPr/>
+          <p:nvPr/>
+        </p:nvCxnSpPr>
+        <p:spPr>
+          <a:xfrm flipV="1">
+            <a:off x="8270421" y="2073729"/>
+            <a:ext cx="0" cy="3167742"/>
+          </a:xfrm>
+          <a:prstGeom prst="line">
+            <a:avLst/>
+          </a:prstGeom>
+        </p:spPr>
+        <p:style>
+          <a:lnRef idx="1">
+            <a:schemeClr val="accent1"/>
+          </a:lnRef>
+          <a:fillRef idx="0">
+            <a:schemeClr val="accent1"/>
+          </a:fillRef>
+          <a:effectRef idx="0">
+            <a:schemeClr val="accent1"/>
+          </a:effectRef>
+          <a:fontRef idx="minor">
+            <a:schemeClr val="tx1"/>
+          </a:fontRef>
+        </p:style>
+      </p:cxnSp>
     </p:spTree>
     <p:extLst>
       <p:ext uri="{BB962C8B-B14F-4D97-AF65-F5344CB8AC3E}">
-        <p14:creationId xmlns:p14="http://schemas.microsoft.com/office/powerpoint/2010/main" val="401906636"/>
+        <p14:creationId xmlns:p14="http://schemas.microsoft.com/office/powerpoint/2010/main" val="3084232163"/>
+      </p:ext>
+    </p:extLst>
+  </p:cSld>
+  <p:clrMapOvr>
+    <a:masterClrMapping/>
+  </p:clrMapOvr>
+</p:sld>
+</file>
+
+<file path=ppt/slides/slide18.xml><?xml version="1.0" encoding="utf-8"?>
+<p:sld xmlns:a="http://schemas.openxmlformats.org/drawingml/2006/main" xmlns:r="http://schemas.openxmlformats.org/officeDocument/2006/relationships" xmlns:p="http://schemas.openxmlformats.org/presentationml/2006/main">
+  <p:cSld>
+    <p:spTree>
+      <p:nvGrpSpPr>
+        <p:cNvPr id="1" name=""/>
+        <p:cNvGrpSpPr/>
+        <p:nvPr/>
+      </p:nvGrpSpPr>
+      <p:grpSpPr>
+        <a:xfrm>
+          <a:off x="0" y="0"/>
+          <a:ext cx="0" cy="0"/>
+          <a:chOff x="0" y="0"/>
+          <a:chExt cx="0" cy="0"/>
+        </a:xfrm>
+      </p:grpSpPr>
+    </p:spTree>
+    <p:extLst>
+      <p:ext uri="{BB962C8B-B14F-4D97-AF65-F5344CB8AC3E}">
+        <p14:creationId xmlns:p14="http://schemas.microsoft.com/office/powerpoint/2010/main" val="3656500380"/>
+      </p:ext>
+    </p:extLst>
+  </p:cSld>
+  <p:clrMapOvr>
+    <a:masterClrMapping/>
+  </p:clrMapOvr>
+</p:sld>
+</file>
+
+<file path=ppt/slides/slide19.xml><?xml version="1.0" encoding="utf-8"?>
+<p:sld xmlns:a="http://schemas.openxmlformats.org/drawingml/2006/main" xmlns:r="http://schemas.openxmlformats.org/officeDocument/2006/relationships" xmlns:p="http://schemas.openxmlformats.org/presentationml/2006/main">
+  <p:cSld>
+    <p:spTree>
+      <p:nvGrpSpPr>
+        <p:cNvPr id="1" name=""/>
+        <p:cNvGrpSpPr/>
+        <p:nvPr/>
+      </p:nvGrpSpPr>
+      <p:grpSpPr>
+        <a:xfrm>
+          <a:off x="0" y="0"/>
+          <a:ext cx="0" cy="0"/>
+          <a:chOff x="0" y="0"/>
+          <a:chExt cx="0" cy="0"/>
+        </a:xfrm>
+      </p:grpSpPr>
+    </p:spTree>
+    <p:extLst>
+      <p:ext uri="{BB962C8B-B14F-4D97-AF65-F5344CB8AC3E}">
+        <p14:creationId xmlns:p14="http://schemas.microsoft.com/office/powerpoint/2010/main" val="2556136554"/>
       </p:ext>
     </p:extLst>
   </p:cSld>
@@ -3336,10 +5502,10 @@
       </p:grpSpPr>
       <p:pic>
         <p:nvPicPr>
-          <p:cNvPr id="4" name="그림 3">
-            <a:extLst>
-              <a:ext uri="{FF2B5EF4-FFF2-40B4-BE49-F238E27FC236}">
-                <a16:creationId xmlns:a16="http://schemas.microsoft.com/office/drawing/2014/main" id="{5616B8B0-2911-4B63-A316-F67F44CDE4DA}"/>
+          <p:cNvPr id="2" name="그림 1">
+            <a:extLst>
+              <a:ext uri="{FF2B5EF4-FFF2-40B4-BE49-F238E27FC236}">
+                <a16:creationId xmlns:a16="http://schemas.microsoft.com/office/drawing/2014/main" id="{D0726FD5-6EF6-0848-62DC-922BC0353252}"/>
               </a:ext>
             </a:extLst>
           </p:cNvPr>
@@ -3356,8 +5522,8 @@
         </p:blipFill>
         <p:spPr>
           <a:xfrm>
-            <a:off x="657880" y="400048"/>
-            <a:ext cx="909525" cy="4653643"/>
+            <a:off x="434437" y="411471"/>
+            <a:ext cx="4448796" cy="2067213"/>
           </a:xfrm>
           <a:prstGeom prst="rect">
             <a:avLst/>
@@ -3366,10 +5532,10 @@
       </p:pic>
       <p:sp>
         <p:nvSpPr>
-          <p:cNvPr id="5" name="TextBox 4">
-            <a:extLst>
-              <a:ext uri="{FF2B5EF4-FFF2-40B4-BE49-F238E27FC236}">
-                <a16:creationId xmlns:a16="http://schemas.microsoft.com/office/drawing/2014/main" id="{C147260C-FFCA-438F-485A-F5C64F3BD6B4}"/>
+          <p:cNvPr id="3" name="TextBox 2">
+            <a:extLst>
+              <a:ext uri="{FF2B5EF4-FFF2-40B4-BE49-F238E27FC236}">
+                <a16:creationId xmlns:a16="http://schemas.microsoft.com/office/drawing/2014/main" id="{C27A6816-FBA6-F44B-1C60-13C9EE811617}"/>
               </a:ext>
             </a:extLst>
           </p:cNvPr>
@@ -3378,8 +5544,8 @@
         </p:nvSpPr>
         <p:spPr>
           <a:xfrm>
-            <a:off x="2139042" y="702128"/>
-            <a:ext cx="4580100" cy="1169551"/>
+            <a:off x="5393928" y="657869"/>
+            <a:ext cx="2335896" cy="1666546"/>
           </a:xfrm>
           <a:prstGeom prst="rect">
             <a:avLst/>
@@ -3392,69 +5558,131 @@
           </a:bodyPr>
           <a:lstStyle/>
           <a:p>
+            <a:pPr>
+              <a:lnSpc>
+                <a:spcPct val="150000"/>
+              </a:lnSpc>
+            </a:pPr>
+            <a:r>
+              <a:rPr lang="ko-KR" altLang="en-US" sz="1400" dirty="0" err="1"/>
+              <a:t>스킵</a:t>
+            </a:r>
             <a:r>
               <a:rPr lang="ko-KR" altLang="en-US" sz="1400" dirty="0"/>
-              <a:t>현재 </a:t>
+              <a:t> </a:t>
+            </a:r>
+            <a:r>
+              <a:rPr lang="ko-KR" altLang="en-US" sz="1400" dirty="0" err="1"/>
+              <a:t>네비</a:t>
+            </a:r>
+            <a:r>
+              <a:rPr lang="ko-KR" altLang="en-US" sz="1400" dirty="0"/>
+              <a:t> 추가</a:t>
+            </a:r>
+            <a:endParaRPr lang="en-US" altLang="ko-KR" sz="1400" dirty="0"/>
+          </a:p>
+          <a:p>
+            <a:pPr>
+              <a:lnSpc>
+                <a:spcPct val="150000"/>
+              </a:lnSpc>
+            </a:pPr>
+            <a:r>
+              <a:rPr lang="ko-KR" altLang="en-US" sz="1400" dirty="0"/>
+              <a:t>메뉴 </a:t>
             </a:r>
             <a:r>
               <a:rPr lang="en-US" altLang="ko-KR" sz="1400" dirty="0"/>
-              <a:t>button</a:t>
-            </a:r>
+              <a:t>ID : </a:t>
+            </a:r>
+            <a:r>
+              <a:rPr lang="en-US" altLang="ko-KR" sz="1400" dirty="0" err="1"/>
+              <a:t>menuLink</a:t>
+            </a:r>
+            <a:endParaRPr lang="en-US" altLang="ko-KR" sz="1400" dirty="0"/>
+          </a:p>
+          <a:p>
+            <a:pPr>
+              <a:lnSpc>
+                <a:spcPct val="150000"/>
+              </a:lnSpc>
+            </a:pPr>
             <a:r>
               <a:rPr lang="ko-KR" altLang="en-US" sz="1400" dirty="0"/>
-              <a:t>에 </a:t>
+              <a:t>본문 </a:t>
             </a:r>
             <a:r>
               <a:rPr lang="en-US" altLang="ko-KR" sz="1400" dirty="0"/>
-              <a:t>title</a:t>
+              <a:t>ID : root</a:t>
+            </a:r>
+          </a:p>
+          <a:p>
+            <a:pPr>
+              <a:lnSpc>
+                <a:spcPct val="150000"/>
+              </a:lnSpc>
+            </a:pPr>
+            <a:endParaRPr lang="en-US" altLang="ko-KR" sz="1400" dirty="0"/>
+          </a:p>
+          <a:p>
+            <a:pPr>
+              <a:lnSpc>
+                <a:spcPct val="150000"/>
+              </a:lnSpc>
+            </a:pPr>
+            <a:r>
+              <a:rPr lang="en-US" altLang="ko-KR" sz="1400" dirty="0"/>
+              <a:t>UI-SJN-01-001U.html </a:t>
             </a:r>
             <a:r>
               <a:rPr lang="ko-KR" altLang="en-US" sz="1400" dirty="0"/>
-              <a:t>이 비워져 있습니다</a:t>
-            </a:r>
-            <a:r>
-              <a:rPr lang="en-US" altLang="ko-KR" sz="1400" dirty="0"/>
-              <a:t>.</a:t>
-            </a:r>
-          </a:p>
-          <a:p>
-            <a:endParaRPr lang="en-US" altLang="ko-KR" sz="1400" dirty="0"/>
-          </a:p>
-          <a:p>
-            <a:r>
-              <a:rPr lang="ko-KR" altLang="en-US" sz="1400" dirty="0"/>
-              <a:t>각각 용도에 맞게 넣어주세요</a:t>
-            </a:r>
-            <a:r>
-              <a:rPr lang="en-US" altLang="ko-KR" sz="1400" dirty="0"/>
-              <a:t>.</a:t>
-            </a:r>
-          </a:p>
-          <a:p>
-            <a:endParaRPr lang="en-US" altLang="ko-KR" sz="1400" dirty="0"/>
-          </a:p>
-          <a:p>
-            <a:r>
-              <a:rPr lang="ko-KR" altLang="en-US" sz="1400" dirty="0"/>
-              <a:t>예</a:t>
-            </a:r>
-            <a:r>
-              <a:rPr lang="en-US" altLang="ko-KR" sz="1400" dirty="0"/>
-              <a:t>) </a:t>
-            </a:r>
-            <a:r>
-              <a:rPr lang="ko-KR" altLang="en-US" sz="1400" dirty="0"/>
-              <a:t>위성영상 보기 비활성화        위성영상보기 활성화</a:t>
-            </a:r>
-          </a:p>
-        </p:txBody>
-      </p:sp>
+              <a:t>참고</a:t>
+            </a:r>
+          </a:p>
+        </p:txBody>
+      </p:sp>
+      <p:cxnSp>
+        <p:nvCxnSpPr>
+          <p:cNvPr id="4" name="직선 연결선 3">
+            <a:extLst>
+              <a:ext uri="{FF2B5EF4-FFF2-40B4-BE49-F238E27FC236}">
+                <a16:creationId xmlns:a16="http://schemas.microsoft.com/office/drawing/2014/main" id="{BC0F8713-1A84-6753-A69A-A243A2B7C508}"/>
+              </a:ext>
+            </a:extLst>
+          </p:cNvPr>
+          <p:cNvCxnSpPr/>
+          <p:nvPr/>
+        </p:nvCxnSpPr>
+        <p:spPr>
+          <a:xfrm>
+            <a:off x="540697" y="2979964"/>
+            <a:ext cx="10995439" cy="0"/>
+          </a:xfrm>
+          <a:prstGeom prst="line">
+            <a:avLst/>
+          </a:prstGeom>
+        </p:spPr>
+        <p:style>
+          <a:lnRef idx="1">
+            <a:schemeClr val="accent1"/>
+          </a:lnRef>
+          <a:fillRef idx="0">
+            <a:schemeClr val="accent1"/>
+          </a:fillRef>
+          <a:effectRef idx="0">
+            <a:schemeClr val="accent1"/>
+          </a:effectRef>
+          <a:fontRef idx="minor">
+            <a:schemeClr val="tx1"/>
+          </a:fontRef>
+        </p:style>
+      </p:cxnSp>
       <p:pic>
         <p:nvPicPr>
-          <p:cNvPr id="7" name="그림 6">
-            <a:extLst>
-              <a:ext uri="{FF2B5EF4-FFF2-40B4-BE49-F238E27FC236}">
-                <a16:creationId xmlns:a16="http://schemas.microsoft.com/office/drawing/2014/main" id="{B44FA4CB-ED66-6701-661D-01F631F9F2A3}"/>
+          <p:cNvPr id="5" name="그림 4">
+            <a:extLst>
+              <a:ext uri="{FF2B5EF4-FFF2-40B4-BE49-F238E27FC236}">
+                <a16:creationId xmlns:a16="http://schemas.microsoft.com/office/drawing/2014/main" id="{1CE77B78-AD6A-C3FD-9C74-3CFF2C9F6C81}"/>
               </a:ext>
             </a:extLst>
           </p:cNvPr>
@@ -3471,20 +5699,80 @@
         </p:blipFill>
         <p:spPr>
           <a:xfrm>
-            <a:off x="2943177" y="2094780"/>
-            <a:ext cx="704948" cy="562053"/>
+            <a:off x="540697" y="3429000"/>
+            <a:ext cx="3226548" cy="2657157"/>
           </a:xfrm>
           <a:prstGeom prst="rect">
             <a:avLst/>
           </a:prstGeom>
         </p:spPr>
       </p:pic>
+      <p:sp>
+        <p:nvSpPr>
+          <p:cNvPr id="6" name="TextBox 5">
+            <a:extLst>
+              <a:ext uri="{FF2B5EF4-FFF2-40B4-BE49-F238E27FC236}">
+                <a16:creationId xmlns:a16="http://schemas.microsoft.com/office/drawing/2014/main" id="{A0B4E179-EB1D-0994-2608-4C7A8F8B2303}"/>
+              </a:ext>
+            </a:extLst>
+          </p:cNvPr>
+          <p:cNvSpPr txBox="1"/>
+          <p:nvPr/>
+        </p:nvSpPr>
+        <p:spPr>
+          <a:xfrm>
+            <a:off x="4223714" y="3567630"/>
+            <a:ext cx="5711820" cy="373885"/>
+          </a:xfrm>
+          <a:prstGeom prst="rect">
+            <a:avLst/>
+          </a:prstGeom>
+          <a:noFill/>
+        </p:spPr>
+        <p:txBody>
+          <a:bodyPr wrap="none" rtlCol="0">
+            <a:spAutoFit/>
+          </a:bodyPr>
+          <a:lstStyle/>
+          <a:p>
+            <a:pPr>
+              <a:lnSpc>
+                <a:spcPct val="150000"/>
+              </a:lnSpc>
+            </a:pPr>
+            <a:r>
+              <a:rPr lang="ko-KR" altLang="en-US" sz="1400" dirty="0" err="1"/>
+              <a:t>창닫기</a:t>
+            </a:r>
+            <a:r>
+              <a:rPr lang="ko-KR" altLang="en-US" sz="1400" dirty="0"/>
+              <a:t> 버튼 포커스에서 </a:t>
+            </a:r>
+            <a:r>
+              <a:rPr lang="ko-KR" altLang="en-US" sz="1400" dirty="0" err="1"/>
+              <a:t>탭키</a:t>
+            </a:r>
+            <a:r>
+              <a:rPr lang="ko-KR" altLang="en-US" sz="1400" dirty="0"/>
+              <a:t> </a:t>
+            </a:r>
+            <a:r>
+              <a:rPr lang="ko-KR" altLang="en-US" sz="1400" dirty="0" err="1"/>
+              <a:t>눌렀을경우</a:t>
+            </a:r>
+            <a:r>
+              <a:rPr lang="ko-KR" altLang="en-US" sz="1400" dirty="0"/>
+              <a:t> 다시 레이어로 포커스 이동</a:t>
+            </a:r>
+          </a:p>
+        </p:txBody>
+      </p:sp>
       <p:pic>
         <p:nvPicPr>
-          <p:cNvPr id="9" name="그림 8">
-            <a:extLst>
-              <a:ext uri="{FF2B5EF4-FFF2-40B4-BE49-F238E27FC236}">
-                <a16:creationId xmlns:a16="http://schemas.microsoft.com/office/drawing/2014/main" id="{6391A6E0-9DB2-31B1-C167-E0A97C263643}"/>
+          <p:cNvPr id="7" name="그림 6">
+            <a:extLst>
+              <a:ext uri="{FF2B5EF4-FFF2-40B4-BE49-F238E27FC236}">
+                <a16:creationId xmlns:a16="http://schemas.microsoft.com/office/drawing/2014/main" id="{09FC96F5-3511-4473-2C2F-4A2800E16503}"/>
               </a:ext>
             </a:extLst>
           </p:cNvPr>
@@ -3501,6 +5789,321 @@
         </p:blipFill>
         <p:spPr>
           <a:xfrm>
+            <a:off x="4296966" y="4085902"/>
+            <a:ext cx="2438740" cy="161948"/>
+          </a:xfrm>
+          <a:prstGeom prst="rect">
+            <a:avLst/>
+          </a:prstGeom>
+        </p:spPr>
+      </p:pic>
+      <p:pic>
+        <p:nvPicPr>
+          <p:cNvPr id="8" name="그림 7">
+            <a:extLst>
+              <a:ext uri="{FF2B5EF4-FFF2-40B4-BE49-F238E27FC236}">
+                <a16:creationId xmlns:a16="http://schemas.microsoft.com/office/drawing/2014/main" id="{9A7557AC-24DC-6A13-0C5D-7770F665D8C7}"/>
+              </a:ext>
+            </a:extLst>
+          </p:cNvPr>
+          <p:cNvPicPr>
+            <a:picLocks noChangeAspect="1"/>
+          </p:cNvPicPr>
+          <p:nvPr/>
+        </p:nvPicPr>
+        <p:blipFill>
+          <a:blip r:embed="rId5"/>
+          <a:stretch>
+            <a:fillRect/>
+          </a:stretch>
+        </p:blipFill>
+        <p:spPr>
+          <a:xfrm>
+            <a:off x="4296966" y="4516770"/>
+            <a:ext cx="5887272" cy="1743318"/>
+          </a:xfrm>
+          <a:prstGeom prst="rect">
+            <a:avLst/>
+          </a:prstGeom>
+        </p:spPr>
+      </p:pic>
+    </p:spTree>
+    <p:extLst>
+      <p:ext uri="{BB962C8B-B14F-4D97-AF65-F5344CB8AC3E}">
+        <p14:creationId xmlns:p14="http://schemas.microsoft.com/office/powerpoint/2010/main" val="249330391"/>
+      </p:ext>
+    </p:extLst>
+  </p:cSld>
+  <p:clrMapOvr>
+    <a:masterClrMapping/>
+  </p:clrMapOvr>
+</p:sld>
+</file>
+
+<file path=ppt/slides/slide20.xml><?xml version="1.0" encoding="utf-8"?>
+<p:sld xmlns:a="http://schemas.openxmlformats.org/drawingml/2006/main" xmlns:r="http://schemas.openxmlformats.org/officeDocument/2006/relationships" xmlns:p="http://schemas.openxmlformats.org/presentationml/2006/main">
+  <p:cSld>
+    <p:spTree>
+      <p:nvGrpSpPr>
+        <p:cNvPr id="1" name=""/>
+        <p:cNvGrpSpPr/>
+        <p:nvPr/>
+      </p:nvGrpSpPr>
+      <p:grpSpPr>
+        <a:xfrm>
+          <a:off x="0" y="0"/>
+          <a:ext cx="0" cy="0"/>
+          <a:chOff x="0" y="0"/>
+          <a:chExt cx="0" cy="0"/>
+        </a:xfrm>
+      </p:grpSpPr>
+      <p:sp>
+        <p:nvSpPr>
+          <p:cNvPr id="3" name="직사각형 2">
+            <a:extLst>
+              <a:ext uri="{FF2B5EF4-FFF2-40B4-BE49-F238E27FC236}">
+                <a16:creationId xmlns:a16="http://schemas.microsoft.com/office/drawing/2014/main" id="{C911613E-2065-A021-648C-90EA2DD07EE8}"/>
+              </a:ext>
+            </a:extLst>
+          </p:cNvPr>
+          <p:cNvSpPr/>
+          <p:nvPr/>
+        </p:nvSpPr>
+        <p:spPr>
+          <a:xfrm>
+            <a:off x="0" y="0"/>
+            <a:ext cx="12192000" cy="6858000"/>
+          </a:xfrm>
+          <a:prstGeom prst="rect">
+            <a:avLst/>
+          </a:prstGeom>
+        </p:spPr>
+        <p:style>
+          <a:lnRef idx="2">
+            <a:schemeClr val="accent1">
+              <a:shade val="50000"/>
+            </a:schemeClr>
+          </a:lnRef>
+          <a:fillRef idx="1">
+            <a:schemeClr val="accent1"/>
+          </a:fillRef>
+          <a:effectRef idx="0">
+            <a:schemeClr val="accent1"/>
+          </a:effectRef>
+          <a:fontRef idx="minor">
+            <a:schemeClr val="lt1"/>
+          </a:fontRef>
+        </p:style>
+        <p:txBody>
+          <a:bodyPr rtlCol="0" anchor="ctr"/>
+          <a:lstStyle/>
+          <a:p>
+            <a:pPr algn="ctr"/>
+            <a:r>
+              <a:rPr lang="ko-KR" altLang="en-US" sz="10000"/>
+              <a:t>스마트맵</a:t>
+            </a:r>
+            <a:endParaRPr lang="ko-KR" altLang="en-US" sz="10000" dirty="0"/>
+          </a:p>
+        </p:txBody>
+      </p:sp>
+    </p:spTree>
+    <p:extLst>
+      <p:ext uri="{BB962C8B-B14F-4D97-AF65-F5344CB8AC3E}">
+        <p14:creationId xmlns:p14="http://schemas.microsoft.com/office/powerpoint/2010/main" val="1805834605"/>
+      </p:ext>
+    </p:extLst>
+  </p:cSld>
+  <p:clrMapOvr>
+    <a:masterClrMapping/>
+  </p:clrMapOvr>
+</p:sld>
+</file>
+
+<file path=ppt/slides/slide21.xml><?xml version="1.0" encoding="utf-8"?>
+<p:sld xmlns:a="http://schemas.openxmlformats.org/drawingml/2006/main" xmlns:r="http://schemas.openxmlformats.org/officeDocument/2006/relationships" xmlns:p="http://schemas.openxmlformats.org/presentationml/2006/main">
+  <p:cSld>
+    <p:spTree>
+      <p:nvGrpSpPr>
+        <p:cNvPr id="1" name=""/>
+        <p:cNvGrpSpPr/>
+        <p:nvPr/>
+      </p:nvGrpSpPr>
+      <p:grpSpPr>
+        <a:xfrm>
+          <a:off x="0" y="0"/>
+          <a:ext cx="0" cy="0"/>
+          <a:chOff x="0" y="0"/>
+          <a:chExt cx="0" cy="0"/>
+        </a:xfrm>
+      </p:grpSpPr>
+      <p:pic>
+        <p:nvPicPr>
+          <p:cNvPr id="4" name="그림 3">
+            <a:extLst>
+              <a:ext uri="{FF2B5EF4-FFF2-40B4-BE49-F238E27FC236}">
+                <a16:creationId xmlns:a16="http://schemas.microsoft.com/office/drawing/2014/main" id="{5616B8B0-2911-4B63-A316-F67F44CDE4DA}"/>
+              </a:ext>
+            </a:extLst>
+          </p:cNvPr>
+          <p:cNvPicPr>
+            <a:picLocks noChangeAspect="1"/>
+          </p:cNvPicPr>
+          <p:nvPr/>
+        </p:nvPicPr>
+        <p:blipFill>
+          <a:blip r:embed="rId2"/>
+          <a:stretch>
+            <a:fillRect/>
+          </a:stretch>
+        </p:blipFill>
+        <p:spPr>
+          <a:xfrm>
+            <a:off x="657880" y="400048"/>
+            <a:ext cx="909525" cy="4653643"/>
+          </a:xfrm>
+          <a:prstGeom prst="rect">
+            <a:avLst/>
+          </a:prstGeom>
+        </p:spPr>
+      </p:pic>
+      <p:sp>
+        <p:nvSpPr>
+          <p:cNvPr id="5" name="TextBox 4">
+            <a:extLst>
+              <a:ext uri="{FF2B5EF4-FFF2-40B4-BE49-F238E27FC236}">
+                <a16:creationId xmlns:a16="http://schemas.microsoft.com/office/drawing/2014/main" id="{C147260C-FFCA-438F-485A-F5C64F3BD6B4}"/>
+              </a:ext>
+            </a:extLst>
+          </p:cNvPr>
+          <p:cNvSpPr txBox="1"/>
+          <p:nvPr/>
+        </p:nvSpPr>
+        <p:spPr>
+          <a:xfrm>
+            <a:off x="2139042" y="702128"/>
+            <a:ext cx="4580100" cy="1169551"/>
+          </a:xfrm>
+          <a:prstGeom prst="rect">
+            <a:avLst/>
+          </a:prstGeom>
+          <a:noFill/>
+        </p:spPr>
+        <p:txBody>
+          <a:bodyPr wrap="none" rtlCol="0">
+            <a:spAutoFit/>
+          </a:bodyPr>
+          <a:lstStyle/>
+          <a:p>
+            <a:r>
+              <a:rPr lang="ko-KR" altLang="en-US" sz="1400" dirty="0"/>
+              <a:t>현재 </a:t>
+            </a:r>
+            <a:r>
+              <a:rPr lang="en-US" altLang="ko-KR" sz="1400" dirty="0"/>
+              <a:t>button</a:t>
+            </a:r>
+            <a:r>
+              <a:rPr lang="ko-KR" altLang="en-US" sz="1400" dirty="0"/>
+              <a:t>에 </a:t>
+            </a:r>
+            <a:r>
+              <a:rPr lang="en-US" altLang="ko-KR" sz="1400" dirty="0"/>
+              <a:t>title</a:t>
+            </a:r>
+            <a:r>
+              <a:rPr lang="ko-KR" altLang="en-US" sz="1400" dirty="0"/>
+              <a:t>이 비워져 있습니다</a:t>
+            </a:r>
+            <a:r>
+              <a:rPr lang="en-US" altLang="ko-KR" sz="1400" dirty="0"/>
+              <a:t>.</a:t>
+            </a:r>
+          </a:p>
+          <a:p>
+            <a:endParaRPr lang="en-US" altLang="ko-KR" sz="1400" dirty="0"/>
+          </a:p>
+          <a:p>
+            <a:r>
+              <a:rPr lang="ko-KR" altLang="en-US" sz="1400" dirty="0"/>
+              <a:t>각각 용도에 맞게 넣어주세요</a:t>
+            </a:r>
+            <a:r>
+              <a:rPr lang="en-US" altLang="ko-KR" sz="1400" dirty="0"/>
+              <a:t>.</a:t>
+            </a:r>
+          </a:p>
+          <a:p>
+            <a:endParaRPr lang="en-US" altLang="ko-KR" sz="1400" dirty="0"/>
+          </a:p>
+          <a:p>
+            <a:r>
+              <a:rPr lang="ko-KR" altLang="en-US" sz="1400" dirty="0"/>
+              <a:t>예</a:t>
+            </a:r>
+            <a:r>
+              <a:rPr lang="en-US" altLang="ko-KR" sz="1400" dirty="0"/>
+              <a:t>) </a:t>
+            </a:r>
+            <a:r>
+              <a:rPr lang="ko-KR" altLang="en-US" sz="1400" dirty="0"/>
+              <a:t>위성영상 보기 비활성화        위성영상보기 활성화</a:t>
+            </a:r>
+          </a:p>
+        </p:txBody>
+      </p:sp>
+      <p:pic>
+        <p:nvPicPr>
+          <p:cNvPr id="7" name="그림 6">
+            <a:extLst>
+              <a:ext uri="{FF2B5EF4-FFF2-40B4-BE49-F238E27FC236}">
+                <a16:creationId xmlns:a16="http://schemas.microsoft.com/office/drawing/2014/main" id="{B44FA4CB-ED66-6701-661D-01F631F9F2A3}"/>
+              </a:ext>
+            </a:extLst>
+          </p:cNvPr>
+          <p:cNvPicPr>
+            <a:picLocks noChangeAspect="1"/>
+          </p:cNvPicPr>
+          <p:nvPr/>
+        </p:nvPicPr>
+        <p:blipFill>
+          <a:blip r:embed="rId3"/>
+          <a:stretch>
+            <a:fillRect/>
+          </a:stretch>
+        </p:blipFill>
+        <p:spPr>
+          <a:xfrm>
+            <a:off x="2943177" y="2094780"/>
+            <a:ext cx="704948" cy="562053"/>
+          </a:xfrm>
+          <a:prstGeom prst="rect">
+            <a:avLst/>
+          </a:prstGeom>
+        </p:spPr>
+      </p:pic>
+      <p:pic>
+        <p:nvPicPr>
+          <p:cNvPr id="9" name="그림 8">
+            <a:extLst>
+              <a:ext uri="{FF2B5EF4-FFF2-40B4-BE49-F238E27FC236}">
+                <a16:creationId xmlns:a16="http://schemas.microsoft.com/office/drawing/2014/main" id="{6391A6E0-9DB2-31B1-C167-E0A97C263643}"/>
+              </a:ext>
+            </a:extLst>
+          </p:cNvPr>
+          <p:cNvPicPr>
+            <a:picLocks noChangeAspect="1"/>
+          </p:cNvPicPr>
+          <p:nvPr/>
+        </p:nvPicPr>
+        <p:blipFill>
+          <a:blip r:embed="rId4"/>
+          <a:stretch>
+            <a:fillRect/>
+          </a:stretch>
+        </p:blipFill>
+        <p:spPr>
+          <a:xfrm>
             <a:off x="5310819" y="2066200"/>
             <a:ext cx="704948" cy="619211"/>
           </a:xfrm>
@@ -3513,6 +6116,66 @@
     <p:extLst>
       <p:ext uri="{BB962C8B-B14F-4D97-AF65-F5344CB8AC3E}">
         <p14:creationId xmlns:p14="http://schemas.microsoft.com/office/powerpoint/2010/main" val="4282395024"/>
+      </p:ext>
+    </p:extLst>
+  </p:cSld>
+  <p:clrMapOvr>
+    <a:masterClrMapping/>
+  </p:clrMapOvr>
+</p:sld>
+</file>
+
+<file path=ppt/slides/slide22.xml><?xml version="1.0" encoding="utf-8"?>
+<p:sld xmlns:a="http://schemas.openxmlformats.org/drawingml/2006/main" xmlns:r="http://schemas.openxmlformats.org/officeDocument/2006/relationships" xmlns:p="http://schemas.openxmlformats.org/presentationml/2006/main">
+  <p:cSld>
+    <p:spTree>
+      <p:nvGrpSpPr>
+        <p:cNvPr id="1" name=""/>
+        <p:cNvGrpSpPr/>
+        <p:nvPr/>
+      </p:nvGrpSpPr>
+      <p:grpSpPr>
+        <a:xfrm>
+          <a:off x="0" y="0"/>
+          <a:ext cx="0" cy="0"/>
+          <a:chOff x="0" y="0"/>
+          <a:chExt cx="0" cy="0"/>
+        </a:xfrm>
+      </p:grpSpPr>
+    </p:spTree>
+    <p:extLst>
+      <p:ext uri="{BB962C8B-B14F-4D97-AF65-F5344CB8AC3E}">
+        <p14:creationId xmlns:p14="http://schemas.microsoft.com/office/powerpoint/2010/main" val="1953772379"/>
+      </p:ext>
+    </p:extLst>
+  </p:cSld>
+  <p:clrMapOvr>
+    <a:masterClrMapping/>
+  </p:clrMapOvr>
+</p:sld>
+</file>
+
+<file path=ppt/slides/slide23.xml><?xml version="1.0" encoding="utf-8"?>
+<p:sld xmlns:a="http://schemas.openxmlformats.org/drawingml/2006/main" xmlns:r="http://schemas.openxmlformats.org/officeDocument/2006/relationships" xmlns:p="http://schemas.openxmlformats.org/presentationml/2006/main">
+  <p:cSld>
+    <p:spTree>
+      <p:nvGrpSpPr>
+        <p:cNvPr id="1" name=""/>
+        <p:cNvGrpSpPr/>
+        <p:nvPr/>
+      </p:nvGrpSpPr>
+      <p:grpSpPr>
+        <a:xfrm>
+          <a:off x="0" y="0"/>
+          <a:ext cx="0" cy="0"/>
+          <a:chOff x="0" y="0"/>
+          <a:chExt cx="0" cy="0"/>
+        </a:xfrm>
+      </p:grpSpPr>
+    </p:spTree>
+    <p:extLst>
+      <p:ext uri="{BB962C8B-B14F-4D97-AF65-F5344CB8AC3E}">
+        <p14:creationId xmlns:p14="http://schemas.microsoft.com/office/powerpoint/2010/main" val="223767511"/>
       </p:ext>
     </p:extLst>
   </p:cSld>
@@ -3541,10 +6204,10 @@
       </p:grpSpPr>
       <p:pic>
         <p:nvPicPr>
-          <p:cNvPr id="13" name="그림 12">
-            <a:extLst>
-              <a:ext uri="{FF2B5EF4-FFF2-40B4-BE49-F238E27FC236}">
-                <a16:creationId xmlns:a16="http://schemas.microsoft.com/office/drawing/2014/main" id="{2DB7D813-D699-08B7-7091-053F0E2C133D}"/>
+          <p:cNvPr id="2" name="그림 1">
+            <a:extLst>
+              <a:ext uri="{FF2B5EF4-FFF2-40B4-BE49-F238E27FC236}">
+                <a16:creationId xmlns:a16="http://schemas.microsoft.com/office/drawing/2014/main" id="{43F08CEE-6FB4-034D-793F-41C811B1B0D3}"/>
               </a:ext>
             </a:extLst>
           </p:cNvPr>
@@ -3561,59 +6224,20 @@
         </p:blipFill>
         <p:spPr>
           <a:xfrm>
-            <a:off x="601992" y="578923"/>
-            <a:ext cx="1762371" cy="866896"/>
+            <a:off x="401159" y="836960"/>
+            <a:ext cx="2814683" cy="1906240"/>
           </a:xfrm>
           <a:prstGeom prst="rect">
             <a:avLst/>
           </a:prstGeom>
         </p:spPr>
       </p:pic>
-      <p:cxnSp>
-        <p:nvCxnSpPr>
-          <p:cNvPr id="15" name="직선 화살표 연결선 14">
-            <a:extLst>
-              <a:ext uri="{FF2B5EF4-FFF2-40B4-BE49-F238E27FC236}">
-                <a16:creationId xmlns:a16="http://schemas.microsoft.com/office/drawing/2014/main" id="{AACCF77F-CCDC-C300-E130-41A582513651}"/>
-              </a:ext>
-            </a:extLst>
-          </p:cNvPr>
-          <p:cNvCxnSpPr/>
-          <p:nvPr/>
-        </p:nvCxnSpPr>
-        <p:spPr>
-          <a:xfrm flipH="1">
-            <a:off x="2274556" y="1167493"/>
-            <a:ext cx="689080" cy="0"/>
-          </a:xfrm>
-          <a:prstGeom prst="straightConnector1">
-            <a:avLst/>
-          </a:prstGeom>
-          <a:ln>
-            <a:tailEnd type="triangle"/>
-          </a:ln>
-        </p:spPr>
-        <p:style>
-          <a:lnRef idx="1">
-            <a:schemeClr val="accent1"/>
-          </a:lnRef>
-          <a:fillRef idx="0">
-            <a:schemeClr val="accent1"/>
-          </a:fillRef>
-          <a:effectRef idx="0">
-            <a:schemeClr val="accent1"/>
-          </a:effectRef>
-          <a:fontRef idx="minor">
-            <a:schemeClr val="tx1"/>
-          </a:fontRef>
-        </p:style>
-      </p:cxnSp>
-      <p:sp>
-        <p:nvSpPr>
-          <p:cNvPr id="16" name="TextBox 15">
-            <a:extLst>
-              <a:ext uri="{FF2B5EF4-FFF2-40B4-BE49-F238E27FC236}">
-                <a16:creationId xmlns:a16="http://schemas.microsoft.com/office/drawing/2014/main" id="{41588E7C-B845-208B-B3A4-7FB067FEB45C}"/>
+      <p:sp>
+        <p:nvSpPr>
+          <p:cNvPr id="3" name="TextBox 2">
+            <a:extLst>
+              <a:ext uri="{FF2B5EF4-FFF2-40B4-BE49-F238E27FC236}">
+                <a16:creationId xmlns:a16="http://schemas.microsoft.com/office/drawing/2014/main" id="{DC745FE3-DD9E-4FA5-D649-7E9EBABF6815}"/>
               </a:ext>
             </a:extLst>
           </p:cNvPr>
@@ -3622,8 +6246,8 @@
         </p:nvSpPr>
         <p:spPr>
           <a:xfrm>
-            <a:off x="3339191" y="1097294"/>
-            <a:ext cx="3929281" cy="697050"/>
+            <a:off x="3845437" y="836959"/>
+            <a:ext cx="5913798" cy="630942"/>
           </a:xfrm>
           <a:prstGeom prst="rect">
             <a:avLst/>
@@ -3642,71 +6266,160 @@
               </a:lnSpc>
             </a:pPr>
             <a:r>
-              <a:rPr lang="en-US" altLang="ko-KR" sz="1400" dirty="0" err="1"/>
-              <a:t>href</a:t>
-            </a:r>
-            <a:r>
               <a:rPr lang="en-US" altLang="ko-KR" sz="1400" dirty="0"/>
-              <a:t>=</a:t>
-            </a:r>
-            <a:r>
-              <a:rPr lang="en-US" altLang="ko-KR" sz="1400" dirty="0">
-                <a:hlinkClick r:id="rId3"/>
-              </a:rPr>
-              <a:t>tel:010-1234-1234</a:t>
-            </a:r>
+              <a:t>1. </a:t>
+            </a:r>
+            <a:r>
+              <a:rPr lang="ko-KR" altLang="en-US" sz="1400" dirty="0" err="1"/>
+              <a:t>창닫기</a:t>
+            </a:r>
+            <a:r>
+              <a:rPr lang="ko-KR" altLang="en-US" sz="1400" dirty="0"/>
+              <a:t> 버튼 포커스에서 </a:t>
+            </a:r>
+            <a:r>
+              <a:rPr lang="ko-KR" altLang="en-US" sz="1400" dirty="0" err="1"/>
+              <a:t>탭키</a:t>
+            </a:r>
+            <a:r>
+              <a:rPr lang="ko-KR" altLang="en-US" sz="1400" dirty="0"/>
+              <a:t> </a:t>
+            </a:r>
+            <a:r>
+              <a:rPr lang="ko-KR" altLang="en-US" sz="1400" dirty="0" err="1"/>
+              <a:t>눌렀을경우</a:t>
+            </a:r>
+            <a:r>
+              <a:rPr lang="ko-KR" altLang="en-US" sz="1400" dirty="0"/>
+              <a:t> 다시 레이어로 포커스 이동</a:t>
+            </a:r>
+            <a:endParaRPr lang="en-US" altLang="ko-KR" sz="1400" dirty="0"/>
+          </a:p>
+          <a:p>
             <a:r>
               <a:rPr lang="en-US" altLang="ko-KR" sz="1400" dirty="0"/>
+              <a:t>2. </a:t>
+            </a:r>
+            <a:r>
+              <a:rPr lang="ko-KR" altLang="en-US" sz="1400" dirty="0"/>
+              <a:t>버튼은 기본 </a:t>
+            </a:r>
+            <a:r>
+              <a:rPr lang="en-US" altLang="ko-KR" sz="1400" dirty="0"/>
+              <a:t>title=“</a:t>
+            </a:r>
+            <a:r>
+              <a:rPr lang="ko-KR" altLang="en-US" sz="1400" dirty="0"/>
+              <a:t>도움말 닫힘</a:t>
+            </a:r>
+            <a:r>
+              <a:rPr lang="en-US" altLang="ko-KR" sz="1400" dirty="0"/>
+              <a:t>” </a:t>
+            </a:r>
+            <a:r>
+              <a:rPr lang="ko-KR" altLang="en-US" sz="1400" dirty="0"/>
+              <a:t>레이어 </a:t>
+            </a:r>
+            <a:r>
+              <a:rPr lang="ko-KR" altLang="en-US" sz="1400" dirty="0" err="1"/>
+              <a:t>클릭시</a:t>
+            </a:r>
+            <a:r>
+              <a:rPr lang="ko-KR" altLang="en-US" sz="1400" dirty="0"/>
               <a:t> </a:t>
             </a:r>
             <a:r>
+              <a:rPr lang="en-US" altLang="ko-KR" sz="1400" dirty="0"/>
+              <a:t>title=“</a:t>
+            </a:r>
+            <a:r>
               <a:rPr lang="ko-KR" altLang="en-US" sz="1400" dirty="0"/>
-              <a:t>로 </a:t>
-            </a:r>
-            <a:r>
-              <a:rPr lang="ko-KR" altLang="en-US" sz="1400" dirty="0" err="1"/>
-              <a:t>하면되는데</a:t>
+              <a:t>도움말 열림</a:t>
+            </a:r>
+            <a:r>
+              <a:rPr lang="en-US" altLang="ko-KR" sz="1400" dirty="0"/>
+              <a:t>”</a:t>
+            </a:r>
+            <a:endParaRPr lang="ko-KR" altLang="en-US" sz="1400" dirty="0"/>
+          </a:p>
+        </p:txBody>
+      </p:sp>
+      <p:pic>
+        <p:nvPicPr>
+          <p:cNvPr id="4" name="그림 3">
+            <a:extLst>
+              <a:ext uri="{FF2B5EF4-FFF2-40B4-BE49-F238E27FC236}">
+                <a16:creationId xmlns:a16="http://schemas.microsoft.com/office/drawing/2014/main" id="{BD8CFF41-F1BF-5086-192B-1EC7B9349EE8}"/>
+              </a:ext>
+            </a:extLst>
+          </p:cNvPr>
+          <p:cNvPicPr>
+            <a:picLocks noChangeAspect="1"/>
+          </p:cNvPicPr>
+          <p:nvPr/>
+        </p:nvPicPr>
+        <p:blipFill>
+          <a:blip r:embed="rId3"/>
+          <a:stretch>
+            <a:fillRect/>
+          </a:stretch>
+        </p:blipFill>
+        <p:spPr>
+          <a:xfrm>
+            <a:off x="401159" y="3069676"/>
+            <a:ext cx="3182962" cy="1128932"/>
+          </a:xfrm>
+          <a:prstGeom prst="rect">
+            <a:avLst/>
+          </a:prstGeom>
+        </p:spPr>
+      </p:pic>
+      <p:sp>
+        <p:nvSpPr>
+          <p:cNvPr id="6" name="TextBox 5">
+            <a:extLst>
+              <a:ext uri="{FF2B5EF4-FFF2-40B4-BE49-F238E27FC236}">
+                <a16:creationId xmlns:a16="http://schemas.microsoft.com/office/drawing/2014/main" id="{AD6B4C42-4DA2-3E73-0AD2-DA1287FFADBF}"/>
+              </a:ext>
+            </a:extLst>
+          </p:cNvPr>
+          <p:cNvSpPr txBox="1"/>
+          <p:nvPr/>
+        </p:nvSpPr>
+        <p:spPr>
+          <a:xfrm>
+            <a:off x="7560969" y="5919328"/>
+            <a:ext cx="2988319" cy="307777"/>
+          </a:xfrm>
+          <a:prstGeom prst="rect">
+            <a:avLst/>
+          </a:prstGeom>
+          <a:noFill/>
+        </p:spPr>
+        <p:txBody>
+          <a:bodyPr wrap="none" rtlCol="0">
+            <a:spAutoFit/>
+          </a:bodyPr>
+          <a:lstStyle/>
+          <a:p>
+            <a:r>
+              <a:rPr lang="ko-KR" altLang="en-US" sz="1400" dirty="0"/>
+              <a:t>현재 활성화 된 메뉴에 넣어주세요</a:t>
             </a:r>
             <a:r>
               <a:rPr lang="en-US" altLang="ko-KR" sz="1400" dirty="0"/>
               <a:t>.</a:t>
             </a:r>
-          </a:p>
-          <a:p>
-            <a:pPr>
-              <a:lnSpc>
-                <a:spcPct val="150000"/>
-              </a:lnSpc>
-            </a:pPr>
-            <a:r>
-              <a:rPr lang="ko-KR" altLang="en-US" sz="1400" dirty="0"/>
-              <a:t>번호 노출때문에</a:t>
-            </a:r>
-            <a:r>
-              <a:rPr lang="en-US" altLang="ko-KR" sz="1400" dirty="0"/>
-              <a:t> </a:t>
-            </a:r>
-            <a:r>
-              <a:rPr lang="ko-KR" altLang="en-US" sz="1400" dirty="0"/>
-              <a:t>스크립트로 하고 </a:t>
-            </a:r>
-            <a:r>
-              <a:rPr lang="ko-KR" altLang="en-US" sz="1400" dirty="0" err="1"/>
-              <a:t>있는건가요</a:t>
-            </a:r>
-            <a:r>
-              <a:rPr lang="en-US" altLang="ko-KR" sz="1400" dirty="0"/>
-              <a:t>?</a:t>
-            </a:r>
+            <a:endParaRPr lang="ko-KR" altLang="en-US" sz="1400" dirty="0"/>
           </a:p>
         </p:txBody>
       </p:sp>
       <p:pic>
         <p:nvPicPr>
-          <p:cNvPr id="18" name="그림 17">
-            <a:extLst>
-              <a:ext uri="{FF2B5EF4-FFF2-40B4-BE49-F238E27FC236}">
-                <a16:creationId xmlns:a16="http://schemas.microsoft.com/office/drawing/2014/main" id="{CAF5040D-06ED-27BB-0C9C-C5674FBAE89E}"/>
+          <p:cNvPr id="8" name="그림 7">
+            <a:extLst>
+              <a:ext uri="{FF2B5EF4-FFF2-40B4-BE49-F238E27FC236}">
+                <a16:creationId xmlns:a16="http://schemas.microsoft.com/office/drawing/2014/main" id="{2FADC2FD-E608-6CFF-F9B5-18496A8C7258}"/>
               </a:ext>
             </a:extLst>
           </p:cNvPr>
@@ -3723,8 +6436,68 @@
         </p:blipFill>
         <p:spPr>
           <a:xfrm>
-            <a:off x="3453328" y="562594"/>
-            <a:ext cx="2362530" cy="504895"/>
+            <a:off x="4153282" y="2611988"/>
+            <a:ext cx="4277322" cy="190527"/>
+          </a:xfrm>
+          <a:prstGeom prst="rect">
+            <a:avLst/>
+          </a:prstGeom>
+        </p:spPr>
+      </p:pic>
+      <p:pic>
+        <p:nvPicPr>
+          <p:cNvPr id="12" name="그림 11">
+            <a:extLst>
+              <a:ext uri="{FF2B5EF4-FFF2-40B4-BE49-F238E27FC236}">
+                <a16:creationId xmlns:a16="http://schemas.microsoft.com/office/drawing/2014/main" id="{2C6F5715-3BCB-6627-80C7-7E55ED08FB48}"/>
+              </a:ext>
+            </a:extLst>
+          </p:cNvPr>
+          <p:cNvPicPr>
+            <a:picLocks noChangeAspect="1"/>
+          </p:cNvPicPr>
+          <p:nvPr/>
+        </p:nvPicPr>
+        <p:blipFill>
+          <a:blip r:embed="rId5"/>
+          <a:stretch>
+            <a:fillRect/>
+          </a:stretch>
+        </p:blipFill>
+        <p:spPr>
+          <a:xfrm>
+            <a:off x="4153282" y="1673583"/>
+            <a:ext cx="4639322" cy="209579"/>
+          </a:xfrm>
+          <a:prstGeom prst="rect">
+            <a:avLst/>
+          </a:prstGeom>
+        </p:spPr>
+      </p:pic>
+      <p:pic>
+        <p:nvPicPr>
+          <p:cNvPr id="14" name="그림 13">
+            <a:extLst>
+              <a:ext uri="{FF2B5EF4-FFF2-40B4-BE49-F238E27FC236}">
+                <a16:creationId xmlns:a16="http://schemas.microsoft.com/office/drawing/2014/main" id="{9A667498-6F68-44C6-7F1C-D46CFF550ABF}"/>
+              </a:ext>
+            </a:extLst>
+          </p:cNvPr>
+          <p:cNvPicPr>
+            <a:picLocks noChangeAspect="1"/>
+          </p:cNvPicPr>
+          <p:nvPr/>
+        </p:nvPicPr>
+        <p:blipFill>
+          <a:blip r:embed="rId6"/>
+          <a:stretch>
+            <a:fillRect/>
+          </a:stretch>
+        </p:blipFill>
+        <p:spPr>
+          <a:xfrm>
+            <a:off x="4153282" y="1952030"/>
+            <a:ext cx="4553585" cy="209579"/>
           </a:xfrm>
           <a:prstGeom prst="rect">
             <a:avLst/>
@@ -3733,10 +6506,10 @@
       </p:pic>
       <p:cxnSp>
         <p:nvCxnSpPr>
-          <p:cNvPr id="6" name="직선 연결선 5">
-            <a:extLst>
-              <a:ext uri="{FF2B5EF4-FFF2-40B4-BE49-F238E27FC236}">
-                <a16:creationId xmlns:a16="http://schemas.microsoft.com/office/drawing/2014/main" id="{FBC8F565-2FD9-A7F5-63A9-247DF0B9B893}"/>
+          <p:cNvPr id="16" name="직선 연결선 15">
+            <a:extLst>
+              <a:ext uri="{FF2B5EF4-FFF2-40B4-BE49-F238E27FC236}">
+                <a16:creationId xmlns:a16="http://schemas.microsoft.com/office/drawing/2014/main" id="{B2025DE3-8A66-E859-CB5C-67C0F2B86A1B}"/>
               </a:ext>
             </a:extLst>
           </p:cNvPr>
@@ -3745,7 +6518,7 @@
         </p:nvCxnSpPr>
         <p:spPr>
           <a:xfrm>
-            <a:off x="540697" y="1983921"/>
+            <a:off x="540697" y="4529632"/>
             <a:ext cx="10995439" cy="0"/>
           </a:xfrm>
           <a:prstGeom prst="line">
@@ -3769,207 +6542,10 @@
       </p:cxnSp>
       <p:pic>
         <p:nvPicPr>
-          <p:cNvPr id="3" name="그림 2">
-            <a:extLst>
-              <a:ext uri="{FF2B5EF4-FFF2-40B4-BE49-F238E27FC236}">
-                <a16:creationId xmlns:a16="http://schemas.microsoft.com/office/drawing/2014/main" id="{E7B562EE-6725-590F-765F-7AED948406E3}"/>
-              </a:ext>
-            </a:extLst>
-          </p:cNvPr>
-          <p:cNvPicPr>
-            <a:picLocks noChangeAspect="1"/>
-          </p:cNvPicPr>
-          <p:nvPr/>
-        </p:nvPicPr>
-        <p:blipFill>
-          <a:blip r:embed="rId5"/>
-          <a:stretch>
-            <a:fillRect/>
-          </a:stretch>
-        </p:blipFill>
-        <p:spPr>
-          <a:xfrm>
-            <a:off x="601992" y="2448545"/>
-            <a:ext cx="3218894" cy="1464638"/>
-          </a:xfrm>
-          <a:prstGeom prst="rect">
-            <a:avLst/>
-          </a:prstGeom>
-        </p:spPr>
-      </p:pic>
-      <p:cxnSp>
-        <p:nvCxnSpPr>
-          <p:cNvPr id="9" name="직선 화살표 연결선 8">
-            <a:extLst>
-              <a:ext uri="{FF2B5EF4-FFF2-40B4-BE49-F238E27FC236}">
-                <a16:creationId xmlns:a16="http://schemas.microsoft.com/office/drawing/2014/main" id="{2785C300-5377-731E-CE9D-B06D62180B71}"/>
-              </a:ext>
-            </a:extLst>
-          </p:cNvPr>
-          <p:cNvCxnSpPr>
-            <a:cxnSpLocks/>
-          </p:cNvCxnSpPr>
-          <p:nvPr/>
-        </p:nvCxnSpPr>
-        <p:spPr>
-          <a:xfrm flipH="1">
-            <a:off x="2123238" y="2944586"/>
-            <a:ext cx="2269148" cy="0"/>
-          </a:xfrm>
-          <a:prstGeom prst="straightConnector1">
-            <a:avLst/>
-          </a:prstGeom>
-          <a:ln>
-            <a:tailEnd type="triangle"/>
-          </a:ln>
-        </p:spPr>
-        <p:style>
-          <a:lnRef idx="1">
-            <a:schemeClr val="accent1"/>
-          </a:lnRef>
-          <a:fillRef idx="0">
-            <a:schemeClr val="accent1"/>
-          </a:fillRef>
-          <a:effectRef idx="0">
-            <a:schemeClr val="accent1"/>
-          </a:effectRef>
-          <a:fontRef idx="minor">
-            <a:schemeClr val="tx1"/>
-          </a:fontRef>
-        </p:style>
-      </p:cxnSp>
-      <p:pic>
-        <p:nvPicPr>
-          <p:cNvPr id="7" name="그림 6">
-            <a:extLst>
-              <a:ext uri="{FF2B5EF4-FFF2-40B4-BE49-F238E27FC236}">
-                <a16:creationId xmlns:a16="http://schemas.microsoft.com/office/drawing/2014/main" id="{27ECFBE4-D99A-B389-608E-034FADA2F0F2}"/>
-              </a:ext>
-            </a:extLst>
-          </p:cNvPr>
-          <p:cNvPicPr>
-            <a:picLocks noChangeAspect="1"/>
-          </p:cNvPicPr>
-          <p:nvPr/>
-        </p:nvPicPr>
-        <p:blipFill>
-          <a:blip r:embed="rId6"/>
-          <a:stretch>
-            <a:fillRect/>
-          </a:stretch>
-        </p:blipFill>
-        <p:spPr>
-          <a:xfrm>
-            <a:off x="4667050" y="2522024"/>
-            <a:ext cx="2857899" cy="704948"/>
-          </a:xfrm>
-          <a:prstGeom prst="rect">
-            <a:avLst/>
-          </a:prstGeom>
-        </p:spPr>
-      </p:pic>
-      <p:sp>
-        <p:nvSpPr>
-          <p:cNvPr id="14" name="TextBox 13">
-            <a:extLst>
-              <a:ext uri="{FF2B5EF4-FFF2-40B4-BE49-F238E27FC236}">
-                <a16:creationId xmlns:a16="http://schemas.microsoft.com/office/drawing/2014/main" id="{A1680054-3C71-D489-2634-F5218E0329DC}"/>
-              </a:ext>
-            </a:extLst>
-          </p:cNvPr>
-          <p:cNvSpPr txBox="1"/>
-          <p:nvPr/>
-        </p:nvSpPr>
-        <p:spPr>
-          <a:xfrm>
-            <a:off x="4667050" y="3282504"/>
-            <a:ext cx="3805850" cy="373885"/>
-          </a:xfrm>
-          <a:prstGeom prst="rect">
-            <a:avLst/>
-          </a:prstGeom>
-          <a:noFill/>
-        </p:spPr>
-        <p:txBody>
-          <a:bodyPr wrap="none" rtlCol="0">
-            <a:spAutoFit/>
-          </a:bodyPr>
-          <a:lstStyle/>
-          <a:p>
-            <a:pPr>
-              <a:lnSpc>
-                <a:spcPct val="150000"/>
-              </a:lnSpc>
-            </a:pPr>
-            <a:r>
-              <a:rPr lang="ko-KR" altLang="en-US" sz="1400" dirty="0"/>
-              <a:t>링크 없으면 </a:t>
-            </a:r>
-            <a:r>
-              <a:rPr lang="en-US" altLang="ko-KR" sz="1400" dirty="0"/>
-              <a:t>a </a:t>
-            </a:r>
-            <a:r>
-              <a:rPr lang="ko-KR" altLang="en-US" sz="1400" dirty="0"/>
-              <a:t>태그를 </a:t>
-            </a:r>
-            <a:r>
-              <a:rPr lang="en-US" altLang="ko-KR" sz="1400" dirty="0"/>
-              <a:t>div </a:t>
-            </a:r>
-            <a:r>
-              <a:rPr lang="ko-KR" altLang="en-US" sz="1400" dirty="0"/>
-              <a:t>태그로 바꿔주세요</a:t>
-            </a:r>
-            <a:r>
-              <a:rPr lang="en-US" altLang="ko-KR" sz="1400" dirty="0"/>
-              <a:t>.</a:t>
-            </a:r>
-          </a:p>
-        </p:txBody>
-      </p:sp>
-      <p:cxnSp>
-        <p:nvCxnSpPr>
-          <p:cNvPr id="17" name="직선 연결선 16">
-            <a:extLst>
-              <a:ext uri="{FF2B5EF4-FFF2-40B4-BE49-F238E27FC236}">
-                <a16:creationId xmlns:a16="http://schemas.microsoft.com/office/drawing/2014/main" id="{CD147E53-7507-0E7C-60E3-560FA2B26576}"/>
-              </a:ext>
-            </a:extLst>
-          </p:cNvPr>
-          <p:cNvCxnSpPr/>
-          <p:nvPr/>
-        </p:nvCxnSpPr>
-        <p:spPr>
-          <a:xfrm>
-            <a:off x="540697" y="4343400"/>
-            <a:ext cx="10995439" cy="0"/>
-          </a:xfrm>
-          <a:prstGeom prst="line">
-            <a:avLst/>
-          </a:prstGeom>
-        </p:spPr>
-        <p:style>
-          <a:lnRef idx="1">
-            <a:schemeClr val="accent1"/>
-          </a:lnRef>
-          <a:fillRef idx="0">
-            <a:schemeClr val="accent1"/>
-          </a:fillRef>
-          <a:effectRef idx="0">
-            <a:schemeClr val="accent1"/>
-          </a:effectRef>
-          <a:fontRef idx="minor">
-            <a:schemeClr val="tx1"/>
-          </a:fontRef>
-        </p:style>
-      </p:cxnSp>
-      <p:pic>
-        <p:nvPicPr>
-          <p:cNvPr id="10" name="그림 9">
-            <a:extLst>
-              <a:ext uri="{FF2B5EF4-FFF2-40B4-BE49-F238E27FC236}">
-                <a16:creationId xmlns:a16="http://schemas.microsoft.com/office/drawing/2014/main" id="{197F9AC7-DE1C-D00D-6E2B-D28A25857B72}"/>
+          <p:cNvPr id="18" name="그림 17">
+            <a:extLst>
+              <a:ext uri="{FF2B5EF4-FFF2-40B4-BE49-F238E27FC236}">
+                <a16:creationId xmlns:a16="http://schemas.microsoft.com/office/drawing/2014/main" id="{E9D20CF8-28B2-3CBE-6937-5C3064F3D72D}"/>
               </a:ext>
             </a:extLst>
           </p:cNvPr>
@@ -3986,8 +6562,8 @@
         </p:blipFill>
         <p:spPr>
           <a:xfrm>
-            <a:off x="565190" y="4600194"/>
-            <a:ext cx="2798494" cy="1487905"/>
+            <a:off x="401159" y="5394261"/>
+            <a:ext cx="2819794" cy="495369"/>
           </a:xfrm>
           <a:prstGeom prst="rect">
             <a:avLst/>
@@ -3996,10 +6572,10 @@
       </p:pic>
       <p:pic>
         <p:nvPicPr>
-          <p:cNvPr id="12" name="그림 11">
-            <a:extLst>
-              <a:ext uri="{FF2B5EF4-FFF2-40B4-BE49-F238E27FC236}">
-                <a16:creationId xmlns:a16="http://schemas.microsoft.com/office/drawing/2014/main" id="{2B44B261-39E6-881A-3096-1CBD00CD22BE}"/>
+          <p:cNvPr id="22" name="그림 21">
+            <a:extLst>
+              <a:ext uri="{FF2B5EF4-FFF2-40B4-BE49-F238E27FC236}">
+                <a16:creationId xmlns:a16="http://schemas.microsoft.com/office/drawing/2014/main" id="{856A0592-454A-23F3-B725-498316DBE58A}"/>
               </a:ext>
             </a:extLst>
           </p:cNvPr>
@@ -4016,48 +6592,119 @@
         </p:blipFill>
         <p:spPr>
           <a:xfrm>
-            <a:off x="7042082" y="4842421"/>
-            <a:ext cx="3153215" cy="504895"/>
+            <a:off x="4153282" y="5394261"/>
+            <a:ext cx="7106642" cy="295316"/>
           </a:xfrm>
           <a:prstGeom prst="rect">
             <a:avLst/>
           </a:prstGeom>
         </p:spPr>
       </p:pic>
-      <p:pic>
-        <p:nvPicPr>
-          <p:cNvPr id="21" name="그림 20">
-            <a:extLst>
-              <a:ext uri="{FF2B5EF4-FFF2-40B4-BE49-F238E27FC236}">
-                <a16:creationId xmlns:a16="http://schemas.microsoft.com/office/drawing/2014/main" id="{F2FC1BD7-900D-75B4-71E6-CEDE59868BAB}"/>
-              </a:ext>
-            </a:extLst>
-          </p:cNvPr>
-          <p:cNvPicPr>
-            <a:picLocks noChangeAspect="1"/>
-          </p:cNvPicPr>
-          <p:nvPr/>
-        </p:nvPicPr>
-        <p:blipFill>
-          <a:blip r:embed="rId9"/>
-          <a:stretch>
-            <a:fillRect/>
-          </a:stretch>
-        </p:blipFill>
-        <p:spPr>
-          <a:xfrm>
-            <a:off x="3621516" y="4649281"/>
-            <a:ext cx="2994490" cy="1309568"/>
-          </a:xfrm>
-          <a:prstGeom prst="rect">
-            <a:avLst/>
-          </a:prstGeom>
-        </p:spPr>
-      </p:pic>
+      <p:cxnSp>
+        <p:nvCxnSpPr>
+          <p:cNvPr id="24" name="직선 연결선 23">
+            <a:extLst>
+              <a:ext uri="{FF2B5EF4-FFF2-40B4-BE49-F238E27FC236}">
+                <a16:creationId xmlns:a16="http://schemas.microsoft.com/office/drawing/2014/main" id="{12D83F63-77E7-E670-B9BC-737ED2804308}"/>
+              </a:ext>
+            </a:extLst>
+          </p:cNvPr>
+          <p:cNvCxnSpPr/>
+          <p:nvPr/>
+        </p:nvCxnSpPr>
+        <p:spPr>
+          <a:xfrm>
+            <a:off x="7706603" y="5775158"/>
+            <a:ext cx="2842685" cy="0"/>
+          </a:xfrm>
+          <a:prstGeom prst="line">
+            <a:avLst/>
+          </a:prstGeom>
+          <a:ln w="25400">
+            <a:solidFill>
+              <a:srgbClr val="FF0000"/>
+            </a:solidFill>
+          </a:ln>
+        </p:spPr>
+        <p:style>
+          <a:lnRef idx="1">
+            <a:schemeClr val="accent1"/>
+          </a:lnRef>
+          <a:fillRef idx="0">
+            <a:schemeClr val="accent1"/>
+          </a:fillRef>
+          <a:effectRef idx="0">
+            <a:schemeClr val="accent1"/>
+          </a:effectRef>
+          <a:fontRef idx="minor">
+            <a:schemeClr val="tx1"/>
+          </a:fontRef>
+        </p:style>
+      </p:cxnSp>
+      <p:sp>
+        <p:nvSpPr>
+          <p:cNvPr id="25" name="TextBox 24">
+            <a:extLst>
+              <a:ext uri="{FF2B5EF4-FFF2-40B4-BE49-F238E27FC236}">
+                <a16:creationId xmlns:a16="http://schemas.microsoft.com/office/drawing/2014/main" id="{14D74ADB-2B7B-25D0-926A-21BDE93AEAA1}"/>
+              </a:ext>
+            </a:extLst>
+          </p:cNvPr>
+          <p:cNvSpPr txBox="1"/>
+          <p:nvPr/>
+        </p:nvSpPr>
+        <p:spPr>
+          <a:xfrm>
+            <a:off x="4189850" y="3033489"/>
+            <a:ext cx="3866764" cy="307777"/>
+          </a:xfrm>
+          <a:prstGeom prst="rect">
+            <a:avLst/>
+          </a:prstGeom>
+          <a:noFill/>
+        </p:spPr>
+        <p:txBody>
+          <a:bodyPr wrap="none" rtlCol="0">
+            <a:spAutoFit/>
+          </a:bodyPr>
+          <a:lstStyle/>
+          <a:p>
+            <a:r>
+              <a:rPr lang="ko-KR" altLang="en-US" sz="1400" dirty="0"/>
+              <a:t>레이어에 </a:t>
+            </a:r>
+            <a:r>
+              <a:rPr lang="en-US" altLang="ko-KR" sz="1400" dirty="0" err="1"/>
+              <a:t>tabindex</a:t>
+            </a:r>
+            <a:r>
+              <a:rPr lang="en-US" altLang="ko-KR" sz="1400" dirty="0"/>
+              <a:t>=“0” </a:t>
+            </a:r>
+            <a:r>
+              <a:rPr lang="ko-KR" altLang="en-US" sz="1400" dirty="0"/>
+              <a:t>이 없다면</a:t>
+            </a:r>
+            <a:r>
+              <a:rPr lang="en-US" altLang="ko-KR" sz="1400" dirty="0"/>
+              <a:t> </a:t>
+            </a:r>
+            <a:r>
+              <a:rPr lang="ko-KR" altLang="en-US" sz="1400" dirty="0"/>
+              <a:t>넣어주세요</a:t>
+            </a:r>
+            <a:r>
+              <a:rPr lang="en-US" altLang="ko-KR" sz="1400" dirty="0"/>
+              <a:t>.</a:t>
+            </a:r>
+            <a:endParaRPr lang="ko-KR" altLang="en-US" sz="1400" dirty="0"/>
+          </a:p>
+        </p:txBody>
+      </p:sp>
     </p:spTree>
     <p:extLst>
       <p:ext uri="{BB962C8B-B14F-4D97-AF65-F5344CB8AC3E}">
-        <p14:creationId xmlns:p14="http://schemas.microsoft.com/office/powerpoint/2010/main" val="2351975111"/>
+        <p14:creationId xmlns:p14="http://schemas.microsoft.com/office/powerpoint/2010/main" val="3103849503"/>
       </p:ext>
     </p:extLst>
   </p:cSld>
@@ -4084,393 +6731,10 @@
           <a:chExt cx="0" cy="0"/>
         </a:xfrm>
       </p:grpSpPr>
-      <p:pic>
-        <p:nvPicPr>
-          <p:cNvPr id="4" name="그림 3">
-            <a:extLst>
-              <a:ext uri="{FF2B5EF4-FFF2-40B4-BE49-F238E27FC236}">
-                <a16:creationId xmlns:a16="http://schemas.microsoft.com/office/drawing/2014/main" id="{5154AE30-FD11-74E7-5259-71D6F4C415AE}"/>
-              </a:ext>
-            </a:extLst>
-          </p:cNvPr>
-          <p:cNvPicPr>
-            <a:picLocks noChangeAspect="1"/>
-          </p:cNvPicPr>
-          <p:nvPr/>
-        </p:nvPicPr>
-        <p:blipFill>
-          <a:blip r:embed="rId2"/>
-          <a:stretch>
-            <a:fillRect/>
-          </a:stretch>
-        </p:blipFill>
-        <p:spPr>
-          <a:xfrm>
-            <a:off x="461703" y="399922"/>
-            <a:ext cx="2753136" cy="1351923"/>
-          </a:xfrm>
-          <a:prstGeom prst="rect">
-            <a:avLst/>
-          </a:prstGeom>
-        </p:spPr>
-      </p:pic>
-      <p:pic>
-        <p:nvPicPr>
-          <p:cNvPr id="6" name="그림 5">
-            <a:extLst>
-              <a:ext uri="{FF2B5EF4-FFF2-40B4-BE49-F238E27FC236}">
-                <a16:creationId xmlns:a16="http://schemas.microsoft.com/office/drawing/2014/main" id="{251FA6E5-EDF2-3FC3-78C2-98F56360C91B}"/>
-              </a:ext>
-            </a:extLst>
-          </p:cNvPr>
-          <p:cNvPicPr>
-            <a:picLocks noChangeAspect="1"/>
-          </p:cNvPicPr>
-          <p:nvPr/>
-        </p:nvPicPr>
-        <p:blipFill>
-          <a:blip r:embed="rId3"/>
-          <a:stretch>
-            <a:fillRect/>
-          </a:stretch>
-        </p:blipFill>
-        <p:spPr>
-          <a:xfrm>
-            <a:off x="4318145" y="399922"/>
-            <a:ext cx="2946435" cy="3883320"/>
-          </a:xfrm>
-          <a:prstGeom prst="rect">
-            <a:avLst/>
-          </a:prstGeom>
-        </p:spPr>
-      </p:pic>
-      <p:cxnSp>
-        <p:nvCxnSpPr>
-          <p:cNvPr id="8" name="직선 화살표 연결선 7">
-            <a:extLst>
-              <a:ext uri="{FF2B5EF4-FFF2-40B4-BE49-F238E27FC236}">
-                <a16:creationId xmlns:a16="http://schemas.microsoft.com/office/drawing/2014/main" id="{7E280CBF-8F39-D147-04F9-BD5E4AE683EA}"/>
-              </a:ext>
-            </a:extLst>
-          </p:cNvPr>
-          <p:cNvCxnSpPr/>
-          <p:nvPr/>
-        </p:nvCxnSpPr>
-        <p:spPr>
-          <a:xfrm>
-            <a:off x="3022333" y="1075883"/>
-            <a:ext cx="981776" cy="0"/>
-          </a:xfrm>
-          <a:prstGeom prst="straightConnector1">
-            <a:avLst/>
-          </a:prstGeom>
-          <a:ln>
-            <a:tailEnd type="triangle"/>
-          </a:ln>
-        </p:spPr>
-        <p:style>
-          <a:lnRef idx="1">
-            <a:schemeClr val="accent1"/>
-          </a:lnRef>
-          <a:fillRef idx="0">
-            <a:schemeClr val="accent1"/>
-          </a:fillRef>
-          <a:effectRef idx="0">
-            <a:schemeClr val="accent1"/>
-          </a:effectRef>
-          <a:fontRef idx="minor">
-            <a:schemeClr val="tx1"/>
-          </a:fontRef>
-        </p:style>
-      </p:cxnSp>
-      <p:sp>
-        <p:nvSpPr>
-          <p:cNvPr id="9" name="TextBox 8">
-            <a:extLst>
-              <a:ext uri="{FF2B5EF4-FFF2-40B4-BE49-F238E27FC236}">
-                <a16:creationId xmlns:a16="http://schemas.microsoft.com/office/drawing/2014/main" id="{74C54BB1-0956-2B4A-BEBE-3E9DBABA7AFA}"/>
-              </a:ext>
-            </a:extLst>
-          </p:cNvPr>
-          <p:cNvSpPr txBox="1"/>
-          <p:nvPr/>
-        </p:nvSpPr>
-        <p:spPr>
-          <a:xfrm>
-            <a:off x="3443326" y="1298121"/>
-            <a:ext cx="543739" cy="307777"/>
-          </a:xfrm>
-          <a:prstGeom prst="rect">
-            <a:avLst/>
-          </a:prstGeom>
-          <a:noFill/>
-        </p:spPr>
-        <p:txBody>
-          <a:bodyPr wrap="none" rtlCol="0">
-            <a:spAutoFit/>
-          </a:bodyPr>
-          <a:lstStyle/>
-          <a:p>
-            <a:r>
-              <a:rPr lang="ko-KR" altLang="en-US" sz="1400" dirty="0"/>
-              <a:t>클릭</a:t>
-            </a:r>
-          </a:p>
-        </p:txBody>
-      </p:sp>
-      <p:cxnSp>
-        <p:nvCxnSpPr>
-          <p:cNvPr id="11" name="직선 화살표 연결선 10">
-            <a:extLst>
-              <a:ext uri="{FF2B5EF4-FFF2-40B4-BE49-F238E27FC236}">
-                <a16:creationId xmlns:a16="http://schemas.microsoft.com/office/drawing/2014/main" id="{F355A14B-5DB3-CDB3-2C3E-1B395DAC811C}"/>
-              </a:ext>
-            </a:extLst>
-          </p:cNvPr>
-          <p:cNvCxnSpPr/>
-          <p:nvPr/>
-        </p:nvCxnSpPr>
-        <p:spPr>
-          <a:xfrm flipH="1">
-            <a:off x="6096000" y="399922"/>
-            <a:ext cx="1861457" cy="0"/>
-          </a:xfrm>
-          <a:prstGeom prst="straightConnector1">
-            <a:avLst/>
-          </a:prstGeom>
-          <a:ln>
-            <a:tailEnd type="triangle"/>
-          </a:ln>
-        </p:spPr>
-        <p:style>
-          <a:lnRef idx="1">
-            <a:schemeClr val="accent1"/>
-          </a:lnRef>
-          <a:fillRef idx="0">
-            <a:schemeClr val="accent1"/>
-          </a:fillRef>
-          <a:effectRef idx="0">
-            <a:schemeClr val="accent1"/>
-          </a:effectRef>
-          <a:fontRef idx="minor">
-            <a:schemeClr val="tx1"/>
-          </a:fontRef>
-        </p:style>
-      </p:cxnSp>
-      <p:sp>
-        <p:nvSpPr>
-          <p:cNvPr id="12" name="TextBox 11">
-            <a:extLst>
-              <a:ext uri="{FF2B5EF4-FFF2-40B4-BE49-F238E27FC236}">
-                <a16:creationId xmlns:a16="http://schemas.microsoft.com/office/drawing/2014/main" id="{89EF5AEC-36C3-B871-A253-B80739D57D8F}"/>
-              </a:ext>
-            </a:extLst>
-          </p:cNvPr>
-          <p:cNvSpPr txBox="1"/>
-          <p:nvPr/>
-        </p:nvSpPr>
-        <p:spPr>
-          <a:xfrm>
-            <a:off x="7685587" y="519792"/>
-            <a:ext cx="4078361" cy="1384995"/>
-          </a:xfrm>
-          <a:prstGeom prst="rect">
-            <a:avLst/>
-          </a:prstGeom>
-          <a:noFill/>
-        </p:spPr>
-        <p:txBody>
-          <a:bodyPr wrap="none" rtlCol="0">
-            <a:spAutoFit/>
-          </a:bodyPr>
-          <a:lstStyle/>
-          <a:p>
-            <a:r>
-              <a:rPr lang="ko-KR" altLang="en-US" sz="1400" dirty="0"/>
-              <a:t>포커스가 여기로 와야 합니다</a:t>
-            </a:r>
-            <a:r>
-              <a:rPr lang="en-US" altLang="ko-KR" sz="1400" dirty="0"/>
-              <a:t>.</a:t>
-            </a:r>
-          </a:p>
-          <a:p>
-            <a:endParaRPr lang="en-US" altLang="ko-KR" sz="1400" dirty="0"/>
-          </a:p>
-          <a:p>
-            <a:r>
-              <a:rPr lang="en-US" altLang="ko-KR" sz="1400" dirty="0"/>
-              <a:t>X </a:t>
-            </a:r>
-            <a:r>
-              <a:rPr lang="ko-KR" altLang="en-US" sz="1400" dirty="0"/>
-              <a:t>버튼에서 </a:t>
-            </a:r>
-            <a:r>
-              <a:rPr lang="ko-KR" altLang="en-US" sz="1400" dirty="0" err="1"/>
-              <a:t>탭누르면</a:t>
-            </a:r>
-            <a:r>
-              <a:rPr lang="ko-KR" altLang="en-US" sz="1400" dirty="0"/>
-              <a:t> 포커스가 다시 여기로 와야</a:t>
-            </a:r>
-            <a:endParaRPr lang="en-US" altLang="ko-KR" sz="1400" dirty="0"/>
-          </a:p>
-          <a:p>
-            <a:r>
-              <a:rPr lang="ko-KR" altLang="en-US" sz="1400" dirty="0"/>
-              <a:t>합니다</a:t>
-            </a:r>
-            <a:r>
-              <a:rPr lang="en-US" altLang="ko-KR" sz="1400" dirty="0"/>
-              <a:t>.</a:t>
-            </a:r>
-          </a:p>
-          <a:p>
-            <a:endParaRPr lang="en-US" altLang="ko-KR" sz="1400" dirty="0"/>
-          </a:p>
-          <a:p>
-            <a:r>
-              <a:rPr lang="en-US" altLang="ko-KR" sz="1400" dirty="0"/>
-              <a:t>X </a:t>
-            </a:r>
-            <a:r>
-              <a:rPr lang="ko-KR" altLang="en-US" sz="1400" dirty="0"/>
-              <a:t>누르면 원래 </a:t>
-            </a:r>
-            <a:r>
-              <a:rPr lang="ko-KR" altLang="en-US" sz="1400" dirty="0" err="1"/>
-              <a:t>있던곳으로</a:t>
-            </a:r>
-            <a:r>
-              <a:rPr lang="ko-KR" altLang="en-US" sz="1400" dirty="0"/>
-              <a:t> 포커스가 가야합니다</a:t>
-            </a:r>
-            <a:r>
-              <a:rPr lang="en-US" altLang="ko-KR" sz="1400" dirty="0"/>
-              <a:t>.</a:t>
-            </a:r>
-            <a:endParaRPr lang="ko-KR" altLang="en-US" sz="1400" dirty="0"/>
-          </a:p>
-        </p:txBody>
-      </p:sp>
-      <p:cxnSp>
-        <p:nvCxnSpPr>
-          <p:cNvPr id="14" name="직선 화살표 연결선 13">
-            <a:extLst>
-              <a:ext uri="{FF2B5EF4-FFF2-40B4-BE49-F238E27FC236}">
-                <a16:creationId xmlns:a16="http://schemas.microsoft.com/office/drawing/2014/main" id="{7E7049B7-C4AA-544A-5CE6-6D8281EDD43E}"/>
-              </a:ext>
-            </a:extLst>
-          </p:cNvPr>
-          <p:cNvCxnSpPr>
-            <a:cxnSpLocks/>
-          </p:cNvCxnSpPr>
-          <p:nvPr/>
-        </p:nvCxnSpPr>
-        <p:spPr>
-          <a:xfrm flipV="1">
-            <a:off x="2691253" y="1298121"/>
-            <a:ext cx="0" cy="3943350"/>
-          </a:xfrm>
-          <a:prstGeom prst="straightConnector1">
-            <a:avLst/>
-          </a:prstGeom>
-          <a:ln>
-            <a:tailEnd type="triangle"/>
-          </a:ln>
-        </p:spPr>
-        <p:style>
-          <a:lnRef idx="1">
-            <a:schemeClr val="dk1"/>
-          </a:lnRef>
-          <a:fillRef idx="0">
-            <a:schemeClr val="dk1"/>
-          </a:fillRef>
-          <a:effectRef idx="0">
-            <a:schemeClr val="dk1"/>
-          </a:effectRef>
-          <a:fontRef idx="minor">
-            <a:schemeClr val="tx1"/>
-          </a:fontRef>
-        </p:style>
-      </p:cxnSp>
-      <p:cxnSp>
-        <p:nvCxnSpPr>
-          <p:cNvPr id="17" name="직선 연결선 16">
-            <a:extLst>
-              <a:ext uri="{FF2B5EF4-FFF2-40B4-BE49-F238E27FC236}">
-                <a16:creationId xmlns:a16="http://schemas.microsoft.com/office/drawing/2014/main" id="{F7FD24F0-77EA-66D1-B9AD-C46DF90108A0}"/>
-              </a:ext>
-            </a:extLst>
-          </p:cNvPr>
-          <p:cNvCxnSpPr/>
-          <p:nvPr/>
-        </p:nvCxnSpPr>
-        <p:spPr>
-          <a:xfrm>
-            <a:off x="2743200" y="5241471"/>
-            <a:ext cx="5519057" cy="0"/>
-          </a:xfrm>
-          <a:prstGeom prst="line">
-            <a:avLst/>
-          </a:prstGeom>
-        </p:spPr>
-        <p:style>
-          <a:lnRef idx="1">
-            <a:schemeClr val="accent1"/>
-          </a:lnRef>
-          <a:fillRef idx="0">
-            <a:schemeClr val="accent1"/>
-          </a:fillRef>
-          <a:effectRef idx="0">
-            <a:schemeClr val="accent1"/>
-          </a:effectRef>
-          <a:fontRef idx="minor">
-            <a:schemeClr val="tx1"/>
-          </a:fontRef>
-        </p:style>
-      </p:cxnSp>
-      <p:cxnSp>
-        <p:nvCxnSpPr>
-          <p:cNvPr id="19" name="직선 연결선 18">
-            <a:extLst>
-              <a:ext uri="{FF2B5EF4-FFF2-40B4-BE49-F238E27FC236}">
-                <a16:creationId xmlns:a16="http://schemas.microsoft.com/office/drawing/2014/main" id="{24E7478F-D91C-F669-C390-8DD4E1E6DADB}"/>
-              </a:ext>
-            </a:extLst>
-          </p:cNvPr>
-          <p:cNvCxnSpPr/>
-          <p:nvPr/>
-        </p:nvCxnSpPr>
-        <p:spPr>
-          <a:xfrm flipV="1">
-            <a:off x="8270421" y="2073729"/>
-            <a:ext cx="0" cy="3167742"/>
-          </a:xfrm>
-          <a:prstGeom prst="line">
-            <a:avLst/>
-          </a:prstGeom>
-        </p:spPr>
-        <p:style>
-          <a:lnRef idx="1">
-            <a:schemeClr val="accent1"/>
-          </a:lnRef>
-          <a:fillRef idx="0">
-            <a:schemeClr val="accent1"/>
-          </a:fillRef>
-          <a:effectRef idx="0">
-            <a:schemeClr val="accent1"/>
-          </a:effectRef>
-          <a:fontRef idx="minor">
-            <a:schemeClr val="tx1"/>
-          </a:fontRef>
-        </p:style>
-      </p:cxnSp>
     </p:spTree>
     <p:extLst>
       <p:ext uri="{BB962C8B-B14F-4D97-AF65-F5344CB8AC3E}">
-        <p14:creationId xmlns:p14="http://schemas.microsoft.com/office/powerpoint/2010/main" val="3084232163"/>
+        <p14:creationId xmlns:p14="http://schemas.microsoft.com/office/powerpoint/2010/main" val="3369711248"/>
       </p:ext>
     </p:extLst>
   </p:cSld>
@@ -4499,44 +6763,58 @@
       </p:grpSpPr>
       <p:sp>
         <p:nvSpPr>
-          <p:cNvPr id="2" name="TextBox 1">
-            <a:extLst>
-              <a:ext uri="{FF2B5EF4-FFF2-40B4-BE49-F238E27FC236}">
-                <a16:creationId xmlns:a16="http://schemas.microsoft.com/office/drawing/2014/main" id="{B35CC9F4-688C-7A8A-DB21-ECB6CE0C04A9}"/>
-              </a:ext>
-            </a:extLst>
-          </p:cNvPr>
-          <p:cNvSpPr txBox="1"/>
-          <p:nvPr/>
-        </p:nvSpPr>
-        <p:spPr>
-          <a:xfrm>
-            <a:off x="299803" y="217357"/>
-            <a:ext cx="944489" cy="369332"/>
-          </a:xfrm>
-          <a:prstGeom prst="rect">
-            <a:avLst/>
-          </a:prstGeom>
-          <a:noFill/>
-        </p:spPr>
-        <p:txBody>
-          <a:bodyPr wrap="none" rtlCol="0">
-            <a:spAutoFit/>
-          </a:bodyPr>
+          <p:cNvPr id="3" name="직사각형 2">
+            <a:extLst>
+              <a:ext uri="{FF2B5EF4-FFF2-40B4-BE49-F238E27FC236}">
+                <a16:creationId xmlns:a16="http://schemas.microsoft.com/office/drawing/2014/main" id="{C911613E-2065-A021-648C-90EA2DD07EE8}"/>
+              </a:ext>
+            </a:extLst>
+          </p:cNvPr>
+          <p:cNvSpPr/>
+          <p:nvPr/>
+        </p:nvSpPr>
+        <p:spPr>
+          <a:xfrm>
+            <a:off x="0" y="0"/>
+            <a:ext cx="12192000" cy="6858000"/>
+          </a:xfrm>
+          <a:prstGeom prst="rect">
+            <a:avLst/>
+          </a:prstGeom>
+        </p:spPr>
+        <p:style>
+          <a:lnRef idx="2">
+            <a:schemeClr val="accent1">
+              <a:shade val="50000"/>
+            </a:schemeClr>
+          </a:lnRef>
+          <a:fillRef idx="1">
+            <a:schemeClr val="accent1"/>
+          </a:fillRef>
+          <a:effectRef idx="0">
+            <a:schemeClr val="accent1"/>
+          </a:effectRef>
+          <a:fontRef idx="minor">
+            <a:schemeClr val="lt1"/>
+          </a:fontRef>
+        </p:style>
+        <p:txBody>
+          <a:bodyPr rtlCol="0" anchor="ctr"/>
           <a:lstStyle/>
           <a:p>
-            <a:r>
-              <a:rPr lang="en-US" altLang="ko-KR" dirty="0"/>
-              <a:t>111111</a:t>
-            </a:r>
-            <a:endParaRPr lang="ko-KR" altLang="en-US" dirty="0"/>
+            <a:pPr algn="ctr"/>
+            <a:r>
+              <a:rPr lang="ko-KR" altLang="en-US" sz="10000"/>
+              <a:t>오늘 세종엔</a:t>
+            </a:r>
+            <a:endParaRPr lang="ko-KR" altLang="en-US" sz="10000" dirty="0"/>
           </a:p>
         </p:txBody>
       </p:sp>
     </p:spTree>
     <p:extLst>
       <p:ext uri="{BB962C8B-B14F-4D97-AF65-F5344CB8AC3E}">
-        <p14:creationId xmlns:p14="http://schemas.microsoft.com/office/powerpoint/2010/main" val="3392311031"/>
+        <p14:creationId xmlns:p14="http://schemas.microsoft.com/office/powerpoint/2010/main" val="2204104532"/>
       </p:ext>
     </p:extLst>
   </p:cSld>
@@ -4563,12 +6841,108 @@
           <a:chExt cx="0" cy="0"/>
         </a:xfrm>
       </p:grpSpPr>
-      <p:sp>
-        <p:nvSpPr>
-          <p:cNvPr id="2" name="TextBox 1">
-            <a:extLst>
-              <a:ext uri="{FF2B5EF4-FFF2-40B4-BE49-F238E27FC236}">
-                <a16:creationId xmlns:a16="http://schemas.microsoft.com/office/drawing/2014/main" id="{B35CC9F4-688C-7A8A-DB21-ECB6CE0C04A9}"/>
+      <p:pic>
+        <p:nvPicPr>
+          <p:cNvPr id="2" name="그림 1">
+            <a:extLst>
+              <a:ext uri="{FF2B5EF4-FFF2-40B4-BE49-F238E27FC236}">
+                <a16:creationId xmlns:a16="http://schemas.microsoft.com/office/drawing/2014/main" id="{7DA4C7A9-256C-1C75-6600-54AA78E9DE76}"/>
+              </a:ext>
+            </a:extLst>
+          </p:cNvPr>
+          <p:cNvPicPr>
+            <a:picLocks noChangeAspect="1"/>
+          </p:cNvPicPr>
+          <p:nvPr/>
+        </p:nvPicPr>
+        <p:blipFill>
+          <a:blip r:embed="rId2"/>
+          <a:stretch>
+            <a:fillRect/>
+          </a:stretch>
+        </p:blipFill>
+        <p:spPr>
+          <a:xfrm>
+            <a:off x="623857" y="940891"/>
+            <a:ext cx="428685" cy="600159"/>
+          </a:xfrm>
+          <a:prstGeom prst="rect">
+            <a:avLst/>
+          </a:prstGeom>
+        </p:spPr>
+      </p:pic>
+      <p:pic>
+        <p:nvPicPr>
+          <p:cNvPr id="3" name="그림 2">
+            <a:extLst>
+              <a:ext uri="{FF2B5EF4-FFF2-40B4-BE49-F238E27FC236}">
+                <a16:creationId xmlns:a16="http://schemas.microsoft.com/office/drawing/2014/main" id="{A2E757DC-4FE4-49AA-26F7-51D2177FB4EF}"/>
+              </a:ext>
+            </a:extLst>
+          </p:cNvPr>
+          <p:cNvPicPr>
+            <a:picLocks noChangeAspect="1"/>
+          </p:cNvPicPr>
+          <p:nvPr/>
+        </p:nvPicPr>
+        <p:blipFill>
+          <a:blip r:embed="rId3"/>
+          <a:stretch>
+            <a:fillRect/>
+          </a:stretch>
+        </p:blipFill>
+        <p:spPr>
+          <a:xfrm>
+            <a:off x="1221830" y="1031391"/>
+            <a:ext cx="2048161" cy="209579"/>
+          </a:xfrm>
+          <a:prstGeom prst="rect">
+            <a:avLst/>
+          </a:prstGeom>
+        </p:spPr>
+      </p:pic>
+      <p:cxnSp>
+        <p:nvCxnSpPr>
+          <p:cNvPr id="5" name="직선 연결선 4">
+            <a:extLst>
+              <a:ext uri="{FF2B5EF4-FFF2-40B4-BE49-F238E27FC236}">
+                <a16:creationId xmlns:a16="http://schemas.microsoft.com/office/drawing/2014/main" id="{7CCF44C8-B4B1-9F09-0741-7A1BB72F3A2F}"/>
+              </a:ext>
+            </a:extLst>
+          </p:cNvPr>
+          <p:cNvCxnSpPr/>
+          <p:nvPr/>
+        </p:nvCxnSpPr>
+        <p:spPr>
+          <a:xfrm>
+            <a:off x="540697" y="1738993"/>
+            <a:ext cx="10995439" cy="0"/>
+          </a:xfrm>
+          <a:prstGeom prst="line">
+            <a:avLst/>
+          </a:prstGeom>
+        </p:spPr>
+        <p:style>
+          <a:lnRef idx="1">
+            <a:schemeClr val="accent1"/>
+          </a:lnRef>
+          <a:fillRef idx="0">
+            <a:schemeClr val="accent1"/>
+          </a:fillRef>
+          <a:effectRef idx="0">
+            <a:schemeClr val="accent1"/>
+          </a:effectRef>
+          <a:fontRef idx="minor">
+            <a:schemeClr val="tx1"/>
+          </a:fontRef>
+        </p:style>
+      </p:cxnSp>
+      <p:sp>
+        <p:nvSpPr>
+          <p:cNvPr id="12" name="TextBox 11">
+            <a:extLst>
+              <a:ext uri="{FF2B5EF4-FFF2-40B4-BE49-F238E27FC236}">
+                <a16:creationId xmlns:a16="http://schemas.microsoft.com/office/drawing/2014/main" id="{138BCE96-7D4F-0781-908E-00DC6C406B99}"/>
               </a:ext>
             </a:extLst>
           </p:cNvPr>
@@ -4577,8 +6951,8 @@
         </p:nvSpPr>
         <p:spPr>
           <a:xfrm>
-            <a:off x="299803" y="217357"/>
-            <a:ext cx="944489" cy="369332"/>
+            <a:off x="5125870" y="922902"/>
+            <a:ext cx="1144865" cy="307777"/>
           </a:xfrm>
           <a:prstGeom prst="rect">
             <a:avLst/>
@@ -4592,17 +6966,1773 @@
           <a:lstStyle/>
           <a:p>
             <a:r>
-              <a:rPr lang="en-US" altLang="ko-KR" dirty="0"/>
-              <a:t>111111</a:t>
-            </a:r>
-            <a:endParaRPr lang="ko-KR" altLang="en-US" dirty="0"/>
+              <a:rPr lang="ko-KR" altLang="en-US" sz="1400" dirty="0"/>
+              <a:t>타이틀 변경</a:t>
+            </a:r>
+          </a:p>
+        </p:txBody>
+      </p:sp>
+      <p:pic>
+        <p:nvPicPr>
+          <p:cNvPr id="15" name="그림 14">
+            <a:extLst>
+              <a:ext uri="{FF2B5EF4-FFF2-40B4-BE49-F238E27FC236}">
+                <a16:creationId xmlns:a16="http://schemas.microsoft.com/office/drawing/2014/main" id="{088A6085-1196-F532-CF59-BF7AB7497294}"/>
+              </a:ext>
+            </a:extLst>
+          </p:cNvPr>
+          <p:cNvPicPr>
+            <a:picLocks noChangeAspect="1"/>
+          </p:cNvPicPr>
+          <p:nvPr/>
+        </p:nvPicPr>
+        <p:blipFill>
+          <a:blip r:embed="rId4"/>
+          <a:stretch>
+            <a:fillRect/>
+          </a:stretch>
+        </p:blipFill>
+        <p:spPr>
+          <a:xfrm>
+            <a:off x="441279" y="2530825"/>
+            <a:ext cx="3896269" cy="743054"/>
+          </a:xfrm>
+          <a:prstGeom prst="rect">
+            <a:avLst/>
+          </a:prstGeom>
+        </p:spPr>
+      </p:pic>
+      <p:sp>
+        <p:nvSpPr>
+          <p:cNvPr id="16" name="직사각형 15">
+            <a:extLst>
+              <a:ext uri="{FF2B5EF4-FFF2-40B4-BE49-F238E27FC236}">
+                <a16:creationId xmlns:a16="http://schemas.microsoft.com/office/drawing/2014/main" id="{9200D68F-3E29-0788-AA6D-CE46F679B4CC}"/>
+              </a:ext>
+            </a:extLst>
+          </p:cNvPr>
+          <p:cNvSpPr/>
+          <p:nvPr/>
+        </p:nvSpPr>
+        <p:spPr>
+          <a:xfrm>
+            <a:off x="2436739" y="2833007"/>
+            <a:ext cx="391886" cy="391886"/>
+          </a:xfrm>
+          <a:prstGeom prst="rect">
+            <a:avLst/>
+          </a:prstGeom>
+          <a:noFill/>
+          <a:ln w="25400">
+            <a:solidFill>
+              <a:srgbClr val="FF0000"/>
+            </a:solidFill>
+          </a:ln>
+        </p:spPr>
+        <p:style>
+          <a:lnRef idx="2">
+            <a:schemeClr val="accent1">
+              <a:shade val="50000"/>
+            </a:schemeClr>
+          </a:lnRef>
+          <a:fillRef idx="1">
+            <a:schemeClr val="accent1"/>
+          </a:fillRef>
+          <a:effectRef idx="0">
+            <a:schemeClr val="accent1"/>
+          </a:effectRef>
+          <a:fontRef idx="minor">
+            <a:schemeClr val="lt1"/>
+          </a:fontRef>
+        </p:style>
+        <p:txBody>
+          <a:bodyPr rtlCol="0" anchor="ctr"/>
+          <a:lstStyle/>
+          <a:p>
+            <a:pPr algn="ctr"/>
+            <a:endParaRPr lang="ko-KR" altLang="en-US"/>
+          </a:p>
+        </p:txBody>
+      </p:sp>
+      <p:sp>
+        <p:nvSpPr>
+          <p:cNvPr id="17" name="TextBox 16">
+            <a:extLst>
+              <a:ext uri="{FF2B5EF4-FFF2-40B4-BE49-F238E27FC236}">
+                <a16:creationId xmlns:a16="http://schemas.microsoft.com/office/drawing/2014/main" id="{48EC0B04-BD49-0BFA-01E3-0CF150D0332A}"/>
+              </a:ext>
+            </a:extLst>
+          </p:cNvPr>
+          <p:cNvSpPr txBox="1"/>
+          <p:nvPr/>
+        </p:nvSpPr>
+        <p:spPr>
+          <a:xfrm>
+            <a:off x="5125870" y="2247308"/>
+            <a:ext cx="2335896" cy="697050"/>
+          </a:xfrm>
+          <a:prstGeom prst="rect">
+            <a:avLst/>
+          </a:prstGeom>
+          <a:noFill/>
+        </p:spPr>
+        <p:txBody>
+          <a:bodyPr wrap="none" rtlCol="0">
+            <a:spAutoFit/>
+          </a:bodyPr>
+          <a:lstStyle/>
+          <a:p>
+            <a:pPr>
+              <a:lnSpc>
+                <a:spcPct val="150000"/>
+              </a:lnSpc>
+            </a:pPr>
+            <a:r>
+              <a:rPr lang="ko-KR" altLang="en-US" sz="1400" dirty="0"/>
+              <a:t>시작</a:t>
+            </a:r>
+            <a:r>
+              <a:rPr lang="en-US" altLang="ko-KR" sz="1400" dirty="0"/>
+              <a:t>/</a:t>
+            </a:r>
+            <a:r>
+              <a:rPr lang="ko-KR" altLang="en-US" sz="1400" dirty="0"/>
+              <a:t>정지 추가</a:t>
+            </a:r>
+            <a:endParaRPr lang="en-US" altLang="ko-KR" sz="1400" dirty="0"/>
+          </a:p>
+          <a:p>
+            <a:pPr>
+              <a:lnSpc>
+                <a:spcPct val="150000"/>
+              </a:lnSpc>
+            </a:pPr>
+            <a:r>
+              <a:rPr lang="en-US" altLang="ko-KR" sz="1400" dirty="0"/>
+              <a:t>UI-SJN-01-001U.html </a:t>
+            </a:r>
+            <a:r>
+              <a:rPr lang="ko-KR" altLang="en-US" sz="1400" dirty="0"/>
+              <a:t>참고</a:t>
+            </a:r>
+          </a:p>
+        </p:txBody>
+      </p:sp>
+      <p:pic>
+        <p:nvPicPr>
+          <p:cNvPr id="19" name="그림 18">
+            <a:extLst>
+              <a:ext uri="{FF2B5EF4-FFF2-40B4-BE49-F238E27FC236}">
+                <a16:creationId xmlns:a16="http://schemas.microsoft.com/office/drawing/2014/main" id="{19228B63-46A2-6151-EA2B-4A6C4E1C97C7}"/>
+              </a:ext>
+            </a:extLst>
+          </p:cNvPr>
+          <p:cNvPicPr>
+            <a:picLocks noChangeAspect="1"/>
+          </p:cNvPicPr>
+          <p:nvPr/>
+        </p:nvPicPr>
+        <p:blipFill>
+          <a:blip r:embed="rId5"/>
+          <a:stretch>
+            <a:fillRect/>
+          </a:stretch>
+        </p:blipFill>
+        <p:spPr>
+          <a:xfrm>
+            <a:off x="540697" y="4152502"/>
+            <a:ext cx="3410426" cy="543001"/>
+          </a:xfrm>
+          <a:prstGeom prst="rect">
+            <a:avLst/>
+          </a:prstGeom>
+        </p:spPr>
+      </p:pic>
+      <p:cxnSp>
+        <p:nvCxnSpPr>
+          <p:cNvPr id="20" name="직선 연결선 19">
+            <a:extLst>
+              <a:ext uri="{FF2B5EF4-FFF2-40B4-BE49-F238E27FC236}">
+                <a16:creationId xmlns:a16="http://schemas.microsoft.com/office/drawing/2014/main" id="{31A57D32-21B1-D932-5AE2-4E4F3C0DF261}"/>
+              </a:ext>
+            </a:extLst>
+          </p:cNvPr>
+          <p:cNvCxnSpPr/>
+          <p:nvPr/>
+        </p:nvCxnSpPr>
+        <p:spPr>
+          <a:xfrm>
+            <a:off x="540697" y="3996243"/>
+            <a:ext cx="10995439" cy="0"/>
+          </a:xfrm>
+          <a:prstGeom prst="line">
+            <a:avLst/>
+          </a:prstGeom>
+        </p:spPr>
+        <p:style>
+          <a:lnRef idx="1">
+            <a:schemeClr val="accent1"/>
+          </a:lnRef>
+          <a:fillRef idx="0">
+            <a:schemeClr val="accent1"/>
+          </a:fillRef>
+          <a:effectRef idx="0">
+            <a:schemeClr val="accent1"/>
+          </a:effectRef>
+          <a:fontRef idx="minor">
+            <a:schemeClr val="tx1"/>
+          </a:fontRef>
+        </p:style>
+      </p:cxnSp>
+      <p:pic>
+        <p:nvPicPr>
+          <p:cNvPr id="21" name="그림 20">
+            <a:extLst>
+              <a:ext uri="{FF2B5EF4-FFF2-40B4-BE49-F238E27FC236}">
+                <a16:creationId xmlns:a16="http://schemas.microsoft.com/office/drawing/2014/main" id="{DDA2D4B6-5C80-2467-2FF9-AA63A66291C2}"/>
+              </a:ext>
+            </a:extLst>
+          </p:cNvPr>
+          <p:cNvPicPr>
+            <a:picLocks noChangeAspect="1"/>
+          </p:cNvPicPr>
+          <p:nvPr/>
+        </p:nvPicPr>
+        <p:blipFill>
+          <a:blip r:embed="rId6"/>
+          <a:stretch>
+            <a:fillRect/>
+          </a:stretch>
+        </p:blipFill>
+        <p:spPr>
+          <a:xfrm>
+            <a:off x="4338544" y="4171962"/>
+            <a:ext cx="1543265" cy="209579"/>
+          </a:xfrm>
+          <a:prstGeom prst="rect">
+            <a:avLst/>
+          </a:prstGeom>
+        </p:spPr>
+      </p:pic>
+      <p:pic>
+        <p:nvPicPr>
+          <p:cNvPr id="22" name="그림 21">
+            <a:extLst>
+              <a:ext uri="{FF2B5EF4-FFF2-40B4-BE49-F238E27FC236}">
+                <a16:creationId xmlns:a16="http://schemas.microsoft.com/office/drawing/2014/main" id="{66B248D5-3406-E50F-DDC3-D059B6FC754F}"/>
+              </a:ext>
+            </a:extLst>
+          </p:cNvPr>
+          <p:cNvPicPr>
+            <a:picLocks noChangeAspect="1"/>
+          </p:cNvPicPr>
+          <p:nvPr/>
+        </p:nvPicPr>
+        <p:blipFill>
+          <a:blip r:embed="rId7"/>
+          <a:stretch>
+            <a:fillRect/>
+          </a:stretch>
+        </p:blipFill>
+        <p:spPr>
+          <a:xfrm>
+            <a:off x="4338544" y="4591886"/>
+            <a:ext cx="3982006" cy="1343212"/>
+          </a:xfrm>
+          <a:prstGeom prst="rect">
+            <a:avLst/>
+          </a:prstGeom>
+        </p:spPr>
+      </p:pic>
+      <p:sp>
+        <p:nvSpPr>
+          <p:cNvPr id="23" name="TextBox 22">
+            <a:extLst>
+              <a:ext uri="{FF2B5EF4-FFF2-40B4-BE49-F238E27FC236}">
+                <a16:creationId xmlns:a16="http://schemas.microsoft.com/office/drawing/2014/main" id="{E5FAD1BC-23A9-ADD2-263C-C6F16E8BD87B}"/>
+              </a:ext>
+            </a:extLst>
+          </p:cNvPr>
+          <p:cNvSpPr txBox="1"/>
+          <p:nvPr/>
+        </p:nvSpPr>
+        <p:spPr>
+          <a:xfrm>
+            <a:off x="8844147" y="4969025"/>
+            <a:ext cx="2335896" cy="307777"/>
+          </a:xfrm>
+          <a:prstGeom prst="rect">
+            <a:avLst/>
+          </a:prstGeom>
+          <a:noFill/>
+        </p:spPr>
+        <p:txBody>
+          <a:bodyPr wrap="none" rtlCol="0">
+            <a:spAutoFit/>
+          </a:bodyPr>
+          <a:lstStyle/>
+          <a:p>
+            <a:r>
+              <a:rPr lang="en-US" altLang="ko-KR" sz="1400" dirty="0"/>
+              <a:t>UI-SJN-01-001U.html </a:t>
+            </a:r>
+            <a:r>
+              <a:rPr lang="ko-KR" altLang="en-US" sz="1400" dirty="0"/>
+              <a:t>참고</a:t>
+            </a:r>
           </a:p>
         </p:txBody>
       </p:sp>
     </p:spTree>
     <p:extLst>
       <p:ext uri="{BB962C8B-B14F-4D97-AF65-F5344CB8AC3E}">
-        <p14:creationId xmlns:p14="http://schemas.microsoft.com/office/powerpoint/2010/main" val="223767511"/>
+        <p14:creationId xmlns:p14="http://schemas.microsoft.com/office/powerpoint/2010/main" val="4111681464"/>
+      </p:ext>
+    </p:extLst>
+  </p:cSld>
+  <p:clrMapOvr>
+    <a:masterClrMapping/>
+  </p:clrMapOvr>
+</p:sld>
+</file>
+
+<file path=ppt/slides/slide7.xml><?xml version="1.0" encoding="utf-8"?>
+<p:sld xmlns:a="http://schemas.openxmlformats.org/drawingml/2006/main" xmlns:r="http://schemas.openxmlformats.org/officeDocument/2006/relationships" xmlns:p="http://schemas.openxmlformats.org/presentationml/2006/main">
+  <p:cSld>
+    <p:spTree>
+      <p:nvGrpSpPr>
+        <p:cNvPr id="1" name=""/>
+        <p:cNvGrpSpPr/>
+        <p:nvPr/>
+      </p:nvGrpSpPr>
+      <p:grpSpPr>
+        <a:xfrm>
+          <a:off x="0" y="0"/>
+          <a:ext cx="0" cy="0"/>
+          <a:chOff x="0" y="0"/>
+          <a:chExt cx="0" cy="0"/>
+        </a:xfrm>
+      </p:grpSpPr>
+      <p:pic>
+        <p:nvPicPr>
+          <p:cNvPr id="3" name="그림 2">
+            <a:extLst>
+              <a:ext uri="{FF2B5EF4-FFF2-40B4-BE49-F238E27FC236}">
+                <a16:creationId xmlns:a16="http://schemas.microsoft.com/office/drawing/2014/main" id="{12AF879D-AEB5-0B91-3401-9FB47E728A8C}"/>
+              </a:ext>
+            </a:extLst>
+          </p:cNvPr>
+          <p:cNvPicPr>
+            <a:picLocks noChangeAspect="1"/>
+          </p:cNvPicPr>
+          <p:nvPr/>
+        </p:nvPicPr>
+        <p:blipFill>
+          <a:blip r:embed="rId2"/>
+          <a:stretch>
+            <a:fillRect/>
+          </a:stretch>
+        </p:blipFill>
+        <p:spPr>
+          <a:xfrm>
+            <a:off x="540697" y="471431"/>
+            <a:ext cx="2867425" cy="600159"/>
+          </a:xfrm>
+          <a:prstGeom prst="rect">
+            <a:avLst/>
+          </a:prstGeom>
+        </p:spPr>
+      </p:pic>
+      <p:pic>
+        <p:nvPicPr>
+          <p:cNvPr id="4" name="그림 3">
+            <a:extLst>
+              <a:ext uri="{FF2B5EF4-FFF2-40B4-BE49-F238E27FC236}">
+                <a16:creationId xmlns:a16="http://schemas.microsoft.com/office/drawing/2014/main" id="{6DB8B61E-302F-DD4F-01A9-8756098BFAC6}"/>
+              </a:ext>
+            </a:extLst>
+          </p:cNvPr>
+          <p:cNvPicPr>
+            <a:picLocks noChangeAspect="1"/>
+          </p:cNvPicPr>
+          <p:nvPr/>
+        </p:nvPicPr>
+        <p:blipFill>
+          <a:blip r:embed="rId3"/>
+          <a:stretch>
+            <a:fillRect/>
+          </a:stretch>
+        </p:blipFill>
+        <p:spPr>
+          <a:xfrm>
+            <a:off x="4128074" y="484251"/>
+            <a:ext cx="2857899" cy="171474"/>
+          </a:xfrm>
+          <a:prstGeom prst="rect">
+            <a:avLst/>
+          </a:prstGeom>
+        </p:spPr>
+      </p:pic>
+      <p:pic>
+        <p:nvPicPr>
+          <p:cNvPr id="5" name="그림 4">
+            <a:extLst>
+              <a:ext uri="{FF2B5EF4-FFF2-40B4-BE49-F238E27FC236}">
+                <a16:creationId xmlns:a16="http://schemas.microsoft.com/office/drawing/2014/main" id="{04411DC6-6327-659C-351D-08DFA673C66D}"/>
+              </a:ext>
+            </a:extLst>
+          </p:cNvPr>
+          <p:cNvPicPr>
+            <a:picLocks noChangeAspect="1"/>
+          </p:cNvPicPr>
+          <p:nvPr/>
+        </p:nvPicPr>
+        <p:blipFill>
+          <a:blip r:embed="rId4"/>
+          <a:stretch>
+            <a:fillRect/>
+          </a:stretch>
+        </p:blipFill>
+        <p:spPr>
+          <a:xfrm>
+            <a:off x="4127487" y="856465"/>
+            <a:ext cx="6249272" cy="2000529"/>
+          </a:xfrm>
+          <a:prstGeom prst="rect">
+            <a:avLst/>
+          </a:prstGeom>
+        </p:spPr>
+      </p:pic>
+      <p:sp>
+        <p:nvSpPr>
+          <p:cNvPr id="6" name="TextBox 5">
+            <a:extLst>
+              <a:ext uri="{FF2B5EF4-FFF2-40B4-BE49-F238E27FC236}">
+                <a16:creationId xmlns:a16="http://schemas.microsoft.com/office/drawing/2014/main" id="{41428220-D525-9097-20CD-C1CBB753A1DC}"/>
+              </a:ext>
+            </a:extLst>
+          </p:cNvPr>
+          <p:cNvSpPr txBox="1"/>
+          <p:nvPr/>
+        </p:nvSpPr>
+        <p:spPr>
+          <a:xfrm>
+            <a:off x="8914509" y="371183"/>
+            <a:ext cx="2335896" cy="307777"/>
+          </a:xfrm>
+          <a:prstGeom prst="rect">
+            <a:avLst/>
+          </a:prstGeom>
+          <a:noFill/>
+        </p:spPr>
+        <p:txBody>
+          <a:bodyPr wrap="none" rtlCol="0">
+            <a:spAutoFit/>
+          </a:bodyPr>
+          <a:lstStyle/>
+          <a:p>
+            <a:r>
+              <a:rPr lang="en-US" altLang="ko-KR" sz="1400" dirty="0"/>
+              <a:t>UI-SJN-01-001U.html </a:t>
+            </a:r>
+            <a:r>
+              <a:rPr lang="ko-KR" altLang="en-US" sz="1400" dirty="0"/>
+              <a:t>참고</a:t>
+            </a:r>
+          </a:p>
+        </p:txBody>
+      </p:sp>
+      <p:cxnSp>
+        <p:nvCxnSpPr>
+          <p:cNvPr id="7" name="직선 연결선 6">
+            <a:extLst>
+              <a:ext uri="{FF2B5EF4-FFF2-40B4-BE49-F238E27FC236}">
+                <a16:creationId xmlns:a16="http://schemas.microsoft.com/office/drawing/2014/main" id="{3F28D411-CAA2-DCD5-FD9D-025509181614}"/>
+              </a:ext>
+            </a:extLst>
+          </p:cNvPr>
+          <p:cNvCxnSpPr/>
+          <p:nvPr/>
+        </p:nvCxnSpPr>
+        <p:spPr>
+          <a:xfrm>
+            <a:off x="579198" y="7124059"/>
+            <a:ext cx="10995439" cy="0"/>
+          </a:xfrm>
+          <a:prstGeom prst="line">
+            <a:avLst/>
+          </a:prstGeom>
+        </p:spPr>
+        <p:style>
+          <a:lnRef idx="1">
+            <a:schemeClr val="accent1"/>
+          </a:lnRef>
+          <a:fillRef idx="0">
+            <a:schemeClr val="accent1"/>
+          </a:fillRef>
+          <a:effectRef idx="0">
+            <a:schemeClr val="accent1"/>
+          </a:effectRef>
+          <a:fontRef idx="minor">
+            <a:schemeClr val="tx1"/>
+          </a:fontRef>
+        </p:style>
+      </p:cxnSp>
+      <p:pic>
+        <p:nvPicPr>
+          <p:cNvPr id="8" name="그림 7">
+            <a:extLst>
+              <a:ext uri="{FF2B5EF4-FFF2-40B4-BE49-F238E27FC236}">
+                <a16:creationId xmlns:a16="http://schemas.microsoft.com/office/drawing/2014/main" id="{6C07F840-F0B2-1AE7-6B6D-4915DF934194}"/>
+              </a:ext>
+            </a:extLst>
+          </p:cNvPr>
+          <p:cNvPicPr>
+            <a:picLocks noChangeAspect="1"/>
+          </p:cNvPicPr>
+          <p:nvPr/>
+        </p:nvPicPr>
+        <p:blipFill>
+          <a:blip r:embed="rId5"/>
+          <a:stretch>
+            <a:fillRect/>
+          </a:stretch>
+        </p:blipFill>
+        <p:spPr>
+          <a:xfrm>
+            <a:off x="371638" y="3240479"/>
+            <a:ext cx="3410426" cy="1448002"/>
+          </a:xfrm>
+          <a:prstGeom prst="rect">
+            <a:avLst/>
+          </a:prstGeom>
+        </p:spPr>
+      </p:pic>
+      <p:sp>
+        <p:nvSpPr>
+          <p:cNvPr id="9" name="TextBox 8">
+            <a:extLst>
+              <a:ext uri="{FF2B5EF4-FFF2-40B4-BE49-F238E27FC236}">
+                <a16:creationId xmlns:a16="http://schemas.microsoft.com/office/drawing/2014/main" id="{20CAEAD5-75D1-1F46-B064-9207C37BCAC4}"/>
+              </a:ext>
+            </a:extLst>
+          </p:cNvPr>
+          <p:cNvSpPr txBox="1"/>
+          <p:nvPr/>
+        </p:nvSpPr>
+        <p:spPr>
+          <a:xfrm>
+            <a:off x="4504365" y="3441966"/>
+            <a:ext cx="4487126" cy="738664"/>
+          </a:xfrm>
+          <a:prstGeom prst="rect">
+            <a:avLst/>
+          </a:prstGeom>
+          <a:noFill/>
+        </p:spPr>
+        <p:txBody>
+          <a:bodyPr wrap="none" rtlCol="0">
+            <a:spAutoFit/>
+          </a:bodyPr>
+          <a:lstStyle/>
+          <a:p>
+            <a:r>
+              <a:rPr lang="ko-KR" altLang="en-US" sz="1400" dirty="0"/>
+              <a:t>현재 차트 누르면 기상으로 이동합니다</a:t>
+            </a:r>
+            <a:r>
+              <a:rPr lang="en-US" altLang="ko-KR" sz="1400" dirty="0"/>
+              <a:t>.</a:t>
+            </a:r>
+          </a:p>
+          <a:p>
+            <a:endParaRPr lang="en-US" altLang="ko-KR" sz="1400" dirty="0"/>
+          </a:p>
+          <a:p>
+            <a:r>
+              <a:rPr lang="ko-KR" altLang="en-US" sz="1400" dirty="0"/>
+              <a:t>버튼 추가해서 버튼 누르면 이동으로 </a:t>
+            </a:r>
+            <a:r>
+              <a:rPr lang="ko-KR" altLang="en-US" sz="1400" dirty="0" err="1"/>
+              <a:t>변경해야합니다</a:t>
+            </a:r>
+            <a:r>
+              <a:rPr lang="en-US" altLang="ko-KR" sz="1400" dirty="0"/>
+              <a:t>.</a:t>
+            </a:r>
+            <a:endParaRPr lang="ko-KR" altLang="en-US" sz="1400" dirty="0"/>
+          </a:p>
+        </p:txBody>
+      </p:sp>
+      <p:pic>
+        <p:nvPicPr>
+          <p:cNvPr id="10" name="그림 9">
+            <a:extLst>
+              <a:ext uri="{FF2B5EF4-FFF2-40B4-BE49-F238E27FC236}">
+                <a16:creationId xmlns:a16="http://schemas.microsoft.com/office/drawing/2014/main" id="{F10FF671-A76A-15C4-37F9-D0904C5E1F15}"/>
+              </a:ext>
+            </a:extLst>
+          </p:cNvPr>
+          <p:cNvPicPr>
+            <a:picLocks noChangeAspect="1"/>
+          </p:cNvPicPr>
+          <p:nvPr/>
+        </p:nvPicPr>
+        <p:blipFill>
+          <a:blip r:embed="rId6"/>
+          <a:stretch>
+            <a:fillRect/>
+          </a:stretch>
+        </p:blipFill>
+        <p:spPr>
+          <a:xfrm>
+            <a:off x="428524" y="5169409"/>
+            <a:ext cx="4146444" cy="1405978"/>
+          </a:xfrm>
+          <a:prstGeom prst="rect">
+            <a:avLst/>
+          </a:prstGeom>
+        </p:spPr>
+      </p:pic>
+      <p:pic>
+        <p:nvPicPr>
+          <p:cNvPr id="11" name="그림 10">
+            <a:extLst>
+              <a:ext uri="{FF2B5EF4-FFF2-40B4-BE49-F238E27FC236}">
+                <a16:creationId xmlns:a16="http://schemas.microsoft.com/office/drawing/2014/main" id="{A33F124D-4E1A-0A99-13C0-0B32E11A130D}"/>
+              </a:ext>
+            </a:extLst>
+          </p:cNvPr>
+          <p:cNvPicPr>
+            <a:picLocks noChangeAspect="1"/>
+          </p:cNvPicPr>
+          <p:nvPr/>
+        </p:nvPicPr>
+        <p:blipFill>
+          <a:blip r:embed="rId6"/>
+          <a:stretch>
+            <a:fillRect/>
+          </a:stretch>
+        </p:blipFill>
+        <p:spPr>
+          <a:xfrm>
+            <a:off x="6828775" y="5141309"/>
+            <a:ext cx="4146444" cy="1405978"/>
+          </a:xfrm>
+          <a:prstGeom prst="rect">
+            <a:avLst/>
+          </a:prstGeom>
+        </p:spPr>
+      </p:pic>
+      <p:cxnSp>
+        <p:nvCxnSpPr>
+          <p:cNvPr id="12" name="직선 화살표 연결선 11">
+            <a:extLst>
+              <a:ext uri="{FF2B5EF4-FFF2-40B4-BE49-F238E27FC236}">
+                <a16:creationId xmlns:a16="http://schemas.microsoft.com/office/drawing/2014/main" id="{ABBC8CEE-C7DF-576E-285C-915C9BAC27E8}"/>
+              </a:ext>
+            </a:extLst>
+          </p:cNvPr>
+          <p:cNvCxnSpPr>
+            <a:cxnSpLocks/>
+          </p:cNvCxnSpPr>
+          <p:nvPr/>
+        </p:nvCxnSpPr>
+        <p:spPr>
+          <a:xfrm>
+            <a:off x="5165673" y="5685691"/>
+            <a:ext cx="1213323" cy="0"/>
+          </a:xfrm>
+          <a:prstGeom prst="straightConnector1">
+            <a:avLst/>
+          </a:prstGeom>
+          <a:ln>
+            <a:tailEnd type="triangle"/>
+          </a:ln>
+        </p:spPr>
+        <p:style>
+          <a:lnRef idx="1">
+            <a:schemeClr val="accent1"/>
+          </a:lnRef>
+          <a:fillRef idx="0">
+            <a:schemeClr val="accent1"/>
+          </a:fillRef>
+          <a:effectRef idx="0">
+            <a:schemeClr val="accent1"/>
+          </a:effectRef>
+          <a:fontRef idx="minor">
+            <a:schemeClr val="tx1"/>
+          </a:fontRef>
+        </p:style>
+      </p:cxnSp>
+      <p:sp>
+        <p:nvSpPr>
+          <p:cNvPr id="13" name="TextBox 12">
+            <a:extLst>
+              <a:ext uri="{FF2B5EF4-FFF2-40B4-BE49-F238E27FC236}">
+                <a16:creationId xmlns:a16="http://schemas.microsoft.com/office/drawing/2014/main" id="{482E7BB1-2D83-8BC0-7921-2B421E64D87A}"/>
+              </a:ext>
+            </a:extLst>
+          </p:cNvPr>
+          <p:cNvSpPr txBox="1"/>
+          <p:nvPr/>
+        </p:nvSpPr>
+        <p:spPr>
+          <a:xfrm>
+            <a:off x="5249669" y="5926587"/>
+            <a:ext cx="902811" cy="307777"/>
+          </a:xfrm>
+          <a:prstGeom prst="rect">
+            <a:avLst/>
+          </a:prstGeom>
+          <a:noFill/>
+        </p:spPr>
+        <p:txBody>
+          <a:bodyPr wrap="none" rtlCol="0">
+            <a:spAutoFit/>
+          </a:bodyPr>
+          <a:lstStyle/>
+          <a:p>
+            <a:r>
+              <a:rPr lang="ko-KR" altLang="en-US" sz="1400" dirty="0"/>
+              <a:t>문법오류</a:t>
+            </a:r>
+          </a:p>
+        </p:txBody>
+      </p:sp>
+      <p:sp>
+        <p:nvSpPr>
+          <p:cNvPr id="14" name="직사각형 13">
+            <a:extLst>
+              <a:ext uri="{FF2B5EF4-FFF2-40B4-BE49-F238E27FC236}">
+                <a16:creationId xmlns:a16="http://schemas.microsoft.com/office/drawing/2014/main" id="{8F746128-4CEA-242C-102A-999C5463B25D}"/>
+              </a:ext>
+            </a:extLst>
+          </p:cNvPr>
+          <p:cNvSpPr/>
+          <p:nvPr/>
+        </p:nvSpPr>
+        <p:spPr>
+          <a:xfrm>
+            <a:off x="7084280" y="5401395"/>
+            <a:ext cx="563335" cy="130628"/>
+          </a:xfrm>
+          <a:prstGeom prst="rect">
+            <a:avLst/>
+          </a:prstGeom>
+        </p:spPr>
+        <p:style>
+          <a:lnRef idx="2">
+            <a:schemeClr val="accent1">
+              <a:shade val="50000"/>
+            </a:schemeClr>
+          </a:lnRef>
+          <a:fillRef idx="1">
+            <a:schemeClr val="accent1"/>
+          </a:fillRef>
+          <a:effectRef idx="0">
+            <a:schemeClr val="accent1"/>
+          </a:effectRef>
+          <a:fontRef idx="minor">
+            <a:schemeClr val="lt1"/>
+          </a:fontRef>
+        </p:style>
+        <p:txBody>
+          <a:bodyPr rtlCol="0" anchor="ctr"/>
+          <a:lstStyle/>
+          <a:p>
+            <a:pPr algn="ctr"/>
+            <a:endParaRPr lang="ko-KR" altLang="en-US"/>
+          </a:p>
+        </p:txBody>
+      </p:sp>
+      <p:sp>
+        <p:nvSpPr>
+          <p:cNvPr id="15" name="직사각형 14">
+            <a:extLst>
+              <a:ext uri="{FF2B5EF4-FFF2-40B4-BE49-F238E27FC236}">
+                <a16:creationId xmlns:a16="http://schemas.microsoft.com/office/drawing/2014/main" id="{DB99410C-5960-A911-B47C-4A15D181E463}"/>
+              </a:ext>
+            </a:extLst>
+          </p:cNvPr>
+          <p:cNvSpPr/>
+          <p:nvPr/>
+        </p:nvSpPr>
+        <p:spPr>
+          <a:xfrm>
+            <a:off x="7084280" y="5809609"/>
+            <a:ext cx="563335" cy="130628"/>
+          </a:xfrm>
+          <a:prstGeom prst="rect">
+            <a:avLst/>
+          </a:prstGeom>
+        </p:spPr>
+        <p:style>
+          <a:lnRef idx="2">
+            <a:schemeClr val="accent1">
+              <a:shade val="50000"/>
+            </a:schemeClr>
+          </a:lnRef>
+          <a:fillRef idx="1">
+            <a:schemeClr val="accent1"/>
+          </a:fillRef>
+          <a:effectRef idx="0">
+            <a:schemeClr val="accent1"/>
+          </a:effectRef>
+          <a:fontRef idx="minor">
+            <a:schemeClr val="lt1"/>
+          </a:fontRef>
+        </p:style>
+        <p:txBody>
+          <a:bodyPr rtlCol="0" anchor="ctr"/>
+          <a:lstStyle/>
+          <a:p>
+            <a:pPr algn="ctr"/>
+            <a:endParaRPr lang="ko-KR" altLang="en-US"/>
+          </a:p>
+        </p:txBody>
+      </p:sp>
+      <p:cxnSp>
+        <p:nvCxnSpPr>
+          <p:cNvPr id="16" name="직선 연결선 15">
+            <a:extLst>
+              <a:ext uri="{FF2B5EF4-FFF2-40B4-BE49-F238E27FC236}">
+                <a16:creationId xmlns:a16="http://schemas.microsoft.com/office/drawing/2014/main" id="{4CCC612A-B977-99AF-4497-A845210F6B1A}"/>
+              </a:ext>
+            </a:extLst>
+          </p:cNvPr>
+          <p:cNvCxnSpPr/>
+          <p:nvPr/>
+        </p:nvCxnSpPr>
+        <p:spPr>
+          <a:xfrm>
+            <a:off x="540697" y="3163805"/>
+            <a:ext cx="10995439" cy="0"/>
+          </a:xfrm>
+          <a:prstGeom prst="line">
+            <a:avLst/>
+          </a:prstGeom>
+        </p:spPr>
+        <p:style>
+          <a:lnRef idx="1">
+            <a:schemeClr val="accent1"/>
+          </a:lnRef>
+          <a:fillRef idx="0">
+            <a:schemeClr val="accent1"/>
+          </a:fillRef>
+          <a:effectRef idx="0">
+            <a:schemeClr val="accent1"/>
+          </a:effectRef>
+          <a:fontRef idx="minor">
+            <a:schemeClr val="tx1"/>
+          </a:fontRef>
+        </p:style>
+      </p:cxnSp>
+    </p:spTree>
+    <p:extLst>
+      <p:ext uri="{BB962C8B-B14F-4D97-AF65-F5344CB8AC3E}">
+        <p14:creationId xmlns:p14="http://schemas.microsoft.com/office/powerpoint/2010/main" val="1337393557"/>
+      </p:ext>
+    </p:extLst>
+  </p:cSld>
+  <p:clrMapOvr>
+    <a:masterClrMapping/>
+  </p:clrMapOvr>
+</p:sld>
+</file>
+
+<file path=ppt/slides/slide8.xml><?xml version="1.0" encoding="utf-8"?>
+<p:sld xmlns:a="http://schemas.openxmlformats.org/drawingml/2006/main" xmlns:r="http://schemas.openxmlformats.org/officeDocument/2006/relationships" xmlns:p="http://schemas.openxmlformats.org/presentationml/2006/main">
+  <p:cSld>
+    <p:spTree>
+      <p:nvGrpSpPr>
+        <p:cNvPr id="1" name=""/>
+        <p:cNvGrpSpPr/>
+        <p:nvPr/>
+      </p:nvGrpSpPr>
+      <p:grpSpPr>
+        <a:xfrm>
+          <a:off x="0" y="0"/>
+          <a:ext cx="0" cy="0"/>
+          <a:chOff x="0" y="0"/>
+          <a:chExt cx="0" cy="0"/>
+        </a:xfrm>
+      </p:grpSpPr>
+      <p:pic>
+        <p:nvPicPr>
+          <p:cNvPr id="16" name="그림 15">
+            <a:extLst>
+              <a:ext uri="{FF2B5EF4-FFF2-40B4-BE49-F238E27FC236}">
+                <a16:creationId xmlns:a16="http://schemas.microsoft.com/office/drawing/2014/main" id="{2CD17F5D-15F8-8B8E-9587-86DA6882BFD0}"/>
+              </a:ext>
+            </a:extLst>
+          </p:cNvPr>
+          <p:cNvPicPr>
+            <a:picLocks noChangeAspect="1"/>
+          </p:cNvPicPr>
+          <p:nvPr/>
+        </p:nvPicPr>
+        <p:blipFill>
+          <a:blip r:embed="rId2"/>
+          <a:stretch>
+            <a:fillRect/>
+          </a:stretch>
+        </p:blipFill>
+        <p:spPr>
+          <a:xfrm>
+            <a:off x="574519" y="345608"/>
+            <a:ext cx="3439005" cy="2143424"/>
+          </a:xfrm>
+          <a:prstGeom prst="rect">
+            <a:avLst/>
+          </a:prstGeom>
+        </p:spPr>
+      </p:pic>
+      <p:sp>
+        <p:nvSpPr>
+          <p:cNvPr id="17" name="TextBox 16">
+            <a:extLst>
+              <a:ext uri="{FF2B5EF4-FFF2-40B4-BE49-F238E27FC236}">
+                <a16:creationId xmlns:a16="http://schemas.microsoft.com/office/drawing/2014/main" id="{9642DCA7-DF95-10F2-09D5-256CC381DB56}"/>
+              </a:ext>
+            </a:extLst>
+          </p:cNvPr>
+          <p:cNvSpPr txBox="1"/>
+          <p:nvPr/>
+        </p:nvSpPr>
+        <p:spPr>
+          <a:xfrm>
+            <a:off x="4651849" y="905243"/>
+            <a:ext cx="3768980" cy="307777"/>
+          </a:xfrm>
+          <a:prstGeom prst="rect">
+            <a:avLst/>
+          </a:prstGeom>
+          <a:noFill/>
+        </p:spPr>
+        <p:txBody>
+          <a:bodyPr wrap="none" rtlCol="0">
+            <a:spAutoFit/>
+          </a:bodyPr>
+          <a:lstStyle/>
+          <a:p>
+            <a:r>
+              <a:rPr lang="ko-KR" altLang="en-US" sz="1400" dirty="0"/>
+              <a:t>버튼 추가해서 버튼 누르면 이동하도록 변경</a:t>
+            </a:r>
+            <a:r>
+              <a:rPr lang="en-US" altLang="ko-KR" sz="1400" dirty="0"/>
+              <a:t>.</a:t>
+            </a:r>
+            <a:endParaRPr lang="ko-KR" altLang="en-US" sz="1400" dirty="0"/>
+          </a:p>
+        </p:txBody>
+      </p:sp>
+      <p:pic>
+        <p:nvPicPr>
+          <p:cNvPr id="19" name="그림 18">
+            <a:extLst>
+              <a:ext uri="{FF2B5EF4-FFF2-40B4-BE49-F238E27FC236}">
+                <a16:creationId xmlns:a16="http://schemas.microsoft.com/office/drawing/2014/main" id="{F1EF7E27-29D4-5722-0CFF-76BFB9BA0568}"/>
+              </a:ext>
+            </a:extLst>
+          </p:cNvPr>
+          <p:cNvPicPr>
+            <a:picLocks noChangeAspect="1"/>
+          </p:cNvPicPr>
+          <p:nvPr/>
+        </p:nvPicPr>
+        <p:blipFill>
+          <a:blip r:embed="rId3"/>
+          <a:stretch>
+            <a:fillRect/>
+          </a:stretch>
+        </p:blipFill>
+        <p:spPr>
+          <a:xfrm>
+            <a:off x="540697" y="3351892"/>
+            <a:ext cx="3419952" cy="1705213"/>
+          </a:xfrm>
+          <a:prstGeom prst="rect">
+            <a:avLst/>
+          </a:prstGeom>
+        </p:spPr>
+      </p:pic>
+      <p:pic>
+        <p:nvPicPr>
+          <p:cNvPr id="22" name="그림 21">
+            <a:extLst>
+              <a:ext uri="{FF2B5EF4-FFF2-40B4-BE49-F238E27FC236}">
+                <a16:creationId xmlns:a16="http://schemas.microsoft.com/office/drawing/2014/main" id="{3B2095A7-7AC3-4096-55D6-D4A70567BE74}"/>
+              </a:ext>
+            </a:extLst>
+          </p:cNvPr>
+          <p:cNvPicPr>
+            <a:picLocks noChangeAspect="1"/>
+          </p:cNvPicPr>
+          <p:nvPr/>
+        </p:nvPicPr>
+        <p:blipFill>
+          <a:blip r:embed="rId4"/>
+          <a:stretch>
+            <a:fillRect/>
+          </a:stretch>
+        </p:blipFill>
+        <p:spPr>
+          <a:xfrm>
+            <a:off x="4505103" y="3429000"/>
+            <a:ext cx="3181794" cy="1457528"/>
+          </a:xfrm>
+          <a:prstGeom prst="rect">
+            <a:avLst/>
+          </a:prstGeom>
+        </p:spPr>
+      </p:pic>
+      <p:sp>
+        <p:nvSpPr>
+          <p:cNvPr id="23" name="TextBox 22">
+            <a:extLst>
+              <a:ext uri="{FF2B5EF4-FFF2-40B4-BE49-F238E27FC236}">
+                <a16:creationId xmlns:a16="http://schemas.microsoft.com/office/drawing/2014/main" id="{870CC76E-54C3-6600-271B-3E8939051A33}"/>
+              </a:ext>
+            </a:extLst>
+          </p:cNvPr>
+          <p:cNvSpPr txBox="1"/>
+          <p:nvPr/>
+        </p:nvSpPr>
+        <p:spPr>
+          <a:xfrm>
+            <a:off x="7921609" y="4003875"/>
+            <a:ext cx="1326004" cy="307777"/>
+          </a:xfrm>
+          <a:prstGeom prst="rect">
+            <a:avLst/>
+          </a:prstGeom>
+          <a:noFill/>
+        </p:spPr>
+        <p:txBody>
+          <a:bodyPr wrap="none" rtlCol="0">
+            <a:spAutoFit/>
+          </a:bodyPr>
+          <a:lstStyle/>
+          <a:p>
+            <a:r>
+              <a:rPr lang="en-US" altLang="ko-KR" sz="1400" dirty="0"/>
+              <a:t>A </a:t>
+            </a:r>
+            <a:r>
+              <a:rPr lang="ko-KR" altLang="en-US" sz="1400" dirty="0"/>
+              <a:t>태그로 변경</a:t>
+            </a:r>
+          </a:p>
+        </p:txBody>
+      </p:sp>
+      <p:cxnSp>
+        <p:nvCxnSpPr>
+          <p:cNvPr id="24" name="직선 연결선 23">
+            <a:extLst>
+              <a:ext uri="{FF2B5EF4-FFF2-40B4-BE49-F238E27FC236}">
+                <a16:creationId xmlns:a16="http://schemas.microsoft.com/office/drawing/2014/main" id="{CA5A93E4-6BE4-8EDD-972A-EF2BEBAA83A4}"/>
+              </a:ext>
+            </a:extLst>
+          </p:cNvPr>
+          <p:cNvCxnSpPr/>
+          <p:nvPr/>
+        </p:nvCxnSpPr>
+        <p:spPr>
+          <a:xfrm>
+            <a:off x="540697" y="2952049"/>
+            <a:ext cx="10995439" cy="0"/>
+          </a:xfrm>
+          <a:prstGeom prst="line">
+            <a:avLst/>
+          </a:prstGeom>
+        </p:spPr>
+        <p:style>
+          <a:lnRef idx="1">
+            <a:schemeClr val="accent1"/>
+          </a:lnRef>
+          <a:fillRef idx="0">
+            <a:schemeClr val="accent1"/>
+          </a:fillRef>
+          <a:effectRef idx="0">
+            <a:schemeClr val="accent1"/>
+          </a:effectRef>
+          <a:fontRef idx="minor">
+            <a:schemeClr val="tx1"/>
+          </a:fontRef>
+        </p:style>
+      </p:cxnSp>
+    </p:spTree>
+    <p:extLst>
+      <p:ext uri="{BB962C8B-B14F-4D97-AF65-F5344CB8AC3E}">
+        <p14:creationId xmlns:p14="http://schemas.microsoft.com/office/powerpoint/2010/main" val="2623193141"/>
+      </p:ext>
+    </p:extLst>
+  </p:cSld>
+  <p:clrMapOvr>
+    <a:masterClrMapping/>
+  </p:clrMapOvr>
+</p:sld>
+</file>
+
+<file path=ppt/slides/slide9.xml><?xml version="1.0" encoding="utf-8"?>
+<p:sld xmlns:a="http://schemas.openxmlformats.org/drawingml/2006/main" xmlns:r="http://schemas.openxmlformats.org/officeDocument/2006/relationships" xmlns:p="http://schemas.openxmlformats.org/presentationml/2006/main">
+  <p:cSld>
+    <p:spTree>
+      <p:nvGrpSpPr>
+        <p:cNvPr id="1" name=""/>
+        <p:cNvGrpSpPr/>
+        <p:nvPr/>
+      </p:nvGrpSpPr>
+      <p:grpSpPr>
+        <a:xfrm>
+          <a:off x="0" y="0"/>
+          <a:ext cx="0" cy="0"/>
+          <a:chOff x="0" y="0"/>
+          <a:chExt cx="0" cy="0"/>
+        </a:xfrm>
+      </p:grpSpPr>
+      <p:pic>
+        <p:nvPicPr>
+          <p:cNvPr id="4" name="그림 3">
+            <a:extLst>
+              <a:ext uri="{FF2B5EF4-FFF2-40B4-BE49-F238E27FC236}">
+                <a16:creationId xmlns:a16="http://schemas.microsoft.com/office/drawing/2014/main" id="{2F3F882E-646B-09A7-B020-CD57BE7DA5DF}"/>
+              </a:ext>
+            </a:extLst>
+          </p:cNvPr>
+          <p:cNvPicPr>
+            <a:picLocks noChangeAspect="1"/>
+          </p:cNvPicPr>
+          <p:nvPr/>
+        </p:nvPicPr>
+        <p:blipFill>
+          <a:blip r:embed="rId2"/>
+          <a:stretch>
+            <a:fillRect/>
+          </a:stretch>
+        </p:blipFill>
+        <p:spPr>
+          <a:xfrm>
+            <a:off x="299803" y="816396"/>
+            <a:ext cx="2257740" cy="457264"/>
+          </a:xfrm>
+          <a:prstGeom prst="rect">
+            <a:avLst/>
+          </a:prstGeom>
+        </p:spPr>
+      </p:pic>
+      <p:pic>
+        <p:nvPicPr>
+          <p:cNvPr id="5" name="그림 4">
+            <a:extLst>
+              <a:ext uri="{FF2B5EF4-FFF2-40B4-BE49-F238E27FC236}">
+                <a16:creationId xmlns:a16="http://schemas.microsoft.com/office/drawing/2014/main" id="{6057AEB7-F4A1-79B6-0EF5-B4BB165CEE81}"/>
+              </a:ext>
+            </a:extLst>
+          </p:cNvPr>
+          <p:cNvPicPr>
+            <a:picLocks noChangeAspect="1"/>
+          </p:cNvPicPr>
+          <p:nvPr/>
+        </p:nvPicPr>
+        <p:blipFill>
+          <a:blip r:embed="rId3"/>
+          <a:stretch>
+            <a:fillRect/>
+          </a:stretch>
+        </p:blipFill>
+        <p:spPr>
+          <a:xfrm>
+            <a:off x="4242491" y="911659"/>
+            <a:ext cx="3086531" cy="266737"/>
+          </a:xfrm>
+          <a:prstGeom prst="rect">
+            <a:avLst/>
+          </a:prstGeom>
+        </p:spPr>
+      </p:pic>
+      <p:sp>
+        <p:nvSpPr>
+          <p:cNvPr id="6" name="TextBox 5">
+            <a:extLst>
+              <a:ext uri="{FF2B5EF4-FFF2-40B4-BE49-F238E27FC236}">
+                <a16:creationId xmlns:a16="http://schemas.microsoft.com/office/drawing/2014/main" id="{1B8F12D4-CB43-45F6-0416-5A69896E1C96}"/>
+              </a:ext>
+            </a:extLst>
+          </p:cNvPr>
+          <p:cNvSpPr txBox="1"/>
+          <p:nvPr/>
+        </p:nvSpPr>
+        <p:spPr>
+          <a:xfrm>
+            <a:off x="7632636" y="930600"/>
+            <a:ext cx="3624710" cy="738664"/>
+          </a:xfrm>
+          <a:prstGeom prst="rect">
+            <a:avLst/>
+          </a:prstGeom>
+          <a:noFill/>
+        </p:spPr>
+        <p:txBody>
+          <a:bodyPr wrap="none" rtlCol="0">
+            <a:spAutoFit/>
+          </a:bodyPr>
+          <a:lstStyle/>
+          <a:p>
+            <a:r>
+              <a:rPr lang="en-US" altLang="ko-KR" sz="1400" dirty="0"/>
+              <a:t>“</a:t>
+            </a:r>
+            <a:r>
+              <a:rPr lang="ko-KR" altLang="en-US" sz="1400" dirty="0"/>
+              <a:t>선별진료소 현황 업데이트 시간 </a:t>
+            </a:r>
+            <a:r>
+              <a:rPr lang="ko-KR" altLang="en-US" sz="1400" dirty="0" err="1"/>
+              <a:t>새로고침</a:t>
+            </a:r>
+            <a:r>
+              <a:rPr lang="en-US" altLang="ko-KR" sz="1400" dirty="0"/>
+              <a:t>”</a:t>
+            </a:r>
+          </a:p>
+          <a:p>
+            <a:endParaRPr lang="en-US" altLang="ko-KR" sz="1400" dirty="0"/>
+          </a:p>
+          <a:p>
+            <a:r>
+              <a:rPr lang="ko-KR" altLang="en-US" sz="1400" dirty="0" err="1"/>
+              <a:t>으로</a:t>
+            </a:r>
+            <a:r>
+              <a:rPr lang="ko-KR" altLang="en-US" sz="1400" dirty="0"/>
+              <a:t> 타이틀 변경</a:t>
+            </a:r>
+          </a:p>
+        </p:txBody>
+      </p:sp>
+      <p:cxnSp>
+        <p:nvCxnSpPr>
+          <p:cNvPr id="10" name="직선 연결선 9">
+            <a:extLst>
+              <a:ext uri="{FF2B5EF4-FFF2-40B4-BE49-F238E27FC236}">
+                <a16:creationId xmlns:a16="http://schemas.microsoft.com/office/drawing/2014/main" id="{80C68741-29C2-DA35-0C32-138D90E68B69}"/>
+              </a:ext>
+            </a:extLst>
+          </p:cNvPr>
+          <p:cNvCxnSpPr/>
+          <p:nvPr/>
+        </p:nvCxnSpPr>
+        <p:spPr>
+          <a:xfrm>
+            <a:off x="4833257" y="1020536"/>
+            <a:ext cx="2343150" cy="0"/>
+          </a:xfrm>
+          <a:prstGeom prst="line">
+            <a:avLst/>
+          </a:prstGeom>
+          <a:ln w="25400">
+            <a:solidFill>
+              <a:srgbClr val="FF0000"/>
+            </a:solidFill>
+          </a:ln>
+        </p:spPr>
+        <p:style>
+          <a:lnRef idx="1">
+            <a:schemeClr val="accent1"/>
+          </a:lnRef>
+          <a:fillRef idx="0">
+            <a:schemeClr val="accent1"/>
+          </a:fillRef>
+          <a:effectRef idx="0">
+            <a:schemeClr val="accent1"/>
+          </a:effectRef>
+          <a:fontRef idx="minor">
+            <a:schemeClr val="tx1"/>
+          </a:fontRef>
+        </p:style>
+      </p:cxnSp>
+      <p:cxnSp>
+        <p:nvCxnSpPr>
+          <p:cNvPr id="11" name="직선 연결선 10">
+            <a:extLst>
+              <a:ext uri="{FF2B5EF4-FFF2-40B4-BE49-F238E27FC236}">
+                <a16:creationId xmlns:a16="http://schemas.microsoft.com/office/drawing/2014/main" id="{E2CD489F-6464-1C16-7C15-622D680CEBF4}"/>
+              </a:ext>
+            </a:extLst>
+          </p:cNvPr>
+          <p:cNvCxnSpPr/>
+          <p:nvPr/>
+        </p:nvCxnSpPr>
+        <p:spPr>
+          <a:xfrm>
+            <a:off x="540697" y="2037650"/>
+            <a:ext cx="10995439" cy="0"/>
+          </a:xfrm>
+          <a:prstGeom prst="line">
+            <a:avLst/>
+          </a:prstGeom>
+        </p:spPr>
+        <p:style>
+          <a:lnRef idx="1">
+            <a:schemeClr val="accent1"/>
+          </a:lnRef>
+          <a:fillRef idx="0">
+            <a:schemeClr val="accent1"/>
+          </a:fillRef>
+          <a:effectRef idx="0">
+            <a:schemeClr val="accent1"/>
+          </a:effectRef>
+          <a:fontRef idx="minor">
+            <a:schemeClr val="tx1"/>
+          </a:fontRef>
+        </p:style>
+      </p:cxnSp>
+      <p:pic>
+        <p:nvPicPr>
+          <p:cNvPr id="12" name="그림 11">
+            <a:extLst>
+              <a:ext uri="{FF2B5EF4-FFF2-40B4-BE49-F238E27FC236}">
+                <a16:creationId xmlns:a16="http://schemas.microsoft.com/office/drawing/2014/main" id="{91543EFE-AFEB-8745-F708-F0B57D654B59}"/>
+              </a:ext>
+            </a:extLst>
+          </p:cNvPr>
+          <p:cNvPicPr>
+            <a:picLocks noChangeAspect="1"/>
+          </p:cNvPicPr>
+          <p:nvPr/>
+        </p:nvPicPr>
+        <p:blipFill>
+          <a:blip r:embed="rId4"/>
+          <a:stretch>
+            <a:fillRect/>
+          </a:stretch>
+        </p:blipFill>
+        <p:spPr>
+          <a:xfrm>
+            <a:off x="467133" y="2981263"/>
+            <a:ext cx="3353268" cy="447737"/>
+          </a:xfrm>
+          <a:prstGeom prst="rect">
+            <a:avLst/>
+          </a:prstGeom>
+        </p:spPr>
+      </p:pic>
+      <p:pic>
+        <p:nvPicPr>
+          <p:cNvPr id="13" name="그림 12">
+            <a:extLst>
+              <a:ext uri="{FF2B5EF4-FFF2-40B4-BE49-F238E27FC236}">
+                <a16:creationId xmlns:a16="http://schemas.microsoft.com/office/drawing/2014/main" id="{4DB72606-0F47-7497-DB30-B6CCAF5B2D84}"/>
+              </a:ext>
+            </a:extLst>
+          </p:cNvPr>
+          <p:cNvPicPr>
+            <a:picLocks noChangeAspect="1"/>
+          </p:cNvPicPr>
+          <p:nvPr/>
+        </p:nvPicPr>
+        <p:blipFill>
+          <a:blip r:embed="rId5"/>
+          <a:stretch>
+            <a:fillRect/>
+          </a:stretch>
+        </p:blipFill>
+        <p:spPr>
+          <a:xfrm>
+            <a:off x="419501" y="2266282"/>
+            <a:ext cx="3400900" cy="619211"/>
+          </a:xfrm>
+          <a:prstGeom prst="rect">
+            <a:avLst/>
+          </a:prstGeom>
+        </p:spPr>
+      </p:pic>
+      <p:pic>
+        <p:nvPicPr>
+          <p:cNvPr id="14" name="그림 13">
+            <a:extLst>
+              <a:ext uri="{FF2B5EF4-FFF2-40B4-BE49-F238E27FC236}">
+                <a16:creationId xmlns:a16="http://schemas.microsoft.com/office/drawing/2014/main" id="{00B056B6-ACFC-7E2F-B688-940C5C9F0A80}"/>
+              </a:ext>
+            </a:extLst>
+          </p:cNvPr>
+          <p:cNvPicPr>
+            <a:picLocks noChangeAspect="1"/>
+          </p:cNvPicPr>
+          <p:nvPr/>
+        </p:nvPicPr>
+        <p:blipFill>
+          <a:blip r:embed="rId6"/>
+          <a:stretch>
+            <a:fillRect/>
+          </a:stretch>
+        </p:blipFill>
+        <p:spPr>
+          <a:xfrm>
+            <a:off x="4299283" y="3068247"/>
+            <a:ext cx="1409897" cy="238158"/>
+          </a:xfrm>
+          <a:prstGeom prst="rect">
+            <a:avLst/>
+          </a:prstGeom>
+        </p:spPr>
+      </p:pic>
+      <p:pic>
+        <p:nvPicPr>
+          <p:cNvPr id="15" name="그림 14">
+            <a:extLst>
+              <a:ext uri="{FF2B5EF4-FFF2-40B4-BE49-F238E27FC236}">
+                <a16:creationId xmlns:a16="http://schemas.microsoft.com/office/drawing/2014/main" id="{A94D0408-6D35-FEB3-149B-0583CB17619C}"/>
+              </a:ext>
+            </a:extLst>
+          </p:cNvPr>
+          <p:cNvPicPr>
+            <a:picLocks noChangeAspect="1"/>
+          </p:cNvPicPr>
+          <p:nvPr/>
+        </p:nvPicPr>
+        <p:blipFill>
+          <a:blip r:embed="rId7"/>
+          <a:stretch>
+            <a:fillRect/>
+          </a:stretch>
+        </p:blipFill>
+        <p:spPr>
+          <a:xfrm>
+            <a:off x="4299283" y="2531622"/>
+            <a:ext cx="1895740" cy="247685"/>
+          </a:xfrm>
+          <a:prstGeom prst="rect">
+            <a:avLst/>
+          </a:prstGeom>
+        </p:spPr>
+      </p:pic>
+      <p:sp>
+        <p:nvSpPr>
+          <p:cNvPr id="16" name="TextBox 15">
+            <a:extLst>
+              <a:ext uri="{FF2B5EF4-FFF2-40B4-BE49-F238E27FC236}">
+                <a16:creationId xmlns:a16="http://schemas.microsoft.com/office/drawing/2014/main" id="{133BCC28-98CE-33C4-C4E7-B82C8FF77CD9}"/>
+              </a:ext>
+            </a:extLst>
+          </p:cNvPr>
+          <p:cNvSpPr txBox="1"/>
+          <p:nvPr/>
+        </p:nvSpPr>
+        <p:spPr>
+          <a:xfrm>
+            <a:off x="7701565" y="2761159"/>
+            <a:ext cx="1144865" cy="307777"/>
+          </a:xfrm>
+          <a:prstGeom prst="rect">
+            <a:avLst/>
+          </a:prstGeom>
+          <a:noFill/>
+        </p:spPr>
+        <p:txBody>
+          <a:bodyPr wrap="square" rtlCol="0">
+            <a:spAutoFit/>
+          </a:bodyPr>
+          <a:lstStyle/>
+          <a:p>
+            <a:r>
+              <a:rPr lang="ko-KR" altLang="en-US" sz="1400" dirty="0"/>
+              <a:t>타이틀 변경</a:t>
+            </a:r>
+          </a:p>
+        </p:txBody>
+      </p:sp>
+      <p:pic>
+        <p:nvPicPr>
+          <p:cNvPr id="18" name="그림 17">
+            <a:extLst>
+              <a:ext uri="{FF2B5EF4-FFF2-40B4-BE49-F238E27FC236}">
+                <a16:creationId xmlns:a16="http://schemas.microsoft.com/office/drawing/2014/main" id="{2F3882AE-BCE4-A1F1-5E4E-B0F67153956C}"/>
+              </a:ext>
+            </a:extLst>
+          </p:cNvPr>
+          <p:cNvPicPr>
+            <a:picLocks noChangeAspect="1"/>
+          </p:cNvPicPr>
+          <p:nvPr/>
+        </p:nvPicPr>
+        <p:blipFill>
+          <a:blip r:embed="rId8"/>
+          <a:stretch>
+            <a:fillRect/>
+          </a:stretch>
+        </p:blipFill>
+        <p:spPr>
+          <a:xfrm>
+            <a:off x="419501" y="4100083"/>
+            <a:ext cx="2276793" cy="409632"/>
+          </a:xfrm>
+          <a:prstGeom prst="rect">
+            <a:avLst/>
+          </a:prstGeom>
+        </p:spPr>
+      </p:pic>
+      <p:sp>
+        <p:nvSpPr>
+          <p:cNvPr id="19" name="TextBox 18">
+            <a:extLst>
+              <a:ext uri="{FF2B5EF4-FFF2-40B4-BE49-F238E27FC236}">
+                <a16:creationId xmlns:a16="http://schemas.microsoft.com/office/drawing/2014/main" id="{5C745AAB-15B9-A302-B227-64A02C06347D}"/>
+              </a:ext>
+            </a:extLst>
+          </p:cNvPr>
+          <p:cNvSpPr txBox="1"/>
+          <p:nvPr/>
+        </p:nvSpPr>
+        <p:spPr>
+          <a:xfrm>
+            <a:off x="7701565" y="4032964"/>
+            <a:ext cx="3199915" cy="738664"/>
+          </a:xfrm>
+          <a:prstGeom prst="rect">
+            <a:avLst/>
+          </a:prstGeom>
+          <a:noFill/>
+        </p:spPr>
+        <p:txBody>
+          <a:bodyPr wrap="none" rtlCol="0">
+            <a:spAutoFit/>
+          </a:bodyPr>
+          <a:lstStyle/>
+          <a:p>
+            <a:r>
+              <a:rPr lang="en-US" altLang="ko-KR" sz="1400" dirty="0"/>
+              <a:t>“</a:t>
+            </a:r>
+            <a:r>
+              <a:rPr lang="ko-KR" altLang="en-US" sz="1400" dirty="0"/>
+              <a:t>테마놀이터 업데이트 시간 </a:t>
+            </a:r>
+            <a:r>
+              <a:rPr lang="ko-KR" altLang="en-US" sz="1400" dirty="0" err="1"/>
+              <a:t>새로고침</a:t>
+            </a:r>
+            <a:r>
+              <a:rPr lang="en-US" altLang="ko-KR" sz="1400" dirty="0"/>
+              <a:t>”</a:t>
+            </a:r>
+          </a:p>
+          <a:p>
+            <a:endParaRPr lang="en-US" altLang="ko-KR" sz="1400" dirty="0"/>
+          </a:p>
+          <a:p>
+            <a:r>
+              <a:rPr lang="ko-KR" altLang="en-US" sz="1400" dirty="0" err="1"/>
+              <a:t>으로</a:t>
+            </a:r>
+            <a:r>
+              <a:rPr lang="ko-KR" altLang="en-US" sz="1400" dirty="0"/>
+              <a:t> 타이틀 변경</a:t>
+            </a:r>
+          </a:p>
+        </p:txBody>
+      </p:sp>
+      <p:pic>
+        <p:nvPicPr>
+          <p:cNvPr id="21" name="그림 20">
+            <a:extLst>
+              <a:ext uri="{FF2B5EF4-FFF2-40B4-BE49-F238E27FC236}">
+                <a16:creationId xmlns:a16="http://schemas.microsoft.com/office/drawing/2014/main" id="{3AD952CB-6ADB-03A3-2DFB-3B41A343E014}"/>
+              </a:ext>
+            </a:extLst>
+          </p:cNvPr>
+          <p:cNvPicPr>
+            <a:picLocks noChangeAspect="1"/>
+          </p:cNvPicPr>
+          <p:nvPr/>
+        </p:nvPicPr>
+        <p:blipFill>
+          <a:blip r:embed="rId9"/>
+          <a:stretch>
+            <a:fillRect/>
+          </a:stretch>
+        </p:blipFill>
+        <p:spPr>
+          <a:xfrm>
+            <a:off x="299803" y="5567618"/>
+            <a:ext cx="771633" cy="714475"/>
+          </a:xfrm>
+          <a:prstGeom prst="rect">
+            <a:avLst/>
+          </a:prstGeom>
+        </p:spPr>
+      </p:pic>
+      <p:cxnSp>
+        <p:nvCxnSpPr>
+          <p:cNvPr id="22" name="직선 연결선 21">
+            <a:extLst>
+              <a:ext uri="{FF2B5EF4-FFF2-40B4-BE49-F238E27FC236}">
+                <a16:creationId xmlns:a16="http://schemas.microsoft.com/office/drawing/2014/main" id="{A97F80D2-2102-C781-B45F-7ED8C59F0638}"/>
+              </a:ext>
+            </a:extLst>
+          </p:cNvPr>
+          <p:cNvCxnSpPr/>
+          <p:nvPr/>
+        </p:nvCxnSpPr>
+        <p:spPr>
+          <a:xfrm>
+            <a:off x="540697" y="3731696"/>
+            <a:ext cx="10995439" cy="0"/>
+          </a:xfrm>
+          <a:prstGeom prst="line">
+            <a:avLst/>
+          </a:prstGeom>
+        </p:spPr>
+        <p:style>
+          <a:lnRef idx="1">
+            <a:schemeClr val="accent1"/>
+          </a:lnRef>
+          <a:fillRef idx="0">
+            <a:schemeClr val="accent1"/>
+          </a:fillRef>
+          <a:effectRef idx="0">
+            <a:schemeClr val="accent1"/>
+          </a:effectRef>
+          <a:fontRef idx="minor">
+            <a:schemeClr val="tx1"/>
+          </a:fontRef>
+        </p:style>
+      </p:cxnSp>
+      <p:cxnSp>
+        <p:nvCxnSpPr>
+          <p:cNvPr id="23" name="직선 연결선 22">
+            <a:extLst>
+              <a:ext uri="{FF2B5EF4-FFF2-40B4-BE49-F238E27FC236}">
+                <a16:creationId xmlns:a16="http://schemas.microsoft.com/office/drawing/2014/main" id="{36334B20-F71F-C9E3-BD6E-D80B6E03C602}"/>
+              </a:ext>
+            </a:extLst>
+          </p:cNvPr>
+          <p:cNvCxnSpPr/>
+          <p:nvPr/>
+        </p:nvCxnSpPr>
+        <p:spPr>
+          <a:xfrm>
+            <a:off x="540697" y="4992605"/>
+            <a:ext cx="10995439" cy="0"/>
+          </a:xfrm>
+          <a:prstGeom prst="line">
+            <a:avLst/>
+          </a:prstGeom>
+        </p:spPr>
+        <p:style>
+          <a:lnRef idx="1">
+            <a:schemeClr val="accent1"/>
+          </a:lnRef>
+          <a:fillRef idx="0">
+            <a:schemeClr val="accent1"/>
+          </a:fillRef>
+          <a:effectRef idx="0">
+            <a:schemeClr val="accent1"/>
+          </a:effectRef>
+          <a:fontRef idx="minor">
+            <a:schemeClr val="tx1"/>
+          </a:fontRef>
+        </p:style>
+      </p:cxnSp>
+      <p:pic>
+        <p:nvPicPr>
+          <p:cNvPr id="25" name="그림 24">
+            <a:extLst>
+              <a:ext uri="{FF2B5EF4-FFF2-40B4-BE49-F238E27FC236}">
+                <a16:creationId xmlns:a16="http://schemas.microsoft.com/office/drawing/2014/main" id="{35F3296A-AABA-5FFF-FD38-FE460BDF3911}"/>
+              </a:ext>
+            </a:extLst>
+          </p:cNvPr>
+          <p:cNvPicPr>
+            <a:picLocks noChangeAspect="1"/>
+          </p:cNvPicPr>
+          <p:nvPr/>
+        </p:nvPicPr>
+        <p:blipFill>
+          <a:blip r:embed="rId10"/>
+          <a:stretch>
+            <a:fillRect/>
+          </a:stretch>
+        </p:blipFill>
+        <p:spPr>
+          <a:xfrm>
+            <a:off x="1176844" y="5567618"/>
+            <a:ext cx="762106" cy="685896"/>
+          </a:xfrm>
+          <a:prstGeom prst="rect">
+            <a:avLst/>
+          </a:prstGeom>
+        </p:spPr>
+      </p:pic>
+      <p:sp>
+        <p:nvSpPr>
+          <p:cNvPr id="26" name="TextBox 25">
+            <a:extLst>
+              <a:ext uri="{FF2B5EF4-FFF2-40B4-BE49-F238E27FC236}">
+                <a16:creationId xmlns:a16="http://schemas.microsoft.com/office/drawing/2014/main" id="{A820DE7E-448D-39CF-1201-038087B1FCEB}"/>
+              </a:ext>
+            </a:extLst>
+          </p:cNvPr>
+          <p:cNvSpPr txBox="1"/>
+          <p:nvPr/>
+        </p:nvSpPr>
+        <p:spPr>
+          <a:xfrm>
+            <a:off x="7701565" y="5494439"/>
+            <a:ext cx="3486852" cy="697050"/>
+          </a:xfrm>
+          <a:prstGeom prst="rect">
+            <a:avLst/>
+          </a:prstGeom>
+          <a:noFill/>
+        </p:spPr>
+        <p:txBody>
+          <a:bodyPr wrap="none" rtlCol="0">
+            <a:spAutoFit/>
+          </a:bodyPr>
+          <a:lstStyle/>
+          <a:p>
+            <a:pPr>
+              <a:lnSpc>
+                <a:spcPct val="150000"/>
+              </a:lnSpc>
+            </a:pPr>
+            <a:r>
+              <a:rPr lang="ko-KR" altLang="en-US" sz="1400" dirty="0" err="1"/>
+              <a:t>눌렀을떄</a:t>
+            </a:r>
+            <a:r>
+              <a:rPr lang="ko-KR" altLang="en-US" sz="1400" dirty="0"/>
+              <a:t> 포커스가 현재 버튼으로 오도록</a:t>
+            </a:r>
+            <a:endParaRPr lang="en-US" altLang="ko-KR" sz="1400" dirty="0"/>
+          </a:p>
+          <a:p>
+            <a:pPr>
+              <a:lnSpc>
+                <a:spcPct val="150000"/>
+              </a:lnSpc>
+            </a:pPr>
+            <a:r>
+              <a:rPr lang="ko-KR" altLang="en-US" sz="1400" dirty="0"/>
+              <a:t>수정해주세요</a:t>
+            </a:r>
+            <a:r>
+              <a:rPr lang="en-US" altLang="ko-KR" sz="1400" dirty="0"/>
+              <a:t>.</a:t>
+            </a:r>
+            <a:endParaRPr lang="ko-KR" altLang="en-US" sz="1400" dirty="0"/>
+          </a:p>
+        </p:txBody>
+      </p:sp>
+    </p:spTree>
+    <p:extLst>
+      <p:ext uri="{BB962C8B-B14F-4D97-AF65-F5344CB8AC3E}">
+        <p14:creationId xmlns:p14="http://schemas.microsoft.com/office/powerpoint/2010/main" val="820803029"/>
       </p:ext>
     </p:extLst>
   </p:cSld>

--- a/ppt/웹접근성 오류 체크(운영).pptx
+++ b/ppt/웹접근성 오류 체크(운영).pptx
@@ -5982,7 +5982,7 @@
         <p:spPr>
           <a:xfrm>
             <a:off x="2139042" y="702128"/>
-            <a:ext cx="4580100" cy="1169551"/>
+            <a:ext cx="5787162" cy="1169551"/>
           </a:xfrm>
           <a:prstGeom prst="rect">
             <a:avLst/>
@@ -6043,12 +6043,33 @@
             </a:r>
             <a:r>
               <a:rPr lang="en-US" altLang="ko-KR" sz="1400" dirty="0"/>
-              <a:t>) </a:t>
+              <a:t>)  title=“</a:t>
             </a:r>
             <a:r>
               <a:rPr lang="ko-KR" altLang="en-US" sz="1400" dirty="0"/>
-              <a:t>위성영상 보기 비활성화        위성영상보기 활성화</a:t>
-            </a:r>
+              <a:t>위성영상 보기 비활성화</a:t>
+            </a:r>
+            <a:r>
+              <a:rPr lang="en-US" altLang="ko-KR" sz="1400" dirty="0"/>
+              <a:t>”</a:t>
+            </a:r>
+            <a:r>
+              <a:rPr lang="ko-KR" altLang="en-US" sz="1400" dirty="0"/>
+              <a:t>      </a:t>
+            </a:r>
+            <a:r>
+              <a:rPr lang="en-US" altLang="ko-KR" sz="1400" dirty="0"/>
+              <a:t>title=“</a:t>
+            </a:r>
+            <a:r>
+              <a:rPr lang="ko-KR" altLang="en-US" sz="1400" dirty="0"/>
+              <a:t>위성영상보기 활성화</a:t>
+            </a:r>
+            <a:r>
+              <a:rPr lang="en-US" altLang="ko-KR" sz="1400" dirty="0"/>
+              <a:t>”</a:t>
+            </a:r>
+            <a:endParaRPr lang="ko-KR" altLang="en-US" sz="1400" dirty="0"/>
           </a:p>
         </p:txBody>
       </p:sp>
@@ -6104,7 +6125,7 @@
         </p:blipFill>
         <p:spPr>
           <a:xfrm>
-            <a:off x="5310819" y="2066200"/>
+            <a:off x="6225219" y="2066200"/>
             <a:ext cx="704948" cy="619211"/>
           </a:xfrm>
           <a:prstGeom prst="rect">
@@ -6247,7 +6268,7 @@
         <p:spPr>
           <a:xfrm>
             <a:off x="3845437" y="836959"/>
-            <a:ext cx="5913798" cy="630942"/>
+            <a:ext cx="6157455" cy="630942"/>
           </a:xfrm>
           <a:prstGeom prst="rect">
             <a:avLst/>
@@ -6301,8 +6322,12 @@
               <a:t>2. </a:t>
             </a:r>
             <a:r>
+              <a:rPr lang="ko-KR" altLang="en-US" sz="1400" dirty="0" err="1"/>
+              <a:t>토글</a:t>
+            </a:r>
+            <a:r>
               <a:rPr lang="ko-KR" altLang="en-US" sz="1400" dirty="0"/>
-              <a:t>버튼은 기본 </a:t>
+              <a:t> 버튼은 기본 </a:t>
             </a:r>
             <a:r>
               <a:rPr lang="en-US" altLang="ko-KR" sz="1400" dirty="0"/>
@@ -6322,7 +6347,7 @@
             </a:r>
             <a:r>
               <a:rPr lang="ko-KR" altLang="en-US" sz="1400" dirty="0" err="1"/>
-              <a:t>클릭시</a:t>
+              <a:t>오픈시</a:t>
             </a:r>
             <a:r>
               <a:rPr lang="ko-KR" altLang="en-US" sz="1400" dirty="0"/>

--- a/ppt/웹접근성 오류 체크(운영).pptx
+++ b/ppt/웹접근성 오류 체크(운영).pptx
@@ -9,25 +9,26 @@
     <p:sldId id="302" r:id="rId3"/>
     <p:sldId id="303" r:id="rId4"/>
     <p:sldId id="306" r:id="rId5"/>
-    <p:sldId id="298" r:id="rId6"/>
-    <p:sldId id="301" r:id="rId7"/>
-    <p:sldId id="310" r:id="rId8"/>
-    <p:sldId id="312" r:id="rId9"/>
-    <p:sldId id="314" r:id="rId10"/>
-    <p:sldId id="315" r:id="rId11"/>
-    <p:sldId id="313" r:id="rId12"/>
-    <p:sldId id="317" r:id="rId13"/>
-    <p:sldId id="304" r:id="rId14"/>
-    <p:sldId id="311" r:id="rId15"/>
-    <p:sldId id="300" r:id="rId16"/>
-    <p:sldId id="294" r:id="rId17"/>
-    <p:sldId id="295" r:id="rId18"/>
-    <p:sldId id="308" r:id="rId19"/>
-    <p:sldId id="309" r:id="rId20"/>
-    <p:sldId id="299" r:id="rId21"/>
-    <p:sldId id="293" r:id="rId22"/>
-    <p:sldId id="297" r:id="rId23"/>
-    <p:sldId id="288" r:id="rId24"/>
+    <p:sldId id="318" r:id="rId6"/>
+    <p:sldId id="298" r:id="rId7"/>
+    <p:sldId id="301" r:id="rId8"/>
+    <p:sldId id="310" r:id="rId9"/>
+    <p:sldId id="312" r:id="rId10"/>
+    <p:sldId id="314" r:id="rId11"/>
+    <p:sldId id="315" r:id="rId12"/>
+    <p:sldId id="313" r:id="rId13"/>
+    <p:sldId id="317" r:id="rId14"/>
+    <p:sldId id="304" r:id="rId15"/>
+    <p:sldId id="311" r:id="rId16"/>
+    <p:sldId id="300" r:id="rId17"/>
+    <p:sldId id="294" r:id="rId18"/>
+    <p:sldId id="295" r:id="rId19"/>
+    <p:sldId id="308" r:id="rId20"/>
+    <p:sldId id="309" r:id="rId21"/>
+    <p:sldId id="299" r:id="rId22"/>
+    <p:sldId id="293" r:id="rId23"/>
+    <p:sldId id="297" r:id="rId24"/>
+    <p:sldId id="288" r:id="rId25"/>
   </p:sldIdLst>
   <p:sldSz cx="12192000" cy="6858000"/>
   <p:notesSz cx="6858000" cy="9144000"/>
@@ -263,7 +264,7 @@
           <a:p>
             <a:fld id="{D203A8F8-6A3C-431B-BFF3-386CC4580D21}" type="datetimeFigureOut">
               <a:rPr lang="ko-KR" altLang="en-US" smtClean="0"/>
-              <a:t>2022-06-13</a:t>
+              <a:t>2022-06-27</a:t>
             </a:fld>
             <a:endParaRPr lang="ko-KR" altLang="en-US"/>
           </a:p>
@@ -431,7 +432,7 @@
           <a:p>
             <a:fld id="{D203A8F8-6A3C-431B-BFF3-386CC4580D21}" type="datetimeFigureOut">
               <a:rPr lang="ko-KR" altLang="en-US" smtClean="0"/>
-              <a:t>2022-06-13</a:t>
+              <a:t>2022-06-27</a:t>
             </a:fld>
             <a:endParaRPr lang="ko-KR" altLang="en-US"/>
           </a:p>
@@ -609,7 +610,7 @@
           <a:p>
             <a:fld id="{D203A8F8-6A3C-431B-BFF3-386CC4580D21}" type="datetimeFigureOut">
               <a:rPr lang="ko-KR" altLang="en-US" smtClean="0"/>
-              <a:t>2022-06-13</a:t>
+              <a:t>2022-06-27</a:t>
             </a:fld>
             <a:endParaRPr lang="ko-KR" altLang="en-US"/>
           </a:p>
@@ -777,7 +778,7 @@
           <a:p>
             <a:fld id="{D203A8F8-6A3C-431B-BFF3-386CC4580D21}" type="datetimeFigureOut">
               <a:rPr lang="ko-KR" altLang="en-US" smtClean="0"/>
-              <a:t>2022-06-13</a:t>
+              <a:t>2022-06-27</a:t>
             </a:fld>
             <a:endParaRPr lang="ko-KR" altLang="en-US"/>
           </a:p>
@@ -1022,7 +1023,7 @@
           <a:p>
             <a:fld id="{D203A8F8-6A3C-431B-BFF3-386CC4580D21}" type="datetimeFigureOut">
               <a:rPr lang="ko-KR" altLang="en-US" smtClean="0"/>
-              <a:t>2022-06-13</a:t>
+              <a:t>2022-06-27</a:t>
             </a:fld>
             <a:endParaRPr lang="ko-KR" altLang="en-US"/>
           </a:p>
@@ -1251,7 +1252,7 @@
           <a:p>
             <a:fld id="{D203A8F8-6A3C-431B-BFF3-386CC4580D21}" type="datetimeFigureOut">
               <a:rPr lang="ko-KR" altLang="en-US" smtClean="0"/>
-              <a:t>2022-06-13</a:t>
+              <a:t>2022-06-27</a:t>
             </a:fld>
             <a:endParaRPr lang="ko-KR" altLang="en-US"/>
           </a:p>
@@ -1615,7 +1616,7 @@
           <a:p>
             <a:fld id="{D203A8F8-6A3C-431B-BFF3-386CC4580D21}" type="datetimeFigureOut">
               <a:rPr lang="ko-KR" altLang="en-US" smtClean="0"/>
-              <a:t>2022-06-13</a:t>
+              <a:t>2022-06-27</a:t>
             </a:fld>
             <a:endParaRPr lang="ko-KR" altLang="en-US"/>
           </a:p>
@@ -1732,7 +1733,7 @@
           <a:p>
             <a:fld id="{D203A8F8-6A3C-431B-BFF3-386CC4580D21}" type="datetimeFigureOut">
               <a:rPr lang="ko-KR" altLang="en-US" smtClean="0"/>
-              <a:t>2022-06-13</a:t>
+              <a:t>2022-06-27</a:t>
             </a:fld>
             <a:endParaRPr lang="ko-KR" altLang="en-US"/>
           </a:p>
@@ -1827,7 +1828,7 @@
           <a:p>
             <a:fld id="{D203A8F8-6A3C-431B-BFF3-386CC4580D21}" type="datetimeFigureOut">
               <a:rPr lang="ko-KR" altLang="en-US" smtClean="0"/>
-              <a:t>2022-06-13</a:t>
+              <a:t>2022-06-27</a:t>
             </a:fld>
             <a:endParaRPr lang="ko-KR" altLang="en-US"/>
           </a:p>
@@ -2102,7 +2103,7 @@
           <a:p>
             <a:fld id="{D203A8F8-6A3C-431B-BFF3-386CC4580D21}" type="datetimeFigureOut">
               <a:rPr lang="ko-KR" altLang="en-US" smtClean="0"/>
-              <a:t>2022-06-13</a:t>
+              <a:t>2022-06-27</a:t>
             </a:fld>
             <a:endParaRPr lang="ko-KR" altLang="en-US"/>
           </a:p>
@@ -2354,7 +2355,7 @@
           <a:p>
             <a:fld id="{D203A8F8-6A3C-431B-BFF3-386CC4580D21}" type="datetimeFigureOut">
               <a:rPr lang="ko-KR" altLang="en-US" smtClean="0"/>
-              <a:t>2022-06-13</a:t>
+              <a:t>2022-06-27</a:t>
             </a:fld>
             <a:endParaRPr lang="ko-KR" altLang="en-US"/>
           </a:p>
@@ -2565,7 +2566,7 @@
           <a:p>
             <a:fld id="{D203A8F8-6A3C-431B-BFF3-386CC4580D21}" type="datetimeFigureOut">
               <a:rPr lang="ko-KR" altLang="en-US" smtClean="0"/>
-              <a:t>2022-06-13</a:t>
+              <a:t>2022-06-27</a:t>
             </a:fld>
             <a:endParaRPr lang="ko-KR" altLang="en-US"/>
           </a:p>
@@ -3051,10 +3052,10 @@
       </p:grpSpPr>
       <p:pic>
         <p:nvPicPr>
-          <p:cNvPr id="3" name="그림 2">
-            <a:extLst>
-              <a:ext uri="{FF2B5EF4-FFF2-40B4-BE49-F238E27FC236}">
-                <a16:creationId xmlns:a16="http://schemas.microsoft.com/office/drawing/2014/main" id="{4697F194-CA88-8A7D-8C5F-E51D25FE0F70}"/>
+          <p:cNvPr id="4" name="그림 3">
+            <a:extLst>
+              <a:ext uri="{FF2B5EF4-FFF2-40B4-BE49-F238E27FC236}">
+                <a16:creationId xmlns:a16="http://schemas.microsoft.com/office/drawing/2014/main" id="{2F3F882E-646B-09A7-B020-CD57BE7DA5DF}"/>
               </a:ext>
             </a:extLst>
           </p:cNvPr>
@@ -3071,119 +3072,20 @@
         </p:blipFill>
         <p:spPr>
           <a:xfrm>
-            <a:off x="405928" y="281891"/>
-            <a:ext cx="3410426" cy="2848373"/>
+            <a:off x="299803" y="816396"/>
+            <a:ext cx="2257740" cy="457264"/>
           </a:xfrm>
           <a:prstGeom prst="rect">
             <a:avLst/>
           </a:prstGeom>
         </p:spPr>
       </p:pic>
-      <p:sp>
-        <p:nvSpPr>
-          <p:cNvPr id="4" name="TextBox 3">
-            <a:extLst>
-              <a:ext uri="{FF2B5EF4-FFF2-40B4-BE49-F238E27FC236}">
-                <a16:creationId xmlns:a16="http://schemas.microsoft.com/office/drawing/2014/main" id="{0EE56183-1800-B6F1-B8CD-6C7C0EF5988C}"/>
-              </a:ext>
-            </a:extLst>
-          </p:cNvPr>
-          <p:cNvSpPr txBox="1"/>
-          <p:nvPr/>
-        </p:nvSpPr>
-        <p:spPr>
-          <a:xfrm>
-            <a:off x="4850210" y="640835"/>
-            <a:ext cx="2566728" cy="307777"/>
-          </a:xfrm>
-          <a:prstGeom prst="rect">
-            <a:avLst/>
-          </a:prstGeom>
-          <a:noFill/>
-        </p:spPr>
-        <p:txBody>
-          <a:bodyPr wrap="none" rtlCol="0">
-            <a:spAutoFit/>
-          </a:bodyPr>
-          <a:lstStyle/>
-          <a:p>
-            <a:r>
-              <a:rPr lang="ko-KR" altLang="en-US" sz="1400" dirty="0"/>
-              <a:t>차트 키보드 조작이 안됩니다</a:t>
-            </a:r>
-            <a:r>
-              <a:rPr lang="en-US" altLang="ko-KR" sz="1400" dirty="0"/>
-              <a:t>.</a:t>
-            </a:r>
-            <a:endParaRPr lang="ko-KR" altLang="en-US" sz="1400" dirty="0"/>
-          </a:p>
-        </p:txBody>
-      </p:sp>
-      <p:sp>
-        <p:nvSpPr>
-          <p:cNvPr id="7" name="TextBox 6">
-            <a:extLst>
-              <a:ext uri="{FF2B5EF4-FFF2-40B4-BE49-F238E27FC236}">
-                <a16:creationId xmlns:a16="http://schemas.microsoft.com/office/drawing/2014/main" id="{D609AC89-3369-A138-9F40-22CB3BEEECE0}"/>
-              </a:ext>
-            </a:extLst>
-          </p:cNvPr>
-          <p:cNvSpPr txBox="1"/>
-          <p:nvPr/>
-        </p:nvSpPr>
-        <p:spPr>
-          <a:xfrm>
-            <a:off x="7726560" y="2437828"/>
-            <a:ext cx="2768707" cy="523220"/>
-          </a:xfrm>
-          <a:prstGeom prst="rect">
-            <a:avLst/>
-          </a:prstGeom>
-          <a:noFill/>
-        </p:spPr>
-        <p:txBody>
-          <a:bodyPr wrap="none" rtlCol="0">
-            <a:spAutoFit/>
-          </a:bodyPr>
-          <a:lstStyle/>
-          <a:p>
-            <a:r>
-              <a:rPr lang="ko-KR" altLang="en-US" sz="1400" dirty="0"/>
-              <a:t>방향키 </a:t>
-            </a:r>
-            <a:r>
-              <a:rPr lang="ko-KR" altLang="en-US" sz="1400" dirty="0" err="1"/>
-              <a:t>조작시</a:t>
-            </a:r>
-            <a:r>
-              <a:rPr lang="ko-KR" altLang="en-US" sz="1400" dirty="0"/>
-              <a:t> 가능하고 활성화 </a:t>
-            </a:r>
-            <a:endParaRPr lang="en-US" altLang="ko-KR" sz="1400" dirty="0"/>
-          </a:p>
-          <a:p>
-            <a:r>
-              <a:rPr lang="ko-KR" altLang="en-US" sz="1400" dirty="0"/>
-              <a:t>되도록 </a:t>
-            </a:r>
-            <a:r>
-              <a:rPr lang="ko-KR" altLang="en-US" sz="1400" dirty="0" err="1"/>
-              <a:t>해야합니다</a:t>
-            </a:r>
-            <a:r>
-              <a:rPr lang="en-US" altLang="ko-KR" sz="1400" dirty="0"/>
-              <a:t>.</a:t>
-            </a:r>
-            <a:endParaRPr lang="ko-KR" altLang="en-US" sz="1400" dirty="0"/>
-          </a:p>
-        </p:txBody>
-      </p:sp>
       <p:pic>
         <p:nvPicPr>
-          <p:cNvPr id="13" name="그림 12">
-            <a:extLst>
-              <a:ext uri="{FF2B5EF4-FFF2-40B4-BE49-F238E27FC236}">
-                <a16:creationId xmlns:a16="http://schemas.microsoft.com/office/drawing/2014/main" id="{F7A3D0C1-8B59-1C0F-0417-1802713AF9F8}"/>
+          <p:cNvPr id="5" name="그림 4">
+            <a:extLst>
+              <a:ext uri="{FF2B5EF4-FFF2-40B4-BE49-F238E27FC236}">
+                <a16:creationId xmlns:a16="http://schemas.microsoft.com/office/drawing/2014/main" id="{6057AEB7-F4A1-79B6-0EF5-B4BB165CEE81}"/>
               </a:ext>
             </a:extLst>
           </p:cNvPr>
@@ -3200,20 +3102,157 @@
         </p:blipFill>
         <p:spPr>
           <a:xfrm>
-            <a:off x="4850210" y="1329477"/>
-            <a:ext cx="2686425" cy="2524477"/>
+            <a:off x="4242491" y="911659"/>
+            <a:ext cx="3086531" cy="266737"/>
           </a:xfrm>
           <a:prstGeom prst="rect">
             <a:avLst/>
           </a:prstGeom>
         </p:spPr>
       </p:pic>
+      <p:sp>
+        <p:nvSpPr>
+          <p:cNvPr id="6" name="TextBox 5">
+            <a:extLst>
+              <a:ext uri="{FF2B5EF4-FFF2-40B4-BE49-F238E27FC236}">
+                <a16:creationId xmlns:a16="http://schemas.microsoft.com/office/drawing/2014/main" id="{1B8F12D4-CB43-45F6-0416-5A69896E1C96}"/>
+              </a:ext>
+            </a:extLst>
+          </p:cNvPr>
+          <p:cNvSpPr txBox="1"/>
+          <p:nvPr/>
+        </p:nvSpPr>
+        <p:spPr>
+          <a:xfrm>
+            <a:off x="7632636" y="930600"/>
+            <a:ext cx="3624710" cy="738664"/>
+          </a:xfrm>
+          <a:prstGeom prst="rect">
+            <a:avLst/>
+          </a:prstGeom>
+          <a:noFill/>
+        </p:spPr>
+        <p:txBody>
+          <a:bodyPr wrap="none" rtlCol="0">
+            <a:spAutoFit/>
+          </a:bodyPr>
+          <a:lstStyle/>
+          <a:p>
+            <a:r>
+              <a:rPr lang="en-US" altLang="ko-KR" sz="1400" dirty="0"/>
+              <a:t>“</a:t>
+            </a:r>
+            <a:r>
+              <a:rPr lang="ko-KR" altLang="en-US" sz="1400" dirty="0"/>
+              <a:t>선별진료소 현황 업데이트 시간 </a:t>
+            </a:r>
+            <a:r>
+              <a:rPr lang="ko-KR" altLang="en-US" sz="1400" dirty="0" err="1"/>
+              <a:t>새로고침</a:t>
+            </a:r>
+            <a:r>
+              <a:rPr lang="en-US" altLang="ko-KR" sz="1400" dirty="0"/>
+              <a:t>”</a:t>
+            </a:r>
+          </a:p>
+          <a:p>
+            <a:endParaRPr lang="en-US" altLang="ko-KR" sz="1400" dirty="0"/>
+          </a:p>
+          <a:p>
+            <a:r>
+              <a:rPr lang="ko-KR" altLang="en-US" sz="1400" dirty="0" err="1"/>
+              <a:t>으로</a:t>
+            </a:r>
+            <a:r>
+              <a:rPr lang="ko-KR" altLang="en-US" sz="1400" dirty="0"/>
+              <a:t> 타이틀 변경</a:t>
+            </a:r>
+          </a:p>
+        </p:txBody>
+      </p:sp>
+      <p:cxnSp>
+        <p:nvCxnSpPr>
+          <p:cNvPr id="10" name="직선 연결선 9">
+            <a:extLst>
+              <a:ext uri="{FF2B5EF4-FFF2-40B4-BE49-F238E27FC236}">
+                <a16:creationId xmlns:a16="http://schemas.microsoft.com/office/drawing/2014/main" id="{80C68741-29C2-DA35-0C32-138D90E68B69}"/>
+              </a:ext>
+            </a:extLst>
+          </p:cNvPr>
+          <p:cNvCxnSpPr/>
+          <p:nvPr/>
+        </p:nvCxnSpPr>
+        <p:spPr>
+          <a:xfrm>
+            <a:off x="4833257" y="1020536"/>
+            <a:ext cx="2343150" cy="0"/>
+          </a:xfrm>
+          <a:prstGeom prst="line">
+            <a:avLst/>
+          </a:prstGeom>
+          <a:ln w="25400">
+            <a:solidFill>
+              <a:srgbClr val="FF0000"/>
+            </a:solidFill>
+          </a:ln>
+        </p:spPr>
+        <p:style>
+          <a:lnRef idx="1">
+            <a:schemeClr val="accent1"/>
+          </a:lnRef>
+          <a:fillRef idx="0">
+            <a:schemeClr val="accent1"/>
+          </a:fillRef>
+          <a:effectRef idx="0">
+            <a:schemeClr val="accent1"/>
+          </a:effectRef>
+          <a:fontRef idx="minor">
+            <a:schemeClr val="tx1"/>
+          </a:fontRef>
+        </p:style>
+      </p:cxnSp>
+      <p:cxnSp>
+        <p:nvCxnSpPr>
+          <p:cNvPr id="11" name="직선 연결선 10">
+            <a:extLst>
+              <a:ext uri="{FF2B5EF4-FFF2-40B4-BE49-F238E27FC236}">
+                <a16:creationId xmlns:a16="http://schemas.microsoft.com/office/drawing/2014/main" id="{E2CD489F-6464-1C16-7C15-622D680CEBF4}"/>
+              </a:ext>
+            </a:extLst>
+          </p:cNvPr>
+          <p:cNvCxnSpPr/>
+          <p:nvPr/>
+        </p:nvCxnSpPr>
+        <p:spPr>
+          <a:xfrm>
+            <a:off x="540697" y="2037650"/>
+            <a:ext cx="10995439" cy="0"/>
+          </a:xfrm>
+          <a:prstGeom prst="line">
+            <a:avLst/>
+          </a:prstGeom>
+        </p:spPr>
+        <p:style>
+          <a:lnRef idx="1">
+            <a:schemeClr val="accent1"/>
+          </a:lnRef>
+          <a:fillRef idx="0">
+            <a:schemeClr val="accent1"/>
+          </a:fillRef>
+          <a:effectRef idx="0">
+            <a:schemeClr val="accent1"/>
+          </a:effectRef>
+          <a:fontRef idx="minor">
+            <a:schemeClr val="tx1"/>
+          </a:fontRef>
+        </p:style>
+      </p:cxnSp>
       <p:pic>
         <p:nvPicPr>
-          <p:cNvPr id="15" name="그림 14">
-            <a:extLst>
-              <a:ext uri="{FF2B5EF4-FFF2-40B4-BE49-F238E27FC236}">
-                <a16:creationId xmlns:a16="http://schemas.microsoft.com/office/drawing/2014/main" id="{95AF80D0-BA54-BA18-747B-13997C49B514}"/>
+          <p:cNvPr id="12" name="그림 11">
+            <a:extLst>
+              <a:ext uri="{FF2B5EF4-FFF2-40B4-BE49-F238E27FC236}">
+                <a16:creationId xmlns:a16="http://schemas.microsoft.com/office/drawing/2014/main" id="{91543EFE-AFEB-8745-F708-F0B57D654B59}"/>
               </a:ext>
             </a:extLst>
           </p:cNvPr>
@@ -3230,8 +3269,8 @@
         </p:blipFill>
         <p:spPr>
           <a:xfrm>
-            <a:off x="610744" y="3582367"/>
-            <a:ext cx="3000794" cy="2657846"/>
+            <a:off x="467133" y="2981263"/>
+            <a:ext cx="3353268" cy="447737"/>
           </a:xfrm>
           <a:prstGeom prst="rect">
             <a:avLst/>
@@ -3240,10 +3279,10 @@
       </p:pic>
       <p:pic>
         <p:nvPicPr>
-          <p:cNvPr id="17" name="그림 16">
-            <a:extLst>
-              <a:ext uri="{FF2B5EF4-FFF2-40B4-BE49-F238E27FC236}">
-                <a16:creationId xmlns:a16="http://schemas.microsoft.com/office/drawing/2014/main" id="{10EF1F1E-E0D3-FAF4-679C-26DB1DE97D75}"/>
+          <p:cNvPr id="13" name="그림 12">
+            <a:extLst>
+              <a:ext uri="{FF2B5EF4-FFF2-40B4-BE49-F238E27FC236}">
+                <a16:creationId xmlns:a16="http://schemas.microsoft.com/office/drawing/2014/main" id="{4DB72606-0F47-7497-DB30-B6CCAF5B2D84}"/>
               </a:ext>
             </a:extLst>
           </p:cNvPr>
@@ -3260,8 +3299,223 @@
         </p:blipFill>
         <p:spPr>
           <a:xfrm>
-            <a:off x="4350077" y="4914652"/>
-            <a:ext cx="1000265" cy="1381318"/>
+            <a:off x="419501" y="2266282"/>
+            <a:ext cx="3400900" cy="619211"/>
+          </a:xfrm>
+          <a:prstGeom prst="rect">
+            <a:avLst/>
+          </a:prstGeom>
+        </p:spPr>
+      </p:pic>
+      <p:pic>
+        <p:nvPicPr>
+          <p:cNvPr id="14" name="그림 13">
+            <a:extLst>
+              <a:ext uri="{FF2B5EF4-FFF2-40B4-BE49-F238E27FC236}">
+                <a16:creationId xmlns:a16="http://schemas.microsoft.com/office/drawing/2014/main" id="{00B056B6-ACFC-7E2F-B688-940C5C9F0A80}"/>
+              </a:ext>
+            </a:extLst>
+          </p:cNvPr>
+          <p:cNvPicPr>
+            <a:picLocks noChangeAspect="1"/>
+          </p:cNvPicPr>
+          <p:nvPr/>
+        </p:nvPicPr>
+        <p:blipFill>
+          <a:blip r:embed="rId6"/>
+          <a:stretch>
+            <a:fillRect/>
+          </a:stretch>
+        </p:blipFill>
+        <p:spPr>
+          <a:xfrm>
+            <a:off x="4299283" y="3068247"/>
+            <a:ext cx="1409897" cy="238158"/>
+          </a:xfrm>
+          <a:prstGeom prst="rect">
+            <a:avLst/>
+          </a:prstGeom>
+        </p:spPr>
+      </p:pic>
+      <p:pic>
+        <p:nvPicPr>
+          <p:cNvPr id="15" name="그림 14">
+            <a:extLst>
+              <a:ext uri="{FF2B5EF4-FFF2-40B4-BE49-F238E27FC236}">
+                <a16:creationId xmlns:a16="http://schemas.microsoft.com/office/drawing/2014/main" id="{A94D0408-6D35-FEB3-149B-0583CB17619C}"/>
+              </a:ext>
+            </a:extLst>
+          </p:cNvPr>
+          <p:cNvPicPr>
+            <a:picLocks noChangeAspect="1"/>
+          </p:cNvPicPr>
+          <p:nvPr/>
+        </p:nvPicPr>
+        <p:blipFill>
+          <a:blip r:embed="rId7"/>
+          <a:stretch>
+            <a:fillRect/>
+          </a:stretch>
+        </p:blipFill>
+        <p:spPr>
+          <a:xfrm>
+            <a:off x="4299283" y="2531622"/>
+            <a:ext cx="1895740" cy="247685"/>
+          </a:xfrm>
+          <a:prstGeom prst="rect">
+            <a:avLst/>
+          </a:prstGeom>
+        </p:spPr>
+      </p:pic>
+      <p:sp>
+        <p:nvSpPr>
+          <p:cNvPr id="16" name="TextBox 15">
+            <a:extLst>
+              <a:ext uri="{FF2B5EF4-FFF2-40B4-BE49-F238E27FC236}">
+                <a16:creationId xmlns:a16="http://schemas.microsoft.com/office/drawing/2014/main" id="{133BCC28-98CE-33C4-C4E7-B82C8FF77CD9}"/>
+              </a:ext>
+            </a:extLst>
+          </p:cNvPr>
+          <p:cNvSpPr txBox="1"/>
+          <p:nvPr/>
+        </p:nvSpPr>
+        <p:spPr>
+          <a:xfrm>
+            <a:off x="7701565" y="2761159"/>
+            <a:ext cx="1144865" cy="307777"/>
+          </a:xfrm>
+          <a:prstGeom prst="rect">
+            <a:avLst/>
+          </a:prstGeom>
+          <a:noFill/>
+        </p:spPr>
+        <p:txBody>
+          <a:bodyPr wrap="square" rtlCol="0">
+            <a:spAutoFit/>
+          </a:bodyPr>
+          <a:lstStyle/>
+          <a:p>
+            <a:r>
+              <a:rPr lang="ko-KR" altLang="en-US" sz="1400" dirty="0"/>
+              <a:t>타이틀 변경</a:t>
+            </a:r>
+          </a:p>
+        </p:txBody>
+      </p:sp>
+      <p:pic>
+        <p:nvPicPr>
+          <p:cNvPr id="18" name="그림 17">
+            <a:extLst>
+              <a:ext uri="{FF2B5EF4-FFF2-40B4-BE49-F238E27FC236}">
+                <a16:creationId xmlns:a16="http://schemas.microsoft.com/office/drawing/2014/main" id="{2F3882AE-BCE4-A1F1-5E4E-B0F67153956C}"/>
+              </a:ext>
+            </a:extLst>
+          </p:cNvPr>
+          <p:cNvPicPr>
+            <a:picLocks noChangeAspect="1"/>
+          </p:cNvPicPr>
+          <p:nvPr/>
+        </p:nvPicPr>
+        <p:blipFill>
+          <a:blip r:embed="rId8"/>
+          <a:stretch>
+            <a:fillRect/>
+          </a:stretch>
+        </p:blipFill>
+        <p:spPr>
+          <a:xfrm>
+            <a:off x="419501" y="4100083"/>
+            <a:ext cx="2276793" cy="409632"/>
+          </a:xfrm>
+          <a:prstGeom prst="rect">
+            <a:avLst/>
+          </a:prstGeom>
+        </p:spPr>
+      </p:pic>
+      <p:sp>
+        <p:nvSpPr>
+          <p:cNvPr id="19" name="TextBox 18">
+            <a:extLst>
+              <a:ext uri="{FF2B5EF4-FFF2-40B4-BE49-F238E27FC236}">
+                <a16:creationId xmlns:a16="http://schemas.microsoft.com/office/drawing/2014/main" id="{5C745AAB-15B9-A302-B227-64A02C06347D}"/>
+              </a:ext>
+            </a:extLst>
+          </p:cNvPr>
+          <p:cNvSpPr txBox="1"/>
+          <p:nvPr/>
+        </p:nvSpPr>
+        <p:spPr>
+          <a:xfrm>
+            <a:off x="7701565" y="4032964"/>
+            <a:ext cx="3199915" cy="738664"/>
+          </a:xfrm>
+          <a:prstGeom prst="rect">
+            <a:avLst/>
+          </a:prstGeom>
+          <a:noFill/>
+        </p:spPr>
+        <p:txBody>
+          <a:bodyPr wrap="none" rtlCol="0">
+            <a:spAutoFit/>
+          </a:bodyPr>
+          <a:lstStyle/>
+          <a:p>
+            <a:r>
+              <a:rPr lang="en-US" altLang="ko-KR" sz="1400" dirty="0"/>
+              <a:t>“</a:t>
+            </a:r>
+            <a:r>
+              <a:rPr lang="ko-KR" altLang="en-US" sz="1400" dirty="0"/>
+              <a:t>테마놀이터 업데이트 시간 </a:t>
+            </a:r>
+            <a:r>
+              <a:rPr lang="ko-KR" altLang="en-US" sz="1400" dirty="0" err="1"/>
+              <a:t>새로고침</a:t>
+            </a:r>
+            <a:r>
+              <a:rPr lang="en-US" altLang="ko-KR" sz="1400" dirty="0"/>
+              <a:t>”</a:t>
+            </a:r>
+          </a:p>
+          <a:p>
+            <a:endParaRPr lang="en-US" altLang="ko-KR" sz="1400" dirty="0"/>
+          </a:p>
+          <a:p>
+            <a:r>
+              <a:rPr lang="ko-KR" altLang="en-US" sz="1400" dirty="0" err="1"/>
+              <a:t>으로</a:t>
+            </a:r>
+            <a:r>
+              <a:rPr lang="ko-KR" altLang="en-US" sz="1400" dirty="0"/>
+              <a:t> 타이틀 변경</a:t>
+            </a:r>
+          </a:p>
+        </p:txBody>
+      </p:sp>
+      <p:pic>
+        <p:nvPicPr>
+          <p:cNvPr id="21" name="그림 20">
+            <a:extLst>
+              <a:ext uri="{FF2B5EF4-FFF2-40B4-BE49-F238E27FC236}">
+                <a16:creationId xmlns:a16="http://schemas.microsoft.com/office/drawing/2014/main" id="{3AD952CB-6ADB-03A3-2DFB-3B41A343E014}"/>
+              </a:ext>
+            </a:extLst>
+          </p:cNvPr>
+          <p:cNvPicPr>
+            <a:picLocks noChangeAspect="1"/>
+          </p:cNvPicPr>
+          <p:nvPr/>
+        </p:nvPicPr>
+        <p:blipFill>
+          <a:blip r:embed="rId9"/>
+          <a:stretch>
+            <a:fillRect/>
+          </a:stretch>
+        </p:blipFill>
+        <p:spPr>
+          <a:xfrm>
+            <a:off x="299803" y="5567618"/>
+            <a:ext cx="771633" cy="714475"/>
           </a:xfrm>
           <a:prstGeom prst="rect">
             <a:avLst/>
@@ -3270,10 +3524,10 @@
       </p:pic>
       <p:cxnSp>
         <p:nvCxnSpPr>
-          <p:cNvPr id="19" name="직선 화살표 연결선 18">
-            <a:extLst>
-              <a:ext uri="{FF2B5EF4-FFF2-40B4-BE49-F238E27FC236}">
-                <a16:creationId xmlns:a16="http://schemas.microsoft.com/office/drawing/2014/main" id="{EA908510-387C-B5D4-4864-E48E0B35F3EC}"/>
+          <p:cNvPr id="22" name="직선 연결선 21">
+            <a:extLst>
+              <a:ext uri="{FF2B5EF4-FFF2-40B4-BE49-F238E27FC236}">
+                <a16:creationId xmlns:a16="http://schemas.microsoft.com/office/drawing/2014/main" id="{A97F80D2-2102-C781-B45F-7ED8C59F0638}"/>
               </a:ext>
             </a:extLst>
           </p:cNvPr>
@@ -3281,16 +3535,13 @@
           <p:nvPr/>
         </p:nvCxnSpPr>
         <p:spPr>
-          <a:xfrm flipV="1">
-            <a:off x="1571926" y="5787826"/>
-            <a:ext cx="0" cy="452387"/>
-          </a:xfrm>
-          <a:prstGeom prst="straightConnector1">
-            <a:avLst/>
-          </a:prstGeom>
-          <a:ln>
-            <a:tailEnd type="triangle"/>
-          </a:ln>
+          <a:xfrm>
+            <a:off x="540697" y="3731696"/>
+            <a:ext cx="10995439" cy="0"/>
+          </a:xfrm>
+          <a:prstGeom prst="line">
+            <a:avLst/>
+          </a:prstGeom>
         </p:spPr>
         <p:style>
           <a:lnRef idx="1">
@@ -3307,12 +3558,78 @@
           </a:fontRef>
         </p:style>
       </p:cxnSp>
-      <p:sp>
-        <p:nvSpPr>
-          <p:cNvPr id="20" name="TextBox 19">
-            <a:extLst>
-              <a:ext uri="{FF2B5EF4-FFF2-40B4-BE49-F238E27FC236}">
-                <a16:creationId xmlns:a16="http://schemas.microsoft.com/office/drawing/2014/main" id="{206B0608-F3D7-D5C8-F8FB-13CE64EE3BFC}"/>
+      <p:cxnSp>
+        <p:nvCxnSpPr>
+          <p:cNvPr id="23" name="직선 연결선 22">
+            <a:extLst>
+              <a:ext uri="{FF2B5EF4-FFF2-40B4-BE49-F238E27FC236}">
+                <a16:creationId xmlns:a16="http://schemas.microsoft.com/office/drawing/2014/main" id="{36334B20-F71F-C9E3-BD6E-D80B6E03C602}"/>
+              </a:ext>
+            </a:extLst>
+          </p:cNvPr>
+          <p:cNvCxnSpPr/>
+          <p:nvPr/>
+        </p:nvCxnSpPr>
+        <p:spPr>
+          <a:xfrm>
+            <a:off x="540697" y="4992605"/>
+            <a:ext cx="10995439" cy="0"/>
+          </a:xfrm>
+          <a:prstGeom prst="line">
+            <a:avLst/>
+          </a:prstGeom>
+        </p:spPr>
+        <p:style>
+          <a:lnRef idx="1">
+            <a:schemeClr val="accent1"/>
+          </a:lnRef>
+          <a:fillRef idx="0">
+            <a:schemeClr val="accent1"/>
+          </a:fillRef>
+          <a:effectRef idx="0">
+            <a:schemeClr val="accent1"/>
+          </a:effectRef>
+          <a:fontRef idx="minor">
+            <a:schemeClr val="tx1"/>
+          </a:fontRef>
+        </p:style>
+      </p:cxnSp>
+      <p:pic>
+        <p:nvPicPr>
+          <p:cNvPr id="25" name="그림 24">
+            <a:extLst>
+              <a:ext uri="{FF2B5EF4-FFF2-40B4-BE49-F238E27FC236}">
+                <a16:creationId xmlns:a16="http://schemas.microsoft.com/office/drawing/2014/main" id="{35F3296A-AABA-5FFF-FD38-FE460BDF3911}"/>
+              </a:ext>
+            </a:extLst>
+          </p:cNvPr>
+          <p:cNvPicPr>
+            <a:picLocks noChangeAspect="1"/>
+          </p:cNvPicPr>
+          <p:nvPr/>
+        </p:nvPicPr>
+        <p:blipFill>
+          <a:blip r:embed="rId10"/>
+          <a:stretch>
+            <a:fillRect/>
+          </a:stretch>
+        </p:blipFill>
+        <p:spPr>
+          <a:xfrm>
+            <a:off x="1176844" y="5567618"/>
+            <a:ext cx="762106" cy="685896"/>
+          </a:xfrm>
+          <a:prstGeom prst="rect">
+            <a:avLst/>
+          </a:prstGeom>
+        </p:spPr>
+      </p:pic>
+      <p:sp>
+        <p:nvSpPr>
+          <p:cNvPr id="26" name="TextBox 25">
+            <a:extLst>
+              <a:ext uri="{FF2B5EF4-FFF2-40B4-BE49-F238E27FC236}">
+                <a16:creationId xmlns:a16="http://schemas.microsoft.com/office/drawing/2014/main" id="{A820DE7E-448D-39CF-1201-038087B1FCEB}"/>
               </a:ext>
             </a:extLst>
           </p:cNvPr>
@@ -3321,8 +3638,8 @@
         </p:nvSpPr>
         <p:spPr>
           <a:xfrm>
-            <a:off x="1385832" y="6351726"/>
-            <a:ext cx="3886000" cy="307777"/>
+            <a:off x="7701565" y="5494439"/>
+            <a:ext cx="3486852" cy="697050"/>
           </a:xfrm>
           <a:prstGeom prst="rect">
             <a:avLst/>
@@ -3335,17 +3652,30 @@
           </a:bodyPr>
           <a:lstStyle/>
           <a:p>
+            <a:pPr>
+              <a:lnSpc>
+                <a:spcPct val="150000"/>
+              </a:lnSpc>
+            </a:pPr>
+            <a:r>
+              <a:rPr lang="ko-KR" altLang="en-US" sz="1400" dirty="0" err="1"/>
+              <a:t>눌렀을떄</a:t>
+            </a:r>
             <a:r>
               <a:rPr lang="ko-KR" altLang="en-US" sz="1400" dirty="0"/>
-              <a:t>차트 색이 </a:t>
-            </a:r>
-            <a:r>
-              <a:rPr lang="ko-KR" altLang="en-US" sz="1400" dirty="0" err="1"/>
-              <a:t>여러개인경우</a:t>
-            </a:r>
+              <a:t> 포커스가 현재 버튼으로 오도록</a:t>
+            </a:r>
+            <a:endParaRPr lang="en-US" altLang="ko-KR" sz="1400" dirty="0"/>
+          </a:p>
+          <a:p>
+            <a:pPr>
+              <a:lnSpc>
+                <a:spcPct val="150000"/>
+              </a:lnSpc>
+            </a:pPr>
             <a:r>
               <a:rPr lang="ko-KR" altLang="en-US" sz="1400" dirty="0"/>
-              <a:t> 범례 들어가야합니다</a:t>
+              <a:t>수정해주세요</a:t>
             </a:r>
             <a:r>
               <a:rPr lang="en-US" altLang="ko-KR" sz="1400" dirty="0"/>
@@ -3358,7 +3688,7 @@
     </p:spTree>
     <p:extLst>
       <p:ext uri="{BB962C8B-B14F-4D97-AF65-F5344CB8AC3E}">
-        <p14:creationId xmlns:p14="http://schemas.microsoft.com/office/powerpoint/2010/main" val="2477834225"/>
+        <p14:creationId xmlns:p14="http://schemas.microsoft.com/office/powerpoint/2010/main" val="820803029"/>
       </p:ext>
     </p:extLst>
   </p:cSld>
@@ -3390,7 +3720,7 @@
           <p:cNvPr id="3" name="그림 2">
             <a:extLst>
               <a:ext uri="{FF2B5EF4-FFF2-40B4-BE49-F238E27FC236}">
-                <a16:creationId xmlns:a16="http://schemas.microsoft.com/office/drawing/2014/main" id="{269AEA47-39AB-4017-534B-96799CE524F0}"/>
+                <a16:creationId xmlns:a16="http://schemas.microsoft.com/office/drawing/2014/main" id="{4697F194-CA88-8A7D-8C5F-E51D25FE0F70}"/>
               </a:ext>
             </a:extLst>
           </p:cNvPr>
@@ -3407,61 +3737,20 @@
         </p:blipFill>
         <p:spPr>
           <a:xfrm>
-            <a:off x="1241631" y="938597"/>
-            <a:ext cx="2818234" cy="2256107"/>
+            <a:off x="405928" y="281891"/>
+            <a:ext cx="3410426" cy="2848373"/>
           </a:xfrm>
           <a:prstGeom prst="rect">
             <a:avLst/>
           </a:prstGeom>
         </p:spPr>
       </p:pic>
-      <p:cxnSp>
-        <p:nvCxnSpPr>
-          <p:cNvPr id="5" name="직선 화살표 연결선 4">
-            <a:extLst>
-              <a:ext uri="{FF2B5EF4-FFF2-40B4-BE49-F238E27FC236}">
-                <a16:creationId xmlns:a16="http://schemas.microsoft.com/office/drawing/2014/main" id="{4602CB73-1A06-F49D-3370-18A008500F0E}"/>
-              </a:ext>
-            </a:extLst>
-          </p:cNvPr>
-          <p:cNvCxnSpPr>
-            <a:cxnSpLocks/>
-          </p:cNvCxnSpPr>
-          <p:nvPr/>
-        </p:nvCxnSpPr>
-        <p:spPr>
-          <a:xfrm>
-            <a:off x="1684421" y="742950"/>
-            <a:ext cx="0" cy="261257"/>
-          </a:xfrm>
-          <a:prstGeom prst="straightConnector1">
-            <a:avLst/>
-          </a:prstGeom>
-          <a:ln>
-            <a:tailEnd type="triangle"/>
-          </a:ln>
-        </p:spPr>
-        <p:style>
-          <a:lnRef idx="1">
-            <a:schemeClr val="accent1"/>
-          </a:lnRef>
-          <a:fillRef idx="0">
-            <a:schemeClr val="accent1"/>
-          </a:fillRef>
-          <a:effectRef idx="0">
-            <a:schemeClr val="accent1"/>
-          </a:effectRef>
-          <a:fontRef idx="minor">
-            <a:schemeClr val="tx1"/>
-          </a:fontRef>
-        </p:style>
-      </p:cxnSp>
-      <p:sp>
-        <p:nvSpPr>
-          <p:cNvPr id="6" name="TextBox 5">
-            <a:extLst>
-              <a:ext uri="{FF2B5EF4-FFF2-40B4-BE49-F238E27FC236}">
-                <a16:creationId xmlns:a16="http://schemas.microsoft.com/office/drawing/2014/main" id="{9E49748D-F8D3-228D-1BC5-45DDDB8B405A}"/>
+      <p:sp>
+        <p:nvSpPr>
+          <p:cNvPr id="4" name="TextBox 3">
+            <a:extLst>
+              <a:ext uri="{FF2B5EF4-FFF2-40B4-BE49-F238E27FC236}">
+                <a16:creationId xmlns:a16="http://schemas.microsoft.com/office/drawing/2014/main" id="{0EE56183-1800-B6F1-B8CD-6C7C0EF5988C}"/>
               </a:ext>
             </a:extLst>
           </p:cNvPr>
@@ -3470,8 +3759,8 @@
         </p:nvSpPr>
         <p:spPr>
           <a:xfrm>
-            <a:off x="1084294" y="369348"/>
-            <a:ext cx="1566454" cy="307777"/>
+            <a:off x="4850210" y="640835"/>
+            <a:ext cx="2566728" cy="307777"/>
           </a:xfrm>
           <a:prstGeom prst="rect">
             <a:avLst/>
@@ -3486,56 +3775,22 @@
           <a:p>
             <a:r>
               <a:rPr lang="ko-KR" altLang="en-US" sz="1400" dirty="0"/>
-              <a:t>버튼 태그로 변경</a:t>
-            </a:r>
-          </a:p>
-        </p:txBody>
-      </p:sp>
-      <p:cxnSp>
-        <p:nvCxnSpPr>
-          <p:cNvPr id="8" name="직선 화살표 연결선 7">
-            <a:extLst>
-              <a:ext uri="{FF2B5EF4-FFF2-40B4-BE49-F238E27FC236}">
-                <a16:creationId xmlns:a16="http://schemas.microsoft.com/office/drawing/2014/main" id="{904F1F86-698F-66B5-EBD6-1149A2A0E002}"/>
-              </a:ext>
-            </a:extLst>
-          </p:cNvPr>
-          <p:cNvCxnSpPr/>
-          <p:nvPr/>
-        </p:nvCxnSpPr>
-        <p:spPr>
-          <a:xfrm flipH="1">
-            <a:off x="4161362" y="1158096"/>
-            <a:ext cx="884167" cy="0"/>
-          </a:xfrm>
-          <a:prstGeom prst="straightConnector1">
-            <a:avLst/>
-          </a:prstGeom>
-          <a:ln>
-            <a:tailEnd type="triangle"/>
-          </a:ln>
-        </p:spPr>
-        <p:style>
-          <a:lnRef idx="1">
-            <a:schemeClr val="accent1"/>
-          </a:lnRef>
-          <a:fillRef idx="0">
-            <a:schemeClr val="accent1"/>
-          </a:fillRef>
-          <a:effectRef idx="0">
-            <a:schemeClr val="accent1"/>
-          </a:effectRef>
-          <a:fontRef idx="minor">
-            <a:schemeClr val="tx1"/>
-          </a:fontRef>
-        </p:style>
-      </p:cxnSp>
-      <p:sp>
-        <p:nvSpPr>
-          <p:cNvPr id="9" name="TextBox 8">
-            <a:extLst>
-              <a:ext uri="{FF2B5EF4-FFF2-40B4-BE49-F238E27FC236}">
-                <a16:creationId xmlns:a16="http://schemas.microsoft.com/office/drawing/2014/main" id="{C11E8480-5727-B782-24C2-73B2AFBD0BDE}"/>
+              <a:t>차트 키보드 조작이 안됩니다</a:t>
+            </a:r>
+            <a:r>
+              <a:rPr lang="en-US" altLang="ko-KR" sz="1400" dirty="0"/>
+              <a:t>.</a:t>
+            </a:r>
+            <a:endParaRPr lang="ko-KR" altLang="en-US" sz="1400" dirty="0"/>
+          </a:p>
+        </p:txBody>
+      </p:sp>
+      <p:sp>
+        <p:nvSpPr>
+          <p:cNvPr id="7" name="TextBox 6">
+            <a:extLst>
+              <a:ext uri="{FF2B5EF4-FFF2-40B4-BE49-F238E27FC236}">
+                <a16:creationId xmlns:a16="http://schemas.microsoft.com/office/drawing/2014/main" id="{D609AC89-3369-A138-9F40-22CB3BEEECE0}"/>
               </a:ext>
             </a:extLst>
           </p:cNvPr>
@@ -3544,8 +3799,8 @@
         </p:nvSpPr>
         <p:spPr>
           <a:xfrm>
-            <a:off x="5059213" y="1004207"/>
-            <a:ext cx="2949846" cy="954107"/>
+            <a:off x="7726560" y="2437828"/>
+            <a:ext cx="2768707" cy="523220"/>
           </a:xfrm>
           <a:prstGeom prst="rect">
             <a:avLst/>
@@ -3559,70 +3814,42 @@
           <a:lstStyle/>
           <a:p>
             <a:r>
+              <a:rPr lang="ko-KR" altLang="en-US" sz="1400" dirty="0"/>
+              <a:t>방향키 </a:t>
+            </a:r>
+            <a:r>
               <a:rPr lang="ko-KR" altLang="en-US" sz="1400" dirty="0" err="1"/>
-              <a:t>토글</a:t>
+              <a:t>조작시</a:t>
             </a:r>
             <a:r>
               <a:rPr lang="ko-KR" altLang="en-US" sz="1400" dirty="0"/>
-              <a:t> 버튼 타이틀 추가</a:t>
+              <a:t> 가능하고 활성화 </a:t>
             </a:r>
             <a:endParaRPr lang="en-US" altLang="ko-KR" sz="1400" dirty="0"/>
           </a:p>
           <a:p>
-            <a:endParaRPr lang="en-US" altLang="ko-KR" sz="1400" dirty="0"/>
-          </a:p>
-          <a:p>
+            <a:r>
+              <a:rPr lang="ko-KR" altLang="en-US" sz="1400" dirty="0"/>
+              <a:t>되도록 </a:t>
+            </a:r>
+            <a:r>
+              <a:rPr lang="ko-KR" altLang="en-US" sz="1400" dirty="0" err="1"/>
+              <a:t>해야합니다</a:t>
+            </a:r>
             <a:r>
               <a:rPr lang="en-US" altLang="ko-KR" sz="1400" dirty="0"/>
-              <a:t>“</a:t>
-            </a:r>
-            <a:r>
-              <a:rPr lang="ko-KR" altLang="en-US" sz="1400" dirty="0" err="1"/>
-              <a:t>금강보행교</a:t>
-            </a:r>
-            <a:r>
-              <a:rPr lang="ko-KR" altLang="en-US" sz="1400" dirty="0"/>
-              <a:t> 상세정보 닫힘</a:t>
-            </a:r>
-            <a:r>
-              <a:rPr lang="en-US" altLang="ko-KR" sz="1400" dirty="0"/>
-              <a:t>“ (</a:t>
-            </a:r>
-            <a:r>
-              <a:rPr lang="ko-KR" altLang="en-US" sz="1400" dirty="0"/>
-              <a:t>기본</a:t>
-            </a:r>
-            <a:r>
-              <a:rPr lang="en-US" altLang="ko-KR" sz="1400" dirty="0"/>
-              <a:t>)</a:t>
-            </a:r>
-          </a:p>
-          <a:p>
-            <a:r>
-              <a:rPr lang="en-US" altLang="ko-KR" sz="1400" dirty="0"/>
-              <a:t>“</a:t>
-            </a:r>
-            <a:r>
-              <a:rPr lang="ko-KR" altLang="en-US" sz="1400" dirty="0" err="1"/>
-              <a:t>금강보행교</a:t>
-            </a:r>
-            <a:r>
-              <a:rPr lang="ko-KR" altLang="en-US" sz="1400" dirty="0"/>
-              <a:t> 상세정보 열림</a:t>
-            </a:r>
-            <a:r>
-              <a:rPr lang="en-US" altLang="ko-KR" sz="1400" dirty="0"/>
-              <a:t>“</a:t>
-            </a:r>
+              <a:t>.</a:t>
+            </a:r>
+            <a:endParaRPr lang="ko-KR" altLang="en-US" sz="1400" dirty="0"/>
           </a:p>
         </p:txBody>
       </p:sp>
       <p:pic>
         <p:nvPicPr>
-          <p:cNvPr id="11" name="그림 10">
-            <a:extLst>
-              <a:ext uri="{FF2B5EF4-FFF2-40B4-BE49-F238E27FC236}">
-                <a16:creationId xmlns:a16="http://schemas.microsoft.com/office/drawing/2014/main" id="{ABFB56BA-71AE-5B94-B306-DC562FA3C41D}"/>
+          <p:cNvPr id="13" name="그림 12">
+            <a:extLst>
+              <a:ext uri="{FF2B5EF4-FFF2-40B4-BE49-F238E27FC236}">
+                <a16:creationId xmlns:a16="http://schemas.microsoft.com/office/drawing/2014/main" id="{F7A3D0C1-8B59-1C0F-0417-1802713AF9F8}"/>
               </a:ext>
             </a:extLst>
           </p:cNvPr>
@@ -3639,8 +3866,8 @@
         </p:blipFill>
         <p:spPr>
           <a:xfrm>
-            <a:off x="1241631" y="3858943"/>
-            <a:ext cx="2664208" cy="2256107"/>
+            <a:off x="4850210" y="1329477"/>
+            <a:ext cx="2686425" cy="2524477"/>
           </a:xfrm>
           <a:prstGeom prst="rect">
             <a:avLst/>
@@ -3649,10 +3876,10 @@
       </p:pic>
       <p:pic>
         <p:nvPicPr>
-          <p:cNvPr id="17" name="그림 16">
-            <a:extLst>
-              <a:ext uri="{FF2B5EF4-FFF2-40B4-BE49-F238E27FC236}">
-                <a16:creationId xmlns:a16="http://schemas.microsoft.com/office/drawing/2014/main" id="{9408521A-C6A2-6A23-7641-1BE5BEEAEF5F}"/>
+          <p:cNvPr id="15" name="그림 14">
+            <a:extLst>
+              <a:ext uri="{FF2B5EF4-FFF2-40B4-BE49-F238E27FC236}">
+                <a16:creationId xmlns:a16="http://schemas.microsoft.com/office/drawing/2014/main" id="{95AF80D0-BA54-BA18-747B-13997C49B514}"/>
               </a:ext>
             </a:extLst>
           </p:cNvPr>
@@ -3669,20 +3896,89 @@
         </p:blipFill>
         <p:spPr>
           <a:xfrm>
-            <a:off x="5045529" y="3937121"/>
-            <a:ext cx="3991532" cy="1514686"/>
+            <a:off x="610744" y="3582367"/>
+            <a:ext cx="3000794" cy="2657846"/>
           </a:xfrm>
           <a:prstGeom prst="rect">
             <a:avLst/>
           </a:prstGeom>
         </p:spPr>
       </p:pic>
-      <p:sp>
-        <p:nvSpPr>
-          <p:cNvPr id="18" name="TextBox 17">
-            <a:extLst>
-              <a:ext uri="{FF2B5EF4-FFF2-40B4-BE49-F238E27FC236}">
-                <a16:creationId xmlns:a16="http://schemas.microsoft.com/office/drawing/2014/main" id="{9FDBD264-03EC-F4EC-578C-D1512B4CF80B}"/>
+      <p:pic>
+        <p:nvPicPr>
+          <p:cNvPr id="17" name="그림 16">
+            <a:extLst>
+              <a:ext uri="{FF2B5EF4-FFF2-40B4-BE49-F238E27FC236}">
+                <a16:creationId xmlns:a16="http://schemas.microsoft.com/office/drawing/2014/main" id="{10EF1F1E-E0D3-FAF4-679C-26DB1DE97D75}"/>
+              </a:ext>
+            </a:extLst>
+          </p:cNvPr>
+          <p:cNvPicPr>
+            <a:picLocks noChangeAspect="1"/>
+          </p:cNvPicPr>
+          <p:nvPr/>
+        </p:nvPicPr>
+        <p:blipFill>
+          <a:blip r:embed="rId5"/>
+          <a:stretch>
+            <a:fillRect/>
+          </a:stretch>
+        </p:blipFill>
+        <p:spPr>
+          <a:xfrm>
+            <a:off x="4350077" y="4914652"/>
+            <a:ext cx="1000265" cy="1381318"/>
+          </a:xfrm>
+          <a:prstGeom prst="rect">
+            <a:avLst/>
+          </a:prstGeom>
+        </p:spPr>
+      </p:pic>
+      <p:cxnSp>
+        <p:nvCxnSpPr>
+          <p:cNvPr id="19" name="직선 화살표 연결선 18">
+            <a:extLst>
+              <a:ext uri="{FF2B5EF4-FFF2-40B4-BE49-F238E27FC236}">
+                <a16:creationId xmlns:a16="http://schemas.microsoft.com/office/drawing/2014/main" id="{EA908510-387C-B5D4-4864-E48E0B35F3EC}"/>
+              </a:ext>
+            </a:extLst>
+          </p:cNvPr>
+          <p:cNvCxnSpPr/>
+          <p:nvPr/>
+        </p:nvCxnSpPr>
+        <p:spPr>
+          <a:xfrm flipV="1">
+            <a:off x="1571926" y="5787826"/>
+            <a:ext cx="0" cy="452387"/>
+          </a:xfrm>
+          <a:prstGeom prst="straightConnector1">
+            <a:avLst/>
+          </a:prstGeom>
+          <a:ln>
+            <a:tailEnd type="triangle"/>
+          </a:ln>
+        </p:spPr>
+        <p:style>
+          <a:lnRef idx="1">
+            <a:schemeClr val="accent1"/>
+          </a:lnRef>
+          <a:fillRef idx="0">
+            <a:schemeClr val="accent1"/>
+          </a:fillRef>
+          <a:effectRef idx="0">
+            <a:schemeClr val="accent1"/>
+          </a:effectRef>
+          <a:fontRef idx="minor">
+            <a:schemeClr val="tx1"/>
+          </a:fontRef>
+        </p:style>
+      </p:cxnSp>
+      <p:sp>
+        <p:nvSpPr>
+          <p:cNvPr id="20" name="TextBox 19">
+            <a:extLst>
+              <a:ext uri="{FF2B5EF4-FFF2-40B4-BE49-F238E27FC236}">
+                <a16:creationId xmlns:a16="http://schemas.microsoft.com/office/drawing/2014/main" id="{206B0608-F3D7-D5C8-F8FB-13CE64EE3BFC}"/>
               </a:ext>
             </a:extLst>
           </p:cNvPr>
@@ -3691,8 +3987,8 @@
         </p:nvSpPr>
         <p:spPr>
           <a:xfrm>
-            <a:off x="5309931" y="5932143"/>
-            <a:ext cx="2768707" cy="523220"/>
+            <a:off x="1385832" y="6351726"/>
+            <a:ext cx="3886000" cy="307777"/>
           </a:xfrm>
           <a:prstGeom prst="rect">
             <a:avLst/>
@@ -3707,26 +4003,15 @@
           <a:p>
             <a:r>
               <a:rPr lang="ko-KR" altLang="en-US" sz="1400" dirty="0"/>
-              <a:t>방향키 </a:t>
+              <a:t>차트 색이 </a:t>
             </a:r>
             <a:r>
               <a:rPr lang="ko-KR" altLang="en-US" sz="1400" dirty="0" err="1"/>
-              <a:t>조작시</a:t>
+              <a:t>여러개인경우</a:t>
             </a:r>
             <a:r>
               <a:rPr lang="ko-KR" altLang="en-US" sz="1400" dirty="0"/>
-              <a:t> 가능하고 활성화 </a:t>
-            </a:r>
-            <a:endParaRPr lang="en-US" altLang="ko-KR" sz="1400" dirty="0"/>
-          </a:p>
-          <a:p>
-            <a:r>
-              <a:rPr lang="ko-KR" altLang="en-US" sz="1400" dirty="0"/>
-              <a:t>되도록 </a:t>
-            </a:r>
-            <a:r>
-              <a:rPr lang="ko-KR" altLang="en-US" sz="1400" dirty="0" err="1"/>
-              <a:t>해야합니다</a:t>
+              <a:t> 범례 들어가야합니다</a:t>
             </a:r>
             <a:r>
               <a:rPr lang="en-US" altLang="ko-KR" sz="1400" dirty="0"/>
@@ -3739,7 +4024,7 @@
     </p:spTree>
     <p:extLst>
       <p:ext uri="{BB962C8B-B14F-4D97-AF65-F5344CB8AC3E}">
-        <p14:creationId xmlns:p14="http://schemas.microsoft.com/office/powerpoint/2010/main" val="1373438760"/>
+        <p14:creationId xmlns:p14="http://schemas.microsoft.com/office/powerpoint/2010/main" val="2477834225"/>
       </p:ext>
     </p:extLst>
   </p:cSld>
@@ -3771,7 +4056,7 @@
           <p:cNvPr id="3" name="그림 2">
             <a:extLst>
               <a:ext uri="{FF2B5EF4-FFF2-40B4-BE49-F238E27FC236}">
-                <a16:creationId xmlns:a16="http://schemas.microsoft.com/office/drawing/2014/main" id="{7ED3E355-C3C3-3C39-E706-84598A098199}"/>
+                <a16:creationId xmlns:a16="http://schemas.microsoft.com/office/drawing/2014/main" id="{269AEA47-39AB-4017-534B-96799CE524F0}"/>
               </a:ext>
             </a:extLst>
           </p:cNvPr>
@@ -3788,89 +4073,39 @@
         </p:blipFill>
         <p:spPr>
           <a:xfrm>
-            <a:off x="527008" y="459837"/>
-            <a:ext cx="3839111" cy="1219370"/>
+            <a:off x="1241631" y="938597"/>
+            <a:ext cx="2818234" cy="2256107"/>
           </a:xfrm>
           <a:prstGeom prst="rect">
             <a:avLst/>
           </a:prstGeom>
         </p:spPr>
       </p:pic>
-      <p:sp>
-        <p:nvSpPr>
-          <p:cNvPr id="4" name="TextBox 3">
-            <a:extLst>
-              <a:ext uri="{FF2B5EF4-FFF2-40B4-BE49-F238E27FC236}">
-                <a16:creationId xmlns:a16="http://schemas.microsoft.com/office/drawing/2014/main" id="{09962C56-CA3D-EC3C-C7C2-50DA0E95F409}"/>
-              </a:ext>
-            </a:extLst>
-          </p:cNvPr>
-          <p:cNvSpPr txBox="1"/>
-          <p:nvPr/>
-        </p:nvSpPr>
-        <p:spPr>
-          <a:xfrm>
-            <a:off x="5108199" y="832757"/>
-            <a:ext cx="3181448" cy="307777"/>
-          </a:xfrm>
-          <a:prstGeom prst="rect">
-            <a:avLst/>
-          </a:prstGeom>
-          <a:noFill/>
-        </p:spPr>
-        <p:txBody>
-          <a:bodyPr wrap="none" rtlCol="0">
-            <a:spAutoFit/>
-          </a:bodyPr>
-          <a:lstStyle/>
-          <a:p>
-            <a:r>
-              <a:rPr lang="en-US" altLang="ko-KR" sz="1400" dirty="0" err="1"/>
-              <a:t>Href</a:t>
-            </a:r>
-            <a:r>
-              <a:rPr lang="en-US" altLang="ko-KR" sz="1400" dirty="0"/>
-              <a:t>=“</a:t>
-            </a:r>
-            <a:r>
-              <a:rPr lang="en-US" altLang="ko-KR" sz="1400" dirty="0" err="1"/>
-              <a:t>javascript:void</a:t>
-            </a:r>
-            <a:r>
-              <a:rPr lang="en-US" altLang="ko-KR" sz="1400" dirty="0"/>
-              <a:t>(0);” </a:t>
-            </a:r>
-            <a:r>
-              <a:rPr lang="ko-KR" altLang="en-US" sz="1400" dirty="0"/>
-              <a:t>넣어주세요</a:t>
-            </a:r>
-            <a:r>
-              <a:rPr lang="en-US" altLang="ko-KR" sz="1400" dirty="0"/>
-              <a:t>.</a:t>
-            </a:r>
-          </a:p>
-        </p:txBody>
-      </p:sp>
       <p:cxnSp>
         <p:nvCxnSpPr>
-          <p:cNvPr id="5" name="직선 연결선 4">
-            <a:extLst>
-              <a:ext uri="{FF2B5EF4-FFF2-40B4-BE49-F238E27FC236}">
-                <a16:creationId xmlns:a16="http://schemas.microsoft.com/office/drawing/2014/main" id="{2CBD6ECF-BD80-8B94-E814-5077E69770E3}"/>
-              </a:ext>
-            </a:extLst>
-          </p:cNvPr>
-          <p:cNvCxnSpPr/>
+          <p:cNvPr id="5" name="직선 화살표 연결선 4">
+            <a:extLst>
+              <a:ext uri="{FF2B5EF4-FFF2-40B4-BE49-F238E27FC236}">
+                <a16:creationId xmlns:a16="http://schemas.microsoft.com/office/drawing/2014/main" id="{4602CB73-1A06-F49D-3370-18A008500F0E}"/>
+              </a:ext>
+            </a:extLst>
+          </p:cNvPr>
+          <p:cNvCxnSpPr>
+            <a:cxnSpLocks/>
+          </p:cNvCxnSpPr>
           <p:nvPr/>
         </p:nvCxnSpPr>
         <p:spPr>
           <a:xfrm>
-            <a:off x="540697" y="2082510"/>
-            <a:ext cx="10995439" cy="0"/>
-          </a:xfrm>
-          <a:prstGeom prst="line">
-            <a:avLst/>
-          </a:prstGeom>
+            <a:off x="1684421" y="742950"/>
+            <a:ext cx="0" cy="261257"/>
+          </a:xfrm>
+          <a:prstGeom prst="straightConnector1">
+            <a:avLst/>
+          </a:prstGeom>
+          <a:ln>
+            <a:tailEnd type="triangle"/>
+          </a:ln>
         </p:spPr>
         <p:style>
           <a:lnRef idx="1">
@@ -3887,12 +4122,173 @@
           </a:fontRef>
         </p:style>
       </p:cxnSp>
+      <p:sp>
+        <p:nvSpPr>
+          <p:cNvPr id="6" name="TextBox 5">
+            <a:extLst>
+              <a:ext uri="{FF2B5EF4-FFF2-40B4-BE49-F238E27FC236}">
+                <a16:creationId xmlns:a16="http://schemas.microsoft.com/office/drawing/2014/main" id="{9E49748D-F8D3-228D-1BC5-45DDDB8B405A}"/>
+              </a:ext>
+            </a:extLst>
+          </p:cNvPr>
+          <p:cNvSpPr txBox="1"/>
+          <p:nvPr/>
+        </p:nvSpPr>
+        <p:spPr>
+          <a:xfrm>
+            <a:off x="1084294" y="369348"/>
+            <a:ext cx="1566454" cy="307777"/>
+          </a:xfrm>
+          <a:prstGeom prst="rect">
+            <a:avLst/>
+          </a:prstGeom>
+          <a:noFill/>
+        </p:spPr>
+        <p:txBody>
+          <a:bodyPr wrap="none" rtlCol="0">
+            <a:spAutoFit/>
+          </a:bodyPr>
+          <a:lstStyle/>
+          <a:p>
+            <a:r>
+              <a:rPr lang="ko-KR" altLang="en-US" sz="1400" dirty="0"/>
+              <a:t>버튼 태그로 변경</a:t>
+            </a:r>
+          </a:p>
+        </p:txBody>
+      </p:sp>
+      <p:cxnSp>
+        <p:nvCxnSpPr>
+          <p:cNvPr id="8" name="직선 화살표 연결선 7">
+            <a:extLst>
+              <a:ext uri="{FF2B5EF4-FFF2-40B4-BE49-F238E27FC236}">
+                <a16:creationId xmlns:a16="http://schemas.microsoft.com/office/drawing/2014/main" id="{904F1F86-698F-66B5-EBD6-1149A2A0E002}"/>
+              </a:ext>
+            </a:extLst>
+          </p:cNvPr>
+          <p:cNvCxnSpPr/>
+          <p:nvPr/>
+        </p:nvCxnSpPr>
+        <p:spPr>
+          <a:xfrm flipH="1">
+            <a:off x="4161362" y="1158096"/>
+            <a:ext cx="884167" cy="0"/>
+          </a:xfrm>
+          <a:prstGeom prst="straightConnector1">
+            <a:avLst/>
+          </a:prstGeom>
+          <a:ln>
+            <a:tailEnd type="triangle"/>
+          </a:ln>
+        </p:spPr>
+        <p:style>
+          <a:lnRef idx="1">
+            <a:schemeClr val="accent1"/>
+          </a:lnRef>
+          <a:fillRef idx="0">
+            <a:schemeClr val="accent1"/>
+          </a:fillRef>
+          <a:effectRef idx="0">
+            <a:schemeClr val="accent1"/>
+          </a:effectRef>
+          <a:fontRef idx="minor">
+            <a:schemeClr val="tx1"/>
+          </a:fontRef>
+        </p:style>
+      </p:cxnSp>
+      <p:sp>
+        <p:nvSpPr>
+          <p:cNvPr id="9" name="TextBox 8">
+            <a:extLst>
+              <a:ext uri="{FF2B5EF4-FFF2-40B4-BE49-F238E27FC236}">
+                <a16:creationId xmlns:a16="http://schemas.microsoft.com/office/drawing/2014/main" id="{C11E8480-5727-B782-24C2-73B2AFBD0BDE}"/>
+              </a:ext>
+            </a:extLst>
+          </p:cNvPr>
+          <p:cNvSpPr txBox="1"/>
+          <p:nvPr/>
+        </p:nvSpPr>
+        <p:spPr>
+          <a:xfrm>
+            <a:off x="5059213" y="1004207"/>
+            <a:ext cx="2949846" cy="954107"/>
+          </a:xfrm>
+          <a:prstGeom prst="rect">
+            <a:avLst/>
+          </a:prstGeom>
+          <a:noFill/>
+        </p:spPr>
+        <p:txBody>
+          <a:bodyPr wrap="none" rtlCol="0">
+            <a:spAutoFit/>
+          </a:bodyPr>
+          <a:lstStyle/>
+          <a:p>
+            <a:r>
+              <a:rPr lang="ko-KR" altLang="en-US" sz="1400" dirty="0" err="1"/>
+              <a:t>토글</a:t>
+            </a:r>
+            <a:r>
+              <a:rPr lang="ko-KR" altLang="en-US" sz="1400" dirty="0"/>
+              <a:t> 버튼 타이틀 추가</a:t>
+            </a:r>
+            <a:endParaRPr lang="en-US" altLang="ko-KR" sz="1400" dirty="0"/>
+          </a:p>
+          <a:p>
+            <a:endParaRPr lang="en-US" altLang="ko-KR" sz="1400" dirty="0"/>
+          </a:p>
+          <a:p>
+            <a:r>
+              <a:rPr lang="en-US" altLang="ko-KR" sz="1400" dirty="0"/>
+              <a:t>“</a:t>
+            </a:r>
+            <a:r>
+              <a:rPr lang="ko-KR" altLang="en-US" sz="1400" dirty="0" err="1"/>
+              <a:t>금강보행교</a:t>
+            </a:r>
+            <a:r>
+              <a:rPr lang="ko-KR" altLang="en-US" sz="1400" dirty="0"/>
+              <a:t> 상세정보 닫힘</a:t>
+            </a:r>
+            <a:r>
+              <a:rPr lang="en-US" altLang="ko-KR" sz="1400" dirty="0"/>
+              <a:t>“ (</a:t>
+            </a:r>
+            <a:r>
+              <a:rPr lang="ko-KR" altLang="en-US" sz="1400" dirty="0"/>
+              <a:t>기본</a:t>
+            </a:r>
+            <a:r>
+              <a:rPr lang="en-US" altLang="ko-KR" sz="1400" dirty="0"/>
+              <a:t>)</a:t>
+            </a:r>
+          </a:p>
+          <a:p>
+            <a:r>
+              <a:rPr lang="en-US" altLang="ko-KR" sz="1400" dirty="0"/>
+              <a:t>“</a:t>
+            </a:r>
+            <a:r>
+              <a:rPr lang="ko-KR" altLang="en-US" sz="1400" dirty="0" err="1"/>
+              <a:t>금강보행교</a:t>
+            </a:r>
+            <a:r>
+              <a:rPr lang="ko-KR" altLang="en-US" sz="1400" dirty="0"/>
+              <a:t> 상세정보 열림</a:t>
+            </a:r>
+            <a:r>
+              <a:rPr lang="en-US" altLang="ko-KR" sz="1400" dirty="0"/>
+              <a:t>“</a:t>
+            </a:r>
+          </a:p>
+        </p:txBody>
+      </p:sp>
       <p:pic>
         <p:nvPicPr>
-          <p:cNvPr id="7" name="그림 6">
-            <a:extLst>
-              <a:ext uri="{FF2B5EF4-FFF2-40B4-BE49-F238E27FC236}">
-                <a16:creationId xmlns:a16="http://schemas.microsoft.com/office/drawing/2014/main" id="{793D2A07-C2B9-9A6C-6048-C8AAA449E106}"/>
+          <p:cNvPr id="11" name="그림 10">
+            <a:extLst>
+              <a:ext uri="{FF2B5EF4-FFF2-40B4-BE49-F238E27FC236}">
+                <a16:creationId xmlns:a16="http://schemas.microsoft.com/office/drawing/2014/main" id="{ABFB56BA-71AE-5B94-B306-DC562FA3C41D}"/>
               </a:ext>
             </a:extLst>
           </p:cNvPr>
@@ -3909,111 +4305,20 @@
         </p:blipFill>
         <p:spPr>
           <a:xfrm>
-            <a:off x="540697" y="2324302"/>
-            <a:ext cx="3734321" cy="1400370"/>
+            <a:off x="1241631" y="3858943"/>
+            <a:ext cx="2664208" cy="2256107"/>
           </a:xfrm>
           <a:prstGeom prst="rect">
             <a:avLst/>
           </a:prstGeom>
         </p:spPr>
       </p:pic>
-      <p:sp>
-        <p:nvSpPr>
-          <p:cNvPr id="8" name="TextBox 7">
-            <a:extLst>
-              <a:ext uri="{FF2B5EF4-FFF2-40B4-BE49-F238E27FC236}">
-                <a16:creationId xmlns:a16="http://schemas.microsoft.com/office/drawing/2014/main" id="{4EA4D0E4-8B3E-C97C-6699-F7D2AB9A6C31}"/>
-              </a:ext>
-            </a:extLst>
-          </p:cNvPr>
-          <p:cNvSpPr txBox="1"/>
-          <p:nvPr/>
-        </p:nvSpPr>
-        <p:spPr>
-          <a:xfrm>
-            <a:off x="5108199" y="2792186"/>
-            <a:ext cx="3181448" cy="307777"/>
-          </a:xfrm>
-          <a:prstGeom prst="rect">
-            <a:avLst/>
-          </a:prstGeom>
-          <a:noFill/>
-        </p:spPr>
-        <p:txBody>
-          <a:bodyPr wrap="none" rtlCol="0">
-            <a:spAutoFit/>
-          </a:bodyPr>
-          <a:lstStyle/>
-          <a:p>
-            <a:r>
-              <a:rPr lang="en-US" altLang="ko-KR" sz="1400" dirty="0" err="1"/>
-              <a:t>Href</a:t>
-            </a:r>
-            <a:r>
-              <a:rPr lang="en-US" altLang="ko-KR" sz="1400" dirty="0"/>
-              <a:t>=“</a:t>
-            </a:r>
-            <a:r>
-              <a:rPr lang="en-US" altLang="ko-KR" sz="1400" dirty="0" err="1"/>
-              <a:t>javascript:void</a:t>
-            </a:r>
-            <a:r>
-              <a:rPr lang="en-US" altLang="ko-KR" sz="1400" dirty="0"/>
-              <a:t>(0);” </a:t>
-            </a:r>
-            <a:r>
-              <a:rPr lang="ko-KR" altLang="en-US" sz="1400" dirty="0"/>
-              <a:t>넣어주세요</a:t>
-            </a:r>
-            <a:r>
-              <a:rPr lang="en-US" altLang="ko-KR" sz="1400" dirty="0"/>
-              <a:t>.</a:t>
-            </a:r>
-          </a:p>
-        </p:txBody>
-      </p:sp>
-      <p:cxnSp>
-        <p:nvCxnSpPr>
-          <p:cNvPr id="9" name="직선 연결선 8">
-            <a:extLst>
-              <a:ext uri="{FF2B5EF4-FFF2-40B4-BE49-F238E27FC236}">
-                <a16:creationId xmlns:a16="http://schemas.microsoft.com/office/drawing/2014/main" id="{AB6C7379-DEDD-DE51-5925-FE0A84039040}"/>
-              </a:ext>
-            </a:extLst>
-          </p:cNvPr>
-          <p:cNvCxnSpPr/>
-          <p:nvPr/>
-        </p:nvCxnSpPr>
-        <p:spPr>
-          <a:xfrm>
-            <a:off x="540697" y="4254210"/>
-            <a:ext cx="10995439" cy="0"/>
-          </a:xfrm>
-          <a:prstGeom prst="line">
-            <a:avLst/>
-          </a:prstGeom>
-        </p:spPr>
-        <p:style>
-          <a:lnRef idx="1">
-            <a:schemeClr val="accent1"/>
-          </a:lnRef>
-          <a:fillRef idx="0">
-            <a:schemeClr val="accent1"/>
-          </a:fillRef>
-          <a:effectRef idx="0">
-            <a:schemeClr val="accent1"/>
-          </a:effectRef>
-          <a:fontRef idx="minor">
-            <a:schemeClr val="tx1"/>
-          </a:fontRef>
-        </p:style>
-      </p:cxnSp>
       <p:pic>
         <p:nvPicPr>
-          <p:cNvPr id="11" name="그림 10">
-            <a:extLst>
-              <a:ext uri="{FF2B5EF4-FFF2-40B4-BE49-F238E27FC236}">
-                <a16:creationId xmlns:a16="http://schemas.microsoft.com/office/drawing/2014/main" id="{1DADFBA0-41F3-FAB0-AC63-A6175802A3D9}"/>
+          <p:cNvPr id="17" name="그림 16">
+            <a:extLst>
+              <a:ext uri="{FF2B5EF4-FFF2-40B4-BE49-F238E27FC236}">
+                <a16:creationId xmlns:a16="http://schemas.microsoft.com/office/drawing/2014/main" id="{9408521A-C6A2-6A23-7641-1BE5BEEAEF5F}"/>
               </a:ext>
             </a:extLst>
           </p:cNvPr>
@@ -4030,8 +4335,8 @@
         </p:blipFill>
         <p:spPr>
           <a:xfrm>
-            <a:off x="554304" y="4431733"/>
-            <a:ext cx="3391373" cy="1619476"/>
+            <a:off x="5045529" y="3937121"/>
+            <a:ext cx="3991532" cy="1514686"/>
           </a:xfrm>
           <a:prstGeom prst="rect">
             <a:avLst/>
@@ -4040,10 +4345,10 @@
       </p:pic>
       <p:sp>
         <p:nvSpPr>
-          <p:cNvPr id="12" name="TextBox 11">
-            <a:extLst>
-              <a:ext uri="{FF2B5EF4-FFF2-40B4-BE49-F238E27FC236}">
-                <a16:creationId xmlns:a16="http://schemas.microsoft.com/office/drawing/2014/main" id="{70EE00F6-2FCC-C5B4-1D4A-9BD0CE5557DB}"/>
+          <p:cNvPr id="18" name="TextBox 17">
+            <a:extLst>
+              <a:ext uri="{FF2B5EF4-FFF2-40B4-BE49-F238E27FC236}">
+                <a16:creationId xmlns:a16="http://schemas.microsoft.com/office/drawing/2014/main" id="{9FDBD264-03EC-F4EC-578C-D1512B4CF80B}"/>
               </a:ext>
             </a:extLst>
           </p:cNvPr>
@@ -4052,8 +4357,8 @@
         </p:nvSpPr>
         <p:spPr>
           <a:xfrm>
-            <a:off x="5108199" y="5012872"/>
-            <a:ext cx="3181448" cy="307777"/>
+            <a:off x="5309931" y="5932143"/>
+            <a:ext cx="2768707" cy="523220"/>
           </a:xfrm>
           <a:prstGeom prst="rect">
             <a:avLst/>
@@ -4067,36 +4372,40 @@
           <a:lstStyle/>
           <a:p>
             <a:r>
-              <a:rPr lang="en-US" altLang="ko-KR" sz="1400" dirty="0" err="1"/>
-              <a:t>Href</a:t>
-            </a:r>
-            <a:r>
-              <a:rPr lang="en-US" altLang="ko-KR" sz="1400" dirty="0"/>
-              <a:t>=“</a:t>
-            </a:r>
-            <a:r>
-              <a:rPr lang="en-US" altLang="ko-KR" sz="1400" dirty="0" err="1"/>
-              <a:t>javascript:void</a:t>
-            </a:r>
-            <a:r>
-              <a:rPr lang="en-US" altLang="ko-KR" sz="1400" dirty="0"/>
-              <a:t>(0);” </a:t>
-            </a:r>
-            <a:r>
               <a:rPr lang="ko-KR" altLang="en-US" sz="1400" dirty="0"/>
-              <a:t>넣어주세요</a:t>
+              <a:t>방향키 </a:t>
+            </a:r>
+            <a:r>
+              <a:rPr lang="ko-KR" altLang="en-US" sz="1400" dirty="0" err="1"/>
+              <a:t>조작시</a:t>
+            </a:r>
+            <a:r>
+              <a:rPr lang="ko-KR" altLang="en-US" sz="1400" dirty="0"/>
+              <a:t> 가능하고 활성화 </a:t>
+            </a:r>
+            <a:endParaRPr lang="en-US" altLang="ko-KR" sz="1400" dirty="0"/>
+          </a:p>
+          <a:p>
+            <a:r>
+              <a:rPr lang="ko-KR" altLang="en-US" sz="1400" dirty="0"/>
+              <a:t>되도록 </a:t>
+            </a:r>
+            <a:r>
+              <a:rPr lang="ko-KR" altLang="en-US" sz="1400" dirty="0" err="1"/>
+              <a:t>해야합니다</a:t>
             </a:r>
             <a:r>
               <a:rPr lang="en-US" altLang="ko-KR" sz="1400" dirty="0"/>
               <a:t>.</a:t>
             </a:r>
+            <a:endParaRPr lang="ko-KR" altLang="en-US" sz="1400" dirty="0"/>
           </a:p>
         </p:txBody>
       </p:sp>
     </p:spTree>
     <p:extLst>
       <p:ext uri="{BB962C8B-B14F-4D97-AF65-F5344CB8AC3E}">
-        <p14:creationId xmlns:p14="http://schemas.microsoft.com/office/powerpoint/2010/main" val="4128771136"/>
+        <p14:creationId xmlns:p14="http://schemas.microsoft.com/office/powerpoint/2010/main" val="1373438760"/>
       </p:ext>
     </p:extLst>
   </p:cSld>
@@ -4125,6 +4434,363 @@
       </p:grpSpPr>
       <p:pic>
         <p:nvPicPr>
+          <p:cNvPr id="3" name="그림 2">
+            <a:extLst>
+              <a:ext uri="{FF2B5EF4-FFF2-40B4-BE49-F238E27FC236}">
+                <a16:creationId xmlns:a16="http://schemas.microsoft.com/office/drawing/2014/main" id="{7ED3E355-C3C3-3C39-E706-84598A098199}"/>
+              </a:ext>
+            </a:extLst>
+          </p:cNvPr>
+          <p:cNvPicPr>
+            <a:picLocks noChangeAspect="1"/>
+          </p:cNvPicPr>
+          <p:nvPr/>
+        </p:nvPicPr>
+        <p:blipFill>
+          <a:blip r:embed="rId2"/>
+          <a:stretch>
+            <a:fillRect/>
+          </a:stretch>
+        </p:blipFill>
+        <p:spPr>
+          <a:xfrm>
+            <a:off x="527008" y="459837"/>
+            <a:ext cx="3839111" cy="1219370"/>
+          </a:xfrm>
+          <a:prstGeom prst="rect">
+            <a:avLst/>
+          </a:prstGeom>
+        </p:spPr>
+      </p:pic>
+      <p:sp>
+        <p:nvSpPr>
+          <p:cNvPr id="4" name="TextBox 3">
+            <a:extLst>
+              <a:ext uri="{FF2B5EF4-FFF2-40B4-BE49-F238E27FC236}">
+                <a16:creationId xmlns:a16="http://schemas.microsoft.com/office/drawing/2014/main" id="{09962C56-CA3D-EC3C-C7C2-50DA0E95F409}"/>
+              </a:ext>
+            </a:extLst>
+          </p:cNvPr>
+          <p:cNvSpPr txBox="1"/>
+          <p:nvPr/>
+        </p:nvSpPr>
+        <p:spPr>
+          <a:xfrm>
+            <a:off x="5108199" y="832757"/>
+            <a:ext cx="3181448" cy="307777"/>
+          </a:xfrm>
+          <a:prstGeom prst="rect">
+            <a:avLst/>
+          </a:prstGeom>
+          <a:noFill/>
+        </p:spPr>
+        <p:txBody>
+          <a:bodyPr wrap="none" rtlCol="0">
+            <a:spAutoFit/>
+          </a:bodyPr>
+          <a:lstStyle/>
+          <a:p>
+            <a:r>
+              <a:rPr lang="en-US" altLang="ko-KR" sz="1400" dirty="0" err="1"/>
+              <a:t>Href</a:t>
+            </a:r>
+            <a:r>
+              <a:rPr lang="en-US" altLang="ko-KR" sz="1400" dirty="0"/>
+              <a:t>=“</a:t>
+            </a:r>
+            <a:r>
+              <a:rPr lang="en-US" altLang="ko-KR" sz="1400" dirty="0" err="1"/>
+              <a:t>javascript:void</a:t>
+            </a:r>
+            <a:r>
+              <a:rPr lang="en-US" altLang="ko-KR" sz="1400" dirty="0"/>
+              <a:t>(0);” </a:t>
+            </a:r>
+            <a:r>
+              <a:rPr lang="ko-KR" altLang="en-US" sz="1400" dirty="0"/>
+              <a:t>넣어주세요</a:t>
+            </a:r>
+            <a:r>
+              <a:rPr lang="en-US" altLang="ko-KR" sz="1400" dirty="0"/>
+              <a:t>.</a:t>
+            </a:r>
+          </a:p>
+        </p:txBody>
+      </p:sp>
+      <p:cxnSp>
+        <p:nvCxnSpPr>
+          <p:cNvPr id="5" name="직선 연결선 4">
+            <a:extLst>
+              <a:ext uri="{FF2B5EF4-FFF2-40B4-BE49-F238E27FC236}">
+                <a16:creationId xmlns:a16="http://schemas.microsoft.com/office/drawing/2014/main" id="{2CBD6ECF-BD80-8B94-E814-5077E69770E3}"/>
+              </a:ext>
+            </a:extLst>
+          </p:cNvPr>
+          <p:cNvCxnSpPr/>
+          <p:nvPr/>
+        </p:nvCxnSpPr>
+        <p:spPr>
+          <a:xfrm>
+            <a:off x="540697" y="2082510"/>
+            <a:ext cx="10995439" cy="0"/>
+          </a:xfrm>
+          <a:prstGeom prst="line">
+            <a:avLst/>
+          </a:prstGeom>
+        </p:spPr>
+        <p:style>
+          <a:lnRef idx="1">
+            <a:schemeClr val="accent1"/>
+          </a:lnRef>
+          <a:fillRef idx="0">
+            <a:schemeClr val="accent1"/>
+          </a:fillRef>
+          <a:effectRef idx="0">
+            <a:schemeClr val="accent1"/>
+          </a:effectRef>
+          <a:fontRef idx="minor">
+            <a:schemeClr val="tx1"/>
+          </a:fontRef>
+        </p:style>
+      </p:cxnSp>
+      <p:pic>
+        <p:nvPicPr>
+          <p:cNvPr id="7" name="그림 6">
+            <a:extLst>
+              <a:ext uri="{FF2B5EF4-FFF2-40B4-BE49-F238E27FC236}">
+                <a16:creationId xmlns:a16="http://schemas.microsoft.com/office/drawing/2014/main" id="{793D2A07-C2B9-9A6C-6048-C8AAA449E106}"/>
+              </a:ext>
+            </a:extLst>
+          </p:cNvPr>
+          <p:cNvPicPr>
+            <a:picLocks noChangeAspect="1"/>
+          </p:cNvPicPr>
+          <p:nvPr/>
+        </p:nvPicPr>
+        <p:blipFill>
+          <a:blip r:embed="rId3"/>
+          <a:stretch>
+            <a:fillRect/>
+          </a:stretch>
+        </p:blipFill>
+        <p:spPr>
+          <a:xfrm>
+            <a:off x="540697" y="2324302"/>
+            <a:ext cx="3734321" cy="1400370"/>
+          </a:xfrm>
+          <a:prstGeom prst="rect">
+            <a:avLst/>
+          </a:prstGeom>
+        </p:spPr>
+      </p:pic>
+      <p:sp>
+        <p:nvSpPr>
+          <p:cNvPr id="8" name="TextBox 7">
+            <a:extLst>
+              <a:ext uri="{FF2B5EF4-FFF2-40B4-BE49-F238E27FC236}">
+                <a16:creationId xmlns:a16="http://schemas.microsoft.com/office/drawing/2014/main" id="{4EA4D0E4-8B3E-C97C-6699-F7D2AB9A6C31}"/>
+              </a:ext>
+            </a:extLst>
+          </p:cNvPr>
+          <p:cNvSpPr txBox="1"/>
+          <p:nvPr/>
+        </p:nvSpPr>
+        <p:spPr>
+          <a:xfrm>
+            <a:off x="5108199" y="2792186"/>
+            <a:ext cx="3181448" cy="307777"/>
+          </a:xfrm>
+          <a:prstGeom prst="rect">
+            <a:avLst/>
+          </a:prstGeom>
+          <a:noFill/>
+        </p:spPr>
+        <p:txBody>
+          <a:bodyPr wrap="none" rtlCol="0">
+            <a:spAutoFit/>
+          </a:bodyPr>
+          <a:lstStyle/>
+          <a:p>
+            <a:r>
+              <a:rPr lang="en-US" altLang="ko-KR" sz="1400" dirty="0" err="1"/>
+              <a:t>Href</a:t>
+            </a:r>
+            <a:r>
+              <a:rPr lang="en-US" altLang="ko-KR" sz="1400" dirty="0"/>
+              <a:t>=“</a:t>
+            </a:r>
+            <a:r>
+              <a:rPr lang="en-US" altLang="ko-KR" sz="1400" dirty="0" err="1"/>
+              <a:t>javascript:void</a:t>
+            </a:r>
+            <a:r>
+              <a:rPr lang="en-US" altLang="ko-KR" sz="1400" dirty="0"/>
+              <a:t>(0);” </a:t>
+            </a:r>
+            <a:r>
+              <a:rPr lang="ko-KR" altLang="en-US" sz="1400" dirty="0"/>
+              <a:t>넣어주세요</a:t>
+            </a:r>
+            <a:r>
+              <a:rPr lang="en-US" altLang="ko-KR" sz="1400" dirty="0"/>
+              <a:t>.</a:t>
+            </a:r>
+          </a:p>
+        </p:txBody>
+      </p:sp>
+      <p:cxnSp>
+        <p:nvCxnSpPr>
+          <p:cNvPr id="9" name="직선 연결선 8">
+            <a:extLst>
+              <a:ext uri="{FF2B5EF4-FFF2-40B4-BE49-F238E27FC236}">
+                <a16:creationId xmlns:a16="http://schemas.microsoft.com/office/drawing/2014/main" id="{AB6C7379-DEDD-DE51-5925-FE0A84039040}"/>
+              </a:ext>
+            </a:extLst>
+          </p:cNvPr>
+          <p:cNvCxnSpPr/>
+          <p:nvPr/>
+        </p:nvCxnSpPr>
+        <p:spPr>
+          <a:xfrm>
+            <a:off x="540697" y="4254210"/>
+            <a:ext cx="10995439" cy="0"/>
+          </a:xfrm>
+          <a:prstGeom prst="line">
+            <a:avLst/>
+          </a:prstGeom>
+        </p:spPr>
+        <p:style>
+          <a:lnRef idx="1">
+            <a:schemeClr val="accent1"/>
+          </a:lnRef>
+          <a:fillRef idx="0">
+            <a:schemeClr val="accent1"/>
+          </a:fillRef>
+          <a:effectRef idx="0">
+            <a:schemeClr val="accent1"/>
+          </a:effectRef>
+          <a:fontRef idx="minor">
+            <a:schemeClr val="tx1"/>
+          </a:fontRef>
+        </p:style>
+      </p:cxnSp>
+      <p:pic>
+        <p:nvPicPr>
+          <p:cNvPr id="11" name="그림 10">
+            <a:extLst>
+              <a:ext uri="{FF2B5EF4-FFF2-40B4-BE49-F238E27FC236}">
+                <a16:creationId xmlns:a16="http://schemas.microsoft.com/office/drawing/2014/main" id="{1DADFBA0-41F3-FAB0-AC63-A6175802A3D9}"/>
+              </a:ext>
+            </a:extLst>
+          </p:cNvPr>
+          <p:cNvPicPr>
+            <a:picLocks noChangeAspect="1"/>
+          </p:cNvPicPr>
+          <p:nvPr/>
+        </p:nvPicPr>
+        <p:blipFill>
+          <a:blip r:embed="rId4"/>
+          <a:stretch>
+            <a:fillRect/>
+          </a:stretch>
+        </p:blipFill>
+        <p:spPr>
+          <a:xfrm>
+            <a:off x="554304" y="4431733"/>
+            <a:ext cx="3391373" cy="1619476"/>
+          </a:xfrm>
+          <a:prstGeom prst="rect">
+            <a:avLst/>
+          </a:prstGeom>
+        </p:spPr>
+      </p:pic>
+      <p:sp>
+        <p:nvSpPr>
+          <p:cNvPr id="12" name="TextBox 11">
+            <a:extLst>
+              <a:ext uri="{FF2B5EF4-FFF2-40B4-BE49-F238E27FC236}">
+                <a16:creationId xmlns:a16="http://schemas.microsoft.com/office/drawing/2014/main" id="{70EE00F6-2FCC-C5B4-1D4A-9BD0CE5557DB}"/>
+              </a:ext>
+            </a:extLst>
+          </p:cNvPr>
+          <p:cNvSpPr txBox="1"/>
+          <p:nvPr/>
+        </p:nvSpPr>
+        <p:spPr>
+          <a:xfrm>
+            <a:off x="5108199" y="5012872"/>
+            <a:ext cx="3181448" cy="307777"/>
+          </a:xfrm>
+          <a:prstGeom prst="rect">
+            <a:avLst/>
+          </a:prstGeom>
+          <a:noFill/>
+        </p:spPr>
+        <p:txBody>
+          <a:bodyPr wrap="none" rtlCol="0">
+            <a:spAutoFit/>
+          </a:bodyPr>
+          <a:lstStyle/>
+          <a:p>
+            <a:r>
+              <a:rPr lang="en-US" altLang="ko-KR" sz="1400" dirty="0" err="1"/>
+              <a:t>Href</a:t>
+            </a:r>
+            <a:r>
+              <a:rPr lang="en-US" altLang="ko-KR" sz="1400" dirty="0"/>
+              <a:t>=“</a:t>
+            </a:r>
+            <a:r>
+              <a:rPr lang="en-US" altLang="ko-KR" sz="1400" dirty="0" err="1"/>
+              <a:t>javascript:void</a:t>
+            </a:r>
+            <a:r>
+              <a:rPr lang="en-US" altLang="ko-KR" sz="1400" dirty="0"/>
+              <a:t>(0);” </a:t>
+            </a:r>
+            <a:r>
+              <a:rPr lang="ko-KR" altLang="en-US" sz="1400" dirty="0"/>
+              <a:t>넣어주세요</a:t>
+            </a:r>
+            <a:r>
+              <a:rPr lang="en-US" altLang="ko-KR" sz="1400" dirty="0"/>
+              <a:t>.</a:t>
+            </a:r>
+          </a:p>
+        </p:txBody>
+      </p:sp>
+    </p:spTree>
+    <p:extLst>
+      <p:ext uri="{BB962C8B-B14F-4D97-AF65-F5344CB8AC3E}">
+        <p14:creationId xmlns:p14="http://schemas.microsoft.com/office/powerpoint/2010/main" val="4128771136"/>
+      </p:ext>
+    </p:extLst>
+  </p:cSld>
+  <p:clrMapOvr>
+    <a:masterClrMapping/>
+  </p:clrMapOvr>
+</p:sld>
+</file>
+
+<file path=ppt/slides/slide14.xml><?xml version="1.0" encoding="utf-8"?>
+<p:sld xmlns:a="http://schemas.openxmlformats.org/drawingml/2006/main" xmlns:r="http://schemas.openxmlformats.org/officeDocument/2006/relationships" xmlns:p="http://schemas.openxmlformats.org/presentationml/2006/main">
+  <p:cSld>
+    <p:spTree>
+      <p:nvGrpSpPr>
+        <p:cNvPr id="1" name=""/>
+        <p:cNvGrpSpPr/>
+        <p:nvPr/>
+      </p:nvGrpSpPr>
+      <p:grpSpPr>
+        <a:xfrm>
+          <a:off x="0" y="0"/>
+          <a:ext cx="0" cy="0"/>
+          <a:chOff x="0" y="0"/>
+          <a:chExt cx="0" cy="0"/>
+        </a:xfrm>
+      </p:grpSpPr>
+      <p:pic>
+        <p:nvPicPr>
           <p:cNvPr id="10" name="그림 9">
             <a:extLst>
               <a:ext uri="{FF2B5EF4-FFF2-40B4-BE49-F238E27FC236}">
@@ -4356,7 +5022,7 @@
 </p:sld>
 </file>
 
-<file path=ppt/slides/slide14.xml><?xml version="1.0" encoding="utf-8"?>
+<file path=ppt/slides/slide15.xml><?xml version="1.0" encoding="utf-8"?>
 <p:sld xmlns:a="http://schemas.openxmlformats.org/drawingml/2006/main" xmlns:r="http://schemas.openxmlformats.org/officeDocument/2006/relationships" xmlns:p="http://schemas.openxmlformats.org/presentationml/2006/main">
   <p:cSld>
     <p:spTree>
@@ -4386,85 +5052,6 @@
 </p:sld>
 </file>
 
-<file path=ppt/slides/slide15.xml><?xml version="1.0" encoding="utf-8"?>
-<p:sld xmlns:a="http://schemas.openxmlformats.org/drawingml/2006/main" xmlns:r="http://schemas.openxmlformats.org/officeDocument/2006/relationships" xmlns:p="http://schemas.openxmlformats.org/presentationml/2006/main">
-  <p:cSld>
-    <p:spTree>
-      <p:nvGrpSpPr>
-        <p:cNvPr id="1" name=""/>
-        <p:cNvGrpSpPr/>
-        <p:nvPr/>
-      </p:nvGrpSpPr>
-      <p:grpSpPr>
-        <a:xfrm>
-          <a:off x="0" y="0"/>
-          <a:ext cx="0" cy="0"/>
-          <a:chOff x="0" y="0"/>
-          <a:chExt cx="0" cy="0"/>
-        </a:xfrm>
-      </p:grpSpPr>
-      <p:sp>
-        <p:nvSpPr>
-          <p:cNvPr id="3" name="직사각형 2">
-            <a:extLst>
-              <a:ext uri="{FF2B5EF4-FFF2-40B4-BE49-F238E27FC236}">
-                <a16:creationId xmlns:a16="http://schemas.microsoft.com/office/drawing/2014/main" id="{C911613E-2065-A021-648C-90EA2DD07EE8}"/>
-              </a:ext>
-            </a:extLst>
-          </p:cNvPr>
-          <p:cNvSpPr/>
-          <p:nvPr/>
-        </p:nvSpPr>
-        <p:spPr>
-          <a:xfrm>
-            <a:off x="0" y="0"/>
-            <a:ext cx="12192000" cy="6858000"/>
-          </a:xfrm>
-          <a:prstGeom prst="rect">
-            <a:avLst/>
-          </a:prstGeom>
-        </p:spPr>
-        <p:style>
-          <a:lnRef idx="2">
-            <a:schemeClr val="accent1">
-              <a:shade val="50000"/>
-            </a:schemeClr>
-          </a:lnRef>
-          <a:fillRef idx="1">
-            <a:schemeClr val="accent1"/>
-          </a:fillRef>
-          <a:effectRef idx="0">
-            <a:schemeClr val="accent1"/>
-          </a:effectRef>
-          <a:fontRef idx="minor">
-            <a:schemeClr val="lt1"/>
-          </a:fontRef>
-        </p:style>
-        <p:txBody>
-          <a:bodyPr rtlCol="0" anchor="ctr"/>
-          <a:lstStyle/>
-          <a:p>
-            <a:pPr algn="ctr"/>
-            <a:r>
-              <a:rPr lang="ko-KR" altLang="en-US" sz="10000" dirty="0"/>
-              <a:t>생활정보</a:t>
-            </a:r>
-          </a:p>
-        </p:txBody>
-      </p:sp>
-    </p:spTree>
-    <p:extLst>
-      <p:ext uri="{BB962C8B-B14F-4D97-AF65-F5344CB8AC3E}">
-        <p14:creationId xmlns:p14="http://schemas.microsoft.com/office/powerpoint/2010/main" val="3246108596"/>
-      </p:ext>
-    </p:extLst>
-  </p:cSld>
-  <p:clrMapOvr>
-    <a:masterClrMapping/>
-  </p:clrMapOvr>
-</p:sld>
-</file>
-
 <file path=ppt/slides/slide16.xml><?xml version="1.0" encoding="utf-8"?>
 <p:sld xmlns:a="http://schemas.openxmlformats.org/drawingml/2006/main" xmlns:r="http://schemas.openxmlformats.org/officeDocument/2006/relationships" xmlns:p="http://schemas.openxmlformats.org/presentationml/2006/main">
   <p:cSld>
@@ -4482,525 +5069,59 @@
           <a:chExt cx="0" cy="0"/>
         </a:xfrm>
       </p:grpSpPr>
-      <p:pic>
-        <p:nvPicPr>
-          <p:cNvPr id="13" name="그림 12">
-            <a:extLst>
-              <a:ext uri="{FF2B5EF4-FFF2-40B4-BE49-F238E27FC236}">
-                <a16:creationId xmlns:a16="http://schemas.microsoft.com/office/drawing/2014/main" id="{2DB7D813-D699-08B7-7091-053F0E2C133D}"/>
-              </a:ext>
-            </a:extLst>
-          </p:cNvPr>
-          <p:cNvPicPr>
-            <a:picLocks noChangeAspect="1"/>
-          </p:cNvPicPr>
-          <p:nvPr/>
-        </p:nvPicPr>
-        <p:blipFill>
-          <a:blip r:embed="rId2"/>
-          <a:stretch>
-            <a:fillRect/>
-          </a:stretch>
-        </p:blipFill>
-        <p:spPr>
-          <a:xfrm>
-            <a:off x="601992" y="578923"/>
-            <a:ext cx="1762371" cy="866896"/>
-          </a:xfrm>
-          <a:prstGeom prst="rect">
-            <a:avLst/>
-          </a:prstGeom>
-        </p:spPr>
-      </p:pic>
-      <p:cxnSp>
-        <p:nvCxnSpPr>
-          <p:cNvPr id="15" name="직선 화살표 연결선 14">
-            <a:extLst>
-              <a:ext uri="{FF2B5EF4-FFF2-40B4-BE49-F238E27FC236}">
-                <a16:creationId xmlns:a16="http://schemas.microsoft.com/office/drawing/2014/main" id="{AACCF77F-CCDC-C300-E130-41A582513651}"/>
-              </a:ext>
-            </a:extLst>
-          </p:cNvPr>
-          <p:cNvCxnSpPr/>
-          <p:nvPr/>
-        </p:nvCxnSpPr>
-        <p:spPr>
-          <a:xfrm flipH="1">
-            <a:off x="2274556" y="1167493"/>
-            <a:ext cx="689080" cy="0"/>
-          </a:xfrm>
-          <a:prstGeom prst="straightConnector1">
-            <a:avLst/>
-          </a:prstGeom>
-          <a:ln>
-            <a:tailEnd type="triangle"/>
-          </a:ln>
+      <p:sp>
+        <p:nvSpPr>
+          <p:cNvPr id="3" name="직사각형 2">
+            <a:extLst>
+              <a:ext uri="{FF2B5EF4-FFF2-40B4-BE49-F238E27FC236}">
+                <a16:creationId xmlns:a16="http://schemas.microsoft.com/office/drawing/2014/main" id="{C911613E-2065-A021-648C-90EA2DD07EE8}"/>
+              </a:ext>
+            </a:extLst>
+          </p:cNvPr>
+          <p:cNvSpPr/>
+          <p:nvPr/>
+        </p:nvSpPr>
+        <p:spPr>
+          <a:xfrm>
+            <a:off x="0" y="0"/>
+            <a:ext cx="12192000" cy="6858000"/>
+          </a:xfrm>
+          <a:prstGeom prst="rect">
+            <a:avLst/>
+          </a:prstGeom>
         </p:spPr>
         <p:style>
-          <a:lnRef idx="1">
-            <a:schemeClr val="accent1"/>
+          <a:lnRef idx="2">
+            <a:schemeClr val="accent1">
+              <a:shade val="50000"/>
+            </a:schemeClr>
           </a:lnRef>
-          <a:fillRef idx="0">
+          <a:fillRef idx="1">
             <a:schemeClr val="accent1"/>
           </a:fillRef>
           <a:effectRef idx="0">
             <a:schemeClr val="accent1"/>
           </a:effectRef>
           <a:fontRef idx="minor">
-            <a:schemeClr val="tx1"/>
+            <a:schemeClr val="lt1"/>
           </a:fontRef>
         </p:style>
-      </p:cxnSp>
-      <p:sp>
-        <p:nvSpPr>
-          <p:cNvPr id="16" name="TextBox 15">
-            <a:extLst>
-              <a:ext uri="{FF2B5EF4-FFF2-40B4-BE49-F238E27FC236}">
-                <a16:creationId xmlns:a16="http://schemas.microsoft.com/office/drawing/2014/main" id="{41588E7C-B845-208B-B3A4-7FB067FEB45C}"/>
-              </a:ext>
-            </a:extLst>
-          </p:cNvPr>
-          <p:cNvSpPr txBox="1"/>
-          <p:nvPr/>
-        </p:nvSpPr>
-        <p:spPr>
-          <a:xfrm>
-            <a:off x="3339191" y="1097294"/>
-            <a:ext cx="3929281" cy="697050"/>
-          </a:xfrm>
-          <a:prstGeom prst="rect">
-            <a:avLst/>
-          </a:prstGeom>
-          <a:noFill/>
-        </p:spPr>
-        <p:txBody>
-          <a:bodyPr wrap="none" rtlCol="0">
-            <a:spAutoFit/>
-          </a:bodyPr>
+        <p:txBody>
+          <a:bodyPr rtlCol="0" anchor="ctr"/>
           <a:lstStyle/>
           <a:p>
-            <a:pPr>
-              <a:lnSpc>
-                <a:spcPct val="150000"/>
-              </a:lnSpc>
-            </a:pPr>
-            <a:r>
-              <a:rPr lang="en-US" altLang="ko-KR" sz="1400" dirty="0" err="1"/>
-              <a:t>href</a:t>
-            </a:r>
-            <a:r>
-              <a:rPr lang="en-US" altLang="ko-KR" sz="1400" dirty="0"/>
-              <a:t>=</a:t>
-            </a:r>
-            <a:r>
-              <a:rPr lang="en-US" altLang="ko-KR" sz="1400" dirty="0">
-                <a:hlinkClick r:id="rId3"/>
-              </a:rPr>
-              <a:t>tel:010-1234-1234</a:t>
-            </a:r>
-            <a:r>
-              <a:rPr lang="en-US" altLang="ko-KR" sz="1400" dirty="0"/>
-              <a:t> </a:t>
-            </a:r>
-            <a:r>
-              <a:rPr lang="ko-KR" altLang="en-US" sz="1400" dirty="0"/>
-              <a:t>로 </a:t>
-            </a:r>
-            <a:r>
-              <a:rPr lang="ko-KR" altLang="en-US" sz="1400" dirty="0" err="1"/>
-              <a:t>하면되는데</a:t>
-            </a:r>
-            <a:r>
-              <a:rPr lang="en-US" altLang="ko-KR" sz="1400" dirty="0"/>
-              <a:t>.</a:t>
-            </a:r>
-          </a:p>
-          <a:p>
-            <a:pPr>
-              <a:lnSpc>
-                <a:spcPct val="150000"/>
-              </a:lnSpc>
-            </a:pPr>
-            <a:r>
-              <a:rPr lang="ko-KR" altLang="en-US" sz="1400" dirty="0"/>
-              <a:t>번호 노출때문에</a:t>
-            </a:r>
-            <a:r>
-              <a:rPr lang="en-US" altLang="ko-KR" sz="1400" dirty="0"/>
-              <a:t> </a:t>
-            </a:r>
-            <a:r>
-              <a:rPr lang="ko-KR" altLang="en-US" sz="1400" dirty="0"/>
-              <a:t>스크립트로 하고 </a:t>
-            </a:r>
-            <a:r>
-              <a:rPr lang="ko-KR" altLang="en-US" sz="1400" dirty="0" err="1"/>
-              <a:t>있는건가요</a:t>
-            </a:r>
-            <a:r>
-              <a:rPr lang="en-US" altLang="ko-KR" sz="1400" dirty="0"/>
-              <a:t>?</a:t>
-            </a:r>
-          </a:p>
-        </p:txBody>
-      </p:sp>
-      <p:pic>
-        <p:nvPicPr>
-          <p:cNvPr id="18" name="그림 17">
-            <a:extLst>
-              <a:ext uri="{FF2B5EF4-FFF2-40B4-BE49-F238E27FC236}">
-                <a16:creationId xmlns:a16="http://schemas.microsoft.com/office/drawing/2014/main" id="{CAF5040D-06ED-27BB-0C9C-C5674FBAE89E}"/>
-              </a:ext>
-            </a:extLst>
-          </p:cNvPr>
-          <p:cNvPicPr>
-            <a:picLocks noChangeAspect="1"/>
-          </p:cNvPicPr>
-          <p:nvPr/>
-        </p:nvPicPr>
-        <p:blipFill>
-          <a:blip r:embed="rId4"/>
-          <a:stretch>
-            <a:fillRect/>
-          </a:stretch>
-        </p:blipFill>
-        <p:spPr>
-          <a:xfrm>
-            <a:off x="3453328" y="562594"/>
-            <a:ext cx="2362530" cy="504895"/>
-          </a:xfrm>
-          <a:prstGeom prst="rect">
-            <a:avLst/>
-          </a:prstGeom>
-        </p:spPr>
-      </p:pic>
-      <p:cxnSp>
-        <p:nvCxnSpPr>
-          <p:cNvPr id="6" name="직선 연결선 5">
-            <a:extLst>
-              <a:ext uri="{FF2B5EF4-FFF2-40B4-BE49-F238E27FC236}">
-                <a16:creationId xmlns:a16="http://schemas.microsoft.com/office/drawing/2014/main" id="{FBC8F565-2FD9-A7F5-63A9-247DF0B9B893}"/>
-              </a:ext>
-            </a:extLst>
-          </p:cNvPr>
-          <p:cNvCxnSpPr/>
-          <p:nvPr/>
-        </p:nvCxnSpPr>
-        <p:spPr>
-          <a:xfrm>
-            <a:off x="540697" y="1983921"/>
-            <a:ext cx="10995439" cy="0"/>
-          </a:xfrm>
-          <a:prstGeom prst="line">
-            <a:avLst/>
-          </a:prstGeom>
-        </p:spPr>
-        <p:style>
-          <a:lnRef idx="1">
-            <a:schemeClr val="accent1"/>
-          </a:lnRef>
-          <a:fillRef idx="0">
-            <a:schemeClr val="accent1"/>
-          </a:fillRef>
-          <a:effectRef idx="0">
-            <a:schemeClr val="accent1"/>
-          </a:effectRef>
-          <a:fontRef idx="minor">
-            <a:schemeClr val="tx1"/>
-          </a:fontRef>
-        </p:style>
-      </p:cxnSp>
-      <p:pic>
-        <p:nvPicPr>
-          <p:cNvPr id="3" name="그림 2">
-            <a:extLst>
-              <a:ext uri="{FF2B5EF4-FFF2-40B4-BE49-F238E27FC236}">
-                <a16:creationId xmlns:a16="http://schemas.microsoft.com/office/drawing/2014/main" id="{E7B562EE-6725-590F-765F-7AED948406E3}"/>
-              </a:ext>
-            </a:extLst>
-          </p:cNvPr>
-          <p:cNvPicPr>
-            <a:picLocks noChangeAspect="1"/>
-          </p:cNvPicPr>
-          <p:nvPr/>
-        </p:nvPicPr>
-        <p:blipFill>
-          <a:blip r:embed="rId5"/>
-          <a:stretch>
-            <a:fillRect/>
-          </a:stretch>
-        </p:blipFill>
-        <p:spPr>
-          <a:xfrm>
-            <a:off x="601992" y="2448545"/>
-            <a:ext cx="3218894" cy="1464638"/>
-          </a:xfrm>
-          <a:prstGeom prst="rect">
-            <a:avLst/>
-          </a:prstGeom>
-        </p:spPr>
-      </p:pic>
-      <p:cxnSp>
-        <p:nvCxnSpPr>
-          <p:cNvPr id="9" name="직선 화살표 연결선 8">
-            <a:extLst>
-              <a:ext uri="{FF2B5EF4-FFF2-40B4-BE49-F238E27FC236}">
-                <a16:creationId xmlns:a16="http://schemas.microsoft.com/office/drawing/2014/main" id="{2785C300-5377-731E-CE9D-B06D62180B71}"/>
-              </a:ext>
-            </a:extLst>
-          </p:cNvPr>
-          <p:cNvCxnSpPr>
-            <a:cxnSpLocks/>
-          </p:cNvCxnSpPr>
-          <p:nvPr/>
-        </p:nvCxnSpPr>
-        <p:spPr>
-          <a:xfrm flipH="1">
-            <a:off x="2123238" y="2944586"/>
-            <a:ext cx="2269148" cy="0"/>
-          </a:xfrm>
-          <a:prstGeom prst="straightConnector1">
-            <a:avLst/>
-          </a:prstGeom>
-          <a:ln>
-            <a:tailEnd type="triangle"/>
-          </a:ln>
-        </p:spPr>
-        <p:style>
-          <a:lnRef idx="1">
-            <a:schemeClr val="accent1"/>
-          </a:lnRef>
-          <a:fillRef idx="0">
-            <a:schemeClr val="accent1"/>
-          </a:fillRef>
-          <a:effectRef idx="0">
-            <a:schemeClr val="accent1"/>
-          </a:effectRef>
-          <a:fontRef idx="minor">
-            <a:schemeClr val="tx1"/>
-          </a:fontRef>
-        </p:style>
-      </p:cxnSp>
-      <p:pic>
-        <p:nvPicPr>
-          <p:cNvPr id="7" name="그림 6">
-            <a:extLst>
-              <a:ext uri="{FF2B5EF4-FFF2-40B4-BE49-F238E27FC236}">
-                <a16:creationId xmlns:a16="http://schemas.microsoft.com/office/drawing/2014/main" id="{27ECFBE4-D99A-B389-608E-034FADA2F0F2}"/>
-              </a:ext>
-            </a:extLst>
-          </p:cNvPr>
-          <p:cNvPicPr>
-            <a:picLocks noChangeAspect="1"/>
-          </p:cNvPicPr>
-          <p:nvPr/>
-        </p:nvPicPr>
-        <p:blipFill>
-          <a:blip r:embed="rId6"/>
-          <a:stretch>
-            <a:fillRect/>
-          </a:stretch>
-        </p:blipFill>
-        <p:spPr>
-          <a:xfrm>
-            <a:off x="4667050" y="2522024"/>
-            <a:ext cx="2857899" cy="704948"/>
-          </a:xfrm>
-          <a:prstGeom prst="rect">
-            <a:avLst/>
-          </a:prstGeom>
-        </p:spPr>
-      </p:pic>
-      <p:sp>
-        <p:nvSpPr>
-          <p:cNvPr id="14" name="TextBox 13">
-            <a:extLst>
-              <a:ext uri="{FF2B5EF4-FFF2-40B4-BE49-F238E27FC236}">
-                <a16:creationId xmlns:a16="http://schemas.microsoft.com/office/drawing/2014/main" id="{A1680054-3C71-D489-2634-F5218E0329DC}"/>
-              </a:ext>
-            </a:extLst>
-          </p:cNvPr>
-          <p:cNvSpPr txBox="1"/>
-          <p:nvPr/>
-        </p:nvSpPr>
-        <p:spPr>
-          <a:xfrm>
-            <a:off x="4667050" y="3282504"/>
-            <a:ext cx="3805850" cy="373885"/>
-          </a:xfrm>
-          <a:prstGeom prst="rect">
-            <a:avLst/>
-          </a:prstGeom>
-          <a:noFill/>
-        </p:spPr>
-        <p:txBody>
-          <a:bodyPr wrap="none" rtlCol="0">
-            <a:spAutoFit/>
-          </a:bodyPr>
-          <a:lstStyle/>
-          <a:p>
-            <a:pPr>
-              <a:lnSpc>
-                <a:spcPct val="150000"/>
-              </a:lnSpc>
-            </a:pPr>
-            <a:r>
-              <a:rPr lang="ko-KR" altLang="en-US" sz="1400" dirty="0"/>
-              <a:t>링크 없으면 </a:t>
-            </a:r>
-            <a:r>
-              <a:rPr lang="en-US" altLang="ko-KR" sz="1400" dirty="0"/>
-              <a:t>a </a:t>
-            </a:r>
-            <a:r>
-              <a:rPr lang="ko-KR" altLang="en-US" sz="1400" dirty="0"/>
-              <a:t>태그를 </a:t>
-            </a:r>
-            <a:r>
-              <a:rPr lang="en-US" altLang="ko-KR" sz="1400" dirty="0"/>
-              <a:t>div </a:t>
-            </a:r>
-            <a:r>
-              <a:rPr lang="ko-KR" altLang="en-US" sz="1400" dirty="0"/>
-              <a:t>태그로 바꿔주세요</a:t>
-            </a:r>
-            <a:r>
-              <a:rPr lang="en-US" altLang="ko-KR" sz="1400" dirty="0"/>
-              <a:t>.</a:t>
-            </a:r>
-          </a:p>
-        </p:txBody>
-      </p:sp>
-      <p:cxnSp>
-        <p:nvCxnSpPr>
-          <p:cNvPr id="17" name="직선 연결선 16">
-            <a:extLst>
-              <a:ext uri="{FF2B5EF4-FFF2-40B4-BE49-F238E27FC236}">
-                <a16:creationId xmlns:a16="http://schemas.microsoft.com/office/drawing/2014/main" id="{CD147E53-7507-0E7C-60E3-560FA2B26576}"/>
-              </a:ext>
-            </a:extLst>
-          </p:cNvPr>
-          <p:cNvCxnSpPr/>
-          <p:nvPr/>
-        </p:nvCxnSpPr>
-        <p:spPr>
-          <a:xfrm>
-            <a:off x="540697" y="4343400"/>
-            <a:ext cx="10995439" cy="0"/>
-          </a:xfrm>
-          <a:prstGeom prst="line">
-            <a:avLst/>
-          </a:prstGeom>
-        </p:spPr>
-        <p:style>
-          <a:lnRef idx="1">
-            <a:schemeClr val="accent1"/>
-          </a:lnRef>
-          <a:fillRef idx="0">
-            <a:schemeClr val="accent1"/>
-          </a:fillRef>
-          <a:effectRef idx="0">
-            <a:schemeClr val="accent1"/>
-          </a:effectRef>
-          <a:fontRef idx="minor">
-            <a:schemeClr val="tx1"/>
-          </a:fontRef>
-        </p:style>
-      </p:cxnSp>
-      <p:pic>
-        <p:nvPicPr>
-          <p:cNvPr id="10" name="그림 9">
-            <a:extLst>
-              <a:ext uri="{FF2B5EF4-FFF2-40B4-BE49-F238E27FC236}">
-                <a16:creationId xmlns:a16="http://schemas.microsoft.com/office/drawing/2014/main" id="{197F9AC7-DE1C-D00D-6E2B-D28A25857B72}"/>
-              </a:ext>
-            </a:extLst>
-          </p:cNvPr>
-          <p:cNvPicPr>
-            <a:picLocks noChangeAspect="1"/>
-          </p:cNvPicPr>
-          <p:nvPr/>
-        </p:nvPicPr>
-        <p:blipFill>
-          <a:blip r:embed="rId7"/>
-          <a:stretch>
-            <a:fillRect/>
-          </a:stretch>
-        </p:blipFill>
-        <p:spPr>
-          <a:xfrm>
-            <a:off x="565190" y="4600194"/>
-            <a:ext cx="2798494" cy="1487905"/>
-          </a:xfrm>
-          <a:prstGeom prst="rect">
-            <a:avLst/>
-          </a:prstGeom>
-        </p:spPr>
-      </p:pic>
-      <p:pic>
-        <p:nvPicPr>
-          <p:cNvPr id="12" name="그림 11">
-            <a:extLst>
-              <a:ext uri="{FF2B5EF4-FFF2-40B4-BE49-F238E27FC236}">
-                <a16:creationId xmlns:a16="http://schemas.microsoft.com/office/drawing/2014/main" id="{2B44B261-39E6-881A-3096-1CBD00CD22BE}"/>
-              </a:ext>
-            </a:extLst>
-          </p:cNvPr>
-          <p:cNvPicPr>
-            <a:picLocks noChangeAspect="1"/>
-          </p:cNvPicPr>
-          <p:nvPr/>
-        </p:nvPicPr>
-        <p:blipFill>
-          <a:blip r:embed="rId8"/>
-          <a:stretch>
-            <a:fillRect/>
-          </a:stretch>
-        </p:blipFill>
-        <p:spPr>
-          <a:xfrm>
-            <a:off x="7042082" y="4842421"/>
-            <a:ext cx="3153215" cy="504895"/>
-          </a:xfrm>
-          <a:prstGeom prst="rect">
-            <a:avLst/>
-          </a:prstGeom>
-        </p:spPr>
-      </p:pic>
-      <p:pic>
-        <p:nvPicPr>
-          <p:cNvPr id="21" name="그림 20">
-            <a:extLst>
-              <a:ext uri="{FF2B5EF4-FFF2-40B4-BE49-F238E27FC236}">
-                <a16:creationId xmlns:a16="http://schemas.microsoft.com/office/drawing/2014/main" id="{F2FC1BD7-900D-75B4-71E6-CEDE59868BAB}"/>
-              </a:ext>
-            </a:extLst>
-          </p:cNvPr>
-          <p:cNvPicPr>
-            <a:picLocks noChangeAspect="1"/>
-          </p:cNvPicPr>
-          <p:nvPr/>
-        </p:nvPicPr>
-        <p:blipFill>
-          <a:blip r:embed="rId9"/>
-          <a:stretch>
-            <a:fillRect/>
-          </a:stretch>
-        </p:blipFill>
-        <p:spPr>
-          <a:xfrm>
-            <a:off x="3621516" y="4649281"/>
-            <a:ext cx="2994490" cy="1309568"/>
-          </a:xfrm>
-          <a:prstGeom prst="rect">
-            <a:avLst/>
-          </a:prstGeom>
-        </p:spPr>
-      </p:pic>
+            <a:pPr algn="ctr"/>
+            <a:r>
+              <a:rPr lang="ko-KR" altLang="en-US" sz="10000" dirty="0"/>
+              <a:t>생활정보</a:t>
+            </a:r>
+          </a:p>
+        </p:txBody>
+      </p:sp>
     </p:spTree>
     <p:extLst>
       <p:ext uri="{BB962C8B-B14F-4D97-AF65-F5344CB8AC3E}">
-        <p14:creationId xmlns:p14="http://schemas.microsoft.com/office/powerpoint/2010/main" val="2351975111"/>
+        <p14:creationId xmlns:p14="http://schemas.microsoft.com/office/powerpoint/2010/main" val="3246108596"/>
       </p:ext>
     </p:extLst>
   </p:cSld>
@@ -5029,10 +5150,10 @@
       </p:grpSpPr>
       <p:pic>
         <p:nvPicPr>
-          <p:cNvPr id="4" name="그림 3">
-            <a:extLst>
-              <a:ext uri="{FF2B5EF4-FFF2-40B4-BE49-F238E27FC236}">
-                <a16:creationId xmlns:a16="http://schemas.microsoft.com/office/drawing/2014/main" id="{5154AE30-FD11-74E7-5259-71D6F4C415AE}"/>
+          <p:cNvPr id="13" name="그림 12">
+            <a:extLst>
+              <a:ext uri="{FF2B5EF4-FFF2-40B4-BE49-F238E27FC236}">
+                <a16:creationId xmlns:a16="http://schemas.microsoft.com/office/drawing/2014/main" id="{2DB7D813-D699-08B7-7091-053F0E2C133D}"/>
               </a:ext>
             </a:extLst>
           </p:cNvPr>
@@ -5049,38 +5170,8 @@
         </p:blipFill>
         <p:spPr>
           <a:xfrm>
-            <a:off x="461703" y="399922"/>
-            <a:ext cx="2753136" cy="1351923"/>
-          </a:xfrm>
-          <a:prstGeom prst="rect">
-            <a:avLst/>
-          </a:prstGeom>
-        </p:spPr>
-      </p:pic>
-      <p:pic>
-        <p:nvPicPr>
-          <p:cNvPr id="6" name="그림 5">
-            <a:extLst>
-              <a:ext uri="{FF2B5EF4-FFF2-40B4-BE49-F238E27FC236}">
-                <a16:creationId xmlns:a16="http://schemas.microsoft.com/office/drawing/2014/main" id="{251FA6E5-EDF2-3FC3-78C2-98F56360C91B}"/>
-              </a:ext>
-            </a:extLst>
-          </p:cNvPr>
-          <p:cNvPicPr>
-            <a:picLocks noChangeAspect="1"/>
-          </p:cNvPicPr>
-          <p:nvPr/>
-        </p:nvPicPr>
-        <p:blipFill>
-          <a:blip r:embed="rId3"/>
-          <a:stretch>
-            <a:fillRect/>
-          </a:stretch>
-        </p:blipFill>
-        <p:spPr>
-          <a:xfrm>
-            <a:off x="4318145" y="399922"/>
-            <a:ext cx="2946435" cy="3883320"/>
+            <a:off x="601992" y="578923"/>
+            <a:ext cx="1762371" cy="866896"/>
           </a:xfrm>
           <a:prstGeom prst="rect">
             <a:avLst/>
@@ -5089,10 +5180,10 @@
       </p:pic>
       <p:cxnSp>
         <p:nvCxnSpPr>
-          <p:cNvPr id="8" name="직선 화살표 연결선 7">
-            <a:extLst>
-              <a:ext uri="{FF2B5EF4-FFF2-40B4-BE49-F238E27FC236}">
-                <a16:creationId xmlns:a16="http://schemas.microsoft.com/office/drawing/2014/main" id="{7E280CBF-8F39-D147-04F9-BD5E4AE683EA}"/>
+          <p:cNvPr id="15" name="직선 화살표 연결선 14">
+            <a:extLst>
+              <a:ext uri="{FF2B5EF4-FFF2-40B4-BE49-F238E27FC236}">
+                <a16:creationId xmlns:a16="http://schemas.microsoft.com/office/drawing/2014/main" id="{AACCF77F-CCDC-C300-E130-41A582513651}"/>
               </a:ext>
             </a:extLst>
           </p:cNvPr>
@@ -5100,9 +5191,9 @@
           <p:nvPr/>
         </p:nvCxnSpPr>
         <p:spPr>
-          <a:xfrm>
-            <a:off x="3022333" y="1075883"/>
-            <a:ext cx="981776" cy="0"/>
+          <a:xfrm flipH="1">
+            <a:off x="2274556" y="1167493"/>
+            <a:ext cx="689080" cy="0"/>
           </a:xfrm>
           <a:prstGeom prst="straightConnector1">
             <a:avLst/>
@@ -5128,10 +5219,10 @@
       </p:cxnSp>
       <p:sp>
         <p:nvSpPr>
-          <p:cNvPr id="9" name="TextBox 8">
-            <a:extLst>
-              <a:ext uri="{FF2B5EF4-FFF2-40B4-BE49-F238E27FC236}">
-                <a16:creationId xmlns:a16="http://schemas.microsoft.com/office/drawing/2014/main" id="{74C54BB1-0956-2B4A-BEBE-3E9DBABA7AFA}"/>
+          <p:cNvPr id="16" name="TextBox 15">
+            <a:extLst>
+              <a:ext uri="{FF2B5EF4-FFF2-40B4-BE49-F238E27FC236}">
+                <a16:creationId xmlns:a16="http://schemas.microsoft.com/office/drawing/2014/main" id="{41588E7C-B845-208B-B3A4-7FB067FEB45C}"/>
               </a:ext>
             </a:extLst>
           </p:cNvPr>
@@ -5140,8 +5231,8 @@
         </p:nvSpPr>
         <p:spPr>
           <a:xfrm>
-            <a:off x="3443326" y="1298121"/>
-            <a:ext cx="543739" cy="307777"/>
+            <a:off x="3339191" y="1097294"/>
+            <a:ext cx="3929281" cy="697050"/>
           </a:xfrm>
           <a:prstGeom prst="rect">
             <a:avLst/>
@@ -5154,19 +5245,107 @@
           </a:bodyPr>
           <a:lstStyle/>
           <a:p>
+            <a:pPr>
+              <a:lnSpc>
+                <a:spcPct val="150000"/>
+              </a:lnSpc>
+            </a:pPr>
+            <a:r>
+              <a:rPr lang="en-US" altLang="ko-KR" sz="1400" dirty="0" err="1"/>
+              <a:t>href</a:t>
+            </a:r>
+            <a:r>
+              <a:rPr lang="en-US" altLang="ko-KR" sz="1400" dirty="0"/>
+              <a:t>=</a:t>
+            </a:r>
+            <a:r>
+              <a:rPr lang="en-US" altLang="ko-KR" sz="1400" dirty="0">
+                <a:hlinkClick r:id="rId3"/>
+              </a:rPr>
+              <a:t>tel:010-1234-1234</a:t>
+            </a:r>
+            <a:r>
+              <a:rPr lang="en-US" altLang="ko-KR" sz="1400" dirty="0"/>
+              <a:t> </a:t>
+            </a:r>
             <a:r>
               <a:rPr lang="ko-KR" altLang="en-US" sz="1400" dirty="0"/>
-              <a:t>클릭</a:t>
-            </a:r>
-          </a:p>
-        </p:txBody>
-      </p:sp>
+              <a:t>로 </a:t>
+            </a:r>
+            <a:r>
+              <a:rPr lang="ko-KR" altLang="en-US" sz="1400" dirty="0" err="1"/>
+              <a:t>하면되는데</a:t>
+            </a:r>
+            <a:r>
+              <a:rPr lang="en-US" altLang="ko-KR" sz="1400" dirty="0"/>
+              <a:t>.</a:t>
+            </a:r>
+          </a:p>
+          <a:p>
+            <a:pPr>
+              <a:lnSpc>
+                <a:spcPct val="150000"/>
+              </a:lnSpc>
+            </a:pPr>
+            <a:r>
+              <a:rPr lang="ko-KR" altLang="en-US" sz="1400" dirty="0"/>
+              <a:t>번호 노출때문에</a:t>
+            </a:r>
+            <a:r>
+              <a:rPr lang="en-US" altLang="ko-KR" sz="1400" dirty="0"/>
+              <a:t> </a:t>
+            </a:r>
+            <a:r>
+              <a:rPr lang="ko-KR" altLang="en-US" sz="1400" dirty="0"/>
+              <a:t>스크립트로 하고 </a:t>
+            </a:r>
+            <a:r>
+              <a:rPr lang="ko-KR" altLang="en-US" sz="1400" dirty="0" err="1"/>
+              <a:t>있는건가요</a:t>
+            </a:r>
+            <a:r>
+              <a:rPr lang="en-US" altLang="ko-KR" sz="1400" dirty="0"/>
+              <a:t>?</a:t>
+            </a:r>
+          </a:p>
+        </p:txBody>
+      </p:sp>
+      <p:pic>
+        <p:nvPicPr>
+          <p:cNvPr id="18" name="그림 17">
+            <a:extLst>
+              <a:ext uri="{FF2B5EF4-FFF2-40B4-BE49-F238E27FC236}">
+                <a16:creationId xmlns:a16="http://schemas.microsoft.com/office/drawing/2014/main" id="{CAF5040D-06ED-27BB-0C9C-C5674FBAE89E}"/>
+              </a:ext>
+            </a:extLst>
+          </p:cNvPr>
+          <p:cNvPicPr>
+            <a:picLocks noChangeAspect="1"/>
+          </p:cNvPicPr>
+          <p:nvPr/>
+        </p:nvPicPr>
+        <p:blipFill>
+          <a:blip r:embed="rId4"/>
+          <a:stretch>
+            <a:fillRect/>
+          </a:stretch>
+        </p:blipFill>
+        <p:spPr>
+          <a:xfrm>
+            <a:off x="3453328" y="562594"/>
+            <a:ext cx="2362530" cy="504895"/>
+          </a:xfrm>
+          <a:prstGeom prst="rect">
+            <a:avLst/>
+          </a:prstGeom>
+        </p:spPr>
+      </p:pic>
       <p:cxnSp>
         <p:nvCxnSpPr>
-          <p:cNvPr id="11" name="직선 화살표 연결선 10">
-            <a:extLst>
-              <a:ext uri="{FF2B5EF4-FFF2-40B4-BE49-F238E27FC236}">
-                <a16:creationId xmlns:a16="http://schemas.microsoft.com/office/drawing/2014/main" id="{F355A14B-5DB3-CDB3-2C3E-1B395DAC811C}"/>
+          <p:cNvPr id="6" name="직선 연결선 5">
+            <a:extLst>
+              <a:ext uri="{FF2B5EF4-FFF2-40B4-BE49-F238E27FC236}">
+                <a16:creationId xmlns:a16="http://schemas.microsoft.com/office/drawing/2014/main" id="{FBC8F565-2FD9-A7F5-63A9-247DF0B9B893}"/>
               </a:ext>
             </a:extLst>
           </p:cNvPr>
@@ -5174,16 +5353,13 @@
           <p:nvPr/>
         </p:nvCxnSpPr>
         <p:spPr>
-          <a:xfrm flipH="1">
-            <a:off x="6096000" y="399922"/>
-            <a:ext cx="1861457" cy="0"/>
-          </a:xfrm>
-          <a:prstGeom prst="straightConnector1">
-            <a:avLst/>
-          </a:prstGeom>
-          <a:ln>
-            <a:tailEnd type="triangle"/>
-          </a:ln>
+          <a:xfrm>
+            <a:off x="540697" y="1983921"/>
+            <a:ext cx="10995439" cy="0"/>
+          </a:xfrm>
+          <a:prstGeom prst="line">
+            <a:avLst/>
+          </a:prstGeom>
         </p:spPr>
         <p:style>
           <a:lnRef idx="1">
@@ -5200,109 +5376,42 @@
           </a:fontRef>
         </p:style>
       </p:cxnSp>
-      <p:sp>
-        <p:nvSpPr>
-          <p:cNvPr id="12" name="TextBox 11">
-            <a:extLst>
-              <a:ext uri="{FF2B5EF4-FFF2-40B4-BE49-F238E27FC236}">
-                <a16:creationId xmlns:a16="http://schemas.microsoft.com/office/drawing/2014/main" id="{89EF5AEC-36C3-B871-A253-B80739D57D8F}"/>
-              </a:ext>
-            </a:extLst>
-          </p:cNvPr>
-          <p:cNvSpPr txBox="1"/>
-          <p:nvPr/>
-        </p:nvSpPr>
-        <p:spPr>
-          <a:xfrm>
-            <a:off x="7685587" y="519792"/>
-            <a:ext cx="4078361" cy="1384995"/>
-          </a:xfrm>
-          <a:prstGeom prst="rect">
-            <a:avLst/>
-          </a:prstGeom>
-          <a:noFill/>
-        </p:spPr>
-        <p:txBody>
-          <a:bodyPr wrap="none" rtlCol="0">
-            <a:spAutoFit/>
-          </a:bodyPr>
-          <a:lstStyle/>
-          <a:p>
-            <a:r>
-              <a:rPr lang="ko-KR" altLang="en-US" sz="1400" dirty="0"/>
-              <a:t>포커스가 여기로 와야 합니다</a:t>
-            </a:r>
-            <a:r>
-              <a:rPr lang="en-US" altLang="ko-KR" sz="1400" dirty="0"/>
-              <a:t>.</a:t>
-            </a:r>
-          </a:p>
-          <a:p>
-            <a:endParaRPr lang="en-US" altLang="ko-KR" sz="1400" dirty="0"/>
-          </a:p>
-          <a:p>
-            <a:r>
-              <a:rPr lang="en-US" altLang="ko-KR" sz="1400" dirty="0"/>
-              <a:t>X </a:t>
-            </a:r>
-            <a:r>
-              <a:rPr lang="ko-KR" altLang="en-US" sz="1400" dirty="0"/>
-              <a:t>버튼에서 </a:t>
-            </a:r>
-            <a:r>
-              <a:rPr lang="ko-KR" altLang="en-US" sz="1400" dirty="0" err="1"/>
-              <a:t>탭누르면</a:t>
-            </a:r>
-            <a:r>
-              <a:rPr lang="ko-KR" altLang="en-US" sz="1400" dirty="0"/>
-              <a:t> 포커스가 다시 여기로 와야</a:t>
-            </a:r>
-            <a:endParaRPr lang="en-US" altLang="ko-KR" sz="1400" dirty="0"/>
-          </a:p>
-          <a:p>
-            <a:r>
-              <a:rPr lang="ko-KR" altLang="en-US" sz="1400" dirty="0"/>
-              <a:t>합니다</a:t>
-            </a:r>
-            <a:r>
-              <a:rPr lang="en-US" altLang="ko-KR" sz="1400" dirty="0"/>
-              <a:t>.</a:t>
-            </a:r>
-          </a:p>
-          <a:p>
-            <a:endParaRPr lang="en-US" altLang="ko-KR" sz="1400" dirty="0"/>
-          </a:p>
-          <a:p>
-            <a:r>
-              <a:rPr lang="en-US" altLang="ko-KR" sz="1400" dirty="0"/>
-              <a:t>X </a:t>
-            </a:r>
-            <a:r>
-              <a:rPr lang="ko-KR" altLang="en-US" sz="1400" dirty="0"/>
-              <a:t>누르면 원래 </a:t>
-            </a:r>
-            <a:r>
-              <a:rPr lang="ko-KR" altLang="en-US" sz="1400" dirty="0" err="1"/>
-              <a:t>있던곳으로</a:t>
-            </a:r>
-            <a:r>
-              <a:rPr lang="ko-KR" altLang="en-US" sz="1400" dirty="0"/>
-              <a:t> 포커스가 가야합니다</a:t>
-            </a:r>
-            <a:r>
-              <a:rPr lang="en-US" altLang="ko-KR" sz="1400" dirty="0"/>
-              <a:t>.</a:t>
-            </a:r>
-            <a:endParaRPr lang="ko-KR" altLang="en-US" sz="1400" dirty="0"/>
-          </a:p>
-        </p:txBody>
-      </p:sp>
+      <p:pic>
+        <p:nvPicPr>
+          <p:cNvPr id="3" name="그림 2">
+            <a:extLst>
+              <a:ext uri="{FF2B5EF4-FFF2-40B4-BE49-F238E27FC236}">
+                <a16:creationId xmlns:a16="http://schemas.microsoft.com/office/drawing/2014/main" id="{E7B562EE-6725-590F-765F-7AED948406E3}"/>
+              </a:ext>
+            </a:extLst>
+          </p:cNvPr>
+          <p:cNvPicPr>
+            <a:picLocks noChangeAspect="1"/>
+          </p:cNvPicPr>
+          <p:nvPr/>
+        </p:nvPicPr>
+        <p:blipFill>
+          <a:blip r:embed="rId5"/>
+          <a:stretch>
+            <a:fillRect/>
+          </a:stretch>
+        </p:blipFill>
+        <p:spPr>
+          <a:xfrm>
+            <a:off x="601992" y="2448545"/>
+            <a:ext cx="3218894" cy="1464638"/>
+          </a:xfrm>
+          <a:prstGeom prst="rect">
+            <a:avLst/>
+          </a:prstGeom>
+        </p:spPr>
+      </p:pic>
       <p:cxnSp>
         <p:nvCxnSpPr>
-          <p:cNvPr id="14" name="직선 화살표 연결선 13">
-            <a:extLst>
-              <a:ext uri="{FF2B5EF4-FFF2-40B4-BE49-F238E27FC236}">
-                <a16:creationId xmlns:a16="http://schemas.microsoft.com/office/drawing/2014/main" id="{7E7049B7-C4AA-544A-5CE6-6D8281EDD43E}"/>
+          <p:cNvPr id="9" name="직선 화살표 연결선 8">
+            <a:extLst>
+              <a:ext uri="{FF2B5EF4-FFF2-40B4-BE49-F238E27FC236}">
+                <a16:creationId xmlns:a16="http://schemas.microsoft.com/office/drawing/2014/main" id="{2785C300-5377-731E-CE9D-B06D62180B71}"/>
               </a:ext>
             </a:extLst>
           </p:cNvPr>
@@ -5312,9 +5421,9 @@
           <p:nvPr/>
         </p:nvCxnSpPr>
         <p:spPr>
-          <a:xfrm flipV="1">
-            <a:off x="2691253" y="1298121"/>
-            <a:ext cx="0" cy="3943350"/>
+          <a:xfrm flipH="1">
+            <a:off x="2123238" y="2944586"/>
+            <a:ext cx="2269148" cy="0"/>
           </a:xfrm>
           <a:prstGeom prst="straightConnector1">
             <a:avLst/>
@@ -5325,25 +5434,115 @@
         </p:spPr>
         <p:style>
           <a:lnRef idx="1">
-            <a:schemeClr val="dk1"/>
+            <a:schemeClr val="accent1"/>
           </a:lnRef>
           <a:fillRef idx="0">
-            <a:schemeClr val="dk1"/>
+            <a:schemeClr val="accent1"/>
           </a:fillRef>
           <a:effectRef idx="0">
-            <a:schemeClr val="dk1"/>
+            <a:schemeClr val="accent1"/>
           </a:effectRef>
           <a:fontRef idx="minor">
             <a:schemeClr val="tx1"/>
           </a:fontRef>
         </p:style>
       </p:cxnSp>
+      <p:pic>
+        <p:nvPicPr>
+          <p:cNvPr id="7" name="그림 6">
+            <a:extLst>
+              <a:ext uri="{FF2B5EF4-FFF2-40B4-BE49-F238E27FC236}">
+                <a16:creationId xmlns:a16="http://schemas.microsoft.com/office/drawing/2014/main" id="{27ECFBE4-D99A-B389-608E-034FADA2F0F2}"/>
+              </a:ext>
+            </a:extLst>
+          </p:cNvPr>
+          <p:cNvPicPr>
+            <a:picLocks noChangeAspect="1"/>
+          </p:cNvPicPr>
+          <p:nvPr/>
+        </p:nvPicPr>
+        <p:blipFill>
+          <a:blip r:embed="rId6"/>
+          <a:stretch>
+            <a:fillRect/>
+          </a:stretch>
+        </p:blipFill>
+        <p:spPr>
+          <a:xfrm>
+            <a:off x="4667050" y="2522024"/>
+            <a:ext cx="2857899" cy="704948"/>
+          </a:xfrm>
+          <a:prstGeom prst="rect">
+            <a:avLst/>
+          </a:prstGeom>
+        </p:spPr>
+      </p:pic>
+      <p:sp>
+        <p:nvSpPr>
+          <p:cNvPr id="14" name="TextBox 13">
+            <a:extLst>
+              <a:ext uri="{FF2B5EF4-FFF2-40B4-BE49-F238E27FC236}">
+                <a16:creationId xmlns:a16="http://schemas.microsoft.com/office/drawing/2014/main" id="{A1680054-3C71-D489-2634-F5218E0329DC}"/>
+              </a:ext>
+            </a:extLst>
+          </p:cNvPr>
+          <p:cNvSpPr txBox="1"/>
+          <p:nvPr/>
+        </p:nvSpPr>
+        <p:spPr>
+          <a:xfrm>
+            <a:off x="4667050" y="3282504"/>
+            <a:ext cx="3805850" cy="373885"/>
+          </a:xfrm>
+          <a:prstGeom prst="rect">
+            <a:avLst/>
+          </a:prstGeom>
+          <a:noFill/>
+        </p:spPr>
+        <p:txBody>
+          <a:bodyPr wrap="none" rtlCol="0">
+            <a:spAutoFit/>
+          </a:bodyPr>
+          <a:lstStyle/>
+          <a:p>
+            <a:pPr>
+              <a:lnSpc>
+                <a:spcPct val="150000"/>
+              </a:lnSpc>
+            </a:pPr>
+            <a:r>
+              <a:rPr lang="ko-KR" altLang="en-US" sz="1400" dirty="0"/>
+              <a:t>링크 없으면 </a:t>
+            </a:r>
+            <a:r>
+              <a:rPr lang="en-US" altLang="ko-KR" sz="1400" dirty="0"/>
+              <a:t>a </a:t>
+            </a:r>
+            <a:r>
+              <a:rPr lang="ko-KR" altLang="en-US" sz="1400" dirty="0"/>
+              <a:t>태그를 </a:t>
+            </a:r>
+            <a:r>
+              <a:rPr lang="en-US" altLang="ko-KR" sz="1400" dirty="0"/>
+              <a:t>div </a:t>
+            </a:r>
+            <a:r>
+              <a:rPr lang="ko-KR" altLang="en-US" sz="1400" dirty="0"/>
+              <a:t>태그로 바꿔주세요</a:t>
+            </a:r>
+            <a:r>
+              <a:rPr lang="en-US" altLang="ko-KR" sz="1400" dirty="0"/>
+              <a:t>.</a:t>
+            </a:r>
+          </a:p>
+        </p:txBody>
+      </p:sp>
       <p:cxnSp>
         <p:nvCxnSpPr>
           <p:cNvPr id="17" name="직선 연결선 16">
             <a:extLst>
               <a:ext uri="{FF2B5EF4-FFF2-40B4-BE49-F238E27FC236}">
-                <a16:creationId xmlns:a16="http://schemas.microsoft.com/office/drawing/2014/main" id="{F7FD24F0-77EA-66D1-B9AD-C46DF90108A0}"/>
+                <a16:creationId xmlns:a16="http://schemas.microsoft.com/office/drawing/2014/main" id="{CD147E53-7507-0E7C-60E3-560FA2B26576}"/>
               </a:ext>
             </a:extLst>
           </p:cNvPr>
@@ -5352,8 +5551,8 @@
         </p:nvCxnSpPr>
         <p:spPr>
           <a:xfrm>
-            <a:off x="2743200" y="5241471"/>
-            <a:ext cx="5519057" cy="0"/>
+            <a:off x="540697" y="4343400"/>
+            <a:ext cx="10995439" cy="0"/>
           </a:xfrm>
           <a:prstGeom prst="line">
             <a:avLst/>
@@ -5374,46 +5573,100 @@
           </a:fontRef>
         </p:style>
       </p:cxnSp>
-      <p:cxnSp>
-        <p:nvCxnSpPr>
-          <p:cNvPr id="19" name="직선 연결선 18">
-            <a:extLst>
-              <a:ext uri="{FF2B5EF4-FFF2-40B4-BE49-F238E27FC236}">
-                <a16:creationId xmlns:a16="http://schemas.microsoft.com/office/drawing/2014/main" id="{24E7478F-D91C-F669-C390-8DD4E1E6DADB}"/>
-              </a:ext>
-            </a:extLst>
-          </p:cNvPr>
-          <p:cNvCxnSpPr/>
-          <p:nvPr/>
-        </p:nvCxnSpPr>
-        <p:spPr>
-          <a:xfrm flipV="1">
-            <a:off x="8270421" y="2073729"/>
-            <a:ext cx="0" cy="3167742"/>
-          </a:xfrm>
-          <a:prstGeom prst="line">
-            <a:avLst/>
-          </a:prstGeom>
-        </p:spPr>
-        <p:style>
-          <a:lnRef idx="1">
-            <a:schemeClr val="accent1"/>
-          </a:lnRef>
-          <a:fillRef idx="0">
-            <a:schemeClr val="accent1"/>
-          </a:fillRef>
-          <a:effectRef idx="0">
-            <a:schemeClr val="accent1"/>
-          </a:effectRef>
-          <a:fontRef idx="minor">
-            <a:schemeClr val="tx1"/>
-          </a:fontRef>
-        </p:style>
-      </p:cxnSp>
+      <p:pic>
+        <p:nvPicPr>
+          <p:cNvPr id="10" name="그림 9">
+            <a:extLst>
+              <a:ext uri="{FF2B5EF4-FFF2-40B4-BE49-F238E27FC236}">
+                <a16:creationId xmlns:a16="http://schemas.microsoft.com/office/drawing/2014/main" id="{197F9AC7-DE1C-D00D-6E2B-D28A25857B72}"/>
+              </a:ext>
+            </a:extLst>
+          </p:cNvPr>
+          <p:cNvPicPr>
+            <a:picLocks noChangeAspect="1"/>
+          </p:cNvPicPr>
+          <p:nvPr/>
+        </p:nvPicPr>
+        <p:blipFill>
+          <a:blip r:embed="rId7"/>
+          <a:stretch>
+            <a:fillRect/>
+          </a:stretch>
+        </p:blipFill>
+        <p:spPr>
+          <a:xfrm>
+            <a:off x="565190" y="4600194"/>
+            <a:ext cx="2798494" cy="1487905"/>
+          </a:xfrm>
+          <a:prstGeom prst="rect">
+            <a:avLst/>
+          </a:prstGeom>
+        </p:spPr>
+      </p:pic>
+      <p:pic>
+        <p:nvPicPr>
+          <p:cNvPr id="12" name="그림 11">
+            <a:extLst>
+              <a:ext uri="{FF2B5EF4-FFF2-40B4-BE49-F238E27FC236}">
+                <a16:creationId xmlns:a16="http://schemas.microsoft.com/office/drawing/2014/main" id="{2B44B261-39E6-881A-3096-1CBD00CD22BE}"/>
+              </a:ext>
+            </a:extLst>
+          </p:cNvPr>
+          <p:cNvPicPr>
+            <a:picLocks noChangeAspect="1"/>
+          </p:cNvPicPr>
+          <p:nvPr/>
+        </p:nvPicPr>
+        <p:blipFill>
+          <a:blip r:embed="rId8"/>
+          <a:stretch>
+            <a:fillRect/>
+          </a:stretch>
+        </p:blipFill>
+        <p:spPr>
+          <a:xfrm>
+            <a:off x="7042082" y="4842421"/>
+            <a:ext cx="3153215" cy="504895"/>
+          </a:xfrm>
+          <a:prstGeom prst="rect">
+            <a:avLst/>
+          </a:prstGeom>
+        </p:spPr>
+      </p:pic>
+      <p:pic>
+        <p:nvPicPr>
+          <p:cNvPr id="21" name="그림 20">
+            <a:extLst>
+              <a:ext uri="{FF2B5EF4-FFF2-40B4-BE49-F238E27FC236}">
+                <a16:creationId xmlns:a16="http://schemas.microsoft.com/office/drawing/2014/main" id="{F2FC1BD7-900D-75B4-71E6-CEDE59868BAB}"/>
+              </a:ext>
+            </a:extLst>
+          </p:cNvPr>
+          <p:cNvPicPr>
+            <a:picLocks noChangeAspect="1"/>
+          </p:cNvPicPr>
+          <p:nvPr/>
+        </p:nvPicPr>
+        <p:blipFill>
+          <a:blip r:embed="rId9"/>
+          <a:stretch>
+            <a:fillRect/>
+          </a:stretch>
+        </p:blipFill>
+        <p:spPr>
+          <a:xfrm>
+            <a:off x="3621516" y="4649281"/>
+            <a:ext cx="2994490" cy="1309568"/>
+          </a:xfrm>
+          <a:prstGeom prst="rect">
+            <a:avLst/>
+          </a:prstGeom>
+        </p:spPr>
+      </p:pic>
     </p:spTree>
     <p:extLst>
       <p:ext uri="{BB962C8B-B14F-4D97-AF65-F5344CB8AC3E}">
-        <p14:creationId xmlns:p14="http://schemas.microsoft.com/office/powerpoint/2010/main" val="3084232163"/>
+        <p14:creationId xmlns:p14="http://schemas.microsoft.com/office/powerpoint/2010/main" val="2351975111"/>
       </p:ext>
     </p:extLst>
   </p:cSld>
@@ -5440,10 +5693,393 @@
           <a:chExt cx="0" cy="0"/>
         </a:xfrm>
       </p:grpSpPr>
+      <p:pic>
+        <p:nvPicPr>
+          <p:cNvPr id="4" name="그림 3">
+            <a:extLst>
+              <a:ext uri="{FF2B5EF4-FFF2-40B4-BE49-F238E27FC236}">
+                <a16:creationId xmlns:a16="http://schemas.microsoft.com/office/drawing/2014/main" id="{5154AE30-FD11-74E7-5259-71D6F4C415AE}"/>
+              </a:ext>
+            </a:extLst>
+          </p:cNvPr>
+          <p:cNvPicPr>
+            <a:picLocks noChangeAspect="1"/>
+          </p:cNvPicPr>
+          <p:nvPr/>
+        </p:nvPicPr>
+        <p:blipFill>
+          <a:blip r:embed="rId2"/>
+          <a:stretch>
+            <a:fillRect/>
+          </a:stretch>
+        </p:blipFill>
+        <p:spPr>
+          <a:xfrm>
+            <a:off x="461703" y="399922"/>
+            <a:ext cx="2753136" cy="1351923"/>
+          </a:xfrm>
+          <a:prstGeom prst="rect">
+            <a:avLst/>
+          </a:prstGeom>
+        </p:spPr>
+      </p:pic>
+      <p:pic>
+        <p:nvPicPr>
+          <p:cNvPr id="6" name="그림 5">
+            <a:extLst>
+              <a:ext uri="{FF2B5EF4-FFF2-40B4-BE49-F238E27FC236}">
+                <a16:creationId xmlns:a16="http://schemas.microsoft.com/office/drawing/2014/main" id="{251FA6E5-EDF2-3FC3-78C2-98F56360C91B}"/>
+              </a:ext>
+            </a:extLst>
+          </p:cNvPr>
+          <p:cNvPicPr>
+            <a:picLocks noChangeAspect="1"/>
+          </p:cNvPicPr>
+          <p:nvPr/>
+        </p:nvPicPr>
+        <p:blipFill>
+          <a:blip r:embed="rId3"/>
+          <a:stretch>
+            <a:fillRect/>
+          </a:stretch>
+        </p:blipFill>
+        <p:spPr>
+          <a:xfrm>
+            <a:off x="4318145" y="399922"/>
+            <a:ext cx="2946435" cy="3883320"/>
+          </a:xfrm>
+          <a:prstGeom prst="rect">
+            <a:avLst/>
+          </a:prstGeom>
+        </p:spPr>
+      </p:pic>
+      <p:cxnSp>
+        <p:nvCxnSpPr>
+          <p:cNvPr id="8" name="직선 화살표 연결선 7">
+            <a:extLst>
+              <a:ext uri="{FF2B5EF4-FFF2-40B4-BE49-F238E27FC236}">
+                <a16:creationId xmlns:a16="http://schemas.microsoft.com/office/drawing/2014/main" id="{7E280CBF-8F39-D147-04F9-BD5E4AE683EA}"/>
+              </a:ext>
+            </a:extLst>
+          </p:cNvPr>
+          <p:cNvCxnSpPr/>
+          <p:nvPr/>
+        </p:nvCxnSpPr>
+        <p:spPr>
+          <a:xfrm>
+            <a:off x="3022333" y="1075883"/>
+            <a:ext cx="981776" cy="0"/>
+          </a:xfrm>
+          <a:prstGeom prst="straightConnector1">
+            <a:avLst/>
+          </a:prstGeom>
+          <a:ln>
+            <a:tailEnd type="triangle"/>
+          </a:ln>
+        </p:spPr>
+        <p:style>
+          <a:lnRef idx="1">
+            <a:schemeClr val="accent1"/>
+          </a:lnRef>
+          <a:fillRef idx="0">
+            <a:schemeClr val="accent1"/>
+          </a:fillRef>
+          <a:effectRef idx="0">
+            <a:schemeClr val="accent1"/>
+          </a:effectRef>
+          <a:fontRef idx="minor">
+            <a:schemeClr val="tx1"/>
+          </a:fontRef>
+        </p:style>
+      </p:cxnSp>
+      <p:sp>
+        <p:nvSpPr>
+          <p:cNvPr id="9" name="TextBox 8">
+            <a:extLst>
+              <a:ext uri="{FF2B5EF4-FFF2-40B4-BE49-F238E27FC236}">
+                <a16:creationId xmlns:a16="http://schemas.microsoft.com/office/drawing/2014/main" id="{74C54BB1-0956-2B4A-BEBE-3E9DBABA7AFA}"/>
+              </a:ext>
+            </a:extLst>
+          </p:cNvPr>
+          <p:cNvSpPr txBox="1"/>
+          <p:nvPr/>
+        </p:nvSpPr>
+        <p:spPr>
+          <a:xfrm>
+            <a:off x="3443326" y="1298121"/>
+            <a:ext cx="543739" cy="307777"/>
+          </a:xfrm>
+          <a:prstGeom prst="rect">
+            <a:avLst/>
+          </a:prstGeom>
+          <a:noFill/>
+        </p:spPr>
+        <p:txBody>
+          <a:bodyPr wrap="none" rtlCol="0">
+            <a:spAutoFit/>
+          </a:bodyPr>
+          <a:lstStyle/>
+          <a:p>
+            <a:r>
+              <a:rPr lang="ko-KR" altLang="en-US" sz="1400" dirty="0"/>
+              <a:t>클릭</a:t>
+            </a:r>
+          </a:p>
+        </p:txBody>
+      </p:sp>
+      <p:cxnSp>
+        <p:nvCxnSpPr>
+          <p:cNvPr id="11" name="직선 화살표 연결선 10">
+            <a:extLst>
+              <a:ext uri="{FF2B5EF4-FFF2-40B4-BE49-F238E27FC236}">
+                <a16:creationId xmlns:a16="http://schemas.microsoft.com/office/drawing/2014/main" id="{F355A14B-5DB3-CDB3-2C3E-1B395DAC811C}"/>
+              </a:ext>
+            </a:extLst>
+          </p:cNvPr>
+          <p:cNvCxnSpPr/>
+          <p:nvPr/>
+        </p:nvCxnSpPr>
+        <p:spPr>
+          <a:xfrm flipH="1">
+            <a:off x="6096000" y="399922"/>
+            <a:ext cx="1861457" cy="0"/>
+          </a:xfrm>
+          <a:prstGeom prst="straightConnector1">
+            <a:avLst/>
+          </a:prstGeom>
+          <a:ln>
+            <a:tailEnd type="triangle"/>
+          </a:ln>
+        </p:spPr>
+        <p:style>
+          <a:lnRef idx="1">
+            <a:schemeClr val="accent1"/>
+          </a:lnRef>
+          <a:fillRef idx="0">
+            <a:schemeClr val="accent1"/>
+          </a:fillRef>
+          <a:effectRef idx="0">
+            <a:schemeClr val="accent1"/>
+          </a:effectRef>
+          <a:fontRef idx="minor">
+            <a:schemeClr val="tx1"/>
+          </a:fontRef>
+        </p:style>
+      </p:cxnSp>
+      <p:sp>
+        <p:nvSpPr>
+          <p:cNvPr id="12" name="TextBox 11">
+            <a:extLst>
+              <a:ext uri="{FF2B5EF4-FFF2-40B4-BE49-F238E27FC236}">
+                <a16:creationId xmlns:a16="http://schemas.microsoft.com/office/drawing/2014/main" id="{89EF5AEC-36C3-B871-A253-B80739D57D8F}"/>
+              </a:ext>
+            </a:extLst>
+          </p:cNvPr>
+          <p:cNvSpPr txBox="1"/>
+          <p:nvPr/>
+        </p:nvSpPr>
+        <p:spPr>
+          <a:xfrm>
+            <a:off x="7685587" y="519792"/>
+            <a:ext cx="4078361" cy="1384995"/>
+          </a:xfrm>
+          <a:prstGeom prst="rect">
+            <a:avLst/>
+          </a:prstGeom>
+          <a:noFill/>
+        </p:spPr>
+        <p:txBody>
+          <a:bodyPr wrap="none" rtlCol="0">
+            <a:spAutoFit/>
+          </a:bodyPr>
+          <a:lstStyle/>
+          <a:p>
+            <a:r>
+              <a:rPr lang="ko-KR" altLang="en-US" sz="1400" dirty="0"/>
+              <a:t>포커스가 여기로 와야 합니다</a:t>
+            </a:r>
+            <a:r>
+              <a:rPr lang="en-US" altLang="ko-KR" sz="1400" dirty="0"/>
+              <a:t>.</a:t>
+            </a:r>
+          </a:p>
+          <a:p>
+            <a:endParaRPr lang="en-US" altLang="ko-KR" sz="1400" dirty="0"/>
+          </a:p>
+          <a:p>
+            <a:r>
+              <a:rPr lang="en-US" altLang="ko-KR" sz="1400" dirty="0"/>
+              <a:t>X </a:t>
+            </a:r>
+            <a:r>
+              <a:rPr lang="ko-KR" altLang="en-US" sz="1400" dirty="0"/>
+              <a:t>버튼에서 </a:t>
+            </a:r>
+            <a:r>
+              <a:rPr lang="ko-KR" altLang="en-US" sz="1400" dirty="0" err="1"/>
+              <a:t>탭누르면</a:t>
+            </a:r>
+            <a:r>
+              <a:rPr lang="ko-KR" altLang="en-US" sz="1400" dirty="0"/>
+              <a:t> 포커스가 다시 여기로 와야</a:t>
+            </a:r>
+            <a:endParaRPr lang="en-US" altLang="ko-KR" sz="1400" dirty="0"/>
+          </a:p>
+          <a:p>
+            <a:r>
+              <a:rPr lang="ko-KR" altLang="en-US" sz="1400" dirty="0"/>
+              <a:t>합니다</a:t>
+            </a:r>
+            <a:r>
+              <a:rPr lang="en-US" altLang="ko-KR" sz="1400" dirty="0"/>
+              <a:t>.</a:t>
+            </a:r>
+          </a:p>
+          <a:p>
+            <a:endParaRPr lang="en-US" altLang="ko-KR" sz="1400" dirty="0"/>
+          </a:p>
+          <a:p>
+            <a:r>
+              <a:rPr lang="en-US" altLang="ko-KR" sz="1400" dirty="0"/>
+              <a:t>X </a:t>
+            </a:r>
+            <a:r>
+              <a:rPr lang="ko-KR" altLang="en-US" sz="1400" dirty="0"/>
+              <a:t>누르면 원래 </a:t>
+            </a:r>
+            <a:r>
+              <a:rPr lang="ko-KR" altLang="en-US" sz="1400" dirty="0" err="1"/>
+              <a:t>있던곳으로</a:t>
+            </a:r>
+            <a:r>
+              <a:rPr lang="ko-KR" altLang="en-US" sz="1400" dirty="0"/>
+              <a:t> 포커스가 가야합니다</a:t>
+            </a:r>
+            <a:r>
+              <a:rPr lang="en-US" altLang="ko-KR" sz="1400" dirty="0"/>
+              <a:t>.</a:t>
+            </a:r>
+            <a:endParaRPr lang="ko-KR" altLang="en-US" sz="1400" dirty="0"/>
+          </a:p>
+        </p:txBody>
+      </p:sp>
+      <p:cxnSp>
+        <p:nvCxnSpPr>
+          <p:cNvPr id="14" name="직선 화살표 연결선 13">
+            <a:extLst>
+              <a:ext uri="{FF2B5EF4-FFF2-40B4-BE49-F238E27FC236}">
+                <a16:creationId xmlns:a16="http://schemas.microsoft.com/office/drawing/2014/main" id="{7E7049B7-C4AA-544A-5CE6-6D8281EDD43E}"/>
+              </a:ext>
+            </a:extLst>
+          </p:cNvPr>
+          <p:cNvCxnSpPr>
+            <a:cxnSpLocks/>
+          </p:cNvCxnSpPr>
+          <p:nvPr/>
+        </p:nvCxnSpPr>
+        <p:spPr>
+          <a:xfrm flipV="1">
+            <a:off x="2691253" y="1298121"/>
+            <a:ext cx="0" cy="3943350"/>
+          </a:xfrm>
+          <a:prstGeom prst="straightConnector1">
+            <a:avLst/>
+          </a:prstGeom>
+          <a:ln>
+            <a:tailEnd type="triangle"/>
+          </a:ln>
+        </p:spPr>
+        <p:style>
+          <a:lnRef idx="1">
+            <a:schemeClr val="dk1"/>
+          </a:lnRef>
+          <a:fillRef idx="0">
+            <a:schemeClr val="dk1"/>
+          </a:fillRef>
+          <a:effectRef idx="0">
+            <a:schemeClr val="dk1"/>
+          </a:effectRef>
+          <a:fontRef idx="minor">
+            <a:schemeClr val="tx1"/>
+          </a:fontRef>
+        </p:style>
+      </p:cxnSp>
+      <p:cxnSp>
+        <p:nvCxnSpPr>
+          <p:cNvPr id="17" name="직선 연결선 16">
+            <a:extLst>
+              <a:ext uri="{FF2B5EF4-FFF2-40B4-BE49-F238E27FC236}">
+                <a16:creationId xmlns:a16="http://schemas.microsoft.com/office/drawing/2014/main" id="{F7FD24F0-77EA-66D1-B9AD-C46DF90108A0}"/>
+              </a:ext>
+            </a:extLst>
+          </p:cNvPr>
+          <p:cNvCxnSpPr/>
+          <p:nvPr/>
+        </p:nvCxnSpPr>
+        <p:spPr>
+          <a:xfrm>
+            <a:off x="2743200" y="5241471"/>
+            <a:ext cx="5519057" cy="0"/>
+          </a:xfrm>
+          <a:prstGeom prst="line">
+            <a:avLst/>
+          </a:prstGeom>
+        </p:spPr>
+        <p:style>
+          <a:lnRef idx="1">
+            <a:schemeClr val="accent1"/>
+          </a:lnRef>
+          <a:fillRef idx="0">
+            <a:schemeClr val="accent1"/>
+          </a:fillRef>
+          <a:effectRef idx="0">
+            <a:schemeClr val="accent1"/>
+          </a:effectRef>
+          <a:fontRef idx="minor">
+            <a:schemeClr val="tx1"/>
+          </a:fontRef>
+        </p:style>
+      </p:cxnSp>
+      <p:cxnSp>
+        <p:nvCxnSpPr>
+          <p:cNvPr id="19" name="직선 연결선 18">
+            <a:extLst>
+              <a:ext uri="{FF2B5EF4-FFF2-40B4-BE49-F238E27FC236}">
+                <a16:creationId xmlns:a16="http://schemas.microsoft.com/office/drawing/2014/main" id="{24E7478F-D91C-F669-C390-8DD4E1E6DADB}"/>
+              </a:ext>
+            </a:extLst>
+          </p:cNvPr>
+          <p:cNvCxnSpPr/>
+          <p:nvPr/>
+        </p:nvCxnSpPr>
+        <p:spPr>
+          <a:xfrm flipV="1">
+            <a:off x="8270421" y="2073729"/>
+            <a:ext cx="0" cy="3167742"/>
+          </a:xfrm>
+          <a:prstGeom prst="line">
+            <a:avLst/>
+          </a:prstGeom>
+        </p:spPr>
+        <p:style>
+          <a:lnRef idx="1">
+            <a:schemeClr val="accent1"/>
+          </a:lnRef>
+          <a:fillRef idx="0">
+            <a:schemeClr val="accent1"/>
+          </a:fillRef>
+          <a:effectRef idx="0">
+            <a:schemeClr val="accent1"/>
+          </a:effectRef>
+          <a:fontRef idx="minor">
+            <a:schemeClr val="tx1"/>
+          </a:fontRef>
+        </p:style>
+      </p:cxnSp>
     </p:spTree>
     <p:extLst>
       <p:ext uri="{BB962C8B-B14F-4D97-AF65-F5344CB8AC3E}">
-        <p14:creationId xmlns:p14="http://schemas.microsoft.com/office/powerpoint/2010/main" val="3656500380"/>
+        <p14:creationId xmlns:p14="http://schemas.microsoft.com/office/powerpoint/2010/main" val="3084232163"/>
       </p:ext>
     </p:extLst>
   </p:cSld>
@@ -5473,7 +6109,7 @@
     </p:spTree>
     <p:extLst>
       <p:ext uri="{BB962C8B-B14F-4D97-AF65-F5344CB8AC3E}">
-        <p14:creationId xmlns:p14="http://schemas.microsoft.com/office/powerpoint/2010/main" val="2556136554"/>
+        <p14:creationId xmlns:p14="http://schemas.microsoft.com/office/powerpoint/2010/main" val="3656500380"/>
       </p:ext>
     </p:extLst>
   </p:cSld>
@@ -5857,60 +6493,10 @@
           <a:chExt cx="0" cy="0"/>
         </a:xfrm>
       </p:grpSpPr>
-      <p:sp>
-        <p:nvSpPr>
-          <p:cNvPr id="3" name="직사각형 2">
-            <a:extLst>
-              <a:ext uri="{FF2B5EF4-FFF2-40B4-BE49-F238E27FC236}">
-                <a16:creationId xmlns:a16="http://schemas.microsoft.com/office/drawing/2014/main" id="{C911613E-2065-A021-648C-90EA2DD07EE8}"/>
-              </a:ext>
-            </a:extLst>
-          </p:cNvPr>
-          <p:cNvSpPr/>
-          <p:nvPr/>
-        </p:nvSpPr>
-        <p:spPr>
-          <a:xfrm>
-            <a:off x="0" y="0"/>
-            <a:ext cx="12192000" cy="6858000"/>
-          </a:xfrm>
-          <a:prstGeom prst="rect">
-            <a:avLst/>
-          </a:prstGeom>
-        </p:spPr>
-        <p:style>
-          <a:lnRef idx="2">
-            <a:schemeClr val="accent1">
-              <a:shade val="50000"/>
-            </a:schemeClr>
-          </a:lnRef>
-          <a:fillRef idx="1">
-            <a:schemeClr val="accent1"/>
-          </a:fillRef>
-          <a:effectRef idx="0">
-            <a:schemeClr val="accent1"/>
-          </a:effectRef>
-          <a:fontRef idx="minor">
-            <a:schemeClr val="lt1"/>
-          </a:fontRef>
-        </p:style>
-        <p:txBody>
-          <a:bodyPr rtlCol="0" anchor="ctr"/>
-          <a:lstStyle/>
-          <a:p>
-            <a:pPr algn="ctr"/>
-            <a:r>
-              <a:rPr lang="ko-KR" altLang="en-US" sz="10000"/>
-              <a:t>스마트맵</a:t>
-            </a:r>
-            <a:endParaRPr lang="ko-KR" altLang="en-US" sz="10000" dirty="0"/>
-          </a:p>
-        </p:txBody>
-      </p:sp>
     </p:spTree>
     <p:extLst>
       <p:ext uri="{BB962C8B-B14F-4D97-AF65-F5344CB8AC3E}">
-        <p14:creationId xmlns:p14="http://schemas.microsoft.com/office/powerpoint/2010/main" val="1805834605"/>
+        <p14:creationId xmlns:p14="http://schemas.microsoft.com/office/powerpoint/2010/main" val="2556136554"/>
       </p:ext>
     </p:extLst>
   </p:cSld>
@@ -5937,6 +6523,86 @@
           <a:chExt cx="0" cy="0"/>
         </a:xfrm>
       </p:grpSpPr>
+      <p:sp>
+        <p:nvSpPr>
+          <p:cNvPr id="3" name="직사각형 2">
+            <a:extLst>
+              <a:ext uri="{FF2B5EF4-FFF2-40B4-BE49-F238E27FC236}">
+                <a16:creationId xmlns:a16="http://schemas.microsoft.com/office/drawing/2014/main" id="{C911613E-2065-A021-648C-90EA2DD07EE8}"/>
+              </a:ext>
+            </a:extLst>
+          </p:cNvPr>
+          <p:cNvSpPr/>
+          <p:nvPr/>
+        </p:nvSpPr>
+        <p:spPr>
+          <a:xfrm>
+            <a:off x="0" y="0"/>
+            <a:ext cx="12192000" cy="6858000"/>
+          </a:xfrm>
+          <a:prstGeom prst="rect">
+            <a:avLst/>
+          </a:prstGeom>
+        </p:spPr>
+        <p:style>
+          <a:lnRef idx="2">
+            <a:schemeClr val="accent1">
+              <a:shade val="50000"/>
+            </a:schemeClr>
+          </a:lnRef>
+          <a:fillRef idx="1">
+            <a:schemeClr val="accent1"/>
+          </a:fillRef>
+          <a:effectRef idx="0">
+            <a:schemeClr val="accent1"/>
+          </a:effectRef>
+          <a:fontRef idx="minor">
+            <a:schemeClr val="lt1"/>
+          </a:fontRef>
+        </p:style>
+        <p:txBody>
+          <a:bodyPr rtlCol="0" anchor="ctr"/>
+          <a:lstStyle/>
+          <a:p>
+            <a:pPr algn="ctr"/>
+            <a:r>
+              <a:rPr lang="ko-KR" altLang="en-US" sz="10000"/>
+              <a:t>스마트맵</a:t>
+            </a:r>
+            <a:endParaRPr lang="ko-KR" altLang="en-US" sz="10000" dirty="0"/>
+          </a:p>
+        </p:txBody>
+      </p:sp>
+    </p:spTree>
+    <p:extLst>
+      <p:ext uri="{BB962C8B-B14F-4D97-AF65-F5344CB8AC3E}">
+        <p14:creationId xmlns:p14="http://schemas.microsoft.com/office/powerpoint/2010/main" val="1805834605"/>
+      </p:ext>
+    </p:extLst>
+  </p:cSld>
+  <p:clrMapOvr>
+    <a:masterClrMapping/>
+  </p:clrMapOvr>
+</p:sld>
+</file>
+
+<file path=ppt/slides/slide22.xml><?xml version="1.0" encoding="utf-8"?>
+<p:sld xmlns:a="http://schemas.openxmlformats.org/drawingml/2006/main" xmlns:r="http://schemas.openxmlformats.org/officeDocument/2006/relationships" xmlns:p="http://schemas.openxmlformats.org/presentationml/2006/main">
+  <p:cSld>
+    <p:spTree>
+      <p:nvGrpSpPr>
+        <p:cNvPr id="1" name=""/>
+        <p:cNvGrpSpPr/>
+        <p:nvPr/>
+      </p:nvGrpSpPr>
+      <p:grpSpPr>
+        <a:xfrm>
+          <a:off x="0" y="0"/>
+          <a:ext cx="0" cy="0"/>
+          <a:chOff x="0" y="0"/>
+          <a:chExt cx="0" cy="0"/>
+        </a:xfrm>
+      </p:grpSpPr>
       <p:pic>
         <p:nvPicPr>
           <p:cNvPr id="4" name="그림 3">
@@ -6146,7 +6812,7 @@
 </p:sld>
 </file>
 
-<file path=ppt/slides/slide22.xml><?xml version="1.0" encoding="utf-8"?>
+<file path=ppt/slides/slide23.xml><?xml version="1.0" encoding="utf-8"?>
 <p:sld xmlns:a="http://schemas.openxmlformats.org/drawingml/2006/main" xmlns:r="http://schemas.openxmlformats.org/officeDocument/2006/relationships" xmlns:p="http://schemas.openxmlformats.org/presentationml/2006/main">
   <p:cSld>
     <p:spTree>
@@ -6176,7 +6842,7 @@
 </p:sld>
 </file>
 
-<file path=ppt/slides/slide23.xml><?xml version="1.0" encoding="utf-8"?>
+<file path=ppt/slides/slide24.xml><?xml version="1.0" encoding="utf-8"?>
 <p:sld xmlns:a="http://schemas.openxmlformats.org/drawingml/2006/main" xmlns:r="http://schemas.openxmlformats.org/officeDocument/2006/relationships" xmlns:p="http://schemas.openxmlformats.org/presentationml/2006/main">
   <p:cSld>
     <p:spTree>
@@ -6756,6 +7422,235 @@
           <a:chExt cx="0" cy="0"/>
         </a:xfrm>
       </p:grpSpPr>
+      <p:pic>
+        <p:nvPicPr>
+          <p:cNvPr id="3" name="그림 2">
+            <a:extLst>
+              <a:ext uri="{FF2B5EF4-FFF2-40B4-BE49-F238E27FC236}">
+                <a16:creationId xmlns:a16="http://schemas.microsoft.com/office/drawing/2014/main" id="{BC1DB7DC-2524-878C-6055-C314730C7252}"/>
+              </a:ext>
+            </a:extLst>
+          </p:cNvPr>
+          <p:cNvPicPr>
+            <a:picLocks noChangeAspect="1"/>
+          </p:cNvPicPr>
+          <p:nvPr/>
+        </p:nvPicPr>
+        <p:blipFill>
+          <a:blip r:embed="rId2"/>
+          <a:stretch>
+            <a:fillRect/>
+          </a:stretch>
+        </p:blipFill>
+        <p:spPr>
+          <a:xfrm>
+            <a:off x="592491" y="1176869"/>
+            <a:ext cx="1438476" cy="2152950"/>
+          </a:xfrm>
+          <a:prstGeom prst="rect">
+            <a:avLst/>
+          </a:prstGeom>
+        </p:spPr>
+      </p:pic>
+      <p:sp>
+        <p:nvSpPr>
+          <p:cNvPr id="4" name="TextBox 3">
+            <a:extLst>
+              <a:ext uri="{FF2B5EF4-FFF2-40B4-BE49-F238E27FC236}">
+                <a16:creationId xmlns:a16="http://schemas.microsoft.com/office/drawing/2014/main" id="{E70F5EDF-4471-E742-288F-8349941F1971}"/>
+              </a:ext>
+            </a:extLst>
+          </p:cNvPr>
+          <p:cNvSpPr txBox="1"/>
+          <p:nvPr/>
+        </p:nvSpPr>
+        <p:spPr>
+          <a:xfrm>
+            <a:off x="522514" y="416379"/>
+            <a:ext cx="3457934" cy="369332"/>
+          </a:xfrm>
+          <a:prstGeom prst="rect">
+            <a:avLst/>
+          </a:prstGeom>
+          <a:noFill/>
+        </p:spPr>
+        <p:txBody>
+          <a:bodyPr wrap="none" rtlCol="0">
+            <a:spAutoFit/>
+          </a:bodyPr>
+          <a:lstStyle/>
+          <a:p>
+            <a:r>
+              <a:rPr lang="en-US" altLang="ko-KR" dirty="0"/>
+              <a:t>a tag</a:t>
+            </a:r>
+            <a:r>
+              <a:rPr lang="ko-KR" altLang="en-US" dirty="0"/>
+              <a:t>에서 </a:t>
+            </a:r>
+            <a:r>
+              <a:rPr lang="en-US" altLang="ko-KR" dirty="0" err="1"/>
+              <a:t>href</a:t>
+            </a:r>
+            <a:r>
+              <a:rPr lang="ko-KR" altLang="en-US" dirty="0"/>
+              <a:t> 속성이 </a:t>
+            </a:r>
+            <a:r>
+              <a:rPr lang="ko-KR" altLang="en-US" dirty="0" err="1"/>
+              <a:t>없는경우</a:t>
+            </a:r>
+            <a:endParaRPr lang="ko-KR" altLang="en-US" dirty="0"/>
+          </a:p>
+        </p:txBody>
+      </p:sp>
+      <p:cxnSp>
+        <p:nvCxnSpPr>
+          <p:cNvPr id="6" name="직선 화살표 연결선 5">
+            <a:extLst>
+              <a:ext uri="{FF2B5EF4-FFF2-40B4-BE49-F238E27FC236}">
+                <a16:creationId xmlns:a16="http://schemas.microsoft.com/office/drawing/2014/main" id="{B79DB075-B819-12E3-154B-208B2E3C50BC}"/>
+              </a:ext>
+            </a:extLst>
+          </p:cNvPr>
+          <p:cNvCxnSpPr/>
+          <p:nvPr/>
+        </p:nvCxnSpPr>
+        <p:spPr>
+          <a:xfrm flipH="1">
+            <a:off x="1311729" y="2139042"/>
+            <a:ext cx="830895" cy="0"/>
+          </a:xfrm>
+          <a:prstGeom prst="straightConnector1">
+            <a:avLst/>
+          </a:prstGeom>
+          <a:ln>
+            <a:tailEnd type="triangle"/>
+          </a:ln>
+        </p:spPr>
+        <p:style>
+          <a:lnRef idx="1">
+            <a:schemeClr val="accent1"/>
+          </a:lnRef>
+          <a:fillRef idx="0">
+            <a:schemeClr val="accent1"/>
+          </a:fillRef>
+          <a:effectRef idx="0">
+            <a:schemeClr val="accent1"/>
+          </a:effectRef>
+          <a:fontRef idx="minor">
+            <a:schemeClr val="tx1"/>
+          </a:fontRef>
+        </p:style>
+      </p:cxnSp>
+      <p:sp>
+        <p:nvSpPr>
+          <p:cNvPr id="7" name="TextBox 6">
+            <a:extLst>
+              <a:ext uri="{FF2B5EF4-FFF2-40B4-BE49-F238E27FC236}">
+                <a16:creationId xmlns:a16="http://schemas.microsoft.com/office/drawing/2014/main" id="{8889022F-A46A-DCE5-9D8E-2E64F417E330}"/>
+              </a:ext>
+            </a:extLst>
+          </p:cNvPr>
+          <p:cNvSpPr txBox="1"/>
+          <p:nvPr/>
+        </p:nvSpPr>
+        <p:spPr>
+          <a:xfrm>
+            <a:off x="2332264" y="1985153"/>
+            <a:ext cx="4102405" cy="738664"/>
+          </a:xfrm>
+          <a:prstGeom prst="rect">
+            <a:avLst/>
+          </a:prstGeom>
+          <a:noFill/>
+        </p:spPr>
+        <p:txBody>
+          <a:bodyPr wrap="none" rtlCol="0">
+            <a:spAutoFit/>
+          </a:bodyPr>
+          <a:lstStyle/>
+          <a:p>
+            <a:r>
+              <a:rPr lang="en-US" altLang="ko-KR" sz="1400" b="0" dirty="0">
+                <a:effectLst/>
+                <a:latin typeface="Consolas" panose="020B0609020204030204" pitchFamily="49" charset="0"/>
+              </a:rPr>
+              <a:t>&lt;a role="button" </a:t>
+            </a:r>
+            <a:r>
+              <a:rPr lang="en-US" altLang="ko-KR" sz="1400" b="0" dirty="0" err="1">
+                <a:effectLst/>
+                <a:latin typeface="Consolas" panose="020B0609020204030204" pitchFamily="49" charset="0"/>
+              </a:rPr>
+              <a:t>tabindex</a:t>
+            </a:r>
+            <a:r>
+              <a:rPr lang="en-US" altLang="ko-KR" sz="1400" b="0" dirty="0">
+                <a:effectLst/>
+                <a:latin typeface="Consolas" panose="020B0609020204030204" pitchFamily="49" charset="0"/>
+              </a:rPr>
+              <a:t>="0"&gt;</a:t>
+            </a:r>
+            <a:r>
+              <a:rPr lang="ko-KR" altLang="en-US" sz="1400" b="0" dirty="0">
+                <a:effectLst/>
+                <a:latin typeface="Consolas" panose="020B0609020204030204" pitchFamily="49" charset="0"/>
+              </a:rPr>
+              <a:t>테스트</a:t>
+            </a:r>
+            <a:r>
+              <a:rPr lang="en-US" altLang="ko-KR" sz="1400" b="0" dirty="0">
+                <a:effectLst/>
+                <a:latin typeface="Consolas" panose="020B0609020204030204" pitchFamily="49" charset="0"/>
+              </a:rPr>
+              <a:t>&lt;/a&gt;</a:t>
+            </a:r>
+          </a:p>
+          <a:p>
+            <a:endParaRPr lang="en-US" altLang="ko-KR" sz="1400" dirty="0">
+              <a:latin typeface="Consolas" panose="020B0609020204030204" pitchFamily="49" charset="0"/>
+            </a:endParaRPr>
+          </a:p>
+          <a:p>
+            <a:r>
+              <a:rPr lang="ko-KR" altLang="en-US" sz="1400" b="0" dirty="0">
+                <a:effectLst/>
+                <a:latin typeface="Consolas" panose="020B0609020204030204" pitchFamily="49" charset="0"/>
+              </a:rPr>
+              <a:t>위와 같이 </a:t>
+            </a:r>
+            <a:r>
+              <a:rPr lang="en-US" altLang="ko-KR" sz="1400" b="0" dirty="0">
+                <a:effectLst/>
+                <a:latin typeface="Consolas" panose="020B0609020204030204" pitchFamily="49" charset="0"/>
+              </a:rPr>
+              <a:t>role, </a:t>
+            </a:r>
+            <a:r>
+              <a:rPr lang="en-US" altLang="ko-KR" sz="1400" b="0" dirty="0" err="1">
+                <a:effectLst/>
+                <a:latin typeface="Consolas" panose="020B0609020204030204" pitchFamily="49" charset="0"/>
+              </a:rPr>
+              <a:t>tabindex</a:t>
+            </a:r>
+            <a:r>
+              <a:rPr lang="ko-KR" altLang="en-US" sz="1400" b="0" dirty="0">
+                <a:effectLst/>
+                <a:latin typeface="Consolas" panose="020B0609020204030204" pitchFamily="49" charset="0"/>
+              </a:rPr>
+              <a:t>를 넣어주세요</a:t>
+            </a:r>
+            <a:r>
+              <a:rPr lang="en-US" altLang="ko-KR" sz="1400" b="0" dirty="0">
+                <a:effectLst/>
+                <a:latin typeface="Consolas" panose="020B0609020204030204" pitchFamily="49" charset="0"/>
+              </a:rPr>
+              <a:t>.</a:t>
+            </a:r>
+          </a:p>
+        </p:txBody>
+      </p:sp>
     </p:spTree>
     <p:extLst>
       <p:ext uri="{BB962C8B-B14F-4D97-AF65-F5344CB8AC3E}">
@@ -6786,60 +7681,10 @@
           <a:chExt cx="0" cy="0"/>
         </a:xfrm>
       </p:grpSpPr>
-      <p:sp>
-        <p:nvSpPr>
-          <p:cNvPr id="3" name="직사각형 2">
-            <a:extLst>
-              <a:ext uri="{FF2B5EF4-FFF2-40B4-BE49-F238E27FC236}">
-                <a16:creationId xmlns:a16="http://schemas.microsoft.com/office/drawing/2014/main" id="{C911613E-2065-A021-648C-90EA2DD07EE8}"/>
-              </a:ext>
-            </a:extLst>
-          </p:cNvPr>
-          <p:cNvSpPr/>
-          <p:nvPr/>
-        </p:nvSpPr>
-        <p:spPr>
-          <a:xfrm>
-            <a:off x="0" y="0"/>
-            <a:ext cx="12192000" cy="6858000"/>
-          </a:xfrm>
-          <a:prstGeom prst="rect">
-            <a:avLst/>
-          </a:prstGeom>
-        </p:spPr>
-        <p:style>
-          <a:lnRef idx="2">
-            <a:schemeClr val="accent1">
-              <a:shade val="50000"/>
-            </a:schemeClr>
-          </a:lnRef>
-          <a:fillRef idx="1">
-            <a:schemeClr val="accent1"/>
-          </a:fillRef>
-          <a:effectRef idx="0">
-            <a:schemeClr val="accent1"/>
-          </a:effectRef>
-          <a:fontRef idx="minor">
-            <a:schemeClr val="lt1"/>
-          </a:fontRef>
-        </p:style>
-        <p:txBody>
-          <a:bodyPr rtlCol="0" anchor="ctr"/>
-          <a:lstStyle/>
-          <a:p>
-            <a:pPr algn="ctr"/>
-            <a:r>
-              <a:rPr lang="ko-KR" altLang="en-US" sz="10000"/>
-              <a:t>오늘 세종엔</a:t>
-            </a:r>
-            <a:endParaRPr lang="ko-KR" altLang="en-US" sz="10000" dirty="0"/>
-          </a:p>
-        </p:txBody>
-      </p:sp>
     </p:spTree>
     <p:extLst>
       <p:ext uri="{BB962C8B-B14F-4D97-AF65-F5344CB8AC3E}">
-        <p14:creationId xmlns:p14="http://schemas.microsoft.com/office/powerpoint/2010/main" val="2204104532"/>
+        <p14:creationId xmlns:p14="http://schemas.microsoft.com/office/powerpoint/2010/main" val="2875326681"/>
       </p:ext>
     </p:extLst>
   </p:cSld>
@@ -6866,173 +7711,12 @@
           <a:chExt cx="0" cy="0"/>
         </a:xfrm>
       </p:grpSpPr>
-      <p:pic>
-        <p:nvPicPr>
-          <p:cNvPr id="2" name="그림 1">
-            <a:extLst>
-              <a:ext uri="{FF2B5EF4-FFF2-40B4-BE49-F238E27FC236}">
-                <a16:creationId xmlns:a16="http://schemas.microsoft.com/office/drawing/2014/main" id="{7DA4C7A9-256C-1C75-6600-54AA78E9DE76}"/>
-              </a:ext>
-            </a:extLst>
-          </p:cNvPr>
-          <p:cNvPicPr>
-            <a:picLocks noChangeAspect="1"/>
-          </p:cNvPicPr>
-          <p:nvPr/>
-        </p:nvPicPr>
-        <p:blipFill>
-          <a:blip r:embed="rId2"/>
-          <a:stretch>
-            <a:fillRect/>
-          </a:stretch>
-        </p:blipFill>
-        <p:spPr>
-          <a:xfrm>
-            <a:off x="623857" y="940891"/>
-            <a:ext cx="428685" cy="600159"/>
-          </a:xfrm>
-          <a:prstGeom prst="rect">
-            <a:avLst/>
-          </a:prstGeom>
-        </p:spPr>
-      </p:pic>
-      <p:pic>
-        <p:nvPicPr>
-          <p:cNvPr id="3" name="그림 2">
-            <a:extLst>
-              <a:ext uri="{FF2B5EF4-FFF2-40B4-BE49-F238E27FC236}">
-                <a16:creationId xmlns:a16="http://schemas.microsoft.com/office/drawing/2014/main" id="{A2E757DC-4FE4-49AA-26F7-51D2177FB4EF}"/>
-              </a:ext>
-            </a:extLst>
-          </p:cNvPr>
-          <p:cNvPicPr>
-            <a:picLocks noChangeAspect="1"/>
-          </p:cNvPicPr>
-          <p:nvPr/>
-        </p:nvPicPr>
-        <p:blipFill>
-          <a:blip r:embed="rId3"/>
-          <a:stretch>
-            <a:fillRect/>
-          </a:stretch>
-        </p:blipFill>
-        <p:spPr>
-          <a:xfrm>
-            <a:off x="1221830" y="1031391"/>
-            <a:ext cx="2048161" cy="209579"/>
-          </a:xfrm>
-          <a:prstGeom prst="rect">
-            <a:avLst/>
-          </a:prstGeom>
-        </p:spPr>
-      </p:pic>
-      <p:cxnSp>
-        <p:nvCxnSpPr>
-          <p:cNvPr id="5" name="직선 연결선 4">
-            <a:extLst>
-              <a:ext uri="{FF2B5EF4-FFF2-40B4-BE49-F238E27FC236}">
-                <a16:creationId xmlns:a16="http://schemas.microsoft.com/office/drawing/2014/main" id="{7CCF44C8-B4B1-9F09-0741-7A1BB72F3A2F}"/>
-              </a:ext>
-            </a:extLst>
-          </p:cNvPr>
-          <p:cNvCxnSpPr/>
-          <p:nvPr/>
-        </p:nvCxnSpPr>
-        <p:spPr>
-          <a:xfrm>
-            <a:off x="540697" y="1738993"/>
-            <a:ext cx="10995439" cy="0"/>
-          </a:xfrm>
-          <a:prstGeom prst="line">
-            <a:avLst/>
-          </a:prstGeom>
-        </p:spPr>
-        <p:style>
-          <a:lnRef idx="1">
-            <a:schemeClr val="accent1"/>
-          </a:lnRef>
-          <a:fillRef idx="0">
-            <a:schemeClr val="accent1"/>
-          </a:fillRef>
-          <a:effectRef idx="0">
-            <a:schemeClr val="accent1"/>
-          </a:effectRef>
-          <a:fontRef idx="minor">
-            <a:schemeClr val="tx1"/>
-          </a:fontRef>
-        </p:style>
-      </p:cxnSp>
-      <p:sp>
-        <p:nvSpPr>
-          <p:cNvPr id="12" name="TextBox 11">
-            <a:extLst>
-              <a:ext uri="{FF2B5EF4-FFF2-40B4-BE49-F238E27FC236}">
-                <a16:creationId xmlns:a16="http://schemas.microsoft.com/office/drawing/2014/main" id="{138BCE96-7D4F-0781-908E-00DC6C406B99}"/>
-              </a:ext>
-            </a:extLst>
-          </p:cNvPr>
-          <p:cNvSpPr txBox="1"/>
-          <p:nvPr/>
-        </p:nvSpPr>
-        <p:spPr>
-          <a:xfrm>
-            <a:off x="5125870" y="922902"/>
-            <a:ext cx="1144865" cy="307777"/>
-          </a:xfrm>
-          <a:prstGeom prst="rect">
-            <a:avLst/>
-          </a:prstGeom>
-          <a:noFill/>
-        </p:spPr>
-        <p:txBody>
-          <a:bodyPr wrap="none" rtlCol="0">
-            <a:spAutoFit/>
-          </a:bodyPr>
-          <a:lstStyle/>
-          <a:p>
-            <a:r>
-              <a:rPr lang="ko-KR" altLang="en-US" sz="1400" dirty="0"/>
-              <a:t>타이틀 변경</a:t>
-            </a:r>
-          </a:p>
-        </p:txBody>
-      </p:sp>
-      <p:pic>
-        <p:nvPicPr>
-          <p:cNvPr id="15" name="그림 14">
-            <a:extLst>
-              <a:ext uri="{FF2B5EF4-FFF2-40B4-BE49-F238E27FC236}">
-                <a16:creationId xmlns:a16="http://schemas.microsoft.com/office/drawing/2014/main" id="{088A6085-1196-F532-CF59-BF7AB7497294}"/>
-              </a:ext>
-            </a:extLst>
-          </p:cNvPr>
-          <p:cNvPicPr>
-            <a:picLocks noChangeAspect="1"/>
-          </p:cNvPicPr>
-          <p:nvPr/>
-        </p:nvPicPr>
-        <p:blipFill>
-          <a:blip r:embed="rId4"/>
-          <a:stretch>
-            <a:fillRect/>
-          </a:stretch>
-        </p:blipFill>
-        <p:spPr>
-          <a:xfrm>
-            <a:off x="441279" y="2530825"/>
-            <a:ext cx="3896269" cy="743054"/>
-          </a:xfrm>
-          <a:prstGeom prst="rect">
-            <a:avLst/>
-          </a:prstGeom>
-        </p:spPr>
-      </p:pic>
-      <p:sp>
-        <p:nvSpPr>
-          <p:cNvPr id="16" name="직사각형 15">
-            <a:extLst>
-              <a:ext uri="{FF2B5EF4-FFF2-40B4-BE49-F238E27FC236}">
-                <a16:creationId xmlns:a16="http://schemas.microsoft.com/office/drawing/2014/main" id="{9200D68F-3E29-0788-AA6D-CE46F679B4CC}"/>
+      <p:sp>
+        <p:nvSpPr>
+          <p:cNvPr id="3" name="직사각형 2">
+            <a:extLst>
+              <a:ext uri="{FF2B5EF4-FFF2-40B4-BE49-F238E27FC236}">
+                <a16:creationId xmlns:a16="http://schemas.microsoft.com/office/drawing/2014/main" id="{C911613E-2065-A021-648C-90EA2DD07EE8}"/>
               </a:ext>
             </a:extLst>
           </p:cNvPr>
@@ -7041,18 +7725,12 @@
         </p:nvSpPr>
         <p:spPr>
           <a:xfrm>
-            <a:off x="2436739" y="2833007"/>
-            <a:ext cx="391886" cy="391886"/>
-          </a:xfrm>
-          <a:prstGeom prst="rect">
-            <a:avLst/>
-          </a:prstGeom>
-          <a:noFill/>
-          <a:ln w="25400">
-            <a:solidFill>
-              <a:srgbClr val="FF0000"/>
-            </a:solidFill>
-          </a:ln>
+            <a:off x="0" y="0"/>
+            <a:ext cx="12192000" cy="6858000"/>
+          </a:xfrm>
+          <a:prstGeom prst="rect">
+            <a:avLst/>
+          </a:prstGeom>
         </p:spPr>
         <p:style>
           <a:lnRef idx="2">
@@ -7075,243 +7753,18 @@
           <a:lstStyle/>
           <a:p>
             <a:pPr algn="ctr"/>
-            <a:endParaRPr lang="ko-KR" altLang="en-US"/>
-          </a:p>
-        </p:txBody>
-      </p:sp>
-      <p:sp>
-        <p:nvSpPr>
-          <p:cNvPr id="17" name="TextBox 16">
-            <a:extLst>
-              <a:ext uri="{FF2B5EF4-FFF2-40B4-BE49-F238E27FC236}">
-                <a16:creationId xmlns:a16="http://schemas.microsoft.com/office/drawing/2014/main" id="{48EC0B04-BD49-0BFA-01E3-0CF150D0332A}"/>
-              </a:ext>
-            </a:extLst>
-          </p:cNvPr>
-          <p:cNvSpPr txBox="1"/>
-          <p:nvPr/>
-        </p:nvSpPr>
-        <p:spPr>
-          <a:xfrm>
-            <a:off x="5125870" y="2247308"/>
-            <a:ext cx="2335896" cy="697050"/>
-          </a:xfrm>
-          <a:prstGeom prst="rect">
-            <a:avLst/>
-          </a:prstGeom>
-          <a:noFill/>
-        </p:spPr>
-        <p:txBody>
-          <a:bodyPr wrap="none" rtlCol="0">
-            <a:spAutoFit/>
-          </a:bodyPr>
-          <a:lstStyle/>
-          <a:p>
-            <a:pPr>
-              <a:lnSpc>
-                <a:spcPct val="150000"/>
-              </a:lnSpc>
-            </a:pPr>
-            <a:r>
-              <a:rPr lang="ko-KR" altLang="en-US" sz="1400" dirty="0"/>
-              <a:t>시작</a:t>
-            </a:r>
-            <a:r>
-              <a:rPr lang="en-US" altLang="ko-KR" sz="1400" dirty="0"/>
-              <a:t>/</a:t>
-            </a:r>
-            <a:r>
-              <a:rPr lang="ko-KR" altLang="en-US" sz="1400" dirty="0"/>
-              <a:t>정지 추가</a:t>
-            </a:r>
-            <a:endParaRPr lang="en-US" altLang="ko-KR" sz="1400" dirty="0"/>
-          </a:p>
-          <a:p>
-            <a:pPr>
-              <a:lnSpc>
-                <a:spcPct val="150000"/>
-              </a:lnSpc>
-            </a:pPr>
-            <a:r>
-              <a:rPr lang="en-US" altLang="ko-KR" sz="1400" dirty="0"/>
-              <a:t>UI-SJN-01-001U.html </a:t>
-            </a:r>
-            <a:r>
-              <a:rPr lang="ko-KR" altLang="en-US" sz="1400" dirty="0"/>
-              <a:t>참고</a:t>
-            </a:r>
-          </a:p>
-        </p:txBody>
-      </p:sp>
-      <p:pic>
-        <p:nvPicPr>
-          <p:cNvPr id="19" name="그림 18">
-            <a:extLst>
-              <a:ext uri="{FF2B5EF4-FFF2-40B4-BE49-F238E27FC236}">
-                <a16:creationId xmlns:a16="http://schemas.microsoft.com/office/drawing/2014/main" id="{19228B63-46A2-6151-EA2B-4A6C4E1C97C7}"/>
-              </a:ext>
-            </a:extLst>
-          </p:cNvPr>
-          <p:cNvPicPr>
-            <a:picLocks noChangeAspect="1"/>
-          </p:cNvPicPr>
-          <p:nvPr/>
-        </p:nvPicPr>
-        <p:blipFill>
-          <a:blip r:embed="rId5"/>
-          <a:stretch>
-            <a:fillRect/>
-          </a:stretch>
-        </p:blipFill>
-        <p:spPr>
-          <a:xfrm>
-            <a:off x="540697" y="4152502"/>
-            <a:ext cx="3410426" cy="543001"/>
-          </a:xfrm>
-          <a:prstGeom prst="rect">
-            <a:avLst/>
-          </a:prstGeom>
-        </p:spPr>
-      </p:pic>
-      <p:cxnSp>
-        <p:nvCxnSpPr>
-          <p:cNvPr id="20" name="직선 연결선 19">
-            <a:extLst>
-              <a:ext uri="{FF2B5EF4-FFF2-40B4-BE49-F238E27FC236}">
-                <a16:creationId xmlns:a16="http://schemas.microsoft.com/office/drawing/2014/main" id="{31A57D32-21B1-D932-5AE2-4E4F3C0DF261}"/>
-              </a:ext>
-            </a:extLst>
-          </p:cNvPr>
-          <p:cNvCxnSpPr/>
-          <p:nvPr/>
-        </p:nvCxnSpPr>
-        <p:spPr>
-          <a:xfrm>
-            <a:off x="540697" y="3996243"/>
-            <a:ext cx="10995439" cy="0"/>
-          </a:xfrm>
-          <a:prstGeom prst="line">
-            <a:avLst/>
-          </a:prstGeom>
-        </p:spPr>
-        <p:style>
-          <a:lnRef idx="1">
-            <a:schemeClr val="accent1"/>
-          </a:lnRef>
-          <a:fillRef idx="0">
-            <a:schemeClr val="accent1"/>
-          </a:fillRef>
-          <a:effectRef idx="0">
-            <a:schemeClr val="accent1"/>
-          </a:effectRef>
-          <a:fontRef idx="minor">
-            <a:schemeClr val="tx1"/>
-          </a:fontRef>
-        </p:style>
-      </p:cxnSp>
-      <p:pic>
-        <p:nvPicPr>
-          <p:cNvPr id="21" name="그림 20">
-            <a:extLst>
-              <a:ext uri="{FF2B5EF4-FFF2-40B4-BE49-F238E27FC236}">
-                <a16:creationId xmlns:a16="http://schemas.microsoft.com/office/drawing/2014/main" id="{DDA2D4B6-5C80-2467-2FF9-AA63A66291C2}"/>
-              </a:ext>
-            </a:extLst>
-          </p:cNvPr>
-          <p:cNvPicPr>
-            <a:picLocks noChangeAspect="1"/>
-          </p:cNvPicPr>
-          <p:nvPr/>
-        </p:nvPicPr>
-        <p:blipFill>
-          <a:blip r:embed="rId6"/>
-          <a:stretch>
-            <a:fillRect/>
-          </a:stretch>
-        </p:blipFill>
-        <p:spPr>
-          <a:xfrm>
-            <a:off x="4338544" y="4171962"/>
-            <a:ext cx="1543265" cy="209579"/>
-          </a:xfrm>
-          <a:prstGeom prst="rect">
-            <a:avLst/>
-          </a:prstGeom>
-        </p:spPr>
-      </p:pic>
-      <p:pic>
-        <p:nvPicPr>
-          <p:cNvPr id="22" name="그림 21">
-            <a:extLst>
-              <a:ext uri="{FF2B5EF4-FFF2-40B4-BE49-F238E27FC236}">
-                <a16:creationId xmlns:a16="http://schemas.microsoft.com/office/drawing/2014/main" id="{66B248D5-3406-E50F-DDC3-D059B6FC754F}"/>
-              </a:ext>
-            </a:extLst>
-          </p:cNvPr>
-          <p:cNvPicPr>
-            <a:picLocks noChangeAspect="1"/>
-          </p:cNvPicPr>
-          <p:nvPr/>
-        </p:nvPicPr>
-        <p:blipFill>
-          <a:blip r:embed="rId7"/>
-          <a:stretch>
-            <a:fillRect/>
-          </a:stretch>
-        </p:blipFill>
-        <p:spPr>
-          <a:xfrm>
-            <a:off x="4338544" y="4591886"/>
-            <a:ext cx="3982006" cy="1343212"/>
-          </a:xfrm>
-          <a:prstGeom prst="rect">
-            <a:avLst/>
-          </a:prstGeom>
-        </p:spPr>
-      </p:pic>
-      <p:sp>
-        <p:nvSpPr>
-          <p:cNvPr id="23" name="TextBox 22">
-            <a:extLst>
-              <a:ext uri="{FF2B5EF4-FFF2-40B4-BE49-F238E27FC236}">
-                <a16:creationId xmlns:a16="http://schemas.microsoft.com/office/drawing/2014/main" id="{E5FAD1BC-23A9-ADD2-263C-C6F16E8BD87B}"/>
-              </a:ext>
-            </a:extLst>
-          </p:cNvPr>
-          <p:cNvSpPr txBox="1"/>
-          <p:nvPr/>
-        </p:nvSpPr>
-        <p:spPr>
-          <a:xfrm>
-            <a:off x="8844147" y="4969025"/>
-            <a:ext cx="2335896" cy="307777"/>
-          </a:xfrm>
-          <a:prstGeom prst="rect">
-            <a:avLst/>
-          </a:prstGeom>
-          <a:noFill/>
-        </p:spPr>
-        <p:txBody>
-          <a:bodyPr wrap="none" rtlCol="0">
-            <a:spAutoFit/>
-          </a:bodyPr>
-          <a:lstStyle/>
-          <a:p>
-            <a:r>
-              <a:rPr lang="en-US" altLang="ko-KR" sz="1400" dirty="0"/>
-              <a:t>UI-SJN-01-001U.html </a:t>
-            </a:r>
-            <a:r>
-              <a:rPr lang="ko-KR" altLang="en-US" sz="1400" dirty="0"/>
-              <a:t>참고</a:t>
-            </a:r>
+            <a:r>
+              <a:rPr lang="ko-KR" altLang="en-US" sz="10000"/>
+              <a:t>오늘 세종엔</a:t>
+            </a:r>
+            <a:endParaRPr lang="ko-KR" altLang="en-US" sz="10000" dirty="0"/>
           </a:p>
         </p:txBody>
       </p:sp>
     </p:spTree>
     <p:extLst>
       <p:ext uri="{BB962C8B-B14F-4D97-AF65-F5344CB8AC3E}">
-        <p14:creationId xmlns:p14="http://schemas.microsoft.com/office/powerpoint/2010/main" val="4111681464"/>
+        <p14:creationId xmlns:p14="http://schemas.microsoft.com/office/powerpoint/2010/main" val="2204104532"/>
       </p:ext>
     </p:extLst>
   </p:cSld>
@@ -7340,10 +7793,10 @@
       </p:grpSpPr>
       <p:pic>
         <p:nvPicPr>
-          <p:cNvPr id="3" name="그림 2">
-            <a:extLst>
-              <a:ext uri="{FF2B5EF4-FFF2-40B4-BE49-F238E27FC236}">
-                <a16:creationId xmlns:a16="http://schemas.microsoft.com/office/drawing/2014/main" id="{12AF879D-AEB5-0B91-3401-9FB47E728A8C}"/>
+          <p:cNvPr id="2" name="그림 1">
+            <a:extLst>
+              <a:ext uri="{FF2B5EF4-FFF2-40B4-BE49-F238E27FC236}">
+                <a16:creationId xmlns:a16="http://schemas.microsoft.com/office/drawing/2014/main" id="{7DA4C7A9-256C-1C75-6600-54AA78E9DE76}"/>
               </a:ext>
             </a:extLst>
           </p:cNvPr>
@@ -7360,8 +7813,8 @@
         </p:blipFill>
         <p:spPr>
           <a:xfrm>
-            <a:off x="540697" y="471431"/>
-            <a:ext cx="2867425" cy="600159"/>
+            <a:off x="623857" y="940891"/>
+            <a:ext cx="428685" cy="600159"/>
           </a:xfrm>
           <a:prstGeom prst="rect">
             <a:avLst/>
@@ -7370,10 +7823,10 @@
       </p:pic>
       <p:pic>
         <p:nvPicPr>
-          <p:cNvPr id="4" name="그림 3">
-            <a:extLst>
-              <a:ext uri="{FF2B5EF4-FFF2-40B4-BE49-F238E27FC236}">
-                <a16:creationId xmlns:a16="http://schemas.microsoft.com/office/drawing/2014/main" id="{6DB8B61E-302F-DD4F-01A9-8756098BFAC6}"/>
+          <p:cNvPr id="3" name="그림 2">
+            <a:extLst>
+              <a:ext uri="{FF2B5EF4-FFF2-40B4-BE49-F238E27FC236}">
+                <a16:creationId xmlns:a16="http://schemas.microsoft.com/office/drawing/2014/main" id="{A2E757DC-4FE4-49AA-26F7-51D2177FB4EF}"/>
               </a:ext>
             </a:extLst>
           </p:cNvPr>
@@ -7390,20 +7843,91 @@
         </p:blipFill>
         <p:spPr>
           <a:xfrm>
-            <a:off x="4128074" y="484251"/>
-            <a:ext cx="2857899" cy="171474"/>
+            <a:off x="1221830" y="1031391"/>
+            <a:ext cx="2048161" cy="209579"/>
           </a:xfrm>
           <a:prstGeom prst="rect">
             <a:avLst/>
           </a:prstGeom>
         </p:spPr>
       </p:pic>
+      <p:cxnSp>
+        <p:nvCxnSpPr>
+          <p:cNvPr id="5" name="직선 연결선 4">
+            <a:extLst>
+              <a:ext uri="{FF2B5EF4-FFF2-40B4-BE49-F238E27FC236}">
+                <a16:creationId xmlns:a16="http://schemas.microsoft.com/office/drawing/2014/main" id="{7CCF44C8-B4B1-9F09-0741-7A1BB72F3A2F}"/>
+              </a:ext>
+            </a:extLst>
+          </p:cNvPr>
+          <p:cNvCxnSpPr/>
+          <p:nvPr/>
+        </p:nvCxnSpPr>
+        <p:spPr>
+          <a:xfrm>
+            <a:off x="540697" y="1738993"/>
+            <a:ext cx="10995439" cy="0"/>
+          </a:xfrm>
+          <a:prstGeom prst="line">
+            <a:avLst/>
+          </a:prstGeom>
+        </p:spPr>
+        <p:style>
+          <a:lnRef idx="1">
+            <a:schemeClr val="accent1"/>
+          </a:lnRef>
+          <a:fillRef idx="0">
+            <a:schemeClr val="accent1"/>
+          </a:fillRef>
+          <a:effectRef idx="0">
+            <a:schemeClr val="accent1"/>
+          </a:effectRef>
+          <a:fontRef idx="minor">
+            <a:schemeClr val="tx1"/>
+          </a:fontRef>
+        </p:style>
+      </p:cxnSp>
+      <p:sp>
+        <p:nvSpPr>
+          <p:cNvPr id="12" name="TextBox 11">
+            <a:extLst>
+              <a:ext uri="{FF2B5EF4-FFF2-40B4-BE49-F238E27FC236}">
+                <a16:creationId xmlns:a16="http://schemas.microsoft.com/office/drawing/2014/main" id="{138BCE96-7D4F-0781-908E-00DC6C406B99}"/>
+              </a:ext>
+            </a:extLst>
+          </p:cNvPr>
+          <p:cNvSpPr txBox="1"/>
+          <p:nvPr/>
+        </p:nvSpPr>
+        <p:spPr>
+          <a:xfrm>
+            <a:off x="5125870" y="922902"/>
+            <a:ext cx="1144865" cy="307777"/>
+          </a:xfrm>
+          <a:prstGeom prst="rect">
+            <a:avLst/>
+          </a:prstGeom>
+          <a:noFill/>
+        </p:spPr>
+        <p:txBody>
+          <a:bodyPr wrap="none" rtlCol="0">
+            <a:spAutoFit/>
+          </a:bodyPr>
+          <a:lstStyle/>
+          <a:p>
+            <a:r>
+              <a:rPr lang="ko-KR" altLang="en-US" sz="1400" dirty="0"/>
+              <a:t>타이틀 변경</a:t>
+            </a:r>
+          </a:p>
+        </p:txBody>
+      </p:sp>
       <p:pic>
         <p:nvPicPr>
-          <p:cNvPr id="5" name="그림 4">
-            <a:extLst>
-              <a:ext uri="{FF2B5EF4-FFF2-40B4-BE49-F238E27FC236}">
-                <a16:creationId xmlns:a16="http://schemas.microsoft.com/office/drawing/2014/main" id="{04411DC6-6327-659C-351D-08DFA673C66D}"/>
+          <p:cNvPr id="15" name="그림 14">
+            <a:extLst>
+              <a:ext uri="{FF2B5EF4-FFF2-40B4-BE49-F238E27FC236}">
+                <a16:creationId xmlns:a16="http://schemas.microsoft.com/office/drawing/2014/main" id="{088A6085-1196-F532-CF59-BF7AB7497294}"/>
               </a:ext>
             </a:extLst>
           </p:cNvPr>
@@ -7420,8 +7944,8 @@
         </p:blipFill>
         <p:spPr>
           <a:xfrm>
-            <a:off x="4127487" y="856465"/>
-            <a:ext cx="6249272" cy="2000529"/>
+            <a:off x="441279" y="2530825"/>
+            <a:ext cx="3896269" cy="743054"/>
           </a:xfrm>
           <a:prstGeom prst="rect">
             <a:avLst/>
@@ -7430,10 +7954,62 @@
       </p:pic>
       <p:sp>
         <p:nvSpPr>
-          <p:cNvPr id="6" name="TextBox 5">
-            <a:extLst>
-              <a:ext uri="{FF2B5EF4-FFF2-40B4-BE49-F238E27FC236}">
-                <a16:creationId xmlns:a16="http://schemas.microsoft.com/office/drawing/2014/main" id="{41428220-D525-9097-20CD-C1CBB753A1DC}"/>
+          <p:cNvPr id="16" name="직사각형 15">
+            <a:extLst>
+              <a:ext uri="{FF2B5EF4-FFF2-40B4-BE49-F238E27FC236}">
+                <a16:creationId xmlns:a16="http://schemas.microsoft.com/office/drawing/2014/main" id="{9200D68F-3E29-0788-AA6D-CE46F679B4CC}"/>
+              </a:ext>
+            </a:extLst>
+          </p:cNvPr>
+          <p:cNvSpPr/>
+          <p:nvPr/>
+        </p:nvSpPr>
+        <p:spPr>
+          <a:xfrm>
+            <a:off x="2436739" y="2833007"/>
+            <a:ext cx="391886" cy="391886"/>
+          </a:xfrm>
+          <a:prstGeom prst="rect">
+            <a:avLst/>
+          </a:prstGeom>
+          <a:noFill/>
+          <a:ln w="25400">
+            <a:solidFill>
+              <a:srgbClr val="FF0000"/>
+            </a:solidFill>
+          </a:ln>
+        </p:spPr>
+        <p:style>
+          <a:lnRef idx="2">
+            <a:schemeClr val="accent1">
+              <a:shade val="50000"/>
+            </a:schemeClr>
+          </a:lnRef>
+          <a:fillRef idx="1">
+            <a:schemeClr val="accent1"/>
+          </a:fillRef>
+          <a:effectRef idx="0">
+            <a:schemeClr val="accent1"/>
+          </a:effectRef>
+          <a:fontRef idx="minor">
+            <a:schemeClr val="lt1"/>
+          </a:fontRef>
+        </p:style>
+        <p:txBody>
+          <a:bodyPr rtlCol="0" anchor="ctr"/>
+          <a:lstStyle/>
+          <a:p>
+            <a:pPr algn="ctr"/>
+            <a:endParaRPr lang="ko-KR" altLang="en-US"/>
+          </a:p>
+        </p:txBody>
+      </p:sp>
+      <p:sp>
+        <p:nvSpPr>
+          <p:cNvPr id="17" name="TextBox 16">
+            <a:extLst>
+              <a:ext uri="{FF2B5EF4-FFF2-40B4-BE49-F238E27FC236}">
+                <a16:creationId xmlns:a16="http://schemas.microsoft.com/office/drawing/2014/main" id="{48EC0B04-BD49-0BFA-01E3-0CF150D0332A}"/>
               </a:ext>
             </a:extLst>
           </p:cNvPr>
@@ -7442,8 +8018,8 @@
         </p:nvSpPr>
         <p:spPr>
           <a:xfrm>
-            <a:off x="8914509" y="371183"/>
-            <a:ext cx="2335896" cy="307777"/>
+            <a:off x="5125870" y="2247308"/>
+            <a:ext cx="2335896" cy="697050"/>
           </a:xfrm>
           <a:prstGeom prst="rect">
             <a:avLst/>
@@ -7456,6 +8032,31 @@
           </a:bodyPr>
           <a:lstStyle/>
           <a:p>
+            <a:pPr>
+              <a:lnSpc>
+                <a:spcPct val="150000"/>
+              </a:lnSpc>
+            </a:pPr>
+            <a:r>
+              <a:rPr lang="ko-KR" altLang="en-US" sz="1400" dirty="0"/>
+              <a:t>시작</a:t>
+            </a:r>
+            <a:r>
+              <a:rPr lang="en-US" altLang="ko-KR" sz="1400" dirty="0"/>
+              <a:t>/</a:t>
+            </a:r>
+            <a:r>
+              <a:rPr lang="ko-KR" altLang="en-US" sz="1400" dirty="0"/>
+              <a:t>정지 추가</a:t>
+            </a:r>
+            <a:endParaRPr lang="en-US" altLang="ko-KR" sz="1400" dirty="0"/>
+          </a:p>
+          <a:p>
+            <a:pPr>
+              <a:lnSpc>
+                <a:spcPct val="150000"/>
+              </a:lnSpc>
+            </a:pPr>
             <a:r>
               <a:rPr lang="en-US" altLang="ko-KR" sz="1400" dirty="0"/>
               <a:t>UI-SJN-01-001U.html </a:t>
@@ -7467,12 +8068,42 @@
           </a:p>
         </p:txBody>
       </p:sp>
+      <p:pic>
+        <p:nvPicPr>
+          <p:cNvPr id="19" name="그림 18">
+            <a:extLst>
+              <a:ext uri="{FF2B5EF4-FFF2-40B4-BE49-F238E27FC236}">
+                <a16:creationId xmlns:a16="http://schemas.microsoft.com/office/drawing/2014/main" id="{19228B63-46A2-6151-EA2B-4A6C4E1C97C7}"/>
+              </a:ext>
+            </a:extLst>
+          </p:cNvPr>
+          <p:cNvPicPr>
+            <a:picLocks noChangeAspect="1"/>
+          </p:cNvPicPr>
+          <p:nvPr/>
+        </p:nvPicPr>
+        <p:blipFill>
+          <a:blip r:embed="rId5"/>
+          <a:stretch>
+            <a:fillRect/>
+          </a:stretch>
+        </p:blipFill>
+        <p:spPr>
+          <a:xfrm>
+            <a:off x="540697" y="4152502"/>
+            <a:ext cx="3410426" cy="543001"/>
+          </a:xfrm>
+          <a:prstGeom prst="rect">
+            <a:avLst/>
+          </a:prstGeom>
+        </p:spPr>
+      </p:pic>
       <p:cxnSp>
         <p:nvCxnSpPr>
-          <p:cNvPr id="7" name="직선 연결선 6">
-            <a:extLst>
-              <a:ext uri="{FF2B5EF4-FFF2-40B4-BE49-F238E27FC236}">
-                <a16:creationId xmlns:a16="http://schemas.microsoft.com/office/drawing/2014/main" id="{3F28D411-CAA2-DCD5-FD9D-025509181614}"/>
+          <p:cNvPr id="20" name="직선 연결선 19">
+            <a:extLst>
+              <a:ext uri="{FF2B5EF4-FFF2-40B4-BE49-F238E27FC236}">
+                <a16:creationId xmlns:a16="http://schemas.microsoft.com/office/drawing/2014/main" id="{31A57D32-21B1-D932-5AE2-4E4F3C0DF261}"/>
               </a:ext>
             </a:extLst>
           </p:cNvPr>
@@ -7481,7 +8112,7 @@
         </p:nvCxnSpPr>
         <p:spPr>
           <a:xfrm>
-            <a:off x="579198" y="7124059"/>
+            <a:off x="540697" y="3996243"/>
             <a:ext cx="10995439" cy="0"/>
           </a:xfrm>
           <a:prstGeom prst="line">
@@ -7505,97 +8136,10 @@
       </p:cxnSp>
       <p:pic>
         <p:nvPicPr>
-          <p:cNvPr id="8" name="그림 7">
-            <a:extLst>
-              <a:ext uri="{FF2B5EF4-FFF2-40B4-BE49-F238E27FC236}">
-                <a16:creationId xmlns:a16="http://schemas.microsoft.com/office/drawing/2014/main" id="{6C07F840-F0B2-1AE7-6B6D-4915DF934194}"/>
-              </a:ext>
-            </a:extLst>
-          </p:cNvPr>
-          <p:cNvPicPr>
-            <a:picLocks noChangeAspect="1"/>
-          </p:cNvPicPr>
-          <p:nvPr/>
-        </p:nvPicPr>
-        <p:blipFill>
-          <a:blip r:embed="rId5"/>
-          <a:stretch>
-            <a:fillRect/>
-          </a:stretch>
-        </p:blipFill>
-        <p:spPr>
-          <a:xfrm>
-            <a:off x="371638" y="3240479"/>
-            <a:ext cx="3410426" cy="1448002"/>
-          </a:xfrm>
-          <a:prstGeom prst="rect">
-            <a:avLst/>
-          </a:prstGeom>
-        </p:spPr>
-      </p:pic>
-      <p:sp>
-        <p:nvSpPr>
-          <p:cNvPr id="9" name="TextBox 8">
-            <a:extLst>
-              <a:ext uri="{FF2B5EF4-FFF2-40B4-BE49-F238E27FC236}">
-                <a16:creationId xmlns:a16="http://schemas.microsoft.com/office/drawing/2014/main" id="{20CAEAD5-75D1-1F46-B064-9207C37BCAC4}"/>
-              </a:ext>
-            </a:extLst>
-          </p:cNvPr>
-          <p:cNvSpPr txBox="1"/>
-          <p:nvPr/>
-        </p:nvSpPr>
-        <p:spPr>
-          <a:xfrm>
-            <a:off x="4504365" y="3441966"/>
-            <a:ext cx="4487126" cy="738664"/>
-          </a:xfrm>
-          <a:prstGeom prst="rect">
-            <a:avLst/>
-          </a:prstGeom>
-          <a:noFill/>
-        </p:spPr>
-        <p:txBody>
-          <a:bodyPr wrap="none" rtlCol="0">
-            <a:spAutoFit/>
-          </a:bodyPr>
-          <a:lstStyle/>
-          <a:p>
-            <a:r>
-              <a:rPr lang="ko-KR" altLang="en-US" sz="1400" dirty="0"/>
-              <a:t>현재 차트 누르면 기상으로 이동합니다</a:t>
-            </a:r>
-            <a:r>
-              <a:rPr lang="en-US" altLang="ko-KR" sz="1400" dirty="0"/>
-              <a:t>.</a:t>
-            </a:r>
-          </a:p>
-          <a:p>
-            <a:endParaRPr lang="en-US" altLang="ko-KR" sz="1400" dirty="0"/>
-          </a:p>
-          <a:p>
-            <a:r>
-              <a:rPr lang="ko-KR" altLang="en-US" sz="1400" dirty="0"/>
-              <a:t>버튼 추가해서 버튼 누르면 이동으로 </a:t>
-            </a:r>
-            <a:r>
-              <a:rPr lang="ko-KR" altLang="en-US" sz="1400" dirty="0" err="1"/>
-              <a:t>변경해야합니다</a:t>
-            </a:r>
-            <a:r>
-              <a:rPr lang="en-US" altLang="ko-KR" sz="1400" dirty="0"/>
-              <a:t>.</a:t>
-            </a:r>
-            <a:endParaRPr lang="ko-KR" altLang="en-US" sz="1400" dirty="0"/>
-          </a:p>
-        </p:txBody>
-      </p:sp>
-      <p:pic>
-        <p:nvPicPr>
-          <p:cNvPr id="10" name="그림 9">
-            <a:extLst>
-              <a:ext uri="{FF2B5EF4-FFF2-40B4-BE49-F238E27FC236}">
-                <a16:creationId xmlns:a16="http://schemas.microsoft.com/office/drawing/2014/main" id="{F10FF671-A76A-15C4-37F9-D0904C5E1F15}"/>
+          <p:cNvPr id="21" name="그림 20">
+            <a:extLst>
+              <a:ext uri="{FF2B5EF4-FFF2-40B4-BE49-F238E27FC236}">
+                <a16:creationId xmlns:a16="http://schemas.microsoft.com/office/drawing/2014/main" id="{DDA2D4B6-5C80-2467-2FF9-AA63A66291C2}"/>
               </a:ext>
             </a:extLst>
           </p:cNvPr>
@@ -7612,8 +8156,8 @@
         </p:blipFill>
         <p:spPr>
           <a:xfrm>
-            <a:off x="428524" y="5169409"/>
-            <a:ext cx="4146444" cy="1405978"/>
+            <a:off x="4338544" y="4171962"/>
+            <a:ext cx="1543265" cy="209579"/>
           </a:xfrm>
           <a:prstGeom prst="rect">
             <a:avLst/>
@@ -7622,10 +8166,10 @@
       </p:pic>
       <p:pic>
         <p:nvPicPr>
-          <p:cNvPr id="11" name="그림 10">
-            <a:extLst>
-              <a:ext uri="{FF2B5EF4-FFF2-40B4-BE49-F238E27FC236}">
-                <a16:creationId xmlns:a16="http://schemas.microsoft.com/office/drawing/2014/main" id="{A33F124D-4E1A-0A99-13C0-0B32E11A130D}"/>
+          <p:cNvPr id="22" name="그림 21">
+            <a:extLst>
+              <a:ext uri="{FF2B5EF4-FFF2-40B4-BE49-F238E27FC236}">
+                <a16:creationId xmlns:a16="http://schemas.microsoft.com/office/drawing/2014/main" id="{66B248D5-3406-E50F-DDC3-D059B6FC754F}"/>
               </a:ext>
             </a:extLst>
           </p:cNvPr>
@@ -7635,68 +8179,27 @@
           <p:nvPr/>
         </p:nvPicPr>
         <p:blipFill>
-          <a:blip r:embed="rId6"/>
+          <a:blip r:embed="rId7"/>
           <a:stretch>
             <a:fillRect/>
           </a:stretch>
         </p:blipFill>
         <p:spPr>
           <a:xfrm>
-            <a:off x="6828775" y="5141309"/>
-            <a:ext cx="4146444" cy="1405978"/>
+            <a:off x="4338544" y="4591886"/>
+            <a:ext cx="3982006" cy="1343212"/>
           </a:xfrm>
           <a:prstGeom prst="rect">
             <a:avLst/>
           </a:prstGeom>
         </p:spPr>
       </p:pic>
-      <p:cxnSp>
-        <p:nvCxnSpPr>
-          <p:cNvPr id="12" name="직선 화살표 연결선 11">
-            <a:extLst>
-              <a:ext uri="{FF2B5EF4-FFF2-40B4-BE49-F238E27FC236}">
-                <a16:creationId xmlns:a16="http://schemas.microsoft.com/office/drawing/2014/main" id="{ABBC8CEE-C7DF-576E-285C-915C9BAC27E8}"/>
-              </a:ext>
-            </a:extLst>
-          </p:cNvPr>
-          <p:cNvCxnSpPr>
-            <a:cxnSpLocks/>
-          </p:cNvCxnSpPr>
-          <p:nvPr/>
-        </p:nvCxnSpPr>
-        <p:spPr>
-          <a:xfrm>
-            <a:off x="5165673" y="5685691"/>
-            <a:ext cx="1213323" cy="0"/>
-          </a:xfrm>
-          <a:prstGeom prst="straightConnector1">
-            <a:avLst/>
-          </a:prstGeom>
-          <a:ln>
-            <a:tailEnd type="triangle"/>
-          </a:ln>
-        </p:spPr>
-        <p:style>
-          <a:lnRef idx="1">
-            <a:schemeClr val="accent1"/>
-          </a:lnRef>
-          <a:fillRef idx="0">
-            <a:schemeClr val="accent1"/>
-          </a:fillRef>
-          <a:effectRef idx="0">
-            <a:schemeClr val="accent1"/>
-          </a:effectRef>
-          <a:fontRef idx="minor">
-            <a:schemeClr val="tx1"/>
-          </a:fontRef>
-        </p:style>
-      </p:cxnSp>
-      <p:sp>
-        <p:nvSpPr>
-          <p:cNvPr id="13" name="TextBox 12">
-            <a:extLst>
-              <a:ext uri="{FF2B5EF4-FFF2-40B4-BE49-F238E27FC236}">
-                <a16:creationId xmlns:a16="http://schemas.microsoft.com/office/drawing/2014/main" id="{482E7BB1-2D83-8BC0-7921-2B421E64D87A}"/>
+      <p:sp>
+        <p:nvSpPr>
+          <p:cNvPr id="23" name="TextBox 22">
+            <a:extLst>
+              <a:ext uri="{FF2B5EF4-FFF2-40B4-BE49-F238E27FC236}">
+                <a16:creationId xmlns:a16="http://schemas.microsoft.com/office/drawing/2014/main" id="{E5FAD1BC-23A9-ADD2-263C-C6F16E8BD87B}"/>
               </a:ext>
             </a:extLst>
           </p:cNvPr>
@@ -7705,8 +8208,8 @@
         </p:nvSpPr>
         <p:spPr>
           <a:xfrm>
-            <a:off x="5249669" y="5926587"/>
-            <a:ext cx="902811" cy="307777"/>
+            <a:off x="8844147" y="4969025"/>
+            <a:ext cx="2335896" cy="307777"/>
           </a:xfrm>
           <a:prstGeom prst="rect">
             <a:avLst/>
@@ -7720,144 +8223,20 @@
           <a:lstStyle/>
           <a:p>
             <a:r>
+              <a:rPr lang="en-US" altLang="ko-KR" sz="1400" dirty="0"/>
+              <a:t>UI-SJN-01-001U.html </a:t>
+            </a:r>
+            <a:r>
               <a:rPr lang="ko-KR" altLang="en-US" sz="1400" dirty="0"/>
-              <a:t>문법오류</a:t>
-            </a:r>
-          </a:p>
-        </p:txBody>
-      </p:sp>
-      <p:sp>
-        <p:nvSpPr>
-          <p:cNvPr id="14" name="직사각형 13">
-            <a:extLst>
-              <a:ext uri="{FF2B5EF4-FFF2-40B4-BE49-F238E27FC236}">
-                <a16:creationId xmlns:a16="http://schemas.microsoft.com/office/drawing/2014/main" id="{8F746128-4CEA-242C-102A-999C5463B25D}"/>
-              </a:ext>
-            </a:extLst>
-          </p:cNvPr>
-          <p:cNvSpPr/>
-          <p:nvPr/>
-        </p:nvSpPr>
-        <p:spPr>
-          <a:xfrm>
-            <a:off x="7084280" y="5401395"/>
-            <a:ext cx="563335" cy="130628"/>
-          </a:xfrm>
-          <a:prstGeom prst="rect">
-            <a:avLst/>
-          </a:prstGeom>
-        </p:spPr>
-        <p:style>
-          <a:lnRef idx="2">
-            <a:schemeClr val="accent1">
-              <a:shade val="50000"/>
-            </a:schemeClr>
-          </a:lnRef>
-          <a:fillRef idx="1">
-            <a:schemeClr val="accent1"/>
-          </a:fillRef>
-          <a:effectRef idx="0">
-            <a:schemeClr val="accent1"/>
-          </a:effectRef>
-          <a:fontRef idx="minor">
-            <a:schemeClr val="lt1"/>
-          </a:fontRef>
-        </p:style>
-        <p:txBody>
-          <a:bodyPr rtlCol="0" anchor="ctr"/>
-          <a:lstStyle/>
-          <a:p>
-            <a:pPr algn="ctr"/>
-            <a:endParaRPr lang="ko-KR" altLang="en-US"/>
-          </a:p>
-        </p:txBody>
-      </p:sp>
-      <p:sp>
-        <p:nvSpPr>
-          <p:cNvPr id="15" name="직사각형 14">
-            <a:extLst>
-              <a:ext uri="{FF2B5EF4-FFF2-40B4-BE49-F238E27FC236}">
-                <a16:creationId xmlns:a16="http://schemas.microsoft.com/office/drawing/2014/main" id="{DB99410C-5960-A911-B47C-4A15D181E463}"/>
-              </a:ext>
-            </a:extLst>
-          </p:cNvPr>
-          <p:cNvSpPr/>
-          <p:nvPr/>
-        </p:nvSpPr>
-        <p:spPr>
-          <a:xfrm>
-            <a:off x="7084280" y="5809609"/>
-            <a:ext cx="563335" cy="130628"/>
-          </a:xfrm>
-          <a:prstGeom prst="rect">
-            <a:avLst/>
-          </a:prstGeom>
-        </p:spPr>
-        <p:style>
-          <a:lnRef idx="2">
-            <a:schemeClr val="accent1">
-              <a:shade val="50000"/>
-            </a:schemeClr>
-          </a:lnRef>
-          <a:fillRef idx="1">
-            <a:schemeClr val="accent1"/>
-          </a:fillRef>
-          <a:effectRef idx="0">
-            <a:schemeClr val="accent1"/>
-          </a:effectRef>
-          <a:fontRef idx="minor">
-            <a:schemeClr val="lt1"/>
-          </a:fontRef>
-        </p:style>
-        <p:txBody>
-          <a:bodyPr rtlCol="0" anchor="ctr"/>
-          <a:lstStyle/>
-          <a:p>
-            <a:pPr algn="ctr"/>
-            <a:endParaRPr lang="ko-KR" altLang="en-US"/>
-          </a:p>
-        </p:txBody>
-      </p:sp>
-      <p:cxnSp>
-        <p:nvCxnSpPr>
-          <p:cNvPr id="16" name="직선 연결선 15">
-            <a:extLst>
-              <a:ext uri="{FF2B5EF4-FFF2-40B4-BE49-F238E27FC236}">
-                <a16:creationId xmlns:a16="http://schemas.microsoft.com/office/drawing/2014/main" id="{4CCC612A-B977-99AF-4497-A845210F6B1A}"/>
-              </a:ext>
-            </a:extLst>
-          </p:cNvPr>
-          <p:cNvCxnSpPr/>
-          <p:nvPr/>
-        </p:nvCxnSpPr>
-        <p:spPr>
-          <a:xfrm>
-            <a:off x="540697" y="3163805"/>
-            <a:ext cx="10995439" cy="0"/>
-          </a:xfrm>
-          <a:prstGeom prst="line">
-            <a:avLst/>
-          </a:prstGeom>
-        </p:spPr>
-        <p:style>
-          <a:lnRef idx="1">
-            <a:schemeClr val="accent1"/>
-          </a:lnRef>
-          <a:fillRef idx="0">
-            <a:schemeClr val="accent1"/>
-          </a:fillRef>
-          <a:effectRef idx="0">
-            <a:schemeClr val="accent1"/>
-          </a:effectRef>
-          <a:fontRef idx="minor">
-            <a:schemeClr val="tx1"/>
-          </a:fontRef>
-        </p:style>
-      </p:cxnSp>
+              <a:t>참고</a:t>
+            </a:r>
+          </a:p>
+        </p:txBody>
+      </p:sp>
     </p:spTree>
     <p:extLst>
       <p:ext uri="{BB962C8B-B14F-4D97-AF65-F5344CB8AC3E}">
-        <p14:creationId xmlns:p14="http://schemas.microsoft.com/office/powerpoint/2010/main" val="1337393557"/>
+        <p14:creationId xmlns:p14="http://schemas.microsoft.com/office/powerpoint/2010/main" val="4111681464"/>
       </p:ext>
     </p:extLst>
   </p:cSld>
@@ -7886,10 +8265,10 @@
       </p:grpSpPr>
       <p:pic>
         <p:nvPicPr>
-          <p:cNvPr id="16" name="그림 15">
-            <a:extLst>
-              <a:ext uri="{FF2B5EF4-FFF2-40B4-BE49-F238E27FC236}">
-                <a16:creationId xmlns:a16="http://schemas.microsoft.com/office/drawing/2014/main" id="{2CD17F5D-15F8-8B8E-9587-86DA6882BFD0}"/>
+          <p:cNvPr id="3" name="그림 2">
+            <a:extLst>
+              <a:ext uri="{FF2B5EF4-FFF2-40B4-BE49-F238E27FC236}">
+                <a16:creationId xmlns:a16="http://schemas.microsoft.com/office/drawing/2014/main" id="{12AF879D-AEB5-0B91-3401-9FB47E728A8C}"/>
               </a:ext>
             </a:extLst>
           </p:cNvPr>
@@ -7906,60 +8285,20 @@
         </p:blipFill>
         <p:spPr>
           <a:xfrm>
-            <a:off x="574519" y="345608"/>
-            <a:ext cx="3439005" cy="2143424"/>
+            <a:off x="540697" y="471431"/>
+            <a:ext cx="2867425" cy="600159"/>
           </a:xfrm>
           <a:prstGeom prst="rect">
             <a:avLst/>
           </a:prstGeom>
         </p:spPr>
       </p:pic>
-      <p:sp>
-        <p:nvSpPr>
-          <p:cNvPr id="17" name="TextBox 16">
-            <a:extLst>
-              <a:ext uri="{FF2B5EF4-FFF2-40B4-BE49-F238E27FC236}">
-                <a16:creationId xmlns:a16="http://schemas.microsoft.com/office/drawing/2014/main" id="{9642DCA7-DF95-10F2-09D5-256CC381DB56}"/>
-              </a:ext>
-            </a:extLst>
-          </p:cNvPr>
-          <p:cNvSpPr txBox="1"/>
-          <p:nvPr/>
-        </p:nvSpPr>
-        <p:spPr>
-          <a:xfrm>
-            <a:off x="4651849" y="905243"/>
-            <a:ext cx="3768980" cy="307777"/>
-          </a:xfrm>
-          <a:prstGeom prst="rect">
-            <a:avLst/>
-          </a:prstGeom>
-          <a:noFill/>
-        </p:spPr>
-        <p:txBody>
-          <a:bodyPr wrap="none" rtlCol="0">
-            <a:spAutoFit/>
-          </a:bodyPr>
-          <a:lstStyle/>
-          <a:p>
-            <a:r>
-              <a:rPr lang="ko-KR" altLang="en-US" sz="1400" dirty="0"/>
-              <a:t>버튼 추가해서 버튼 누르면 이동하도록 변경</a:t>
-            </a:r>
-            <a:r>
-              <a:rPr lang="en-US" altLang="ko-KR" sz="1400" dirty="0"/>
-              <a:t>.</a:t>
-            </a:r>
-            <a:endParaRPr lang="ko-KR" altLang="en-US" sz="1400" dirty="0"/>
-          </a:p>
-        </p:txBody>
-      </p:sp>
       <p:pic>
         <p:nvPicPr>
-          <p:cNvPr id="19" name="그림 18">
-            <a:extLst>
-              <a:ext uri="{FF2B5EF4-FFF2-40B4-BE49-F238E27FC236}">
-                <a16:creationId xmlns:a16="http://schemas.microsoft.com/office/drawing/2014/main" id="{F1EF7E27-29D4-5722-0CFF-76BFB9BA0568}"/>
+          <p:cNvPr id="4" name="그림 3">
+            <a:extLst>
+              <a:ext uri="{FF2B5EF4-FFF2-40B4-BE49-F238E27FC236}">
+                <a16:creationId xmlns:a16="http://schemas.microsoft.com/office/drawing/2014/main" id="{6DB8B61E-302F-DD4F-01A9-8756098BFAC6}"/>
               </a:ext>
             </a:extLst>
           </p:cNvPr>
@@ -7976,8 +8315,8 @@
         </p:blipFill>
         <p:spPr>
           <a:xfrm>
-            <a:off x="540697" y="3351892"/>
-            <a:ext cx="3419952" cy="1705213"/>
+            <a:off x="4128074" y="484251"/>
+            <a:ext cx="2857899" cy="171474"/>
           </a:xfrm>
           <a:prstGeom prst="rect">
             <a:avLst/>
@@ -7986,10 +8325,10 @@
       </p:pic>
       <p:pic>
         <p:nvPicPr>
-          <p:cNvPr id="22" name="그림 21">
-            <a:extLst>
-              <a:ext uri="{FF2B5EF4-FFF2-40B4-BE49-F238E27FC236}">
-                <a16:creationId xmlns:a16="http://schemas.microsoft.com/office/drawing/2014/main" id="{3B2095A7-7AC3-4096-55D6-D4A70567BE74}"/>
+          <p:cNvPr id="5" name="그림 4">
+            <a:extLst>
+              <a:ext uri="{FF2B5EF4-FFF2-40B4-BE49-F238E27FC236}">
+                <a16:creationId xmlns:a16="http://schemas.microsoft.com/office/drawing/2014/main" id="{04411DC6-6327-659C-351D-08DFA673C66D}"/>
               </a:ext>
             </a:extLst>
           </p:cNvPr>
@@ -8006,8 +8345,8 @@
         </p:blipFill>
         <p:spPr>
           <a:xfrm>
-            <a:off x="4505103" y="3429000"/>
-            <a:ext cx="3181794" cy="1457528"/>
+            <a:off x="4127487" y="856465"/>
+            <a:ext cx="6249272" cy="2000529"/>
           </a:xfrm>
           <a:prstGeom prst="rect">
             <a:avLst/>
@@ -8016,10 +8355,10 @@
       </p:pic>
       <p:sp>
         <p:nvSpPr>
-          <p:cNvPr id="23" name="TextBox 22">
-            <a:extLst>
-              <a:ext uri="{FF2B5EF4-FFF2-40B4-BE49-F238E27FC236}">
-                <a16:creationId xmlns:a16="http://schemas.microsoft.com/office/drawing/2014/main" id="{870CC76E-54C3-6600-271B-3E8939051A33}"/>
+          <p:cNvPr id="6" name="TextBox 5">
+            <a:extLst>
+              <a:ext uri="{FF2B5EF4-FFF2-40B4-BE49-F238E27FC236}">
+                <a16:creationId xmlns:a16="http://schemas.microsoft.com/office/drawing/2014/main" id="{41428220-D525-9097-20CD-C1CBB753A1DC}"/>
               </a:ext>
             </a:extLst>
           </p:cNvPr>
@@ -8028,8 +8367,8 @@
         </p:nvSpPr>
         <p:spPr>
           <a:xfrm>
-            <a:off x="7921609" y="4003875"/>
-            <a:ext cx="1326004" cy="307777"/>
+            <a:off x="8914509" y="371183"/>
+            <a:ext cx="2335896" cy="307777"/>
           </a:xfrm>
           <a:prstGeom prst="rect">
             <a:avLst/>
@@ -8044,21 +8383,21 @@
           <a:p>
             <a:r>
               <a:rPr lang="en-US" altLang="ko-KR" sz="1400" dirty="0"/>
-              <a:t>A </a:t>
+              <a:t>UI-SJN-01-001U.html </a:t>
             </a:r>
             <a:r>
               <a:rPr lang="ko-KR" altLang="en-US" sz="1400" dirty="0"/>
-              <a:t>태그로 변경</a:t>
+              <a:t>참고</a:t>
             </a:r>
           </a:p>
         </p:txBody>
       </p:sp>
       <p:cxnSp>
         <p:nvCxnSpPr>
-          <p:cNvPr id="24" name="직선 연결선 23">
-            <a:extLst>
-              <a:ext uri="{FF2B5EF4-FFF2-40B4-BE49-F238E27FC236}">
-                <a16:creationId xmlns:a16="http://schemas.microsoft.com/office/drawing/2014/main" id="{CA5A93E4-6BE4-8EDD-972A-EF2BEBAA83A4}"/>
+          <p:cNvPr id="7" name="직선 연결선 6">
+            <a:extLst>
+              <a:ext uri="{FF2B5EF4-FFF2-40B4-BE49-F238E27FC236}">
+                <a16:creationId xmlns:a16="http://schemas.microsoft.com/office/drawing/2014/main" id="{3F28D411-CAA2-DCD5-FD9D-025509181614}"/>
               </a:ext>
             </a:extLst>
           </p:cNvPr>
@@ -8067,7 +8406,358 @@
         </p:nvCxnSpPr>
         <p:spPr>
           <a:xfrm>
-            <a:off x="540697" y="2952049"/>
+            <a:off x="579198" y="7124059"/>
+            <a:ext cx="10995439" cy="0"/>
+          </a:xfrm>
+          <a:prstGeom prst="line">
+            <a:avLst/>
+          </a:prstGeom>
+        </p:spPr>
+        <p:style>
+          <a:lnRef idx="1">
+            <a:schemeClr val="accent1"/>
+          </a:lnRef>
+          <a:fillRef idx="0">
+            <a:schemeClr val="accent1"/>
+          </a:fillRef>
+          <a:effectRef idx="0">
+            <a:schemeClr val="accent1"/>
+          </a:effectRef>
+          <a:fontRef idx="minor">
+            <a:schemeClr val="tx1"/>
+          </a:fontRef>
+        </p:style>
+      </p:cxnSp>
+      <p:pic>
+        <p:nvPicPr>
+          <p:cNvPr id="8" name="그림 7">
+            <a:extLst>
+              <a:ext uri="{FF2B5EF4-FFF2-40B4-BE49-F238E27FC236}">
+                <a16:creationId xmlns:a16="http://schemas.microsoft.com/office/drawing/2014/main" id="{6C07F840-F0B2-1AE7-6B6D-4915DF934194}"/>
+              </a:ext>
+            </a:extLst>
+          </p:cNvPr>
+          <p:cNvPicPr>
+            <a:picLocks noChangeAspect="1"/>
+          </p:cNvPicPr>
+          <p:nvPr/>
+        </p:nvPicPr>
+        <p:blipFill>
+          <a:blip r:embed="rId5"/>
+          <a:stretch>
+            <a:fillRect/>
+          </a:stretch>
+        </p:blipFill>
+        <p:spPr>
+          <a:xfrm>
+            <a:off x="371638" y="3240479"/>
+            <a:ext cx="3410426" cy="1448002"/>
+          </a:xfrm>
+          <a:prstGeom prst="rect">
+            <a:avLst/>
+          </a:prstGeom>
+        </p:spPr>
+      </p:pic>
+      <p:sp>
+        <p:nvSpPr>
+          <p:cNvPr id="9" name="TextBox 8">
+            <a:extLst>
+              <a:ext uri="{FF2B5EF4-FFF2-40B4-BE49-F238E27FC236}">
+                <a16:creationId xmlns:a16="http://schemas.microsoft.com/office/drawing/2014/main" id="{20CAEAD5-75D1-1F46-B064-9207C37BCAC4}"/>
+              </a:ext>
+            </a:extLst>
+          </p:cNvPr>
+          <p:cNvSpPr txBox="1"/>
+          <p:nvPr/>
+        </p:nvSpPr>
+        <p:spPr>
+          <a:xfrm>
+            <a:off x="4504365" y="3441966"/>
+            <a:ext cx="4487126" cy="738664"/>
+          </a:xfrm>
+          <a:prstGeom prst="rect">
+            <a:avLst/>
+          </a:prstGeom>
+          <a:noFill/>
+        </p:spPr>
+        <p:txBody>
+          <a:bodyPr wrap="none" rtlCol="0">
+            <a:spAutoFit/>
+          </a:bodyPr>
+          <a:lstStyle/>
+          <a:p>
+            <a:r>
+              <a:rPr lang="ko-KR" altLang="en-US" sz="1400" dirty="0"/>
+              <a:t>현재 차트 누르면 기상으로 이동합니다</a:t>
+            </a:r>
+            <a:r>
+              <a:rPr lang="en-US" altLang="ko-KR" sz="1400" dirty="0"/>
+              <a:t>.</a:t>
+            </a:r>
+          </a:p>
+          <a:p>
+            <a:endParaRPr lang="en-US" altLang="ko-KR" sz="1400" dirty="0"/>
+          </a:p>
+          <a:p>
+            <a:r>
+              <a:rPr lang="ko-KR" altLang="en-US" sz="1400" dirty="0"/>
+              <a:t>버튼 추가해서 버튼 누르면 이동으로 </a:t>
+            </a:r>
+            <a:r>
+              <a:rPr lang="ko-KR" altLang="en-US" sz="1400" dirty="0" err="1"/>
+              <a:t>변경해야합니다</a:t>
+            </a:r>
+            <a:r>
+              <a:rPr lang="en-US" altLang="ko-KR" sz="1400" dirty="0"/>
+              <a:t>.</a:t>
+            </a:r>
+            <a:endParaRPr lang="ko-KR" altLang="en-US" sz="1400" dirty="0"/>
+          </a:p>
+        </p:txBody>
+      </p:sp>
+      <p:pic>
+        <p:nvPicPr>
+          <p:cNvPr id="10" name="그림 9">
+            <a:extLst>
+              <a:ext uri="{FF2B5EF4-FFF2-40B4-BE49-F238E27FC236}">
+                <a16:creationId xmlns:a16="http://schemas.microsoft.com/office/drawing/2014/main" id="{F10FF671-A76A-15C4-37F9-D0904C5E1F15}"/>
+              </a:ext>
+            </a:extLst>
+          </p:cNvPr>
+          <p:cNvPicPr>
+            <a:picLocks noChangeAspect="1"/>
+          </p:cNvPicPr>
+          <p:nvPr/>
+        </p:nvPicPr>
+        <p:blipFill>
+          <a:blip r:embed="rId6"/>
+          <a:stretch>
+            <a:fillRect/>
+          </a:stretch>
+        </p:blipFill>
+        <p:spPr>
+          <a:xfrm>
+            <a:off x="428524" y="5169409"/>
+            <a:ext cx="4146444" cy="1405978"/>
+          </a:xfrm>
+          <a:prstGeom prst="rect">
+            <a:avLst/>
+          </a:prstGeom>
+        </p:spPr>
+      </p:pic>
+      <p:pic>
+        <p:nvPicPr>
+          <p:cNvPr id="11" name="그림 10">
+            <a:extLst>
+              <a:ext uri="{FF2B5EF4-FFF2-40B4-BE49-F238E27FC236}">
+                <a16:creationId xmlns:a16="http://schemas.microsoft.com/office/drawing/2014/main" id="{A33F124D-4E1A-0A99-13C0-0B32E11A130D}"/>
+              </a:ext>
+            </a:extLst>
+          </p:cNvPr>
+          <p:cNvPicPr>
+            <a:picLocks noChangeAspect="1"/>
+          </p:cNvPicPr>
+          <p:nvPr/>
+        </p:nvPicPr>
+        <p:blipFill>
+          <a:blip r:embed="rId6"/>
+          <a:stretch>
+            <a:fillRect/>
+          </a:stretch>
+        </p:blipFill>
+        <p:spPr>
+          <a:xfrm>
+            <a:off x="6828775" y="5141309"/>
+            <a:ext cx="4146444" cy="1405978"/>
+          </a:xfrm>
+          <a:prstGeom prst="rect">
+            <a:avLst/>
+          </a:prstGeom>
+        </p:spPr>
+      </p:pic>
+      <p:cxnSp>
+        <p:nvCxnSpPr>
+          <p:cNvPr id="12" name="직선 화살표 연결선 11">
+            <a:extLst>
+              <a:ext uri="{FF2B5EF4-FFF2-40B4-BE49-F238E27FC236}">
+                <a16:creationId xmlns:a16="http://schemas.microsoft.com/office/drawing/2014/main" id="{ABBC8CEE-C7DF-576E-285C-915C9BAC27E8}"/>
+              </a:ext>
+            </a:extLst>
+          </p:cNvPr>
+          <p:cNvCxnSpPr>
+            <a:cxnSpLocks/>
+          </p:cNvCxnSpPr>
+          <p:nvPr/>
+        </p:nvCxnSpPr>
+        <p:spPr>
+          <a:xfrm>
+            <a:off x="5165673" y="5685691"/>
+            <a:ext cx="1213323" cy="0"/>
+          </a:xfrm>
+          <a:prstGeom prst="straightConnector1">
+            <a:avLst/>
+          </a:prstGeom>
+          <a:ln>
+            <a:tailEnd type="triangle"/>
+          </a:ln>
+        </p:spPr>
+        <p:style>
+          <a:lnRef idx="1">
+            <a:schemeClr val="accent1"/>
+          </a:lnRef>
+          <a:fillRef idx="0">
+            <a:schemeClr val="accent1"/>
+          </a:fillRef>
+          <a:effectRef idx="0">
+            <a:schemeClr val="accent1"/>
+          </a:effectRef>
+          <a:fontRef idx="minor">
+            <a:schemeClr val="tx1"/>
+          </a:fontRef>
+        </p:style>
+      </p:cxnSp>
+      <p:sp>
+        <p:nvSpPr>
+          <p:cNvPr id="13" name="TextBox 12">
+            <a:extLst>
+              <a:ext uri="{FF2B5EF4-FFF2-40B4-BE49-F238E27FC236}">
+                <a16:creationId xmlns:a16="http://schemas.microsoft.com/office/drawing/2014/main" id="{482E7BB1-2D83-8BC0-7921-2B421E64D87A}"/>
+              </a:ext>
+            </a:extLst>
+          </p:cNvPr>
+          <p:cNvSpPr txBox="1"/>
+          <p:nvPr/>
+        </p:nvSpPr>
+        <p:spPr>
+          <a:xfrm>
+            <a:off x="5249669" y="5926587"/>
+            <a:ext cx="902811" cy="307777"/>
+          </a:xfrm>
+          <a:prstGeom prst="rect">
+            <a:avLst/>
+          </a:prstGeom>
+          <a:noFill/>
+        </p:spPr>
+        <p:txBody>
+          <a:bodyPr wrap="none" rtlCol="0">
+            <a:spAutoFit/>
+          </a:bodyPr>
+          <a:lstStyle/>
+          <a:p>
+            <a:r>
+              <a:rPr lang="ko-KR" altLang="en-US" sz="1400" dirty="0"/>
+              <a:t>문법오류</a:t>
+            </a:r>
+          </a:p>
+        </p:txBody>
+      </p:sp>
+      <p:sp>
+        <p:nvSpPr>
+          <p:cNvPr id="14" name="직사각형 13">
+            <a:extLst>
+              <a:ext uri="{FF2B5EF4-FFF2-40B4-BE49-F238E27FC236}">
+                <a16:creationId xmlns:a16="http://schemas.microsoft.com/office/drawing/2014/main" id="{8F746128-4CEA-242C-102A-999C5463B25D}"/>
+              </a:ext>
+            </a:extLst>
+          </p:cNvPr>
+          <p:cNvSpPr/>
+          <p:nvPr/>
+        </p:nvSpPr>
+        <p:spPr>
+          <a:xfrm>
+            <a:off x="7084280" y="5401395"/>
+            <a:ext cx="563335" cy="130628"/>
+          </a:xfrm>
+          <a:prstGeom prst="rect">
+            <a:avLst/>
+          </a:prstGeom>
+        </p:spPr>
+        <p:style>
+          <a:lnRef idx="2">
+            <a:schemeClr val="accent1">
+              <a:shade val="50000"/>
+            </a:schemeClr>
+          </a:lnRef>
+          <a:fillRef idx="1">
+            <a:schemeClr val="accent1"/>
+          </a:fillRef>
+          <a:effectRef idx="0">
+            <a:schemeClr val="accent1"/>
+          </a:effectRef>
+          <a:fontRef idx="minor">
+            <a:schemeClr val="lt1"/>
+          </a:fontRef>
+        </p:style>
+        <p:txBody>
+          <a:bodyPr rtlCol="0" anchor="ctr"/>
+          <a:lstStyle/>
+          <a:p>
+            <a:pPr algn="ctr"/>
+            <a:endParaRPr lang="ko-KR" altLang="en-US"/>
+          </a:p>
+        </p:txBody>
+      </p:sp>
+      <p:sp>
+        <p:nvSpPr>
+          <p:cNvPr id="15" name="직사각형 14">
+            <a:extLst>
+              <a:ext uri="{FF2B5EF4-FFF2-40B4-BE49-F238E27FC236}">
+                <a16:creationId xmlns:a16="http://schemas.microsoft.com/office/drawing/2014/main" id="{DB99410C-5960-A911-B47C-4A15D181E463}"/>
+              </a:ext>
+            </a:extLst>
+          </p:cNvPr>
+          <p:cNvSpPr/>
+          <p:nvPr/>
+        </p:nvSpPr>
+        <p:spPr>
+          <a:xfrm>
+            <a:off x="7084280" y="5809609"/>
+            <a:ext cx="563335" cy="130628"/>
+          </a:xfrm>
+          <a:prstGeom prst="rect">
+            <a:avLst/>
+          </a:prstGeom>
+        </p:spPr>
+        <p:style>
+          <a:lnRef idx="2">
+            <a:schemeClr val="accent1">
+              <a:shade val="50000"/>
+            </a:schemeClr>
+          </a:lnRef>
+          <a:fillRef idx="1">
+            <a:schemeClr val="accent1"/>
+          </a:fillRef>
+          <a:effectRef idx="0">
+            <a:schemeClr val="accent1"/>
+          </a:effectRef>
+          <a:fontRef idx="minor">
+            <a:schemeClr val="lt1"/>
+          </a:fontRef>
+        </p:style>
+        <p:txBody>
+          <a:bodyPr rtlCol="0" anchor="ctr"/>
+          <a:lstStyle/>
+          <a:p>
+            <a:pPr algn="ctr"/>
+            <a:endParaRPr lang="ko-KR" altLang="en-US"/>
+          </a:p>
+        </p:txBody>
+      </p:sp>
+      <p:cxnSp>
+        <p:nvCxnSpPr>
+          <p:cNvPr id="16" name="직선 연결선 15">
+            <a:extLst>
+              <a:ext uri="{FF2B5EF4-FFF2-40B4-BE49-F238E27FC236}">
+                <a16:creationId xmlns:a16="http://schemas.microsoft.com/office/drawing/2014/main" id="{4CCC612A-B977-99AF-4497-A845210F6B1A}"/>
+              </a:ext>
+            </a:extLst>
+          </p:cNvPr>
+          <p:cNvCxnSpPr/>
+          <p:nvPr/>
+        </p:nvCxnSpPr>
+        <p:spPr>
+          <a:xfrm>
+            <a:off x="540697" y="3163805"/>
             <a:ext cx="10995439" cy="0"/>
           </a:xfrm>
           <a:prstGeom prst="line">
@@ -8092,7 +8782,7 @@
     </p:spTree>
     <p:extLst>
       <p:ext uri="{BB962C8B-B14F-4D97-AF65-F5344CB8AC3E}">
-        <p14:creationId xmlns:p14="http://schemas.microsoft.com/office/powerpoint/2010/main" val="2623193141"/>
+        <p14:creationId xmlns:p14="http://schemas.microsoft.com/office/powerpoint/2010/main" val="1337393557"/>
       </p:ext>
     </p:extLst>
   </p:cSld>
@@ -8121,10 +8811,10 @@
       </p:grpSpPr>
       <p:pic>
         <p:nvPicPr>
-          <p:cNvPr id="4" name="그림 3">
-            <a:extLst>
-              <a:ext uri="{FF2B5EF4-FFF2-40B4-BE49-F238E27FC236}">
-                <a16:creationId xmlns:a16="http://schemas.microsoft.com/office/drawing/2014/main" id="{2F3F882E-646B-09A7-B020-CD57BE7DA5DF}"/>
+          <p:cNvPr id="16" name="그림 15">
+            <a:extLst>
+              <a:ext uri="{FF2B5EF4-FFF2-40B4-BE49-F238E27FC236}">
+                <a16:creationId xmlns:a16="http://schemas.microsoft.com/office/drawing/2014/main" id="{2CD17F5D-15F8-8B8E-9587-86DA6882BFD0}"/>
               </a:ext>
             </a:extLst>
           </p:cNvPr>
@@ -8141,20 +8831,60 @@
         </p:blipFill>
         <p:spPr>
           <a:xfrm>
-            <a:off x="299803" y="816396"/>
-            <a:ext cx="2257740" cy="457264"/>
+            <a:off x="574519" y="345608"/>
+            <a:ext cx="3439005" cy="2143424"/>
           </a:xfrm>
           <a:prstGeom prst="rect">
             <a:avLst/>
           </a:prstGeom>
         </p:spPr>
       </p:pic>
+      <p:sp>
+        <p:nvSpPr>
+          <p:cNvPr id="17" name="TextBox 16">
+            <a:extLst>
+              <a:ext uri="{FF2B5EF4-FFF2-40B4-BE49-F238E27FC236}">
+                <a16:creationId xmlns:a16="http://schemas.microsoft.com/office/drawing/2014/main" id="{9642DCA7-DF95-10F2-09D5-256CC381DB56}"/>
+              </a:ext>
+            </a:extLst>
+          </p:cNvPr>
+          <p:cNvSpPr txBox="1"/>
+          <p:nvPr/>
+        </p:nvSpPr>
+        <p:spPr>
+          <a:xfrm>
+            <a:off x="4651849" y="905243"/>
+            <a:ext cx="3768980" cy="307777"/>
+          </a:xfrm>
+          <a:prstGeom prst="rect">
+            <a:avLst/>
+          </a:prstGeom>
+          <a:noFill/>
+        </p:spPr>
+        <p:txBody>
+          <a:bodyPr wrap="none" rtlCol="0">
+            <a:spAutoFit/>
+          </a:bodyPr>
+          <a:lstStyle/>
+          <a:p>
+            <a:r>
+              <a:rPr lang="ko-KR" altLang="en-US" sz="1400" dirty="0"/>
+              <a:t>버튼 추가해서 버튼 누르면 이동하도록 변경</a:t>
+            </a:r>
+            <a:r>
+              <a:rPr lang="en-US" altLang="ko-KR" sz="1400" dirty="0"/>
+              <a:t>.</a:t>
+            </a:r>
+            <a:endParaRPr lang="ko-KR" altLang="en-US" sz="1400" dirty="0"/>
+          </a:p>
+        </p:txBody>
+      </p:sp>
       <p:pic>
         <p:nvPicPr>
-          <p:cNvPr id="5" name="그림 4">
-            <a:extLst>
-              <a:ext uri="{FF2B5EF4-FFF2-40B4-BE49-F238E27FC236}">
-                <a16:creationId xmlns:a16="http://schemas.microsoft.com/office/drawing/2014/main" id="{6057AEB7-F4A1-79B6-0EF5-B4BB165CEE81}"/>
+          <p:cNvPr id="19" name="그림 18">
+            <a:extLst>
+              <a:ext uri="{FF2B5EF4-FFF2-40B4-BE49-F238E27FC236}">
+                <a16:creationId xmlns:a16="http://schemas.microsoft.com/office/drawing/2014/main" id="{F1EF7E27-29D4-5722-0CFF-76BFB9BA0568}"/>
               </a:ext>
             </a:extLst>
           </p:cNvPr>
@@ -8171,157 +8901,20 @@
         </p:blipFill>
         <p:spPr>
           <a:xfrm>
-            <a:off x="4242491" y="911659"/>
-            <a:ext cx="3086531" cy="266737"/>
+            <a:off x="540697" y="3351892"/>
+            <a:ext cx="3419952" cy="1705213"/>
           </a:xfrm>
           <a:prstGeom prst="rect">
             <a:avLst/>
           </a:prstGeom>
         </p:spPr>
       </p:pic>
-      <p:sp>
-        <p:nvSpPr>
-          <p:cNvPr id="6" name="TextBox 5">
-            <a:extLst>
-              <a:ext uri="{FF2B5EF4-FFF2-40B4-BE49-F238E27FC236}">
-                <a16:creationId xmlns:a16="http://schemas.microsoft.com/office/drawing/2014/main" id="{1B8F12D4-CB43-45F6-0416-5A69896E1C96}"/>
-              </a:ext>
-            </a:extLst>
-          </p:cNvPr>
-          <p:cNvSpPr txBox="1"/>
-          <p:nvPr/>
-        </p:nvSpPr>
-        <p:spPr>
-          <a:xfrm>
-            <a:off x="7632636" y="930600"/>
-            <a:ext cx="3624710" cy="738664"/>
-          </a:xfrm>
-          <a:prstGeom prst="rect">
-            <a:avLst/>
-          </a:prstGeom>
-          <a:noFill/>
-        </p:spPr>
-        <p:txBody>
-          <a:bodyPr wrap="none" rtlCol="0">
-            <a:spAutoFit/>
-          </a:bodyPr>
-          <a:lstStyle/>
-          <a:p>
-            <a:r>
-              <a:rPr lang="en-US" altLang="ko-KR" sz="1400" dirty="0"/>
-              <a:t>“</a:t>
-            </a:r>
-            <a:r>
-              <a:rPr lang="ko-KR" altLang="en-US" sz="1400" dirty="0"/>
-              <a:t>선별진료소 현황 업데이트 시간 </a:t>
-            </a:r>
-            <a:r>
-              <a:rPr lang="ko-KR" altLang="en-US" sz="1400" dirty="0" err="1"/>
-              <a:t>새로고침</a:t>
-            </a:r>
-            <a:r>
-              <a:rPr lang="en-US" altLang="ko-KR" sz="1400" dirty="0"/>
-              <a:t>”</a:t>
-            </a:r>
-          </a:p>
-          <a:p>
-            <a:endParaRPr lang="en-US" altLang="ko-KR" sz="1400" dirty="0"/>
-          </a:p>
-          <a:p>
-            <a:r>
-              <a:rPr lang="ko-KR" altLang="en-US" sz="1400" dirty="0" err="1"/>
-              <a:t>으로</a:t>
-            </a:r>
-            <a:r>
-              <a:rPr lang="ko-KR" altLang="en-US" sz="1400" dirty="0"/>
-              <a:t> 타이틀 변경</a:t>
-            </a:r>
-          </a:p>
-        </p:txBody>
-      </p:sp>
-      <p:cxnSp>
-        <p:nvCxnSpPr>
-          <p:cNvPr id="10" name="직선 연결선 9">
-            <a:extLst>
-              <a:ext uri="{FF2B5EF4-FFF2-40B4-BE49-F238E27FC236}">
-                <a16:creationId xmlns:a16="http://schemas.microsoft.com/office/drawing/2014/main" id="{80C68741-29C2-DA35-0C32-138D90E68B69}"/>
-              </a:ext>
-            </a:extLst>
-          </p:cNvPr>
-          <p:cNvCxnSpPr/>
-          <p:nvPr/>
-        </p:nvCxnSpPr>
-        <p:spPr>
-          <a:xfrm>
-            <a:off x="4833257" y="1020536"/>
-            <a:ext cx="2343150" cy="0"/>
-          </a:xfrm>
-          <a:prstGeom prst="line">
-            <a:avLst/>
-          </a:prstGeom>
-          <a:ln w="25400">
-            <a:solidFill>
-              <a:srgbClr val="FF0000"/>
-            </a:solidFill>
-          </a:ln>
-        </p:spPr>
-        <p:style>
-          <a:lnRef idx="1">
-            <a:schemeClr val="accent1"/>
-          </a:lnRef>
-          <a:fillRef idx="0">
-            <a:schemeClr val="accent1"/>
-          </a:fillRef>
-          <a:effectRef idx="0">
-            <a:schemeClr val="accent1"/>
-          </a:effectRef>
-          <a:fontRef idx="minor">
-            <a:schemeClr val="tx1"/>
-          </a:fontRef>
-        </p:style>
-      </p:cxnSp>
-      <p:cxnSp>
-        <p:nvCxnSpPr>
-          <p:cNvPr id="11" name="직선 연결선 10">
-            <a:extLst>
-              <a:ext uri="{FF2B5EF4-FFF2-40B4-BE49-F238E27FC236}">
-                <a16:creationId xmlns:a16="http://schemas.microsoft.com/office/drawing/2014/main" id="{E2CD489F-6464-1C16-7C15-622D680CEBF4}"/>
-              </a:ext>
-            </a:extLst>
-          </p:cNvPr>
-          <p:cNvCxnSpPr/>
-          <p:nvPr/>
-        </p:nvCxnSpPr>
-        <p:spPr>
-          <a:xfrm>
-            <a:off x="540697" y="2037650"/>
-            <a:ext cx="10995439" cy="0"/>
-          </a:xfrm>
-          <a:prstGeom prst="line">
-            <a:avLst/>
-          </a:prstGeom>
-        </p:spPr>
-        <p:style>
-          <a:lnRef idx="1">
-            <a:schemeClr val="accent1"/>
-          </a:lnRef>
-          <a:fillRef idx="0">
-            <a:schemeClr val="accent1"/>
-          </a:fillRef>
-          <a:effectRef idx="0">
-            <a:schemeClr val="accent1"/>
-          </a:effectRef>
-          <a:fontRef idx="minor">
-            <a:schemeClr val="tx1"/>
-          </a:fontRef>
-        </p:style>
-      </p:cxnSp>
       <p:pic>
         <p:nvPicPr>
-          <p:cNvPr id="12" name="그림 11">
-            <a:extLst>
-              <a:ext uri="{FF2B5EF4-FFF2-40B4-BE49-F238E27FC236}">
-                <a16:creationId xmlns:a16="http://schemas.microsoft.com/office/drawing/2014/main" id="{91543EFE-AFEB-8745-F708-F0B57D654B59}"/>
+          <p:cNvPr id="22" name="그림 21">
+            <a:extLst>
+              <a:ext uri="{FF2B5EF4-FFF2-40B4-BE49-F238E27FC236}">
+                <a16:creationId xmlns:a16="http://schemas.microsoft.com/office/drawing/2014/main" id="{3B2095A7-7AC3-4096-55D6-D4A70567BE74}"/>
               </a:ext>
             </a:extLst>
           </p:cNvPr>
@@ -8338,110 +8931,20 @@
         </p:blipFill>
         <p:spPr>
           <a:xfrm>
-            <a:off x="467133" y="2981263"/>
-            <a:ext cx="3353268" cy="447737"/>
+            <a:off x="4505103" y="3429000"/>
+            <a:ext cx="3181794" cy="1457528"/>
           </a:xfrm>
           <a:prstGeom prst="rect">
             <a:avLst/>
           </a:prstGeom>
         </p:spPr>
       </p:pic>
-      <p:pic>
-        <p:nvPicPr>
-          <p:cNvPr id="13" name="그림 12">
-            <a:extLst>
-              <a:ext uri="{FF2B5EF4-FFF2-40B4-BE49-F238E27FC236}">
-                <a16:creationId xmlns:a16="http://schemas.microsoft.com/office/drawing/2014/main" id="{4DB72606-0F47-7497-DB30-B6CCAF5B2D84}"/>
-              </a:ext>
-            </a:extLst>
-          </p:cNvPr>
-          <p:cNvPicPr>
-            <a:picLocks noChangeAspect="1"/>
-          </p:cNvPicPr>
-          <p:nvPr/>
-        </p:nvPicPr>
-        <p:blipFill>
-          <a:blip r:embed="rId5"/>
-          <a:stretch>
-            <a:fillRect/>
-          </a:stretch>
-        </p:blipFill>
-        <p:spPr>
-          <a:xfrm>
-            <a:off x="419501" y="2266282"/>
-            <a:ext cx="3400900" cy="619211"/>
-          </a:xfrm>
-          <a:prstGeom prst="rect">
-            <a:avLst/>
-          </a:prstGeom>
-        </p:spPr>
-      </p:pic>
-      <p:pic>
-        <p:nvPicPr>
-          <p:cNvPr id="14" name="그림 13">
-            <a:extLst>
-              <a:ext uri="{FF2B5EF4-FFF2-40B4-BE49-F238E27FC236}">
-                <a16:creationId xmlns:a16="http://schemas.microsoft.com/office/drawing/2014/main" id="{00B056B6-ACFC-7E2F-B688-940C5C9F0A80}"/>
-              </a:ext>
-            </a:extLst>
-          </p:cNvPr>
-          <p:cNvPicPr>
-            <a:picLocks noChangeAspect="1"/>
-          </p:cNvPicPr>
-          <p:nvPr/>
-        </p:nvPicPr>
-        <p:blipFill>
-          <a:blip r:embed="rId6"/>
-          <a:stretch>
-            <a:fillRect/>
-          </a:stretch>
-        </p:blipFill>
-        <p:spPr>
-          <a:xfrm>
-            <a:off x="4299283" y="3068247"/>
-            <a:ext cx="1409897" cy="238158"/>
-          </a:xfrm>
-          <a:prstGeom prst="rect">
-            <a:avLst/>
-          </a:prstGeom>
-        </p:spPr>
-      </p:pic>
-      <p:pic>
-        <p:nvPicPr>
-          <p:cNvPr id="15" name="그림 14">
-            <a:extLst>
-              <a:ext uri="{FF2B5EF4-FFF2-40B4-BE49-F238E27FC236}">
-                <a16:creationId xmlns:a16="http://schemas.microsoft.com/office/drawing/2014/main" id="{A94D0408-6D35-FEB3-149B-0583CB17619C}"/>
-              </a:ext>
-            </a:extLst>
-          </p:cNvPr>
-          <p:cNvPicPr>
-            <a:picLocks noChangeAspect="1"/>
-          </p:cNvPicPr>
-          <p:nvPr/>
-        </p:nvPicPr>
-        <p:blipFill>
-          <a:blip r:embed="rId7"/>
-          <a:stretch>
-            <a:fillRect/>
-          </a:stretch>
-        </p:blipFill>
-        <p:spPr>
-          <a:xfrm>
-            <a:off x="4299283" y="2531622"/>
-            <a:ext cx="1895740" cy="247685"/>
-          </a:xfrm>
-          <a:prstGeom prst="rect">
-            <a:avLst/>
-          </a:prstGeom>
-        </p:spPr>
-      </p:pic>
-      <p:sp>
-        <p:nvSpPr>
-          <p:cNvPr id="16" name="TextBox 15">
-            <a:extLst>
-              <a:ext uri="{FF2B5EF4-FFF2-40B4-BE49-F238E27FC236}">
-                <a16:creationId xmlns:a16="http://schemas.microsoft.com/office/drawing/2014/main" id="{133BCC28-98CE-33C4-C4E7-B82C8FF77CD9}"/>
+      <p:sp>
+        <p:nvSpPr>
+          <p:cNvPr id="23" name="TextBox 22">
+            <a:extLst>
+              <a:ext uri="{FF2B5EF4-FFF2-40B4-BE49-F238E27FC236}">
+                <a16:creationId xmlns:a16="http://schemas.microsoft.com/office/drawing/2014/main" id="{870CC76E-54C3-6600-271B-3E8939051A33}"/>
               </a:ext>
             </a:extLst>
           </p:cNvPr>
@@ -8450,73 +8953,8 @@
         </p:nvSpPr>
         <p:spPr>
           <a:xfrm>
-            <a:off x="7701565" y="2761159"/>
-            <a:ext cx="1144865" cy="307777"/>
-          </a:xfrm>
-          <a:prstGeom prst="rect">
-            <a:avLst/>
-          </a:prstGeom>
-          <a:noFill/>
-        </p:spPr>
-        <p:txBody>
-          <a:bodyPr wrap="square" rtlCol="0">
-            <a:spAutoFit/>
-          </a:bodyPr>
-          <a:lstStyle/>
-          <a:p>
-            <a:r>
-              <a:rPr lang="ko-KR" altLang="en-US" sz="1400" dirty="0"/>
-              <a:t>타이틀 변경</a:t>
-            </a:r>
-          </a:p>
-        </p:txBody>
-      </p:sp>
-      <p:pic>
-        <p:nvPicPr>
-          <p:cNvPr id="18" name="그림 17">
-            <a:extLst>
-              <a:ext uri="{FF2B5EF4-FFF2-40B4-BE49-F238E27FC236}">
-                <a16:creationId xmlns:a16="http://schemas.microsoft.com/office/drawing/2014/main" id="{2F3882AE-BCE4-A1F1-5E4E-B0F67153956C}"/>
-              </a:ext>
-            </a:extLst>
-          </p:cNvPr>
-          <p:cNvPicPr>
-            <a:picLocks noChangeAspect="1"/>
-          </p:cNvPicPr>
-          <p:nvPr/>
-        </p:nvPicPr>
-        <p:blipFill>
-          <a:blip r:embed="rId8"/>
-          <a:stretch>
-            <a:fillRect/>
-          </a:stretch>
-        </p:blipFill>
-        <p:spPr>
-          <a:xfrm>
-            <a:off x="419501" y="4100083"/>
-            <a:ext cx="2276793" cy="409632"/>
-          </a:xfrm>
-          <a:prstGeom prst="rect">
-            <a:avLst/>
-          </a:prstGeom>
-        </p:spPr>
-      </p:pic>
-      <p:sp>
-        <p:nvSpPr>
-          <p:cNvPr id="19" name="TextBox 18">
-            <a:extLst>
-              <a:ext uri="{FF2B5EF4-FFF2-40B4-BE49-F238E27FC236}">
-                <a16:creationId xmlns:a16="http://schemas.microsoft.com/office/drawing/2014/main" id="{5C745AAB-15B9-A302-B227-64A02C06347D}"/>
-              </a:ext>
-            </a:extLst>
-          </p:cNvPr>
-          <p:cNvSpPr txBox="1"/>
-          <p:nvPr/>
-        </p:nvSpPr>
-        <p:spPr>
-          <a:xfrm>
-            <a:off x="7701565" y="4032964"/>
-            <a:ext cx="3199915" cy="738664"/>
+            <a:off x="7921609" y="4003875"/>
+            <a:ext cx="1326004" cy="307777"/>
           </a:xfrm>
           <a:prstGeom prst="rect">
             <a:avLst/>
@@ -8531,72 +8969,21 @@
           <a:p>
             <a:r>
               <a:rPr lang="en-US" altLang="ko-KR" sz="1400" dirty="0"/>
-              <a:t>“</a:t>
+              <a:t>A </a:t>
             </a:r>
             <a:r>
               <a:rPr lang="ko-KR" altLang="en-US" sz="1400" dirty="0"/>
-              <a:t>테마놀이터 업데이트 시간 </a:t>
-            </a:r>
-            <a:r>
-              <a:rPr lang="ko-KR" altLang="en-US" sz="1400" dirty="0" err="1"/>
-              <a:t>새로고침</a:t>
-            </a:r>
-            <a:r>
-              <a:rPr lang="en-US" altLang="ko-KR" sz="1400" dirty="0"/>
-              <a:t>”</a:t>
-            </a:r>
-          </a:p>
-          <a:p>
-            <a:endParaRPr lang="en-US" altLang="ko-KR" sz="1400" dirty="0"/>
-          </a:p>
-          <a:p>
-            <a:r>
-              <a:rPr lang="ko-KR" altLang="en-US" sz="1400" dirty="0" err="1"/>
-              <a:t>으로</a:t>
-            </a:r>
-            <a:r>
-              <a:rPr lang="ko-KR" altLang="en-US" sz="1400" dirty="0"/>
-              <a:t> 타이틀 변경</a:t>
-            </a:r>
-          </a:p>
-        </p:txBody>
-      </p:sp>
-      <p:pic>
-        <p:nvPicPr>
-          <p:cNvPr id="21" name="그림 20">
-            <a:extLst>
-              <a:ext uri="{FF2B5EF4-FFF2-40B4-BE49-F238E27FC236}">
-                <a16:creationId xmlns:a16="http://schemas.microsoft.com/office/drawing/2014/main" id="{3AD952CB-6ADB-03A3-2DFB-3B41A343E014}"/>
-              </a:ext>
-            </a:extLst>
-          </p:cNvPr>
-          <p:cNvPicPr>
-            <a:picLocks noChangeAspect="1"/>
-          </p:cNvPicPr>
-          <p:nvPr/>
-        </p:nvPicPr>
-        <p:blipFill>
-          <a:blip r:embed="rId9"/>
-          <a:stretch>
-            <a:fillRect/>
-          </a:stretch>
-        </p:blipFill>
-        <p:spPr>
-          <a:xfrm>
-            <a:off x="299803" y="5567618"/>
-            <a:ext cx="771633" cy="714475"/>
-          </a:xfrm>
-          <a:prstGeom prst="rect">
-            <a:avLst/>
-          </a:prstGeom>
-        </p:spPr>
-      </p:pic>
+              <a:t>태그로 변경</a:t>
+            </a:r>
+          </a:p>
+        </p:txBody>
+      </p:sp>
       <p:cxnSp>
         <p:nvCxnSpPr>
-          <p:cNvPr id="22" name="직선 연결선 21">
-            <a:extLst>
-              <a:ext uri="{FF2B5EF4-FFF2-40B4-BE49-F238E27FC236}">
-                <a16:creationId xmlns:a16="http://schemas.microsoft.com/office/drawing/2014/main" id="{A97F80D2-2102-C781-B45F-7ED8C59F0638}"/>
+          <p:cNvPr id="24" name="직선 연결선 23">
+            <a:extLst>
+              <a:ext uri="{FF2B5EF4-FFF2-40B4-BE49-F238E27FC236}">
+                <a16:creationId xmlns:a16="http://schemas.microsoft.com/office/drawing/2014/main" id="{CA5A93E4-6BE4-8EDD-972A-EF2BEBAA83A4}"/>
               </a:ext>
             </a:extLst>
           </p:cNvPr>
@@ -8605,7 +8992,7 @@
         </p:nvCxnSpPr>
         <p:spPr>
           <a:xfrm>
-            <a:off x="540697" y="3731696"/>
+            <a:off x="540697" y="2952049"/>
             <a:ext cx="10995439" cy="0"/>
           </a:xfrm>
           <a:prstGeom prst="line">
@@ -8627,137 +9014,10 @@
           </a:fontRef>
         </p:style>
       </p:cxnSp>
-      <p:cxnSp>
-        <p:nvCxnSpPr>
-          <p:cNvPr id="23" name="직선 연결선 22">
-            <a:extLst>
-              <a:ext uri="{FF2B5EF4-FFF2-40B4-BE49-F238E27FC236}">
-                <a16:creationId xmlns:a16="http://schemas.microsoft.com/office/drawing/2014/main" id="{36334B20-F71F-C9E3-BD6E-D80B6E03C602}"/>
-              </a:ext>
-            </a:extLst>
-          </p:cNvPr>
-          <p:cNvCxnSpPr/>
-          <p:nvPr/>
-        </p:nvCxnSpPr>
-        <p:spPr>
-          <a:xfrm>
-            <a:off x="540697" y="4992605"/>
-            <a:ext cx="10995439" cy="0"/>
-          </a:xfrm>
-          <a:prstGeom prst="line">
-            <a:avLst/>
-          </a:prstGeom>
-        </p:spPr>
-        <p:style>
-          <a:lnRef idx="1">
-            <a:schemeClr val="accent1"/>
-          </a:lnRef>
-          <a:fillRef idx="0">
-            <a:schemeClr val="accent1"/>
-          </a:fillRef>
-          <a:effectRef idx="0">
-            <a:schemeClr val="accent1"/>
-          </a:effectRef>
-          <a:fontRef idx="minor">
-            <a:schemeClr val="tx1"/>
-          </a:fontRef>
-        </p:style>
-      </p:cxnSp>
-      <p:pic>
-        <p:nvPicPr>
-          <p:cNvPr id="25" name="그림 24">
-            <a:extLst>
-              <a:ext uri="{FF2B5EF4-FFF2-40B4-BE49-F238E27FC236}">
-                <a16:creationId xmlns:a16="http://schemas.microsoft.com/office/drawing/2014/main" id="{35F3296A-AABA-5FFF-FD38-FE460BDF3911}"/>
-              </a:ext>
-            </a:extLst>
-          </p:cNvPr>
-          <p:cNvPicPr>
-            <a:picLocks noChangeAspect="1"/>
-          </p:cNvPicPr>
-          <p:nvPr/>
-        </p:nvPicPr>
-        <p:blipFill>
-          <a:blip r:embed="rId10"/>
-          <a:stretch>
-            <a:fillRect/>
-          </a:stretch>
-        </p:blipFill>
-        <p:spPr>
-          <a:xfrm>
-            <a:off x="1176844" y="5567618"/>
-            <a:ext cx="762106" cy="685896"/>
-          </a:xfrm>
-          <a:prstGeom prst="rect">
-            <a:avLst/>
-          </a:prstGeom>
-        </p:spPr>
-      </p:pic>
-      <p:sp>
-        <p:nvSpPr>
-          <p:cNvPr id="26" name="TextBox 25">
-            <a:extLst>
-              <a:ext uri="{FF2B5EF4-FFF2-40B4-BE49-F238E27FC236}">
-                <a16:creationId xmlns:a16="http://schemas.microsoft.com/office/drawing/2014/main" id="{A820DE7E-448D-39CF-1201-038087B1FCEB}"/>
-              </a:ext>
-            </a:extLst>
-          </p:cNvPr>
-          <p:cNvSpPr txBox="1"/>
-          <p:nvPr/>
-        </p:nvSpPr>
-        <p:spPr>
-          <a:xfrm>
-            <a:off x="7701565" y="5494439"/>
-            <a:ext cx="3486852" cy="697050"/>
-          </a:xfrm>
-          <a:prstGeom prst="rect">
-            <a:avLst/>
-          </a:prstGeom>
-          <a:noFill/>
-        </p:spPr>
-        <p:txBody>
-          <a:bodyPr wrap="none" rtlCol="0">
-            <a:spAutoFit/>
-          </a:bodyPr>
-          <a:lstStyle/>
-          <a:p>
-            <a:pPr>
-              <a:lnSpc>
-                <a:spcPct val="150000"/>
-              </a:lnSpc>
-            </a:pPr>
-            <a:r>
-              <a:rPr lang="ko-KR" altLang="en-US" sz="1400" dirty="0" err="1"/>
-              <a:t>눌렀을떄</a:t>
-            </a:r>
-            <a:r>
-              <a:rPr lang="ko-KR" altLang="en-US" sz="1400" dirty="0"/>
-              <a:t> 포커스가 현재 버튼으로 오도록</a:t>
-            </a:r>
-            <a:endParaRPr lang="en-US" altLang="ko-KR" sz="1400" dirty="0"/>
-          </a:p>
-          <a:p>
-            <a:pPr>
-              <a:lnSpc>
-                <a:spcPct val="150000"/>
-              </a:lnSpc>
-            </a:pPr>
-            <a:r>
-              <a:rPr lang="ko-KR" altLang="en-US" sz="1400" dirty="0"/>
-              <a:t>수정해주세요</a:t>
-            </a:r>
-            <a:r>
-              <a:rPr lang="en-US" altLang="ko-KR" sz="1400" dirty="0"/>
-              <a:t>.</a:t>
-            </a:r>
-            <a:endParaRPr lang="ko-KR" altLang="en-US" sz="1400" dirty="0"/>
-          </a:p>
-        </p:txBody>
-      </p:sp>
     </p:spTree>
     <p:extLst>
       <p:ext uri="{BB962C8B-B14F-4D97-AF65-F5344CB8AC3E}">
-        <p14:creationId xmlns:p14="http://schemas.microsoft.com/office/powerpoint/2010/main" val="820803029"/>
+        <p14:creationId xmlns:p14="http://schemas.microsoft.com/office/powerpoint/2010/main" val="2623193141"/>
       </p:ext>
     </p:extLst>
   </p:cSld>

--- a/ppt/웹접근성 오류 체크(운영).pptx
+++ b/ppt/웹접근성 오류 체크(운영).pptx
@@ -10,25 +10,30 @@
     <p:sldId id="303" r:id="rId4"/>
     <p:sldId id="306" r:id="rId5"/>
     <p:sldId id="318" r:id="rId6"/>
-    <p:sldId id="298" r:id="rId7"/>
-    <p:sldId id="301" r:id="rId8"/>
-    <p:sldId id="310" r:id="rId9"/>
-    <p:sldId id="312" r:id="rId10"/>
-    <p:sldId id="314" r:id="rId11"/>
-    <p:sldId id="315" r:id="rId12"/>
-    <p:sldId id="313" r:id="rId13"/>
-    <p:sldId id="317" r:id="rId14"/>
-    <p:sldId id="304" r:id="rId15"/>
-    <p:sldId id="311" r:id="rId16"/>
-    <p:sldId id="300" r:id="rId17"/>
-    <p:sldId id="294" r:id="rId18"/>
-    <p:sldId id="295" r:id="rId19"/>
-    <p:sldId id="308" r:id="rId20"/>
-    <p:sldId id="309" r:id="rId21"/>
-    <p:sldId id="299" r:id="rId22"/>
-    <p:sldId id="293" r:id="rId23"/>
-    <p:sldId id="297" r:id="rId24"/>
-    <p:sldId id="288" r:id="rId25"/>
+    <p:sldId id="319" r:id="rId7"/>
+    <p:sldId id="320" r:id="rId8"/>
+    <p:sldId id="322" r:id="rId9"/>
+    <p:sldId id="323" r:id="rId10"/>
+    <p:sldId id="321" r:id="rId11"/>
+    <p:sldId id="298" r:id="rId12"/>
+    <p:sldId id="301" r:id="rId13"/>
+    <p:sldId id="310" r:id="rId14"/>
+    <p:sldId id="312" r:id="rId15"/>
+    <p:sldId id="314" r:id="rId16"/>
+    <p:sldId id="315" r:id="rId17"/>
+    <p:sldId id="313" r:id="rId18"/>
+    <p:sldId id="317" r:id="rId19"/>
+    <p:sldId id="304" r:id="rId20"/>
+    <p:sldId id="311" r:id="rId21"/>
+    <p:sldId id="300" r:id="rId22"/>
+    <p:sldId id="294" r:id="rId23"/>
+    <p:sldId id="295" r:id="rId24"/>
+    <p:sldId id="308" r:id="rId25"/>
+    <p:sldId id="309" r:id="rId26"/>
+    <p:sldId id="299" r:id="rId27"/>
+    <p:sldId id="293" r:id="rId28"/>
+    <p:sldId id="297" r:id="rId29"/>
+    <p:sldId id="288" r:id="rId30"/>
   </p:sldIdLst>
   <p:sldSz cx="12192000" cy="6858000"/>
   <p:notesSz cx="6858000" cy="9144000"/>
@@ -264,7 +269,7 @@
           <a:p>
             <a:fld id="{D203A8F8-6A3C-431B-BFF3-386CC4580D21}" type="datetimeFigureOut">
               <a:rPr lang="ko-KR" altLang="en-US" smtClean="0"/>
-              <a:t>2022-06-27</a:t>
+              <a:t>2022-07-01</a:t>
             </a:fld>
             <a:endParaRPr lang="ko-KR" altLang="en-US"/>
           </a:p>
@@ -432,7 +437,7 @@
           <a:p>
             <a:fld id="{D203A8F8-6A3C-431B-BFF3-386CC4580D21}" type="datetimeFigureOut">
               <a:rPr lang="ko-KR" altLang="en-US" smtClean="0"/>
-              <a:t>2022-06-27</a:t>
+              <a:t>2022-07-01</a:t>
             </a:fld>
             <a:endParaRPr lang="ko-KR" altLang="en-US"/>
           </a:p>
@@ -610,7 +615,7 @@
           <a:p>
             <a:fld id="{D203A8F8-6A3C-431B-BFF3-386CC4580D21}" type="datetimeFigureOut">
               <a:rPr lang="ko-KR" altLang="en-US" smtClean="0"/>
-              <a:t>2022-06-27</a:t>
+              <a:t>2022-07-01</a:t>
             </a:fld>
             <a:endParaRPr lang="ko-KR" altLang="en-US"/>
           </a:p>
@@ -778,7 +783,7 @@
           <a:p>
             <a:fld id="{D203A8F8-6A3C-431B-BFF3-386CC4580D21}" type="datetimeFigureOut">
               <a:rPr lang="ko-KR" altLang="en-US" smtClean="0"/>
-              <a:t>2022-06-27</a:t>
+              <a:t>2022-07-01</a:t>
             </a:fld>
             <a:endParaRPr lang="ko-KR" altLang="en-US"/>
           </a:p>
@@ -1023,7 +1028,7 @@
           <a:p>
             <a:fld id="{D203A8F8-6A3C-431B-BFF3-386CC4580D21}" type="datetimeFigureOut">
               <a:rPr lang="ko-KR" altLang="en-US" smtClean="0"/>
-              <a:t>2022-06-27</a:t>
+              <a:t>2022-07-01</a:t>
             </a:fld>
             <a:endParaRPr lang="ko-KR" altLang="en-US"/>
           </a:p>
@@ -1252,7 +1257,7 @@
           <a:p>
             <a:fld id="{D203A8F8-6A3C-431B-BFF3-386CC4580D21}" type="datetimeFigureOut">
               <a:rPr lang="ko-KR" altLang="en-US" smtClean="0"/>
-              <a:t>2022-06-27</a:t>
+              <a:t>2022-07-01</a:t>
             </a:fld>
             <a:endParaRPr lang="ko-KR" altLang="en-US"/>
           </a:p>
@@ -1616,7 +1621,7 @@
           <a:p>
             <a:fld id="{D203A8F8-6A3C-431B-BFF3-386CC4580D21}" type="datetimeFigureOut">
               <a:rPr lang="ko-KR" altLang="en-US" smtClean="0"/>
-              <a:t>2022-06-27</a:t>
+              <a:t>2022-07-01</a:t>
             </a:fld>
             <a:endParaRPr lang="ko-KR" altLang="en-US"/>
           </a:p>
@@ -1733,7 +1738,7 @@
           <a:p>
             <a:fld id="{D203A8F8-6A3C-431B-BFF3-386CC4580D21}" type="datetimeFigureOut">
               <a:rPr lang="ko-KR" altLang="en-US" smtClean="0"/>
-              <a:t>2022-06-27</a:t>
+              <a:t>2022-07-01</a:t>
             </a:fld>
             <a:endParaRPr lang="ko-KR" altLang="en-US"/>
           </a:p>
@@ -1828,7 +1833,7 @@
           <a:p>
             <a:fld id="{D203A8F8-6A3C-431B-BFF3-386CC4580D21}" type="datetimeFigureOut">
               <a:rPr lang="ko-KR" altLang="en-US" smtClean="0"/>
-              <a:t>2022-06-27</a:t>
+              <a:t>2022-07-01</a:t>
             </a:fld>
             <a:endParaRPr lang="ko-KR" altLang="en-US"/>
           </a:p>
@@ -2103,7 +2108,7 @@
           <a:p>
             <a:fld id="{D203A8F8-6A3C-431B-BFF3-386CC4580D21}" type="datetimeFigureOut">
               <a:rPr lang="ko-KR" altLang="en-US" smtClean="0"/>
-              <a:t>2022-06-27</a:t>
+              <a:t>2022-07-01</a:t>
             </a:fld>
             <a:endParaRPr lang="ko-KR" altLang="en-US"/>
           </a:p>
@@ -2355,7 +2360,7 @@
           <a:p>
             <a:fld id="{D203A8F8-6A3C-431B-BFF3-386CC4580D21}" type="datetimeFigureOut">
               <a:rPr lang="ko-KR" altLang="en-US" smtClean="0"/>
-              <a:t>2022-06-27</a:t>
+              <a:t>2022-07-01</a:t>
             </a:fld>
             <a:endParaRPr lang="ko-KR" altLang="en-US"/>
           </a:p>
@@ -2566,7 +2571,7 @@
           <a:p>
             <a:fld id="{D203A8F8-6A3C-431B-BFF3-386CC4580D21}" type="datetimeFigureOut">
               <a:rPr lang="ko-KR" altLang="en-US" smtClean="0"/>
-              <a:t>2022-06-27</a:t>
+              <a:t>2022-07-01</a:t>
             </a:fld>
             <a:endParaRPr lang="ko-KR" altLang="en-US"/>
           </a:p>
@@ -3050,645 +3055,10 @@
           <a:chExt cx="0" cy="0"/>
         </a:xfrm>
       </p:grpSpPr>
-      <p:pic>
-        <p:nvPicPr>
-          <p:cNvPr id="4" name="그림 3">
-            <a:extLst>
-              <a:ext uri="{FF2B5EF4-FFF2-40B4-BE49-F238E27FC236}">
-                <a16:creationId xmlns:a16="http://schemas.microsoft.com/office/drawing/2014/main" id="{2F3F882E-646B-09A7-B020-CD57BE7DA5DF}"/>
-              </a:ext>
-            </a:extLst>
-          </p:cNvPr>
-          <p:cNvPicPr>
-            <a:picLocks noChangeAspect="1"/>
-          </p:cNvPicPr>
-          <p:nvPr/>
-        </p:nvPicPr>
-        <p:blipFill>
-          <a:blip r:embed="rId2"/>
-          <a:stretch>
-            <a:fillRect/>
-          </a:stretch>
-        </p:blipFill>
-        <p:spPr>
-          <a:xfrm>
-            <a:off x="299803" y="816396"/>
-            <a:ext cx="2257740" cy="457264"/>
-          </a:xfrm>
-          <a:prstGeom prst="rect">
-            <a:avLst/>
-          </a:prstGeom>
-        </p:spPr>
-      </p:pic>
-      <p:pic>
-        <p:nvPicPr>
-          <p:cNvPr id="5" name="그림 4">
-            <a:extLst>
-              <a:ext uri="{FF2B5EF4-FFF2-40B4-BE49-F238E27FC236}">
-                <a16:creationId xmlns:a16="http://schemas.microsoft.com/office/drawing/2014/main" id="{6057AEB7-F4A1-79B6-0EF5-B4BB165CEE81}"/>
-              </a:ext>
-            </a:extLst>
-          </p:cNvPr>
-          <p:cNvPicPr>
-            <a:picLocks noChangeAspect="1"/>
-          </p:cNvPicPr>
-          <p:nvPr/>
-        </p:nvPicPr>
-        <p:blipFill>
-          <a:blip r:embed="rId3"/>
-          <a:stretch>
-            <a:fillRect/>
-          </a:stretch>
-        </p:blipFill>
-        <p:spPr>
-          <a:xfrm>
-            <a:off x="4242491" y="911659"/>
-            <a:ext cx="3086531" cy="266737"/>
-          </a:xfrm>
-          <a:prstGeom prst="rect">
-            <a:avLst/>
-          </a:prstGeom>
-        </p:spPr>
-      </p:pic>
-      <p:sp>
-        <p:nvSpPr>
-          <p:cNvPr id="6" name="TextBox 5">
-            <a:extLst>
-              <a:ext uri="{FF2B5EF4-FFF2-40B4-BE49-F238E27FC236}">
-                <a16:creationId xmlns:a16="http://schemas.microsoft.com/office/drawing/2014/main" id="{1B8F12D4-CB43-45F6-0416-5A69896E1C96}"/>
-              </a:ext>
-            </a:extLst>
-          </p:cNvPr>
-          <p:cNvSpPr txBox="1"/>
-          <p:nvPr/>
-        </p:nvSpPr>
-        <p:spPr>
-          <a:xfrm>
-            <a:off x="7632636" y="930600"/>
-            <a:ext cx="3624710" cy="738664"/>
-          </a:xfrm>
-          <a:prstGeom prst="rect">
-            <a:avLst/>
-          </a:prstGeom>
-          <a:noFill/>
-        </p:spPr>
-        <p:txBody>
-          <a:bodyPr wrap="none" rtlCol="0">
-            <a:spAutoFit/>
-          </a:bodyPr>
-          <a:lstStyle/>
-          <a:p>
-            <a:r>
-              <a:rPr lang="en-US" altLang="ko-KR" sz="1400" dirty="0"/>
-              <a:t>“</a:t>
-            </a:r>
-            <a:r>
-              <a:rPr lang="ko-KR" altLang="en-US" sz="1400" dirty="0"/>
-              <a:t>선별진료소 현황 업데이트 시간 </a:t>
-            </a:r>
-            <a:r>
-              <a:rPr lang="ko-KR" altLang="en-US" sz="1400" dirty="0" err="1"/>
-              <a:t>새로고침</a:t>
-            </a:r>
-            <a:r>
-              <a:rPr lang="en-US" altLang="ko-KR" sz="1400" dirty="0"/>
-              <a:t>”</a:t>
-            </a:r>
-          </a:p>
-          <a:p>
-            <a:endParaRPr lang="en-US" altLang="ko-KR" sz="1400" dirty="0"/>
-          </a:p>
-          <a:p>
-            <a:r>
-              <a:rPr lang="ko-KR" altLang="en-US" sz="1400" dirty="0" err="1"/>
-              <a:t>으로</a:t>
-            </a:r>
-            <a:r>
-              <a:rPr lang="ko-KR" altLang="en-US" sz="1400" dirty="0"/>
-              <a:t> 타이틀 변경</a:t>
-            </a:r>
-          </a:p>
-        </p:txBody>
-      </p:sp>
-      <p:cxnSp>
-        <p:nvCxnSpPr>
-          <p:cNvPr id="10" name="직선 연결선 9">
-            <a:extLst>
-              <a:ext uri="{FF2B5EF4-FFF2-40B4-BE49-F238E27FC236}">
-                <a16:creationId xmlns:a16="http://schemas.microsoft.com/office/drawing/2014/main" id="{80C68741-29C2-DA35-0C32-138D90E68B69}"/>
-              </a:ext>
-            </a:extLst>
-          </p:cNvPr>
-          <p:cNvCxnSpPr/>
-          <p:nvPr/>
-        </p:nvCxnSpPr>
-        <p:spPr>
-          <a:xfrm>
-            <a:off x="4833257" y="1020536"/>
-            <a:ext cx="2343150" cy="0"/>
-          </a:xfrm>
-          <a:prstGeom prst="line">
-            <a:avLst/>
-          </a:prstGeom>
-          <a:ln w="25400">
-            <a:solidFill>
-              <a:srgbClr val="FF0000"/>
-            </a:solidFill>
-          </a:ln>
-        </p:spPr>
-        <p:style>
-          <a:lnRef idx="1">
-            <a:schemeClr val="accent1"/>
-          </a:lnRef>
-          <a:fillRef idx="0">
-            <a:schemeClr val="accent1"/>
-          </a:fillRef>
-          <a:effectRef idx="0">
-            <a:schemeClr val="accent1"/>
-          </a:effectRef>
-          <a:fontRef idx="minor">
-            <a:schemeClr val="tx1"/>
-          </a:fontRef>
-        </p:style>
-      </p:cxnSp>
-      <p:cxnSp>
-        <p:nvCxnSpPr>
-          <p:cNvPr id="11" name="직선 연결선 10">
-            <a:extLst>
-              <a:ext uri="{FF2B5EF4-FFF2-40B4-BE49-F238E27FC236}">
-                <a16:creationId xmlns:a16="http://schemas.microsoft.com/office/drawing/2014/main" id="{E2CD489F-6464-1C16-7C15-622D680CEBF4}"/>
-              </a:ext>
-            </a:extLst>
-          </p:cNvPr>
-          <p:cNvCxnSpPr/>
-          <p:nvPr/>
-        </p:nvCxnSpPr>
-        <p:spPr>
-          <a:xfrm>
-            <a:off x="540697" y="2037650"/>
-            <a:ext cx="10995439" cy="0"/>
-          </a:xfrm>
-          <a:prstGeom prst="line">
-            <a:avLst/>
-          </a:prstGeom>
-        </p:spPr>
-        <p:style>
-          <a:lnRef idx="1">
-            <a:schemeClr val="accent1"/>
-          </a:lnRef>
-          <a:fillRef idx="0">
-            <a:schemeClr val="accent1"/>
-          </a:fillRef>
-          <a:effectRef idx="0">
-            <a:schemeClr val="accent1"/>
-          </a:effectRef>
-          <a:fontRef idx="minor">
-            <a:schemeClr val="tx1"/>
-          </a:fontRef>
-        </p:style>
-      </p:cxnSp>
-      <p:pic>
-        <p:nvPicPr>
-          <p:cNvPr id="12" name="그림 11">
-            <a:extLst>
-              <a:ext uri="{FF2B5EF4-FFF2-40B4-BE49-F238E27FC236}">
-                <a16:creationId xmlns:a16="http://schemas.microsoft.com/office/drawing/2014/main" id="{91543EFE-AFEB-8745-F708-F0B57D654B59}"/>
-              </a:ext>
-            </a:extLst>
-          </p:cNvPr>
-          <p:cNvPicPr>
-            <a:picLocks noChangeAspect="1"/>
-          </p:cNvPicPr>
-          <p:nvPr/>
-        </p:nvPicPr>
-        <p:blipFill>
-          <a:blip r:embed="rId4"/>
-          <a:stretch>
-            <a:fillRect/>
-          </a:stretch>
-        </p:blipFill>
-        <p:spPr>
-          <a:xfrm>
-            <a:off x="467133" y="2981263"/>
-            <a:ext cx="3353268" cy="447737"/>
-          </a:xfrm>
-          <a:prstGeom prst="rect">
-            <a:avLst/>
-          </a:prstGeom>
-        </p:spPr>
-      </p:pic>
-      <p:pic>
-        <p:nvPicPr>
-          <p:cNvPr id="13" name="그림 12">
-            <a:extLst>
-              <a:ext uri="{FF2B5EF4-FFF2-40B4-BE49-F238E27FC236}">
-                <a16:creationId xmlns:a16="http://schemas.microsoft.com/office/drawing/2014/main" id="{4DB72606-0F47-7497-DB30-B6CCAF5B2D84}"/>
-              </a:ext>
-            </a:extLst>
-          </p:cNvPr>
-          <p:cNvPicPr>
-            <a:picLocks noChangeAspect="1"/>
-          </p:cNvPicPr>
-          <p:nvPr/>
-        </p:nvPicPr>
-        <p:blipFill>
-          <a:blip r:embed="rId5"/>
-          <a:stretch>
-            <a:fillRect/>
-          </a:stretch>
-        </p:blipFill>
-        <p:spPr>
-          <a:xfrm>
-            <a:off x="419501" y="2266282"/>
-            <a:ext cx="3400900" cy="619211"/>
-          </a:xfrm>
-          <a:prstGeom prst="rect">
-            <a:avLst/>
-          </a:prstGeom>
-        </p:spPr>
-      </p:pic>
-      <p:pic>
-        <p:nvPicPr>
-          <p:cNvPr id="14" name="그림 13">
-            <a:extLst>
-              <a:ext uri="{FF2B5EF4-FFF2-40B4-BE49-F238E27FC236}">
-                <a16:creationId xmlns:a16="http://schemas.microsoft.com/office/drawing/2014/main" id="{00B056B6-ACFC-7E2F-B688-940C5C9F0A80}"/>
-              </a:ext>
-            </a:extLst>
-          </p:cNvPr>
-          <p:cNvPicPr>
-            <a:picLocks noChangeAspect="1"/>
-          </p:cNvPicPr>
-          <p:nvPr/>
-        </p:nvPicPr>
-        <p:blipFill>
-          <a:blip r:embed="rId6"/>
-          <a:stretch>
-            <a:fillRect/>
-          </a:stretch>
-        </p:blipFill>
-        <p:spPr>
-          <a:xfrm>
-            <a:off x="4299283" y="3068247"/>
-            <a:ext cx="1409897" cy="238158"/>
-          </a:xfrm>
-          <a:prstGeom prst="rect">
-            <a:avLst/>
-          </a:prstGeom>
-        </p:spPr>
-      </p:pic>
-      <p:pic>
-        <p:nvPicPr>
-          <p:cNvPr id="15" name="그림 14">
-            <a:extLst>
-              <a:ext uri="{FF2B5EF4-FFF2-40B4-BE49-F238E27FC236}">
-                <a16:creationId xmlns:a16="http://schemas.microsoft.com/office/drawing/2014/main" id="{A94D0408-6D35-FEB3-149B-0583CB17619C}"/>
-              </a:ext>
-            </a:extLst>
-          </p:cNvPr>
-          <p:cNvPicPr>
-            <a:picLocks noChangeAspect="1"/>
-          </p:cNvPicPr>
-          <p:nvPr/>
-        </p:nvPicPr>
-        <p:blipFill>
-          <a:blip r:embed="rId7"/>
-          <a:stretch>
-            <a:fillRect/>
-          </a:stretch>
-        </p:blipFill>
-        <p:spPr>
-          <a:xfrm>
-            <a:off x="4299283" y="2531622"/>
-            <a:ext cx="1895740" cy="247685"/>
-          </a:xfrm>
-          <a:prstGeom prst="rect">
-            <a:avLst/>
-          </a:prstGeom>
-        </p:spPr>
-      </p:pic>
-      <p:sp>
-        <p:nvSpPr>
-          <p:cNvPr id="16" name="TextBox 15">
-            <a:extLst>
-              <a:ext uri="{FF2B5EF4-FFF2-40B4-BE49-F238E27FC236}">
-                <a16:creationId xmlns:a16="http://schemas.microsoft.com/office/drawing/2014/main" id="{133BCC28-98CE-33C4-C4E7-B82C8FF77CD9}"/>
-              </a:ext>
-            </a:extLst>
-          </p:cNvPr>
-          <p:cNvSpPr txBox="1"/>
-          <p:nvPr/>
-        </p:nvSpPr>
-        <p:spPr>
-          <a:xfrm>
-            <a:off x="7701565" y="2761159"/>
-            <a:ext cx="1144865" cy="307777"/>
-          </a:xfrm>
-          <a:prstGeom prst="rect">
-            <a:avLst/>
-          </a:prstGeom>
-          <a:noFill/>
-        </p:spPr>
-        <p:txBody>
-          <a:bodyPr wrap="square" rtlCol="0">
-            <a:spAutoFit/>
-          </a:bodyPr>
-          <a:lstStyle/>
-          <a:p>
-            <a:r>
-              <a:rPr lang="ko-KR" altLang="en-US" sz="1400" dirty="0"/>
-              <a:t>타이틀 변경</a:t>
-            </a:r>
-          </a:p>
-        </p:txBody>
-      </p:sp>
-      <p:pic>
-        <p:nvPicPr>
-          <p:cNvPr id="18" name="그림 17">
-            <a:extLst>
-              <a:ext uri="{FF2B5EF4-FFF2-40B4-BE49-F238E27FC236}">
-                <a16:creationId xmlns:a16="http://schemas.microsoft.com/office/drawing/2014/main" id="{2F3882AE-BCE4-A1F1-5E4E-B0F67153956C}"/>
-              </a:ext>
-            </a:extLst>
-          </p:cNvPr>
-          <p:cNvPicPr>
-            <a:picLocks noChangeAspect="1"/>
-          </p:cNvPicPr>
-          <p:nvPr/>
-        </p:nvPicPr>
-        <p:blipFill>
-          <a:blip r:embed="rId8"/>
-          <a:stretch>
-            <a:fillRect/>
-          </a:stretch>
-        </p:blipFill>
-        <p:spPr>
-          <a:xfrm>
-            <a:off x="419501" y="4100083"/>
-            <a:ext cx="2276793" cy="409632"/>
-          </a:xfrm>
-          <a:prstGeom prst="rect">
-            <a:avLst/>
-          </a:prstGeom>
-        </p:spPr>
-      </p:pic>
-      <p:sp>
-        <p:nvSpPr>
-          <p:cNvPr id="19" name="TextBox 18">
-            <a:extLst>
-              <a:ext uri="{FF2B5EF4-FFF2-40B4-BE49-F238E27FC236}">
-                <a16:creationId xmlns:a16="http://schemas.microsoft.com/office/drawing/2014/main" id="{5C745AAB-15B9-A302-B227-64A02C06347D}"/>
-              </a:ext>
-            </a:extLst>
-          </p:cNvPr>
-          <p:cNvSpPr txBox="1"/>
-          <p:nvPr/>
-        </p:nvSpPr>
-        <p:spPr>
-          <a:xfrm>
-            <a:off x="7701565" y="4032964"/>
-            <a:ext cx="3199915" cy="738664"/>
-          </a:xfrm>
-          <a:prstGeom prst="rect">
-            <a:avLst/>
-          </a:prstGeom>
-          <a:noFill/>
-        </p:spPr>
-        <p:txBody>
-          <a:bodyPr wrap="none" rtlCol="0">
-            <a:spAutoFit/>
-          </a:bodyPr>
-          <a:lstStyle/>
-          <a:p>
-            <a:r>
-              <a:rPr lang="en-US" altLang="ko-KR" sz="1400" dirty="0"/>
-              <a:t>“</a:t>
-            </a:r>
-            <a:r>
-              <a:rPr lang="ko-KR" altLang="en-US" sz="1400" dirty="0"/>
-              <a:t>테마놀이터 업데이트 시간 </a:t>
-            </a:r>
-            <a:r>
-              <a:rPr lang="ko-KR" altLang="en-US" sz="1400" dirty="0" err="1"/>
-              <a:t>새로고침</a:t>
-            </a:r>
-            <a:r>
-              <a:rPr lang="en-US" altLang="ko-KR" sz="1400" dirty="0"/>
-              <a:t>”</a:t>
-            </a:r>
-          </a:p>
-          <a:p>
-            <a:endParaRPr lang="en-US" altLang="ko-KR" sz="1400" dirty="0"/>
-          </a:p>
-          <a:p>
-            <a:r>
-              <a:rPr lang="ko-KR" altLang="en-US" sz="1400" dirty="0" err="1"/>
-              <a:t>으로</a:t>
-            </a:r>
-            <a:r>
-              <a:rPr lang="ko-KR" altLang="en-US" sz="1400" dirty="0"/>
-              <a:t> 타이틀 변경</a:t>
-            </a:r>
-          </a:p>
-        </p:txBody>
-      </p:sp>
-      <p:pic>
-        <p:nvPicPr>
-          <p:cNvPr id="21" name="그림 20">
-            <a:extLst>
-              <a:ext uri="{FF2B5EF4-FFF2-40B4-BE49-F238E27FC236}">
-                <a16:creationId xmlns:a16="http://schemas.microsoft.com/office/drawing/2014/main" id="{3AD952CB-6ADB-03A3-2DFB-3B41A343E014}"/>
-              </a:ext>
-            </a:extLst>
-          </p:cNvPr>
-          <p:cNvPicPr>
-            <a:picLocks noChangeAspect="1"/>
-          </p:cNvPicPr>
-          <p:nvPr/>
-        </p:nvPicPr>
-        <p:blipFill>
-          <a:blip r:embed="rId9"/>
-          <a:stretch>
-            <a:fillRect/>
-          </a:stretch>
-        </p:blipFill>
-        <p:spPr>
-          <a:xfrm>
-            <a:off x="299803" y="5567618"/>
-            <a:ext cx="771633" cy="714475"/>
-          </a:xfrm>
-          <a:prstGeom prst="rect">
-            <a:avLst/>
-          </a:prstGeom>
-        </p:spPr>
-      </p:pic>
-      <p:cxnSp>
-        <p:nvCxnSpPr>
-          <p:cNvPr id="22" name="직선 연결선 21">
-            <a:extLst>
-              <a:ext uri="{FF2B5EF4-FFF2-40B4-BE49-F238E27FC236}">
-                <a16:creationId xmlns:a16="http://schemas.microsoft.com/office/drawing/2014/main" id="{A97F80D2-2102-C781-B45F-7ED8C59F0638}"/>
-              </a:ext>
-            </a:extLst>
-          </p:cNvPr>
-          <p:cNvCxnSpPr/>
-          <p:nvPr/>
-        </p:nvCxnSpPr>
-        <p:spPr>
-          <a:xfrm>
-            <a:off x="540697" y="3731696"/>
-            <a:ext cx="10995439" cy="0"/>
-          </a:xfrm>
-          <a:prstGeom prst="line">
-            <a:avLst/>
-          </a:prstGeom>
-        </p:spPr>
-        <p:style>
-          <a:lnRef idx="1">
-            <a:schemeClr val="accent1"/>
-          </a:lnRef>
-          <a:fillRef idx="0">
-            <a:schemeClr val="accent1"/>
-          </a:fillRef>
-          <a:effectRef idx="0">
-            <a:schemeClr val="accent1"/>
-          </a:effectRef>
-          <a:fontRef idx="minor">
-            <a:schemeClr val="tx1"/>
-          </a:fontRef>
-        </p:style>
-      </p:cxnSp>
-      <p:cxnSp>
-        <p:nvCxnSpPr>
-          <p:cNvPr id="23" name="직선 연결선 22">
-            <a:extLst>
-              <a:ext uri="{FF2B5EF4-FFF2-40B4-BE49-F238E27FC236}">
-                <a16:creationId xmlns:a16="http://schemas.microsoft.com/office/drawing/2014/main" id="{36334B20-F71F-C9E3-BD6E-D80B6E03C602}"/>
-              </a:ext>
-            </a:extLst>
-          </p:cNvPr>
-          <p:cNvCxnSpPr/>
-          <p:nvPr/>
-        </p:nvCxnSpPr>
-        <p:spPr>
-          <a:xfrm>
-            <a:off x="540697" y="4992605"/>
-            <a:ext cx="10995439" cy="0"/>
-          </a:xfrm>
-          <a:prstGeom prst="line">
-            <a:avLst/>
-          </a:prstGeom>
-        </p:spPr>
-        <p:style>
-          <a:lnRef idx="1">
-            <a:schemeClr val="accent1"/>
-          </a:lnRef>
-          <a:fillRef idx="0">
-            <a:schemeClr val="accent1"/>
-          </a:fillRef>
-          <a:effectRef idx="0">
-            <a:schemeClr val="accent1"/>
-          </a:effectRef>
-          <a:fontRef idx="minor">
-            <a:schemeClr val="tx1"/>
-          </a:fontRef>
-        </p:style>
-      </p:cxnSp>
-      <p:pic>
-        <p:nvPicPr>
-          <p:cNvPr id="25" name="그림 24">
-            <a:extLst>
-              <a:ext uri="{FF2B5EF4-FFF2-40B4-BE49-F238E27FC236}">
-                <a16:creationId xmlns:a16="http://schemas.microsoft.com/office/drawing/2014/main" id="{35F3296A-AABA-5FFF-FD38-FE460BDF3911}"/>
-              </a:ext>
-            </a:extLst>
-          </p:cNvPr>
-          <p:cNvPicPr>
-            <a:picLocks noChangeAspect="1"/>
-          </p:cNvPicPr>
-          <p:nvPr/>
-        </p:nvPicPr>
-        <p:blipFill>
-          <a:blip r:embed="rId10"/>
-          <a:stretch>
-            <a:fillRect/>
-          </a:stretch>
-        </p:blipFill>
-        <p:spPr>
-          <a:xfrm>
-            <a:off x="1176844" y="5567618"/>
-            <a:ext cx="762106" cy="685896"/>
-          </a:xfrm>
-          <a:prstGeom prst="rect">
-            <a:avLst/>
-          </a:prstGeom>
-        </p:spPr>
-      </p:pic>
-      <p:sp>
-        <p:nvSpPr>
-          <p:cNvPr id="26" name="TextBox 25">
-            <a:extLst>
-              <a:ext uri="{FF2B5EF4-FFF2-40B4-BE49-F238E27FC236}">
-                <a16:creationId xmlns:a16="http://schemas.microsoft.com/office/drawing/2014/main" id="{A820DE7E-448D-39CF-1201-038087B1FCEB}"/>
-              </a:ext>
-            </a:extLst>
-          </p:cNvPr>
-          <p:cNvSpPr txBox="1"/>
-          <p:nvPr/>
-        </p:nvSpPr>
-        <p:spPr>
-          <a:xfrm>
-            <a:off x="7701565" y="5494439"/>
-            <a:ext cx="3486852" cy="697050"/>
-          </a:xfrm>
-          <a:prstGeom prst="rect">
-            <a:avLst/>
-          </a:prstGeom>
-          <a:noFill/>
-        </p:spPr>
-        <p:txBody>
-          <a:bodyPr wrap="none" rtlCol="0">
-            <a:spAutoFit/>
-          </a:bodyPr>
-          <a:lstStyle/>
-          <a:p>
-            <a:pPr>
-              <a:lnSpc>
-                <a:spcPct val="150000"/>
-              </a:lnSpc>
-            </a:pPr>
-            <a:r>
-              <a:rPr lang="ko-KR" altLang="en-US" sz="1400" dirty="0" err="1"/>
-              <a:t>눌렀을떄</a:t>
-            </a:r>
-            <a:r>
-              <a:rPr lang="ko-KR" altLang="en-US" sz="1400" dirty="0"/>
-              <a:t> 포커스가 현재 버튼으로 오도록</a:t>
-            </a:r>
-            <a:endParaRPr lang="en-US" altLang="ko-KR" sz="1400" dirty="0"/>
-          </a:p>
-          <a:p>
-            <a:pPr>
-              <a:lnSpc>
-                <a:spcPct val="150000"/>
-              </a:lnSpc>
-            </a:pPr>
-            <a:r>
-              <a:rPr lang="ko-KR" altLang="en-US" sz="1400" dirty="0"/>
-              <a:t>수정해주세요</a:t>
-            </a:r>
-            <a:r>
-              <a:rPr lang="en-US" altLang="ko-KR" sz="1400" dirty="0"/>
-              <a:t>.</a:t>
-            </a:r>
-            <a:endParaRPr lang="ko-KR" altLang="en-US" sz="1400" dirty="0"/>
-          </a:p>
-        </p:txBody>
-      </p:sp>
     </p:spTree>
     <p:extLst>
       <p:ext uri="{BB962C8B-B14F-4D97-AF65-F5344CB8AC3E}">
-        <p14:creationId xmlns:p14="http://schemas.microsoft.com/office/powerpoint/2010/main" val="820803029"/>
+        <p14:creationId xmlns:p14="http://schemas.microsoft.com/office/powerpoint/2010/main" val="3752586212"/>
       </p:ext>
     </p:extLst>
   </p:cSld>
@@ -3715,316 +3085,60 @@
           <a:chExt cx="0" cy="0"/>
         </a:xfrm>
       </p:grpSpPr>
-      <p:pic>
-        <p:nvPicPr>
-          <p:cNvPr id="3" name="그림 2">
-            <a:extLst>
-              <a:ext uri="{FF2B5EF4-FFF2-40B4-BE49-F238E27FC236}">
-                <a16:creationId xmlns:a16="http://schemas.microsoft.com/office/drawing/2014/main" id="{4697F194-CA88-8A7D-8C5F-E51D25FE0F70}"/>
-              </a:ext>
-            </a:extLst>
-          </p:cNvPr>
-          <p:cNvPicPr>
-            <a:picLocks noChangeAspect="1"/>
-          </p:cNvPicPr>
-          <p:nvPr/>
-        </p:nvPicPr>
-        <p:blipFill>
-          <a:blip r:embed="rId2"/>
-          <a:stretch>
-            <a:fillRect/>
-          </a:stretch>
-        </p:blipFill>
-        <p:spPr>
-          <a:xfrm>
-            <a:off x="405928" y="281891"/>
-            <a:ext cx="3410426" cy="2848373"/>
-          </a:xfrm>
-          <a:prstGeom prst="rect">
-            <a:avLst/>
-          </a:prstGeom>
-        </p:spPr>
-      </p:pic>
-      <p:sp>
-        <p:nvSpPr>
-          <p:cNvPr id="4" name="TextBox 3">
-            <a:extLst>
-              <a:ext uri="{FF2B5EF4-FFF2-40B4-BE49-F238E27FC236}">
-                <a16:creationId xmlns:a16="http://schemas.microsoft.com/office/drawing/2014/main" id="{0EE56183-1800-B6F1-B8CD-6C7C0EF5988C}"/>
-              </a:ext>
-            </a:extLst>
-          </p:cNvPr>
-          <p:cNvSpPr txBox="1"/>
-          <p:nvPr/>
-        </p:nvSpPr>
-        <p:spPr>
-          <a:xfrm>
-            <a:off x="4850210" y="640835"/>
-            <a:ext cx="2566728" cy="307777"/>
-          </a:xfrm>
-          <a:prstGeom prst="rect">
-            <a:avLst/>
-          </a:prstGeom>
-          <a:noFill/>
-        </p:spPr>
-        <p:txBody>
-          <a:bodyPr wrap="none" rtlCol="0">
-            <a:spAutoFit/>
-          </a:bodyPr>
-          <a:lstStyle/>
-          <a:p>
-            <a:r>
-              <a:rPr lang="ko-KR" altLang="en-US" sz="1400" dirty="0"/>
-              <a:t>차트 키보드 조작이 안됩니다</a:t>
-            </a:r>
-            <a:r>
-              <a:rPr lang="en-US" altLang="ko-KR" sz="1400" dirty="0"/>
-              <a:t>.</a:t>
-            </a:r>
-            <a:endParaRPr lang="ko-KR" altLang="en-US" sz="1400" dirty="0"/>
-          </a:p>
-        </p:txBody>
-      </p:sp>
-      <p:sp>
-        <p:nvSpPr>
-          <p:cNvPr id="7" name="TextBox 6">
-            <a:extLst>
-              <a:ext uri="{FF2B5EF4-FFF2-40B4-BE49-F238E27FC236}">
-                <a16:creationId xmlns:a16="http://schemas.microsoft.com/office/drawing/2014/main" id="{D609AC89-3369-A138-9F40-22CB3BEEECE0}"/>
-              </a:ext>
-            </a:extLst>
-          </p:cNvPr>
-          <p:cNvSpPr txBox="1"/>
-          <p:nvPr/>
-        </p:nvSpPr>
-        <p:spPr>
-          <a:xfrm>
-            <a:off x="7726560" y="2437828"/>
-            <a:ext cx="2768707" cy="523220"/>
-          </a:xfrm>
-          <a:prstGeom prst="rect">
-            <a:avLst/>
-          </a:prstGeom>
-          <a:noFill/>
-        </p:spPr>
-        <p:txBody>
-          <a:bodyPr wrap="none" rtlCol="0">
-            <a:spAutoFit/>
-          </a:bodyPr>
-          <a:lstStyle/>
-          <a:p>
-            <a:r>
-              <a:rPr lang="ko-KR" altLang="en-US" sz="1400" dirty="0"/>
-              <a:t>방향키 </a:t>
-            </a:r>
-            <a:r>
-              <a:rPr lang="ko-KR" altLang="en-US" sz="1400" dirty="0" err="1"/>
-              <a:t>조작시</a:t>
-            </a:r>
-            <a:r>
-              <a:rPr lang="ko-KR" altLang="en-US" sz="1400" dirty="0"/>
-              <a:t> 가능하고 활성화 </a:t>
-            </a:r>
-            <a:endParaRPr lang="en-US" altLang="ko-KR" sz="1400" dirty="0"/>
-          </a:p>
-          <a:p>
-            <a:r>
-              <a:rPr lang="ko-KR" altLang="en-US" sz="1400" dirty="0"/>
-              <a:t>되도록 </a:t>
-            </a:r>
-            <a:r>
-              <a:rPr lang="ko-KR" altLang="en-US" sz="1400" dirty="0" err="1"/>
-              <a:t>해야합니다</a:t>
-            </a:r>
-            <a:r>
-              <a:rPr lang="en-US" altLang="ko-KR" sz="1400" dirty="0"/>
-              <a:t>.</a:t>
-            </a:r>
-            <a:endParaRPr lang="ko-KR" altLang="en-US" sz="1400" dirty="0"/>
-          </a:p>
-        </p:txBody>
-      </p:sp>
-      <p:pic>
-        <p:nvPicPr>
-          <p:cNvPr id="13" name="그림 12">
-            <a:extLst>
-              <a:ext uri="{FF2B5EF4-FFF2-40B4-BE49-F238E27FC236}">
-                <a16:creationId xmlns:a16="http://schemas.microsoft.com/office/drawing/2014/main" id="{F7A3D0C1-8B59-1C0F-0417-1802713AF9F8}"/>
-              </a:ext>
-            </a:extLst>
-          </p:cNvPr>
-          <p:cNvPicPr>
-            <a:picLocks noChangeAspect="1"/>
-          </p:cNvPicPr>
-          <p:nvPr/>
-        </p:nvPicPr>
-        <p:blipFill>
-          <a:blip r:embed="rId3"/>
-          <a:stretch>
-            <a:fillRect/>
-          </a:stretch>
-        </p:blipFill>
-        <p:spPr>
-          <a:xfrm>
-            <a:off x="4850210" y="1329477"/>
-            <a:ext cx="2686425" cy="2524477"/>
-          </a:xfrm>
-          <a:prstGeom prst="rect">
-            <a:avLst/>
-          </a:prstGeom>
-        </p:spPr>
-      </p:pic>
-      <p:pic>
-        <p:nvPicPr>
-          <p:cNvPr id="15" name="그림 14">
-            <a:extLst>
-              <a:ext uri="{FF2B5EF4-FFF2-40B4-BE49-F238E27FC236}">
-                <a16:creationId xmlns:a16="http://schemas.microsoft.com/office/drawing/2014/main" id="{95AF80D0-BA54-BA18-747B-13997C49B514}"/>
-              </a:ext>
-            </a:extLst>
-          </p:cNvPr>
-          <p:cNvPicPr>
-            <a:picLocks noChangeAspect="1"/>
-          </p:cNvPicPr>
-          <p:nvPr/>
-        </p:nvPicPr>
-        <p:blipFill>
-          <a:blip r:embed="rId4"/>
-          <a:stretch>
-            <a:fillRect/>
-          </a:stretch>
-        </p:blipFill>
-        <p:spPr>
-          <a:xfrm>
-            <a:off x="610744" y="3582367"/>
-            <a:ext cx="3000794" cy="2657846"/>
-          </a:xfrm>
-          <a:prstGeom prst="rect">
-            <a:avLst/>
-          </a:prstGeom>
-        </p:spPr>
-      </p:pic>
-      <p:pic>
-        <p:nvPicPr>
-          <p:cNvPr id="17" name="그림 16">
-            <a:extLst>
-              <a:ext uri="{FF2B5EF4-FFF2-40B4-BE49-F238E27FC236}">
-                <a16:creationId xmlns:a16="http://schemas.microsoft.com/office/drawing/2014/main" id="{10EF1F1E-E0D3-FAF4-679C-26DB1DE97D75}"/>
-              </a:ext>
-            </a:extLst>
-          </p:cNvPr>
-          <p:cNvPicPr>
-            <a:picLocks noChangeAspect="1"/>
-          </p:cNvPicPr>
-          <p:nvPr/>
-        </p:nvPicPr>
-        <p:blipFill>
-          <a:blip r:embed="rId5"/>
-          <a:stretch>
-            <a:fillRect/>
-          </a:stretch>
-        </p:blipFill>
-        <p:spPr>
-          <a:xfrm>
-            <a:off x="4350077" y="4914652"/>
-            <a:ext cx="1000265" cy="1381318"/>
-          </a:xfrm>
-          <a:prstGeom prst="rect">
-            <a:avLst/>
-          </a:prstGeom>
-        </p:spPr>
-      </p:pic>
-      <p:cxnSp>
-        <p:nvCxnSpPr>
-          <p:cNvPr id="19" name="직선 화살표 연결선 18">
-            <a:extLst>
-              <a:ext uri="{FF2B5EF4-FFF2-40B4-BE49-F238E27FC236}">
-                <a16:creationId xmlns:a16="http://schemas.microsoft.com/office/drawing/2014/main" id="{EA908510-387C-B5D4-4864-E48E0B35F3EC}"/>
-              </a:ext>
-            </a:extLst>
-          </p:cNvPr>
-          <p:cNvCxnSpPr/>
-          <p:nvPr/>
-        </p:nvCxnSpPr>
-        <p:spPr>
-          <a:xfrm flipV="1">
-            <a:off x="1571926" y="5787826"/>
-            <a:ext cx="0" cy="452387"/>
-          </a:xfrm>
-          <a:prstGeom prst="straightConnector1">
-            <a:avLst/>
-          </a:prstGeom>
-          <a:ln>
-            <a:tailEnd type="triangle"/>
-          </a:ln>
+      <p:sp>
+        <p:nvSpPr>
+          <p:cNvPr id="3" name="직사각형 2">
+            <a:extLst>
+              <a:ext uri="{FF2B5EF4-FFF2-40B4-BE49-F238E27FC236}">
+                <a16:creationId xmlns:a16="http://schemas.microsoft.com/office/drawing/2014/main" id="{C911613E-2065-A021-648C-90EA2DD07EE8}"/>
+              </a:ext>
+            </a:extLst>
+          </p:cNvPr>
+          <p:cNvSpPr/>
+          <p:nvPr/>
+        </p:nvSpPr>
+        <p:spPr>
+          <a:xfrm>
+            <a:off x="0" y="0"/>
+            <a:ext cx="12192000" cy="6858000"/>
+          </a:xfrm>
+          <a:prstGeom prst="rect">
+            <a:avLst/>
+          </a:prstGeom>
         </p:spPr>
         <p:style>
-          <a:lnRef idx="1">
-            <a:schemeClr val="accent1"/>
+          <a:lnRef idx="2">
+            <a:schemeClr val="accent1">
+              <a:shade val="50000"/>
+            </a:schemeClr>
           </a:lnRef>
-          <a:fillRef idx="0">
+          <a:fillRef idx="1">
             <a:schemeClr val="accent1"/>
           </a:fillRef>
           <a:effectRef idx="0">
             <a:schemeClr val="accent1"/>
           </a:effectRef>
           <a:fontRef idx="minor">
-            <a:schemeClr val="tx1"/>
+            <a:schemeClr val="lt1"/>
           </a:fontRef>
         </p:style>
-      </p:cxnSp>
-      <p:sp>
-        <p:nvSpPr>
-          <p:cNvPr id="20" name="TextBox 19">
-            <a:extLst>
-              <a:ext uri="{FF2B5EF4-FFF2-40B4-BE49-F238E27FC236}">
-                <a16:creationId xmlns:a16="http://schemas.microsoft.com/office/drawing/2014/main" id="{206B0608-F3D7-D5C8-F8FB-13CE64EE3BFC}"/>
-              </a:ext>
-            </a:extLst>
-          </p:cNvPr>
-          <p:cNvSpPr txBox="1"/>
-          <p:nvPr/>
-        </p:nvSpPr>
-        <p:spPr>
-          <a:xfrm>
-            <a:off x="1385832" y="6351726"/>
-            <a:ext cx="3886000" cy="307777"/>
-          </a:xfrm>
-          <a:prstGeom prst="rect">
-            <a:avLst/>
-          </a:prstGeom>
-          <a:noFill/>
-        </p:spPr>
-        <p:txBody>
-          <a:bodyPr wrap="none" rtlCol="0">
-            <a:spAutoFit/>
-          </a:bodyPr>
+        <p:txBody>
+          <a:bodyPr rtlCol="0" anchor="ctr"/>
           <a:lstStyle/>
           <a:p>
-            <a:r>
-              <a:rPr lang="ko-KR" altLang="en-US" sz="1400" dirty="0"/>
-              <a:t>차트 색이 </a:t>
-            </a:r>
-            <a:r>
-              <a:rPr lang="ko-KR" altLang="en-US" sz="1400" dirty="0" err="1"/>
-              <a:t>여러개인경우</a:t>
-            </a:r>
-            <a:r>
-              <a:rPr lang="ko-KR" altLang="en-US" sz="1400" dirty="0"/>
-              <a:t> 범례 들어가야합니다</a:t>
-            </a:r>
-            <a:r>
-              <a:rPr lang="en-US" altLang="ko-KR" sz="1400" dirty="0"/>
-              <a:t>.</a:t>
-            </a:r>
-            <a:endParaRPr lang="ko-KR" altLang="en-US" sz="1400" dirty="0"/>
+            <a:pPr algn="ctr"/>
+            <a:r>
+              <a:rPr lang="ko-KR" altLang="en-US" sz="10000"/>
+              <a:t>오늘 세종엔</a:t>
+            </a:r>
+            <a:endParaRPr lang="ko-KR" altLang="en-US" sz="10000" dirty="0"/>
           </a:p>
         </p:txBody>
       </p:sp>
     </p:spTree>
     <p:extLst>
       <p:ext uri="{BB962C8B-B14F-4D97-AF65-F5344CB8AC3E}">
-        <p14:creationId xmlns:p14="http://schemas.microsoft.com/office/powerpoint/2010/main" val="2477834225"/>
+        <p14:creationId xmlns:p14="http://schemas.microsoft.com/office/powerpoint/2010/main" val="2204104532"/>
       </p:ext>
     </p:extLst>
   </p:cSld>
@@ -4053,10 +3167,10 @@
       </p:grpSpPr>
       <p:pic>
         <p:nvPicPr>
-          <p:cNvPr id="3" name="그림 2">
-            <a:extLst>
-              <a:ext uri="{FF2B5EF4-FFF2-40B4-BE49-F238E27FC236}">
-                <a16:creationId xmlns:a16="http://schemas.microsoft.com/office/drawing/2014/main" id="{269AEA47-39AB-4017-534B-96799CE524F0}"/>
+          <p:cNvPr id="2" name="그림 1">
+            <a:extLst>
+              <a:ext uri="{FF2B5EF4-FFF2-40B4-BE49-F238E27FC236}">
+                <a16:creationId xmlns:a16="http://schemas.microsoft.com/office/drawing/2014/main" id="{7DA4C7A9-256C-1C75-6600-54AA78E9DE76}"/>
               </a:ext>
             </a:extLst>
           </p:cNvPr>
@@ -4073,8 +3187,38 @@
         </p:blipFill>
         <p:spPr>
           <a:xfrm>
-            <a:off x="1241631" y="938597"/>
-            <a:ext cx="2818234" cy="2256107"/>
+            <a:off x="623857" y="940891"/>
+            <a:ext cx="428685" cy="600159"/>
+          </a:xfrm>
+          <a:prstGeom prst="rect">
+            <a:avLst/>
+          </a:prstGeom>
+        </p:spPr>
+      </p:pic>
+      <p:pic>
+        <p:nvPicPr>
+          <p:cNvPr id="3" name="그림 2">
+            <a:extLst>
+              <a:ext uri="{FF2B5EF4-FFF2-40B4-BE49-F238E27FC236}">
+                <a16:creationId xmlns:a16="http://schemas.microsoft.com/office/drawing/2014/main" id="{A2E757DC-4FE4-49AA-26F7-51D2177FB4EF}"/>
+              </a:ext>
+            </a:extLst>
+          </p:cNvPr>
+          <p:cNvPicPr>
+            <a:picLocks noChangeAspect="1"/>
+          </p:cNvPicPr>
+          <p:nvPr/>
+        </p:nvPicPr>
+        <p:blipFill>
+          <a:blip r:embed="rId3"/>
+          <a:stretch>
+            <a:fillRect/>
+          </a:stretch>
+        </p:blipFill>
+        <p:spPr>
+          <a:xfrm>
+            <a:off x="1221830" y="1031391"/>
+            <a:ext cx="2048161" cy="209579"/>
           </a:xfrm>
           <a:prstGeom prst="rect">
             <a:avLst/>
@@ -4083,29 +3227,24 @@
       </p:pic>
       <p:cxnSp>
         <p:nvCxnSpPr>
-          <p:cNvPr id="5" name="직선 화살표 연결선 4">
-            <a:extLst>
-              <a:ext uri="{FF2B5EF4-FFF2-40B4-BE49-F238E27FC236}">
-                <a16:creationId xmlns:a16="http://schemas.microsoft.com/office/drawing/2014/main" id="{4602CB73-1A06-F49D-3370-18A008500F0E}"/>
-              </a:ext>
-            </a:extLst>
-          </p:cNvPr>
-          <p:cNvCxnSpPr>
-            <a:cxnSpLocks/>
-          </p:cNvCxnSpPr>
+          <p:cNvPr id="5" name="직선 연결선 4">
+            <a:extLst>
+              <a:ext uri="{FF2B5EF4-FFF2-40B4-BE49-F238E27FC236}">
+                <a16:creationId xmlns:a16="http://schemas.microsoft.com/office/drawing/2014/main" id="{7CCF44C8-B4B1-9F09-0741-7A1BB72F3A2F}"/>
+              </a:ext>
+            </a:extLst>
+          </p:cNvPr>
+          <p:cNvCxnSpPr/>
           <p:nvPr/>
         </p:nvCxnSpPr>
         <p:spPr>
           <a:xfrm>
-            <a:off x="1684421" y="742950"/>
-            <a:ext cx="0" cy="261257"/>
-          </a:xfrm>
-          <a:prstGeom prst="straightConnector1">
-            <a:avLst/>
-          </a:prstGeom>
-          <a:ln>
-            <a:tailEnd type="triangle"/>
-          </a:ln>
+            <a:off x="540697" y="1738993"/>
+            <a:ext cx="10995439" cy="0"/>
+          </a:xfrm>
+          <a:prstGeom prst="line">
+            <a:avLst/>
+          </a:prstGeom>
         </p:spPr>
         <p:style>
           <a:lnRef idx="1">
@@ -4124,10 +3263,10 @@
       </p:cxnSp>
       <p:sp>
         <p:nvSpPr>
-          <p:cNvPr id="6" name="TextBox 5">
-            <a:extLst>
-              <a:ext uri="{FF2B5EF4-FFF2-40B4-BE49-F238E27FC236}">
-                <a16:creationId xmlns:a16="http://schemas.microsoft.com/office/drawing/2014/main" id="{9E49748D-F8D3-228D-1BC5-45DDDB8B405A}"/>
+          <p:cNvPr id="12" name="TextBox 11">
+            <a:extLst>
+              <a:ext uri="{FF2B5EF4-FFF2-40B4-BE49-F238E27FC236}">
+                <a16:creationId xmlns:a16="http://schemas.microsoft.com/office/drawing/2014/main" id="{138BCE96-7D4F-0781-908E-00DC6C406B99}"/>
               </a:ext>
             </a:extLst>
           </p:cNvPr>
@@ -4136,8 +3275,8 @@
         </p:nvSpPr>
         <p:spPr>
           <a:xfrm>
-            <a:off x="1084294" y="369348"/>
-            <a:ext cx="1566454" cy="307777"/>
+            <a:off x="5125870" y="922902"/>
+            <a:ext cx="1144865" cy="307777"/>
           </a:xfrm>
           <a:prstGeom prst="rect">
             <a:avLst/>
@@ -4152,17 +3291,193 @@
           <a:p>
             <a:r>
               <a:rPr lang="ko-KR" altLang="en-US" sz="1400" dirty="0"/>
-              <a:t>버튼 태그로 변경</a:t>
-            </a:r>
-          </a:p>
-        </p:txBody>
-      </p:sp>
+              <a:t>타이틀 변경</a:t>
+            </a:r>
+          </a:p>
+        </p:txBody>
+      </p:sp>
+      <p:pic>
+        <p:nvPicPr>
+          <p:cNvPr id="15" name="그림 14">
+            <a:extLst>
+              <a:ext uri="{FF2B5EF4-FFF2-40B4-BE49-F238E27FC236}">
+                <a16:creationId xmlns:a16="http://schemas.microsoft.com/office/drawing/2014/main" id="{088A6085-1196-F532-CF59-BF7AB7497294}"/>
+              </a:ext>
+            </a:extLst>
+          </p:cNvPr>
+          <p:cNvPicPr>
+            <a:picLocks noChangeAspect="1"/>
+          </p:cNvPicPr>
+          <p:nvPr/>
+        </p:nvPicPr>
+        <p:blipFill>
+          <a:blip r:embed="rId4"/>
+          <a:stretch>
+            <a:fillRect/>
+          </a:stretch>
+        </p:blipFill>
+        <p:spPr>
+          <a:xfrm>
+            <a:off x="441279" y="2530825"/>
+            <a:ext cx="3896269" cy="743054"/>
+          </a:xfrm>
+          <a:prstGeom prst="rect">
+            <a:avLst/>
+          </a:prstGeom>
+        </p:spPr>
+      </p:pic>
+      <p:sp>
+        <p:nvSpPr>
+          <p:cNvPr id="16" name="직사각형 15">
+            <a:extLst>
+              <a:ext uri="{FF2B5EF4-FFF2-40B4-BE49-F238E27FC236}">
+                <a16:creationId xmlns:a16="http://schemas.microsoft.com/office/drawing/2014/main" id="{9200D68F-3E29-0788-AA6D-CE46F679B4CC}"/>
+              </a:ext>
+            </a:extLst>
+          </p:cNvPr>
+          <p:cNvSpPr/>
+          <p:nvPr/>
+        </p:nvSpPr>
+        <p:spPr>
+          <a:xfrm>
+            <a:off x="2436739" y="2833007"/>
+            <a:ext cx="391886" cy="391886"/>
+          </a:xfrm>
+          <a:prstGeom prst="rect">
+            <a:avLst/>
+          </a:prstGeom>
+          <a:noFill/>
+          <a:ln w="25400">
+            <a:solidFill>
+              <a:srgbClr val="FF0000"/>
+            </a:solidFill>
+          </a:ln>
+        </p:spPr>
+        <p:style>
+          <a:lnRef idx="2">
+            <a:schemeClr val="accent1">
+              <a:shade val="50000"/>
+            </a:schemeClr>
+          </a:lnRef>
+          <a:fillRef idx="1">
+            <a:schemeClr val="accent1"/>
+          </a:fillRef>
+          <a:effectRef idx="0">
+            <a:schemeClr val="accent1"/>
+          </a:effectRef>
+          <a:fontRef idx="minor">
+            <a:schemeClr val="lt1"/>
+          </a:fontRef>
+        </p:style>
+        <p:txBody>
+          <a:bodyPr rtlCol="0" anchor="ctr"/>
+          <a:lstStyle/>
+          <a:p>
+            <a:pPr algn="ctr"/>
+            <a:endParaRPr lang="ko-KR" altLang="en-US"/>
+          </a:p>
+        </p:txBody>
+      </p:sp>
+      <p:sp>
+        <p:nvSpPr>
+          <p:cNvPr id="17" name="TextBox 16">
+            <a:extLst>
+              <a:ext uri="{FF2B5EF4-FFF2-40B4-BE49-F238E27FC236}">
+                <a16:creationId xmlns:a16="http://schemas.microsoft.com/office/drawing/2014/main" id="{48EC0B04-BD49-0BFA-01E3-0CF150D0332A}"/>
+              </a:ext>
+            </a:extLst>
+          </p:cNvPr>
+          <p:cNvSpPr txBox="1"/>
+          <p:nvPr/>
+        </p:nvSpPr>
+        <p:spPr>
+          <a:xfrm>
+            <a:off x="5125870" y="2247308"/>
+            <a:ext cx="2335896" cy="697050"/>
+          </a:xfrm>
+          <a:prstGeom prst="rect">
+            <a:avLst/>
+          </a:prstGeom>
+          <a:noFill/>
+        </p:spPr>
+        <p:txBody>
+          <a:bodyPr wrap="none" rtlCol="0">
+            <a:spAutoFit/>
+          </a:bodyPr>
+          <a:lstStyle/>
+          <a:p>
+            <a:pPr>
+              <a:lnSpc>
+                <a:spcPct val="150000"/>
+              </a:lnSpc>
+            </a:pPr>
+            <a:r>
+              <a:rPr lang="ko-KR" altLang="en-US" sz="1400" dirty="0"/>
+              <a:t>시작</a:t>
+            </a:r>
+            <a:r>
+              <a:rPr lang="en-US" altLang="ko-KR" sz="1400" dirty="0"/>
+              <a:t>/</a:t>
+            </a:r>
+            <a:r>
+              <a:rPr lang="ko-KR" altLang="en-US" sz="1400" dirty="0"/>
+              <a:t>정지 추가</a:t>
+            </a:r>
+            <a:endParaRPr lang="en-US" altLang="ko-KR" sz="1400" dirty="0"/>
+          </a:p>
+          <a:p>
+            <a:pPr>
+              <a:lnSpc>
+                <a:spcPct val="150000"/>
+              </a:lnSpc>
+            </a:pPr>
+            <a:r>
+              <a:rPr lang="en-US" altLang="ko-KR" sz="1400" dirty="0"/>
+              <a:t>UI-SJN-01-001U.html </a:t>
+            </a:r>
+            <a:r>
+              <a:rPr lang="ko-KR" altLang="en-US" sz="1400" dirty="0"/>
+              <a:t>참고</a:t>
+            </a:r>
+          </a:p>
+        </p:txBody>
+      </p:sp>
+      <p:pic>
+        <p:nvPicPr>
+          <p:cNvPr id="19" name="그림 18">
+            <a:extLst>
+              <a:ext uri="{FF2B5EF4-FFF2-40B4-BE49-F238E27FC236}">
+                <a16:creationId xmlns:a16="http://schemas.microsoft.com/office/drawing/2014/main" id="{19228B63-46A2-6151-EA2B-4A6C4E1C97C7}"/>
+              </a:ext>
+            </a:extLst>
+          </p:cNvPr>
+          <p:cNvPicPr>
+            <a:picLocks noChangeAspect="1"/>
+          </p:cNvPicPr>
+          <p:nvPr/>
+        </p:nvPicPr>
+        <p:blipFill>
+          <a:blip r:embed="rId5"/>
+          <a:stretch>
+            <a:fillRect/>
+          </a:stretch>
+        </p:blipFill>
+        <p:spPr>
+          <a:xfrm>
+            <a:off x="540697" y="4152502"/>
+            <a:ext cx="3410426" cy="543001"/>
+          </a:xfrm>
+          <a:prstGeom prst="rect">
+            <a:avLst/>
+          </a:prstGeom>
+        </p:spPr>
+      </p:pic>
       <p:cxnSp>
         <p:nvCxnSpPr>
-          <p:cNvPr id="8" name="직선 화살표 연결선 7">
-            <a:extLst>
-              <a:ext uri="{FF2B5EF4-FFF2-40B4-BE49-F238E27FC236}">
-                <a16:creationId xmlns:a16="http://schemas.microsoft.com/office/drawing/2014/main" id="{904F1F86-698F-66B5-EBD6-1149A2A0E002}"/>
+          <p:cNvPr id="20" name="직선 연결선 19">
+            <a:extLst>
+              <a:ext uri="{FF2B5EF4-FFF2-40B4-BE49-F238E27FC236}">
+                <a16:creationId xmlns:a16="http://schemas.microsoft.com/office/drawing/2014/main" id="{31A57D32-21B1-D932-5AE2-4E4F3C0DF261}"/>
               </a:ext>
             </a:extLst>
           </p:cNvPr>
@@ -4170,16 +3485,13 @@
           <p:nvPr/>
         </p:nvCxnSpPr>
         <p:spPr>
-          <a:xfrm flipH="1">
-            <a:off x="4161362" y="1158096"/>
-            <a:ext cx="884167" cy="0"/>
-          </a:xfrm>
-          <a:prstGeom prst="straightConnector1">
-            <a:avLst/>
-          </a:prstGeom>
-          <a:ln>
-            <a:tailEnd type="triangle"/>
-          </a:ln>
+          <a:xfrm>
+            <a:off x="540697" y="3996243"/>
+            <a:ext cx="10995439" cy="0"/>
+          </a:xfrm>
+          <a:prstGeom prst="line">
+            <a:avLst/>
+          </a:prstGeom>
         </p:spPr>
         <p:style>
           <a:lnRef idx="1">
@@ -4196,12 +3508,72 @@
           </a:fontRef>
         </p:style>
       </p:cxnSp>
-      <p:sp>
-        <p:nvSpPr>
-          <p:cNvPr id="9" name="TextBox 8">
-            <a:extLst>
-              <a:ext uri="{FF2B5EF4-FFF2-40B4-BE49-F238E27FC236}">
-                <a16:creationId xmlns:a16="http://schemas.microsoft.com/office/drawing/2014/main" id="{C11E8480-5727-B782-24C2-73B2AFBD0BDE}"/>
+      <p:pic>
+        <p:nvPicPr>
+          <p:cNvPr id="21" name="그림 20">
+            <a:extLst>
+              <a:ext uri="{FF2B5EF4-FFF2-40B4-BE49-F238E27FC236}">
+                <a16:creationId xmlns:a16="http://schemas.microsoft.com/office/drawing/2014/main" id="{DDA2D4B6-5C80-2467-2FF9-AA63A66291C2}"/>
+              </a:ext>
+            </a:extLst>
+          </p:cNvPr>
+          <p:cNvPicPr>
+            <a:picLocks noChangeAspect="1"/>
+          </p:cNvPicPr>
+          <p:nvPr/>
+        </p:nvPicPr>
+        <p:blipFill>
+          <a:blip r:embed="rId6"/>
+          <a:stretch>
+            <a:fillRect/>
+          </a:stretch>
+        </p:blipFill>
+        <p:spPr>
+          <a:xfrm>
+            <a:off x="4338544" y="4171962"/>
+            <a:ext cx="1543265" cy="209579"/>
+          </a:xfrm>
+          <a:prstGeom prst="rect">
+            <a:avLst/>
+          </a:prstGeom>
+        </p:spPr>
+      </p:pic>
+      <p:pic>
+        <p:nvPicPr>
+          <p:cNvPr id="22" name="그림 21">
+            <a:extLst>
+              <a:ext uri="{FF2B5EF4-FFF2-40B4-BE49-F238E27FC236}">
+                <a16:creationId xmlns:a16="http://schemas.microsoft.com/office/drawing/2014/main" id="{66B248D5-3406-E50F-DDC3-D059B6FC754F}"/>
+              </a:ext>
+            </a:extLst>
+          </p:cNvPr>
+          <p:cNvPicPr>
+            <a:picLocks noChangeAspect="1"/>
+          </p:cNvPicPr>
+          <p:nvPr/>
+        </p:nvPicPr>
+        <p:blipFill>
+          <a:blip r:embed="rId7"/>
+          <a:stretch>
+            <a:fillRect/>
+          </a:stretch>
+        </p:blipFill>
+        <p:spPr>
+          <a:xfrm>
+            <a:off x="4338544" y="4591886"/>
+            <a:ext cx="3982006" cy="1343212"/>
+          </a:xfrm>
+          <a:prstGeom prst="rect">
+            <a:avLst/>
+          </a:prstGeom>
+        </p:spPr>
+      </p:pic>
+      <p:sp>
+        <p:nvSpPr>
+          <p:cNvPr id="23" name="TextBox 22">
+            <a:extLst>
+              <a:ext uri="{FF2B5EF4-FFF2-40B4-BE49-F238E27FC236}">
+                <a16:creationId xmlns:a16="http://schemas.microsoft.com/office/drawing/2014/main" id="{E5FAD1BC-23A9-ADD2-263C-C6F16E8BD87B}"/>
               </a:ext>
             </a:extLst>
           </p:cNvPr>
@@ -4210,8 +3582,8 @@
         </p:nvSpPr>
         <p:spPr>
           <a:xfrm>
-            <a:off x="5059213" y="1004207"/>
-            <a:ext cx="2949846" cy="954107"/>
+            <a:off x="8844147" y="4969025"/>
+            <a:ext cx="2335896" cy="307777"/>
           </a:xfrm>
           <a:prstGeom prst="rect">
             <a:avLst/>
@@ -4225,187 +3597,20 @@
           <a:lstStyle/>
           <a:p>
             <a:r>
-              <a:rPr lang="ko-KR" altLang="en-US" sz="1400" dirty="0" err="1"/>
-              <a:t>토글</a:t>
+              <a:rPr lang="en-US" altLang="ko-KR" sz="1400" dirty="0"/>
+              <a:t>UI-SJN-01-001U.html </a:t>
             </a:r>
             <a:r>
               <a:rPr lang="ko-KR" altLang="en-US" sz="1400" dirty="0"/>
-              <a:t> 버튼 타이틀 추가</a:t>
-            </a:r>
-            <a:endParaRPr lang="en-US" altLang="ko-KR" sz="1400" dirty="0"/>
-          </a:p>
-          <a:p>
-            <a:endParaRPr lang="en-US" altLang="ko-KR" sz="1400" dirty="0"/>
-          </a:p>
-          <a:p>
-            <a:r>
-              <a:rPr lang="en-US" altLang="ko-KR" sz="1400" dirty="0"/>
-              <a:t>“</a:t>
-            </a:r>
-            <a:r>
-              <a:rPr lang="ko-KR" altLang="en-US" sz="1400" dirty="0" err="1"/>
-              <a:t>금강보행교</a:t>
-            </a:r>
-            <a:r>
-              <a:rPr lang="ko-KR" altLang="en-US" sz="1400" dirty="0"/>
-              <a:t> 상세정보 닫힘</a:t>
-            </a:r>
-            <a:r>
-              <a:rPr lang="en-US" altLang="ko-KR" sz="1400" dirty="0"/>
-              <a:t>“ (</a:t>
-            </a:r>
-            <a:r>
-              <a:rPr lang="ko-KR" altLang="en-US" sz="1400" dirty="0"/>
-              <a:t>기본</a:t>
-            </a:r>
-            <a:r>
-              <a:rPr lang="en-US" altLang="ko-KR" sz="1400" dirty="0"/>
-              <a:t>)</a:t>
-            </a:r>
-          </a:p>
-          <a:p>
-            <a:r>
-              <a:rPr lang="en-US" altLang="ko-KR" sz="1400" dirty="0"/>
-              <a:t>“</a:t>
-            </a:r>
-            <a:r>
-              <a:rPr lang="ko-KR" altLang="en-US" sz="1400" dirty="0" err="1"/>
-              <a:t>금강보행교</a:t>
-            </a:r>
-            <a:r>
-              <a:rPr lang="ko-KR" altLang="en-US" sz="1400" dirty="0"/>
-              <a:t> 상세정보 열림</a:t>
-            </a:r>
-            <a:r>
-              <a:rPr lang="en-US" altLang="ko-KR" sz="1400" dirty="0"/>
-              <a:t>“</a:t>
-            </a:r>
-          </a:p>
-        </p:txBody>
-      </p:sp>
-      <p:pic>
-        <p:nvPicPr>
-          <p:cNvPr id="11" name="그림 10">
-            <a:extLst>
-              <a:ext uri="{FF2B5EF4-FFF2-40B4-BE49-F238E27FC236}">
-                <a16:creationId xmlns:a16="http://schemas.microsoft.com/office/drawing/2014/main" id="{ABFB56BA-71AE-5B94-B306-DC562FA3C41D}"/>
-              </a:ext>
-            </a:extLst>
-          </p:cNvPr>
-          <p:cNvPicPr>
-            <a:picLocks noChangeAspect="1"/>
-          </p:cNvPicPr>
-          <p:nvPr/>
-        </p:nvPicPr>
-        <p:blipFill>
-          <a:blip r:embed="rId3"/>
-          <a:stretch>
-            <a:fillRect/>
-          </a:stretch>
-        </p:blipFill>
-        <p:spPr>
-          <a:xfrm>
-            <a:off x="1241631" y="3858943"/>
-            <a:ext cx="2664208" cy="2256107"/>
-          </a:xfrm>
-          <a:prstGeom prst="rect">
-            <a:avLst/>
-          </a:prstGeom>
-        </p:spPr>
-      </p:pic>
-      <p:pic>
-        <p:nvPicPr>
-          <p:cNvPr id="17" name="그림 16">
-            <a:extLst>
-              <a:ext uri="{FF2B5EF4-FFF2-40B4-BE49-F238E27FC236}">
-                <a16:creationId xmlns:a16="http://schemas.microsoft.com/office/drawing/2014/main" id="{9408521A-C6A2-6A23-7641-1BE5BEEAEF5F}"/>
-              </a:ext>
-            </a:extLst>
-          </p:cNvPr>
-          <p:cNvPicPr>
-            <a:picLocks noChangeAspect="1"/>
-          </p:cNvPicPr>
-          <p:nvPr/>
-        </p:nvPicPr>
-        <p:blipFill>
-          <a:blip r:embed="rId4"/>
-          <a:stretch>
-            <a:fillRect/>
-          </a:stretch>
-        </p:blipFill>
-        <p:spPr>
-          <a:xfrm>
-            <a:off x="5045529" y="3937121"/>
-            <a:ext cx="3991532" cy="1514686"/>
-          </a:xfrm>
-          <a:prstGeom prst="rect">
-            <a:avLst/>
-          </a:prstGeom>
-        </p:spPr>
-      </p:pic>
-      <p:sp>
-        <p:nvSpPr>
-          <p:cNvPr id="18" name="TextBox 17">
-            <a:extLst>
-              <a:ext uri="{FF2B5EF4-FFF2-40B4-BE49-F238E27FC236}">
-                <a16:creationId xmlns:a16="http://schemas.microsoft.com/office/drawing/2014/main" id="{9FDBD264-03EC-F4EC-578C-D1512B4CF80B}"/>
-              </a:ext>
-            </a:extLst>
-          </p:cNvPr>
-          <p:cNvSpPr txBox="1"/>
-          <p:nvPr/>
-        </p:nvSpPr>
-        <p:spPr>
-          <a:xfrm>
-            <a:off x="5309931" y="5932143"/>
-            <a:ext cx="2768707" cy="523220"/>
-          </a:xfrm>
-          <a:prstGeom prst="rect">
-            <a:avLst/>
-          </a:prstGeom>
-          <a:noFill/>
-        </p:spPr>
-        <p:txBody>
-          <a:bodyPr wrap="none" rtlCol="0">
-            <a:spAutoFit/>
-          </a:bodyPr>
-          <a:lstStyle/>
-          <a:p>
-            <a:r>
-              <a:rPr lang="ko-KR" altLang="en-US" sz="1400" dirty="0"/>
-              <a:t>방향키 </a:t>
-            </a:r>
-            <a:r>
-              <a:rPr lang="ko-KR" altLang="en-US" sz="1400" dirty="0" err="1"/>
-              <a:t>조작시</a:t>
-            </a:r>
-            <a:r>
-              <a:rPr lang="ko-KR" altLang="en-US" sz="1400" dirty="0"/>
-              <a:t> 가능하고 활성화 </a:t>
-            </a:r>
-            <a:endParaRPr lang="en-US" altLang="ko-KR" sz="1400" dirty="0"/>
-          </a:p>
-          <a:p>
-            <a:r>
-              <a:rPr lang="ko-KR" altLang="en-US" sz="1400" dirty="0"/>
-              <a:t>되도록 </a:t>
-            </a:r>
-            <a:r>
-              <a:rPr lang="ko-KR" altLang="en-US" sz="1400" dirty="0" err="1"/>
-              <a:t>해야합니다</a:t>
-            </a:r>
-            <a:r>
-              <a:rPr lang="en-US" altLang="ko-KR" sz="1400" dirty="0"/>
-              <a:t>.</a:t>
-            </a:r>
-            <a:endParaRPr lang="ko-KR" altLang="en-US" sz="1400" dirty="0"/>
+              <a:t>참고</a:t>
+            </a:r>
           </a:p>
         </p:txBody>
       </p:sp>
     </p:spTree>
     <p:extLst>
       <p:ext uri="{BB962C8B-B14F-4D97-AF65-F5344CB8AC3E}">
-        <p14:creationId xmlns:p14="http://schemas.microsoft.com/office/powerpoint/2010/main" val="1373438760"/>
+        <p14:creationId xmlns:p14="http://schemas.microsoft.com/office/powerpoint/2010/main" val="4111681464"/>
       </p:ext>
     </p:extLst>
   </p:cSld>
@@ -4437,7 +3642,7 @@
           <p:cNvPr id="3" name="그림 2">
             <a:extLst>
               <a:ext uri="{FF2B5EF4-FFF2-40B4-BE49-F238E27FC236}">
-                <a16:creationId xmlns:a16="http://schemas.microsoft.com/office/drawing/2014/main" id="{7ED3E355-C3C3-3C39-E706-84598A098199}"/>
+                <a16:creationId xmlns:a16="http://schemas.microsoft.com/office/drawing/2014/main" id="{12AF879D-AEB5-0B91-3401-9FB47E728A8C}"/>
               </a:ext>
             </a:extLst>
           </p:cNvPr>
@@ -4454,20 +3659,80 @@
         </p:blipFill>
         <p:spPr>
           <a:xfrm>
-            <a:off x="527008" y="459837"/>
-            <a:ext cx="3839111" cy="1219370"/>
+            <a:off x="540697" y="471431"/>
+            <a:ext cx="2867425" cy="600159"/>
           </a:xfrm>
           <a:prstGeom prst="rect">
             <a:avLst/>
           </a:prstGeom>
         </p:spPr>
       </p:pic>
-      <p:sp>
-        <p:nvSpPr>
-          <p:cNvPr id="4" name="TextBox 3">
-            <a:extLst>
-              <a:ext uri="{FF2B5EF4-FFF2-40B4-BE49-F238E27FC236}">
-                <a16:creationId xmlns:a16="http://schemas.microsoft.com/office/drawing/2014/main" id="{09962C56-CA3D-EC3C-C7C2-50DA0E95F409}"/>
+      <p:pic>
+        <p:nvPicPr>
+          <p:cNvPr id="4" name="그림 3">
+            <a:extLst>
+              <a:ext uri="{FF2B5EF4-FFF2-40B4-BE49-F238E27FC236}">
+                <a16:creationId xmlns:a16="http://schemas.microsoft.com/office/drawing/2014/main" id="{6DB8B61E-302F-DD4F-01A9-8756098BFAC6}"/>
+              </a:ext>
+            </a:extLst>
+          </p:cNvPr>
+          <p:cNvPicPr>
+            <a:picLocks noChangeAspect="1"/>
+          </p:cNvPicPr>
+          <p:nvPr/>
+        </p:nvPicPr>
+        <p:blipFill>
+          <a:blip r:embed="rId3"/>
+          <a:stretch>
+            <a:fillRect/>
+          </a:stretch>
+        </p:blipFill>
+        <p:spPr>
+          <a:xfrm>
+            <a:off x="4128074" y="484251"/>
+            <a:ext cx="2857899" cy="171474"/>
+          </a:xfrm>
+          <a:prstGeom prst="rect">
+            <a:avLst/>
+          </a:prstGeom>
+        </p:spPr>
+      </p:pic>
+      <p:pic>
+        <p:nvPicPr>
+          <p:cNvPr id="5" name="그림 4">
+            <a:extLst>
+              <a:ext uri="{FF2B5EF4-FFF2-40B4-BE49-F238E27FC236}">
+                <a16:creationId xmlns:a16="http://schemas.microsoft.com/office/drawing/2014/main" id="{04411DC6-6327-659C-351D-08DFA673C66D}"/>
+              </a:ext>
+            </a:extLst>
+          </p:cNvPr>
+          <p:cNvPicPr>
+            <a:picLocks noChangeAspect="1"/>
+          </p:cNvPicPr>
+          <p:nvPr/>
+        </p:nvPicPr>
+        <p:blipFill>
+          <a:blip r:embed="rId4"/>
+          <a:stretch>
+            <a:fillRect/>
+          </a:stretch>
+        </p:blipFill>
+        <p:spPr>
+          <a:xfrm>
+            <a:off x="4127487" y="856465"/>
+            <a:ext cx="6249272" cy="2000529"/>
+          </a:xfrm>
+          <a:prstGeom prst="rect">
+            <a:avLst/>
+          </a:prstGeom>
+        </p:spPr>
+      </p:pic>
+      <p:sp>
+        <p:nvSpPr>
+          <p:cNvPr id="6" name="TextBox 5">
+            <a:extLst>
+              <a:ext uri="{FF2B5EF4-FFF2-40B4-BE49-F238E27FC236}">
+                <a16:creationId xmlns:a16="http://schemas.microsoft.com/office/drawing/2014/main" id="{41428220-D525-9097-20CD-C1CBB753A1DC}"/>
               </a:ext>
             </a:extLst>
           </p:cNvPr>
@@ -4476,8 +3741,8 @@
         </p:nvSpPr>
         <p:spPr>
           <a:xfrm>
-            <a:off x="5108199" y="832757"/>
-            <a:ext cx="3181448" cy="307777"/>
+            <a:off x="8914509" y="371183"/>
+            <a:ext cx="2335896" cy="307777"/>
           </a:xfrm>
           <a:prstGeom prst="rect">
             <a:avLst/>
@@ -4491,38 +3756,22 @@
           <a:lstStyle/>
           <a:p>
             <a:r>
-              <a:rPr lang="en-US" altLang="ko-KR" sz="1400" dirty="0" err="1"/>
-              <a:t>Href</a:t>
-            </a:r>
-            <a:r>
               <a:rPr lang="en-US" altLang="ko-KR" sz="1400" dirty="0"/>
-              <a:t>=“</a:t>
-            </a:r>
-            <a:r>
-              <a:rPr lang="en-US" altLang="ko-KR" sz="1400" dirty="0" err="1"/>
-              <a:t>javascript:void</a:t>
-            </a:r>
-            <a:r>
-              <a:rPr lang="en-US" altLang="ko-KR" sz="1400" dirty="0"/>
-              <a:t>(0);” </a:t>
+              <a:t>UI-SJN-01-001U.html </a:t>
             </a:r>
             <a:r>
               <a:rPr lang="ko-KR" altLang="en-US" sz="1400" dirty="0"/>
-              <a:t>넣어주세요</a:t>
-            </a:r>
-            <a:r>
-              <a:rPr lang="en-US" altLang="ko-KR" sz="1400" dirty="0"/>
-              <a:t>.</a:t>
+              <a:t>참고</a:t>
             </a:r>
           </a:p>
         </p:txBody>
       </p:sp>
       <p:cxnSp>
         <p:nvCxnSpPr>
-          <p:cNvPr id="5" name="직선 연결선 4">
-            <a:extLst>
-              <a:ext uri="{FF2B5EF4-FFF2-40B4-BE49-F238E27FC236}">
-                <a16:creationId xmlns:a16="http://schemas.microsoft.com/office/drawing/2014/main" id="{2CBD6ECF-BD80-8B94-E814-5077E69770E3}"/>
+          <p:cNvPr id="7" name="직선 연결선 6">
+            <a:extLst>
+              <a:ext uri="{FF2B5EF4-FFF2-40B4-BE49-F238E27FC236}">
+                <a16:creationId xmlns:a16="http://schemas.microsoft.com/office/drawing/2014/main" id="{3F28D411-CAA2-DCD5-FD9D-025509181614}"/>
               </a:ext>
             </a:extLst>
           </p:cNvPr>
@@ -4531,7 +3780,7 @@
         </p:nvCxnSpPr>
         <p:spPr>
           <a:xfrm>
-            <a:off x="540697" y="2082510"/>
+            <a:off x="579198" y="7124059"/>
             <a:ext cx="10995439" cy="0"/>
           </a:xfrm>
           <a:prstGeom prst="line">
@@ -4555,10 +3804,10 @@
       </p:cxnSp>
       <p:pic>
         <p:nvPicPr>
-          <p:cNvPr id="7" name="그림 6">
-            <a:extLst>
-              <a:ext uri="{FF2B5EF4-FFF2-40B4-BE49-F238E27FC236}">
-                <a16:creationId xmlns:a16="http://schemas.microsoft.com/office/drawing/2014/main" id="{793D2A07-C2B9-9A6C-6048-C8AAA449E106}"/>
+          <p:cNvPr id="8" name="그림 7">
+            <a:extLst>
+              <a:ext uri="{FF2B5EF4-FFF2-40B4-BE49-F238E27FC236}">
+                <a16:creationId xmlns:a16="http://schemas.microsoft.com/office/drawing/2014/main" id="{6C07F840-F0B2-1AE7-6B6D-4915DF934194}"/>
               </a:ext>
             </a:extLst>
           </p:cNvPr>
@@ -4568,15 +3817,15 @@
           <p:nvPr/>
         </p:nvPicPr>
         <p:blipFill>
-          <a:blip r:embed="rId3"/>
+          <a:blip r:embed="rId5"/>
           <a:stretch>
             <a:fillRect/>
           </a:stretch>
         </p:blipFill>
         <p:spPr>
           <a:xfrm>
-            <a:off x="540697" y="2324302"/>
-            <a:ext cx="3734321" cy="1400370"/>
+            <a:off x="371638" y="3240479"/>
+            <a:ext cx="3410426" cy="1448002"/>
           </a:xfrm>
           <a:prstGeom prst="rect">
             <a:avLst/>
@@ -4585,10 +3834,10 @@
       </p:pic>
       <p:sp>
         <p:nvSpPr>
-          <p:cNvPr id="8" name="TextBox 7">
-            <a:extLst>
-              <a:ext uri="{FF2B5EF4-FFF2-40B4-BE49-F238E27FC236}">
-                <a16:creationId xmlns:a16="http://schemas.microsoft.com/office/drawing/2014/main" id="{4EA4D0E4-8B3E-C97C-6699-F7D2AB9A6C31}"/>
+          <p:cNvPr id="9" name="TextBox 8">
+            <a:extLst>
+              <a:ext uri="{FF2B5EF4-FFF2-40B4-BE49-F238E27FC236}">
+                <a16:creationId xmlns:a16="http://schemas.microsoft.com/office/drawing/2014/main" id="{20CAEAD5-75D1-1F46-B064-9207C37BCAC4}"/>
               </a:ext>
             </a:extLst>
           </p:cNvPr>
@@ -4597,8 +3846,8 @@
         </p:nvSpPr>
         <p:spPr>
           <a:xfrm>
-            <a:off x="5108199" y="2792186"/>
-            <a:ext cx="3181448" cy="307777"/>
+            <a:off x="4504365" y="3441966"/>
+            <a:ext cx="4487126" cy="738664"/>
           </a:xfrm>
           <a:prstGeom prst="rect">
             <a:avLst/>
@@ -4612,52 +3861,119 @@
           <a:lstStyle/>
           <a:p>
             <a:r>
-              <a:rPr lang="en-US" altLang="ko-KR" sz="1400" dirty="0" err="1"/>
-              <a:t>Href</a:t>
-            </a:r>
-            <a:r>
-              <a:rPr lang="en-US" altLang="ko-KR" sz="1400" dirty="0"/>
-              <a:t>=“</a:t>
-            </a:r>
-            <a:r>
-              <a:rPr lang="en-US" altLang="ko-KR" sz="1400" dirty="0" err="1"/>
-              <a:t>javascript:void</a:t>
-            </a:r>
-            <a:r>
-              <a:rPr lang="en-US" altLang="ko-KR" sz="1400" dirty="0"/>
-              <a:t>(0);” </a:t>
-            </a:r>
-            <a:r>
               <a:rPr lang="ko-KR" altLang="en-US" sz="1400" dirty="0"/>
-              <a:t>넣어주세요</a:t>
+              <a:t>현재 차트 누르면 기상으로 이동합니다</a:t>
             </a:r>
             <a:r>
               <a:rPr lang="en-US" altLang="ko-KR" sz="1400" dirty="0"/>
               <a:t>.</a:t>
             </a:r>
           </a:p>
-        </p:txBody>
-      </p:sp>
+          <a:p>
+            <a:endParaRPr lang="en-US" altLang="ko-KR" sz="1400" dirty="0"/>
+          </a:p>
+          <a:p>
+            <a:r>
+              <a:rPr lang="ko-KR" altLang="en-US" sz="1400" dirty="0"/>
+              <a:t>버튼 추가해서 버튼 누르면 이동으로 </a:t>
+            </a:r>
+            <a:r>
+              <a:rPr lang="ko-KR" altLang="en-US" sz="1400" dirty="0" err="1"/>
+              <a:t>변경해야합니다</a:t>
+            </a:r>
+            <a:r>
+              <a:rPr lang="en-US" altLang="ko-KR" sz="1400" dirty="0"/>
+              <a:t>.</a:t>
+            </a:r>
+            <a:endParaRPr lang="ko-KR" altLang="en-US" sz="1400" dirty="0"/>
+          </a:p>
+        </p:txBody>
+      </p:sp>
+      <p:pic>
+        <p:nvPicPr>
+          <p:cNvPr id="10" name="그림 9">
+            <a:extLst>
+              <a:ext uri="{FF2B5EF4-FFF2-40B4-BE49-F238E27FC236}">
+                <a16:creationId xmlns:a16="http://schemas.microsoft.com/office/drawing/2014/main" id="{F10FF671-A76A-15C4-37F9-D0904C5E1F15}"/>
+              </a:ext>
+            </a:extLst>
+          </p:cNvPr>
+          <p:cNvPicPr>
+            <a:picLocks noChangeAspect="1"/>
+          </p:cNvPicPr>
+          <p:nvPr/>
+        </p:nvPicPr>
+        <p:blipFill>
+          <a:blip r:embed="rId6"/>
+          <a:stretch>
+            <a:fillRect/>
+          </a:stretch>
+        </p:blipFill>
+        <p:spPr>
+          <a:xfrm>
+            <a:off x="428524" y="5169409"/>
+            <a:ext cx="4146444" cy="1405978"/>
+          </a:xfrm>
+          <a:prstGeom prst="rect">
+            <a:avLst/>
+          </a:prstGeom>
+        </p:spPr>
+      </p:pic>
+      <p:pic>
+        <p:nvPicPr>
+          <p:cNvPr id="11" name="그림 10">
+            <a:extLst>
+              <a:ext uri="{FF2B5EF4-FFF2-40B4-BE49-F238E27FC236}">
+                <a16:creationId xmlns:a16="http://schemas.microsoft.com/office/drawing/2014/main" id="{A33F124D-4E1A-0A99-13C0-0B32E11A130D}"/>
+              </a:ext>
+            </a:extLst>
+          </p:cNvPr>
+          <p:cNvPicPr>
+            <a:picLocks noChangeAspect="1"/>
+          </p:cNvPicPr>
+          <p:nvPr/>
+        </p:nvPicPr>
+        <p:blipFill>
+          <a:blip r:embed="rId6"/>
+          <a:stretch>
+            <a:fillRect/>
+          </a:stretch>
+        </p:blipFill>
+        <p:spPr>
+          <a:xfrm>
+            <a:off x="6828775" y="5141309"/>
+            <a:ext cx="4146444" cy="1405978"/>
+          </a:xfrm>
+          <a:prstGeom prst="rect">
+            <a:avLst/>
+          </a:prstGeom>
+        </p:spPr>
+      </p:pic>
       <p:cxnSp>
         <p:nvCxnSpPr>
-          <p:cNvPr id="9" name="직선 연결선 8">
-            <a:extLst>
-              <a:ext uri="{FF2B5EF4-FFF2-40B4-BE49-F238E27FC236}">
-                <a16:creationId xmlns:a16="http://schemas.microsoft.com/office/drawing/2014/main" id="{AB6C7379-DEDD-DE51-5925-FE0A84039040}"/>
-              </a:ext>
-            </a:extLst>
-          </p:cNvPr>
-          <p:cNvCxnSpPr/>
+          <p:cNvPr id="12" name="직선 화살표 연결선 11">
+            <a:extLst>
+              <a:ext uri="{FF2B5EF4-FFF2-40B4-BE49-F238E27FC236}">
+                <a16:creationId xmlns:a16="http://schemas.microsoft.com/office/drawing/2014/main" id="{ABBC8CEE-C7DF-576E-285C-915C9BAC27E8}"/>
+              </a:ext>
+            </a:extLst>
+          </p:cNvPr>
+          <p:cNvCxnSpPr>
+            <a:cxnSpLocks/>
+          </p:cNvCxnSpPr>
           <p:nvPr/>
         </p:nvCxnSpPr>
         <p:spPr>
           <a:xfrm>
-            <a:off x="540697" y="4254210"/>
-            <a:ext cx="10995439" cy="0"/>
-          </a:xfrm>
-          <a:prstGeom prst="line">
-            <a:avLst/>
-          </a:prstGeom>
+            <a:off x="5165673" y="5685691"/>
+            <a:ext cx="1213323" cy="0"/>
+          </a:xfrm>
+          <a:prstGeom prst="straightConnector1">
+            <a:avLst/>
+          </a:prstGeom>
+          <a:ln>
+            <a:tailEnd type="triangle"/>
+          </a:ln>
         </p:spPr>
         <p:style>
           <a:lnRef idx="1">
@@ -4674,42 +3990,12 @@
           </a:fontRef>
         </p:style>
       </p:cxnSp>
-      <p:pic>
-        <p:nvPicPr>
-          <p:cNvPr id="11" name="그림 10">
-            <a:extLst>
-              <a:ext uri="{FF2B5EF4-FFF2-40B4-BE49-F238E27FC236}">
-                <a16:creationId xmlns:a16="http://schemas.microsoft.com/office/drawing/2014/main" id="{1DADFBA0-41F3-FAB0-AC63-A6175802A3D9}"/>
-              </a:ext>
-            </a:extLst>
-          </p:cNvPr>
-          <p:cNvPicPr>
-            <a:picLocks noChangeAspect="1"/>
-          </p:cNvPicPr>
-          <p:nvPr/>
-        </p:nvPicPr>
-        <p:blipFill>
-          <a:blip r:embed="rId4"/>
-          <a:stretch>
-            <a:fillRect/>
-          </a:stretch>
-        </p:blipFill>
-        <p:spPr>
-          <a:xfrm>
-            <a:off x="554304" y="4431733"/>
-            <a:ext cx="3391373" cy="1619476"/>
-          </a:xfrm>
-          <a:prstGeom prst="rect">
-            <a:avLst/>
-          </a:prstGeom>
-        </p:spPr>
-      </p:pic>
-      <p:sp>
-        <p:nvSpPr>
-          <p:cNvPr id="12" name="TextBox 11">
-            <a:extLst>
-              <a:ext uri="{FF2B5EF4-FFF2-40B4-BE49-F238E27FC236}">
-                <a16:creationId xmlns:a16="http://schemas.microsoft.com/office/drawing/2014/main" id="{70EE00F6-2FCC-C5B4-1D4A-9BD0CE5557DB}"/>
+      <p:sp>
+        <p:nvSpPr>
+          <p:cNvPr id="13" name="TextBox 12">
+            <a:extLst>
+              <a:ext uri="{FF2B5EF4-FFF2-40B4-BE49-F238E27FC236}">
+                <a16:creationId xmlns:a16="http://schemas.microsoft.com/office/drawing/2014/main" id="{482E7BB1-2D83-8BC0-7921-2B421E64D87A}"/>
               </a:ext>
             </a:extLst>
           </p:cNvPr>
@@ -4718,8 +4004,8 @@
         </p:nvSpPr>
         <p:spPr>
           <a:xfrm>
-            <a:off x="5108199" y="5012872"/>
-            <a:ext cx="3181448" cy="307777"/>
+            <a:off x="5249669" y="5926587"/>
+            <a:ext cx="902811" cy="307777"/>
           </a:xfrm>
           <a:prstGeom prst="rect">
             <a:avLst/>
@@ -4733,36 +4019,144 @@
           <a:lstStyle/>
           <a:p>
             <a:r>
-              <a:rPr lang="en-US" altLang="ko-KR" sz="1400" dirty="0" err="1"/>
-              <a:t>Href</a:t>
-            </a:r>
-            <a:r>
-              <a:rPr lang="en-US" altLang="ko-KR" sz="1400" dirty="0"/>
-              <a:t>=“</a:t>
-            </a:r>
-            <a:r>
-              <a:rPr lang="en-US" altLang="ko-KR" sz="1400" dirty="0" err="1"/>
-              <a:t>javascript:void</a:t>
-            </a:r>
-            <a:r>
-              <a:rPr lang="en-US" altLang="ko-KR" sz="1400" dirty="0"/>
-              <a:t>(0);” </a:t>
-            </a:r>
-            <a:r>
               <a:rPr lang="ko-KR" altLang="en-US" sz="1400" dirty="0"/>
-              <a:t>넣어주세요</a:t>
-            </a:r>
-            <a:r>
-              <a:rPr lang="en-US" altLang="ko-KR" sz="1400" dirty="0"/>
-              <a:t>.</a:t>
-            </a:r>
-          </a:p>
-        </p:txBody>
-      </p:sp>
+              <a:t>문법오류</a:t>
+            </a:r>
+          </a:p>
+        </p:txBody>
+      </p:sp>
+      <p:sp>
+        <p:nvSpPr>
+          <p:cNvPr id="14" name="직사각형 13">
+            <a:extLst>
+              <a:ext uri="{FF2B5EF4-FFF2-40B4-BE49-F238E27FC236}">
+                <a16:creationId xmlns:a16="http://schemas.microsoft.com/office/drawing/2014/main" id="{8F746128-4CEA-242C-102A-999C5463B25D}"/>
+              </a:ext>
+            </a:extLst>
+          </p:cNvPr>
+          <p:cNvSpPr/>
+          <p:nvPr/>
+        </p:nvSpPr>
+        <p:spPr>
+          <a:xfrm>
+            <a:off x="7084280" y="5401395"/>
+            <a:ext cx="563335" cy="130628"/>
+          </a:xfrm>
+          <a:prstGeom prst="rect">
+            <a:avLst/>
+          </a:prstGeom>
+        </p:spPr>
+        <p:style>
+          <a:lnRef idx="2">
+            <a:schemeClr val="accent1">
+              <a:shade val="50000"/>
+            </a:schemeClr>
+          </a:lnRef>
+          <a:fillRef idx="1">
+            <a:schemeClr val="accent1"/>
+          </a:fillRef>
+          <a:effectRef idx="0">
+            <a:schemeClr val="accent1"/>
+          </a:effectRef>
+          <a:fontRef idx="minor">
+            <a:schemeClr val="lt1"/>
+          </a:fontRef>
+        </p:style>
+        <p:txBody>
+          <a:bodyPr rtlCol="0" anchor="ctr"/>
+          <a:lstStyle/>
+          <a:p>
+            <a:pPr algn="ctr"/>
+            <a:endParaRPr lang="ko-KR" altLang="en-US"/>
+          </a:p>
+        </p:txBody>
+      </p:sp>
+      <p:sp>
+        <p:nvSpPr>
+          <p:cNvPr id="15" name="직사각형 14">
+            <a:extLst>
+              <a:ext uri="{FF2B5EF4-FFF2-40B4-BE49-F238E27FC236}">
+                <a16:creationId xmlns:a16="http://schemas.microsoft.com/office/drawing/2014/main" id="{DB99410C-5960-A911-B47C-4A15D181E463}"/>
+              </a:ext>
+            </a:extLst>
+          </p:cNvPr>
+          <p:cNvSpPr/>
+          <p:nvPr/>
+        </p:nvSpPr>
+        <p:spPr>
+          <a:xfrm>
+            <a:off x="7084280" y="5809609"/>
+            <a:ext cx="563335" cy="130628"/>
+          </a:xfrm>
+          <a:prstGeom prst="rect">
+            <a:avLst/>
+          </a:prstGeom>
+        </p:spPr>
+        <p:style>
+          <a:lnRef idx="2">
+            <a:schemeClr val="accent1">
+              <a:shade val="50000"/>
+            </a:schemeClr>
+          </a:lnRef>
+          <a:fillRef idx="1">
+            <a:schemeClr val="accent1"/>
+          </a:fillRef>
+          <a:effectRef idx="0">
+            <a:schemeClr val="accent1"/>
+          </a:effectRef>
+          <a:fontRef idx="minor">
+            <a:schemeClr val="lt1"/>
+          </a:fontRef>
+        </p:style>
+        <p:txBody>
+          <a:bodyPr rtlCol="0" anchor="ctr"/>
+          <a:lstStyle/>
+          <a:p>
+            <a:pPr algn="ctr"/>
+            <a:endParaRPr lang="ko-KR" altLang="en-US"/>
+          </a:p>
+        </p:txBody>
+      </p:sp>
+      <p:cxnSp>
+        <p:nvCxnSpPr>
+          <p:cNvPr id="16" name="직선 연결선 15">
+            <a:extLst>
+              <a:ext uri="{FF2B5EF4-FFF2-40B4-BE49-F238E27FC236}">
+                <a16:creationId xmlns:a16="http://schemas.microsoft.com/office/drawing/2014/main" id="{4CCC612A-B977-99AF-4497-A845210F6B1A}"/>
+              </a:ext>
+            </a:extLst>
+          </p:cNvPr>
+          <p:cNvCxnSpPr/>
+          <p:nvPr/>
+        </p:nvCxnSpPr>
+        <p:spPr>
+          <a:xfrm>
+            <a:off x="540697" y="3163805"/>
+            <a:ext cx="10995439" cy="0"/>
+          </a:xfrm>
+          <a:prstGeom prst="line">
+            <a:avLst/>
+          </a:prstGeom>
+        </p:spPr>
+        <p:style>
+          <a:lnRef idx="1">
+            <a:schemeClr val="accent1"/>
+          </a:lnRef>
+          <a:fillRef idx="0">
+            <a:schemeClr val="accent1"/>
+          </a:fillRef>
+          <a:effectRef idx="0">
+            <a:schemeClr val="accent1"/>
+          </a:effectRef>
+          <a:fontRef idx="minor">
+            <a:schemeClr val="tx1"/>
+          </a:fontRef>
+        </p:style>
+      </p:cxnSp>
     </p:spTree>
     <p:extLst>
       <p:ext uri="{BB962C8B-B14F-4D97-AF65-F5344CB8AC3E}">
-        <p14:creationId xmlns:p14="http://schemas.microsoft.com/office/powerpoint/2010/main" val="4128771136"/>
+        <p14:creationId xmlns:p14="http://schemas.microsoft.com/office/powerpoint/2010/main" val="1337393557"/>
       </p:ext>
     </p:extLst>
   </p:cSld>
@@ -4791,10 +4185,10 @@
       </p:grpSpPr>
       <p:pic>
         <p:nvPicPr>
-          <p:cNvPr id="10" name="그림 9">
-            <a:extLst>
-              <a:ext uri="{FF2B5EF4-FFF2-40B4-BE49-F238E27FC236}">
-                <a16:creationId xmlns:a16="http://schemas.microsoft.com/office/drawing/2014/main" id="{9CCC7B50-7215-AB82-B2DB-8F457FE87F8C}"/>
+          <p:cNvPr id="16" name="그림 15">
+            <a:extLst>
+              <a:ext uri="{FF2B5EF4-FFF2-40B4-BE49-F238E27FC236}">
+                <a16:creationId xmlns:a16="http://schemas.microsoft.com/office/drawing/2014/main" id="{2CD17F5D-15F8-8B8E-9587-86DA6882BFD0}"/>
               </a:ext>
             </a:extLst>
           </p:cNvPr>
@@ -4811,20 +4205,60 @@
         </p:blipFill>
         <p:spPr>
           <a:xfrm>
-            <a:off x="540697" y="618430"/>
-            <a:ext cx="1152686" cy="504895"/>
+            <a:off x="574519" y="345608"/>
+            <a:ext cx="3439005" cy="2143424"/>
           </a:xfrm>
           <a:prstGeom prst="rect">
             <a:avLst/>
           </a:prstGeom>
         </p:spPr>
       </p:pic>
+      <p:sp>
+        <p:nvSpPr>
+          <p:cNvPr id="17" name="TextBox 16">
+            <a:extLst>
+              <a:ext uri="{FF2B5EF4-FFF2-40B4-BE49-F238E27FC236}">
+                <a16:creationId xmlns:a16="http://schemas.microsoft.com/office/drawing/2014/main" id="{9642DCA7-DF95-10F2-09D5-256CC381DB56}"/>
+              </a:ext>
+            </a:extLst>
+          </p:cNvPr>
+          <p:cNvSpPr txBox="1"/>
+          <p:nvPr/>
+        </p:nvSpPr>
+        <p:spPr>
+          <a:xfrm>
+            <a:off x="4651849" y="905243"/>
+            <a:ext cx="3768980" cy="307777"/>
+          </a:xfrm>
+          <a:prstGeom prst="rect">
+            <a:avLst/>
+          </a:prstGeom>
+          <a:noFill/>
+        </p:spPr>
+        <p:txBody>
+          <a:bodyPr wrap="none" rtlCol="0">
+            <a:spAutoFit/>
+          </a:bodyPr>
+          <a:lstStyle/>
+          <a:p>
+            <a:r>
+              <a:rPr lang="ko-KR" altLang="en-US" sz="1400" dirty="0"/>
+              <a:t>버튼 추가해서 버튼 누르면 이동하도록 변경</a:t>
+            </a:r>
+            <a:r>
+              <a:rPr lang="en-US" altLang="ko-KR" sz="1400" dirty="0"/>
+              <a:t>.</a:t>
+            </a:r>
+            <a:endParaRPr lang="ko-KR" altLang="en-US" sz="1400" dirty="0"/>
+          </a:p>
+        </p:txBody>
+      </p:sp>
       <p:pic>
         <p:nvPicPr>
-          <p:cNvPr id="11" name="그림 10">
-            <a:extLst>
-              <a:ext uri="{FF2B5EF4-FFF2-40B4-BE49-F238E27FC236}">
-                <a16:creationId xmlns:a16="http://schemas.microsoft.com/office/drawing/2014/main" id="{9F09A1BA-2AF2-BFCB-C038-7841AF5BA0E4}"/>
+          <p:cNvPr id="19" name="그림 18">
+            <a:extLst>
+              <a:ext uri="{FF2B5EF4-FFF2-40B4-BE49-F238E27FC236}">
+                <a16:creationId xmlns:a16="http://schemas.microsoft.com/office/drawing/2014/main" id="{F1EF7E27-29D4-5722-0CFF-76BFB9BA0568}"/>
               </a:ext>
             </a:extLst>
           </p:cNvPr>
@@ -4841,59 +4275,20 @@
         </p:blipFill>
         <p:spPr>
           <a:xfrm>
-            <a:off x="4299283" y="709362"/>
-            <a:ext cx="1209844" cy="228632"/>
+            <a:off x="540697" y="3351892"/>
+            <a:ext cx="3419952" cy="1705213"/>
           </a:xfrm>
           <a:prstGeom prst="rect">
             <a:avLst/>
           </a:prstGeom>
         </p:spPr>
       </p:pic>
-      <p:sp>
-        <p:nvSpPr>
-          <p:cNvPr id="16" name="TextBox 15">
-            <a:extLst>
-              <a:ext uri="{FF2B5EF4-FFF2-40B4-BE49-F238E27FC236}">
-                <a16:creationId xmlns:a16="http://schemas.microsoft.com/office/drawing/2014/main" id="{75B6845A-6C52-3876-8A96-E3D3794195F3}"/>
-              </a:ext>
-            </a:extLst>
-          </p:cNvPr>
-          <p:cNvSpPr txBox="1"/>
-          <p:nvPr/>
-        </p:nvSpPr>
-        <p:spPr>
-          <a:xfrm>
-            <a:off x="7770120" y="709362"/>
-            <a:ext cx="1054135" cy="307777"/>
-          </a:xfrm>
-          <a:prstGeom prst="rect">
-            <a:avLst/>
-          </a:prstGeom>
-          <a:noFill/>
-        </p:spPr>
-        <p:txBody>
-          <a:bodyPr wrap="none" rtlCol="0">
-            <a:spAutoFit/>
-          </a:bodyPr>
-          <a:lstStyle/>
-          <a:p>
-            <a:r>
-              <a:rPr lang="en-US" altLang="ko-KR" sz="1400" dirty="0"/>
-              <a:t>#root </a:t>
-            </a:r>
-            <a:r>
-              <a:rPr lang="ko-KR" altLang="en-US" sz="1400" dirty="0"/>
-              <a:t>추가</a:t>
-            </a:r>
-          </a:p>
-        </p:txBody>
-      </p:sp>
       <p:pic>
         <p:nvPicPr>
-          <p:cNvPr id="20" name="그림 19">
-            <a:extLst>
-              <a:ext uri="{FF2B5EF4-FFF2-40B4-BE49-F238E27FC236}">
-                <a16:creationId xmlns:a16="http://schemas.microsoft.com/office/drawing/2014/main" id="{C13C5065-7C55-48E5-059B-845428C6AD0E}"/>
+          <p:cNvPr id="22" name="그림 21">
+            <a:extLst>
+              <a:ext uri="{FF2B5EF4-FFF2-40B4-BE49-F238E27FC236}">
+                <a16:creationId xmlns:a16="http://schemas.microsoft.com/office/drawing/2014/main" id="{3B2095A7-7AC3-4096-55D6-D4A70567BE74}"/>
               </a:ext>
             </a:extLst>
           </p:cNvPr>
@@ -4910,20 +4305,59 @@
         </p:blipFill>
         <p:spPr>
           <a:xfrm>
-            <a:off x="540697" y="2138318"/>
-            <a:ext cx="3829584" cy="638264"/>
+            <a:off x="4505103" y="3429000"/>
+            <a:ext cx="3181794" cy="1457528"/>
           </a:xfrm>
           <a:prstGeom prst="rect">
             <a:avLst/>
           </a:prstGeom>
         </p:spPr>
       </p:pic>
+      <p:sp>
+        <p:nvSpPr>
+          <p:cNvPr id="23" name="TextBox 22">
+            <a:extLst>
+              <a:ext uri="{FF2B5EF4-FFF2-40B4-BE49-F238E27FC236}">
+                <a16:creationId xmlns:a16="http://schemas.microsoft.com/office/drawing/2014/main" id="{870CC76E-54C3-6600-271B-3E8939051A33}"/>
+              </a:ext>
+            </a:extLst>
+          </p:cNvPr>
+          <p:cNvSpPr txBox="1"/>
+          <p:nvPr/>
+        </p:nvSpPr>
+        <p:spPr>
+          <a:xfrm>
+            <a:off x="7921609" y="4003875"/>
+            <a:ext cx="1326004" cy="307777"/>
+          </a:xfrm>
+          <a:prstGeom prst="rect">
+            <a:avLst/>
+          </a:prstGeom>
+          <a:noFill/>
+        </p:spPr>
+        <p:txBody>
+          <a:bodyPr wrap="none" rtlCol="0">
+            <a:spAutoFit/>
+          </a:bodyPr>
+          <a:lstStyle/>
+          <a:p>
+            <a:r>
+              <a:rPr lang="en-US" altLang="ko-KR" sz="1400" dirty="0"/>
+              <a:t>A </a:t>
+            </a:r>
+            <a:r>
+              <a:rPr lang="ko-KR" altLang="en-US" sz="1400" dirty="0"/>
+              <a:t>태그로 변경</a:t>
+            </a:r>
+          </a:p>
+        </p:txBody>
+      </p:sp>
       <p:cxnSp>
         <p:nvCxnSpPr>
-          <p:cNvPr id="21" name="직선 연결선 20">
-            <a:extLst>
-              <a:ext uri="{FF2B5EF4-FFF2-40B4-BE49-F238E27FC236}">
-                <a16:creationId xmlns:a16="http://schemas.microsoft.com/office/drawing/2014/main" id="{47137473-6588-44C2-73C1-AD02810B924D}"/>
+          <p:cNvPr id="24" name="직선 연결선 23">
+            <a:extLst>
+              <a:ext uri="{FF2B5EF4-FFF2-40B4-BE49-F238E27FC236}">
+                <a16:creationId xmlns:a16="http://schemas.microsoft.com/office/drawing/2014/main" id="{CA5A93E4-6BE4-8EDD-972A-EF2BEBAA83A4}"/>
               </a:ext>
             </a:extLst>
           </p:cNvPr>
@@ -4932,7 +4366,7 @@
         </p:nvCxnSpPr>
         <p:spPr>
           <a:xfrm>
-            <a:off x="540697" y="1715117"/>
+            <a:off x="540697" y="2952049"/>
             <a:ext cx="10995439" cy="0"/>
           </a:xfrm>
           <a:prstGeom prst="line">
@@ -4954,65 +4388,10 @@
           </a:fontRef>
         </p:style>
       </p:cxnSp>
-      <p:sp>
-        <p:nvSpPr>
-          <p:cNvPr id="22" name="TextBox 21">
-            <a:extLst>
-              <a:ext uri="{FF2B5EF4-FFF2-40B4-BE49-F238E27FC236}">
-                <a16:creationId xmlns:a16="http://schemas.microsoft.com/office/drawing/2014/main" id="{48516B44-64A3-E35F-74A4-475CDE4EE13F}"/>
-              </a:ext>
-            </a:extLst>
-          </p:cNvPr>
-          <p:cNvSpPr txBox="1"/>
-          <p:nvPr/>
-        </p:nvSpPr>
-        <p:spPr>
-          <a:xfrm>
-            <a:off x="6406321" y="2259207"/>
-            <a:ext cx="3181448" cy="307777"/>
-          </a:xfrm>
-          <a:prstGeom prst="rect">
-            <a:avLst/>
-          </a:prstGeom>
-          <a:noFill/>
-        </p:spPr>
-        <p:txBody>
-          <a:bodyPr wrap="none" rtlCol="0">
-            <a:spAutoFit/>
-          </a:bodyPr>
-          <a:lstStyle/>
-          <a:p>
-            <a:r>
-              <a:rPr lang="en-US" altLang="ko-KR" sz="1400" dirty="0" err="1"/>
-              <a:t>Href</a:t>
-            </a:r>
-            <a:r>
-              <a:rPr lang="en-US" altLang="ko-KR" sz="1400" dirty="0"/>
-              <a:t>=“</a:t>
-            </a:r>
-            <a:r>
-              <a:rPr lang="en-US" altLang="ko-KR" sz="1400" dirty="0" err="1"/>
-              <a:t>javascript:void</a:t>
-            </a:r>
-            <a:r>
-              <a:rPr lang="en-US" altLang="ko-KR" sz="1400" dirty="0"/>
-              <a:t>(0);” </a:t>
-            </a:r>
-            <a:r>
-              <a:rPr lang="ko-KR" altLang="en-US" sz="1400" dirty="0"/>
-              <a:t>넣어주세요</a:t>
-            </a:r>
-            <a:r>
-              <a:rPr lang="en-US" altLang="ko-KR" sz="1400" dirty="0"/>
-              <a:t>.</a:t>
-            </a:r>
-          </a:p>
-        </p:txBody>
-      </p:sp>
     </p:spTree>
     <p:extLst>
       <p:ext uri="{BB962C8B-B14F-4D97-AF65-F5344CB8AC3E}">
-        <p14:creationId xmlns:p14="http://schemas.microsoft.com/office/powerpoint/2010/main" val="337830621"/>
+        <p14:creationId xmlns:p14="http://schemas.microsoft.com/office/powerpoint/2010/main" val="2623193141"/>
       </p:ext>
     </p:extLst>
   </p:cSld>
@@ -5039,10 +4418,645 @@
           <a:chExt cx="0" cy="0"/>
         </a:xfrm>
       </p:grpSpPr>
+      <p:pic>
+        <p:nvPicPr>
+          <p:cNvPr id="4" name="그림 3">
+            <a:extLst>
+              <a:ext uri="{FF2B5EF4-FFF2-40B4-BE49-F238E27FC236}">
+                <a16:creationId xmlns:a16="http://schemas.microsoft.com/office/drawing/2014/main" id="{2F3F882E-646B-09A7-B020-CD57BE7DA5DF}"/>
+              </a:ext>
+            </a:extLst>
+          </p:cNvPr>
+          <p:cNvPicPr>
+            <a:picLocks noChangeAspect="1"/>
+          </p:cNvPicPr>
+          <p:nvPr/>
+        </p:nvPicPr>
+        <p:blipFill>
+          <a:blip r:embed="rId2"/>
+          <a:stretch>
+            <a:fillRect/>
+          </a:stretch>
+        </p:blipFill>
+        <p:spPr>
+          <a:xfrm>
+            <a:off x="299803" y="816396"/>
+            <a:ext cx="2257740" cy="457264"/>
+          </a:xfrm>
+          <a:prstGeom prst="rect">
+            <a:avLst/>
+          </a:prstGeom>
+        </p:spPr>
+      </p:pic>
+      <p:pic>
+        <p:nvPicPr>
+          <p:cNvPr id="5" name="그림 4">
+            <a:extLst>
+              <a:ext uri="{FF2B5EF4-FFF2-40B4-BE49-F238E27FC236}">
+                <a16:creationId xmlns:a16="http://schemas.microsoft.com/office/drawing/2014/main" id="{6057AEB7-F4A1-79B6-0EF5-B4BB165CEE81}"/>
+              </a:ext>
+            </a:extLst>
+          </p:cNvPr>
+          <p:cNvPicPr>
+            <a:picLocks noChangeAspect="1"/>
+          </p:cNvPicPr>
+          <p:nvPr/>
+        </p:nvPicPr>
+        <p:blipFill>
+          <a:blip r:embed="rId3"/>
+          <a:stretch>
+            <a:fillRect/>
+          </a:stretch>
+        </p:blipFill>
+        <p:spPr>
+          <a:xfrm>
+            <a:off x="4242491" y="911659"/>
+            <a:ext cx="3086531" cy="266737"/>
+          </a:xfrm>
+          <a:prstGeom prst="rect">
+            <a:avLst/>
+          </a:prstGeom>
+        </p:spPr>
+      </p:pic>
+      <p:sp>
+        <p:nvSpPr>
+          <p:cNvPr id="6" name="TextBox 5">
+            <a:extLst>
+              <a:ext uri="{FF2B5EF4-FFF2-40B4-BE49-F238E27FC236}">
+                <a16:creationId xmlns:a16="http://schemas.microsoft.com/office/drawing/2014/main" id="{1B8F12D4-CB43-45F6-0416-5A69896E1C96}"/>
+              </a:ext>
+            </a:extLst>
+          </p:cNvPr>
+          <p:cNvSpPr txBox="1"/>
+          <p:nvPr/>
+        </p:nvSpPr>
+        <p:spPr>
+          <a:xfrm>
+            <a:off x="7632636" y="930600"/>
+            <a:ext cx="3624710" cy="738664"/>
+          </a:xfrm>
+          <a:prstGeom prst="rect">
+            <a:avLst/>
+          </a:prstGeom>
+          <a:noFill/>
+        </p:spPr>
+        <p:txBody>
+          <a:bodyPr wrap="none" rtlCol="0">
+            <a:spAutoFit/>
+          </a:bodyPr>
+          <a:lstStyle/>
+          <a:p>
+            <a:r>
+              <a:rPr lang="en-US" altLang="ko-KR" sz="1400" dirty="0"/>
+              <a:t>“</a:t>
+            </a:r>
+            <a:r>
+              <a:rPr lang="ko-KR" altLang="en-US" sz="1400" dirty="0"/>
+              <a:t>선별진료소 현황 업데이트 시간 </a:t>
+            </a:r>
+            <a:r>
+              <a:rPr lang="ko-KR" altLang="en-US" sz="1400" dirty="0" err="1"/>
+              <a:t>새로고침</a:t>
+            </a:r>
+            <a:r>
+              <a:rPr lang="en-US" altLang="ko-KR" sz="1400" dirty="0"/>
+              <a:t>”</a:t>
+            </a:r>
+          </a:p>
+          <a:p>
+            <a:endParaRPr lang="en-US" altLang="ko-KR" sz="1400" dirty="0"/>
+          </a:p>
+          <a:p>
+            <a:r>
+              <a:rPr lang="ko-KR" altLang="en-US" sz="1400" dirty="0" err="1"/>
+              <a:t>으로</a:t>
+            </a:r>
+            <a:r>
+              <a:rPr lang="ko-KR" altLang="en-US" sz="1400" dirty="0"/>
+              <a:t> 타이틀 변경</a:t>
+            </a:r>
+          </a:p>
+        </p:txBody>
+      </p:sp>
+      <p:cxnSp>
+        <p:nvCxnSpPr>
+          <p:cNvPr id="10" name="직선 연결선 9">
+            <a:extLst>
+              <a:ext uri="{FF2B5EF4-FFF2-40B4-BE49-F238E27FC236}">
+                <a16:creationId xmlns:a16="http://schemas.microsoft.com/office/drawing/2014/main" id="{80C68741-29C2-DA35-0C32-138D90E68B69}"/>
+              </a:ext>
+            </a:extLst>
+          </p:cNvPr>
+          <p:cNvCxnSpPr/>
+          <p:nvPr/>
+        </p:nvCxnSpPr>
+        <p:spPr>
+          <a:xfrm>
+            <a:off x="4833257" y="1020536"/>
+            <a:ext cx="2343150" cy="0"/>
+          </a:xfrm>
+          <a:prstGeom prst="line">
+            <a:avLst/>
+          </a:prstGeom>
+          <a:ln w="25400">
+            <a:solidFill>
+              <a:srgbClr val="FF0000"/>
+            </a:solidFill>
+          </a:ln>
+        </p:spPr>
+        <p:style>
+          <a:lnRef idx="1">
+            <a:schemeClr val="accent1"/>
+          </a:lnRef>
+          <a:fillRef idx="0">
+            <a:schemeClr val="accent1"/>
+          </a:fillRef>
+          <a:effectRef idx="0">
+            <a:schemeClr val="accent1"/>
+          </a:effectRef>
+          <a:fontRef idx="minor">
+            <a:schemeClr val="tx1"/>
+          </a:fontRef>
+        </p:style>
+      </p:cxnSp>
+      <p:cxnSp>
+        <p:nvCxnSpPr>
+          <p:cNvPr id="11" name="직선 연결선 10">
+            <a:extLst>
+              <a:ext uri="{FF2B5EF4-FFF2-40B4-BE49-F238E27FC236}">
+                <a16:creationId xmlns:a16="http://schemas.microsoft.com/office/drawing/2014/main" id="{E2CD489F-6464-1C16-7C15-622D680CEBF4}"/>
+              </a:ext>
+            </a:extLst>
+          </p:cNvPr>
+          <p:cNvCxnSpPr/>
+          <p:nvPr/>
+        </p:nvCxnSpPr>
+        <p:spPr>
+          <a:xfrm>
+            <a:off x="540697" y="2037650"/>
+            <a:ext cx="10995439" cy="0"/>
+          </a:xfrm>
+          <a:prstGeom prst="line">
+            <a:avLst/>
+          </a:prstGeom>
+        </p:spPr>
+        <p:style>
+          <a:lnRef idx="1">
+            <a:schemeClr val="accent1"/>
+          </a:lnRef>
+          <a:fillRef idx="0">
+            <a:schemeClr val="accent1"/>
+          </a:fillRef>
+          <a:effectRef idx="0">
+            <a:schemeClr val="accent1"/>
+          </a:effectRef>
+          <a:fontRef idx="minor">
+            <a:schemeClr val="tx1"/>
+          </a:fontRef>
+        </p:style>
+      </p:cxnSp>
+      <p:pic>
+        <p:nvPicPr>
+          <p:cNvPr id="12" name="그림 11">
+            <a:extLst>
+              <a:ext uri="{FF2B5EF4-FFF2-40B4-BE49-F238E27FC236}">
+                <a16:creationId xmlns:a16="http://schemas.microsoft.com/office/drawing/2014/main" id="{91543EFE-AFEB-8745-F708-F0B57D654B59}"/>
+              </a:ext>
+            </a:extLst>
+          </p:cNvPr>
+          <p:cNvPicPr>
+            <a:picLocks noChangeAspect="1"/>
+          </p:cNvPicPr>
+          <p:nvPr/>
+        </p:nvPicPr>
+        <p:blipFill>
+          <a:blip r:embed="rId4"/>
+          <a:stretch>
+            <a:fillRect/>
+          </a:stretch>
+        </p:blipFill>
+        <p:spPr>
+          <a:xfrm>
+            <a:off x="467133" y="2981263"/>
+            <a:ext cx="3353268" cy="447737"/>
+          </a:xfrm>
+          <a:prstGeom prst="rect">
+            <a:avLst/>
+          </a:prstGeom>
+        </p:spPr>
+      </p:pic>
+      <p:pic>
+        <p:nvPicPr>
+          <p:cNvPr id="13" name="그림 12">
+            <a:extLst>
+              <a:ext uri="{FF2B5EF4-FFF2-40B4-BE49-F238E27FC236}">
+                <a16:creationId xmlns:a16="http://schemas.microsoft.com/office/drawing/2014/main" id="{4DB72606-0F47-7497-DB30-B6CCAF5B2D84}"/>
+              </a:ext>
+            </a:extLst>
+          </p:cNvPr>
+          <p:cNvPicPr>
+            <a:picLocks noChangeAspect="1"/>
+          </p:cNvPicPr>
+          <p:nvPr/>
+        </p:nvPicPr>
+        <p:blipFill>
+          <a:blip r:embed="rId5"/>
+          <a:stretch>
+            <a:fillRect/>
+          </a:stretch>
+        </p:blipFill>
+        <p:spPr>
+          <a:xfrm>
+            <a:off x="419501" y="2266282"/>
+            <a:ext cx="3400900" cy="619211"/>
+          </a:xfrm>
+          <a:prstGeom prst="rect">
+            <a:avLst/>
+          </a:prstGeom>
+        </p:spPr>
+      </p:pic>
+      <p:pic>
+        <p:nvPicPr>
+          <p:cNvPr id="14" name="그림 13">
+            <a:extLst>
+              <a:ext uri="{FF2B5EF4-FFF2-40B4-BE49-F238E27FC236}">
+                <a16:creationId xmlns:a16="http://schemas.microsoft.com/office/drawing/2014/main" id="{00B056B6-ACFC-7E2F-B688-940C5C9F0A80}"/>
+              </a:ext>
+            </a:extLst>
+          </p:cNvPr>
+          <p:cNvPicPr>
+            <a:picLocks noChangeAspect="1"/>
+          </p:cNvPicPr>
+          <p:nvPr/>
+        </p:nvPicPr>
+        <p:blipFill>
+          <a:blip r:embed="rId6"/>
+          <a:stretch>
+            <a:fillRect/>
+          </a:stretch>
+        </p:blipFill>
+        <p:spPr>
+          <a:xfrm>
+            <a:off x="4299283" y="3068247"/>
+            <a:ext cx="1409897" cy="238158"/>
+          </a:xfrm>
+          <a:prstGeom prst="rect">
+            <a:avLst/>
+          </a:prstGeom>
+        </p:spPr>
+      </p:pic>
+      <p:pic>
+        <p:nvPicPr>
+          <p:cNvPr id="15" name="그림 14">
+            <a:extLst>
+              <a:ext uri="{FF2B5EF4-FFF2-40B4-BE49-F238E27FC236}">
+                <a16:creationId xmlns:a16="http://schemas.microsoft.com/office/drawing/2014/main" id="{A94D0408-6D35-FEB3-149B-0583CB17619C}"/>
+              </a:ext>
+            </a:extLst>
+          </p:cNvPr>
+          <p:cNvPicPr>
+            <a:picLocks noChangeAspect="1"/>
+          </p:cNvPicPr>
+          <p:nvPr/>
+        </p:nvPicPr>
+        <p:blipFill>
+          <a:blip r:embed="rId7"/>
+          <a:stretch>
+            <a:fillRect/>
+          </a:stretch>
+        </p:blipFill>
+        <p:spPr>
+          <a:xfrm>
+            <a:off x="4299283" y="2531622"/>
+            <a:ext cx="1895740" cy="247685"/>
+          </a:xfrm>
+          <a:prstGeom prst="rect">
+            <a:avLst/>
+          </a:prstGeom>
+        </p:spPr>
+      </p:pic>
+      <p:sp>
+        <p:nvSpPr>
+          <p:cNvPr id="16" name="TextBox 15">
+            <a:extLst>
+              <a:ext uri="{FF2B5EF4-FFF2-40B4-BE49-F238E27FC236}">
+                <a16:creationId xmlns:a16="http://schemas.microsoft.com/office/drawing/2014/main" id="{133BCC28-98CE-33C4-C4E7-B82C8FF77CD9}"/>
+              </a:ext>
+            </a:extLst>
+          </p:cNvPr>
+          <p:cNvSpPr txBox="1"/>
+          <p:nvPr/>
+        </p:nvSpPr>
+        <p:spPr>
+          <a:xfrm>
+            <a:off x="7701565" y="2761159"/>
+            <a:ext cx="1144865" cy="307777"/>
+          </a:xfrm>
+          <a:prstGeom prst="rect">
+            <a:avLst/>
+          </a:prstGeom>
+          <a:noFill/>
+        </p:spPr>
+        <p:txBody>
+          <a:bodyPr wrap="square" rtlCol="0">
+            <a:spAutoFit/>
+          </a:bodyPr>
+          <a:lstStyle/>
+          <a:p>
+            <a:r>
+              <a:rPr lang="ko-KR" altLang="en-US" sz="1400" dirty="0"/>
+              <a:t>타이틀 변경</a:t>
+            </a:r>
+          </a:p>
+        </p:txBody>
+      </p:sp>
+      <p:pic>
+        <p:nvPicPr>
+          <p:cNvPr id="18" name="그림 17">
+            <a:extLst>
+              <a:ext uri="{FF2B5EF4-FFF2-40B4-BE49-F238E27FC236}">
+                <a16:creationId xmlns:a16="http://schemas.microsoft.com/office/drawing/2014/main" id="{2F3882AE-BCE4-A1F1-5E4E-B0F67153956C}"/>
+              </a:ext>
+            </a:extLst>
+          </p:cNvPr>
+          <p:cNvPicPr>
+            <a:picLocks noChangeAspect="1"/>
+          </p:cNvPicPr>
+          <p:nvPr/>
+        </p:nvPicPr>
+        <p:blipFill>
+          <a:blip r:embed="rId8"/>
+          <a:stretch>
+            <a:fillRect/>
+          </a:stretch>
+        </p:blipFill>
+        <p:spPr>
+          <a:xfrm>
+            <a:off x="419501" y="4100083"/>
+            <a:ext cx="2276793" cy="409632"/>
+          </a:xfrm>
+          <a:prstGeom prst="rect">
+            <a:avLst/>
+          </a:prstGeom>
+        </p:spPr>
+      </p:pic>
+      <p:sp>
+        <p:nvSpPr>
+          <p:cNvPr id="19" name="TextBox 18">
+            <a:extLst>
+              <a:ext uri="{FF2B5EF4-FFF2-40B4-BE49-F238E27FC236}">
+                <a16:creationId xmlns:a16="http://schemas.microsoft.com/office/drawing/2014/main" id="{5C745AAB-15B9-A302-B227-64A02C06347D}"/>
+              </a:ext>
+            </a:extLst>
+          </p:cNvPr>
+          <p:cNvSpPr txBox="1"/>
+          <p:nvPr/>
+        </p:nvSpPr>
+        <p:spPr>
+          <a:xfrm>
+            <a:off x="7701565" y="4032964"/>
+            <a:ext cx="3199915" cy="738664"/>
+          </a:xfrm>
+          <a:prstGeom prst="rect">
+            <a:avLst/>
+          </a:prstGeom>
+          <a:noFill/>
+        </p:spPr>
+        <p:txBody>
+          <a:bodyPr wrap="none" rtlCol="0">
+            <a:spAutoFit/>
+          </a:bodyPr>
+          <a:lstStyle/>
+          <a:p>
+            <a:r>
+              <a:rPr lang="en-US" altLang="ko-KR" sz="1400" dirty="0"/>
+              <a:t>“</a:t>
+            </a:r>
+            <a:r>
+              <a:rPr lang="ko-KR" altLang="en-US" sz="1400" dirty="0"/>
+              <a:t>테마놀이터 업데이트 시간 </a:t>
+            </a:r>
+            <a:r>
+              <a:rPr lang="ko-KR" altLang="en-US" sz="1400" dirty="0" err="1"/>
+              <a:t>새로고침</a:t>
+            </a:r>
+            <a:r>
+              <a:rPr lang="en-US" altLang="ko-KR" sz="1400" dirty="0"/>
+              <a:t>”</a:t>
+            </a:r>
+          </a:p>
+          <a:p>
+            <a:endParaRPr lang="en-US" altLang="ko-KR" sz="1400" dirty="0"/>
+          </a:p>
+          <a:p>
+            <a:r>
+              <a:rPr lang="ko-KR" altLang="en-US" sz="1400" dirty="0" err="1"/>
+              <a:t>으로</a:t>
+            </a:r>
+            <a:r>
+              <a:rPr lang="ko-KR" altLang="en-US" sz="1400" dirty="0"/>
+              <a:t> 타이틀 변경</a:t>
+            </a:r>
+          </a:p>
+        </p:txBody>
+      </p:sp>
+      <p:pic>
+        <p:nvPicPr>
+          <p:cNvPr id="21" name="그림 20">
+            <a:extLst>
+              <a:ext uri="{FF2B5EF4-FFF2-40B4-BE49-F238E27FC236}">
+                <a16:creationId xmlns:a16="http://schemas.microsoft.com/office/drawing/2014/main" id="{3AD952CB-6ADB-03A3-2DFB-3B41A343E014}"/>
+              </a:ext>
+            </a:extLst>
+          </p:cNvPr>
+          <p:cNvPicPr>
+            <a:picLocks noChangeAspect="1"/>
+          </p:cNvPicPr>
+          <p:nvPr/>
+        </p:nvPicPr>
+        <p:blipFill>
+          <a:blip r:embed="rId9"/>
+          <a:stretch>
+            <a:fillRect/>
+          </a:stretch>
+        </p:blipFill>
+        <p:spPr>
+          <a:xfrm>
+            <a:off x="299803" y="5567618"/>
+            <a:ext cx="771633" cy="714475"/>
+          </a:xfrm>
+          <a:prstGeom prst="rect">
+            <a:avLst/>
+          </a:prstGeom>
+        </p:spPr>
+      </p:pic>
+      <p:cxnSp>
+        <p:nvCxnSpPr>
+          <p:cNvPr id="22" name="직선 연결선 21">
+            <a:extLst>
+              <a:ext uri="{FF2B5EF4-FFF2-40B4-BE49-F238E27FC236}">
+                <a16:creationId xmlns:a16="http://schemas.microsoft.com/office/drawing/2014/main" id="{A97F80D2-2102-C781-B45F-7ED8C59F0638}"/>
+              </a:ext>
+            </a:extLst>
+          </p:cNvPr>
+          <p:cNvCxnSpPr/>
+          <p:nvPr/>
+        </p:nvCxnSpPr>
+        <p:spPr>
+          <a:xfrm>
+            <a:off x="540697" y="3731696"/>
+            <a:ext cx="10995439" cy="0"/>
+          </a:xfrm>
+          <a:prstGeom prst="line">
+            <a:avLst/>
+          </a:prstGeom>
+        </p:spPr>
+        <p:style>
+          <a:lnRef idx="1">
+            <a:schemeClr val="accent1"/>
+          </a:lnRef>
+          <a:fillRef idx="0">
+            <a:schemeClr val="accent1"/>
+          </a:fillRef>
+          <a:effectRef idx="0">
+            <a:schemeClr val="accent1"/>
+          </a:effectRef>
+          <a:fontRef idx="minor">
+            <a:schemeClr val="tx1"/>
+          </a:fontRef>
+        </p:style>
+      </p:cxnSp>
+      <p:cxnSp>
+        <p:nvCxnSpPr>
+          <p:cNvPr id="23" name="직선 연결선 22">
+            <a:extLst>
+              <a:ext uri="{FF2B5EF4-FFF2-40B4-BE49-F238E27FC236}">
+                <a16:creationId xmlns:a16="http://schemas.microsoft.com/office/drawing/2014/main" id="{36334B20-F71F-C9E3-BD6E-D80B6E03C602}"/>
+              </a:ext>
+            </a:extLst>
+          </p:cNvPr>
+          <p:cNvCxnSpPr/>
+          <p:nvPr/>
+        </p:nvCxnSpPr>
+        <p:spPr>
+          <a:xfrm>
+            <a:off x="540697" y="4992605"/>
+            <a:ext cx="10995439" cy="0"/>
+          </a:xfrm>
+          <a:prstGeom prst="line">
+            <a:avLst/>
+          </a:prstGeom>
+        </p:spPr>
+        <p:style>
+          <a:lnRef idx="1">
+            <a:schemeClr val="accent1"/>
+          </a:lnRef>
+          <a:fillRef idx="0">
+            <a:schemeClr val="accent1"/>
+          </a:fillRef>
+          <a:effectRef idx="0">
+            <a:schemeClr val="accent1"/>
+          </a:effectRef>
+          <a:fontRef idx="minor">
+            <a:schemeClr val="tx1"/>
+          </a:fontRef>
+        </p:style>
+      </p:cxnSp>
+      <p:pic>
+        <p:nvPicPr>
+          <p:cNvPr id="25" name="그림 24">
+            <a:extLst>
+              <a:ext uri="{FF2B5EF4-FFF2-40B4-BE49-F238E27FC236}">
+                <a16:creationId xmlns:a16="http://schemas.microsoft.com/office/drawing/2014/main" id="{35F3296A-AABA-5FFF-FD38-FE460BDF3911}"/>
+              </a:ext>
+            </a:extLst>
+          </p:cNvPr>
+          <p:cNvPicPr>
+            <a:picLocks noChangeAspect="1"/>
+          </p:cNvPicPr>
+          <p:nvPr/>
+        </p:nvPicPr>
+        <p:blipFill>
+          <a:blip r:embed="rId10"/>
+          <a:stretch>
+            <a:fillRect/>
+          </a:stretch>
+        </p:blipFill>
+        <p:spPr>
+          <a:xfrm>
+            <a:off x="1176844" y="5567618"/>
+            <a:ext cx="762106" cy="685896"/>
+          </a:xfrm>
+          <a:prstGeom prst="rect">
+            <a:avLst/>
+          </a:prstGeom>
+        </p:spPr>
+      </p:pic>
+      <p:sp>
+        <p:nvSpPr>
+          <p:cNvPr id="26" name="TextBox 25">
+            <a:extLst>
+              <a:ext uri="{FF2B5EF4-FFF2-40B4-BE49-F238E27FC236}">
+                <a16:creationId xmlns:a16="http://schemas.microsoft.com/office/drawing/2014/main" id="{A820DE7E-448D-39CF-1201-038087B1FCEB}"/>
+              </a:ext>
+            </a:extLst>
+          </p:cNvPr>
+          <p:cNvSpPr txBox="1"/>
+          <p:nvPr/>
+        </p:nvSpPr>
+        <p:spPr>
+          <a:xfrm>
+            <a:off x="7701565" y="5494439"/>
+            <a:ext cx="3486852" cy="697050"/>
+          </a:xfrm>
+          <a:prstGeom prst="rect">
+            <a:avLst/>
+          </a:prstGeom>
+          <a:noFill/>
+        </p:spPr>
+        <p:txBody>
+          <a:bodyPr wrap="none" rtlCol="0">
+            <a:spAutoFit/>
+          </a:bodyPr>
+          <a:lstStyle/>
+          <a:p>
+            <a:pPr>
+              <a:lnSpc>
+                <a:spcPct val="150000"/>
+              </a:lnSpc>
+            </a:pPr>
+            <a:r>
+              <a:rPr lang="ko-KR" altLang="en-US" sz="1400" dirty="0" err="1"/>
+              <a:t>눌렀을떄</a:t>
+            </a:r>
+            <a:r>
+              <a:rPr lang="ko-KR" altLang="en-US" sz="1400" dirty="0"/>
+              <a:t> 포커스가 현재 버튼으로 오도록</a:t>
+            </a:r>
+            <a:endParaRPr lang="en-US" altLang="ko-KR" sz="1400" dirty="0"/>
+          </a:p>
+          <a:p>
+            <a:pPr>
+              <a:lnSpc>
+                <a:spcPct val="150000"/>
+              </a:lnSpc>
+            </a:pPr>
+            <a:r>
+              <a:rPr lang="ko-KR" altLang="en-US" sz="1400" dirty="0"/>
+              <a:t>수정해주세요</a:t>
+            </a:r>
+            <a:r>
+              <a:rPr lang="en-US" altLang="ko-KR" sz="1400" dirty="0"/>
+              <a:t>.</a:t>
+            </a:r>
+            <a:endParaRPr lang="ko-KR" altLang="en-US" sz="1400" dirty="0"/>
+          </a:p>
+        </p:txBody>
+      </p:sp>
     </p:spTree>
     <p:extLst>
       <p:ext uri="{BB962C8B-B14F-4D97-AF65-F5344CB8AC3E}">
-        <p14:creationId xmlns:p14="http://schemas.microsoft.com/office/powerpoint/2010/main" val="707612348"/>
+        <p14:creationId xmlns:p14="http://schemas.microsoft.com/office/powerpoint/2010/main" val="820803029"/>
       </p:ext>
     </p:extLst>
   </p:cSld>
@@ -5069,59 +5083,316 @@
           <a:chExt cx="0" cy="0"/>
         </a:xfrm>
       </p:grpSpPr>
-      <p:sp>
-        <p:nvSpPr>
-          <p:cNvPr id="3" name="직사각형 2">
-            <a:extLst>
-              <a:ext uri="{FF2B5EF4-FFF2-40B4-BE49-F238E27FC236}">
-                <a16:creationId xmlns:a16="http://schemas.microsoft.com/office/drawing/2014/main" id="{C911613E-2065-A021-648C-90EA2DD07EE8}"/>
-              </a:ext>
-            </a:extLst>
-          </p:cNvPr>
-          <p:cNvSpPr/>
-          <p:nvPr/>
-        </p:nvSpPr>
-        <p:spPr>
-          <a:xfrm>
-            <a:off x="0" y="0"/>
-            <a:ext cx="12192000" cy="6858000"/>
-          </a:xfrm>
-          <a:prstGeom prst="rect">
-            <a:avLst/>
-          </a:prstGeom>
+      <p:pic>
+        <p:nvPicPr>
+          <p:cNvPr id="3" name="그림 2">
+            <a:extLst>
+              <a:ext uri="{FF2B5EF4-FFF2-40B4-BE49-F238E27FC236}">
+                <a16:creationId xmlns:a16="http://schemas.microsoft.com/office/drawing/2014/main" id="{4697F194-CA88-8A7D-8C5F-E51D25FE0F70}"/>
+              </a:ext>
+            </a:extLst>
+          </p:cNvPr>
+          <p:cNvPicPr>
+            <a:picLocks noChangeAspect="1"/>
+          </p:cNvPicPr>
+          <p:nvPr/>
+        </p:nvPicPr>
+        <p:blipFill>
+          <a:blip r:embed="rId2"/>
+          <a:stretch>
+            <a:fillRect/>
+          </a:stretch>
+        </p:blipFill>
+        <p:spPr>
+          <a:xfrm>
+            <a:off x="405928" y="281891"/>
+            <a:ext cx="3410426" cy="2848373"/>
+          </a:xfrm>
+          <a:prstGeom prst="rect">
+            <a:avLst/>
+          </a:prstGeom>
+        </p:spPr>
+      </p:pic>
+      <p:sp>
+        <p:nvSpPr>
+          <p:cNvPr id="4" name="TextBox 3">
+            <a:extLst>
+              <a:ext uri="{FF2B5EF4-FFF2-40B4-BE49-F238E27FC236}">
+                <a16:creationId xmlns:a16="http://schemas.microsoft.com/office/drawing/2014/main" id="{0EE56183-1800-B6F1-B8CD-6C7C0EF5988C}"/>
+              </a:ext>
+            </a:extLst>
+          </p:cNvPr>
+          <p:cNvSpPr txBox="1"/>
+          <p:nvPr/>
+        </p:nvSpPr>
+        <p:spPr>
+          <a:xfrm>
+            <a:off x="4850210" y="640835"/>
+            <a:ext cx="2566728" cy="307777"/>
+          </a:xfrm>
+          <a:prstGeom prst="rect">
+            <a:avLst/>
+          </a:prstGeom>
+          <a:noFill/>
+        </p:spPr>
+        <p:txBody>
+          <a:bodyPr wrap="none" rtlCol="0">
+            <a:spAutoFit/>
+          </a:bodyPr>
+          <a:lstStyle/>
+          <a:p>
+            <a:r>
+              <a:rPr lang="ko-KR" altLang="en-US" sz="1400" dirty="0"/>
+              <a:t>차트 키보드 조작이 안됩니다</a:t>
+            </a:r>
+            <a:r>
+              <a:rPr lang="en-US" altLang="ko-KR" sz="1400" dirty="0"/>
+              <a:t>.</a:t>
+            </a:r>
+            <a:endParaRPr lang="ko-KR" altLang="en-US" sz="1400" dirty="0"/>
+          </a:p>
+        </p:txBody>
+      </p:sp>
+      <p:sp>
+        <p:nvSpPr>
+          <p:cNvPr id="7" name="TextBox 6">
+            <a:extLst>
+              <a:ext uri="{FF2B5EF4-FFF2-40B4-BE49-F238E27FC236}">
+                <a16:creationId xmlns:a16="http://schemas.microsoft.com/office/drawing/2014/main" id="{D609AC89-3369-A138-9F40-22CB3BEEECE0}"/>
+              </a:ext>
+            </a:extLst>
+          </p:cNvPr>
+          <p:cNvSpPr txBox="1"/>
+          <p:nvPr/>
+        </p:nvSpPr>
+        <p:spPr>
+          <a:xfrm>
+            <a:off x="7726560" y="2437828"/>
+            <a:ext cx="2768707" cy="523220"/>
+          </a:xfrm>
+          <a:prstGeom prst="rect">
+            <a:avLst/>
+          </a:prstGeom>
+          <a:noFill/>
+        </p:spPr>
+        <p:txBody>
+          <a:bodyPr wrap="none" rtlCol="0">
+            <a:spAutoFit/>
+          </a:bodyPr>
+          <a:lstStyle/>
+          <a:p>
+            <a:r>
+              <a:rPr lang="ko-KR" altLang="en-US" sz="1400" dirty="0"/>
+              <a:t>방향키 </a:t>
+            </a:r>
+            <a:r>
+              <a:rPr lang="ko-KR" altLang="en-US" sz="1400" dirty="0" err="1"/>
+              <a:t>조작시</a:t>
+            </a:r>
+            <a:r>
+              <a:rPr lang="ko-KR" altLang="en-US" sz="1400" dirty="0"/>
+              <a:t> 가능하고 활성화 </a:t>
+            </a:r>
+            <a:endParaRPr lang="en-US" altLang="ko-KR" sz="1400" dirty="0"/>
+          </a:p>
+          <a:p>
+            <a:r>
+              <a:rPr lang="ko-KR" altLang="en-US" sz="1400" dirty="0"/>
+              <a:t>되도록 </a:t>
+            </a:r>
+            <a:r>
+              <a:rPr lang="ko-KR" altLang="en-US" sz="1400" dirty="0" err="1"/>
+              <a:t>해야합니다</a:t>
+            </a:r>
+            <a:r>
+              <a:rPr lang="en-US" altLang="ko-KR" sz="1400" dirty="0"/>
+              <a:t>.</a:t>
+            </a:r>
+            <a:endParaRPr lang="ko-KR" altLang="en-US" sz="1400" dirty="0"/>
+          </a:p>
+        </p:txBody>
+      </p:sp>
+      <p:pic>
+        <p:nvPicPr>
+          <p:cNvPr id="13" name="그림 12">
+            <a:extLst>
+              <a:ext uri="{FF2B5EF4-FFF2-40B4-BE49-F238E27FC236}">
+                <a16:creationId xmlns:a16="http://schemas.microsoft.com/office/drawing/2014/main" id="{F7A3D0C1-8B59-1C0F-0417-1802713AF9F8}"/>
+              </a:ext>
+            </a:extLst>
+          </p:cNvPr>
+          <p:cNvPicPr>
+            <a:picLocks noChangeAspect="1"/>
+          </p:cNvPicPr>
+          <p:nvPr/>
+        </p:nvPicPr>
+        <p:blipFill>
+          <a:blip r:embed="rId3"/>
+          <a:stretch>
+            <a:fillRect/>
+          </a:stretch>
+        </p:blipFill>
+        <p:spPr>
+          <a:xfrm>
+            <a:off x="4850210" y="1329477"/>
+            <a:ext cx="2686425" cy="2524477"/>
+          </a:xfrm>
+          <a:prstGeom prst="rect">
+            <a:avLst/>
+          </a:prstGeom>
+        </p:spPr>
+      </p:pic>
+      <p:pic>
+        <p:nvPicPr>
+          <p:cNvPr id="15" name="그림 14">
+            <a:extLst>
+              <a:ext uri="{FF2B5EF4-FFF2-40B4-BE49-F238E27FC236}">
+                <a16:creationId xmlns:a16="http://schemas.microsoft.com/office/drawing/2014/main" id="{95AF80D0-BA54-BA18-747B-13997C49B514}"/>
+              </a:ext>
+            </a:extLst>
+          </p:cNvPr>
+          <p:cNvPicPr>
+            <a:picLocks noChangeAspect="1"/>
+          </p:cNvPicPr>
+          <p:nvPr/>
+        </p:nvPicPr>
+        <p:blipFill>
+          <a:blip r:embed="rId4"/>
+          <a:stretch>
+            <a:fillRect/>
+          </a:stretch>
+        </p:blipFill>
+        <p:spPr>
+          <a:xfrm>
+            <a:off x="610744" y="3582367"/>
+            <a:ext cx="3000794" cy="2657846"/>
+          </a:xfrm>
+          <a:prstGeom prst="rect">
+            <a:avLst/>
+          </a:prstGeom>
+        </p:spPr>
+      </p:pic>
+      <p:pic>
+        <p:nvPicPr>
+          <p:cNvPr id="17" name="그림 16">
+            <a:extLst>
+              <a:ext uri="{FF2B5EF4-FFF2-40B4-BE49-F238E27FC236}">
+                <a16:creationId xmlns:a16="http://schemas.microsoft.com/office/drawing/2014/main" id="{10EF1F1E-E0D3-FAF4-679C-26DB1DE97D75}"/>
+              </a:ext>
+            </a:extLst>
+          </p:cNvPr>
+          <p:cNvPicPr>
+            <a:picLocks noChangeAspect="1"/>
+          </p:cNvPicPr>
+          <p:nvPr/>
+        </p:nvPicPr>
+        <p:blipFill>
+          <a:blip r:embed="rId5"/>
+          <a:stretch>
+            <a:fillRect/>
+          </a:stretch>
+        </p:blipFill>
+        <p:spPr>
+          <a:xfrm>
+            <a:off x="4350077" y="4914652"/>
+            <a:ext cx="1000265" cy="1381318"/>
+          </a:xfrm>
+          <a:prstGeom prst="rect">
+            <a:avLst/>
+          </a:prstGeom>
+        </p:spPr>
+      </p:pic>
+      <p:cxnSp>
+        <p:nvCxnSpPr>
+          <p:cNvPr id="19" name="직선 화살표 연결선 18">
+            <a:extLst>
+              <a:ext uri="{FF2B5EF4-FFF2-40B4-BE49-F238E27FC236}">
+                <a16:creationId xmlns:a16="http://schemas.microsoft.com/office/drawing/2014/main" id="{EA908510-387C-B5D4-4864-E48E0B35F3EC}"/>
+              </a:ext>
+            </a:extLst>
+          </p:cNvPr>
+          <p:cNvCxnSpPr/>
+          <p:nvPr/>
+        </p:nvCxnSpPr>
+        <p:spPr>
+          <a:xfrm flipV="1">
+            <a:off x="1571926" y="5787826"/>
+            <a:ext cx="0" cy="452387"/>
+          </a:xfrm>
+          <a:prstGeom prst="straightConnector1">
+            <a:avLst/>
+          </a:prstGeom>
+          <a:ln>
+            <a:tailEnd type="triangle"/>
+          </a:ln>
         </p:spPr>
         <p:style>
-          <a:lnRef idx="2">
-            <a:schemeClr val="accent1">
-              <a:shade val="50000"/>
-            </a:schemeClr>
+          <a:lnRef idx="1">
+            <a:schemeClr val="accent1"/>
           </a:lnRef>
-          <a:fillRef idx="1">
+          <a:fillRef idx="0">
             <a:schemeClr val="accent1"/>
           </a:fillRef>
           <a:effectRef idx="0">
             <a:schemeClr val="accent1"/>
           </a:effectRef>
           <a:fontRef idx="minor">
-            <a:schemeClr val="lt1"/>
+            <a:schemeClr val="tx1"/>
           </a:fontRef>
         </p:style>
-        <p:txBody>
-          <a:bodyPr rtlCol="0" anchor="ctr"/>
+      </p:cxnSp>
+      <p:sp>
+        <p:nvSpPr>
+          <p:cNvPr id="20" name="TextBox 19">
+            <a:extLst>
+              <a:ext uri="{FF2B5EF4-FFF2-40B4-BE49-F238E27FC236}">
+                <a16:creationId xmlns:a16="http://schemas.microsoft.com/office/drawing/2014/main" id="{206B0608-F3D7-D5C8-F8FB-13CE64EE3BFC}"/>
+              </a:ext>
+            </a:extLst>
+          </p:cNvPr>
+          <p:cNvSpPr txBox="1"/>
+          <p:nvPr/>
+        </p:nvSpPr>
+        <p:spPr>
+          <a:xfrm>
+            <a:off x="1385832" y="6351726"/>
+            <a:ext cx="3886000" cy="307777"/>
+          </a:xfrm>
+          <a:prstGeom prst="rect">
+            <a:avLst/>
+          </a:prstGeom>
+          <a:noFill/>
+        </p:spPr>
+        <p:txBody>
+          <a:bodyPr wrap="none" rtlCol="0">
+            <a:spAutoFit/>
+          </a:bodyPr>
           <a:lstStyle/>
           <a:p>
-            <a:pPr algn="ctr"/>
-            <a:r>
-              <a:rPr lang="ko-KR" altLang="en-US" sz="10000" dirty="0"/>
-              <a:t>생활정보</a:t>
-            </a:r>
+            <a:r>
+              <a:rPr lang="ko-KR" altLang="en-US" sz="1400" dirty="0"/>
+              <a:t>차트 색이 </a:t>
+            </a:r>
+            <a:r>
+              <a:rPr lang="ko-KR" altLang="en-US" sz="1400" dirty="0" err="1"/>
+              <a:t>여러개인경우</a:t>
+            </a:r>
+            <a:r>
+              <a:rPr lang="ko-KR" altLang="en-US" sz="1400" dirty="0"/>
+              <a:t> 범례 들어가야합니다</a:t>
+            </a:r>
+            <a:r>
+              <a:rPr lang="en-US" altLang="ko-KR" sz="1400" dirty="0"/>
+              <a:t>.</a:t>
+            </a:r>
+            <a:endParaRPr lang="ko-KR" altLang="en-US" sz="1400" dirty="0"/>
           </a:p>
         </p:txBody>
       </p:sp>
     </p:spTree>
     <p:extLst>
       <p:ext uri="{BB962C8B-B14F-4D97-AF65-F5344CB8AC3E}">
-        <p14:creationId xmlns:p14="http://schemas.microsoft.com/office/powerpoint/2010/main" val="3246108596"/>
+        <p14:creationId xmlns:p14="http://schemas.microsoft.com/office/powerpoint/2010/main" val="2477834225"/>
       </p:ext>
     </p:extLst>
   </p:cSld>
@@ -5150,10 +5421,10 @@
       </p:grpSpPr>
       <p:pic>
         <p:nvPicPr>
-          <p:cNvPr id="13" name="그림 12">
-            <a:extLst>
-              <a:ext uri="{FF2B5EF4-FFF2-40B4-BE49-F238E27FC236}">
-                <a16:creationId xmlns:a16="http://schemas.microsoft.com/office/drawing/2014/main" id="{2DB7D813-D699-08B7-7091-053F0E2C133D}"/>
+          <p:cNvPr id="3" name="그림 2">
+            <a:extLst>
+              <a:ext uri="{FF2B5EF4-FFF2-40B4-BE49-F238E27FC236}">
+                <a16:creationId xmlns:a16="http://schemas.microsoft.com/office/drawing/2014/main" id="{269AEA47-39AB-4017-534B-96799CE524F0}"/>
               </a:ext>
             </a:extLst>
           </p:cNvPr>
@@ -5170,8 +5441,8 @@
         </p:blipFill>
         <p:spPr>
           <a:xfrm>
-            <a:off x="601992" y="578923"/>
-            <a:ext cx="1762371" cy="866896"/>
+            <a:off x="1241631" y="938597"/>
+            <a:ext cx="2818234" cy="2256107"/>
           </a:xfrm>
           <a:prstGeom prst="rect">
             <a:avLst/>
@@ -5180,20 +5451,22 @@
       </p:pic>
       <p:cxnSp>
         <p:nvCxnSpPr>
-          <p:cNvPr id="15" name="직선 화살표 연결선 14">
-            <a:extLst>
-              <a:ext uri="{FF2B5EF4-FFF2-40B4-BE49-F238E27FC236}">
-                <a16:creationId xmlns:a16="http://schemas.microsoft.com/office/drawing/2014/main" id="{AACCF77F-CCDC-C300-E130-41A582513651}"/>
-              </a:ext>
-            </a:extLst>
-          </p:cNvPr>
-          <p:cNvCxnSpPr/>
+          <p:cNvPr id="5" name="직선 화살표 연결선 4">
+            <a:extLst>
+              <a:ext uri="{FF2B5EF4-FFF2-40B4-BE49-F238E27FC236}">
+                <a16:creationId xmlns:a16="http://schemas.microsoft.com/office/drawing/2014/main" id="{4602CB73-1A06-F49D-3370-18A008500F0E}"/>
+              </a:ext>
+            </a:extLst>
+          </p:cNvPr>
+          <p:cNvCxnSpPr>
+            <a:cxnSpLocks/>
+          </p:cNvCxnSpPr>
           <p:nvPr/>
         </p:nvCxnSpPr>
         <p:spPr>
-          <a:xfrm flipH="1">
-            <a:off x="2274556" y="1167493"/>
-            <a:ext cx="689080" cy="0"/>
+          <a:xfrm>
+            <a:off x="1684421" y="742950"/>
+            <a:ext cx="0" cy="261257"/>
           </a:xfrm>
           <a:prstGeom prst="straightConnector1">
             <a:avLst/>
@@ -5219,10 +5492,10 @@
       </p:cxnSp>
       <p:sp>
         <p:nvSpPr>
-          <p:cNvPr id="16" name="TextBox 15">
-            <a:extLst>
-              <a:ext uri="{FF2B5EF4-FFF2-40B4-BE49-F238E27FC236}">
-                <a16:creationId xmlns:a16="http://schemas.microsoft.com/office/drawing/2014/main" id="{41588E7C-B845-208B-B3A4-7FB067FEB45C}"/>
+          <p:cNvPr id="6" name="TextBox 5">
+            <a:extLst>
+              <a:ext uri="{FF2B5EF4-FFF2-40B4-BE49-F238E27FC236}">
+                <a16:creationId xmlns:a16="http://schemas.microsoft.com/office/drawing/2014/main" id="{9E49748D-F8D3-228D-1BC5-45DDDB8B405A}"/>
               </a:ext>
             </a:extLst>
           </p:cNvPr>
@@ -5231,8 +5504,8 @@
         </p:nvSpPr>
         <p:spPr>
           <a:xfrm>
-            <a:off x="3339191" y="1097294"/>
-            <a:ext cx="3929281" cy="697050"/>
+            <a:off x="1084294" y="369348"/>
+            <a:ext cx="1566454" cy="307777"/>
           </a:xfrm>
           <a:prstGeom prst="rect">
             <a:avLst/>
@@ -5245,107 +5518,19 @@
           </a:bodyPr>
           <a:lstStyle/>
           <a:p>
-            <a:pPr>
-              <a:lnSpc>
-                <a:spcPct val="150000"/>
-              </a:lnSpc>
-            </a:pPr>
-            <a:r>
-              <a:rPr lang="en-US" altLang="ko-KR" sz="1400" dirty="0" err="1"/>
-              <a:t>href</a:t>
-            </a:r>
-            <a:r>
-              <a:rPr lang="en-US" altLang="ko-KR" sz="1400" dirty="0"/>
-              <a:t>=</a:t>
-            </a:r>
-            <a:r>
-              <a:rPr lang="en-US" altLang="ko-KR" sz="1400" dirty="0">
-                <a:hlinkClick r:id="rId3"/>
-              </a:rPr>
-              <a:t>tel:010-1234-1234</a:t>
-            </a:r>
-            <a:r>
-              <a:rPr lang="en-US" altLang="ko-KR" sz="1400" dirty="0"/>
-              <a:t> </a:t>
-            </a:r>
             <a:r>
               <a:rPr lang="ko-KR" altLang="en-US" sz="1400" dirty="0"/>
-              <a:t>로 </a:t>
-            </a:r>
-            <a:r>
-              <a:rPr lang="ko-KR" altLang="en-US" sz="1400" dirty="0" err="1"/>
-              <a:t>하면되는데</a:t>
-            </a:r>
-            <a:r>
-              <a:rPr lang="en-US" altLang="ko-KR" sz="1400" dirty="0"/>
-              <a:t>.</a:t>
-            </a:r>
-          </a:p>
-          <a:p>
-            <a:pPr>
-              <a:lnSpc>
-                <a:spcPct val="150000"/>
-              </a:lnSpc>
-            </a:pPr>
-            <a:r>
-              <a:rPr lang="ko-KR" altLang="en-US" sz="1400" dirty="0"/>
-              <a:t>번호 노출때문에</a:t>
-            </a:r>
-            <a:r>
-              <a:rPr lang="en-US" altLang="ko-KR" sz="1400" dirty="0"/>
-              <a:t> </a:t>
-            </a:r>
-            <a:r>
-              <a:rPr lang="ko-KR" altLang="en-US" sz="1400" dirty="0"/>
-              <a:t>스크립트로 하고 </a:t>
-            </a:r>
-            <a:r>
-              <a:rPr lang="ko-KR" altLang="en-US" sz="1400" dirty="0" err="1"/>
-              <a:t>있는건가요</a:t>
-            </a:r>
-            <a:r>
-              <a:rPr lang="en-US" altLang="ko-KR" sz="1400" dirty="0"/>
-              <a:t>?</a:t>
-            </a:r>
-          </a:p>
-        </p:txBody>
-      </p:sp>
-      <p:pic>
-        <p:nvPicPr>
-          <p:cNvPr id="18" name="그림 17">
-            <a:extLst>
-              <a:ext uri="{FF2B5EF4-FFF2-40B4-BE49-F238E27FC236}">
-                <a16:creationId xmlns:a16="http://schemas.microsoft.com/office/drawing/2014/main" id="{CAF5040D-06ED-27BB-0C9C-C5674FBAE89E}"/>
-              </a:ext>
-            </a:extLst>
-          </p:cNvPr>
-          <p:cNvPicPr>
-            <a:picLocks noChangeAspect="1"/>
-          </p:cNvPicPr>
-          <p:nvPr/>
-        </p:nvPicPr>
-        <p:blipFill>
-          <a:blip r:embed="rId4"/>
-          <a:stretch>
-            <a:fillRect/>
-          </a:stretch>
-        </p:blipFill>
-        <p:spPr>
-          <a:xfrm>
-            <a:off x="3453328" y="562594"/>
-            <a:ext cx="2362530" cy="504895"/>
-          </a:xfrm>
-          <a:prstGeom prst="rect">
-            <a:avLst/>
-          </a:prstGeom>
-        </p:spPr>
-      </p:pic>
+              <a:t>버튼 태그로 변경</a:t>
+            </a:r>
+          </a:p>
+        </p:txBody>
+      </p:sp>
       <p:cxnSp>
         <p:nvCxnSpPr>
-          <p:cNvPr id="6" name="직선 연결선 5">
-            <a:extLst>
-              <a:ext uri="{FF2B5EF4-FFF2-40B4-BE49-F238E27FC236}">
-                <a16:creationId xmlns:a16="http://schemas.microsoft.com/office/drawing/2014/main" id="{FBC8F565-2FD9-A7F5-63A9-247DF0B9B893}"/>
+          <p:cNvPr id="8" name="직선 화살표 연결선 7">
+            <a:extLst>
+              <a:ext uri="{FF2B5EF4-FFF2-40B4-BE49-F238E27FC236}">
+                <a16:creationId xmlns:a16="http://schemas.microsoft.com/office/drawing/2014/main" id="{904F1F86-698F-66B5-EBD6-1149A2A0E002}"/>
               </a:ext>
             </a:extLst>
           </p:cNvPr>
@@ -5353,13 +5538,16 @@
           <p:nvPr/>
         </p:nvCxnSpPr>
         <p:spPr>
-          <a:xfrm>
-            <a:off x="540697" y="1983921"/>
-            <a:ext cx="10995439" cy="0"/>
-          </a:xfrm>
-          <a:prstGeom prst="line">
-            <a:avLst/>
-          </a:prstGeom>
+          <a:xfrm flipH="1">
+            <a:off x="4161362" y="1158096"/>
+            <a:ext cx="884167" cy="0"/>
+          </a:xfrm>
+          <a:prstGeom prst="straightConnector1">
+            <a:avLst/>
+          </a:prstGeom>
+          <a:ln>
+            <a:tailEnd type="triangle"/>
+          </a:ln>
         </p:spPr>
         <p:style>
           <a:lnRef idx="1">
@@ -5376,12 +5564,99 @@
           </a:fontRef>
         </p:style>
       </p:cxnSp>
+      <p:sp>
+        <p:nvSpPr>
+          <p:cNvPr id="9" name="TextBox 8">
+            <a:extLst>
+              <a:ext uri="{FF2B5EF4-FFF2-40B4-BE49-F238E27FC236}">
+                <a16:creationId xmlns:a16="http://schemas.microsoft.com/office/drawing/2014/main" id="{C11E8480-5727-B782-24C2-73B2AFBD0BDE}"/>
+              </a:ext>
+            </a:extLst>
+          </p:cNvPr>
+          <p:cNvSpPr txBox="1"/>
+          <p:nvPr/>
+        </p:nvSpPr>
+        <p:spPr>
+          <a:xfrm>
+            <a:off x="5059213" y="1004207"/>
+            <a:ext cx="2949846" cy="954107"/>
+          </a:xfrm>
+          <a:prstGeom prst="rect">
+            <a:avLst/>
+          </a:prstGeom>
+          <a:noFill/>
+        </p:spPr>
+        <p:txBody>
+          <a:bodyPr wrap="none" rtlCol="0">
+            <a:spAutoFit/>
+          </a:bodyPr>
+          <a:lstStyle/>
+          <a:p>
+            <a:r>
+              <a:rPr lang="ko-KR" altLang="en-US" sz="1400" dirty="0" err="1"/>
+              <a:t>토글</a:t>
+            </a:r>
+            <a:r>
+              <a:rPr lang="ko-KR" altLang="en-US" sz="1400" dirty="0"/>
+              <a:t> 버튼 타이틀 추가</a:t>
+            </a:r>
+            <a:endParaRPr lang="en-US" altLang="ko-KR" sz="1400" dirty="0"/>
+          </a:p>
+          <a:p>
+            <a:endParaRPr lang="en-US" altLang="ko-KR" sz="1400" dirty="0"/>
+          </a:p>
+          <a:p>
+            <a:r>
+              <a:rPr lang="en-US" altLang="ko-KR" sz="1400" dirty="0"/>
+              <a:t>“</a:t>
+            </a:r>
+            <a:r>
+              <a:rPr lang="ko-KR" altLang="en-US" sz="1400" dirty="0" err="1"/>
+              <a:t>금강보행교</a:t>
+            </a:r>
+            <a:r>
+              <a:rPr lang="ko-KR" altLang="en-US" sz="1400" dirty="0"/>
+              <a:t> 상세정보 닫힘</a:t>
+            </a:r>
+            <a:r>
+              <a:rPr lang="en-US" altLang="ko-KR" sz="1400" dirty="0"/>
+              <a:t>“ (</a:t>
+            </a:r>
+            <a:r>
+              <a:rPr lang="ko-KR" altLang="en-US" sz="1400" dirty="0"/>
+              <a:t>기본</a:t>
+            </a:r>
+            <a:r>
+              <a:rPr lang="en-US" altLang="ko-KR" sz="1400" dirty="0"/>
+              <a:t>)</a:t>
+            </a:r>
+          </a:p>
+          <a:p>
+            <a:r>
+              <a:rPr lang="en-US" altLang="ko-KR" sz="1400" dirty="0"/>
+              <a:t>“</a:t>
+            </a:r>
+            <a:r>
+              <a:rPr lang="ko-KR" altLang="en-US" sz="1400" dirty="0" err="1"/>
+              <a:t>금강보행교</a:t>
+            </a:r>
+            <a:r>
+              <a:rPr lang="ko-KR" altLang="en-US" sz="1400" dirty="0"/>
+              <a:t> 상세정보 열림</a:t>
+            </a:r>
+            <a:r>
+              <a:rPr lang="en-US" altLang="ko-KR" sz="1400" dirty="0"/>
+              <a:t>“</a:t>
+            </a:r>
+          </a:p>
+        </p:txBody>
+      </p:sp>
       <p:pic>
         <p:nvPicPr>
-          <p:cNvPr id="3" name="그림 2">
-            <a:extLst>
-              <a:ext uri="{FF2B5EF4-FFF2-40B4-BE49-F238E27FC236}">
-                <a16:creationId xmlns:a16="http://schemas.microsoft.com/office/drawing/2014/main" id="{E7B562EE-6725-590F-765F-7AED948406E3}"/>
+          <p:cNvPr id="11" name="그림 10">
+            <a:extLst>
+              <a:ext uri="{FF2B5EF4-FFF2-40B4-BE49-F238E27FC236}">
+                <a16:creationId xmlns:a16="http://schemas.microsoft.com/office/drawing/2014/main" id="{ABFB56BA-71AE-5B94-B306-DC562FA3C41D}"/>
               </a:ext>
             </a:extLst>
           </p:cNvPr>
@@ -5391,68 +5666,27 @@
           <p:nvPr/>
         </p:nvPicPr>
         <p:blipFill>
-          <a:blip r:embed="rId5"/>
+          <a:blip r:embed="rId3"/>
           <a:stretch>
             <a:fillRect/>
           </a:stretch>
         </p:blipFill>
         <p:spPr>
           <a:xfrm>
-            <a:off x="601992" y="2448545"/>
-            <a:ext cx="3218894" cy="1464638"/>
+            <a:off x="1241631" y="3858943"/>
+            <a:ext cx="2664208" cy="2256107"/>
           </a:xfrm>
           <a:prstGeom prst="rect">
             <a:avLst/>
           </a:prstGeom>
         </p:spPr>
       </p:pic>
-      <p:cxnSp>
-        <p:nvCxnSpPr>
-          <p:cNvPr id="9" name="직선 화살표 연결선 8">
-            <a:extLst>
-              <a:ext uri="{FF2B5EF4-FFF2-40B4-BE49-F238E27FC236}">
-                <a16:creationId xmlns:a16="http://schemas.microsoft.com/office/drawing/2014/main" id="{2785C300-5377-731E-CE9D-B06D62180B71}"/>
-              </a:ext>
-            </a:extLst>
-          </p:cNvPr>
-          <p:cNvCxnSpPr>
-            <a:cxnSpLocks/>
-          </p:cNvCxnSpPr>
-          <p:nvPr/>
-        </p:nvCxnSpPr>
-        <p:spPr>
-          <a:xfrm flipH="1">
-            <a:off x="2123238" y="2944586"/>
-            <a:ext cx="2269148" cy="0"/>
-          </a:xfrm>
-          <a:prstGeom prst="straightConnector1">
-            <a:avLst/>
-          </a:prstGeom>
-          <a:ln>
-            <a:tailEnd type="triangle"/>
-          </a:ln>
-        </p:spPr>
-        <p:style>
-          <a:lnRef idx="1">
-            <a:schemeClr val="accent1"/>
-          </a:lnRef>
-          <a:fillRef idx="0">
-            <a:schemeClr val="accent1"/>
-          </a:fillRef>
-          <a:effectRef idx="0">
-            <a:schemeClr val="accent1"/>
-          </a:effectRef>
-          <a:fontRef idx="minor">
-            <a:schemeClr val="tx1"/>
-          </a:fontRef>
-        </p:style>
-      </p:cxnSp>
       <p:pic>
         <p:nvPicPr>
-          <p:cNvPr id="7" name="그림 6">
-            <a:extLst>
-              <a:ext uri="{FF2B5EF4-FFF2-40B4-BE49-F238E27FC236}">
-                <a16:creationId xmlns:a16="http://schemas.microsoft.com/office/drawing/2014/main" id="{27ECFBE4-D99A-B389-608E-034FADA2F0F2}"/>
+          <p:cNvPr id="17" name="그림 16">
+            <a:extLst>
+              <a:ext uri="{FF2B5EF4-FFF2-40B4-BE49-F238E27FC236}">
+                <a16:creationId xmlns:a16="http://schemas.microsoft.com/office/drawing/2014/main" id="{9408521A-C6A2-6A23-7641-1BE5BEEAEF5F}"/>
               </a:ext>
             </a:extLst>
           </p:cNvPr>
@@ -5462,15 +5696,15 @@
           <p:nvPr/>
         </p:nvPicPr>
         <p:blipFill>
-          <a:blip r:embed="rId6"/>
+          <a:blip r:embed="rId4"/>
           <a:stretch>
             <a:fillRect/>
           </a:stretch>
         </p:blipFill>
         <p:spPr>
           <a:xfrm>
-            <a:off x="4667050" y="2522024"/>
-            <a:ext cx="2857899" cy="704948"/>
+            <a:off x="5045529" y="3937121"/>
+            <a:ext cx="3991532" cy="1514686"/>
           </a:xfrm>
           <a:prstGeom prst="rect">
             <a:avLst/>
@@ -5479,10 +5713,10 @@
       </p:pic>
       <p:sp>
         <p:nvSpPr>
-          <p:cNvPr id="14" name="TextBox 13">
-            <a:extLst>
-              <a:ext uri="{FF2B5EF4-FFF2-40B4-BE49-F238E27FC236}">
-                <a16:creationId xmlns:a16="http://schemas.microsoft.com/office/drawing/2014/main" id="{A1680054-3C71-D489-2634-F5218E0329DC}"/>
+          <p:cNvPr id="18" name="TextBox 17">
+            <a:extLst>
+              <a:ext uri="{FF2B5EF4-FFF2-40B4-BE49-F238E27FC236}">
+                <a16:creationId xmlns:a16="http://schemas.microsoft.com/office/drawing/2014/main" id="{9FDBD264-03EC-F4EC-578C-D1512B4CF80B}"/>
               </a:ext>
             </a:extLst>
           </p:cNvPr>
@@ -5491,8 +5725,8 @@
         </p:nvSpPr>
         <p:spPr>
           <a:xfrm>
-            <a:off x="4667050" y="3282504"/>
-            <a:ext cx="3805850" cy="373885"/>
+            <a:off x="5309931" y="5932143"/>
+            <a:ext cx="2768707" cy="523220"/>
           </a:xfrm>
           <a:prstGeom prst="rect">
             <a:avLst/>
@@ -5505,168 +5739,41 @@
           </a:bodyPr>
           <a:lstStyle/>
           <a:p>
-            <a:pPr>
-              <a:lnSpc>
-                <a:spcPct val="150000"/>
-              </a:lnSpc>
-            </a:pPr>
             <a:r>
               <a:rPr lang="ko-KR" altLang="en-US" sz="1400" dirty="0"/>
-              <a:t>링크 없으면 </a:t>
-            </a:r>
-            <a:r>
-              <a:rPr lang="en-US" altLang="ko-KR" sz="1400" dirty="0"/>
-              <a:t>a </a:t>
+              <a:t>방향키 </a:t>
+            </a:r>
+            <a:r>
+              <a:rPr lang="ko-KR" altLang="en-US" sz="1400" dirty="0" err="1"/>
+              <a:t>조작시</a:t>
             </a:r>
             <a:r>
               <a:rPr lang="ko-KR" altLang="en-US" sz="1400" dirty="0"/>
-              <a:t>태그를 </a:t>
-            </a:r>
-            <a:r>
-              <a:rPr lang="en-US" altLang="ko-KR" sz="1400" dirty="0"/>
-              <a:t>div </a:t>
-            </a:r>
+              <a:t> 가능하고 활성화 </a:t>
+            </a:r>
+            <a:endParaRPr lang="en-US" altLang="ko-KR" sz="1400" dirty="0"/>
+          </a:p>
+          <a:p>
             <a:r>
               <a:rPr lang="ko-KR" altLang="en-US" sz="1400" dirty="0"/>
-              <a:t>태그로 바꿔주세요</a:t>
+              <a:t>되도록 </a:t>
+            </a:r>
+            <a:r>
+              <a:rPr lang="ko-KR" altLang="en-US" sz="1400" dirty="0" err="1"/>
+              <a:t>해야합니다</a:t>
             </a:r>
             <a:r>
               <a:rPr lang="en-US" altLang="ko-KR" sz="1400" dirty="0"/>
               <a:t>.</a:t>
             </a:r>
-          </a:p>
-        </p:txBody>
-      </p:sp>
-      <p:cxnSp>
-        <p:nvCxnSpPr>
-          <p:cNvPr id="17" name="직선 연결선 16">
-            <a:extLst>
-              <a:ext uri="{FF2B5EF4-FFF2-40B4-BE49-F238E27FC236}">
-                <a16:creationId xmlns:a16="http://schemas.microsoft.com/office/drawing/2014/main" id="{CD147E53-7507-0E7C-60E3-560FA2B26576}"/>
-              </a:ext>
-            </a:extLst>
-          </p:cNvPr>
-          <p:cNvCxnSpPr/>
-          <p:nvPr/>
-        </p:nvCxnSpPr>
-        <p:spPr>
-          <a:xfrm>
-            <a:off x="540697" y="4343400"/>
-            <a:ext cx="10995439" cy="0"/>
-          </a:xfrm>
-          <a:prstGeom prst="line">
-            <a:avLst/>
-          </a:prstGeom>
-        </p:spPr>
-        <p:style>
-          <a:lnRef idx="1">
-            <a:schemeClr val="accent1"/>
-          </a:lnRef>
-          <a:fillRef idx="0">
-            <a:schemeClr val="accent1"/>
-          </a:fillRef>
-          <a:effectRef idx="0">
-            <a:schemeClr val="accent1"/>
-          </a:effectRef>
-          <a:fontRef idx="minor">
-            <a:schemeClr val="tx1"/>
-          </a:fontRef>
-        </p:style>
-      </p:cxnSp>
-      <p:pic>
-        <p:nvPicPr>
-          <p:cNvPr id="10" name="그림 9">
-            <a:extLst>
-              <a:ext uri="{FF2B5EF4-FFF2-40B4-BE49-F238E27FC236}">
-                <a16:creationId xmlns:a16="http://schemas.microsoft.com/office/drawing/2014/main" id="{197F9AC7-DE1C-D00D-6E2B-D28A25857B72}"/>
-              </a:ext>
-            </a:extLst>
-          </p:cNvPr>
-          <p:cNvPicPr>
-            <a:picLocks noChangeAspect="1"/>
-          </p:cNvPicPr>
-          <p:nvPr/>
-        </p:nvPicPr>
-        <p:blipFill>
-          <a:blip r:embed="rId7"/>
-          <a:stretch>
-            <a:fillRect/>
-          </a:stretch>
-        </p:blipFill>
-        <p:spPr>
-          <a:xfrm>
-            <a:off x="565190" y="4600194"/>
-            <a:ext cx="2798494" cy="1487905"/>
-          </a:xfrm>
-          <a:prstGeom prst="rect">
-            <a:avLst/>
-          </a:prstGeom>
-        </p:spPr>
-      </p:pic>
-      <p:pic>
-        <p:nvPicPr>
-          <p:cNvPr id="12" name="그림 11">
-            <a:extLst>
-              <a:ext uri="{FF2B5EF4-FFF2-40B4-BE49-F238E27FC236}">
-                <a16:creationId xmlns:a16="http://schemas.microsoft.com/office/drawing/2014/main" id="{2B44B261-39E6-881A-3096-1CBD00CD22BE}"/>
-              </a:ext>
-            </a:extLst>
-          </p:cNvPr>
-          <p:cNvPicPr>
-            <a:picLocks noChangeAspect="1"/>
-          </p:cNvPicPr>
-          <p:nvPr/>
-        </p:nvPicPr>
-        <p:blipFill>
-          <a:blip r:embed="rId8"/>
-          <a:stretch>
-            <a:fillRect/>
-          </a:stretch>
-        </p:blipFill>
-        <p:spPr>
-          <a:xfrm>
-            <a:off x="7042082" y="4842421"/>
-            <a:ext cx="3153215" cy="504895"/>
-          </a:xfrm>
-          <a:prstGeom prst="rect">
-            <a:avLst/>
-          </a:prstGeom>
-        </p:spPr>
-      </p:pic>
-      <p:pic>
-        <p:nvPicPr>
-          <p:cNvPr id="21" name="그림 20">
-            <a:extLst>
-              <a:ext uri="{FF2B5EF4-FFF2-40B4-BE49-F238E27FC236}">
-                <a16:creationId xmlns:a16="http://schemas.microsoft.com/office/drawing/2014/main" id="{F2FC1BD7-900D-75B4-71E6-CEDE59868BAB}"/>
-              </a:ext>
-            </a:extLst>
-          </p:cNvPr>
-          <p:cNvPicPr>
-            <a:picLocks noChangeAspect="1"/>
-          </p:cNvPicPr>
-          <p:nvPr/>
-        </p:nvPicPr>
-        <p:blipFill>
-          <a:blip r:embed="rId9"/>
-          <a:stretch>
-            <a:fillRect/>
-          </a:stretch>
-        </p:blipFill>
-        <p:spPr>
-          <a:xfrm>
-            <a:off x="3621516" y="4649281"/>
-            <a:ext cx="2994490" cy="1309568"/>
-          </a:xfrm>
-          <a:prstGeom prst="rect">
-            <a:avLst/>
-          </a:prstGeom>
-        </p:spPr>
-      </p:pic>
+            <a:endParaRPr lang="ko-KR" altLang="en-US" sz="1400" dirty="0"/>
+          </a:p>
+        </p:txBody>
+      </p:sp>
     </p:spTree>
     <p:extLst>
       <p:ext uri="{BB962C8B-B14F-4D97-AF65-F5344CB8AC3E}">
-        <p14:creationId xmlns:p14="http://schemas.microsoft.com/office/powerpoint/2010/main" val="2351975111"/>
+        <p14:creationId xmlns:p14="http://schemas.microsoft.com/office/powerpoint/2010/main" val="1373438760"/>
       </p:ext>
     </p:extLst>
   </p:cSld>
@@ -5695,10 +5802,10 @@
       </p:grpSpPr>
       <p:pic>
         <p:nvPicPr>
-          <p:cNvPr id="4" name="그림 3">
-            <a:extLst>
-              <a:ext uri="{FF2B5EF4-FFF2-40B4-BE49-F238E27FC236}">
-                <a16:creationId xmlns:a16="http://schemas.microsoft.com/office/drawing/2014/main" id="{5154AE30-FD11-74E7-5259-71D6F4C415AE}"/>
+          <p:cNvPr id="3" name="그림 2">
+            <a:extLst>
+              <a:ext uri="{FF2B5EF4-FFF2-40B4-BE49-F238E27FC236}">
+                <a16:creationId xmlns:a16="http://schemas.microsoft.com/office/drawing/2014/main" id="{7ED3E355-C3C3-3C39-E706-84598A098199}"/>
               </a:ext>
             </a:extLst>
           </p:cNvPr>
@@ -5715,50 +5822,75 @@
         </p:blipFill>
         <p:spPr>
           <a:xfrm>
-            <a:off x="461703" y="399922"/>
-            <a:ext cx="2753136" cy="1351923"/>
+            <a:off x="527008" y="459837"/>
+            <a:ext cx="3839111" cy="1219370"/>
           </a:xfrm>
           <a:prstGeom prst="rect">
             <a:avLst/>
           </a:prstGeom>
         </p:spPr>
       </p:pic>
-      <p:pic>
-        <p:nvPicPr>
-          <p:cNvPr id="6" name="그림 5">
-            <a:extLst>
-              <a:ext uri="{FF2B5EF4-FFF2-40B4-BE49-F238E27FC236}">
-                <a16:creationId xmlns:a16="http://schemas.microsoft.com/office/drawing/2014/main" id="{251FA6E5-EDF2-3FC3-78C2-98F56360C91B}"/>
-              </a:ext>
-            </a:extLst>
-          </p:cNvPr>
-          <p:cNvPicPr>
-            <a:picLocks noChangeAspect="1"/>
-          </p:cNvPicPr>
-          <p:nvPr/>
-        </p:nvPicPr>
-        <p:blipFill>
-          <a:blip r:embed="rId3"/>
-          <a:stretch>
-            <a:fillRect/>
-          </a:stretch>
-        </p:blipFill>
-        <p:spPr>
-          <a:xfrm>
-            <a:off x="4318145" y="399922"/>
-            <a:ext cx="2946435" cy="3883320"/>
-          </a:xfrm>
-          <a:prstGeom prst="rect">
-            <a:avLst/>
-          </a:prstGeom>
-        </p:spPr>
-      </p:pic>
+      <p:sp>
+        <p:nvSpPr>
+          <p:cNvPr id="4" name="TextBox 3">
+            <a:extLst>
+              <a:ext uri="{FF2B5EF4-FFF2-40B4-BE49-F238E27FC236}">
+                <a16:creationId xmlns:a16="http://schemas.microsoft.com/office/drawing/2014/main" id="{09962C56-CA3D-EC3C-C7C2-50DA0E95F409}"/>
+              </a:ext>
+            </a:extLst>
+          </p:cNvPr>
+          <p:cNvSpPr txBox="1"/>
+          <p:nvPr/>
+        </p:nvSpPr>
+        <p:spPr>
+          <a:xfrm>
+            <a:off x="5108199" y="832757"/>
+            <a:ext cx="3181448" cy="307777"/>
+          </a:xfrm>
+          <a:prstGeom prst="rect">
+            <a:avLst/>
+          </a:prstGeom>
+          <a:noFill/>
+        </p:spPr>
+        <p:txBody>
+          <a:bodyPr wrap="none" rtlCol="0">
+            <a:spAutoFit/>
+          </a:bodyPr>
+          <a:lstStyle/>
+          <a:p>
+            <a:r>
+              <a:rPr lang="en-US" altLang="ko-KR" sz="1400" dirty="0" err="1"/>
+              <a:t>Href</a:t>
+            </a:r>
+            <a:r>
+              <a:rPr lang="en-US" altLang="ko-KR" sz="1400" dirty="0"/>
+              <a:t>=“</a:t>
+            </a:r>
+            <a:r>
+              <a:rPr lang="en-US" altLang="ko-KR" sz="1400" dirty="0" err="1"/>
+              <a:t>javascript:void</a:t>
+            </a:r>
+            <a:r>
+              <a:rPr lang="en-US" altLang="ko-KR" sz="1400" dirty="0"/>
+              <a:t>(0);” </a:t>
+            </a:r>
+            <a:r>
+              <a:rPr lang="ko-KR" altLang="en-US" sz="1400" dirty="0"/>
+              <a:t>넣어주세요</a:t>
+            </a:r>
+            <a:r>
+              <a:rPr lang="en-US" altLang="ko-KR" sz="1400" dirty="0"/>
+              <a:t>.</a:t>
+            </a:r>
+          </a:p>
+        </p:txBody>
+      </p:sp>
       <p:cxnSp>
         <p:nvCxnSpPr>
-          <p:cNvPr id="8" name="직선 화살표 연결선 7">
-            <a:extLst>
-              <a:ext uri="{FF2B5EF4-FFF2-40B4-BE49-F238E27FC236}">
-                <a16:creationId xmlns:a16="http://schemas.microsoft.com/office/drawing/2014/main" id="{7E280CBF-8F39-D147-04F9-BD5E4AE683EA}"/>
+          <p:cNvPr id="5" name="직선 연결선 4">
+            <a:extLst>
+              <a:ext uri="{FF2B5EF4-FFF2-40B4-BE49-F238E27FC236}">
+                <a16:creationId xmlns:a16="http://schemas.microsoft.com/office/drawing/2014/main" id="{2CBD6ECF-BD80-8B94-E814-5077E69770E3}"/>
               </a:ext>
             </a:extLst>
           </p:cNvPr>
@@ -5767,15 +5899,12 @@
         </p:nvCxnSpPr>
         <p:spPr>
           <a:xfrm>
-            <a:off x="3022333" y="1075883"/>
-            <a:ext cx="981776" cy="0"/>
-          </a:xfrm>
-          <a:prstGeom prst="straightConnector1">
-            <a:avLst/>
-          </a:prstGeom>
-          <a:ln>
-            <a:tailEnd type="triangle"/>
-          </a:ln>
+            <a:off x="540697" y="2082510"/>
+            <a:ext cx="10995439" cy="0"/>
+          </a:xfrm>
+          <a:prstGeom prst="line">
+            <a:avLst/>
+          </a:prstGeom>
         </p:spPr>
         <p:style>
           <a:lnRef idx="1">
@@ -5792,12 +5921,42 @@
           </a:fontRef>
         </p:style>
       </p:cxnSp>
-      <p:sp>
-        <p:nvSpPr>
-          <p:cNvPr id="9" name="TextBox 8">
-            <a:extLst>
-              <a:ext uri="{FF2B5EF4-FFF2-40B4-BE49-F238E27FC236}">
-                <a16:creationId xmlns:a16="http://schemas.microsoft.com/office/drawing/2014/main" id="{74C54BB1-0956-2B4A-BEBE-3E9DBABA7AFA}"/>
+      <p:pic>
+        <p:nvPicPr>
+          <p:cNvPr id="7" name="그림 6">
+            <a:extLst>
+              <a:ext uri="{FF2B5EF4-FFF2-40B4-BE49-F238E27FC236}">
+                <a16:creationId xmlns:a16="http://schemas.microsoft.com/office/drawing/2014/main" id="{793D2A07-C2B9-9A6C-6048-C8AAA449E106}"/>
+              </a:ext>
+            </a:extLst>
+          </p:cNvPr>
+          <p:cNvPicPr>
+            <a:picLocks noChangeAspect="1"/>
+          </p:cNvPicPr>
+          <p:nvPr/>
+        </p:nvPicPr>
+        <p:blipFill>
+          <a:blip r:embed="rId3"/>
+          <a:stretch>
+            <a:fillRect/>
+          </a:stretch>
+        </p:blipFill>
+        <p:spPr>
+          <a:xfrm>
+            <a:off x="540697" y="2324302"/>
+            <a:ext cx="3734321" cy="1400370"/>
+          </a:xfrm>
+          <a:prstGeom prst="rect">
+            <a:avLst/>
+          </a:prstGeom>
+        </p:spPr>
+      </p:pic>
+      <p:sp>
+        <p:nvSpPr>
+          <p:cNvPr id="8" name="TextBox 7">
+            <a:extLst>
+              <a:ext uri="{FF2B5EF4-FFF2-40B4-BE49-F238E27FC236}">
+                <a16:creationId xmlns:a16="http://schemas.microsoft.com/office/drawing/2014/main" id="{4EA4D0E4-8B3E-C97C-6699-F7D2AB9A6C31}"/>
               </a:ext>
             </a:extLst>
           </p:cNvPr>
@@ -5806,8 +5965,8 @@
         </p:nvSpPr>
         <p:spPr>
           <a:xfrm>
-            <a:off x="3443326" y="1298121"/>
-            <a:ext cx="543739" cy="307777"/>
+            <a:off x="5108199" y="2792186"/>
+            <a:ext cx="3181448" cy="307777"/>
           </a:xfrm>
           <a:prstGeom prst="rect">
             <a:avLst/>
@@ -5821,18 +5980,38 @@
           <a:lstStyle/>
           <a:p>
             <a:r>
+              <a:rPr lang="en-US" altLang="ko-KR" sz="1400" dirty="0" err="1"/>
+              <a:t>Href</a:t>
+            </a:r>
+            <a:r>
+              <a:rPr lang="en-US" altLang="ko-KR" sz="1400" dirty="0"/>
+              <a:t>=“</a:t>
+            </a:r>
+            <a:r>
+              <a:rPr lang="en-US" altLang="ko-KR" sz="1400" dirty="0" err="1"/>
+              <a:t>javascript:void</a:t>
+            </a:r>
+            <a:r>
+              <a:rPr lang="en-US" altLang="ko-KR" sz="1400" dirty="0"/>
+              <a:t>(0);” </a:t>
+            </a:r>
+            <a:r>
               <a:rPr lang="ko-KR" altLang="en-US" sz="1400" dirty="0"/>
-              <a:t>클릭</a:t>
+              <a:t>넣어주세요</a:t>
+            </a:r>
+            <a:r>
+              <a:rPr lang="en-US" altLang="ko-KR" sz="1400" dirty="0"/>
+              <a:t>.</a:t>
             </a:r>
           </a:p>
         </p:txBody>
       </p:sp>
       <p:cxnSp>
         <p:nvCxnSpPr>
-          <p:cNvPr id="11" name="직선 화살표 연결선 10">
-            <a:extLst>
-              <a:ext uri="{FF2B5EF4-FFF2-40B4-BE49-F238E27FC236}">
-                <a16:creationId xmlns:a16="http://schemas.microsoft.com/office/drawing/2014/main" id="{F355A14B-5DB3-CDB3-2C3E-1B395DAC811C}"/>
+          <p:cNvPr id="9" name="직선 연결선 8">
+            <a:extLst>
+              <a:ext uri="{FF2B5EF4-FFF2-40B4-BE49-F238E27FC236}">
+                <a16:creationId xmlns:a16="http://schemas.microsoft.com/office/drawing/2014/main" id="{AB6C7379-DEDD-DE51-5925-FE0A84039040}"/>
               </a:ext>
             </a:extLst>
           </p:cNvPr>
@@ -5840,16 +6019,13 @@
           <p:nvPr/>
         </p:nvCxnSpPr>
         <p:spPr>
-          <a:xfrm flipH="1">
-            <a:off x="6096000" y="399922"/>
-            <a:ext cx="1861457" cy="0"/>
-          </a:xfrm>
-          <a:prstGeom prst="straightConnector1">
-            <a:avLst/>
-          </a:prstGeom>
-          <a:ln>
-            <a:tailEnd type="triangle"/>
-          </a:ln>
+          <a:xfrm>
+            <a:off x="540697" y="4254210"/>
+            <a:ext cx="10995439" cy="0"/>
+          </a:xfrm>
+          <a:prstGeom prst="line">
+            <a:avLst/>
+          </a:prstGeom>
         </p:spPr>
         <p:style>
           <a:lnRef idx="1">
@@ -5866,12 +6042,42 @@
           </a:fontRef>
         </p:style>
       </p:cxnSp>
+      <p:pic>
+        <p:nvPicPr>
+          <p:cNvPr id="11" name="그림 10">
+            <a:extLst>
+              <a:ext uri="{FF2B5EF4-FFF2-40B4-BE49-F238E27FC236}">
+                <a16:creationId xmlns:a16="http://schemas.microsoft.com/office/drawing/2014/main" id="{1DADFBA0-41F3-FAB0-AC63-A6175802A3D9}"/>
+              </a:ext>
+            </a:extLst>
+          </p:cNvPr>
+          <p:cNvPicPr>
+            <a:picLocks noChangeAspect="1"/>
+          </p:cNvPicPr>
+          <p:nvPr/>
+        </p:nvPicPr>
+        <p:blipFill>
+          <a:blip r:embed="rId4"/>
+          <a:stretch>
+            <a:fillRect/>
+          </a:stretch>
+        </p:blipFill>
+        <p:spPr>
+          <a:xfrm>
+            <a:off x="554304" y="4431733"/>
+            <a:ext cx="3391373" cy="1619476"/>
+          </a:xfrm>
+          <a:prstGeom prst="rect">
+            <a:avLst/>
+          </a:prstGeom>
+        </p:spPr>
+      </p:pic>
       <p:sp>
         <p:nvSpPr>
           <p:cNvPr id="12" name="TextBox 11">
             <a:extLst>
               <a:ext uri="{FF2B5EF4-FFF2-40B4-BE49-F238E27FC236}">
-                <a16:creationId xmlns:a16="http://schemas.microsoft.com/office/drawing/2014/main" id="{89EF5AEC-36C3-B871-A253-B80739D57D8F}"/>
+                <a16:creationId xmlns:a16="http://schemas.microsoft.com/office/drawing/2014/main" id="{70EE00F6-2FCC-C5B4-1D4A-9BD0CE5557DB}"/>
               </a:ext>
             </a:extLst>
           </p:cNvPr>
@@ -5880,8 +6086,8 @@
         </p:nvSpPr>
         <p:spPr>
           <a:xfrm>
-            <a:off x="7685587" y="519792"/>
-            <a:ext cx="4078361" cy="1384995"/>
+            <a:off x="5108199" y="5012872"/>
+            <a:ext cx="3181448" cy="307777"/>
           </a:xfrm>
           <a:prstGeom prst="rect">
             <a:avLst/>
@@ -5895,191 +6101,36 @@
           <a:lstStyle/>
           <a:p>
             <a:r>
+              <a:rPr lang="en-US" altLang="ko-KR" sz="1400" dirty="0" err="1"/>
+              <a:t>Href</a:t>
+            </a:r>
+            <a:r>
+              <a:rPr lang="en-US" altLang="ko-KR" sz="1400" dirty="0"/>
+              <a:t>=“</a:t>
+            </a:r>
+            <a:r>
+              <a:rPr lang="en-US" altLang="ko-KR" sz="1400" dirty="0" err="1"/>
+              <a:t>javascript:void</a:t>
+            </a:r>
+            <a:r>
+              <a:rPr lang="en-US" altLang="ko-KR" sz="1400" dirty="0"/>
+              <a:t>(0);” </a:t>
+            </a:r>
+            <a:r>
               <a:rPr lang="ko-KR" altLang="en-US" sz="1400" dirty="0"/>
-              <a:t>포커스가 여기로 와야 합니다</a:t>
+              <a:t>넣어주세요</a:t>
             </a:r>
             <a:r>
               <a:rPr lang="en-US" altLang="ko-KR" sz="1400" dirty="0"/>
               <a:t>.</a:t>
             </a:r>
           </a:p>
-          <a:p>
-            <a:endParaRPr lang="en-US" altLang="ko-KR" sz="1400" dirty="0"/>
-          </a:p>
-          <a:p>
-            <a:r>
-              <a:rPr lang="en-US" altLang="ko-KR" sz="1400" dirty="0"/>
-              <a:t>X </a:t>
-            </a:r>
-            <a:r>
-              <a:rPr lang="ko-KR" altLang="en-US" sz="1400" dirty="0"/>
-              <a:t>버튼에서 </a:t>
-            </a:r>
-            <a:r>
-              <a:rPr lang="ko-KR" altLang="en-US" sz="1400" dirty="0" err="1"/>
-              <a:t>탭누르면</a:t>
-            </a:r>
-            <a:r>
-              <a:rPr lang="ko-KR" altLang="en-US" sz="1400" dirty="0"/>
-              <a:t> 포커스가 다시 여기로 와야</a:t>
-            </a:r>
-            <a:endParaRPr lang="en-US" altLang="ko-KR" sz="1400" dirty="0"/>
-          </a:p>
-          <a:p>
-            <a:r>
-              <a:rPr lang="ko-KR" altLang="en-US" sz="1400" dirty="0"/>
-              <a:t>합니다</a:t>
-            </a:r>
-            <a:r>
-              <a:rPr lang="en-US" altLang="ko-KR" sz="1400" dirty="0"/>
-              <a:t>.</a:t>
-            </a:r>
-          </a:p>
-          <a:p>
-            <a:endParaRPr lang="en-US" altLang="ko-KR" sz="1400" dirty="0"/>
-          </a:p>
-          <a:p>
-            <a:r>
-              <a:rPr lang="en-US" altLang="ko-KR" sz="1400" dirty="0"/>
-              <a:t>X </a:t>
-            </a:r>
-            <a:r>
-              <a:rPr lang="ko-KR" altLang="en-US" sz="1400" dirty="0"/>
-              <a:t>누르면 원래 </a:t>
-            </a:r>
-            <a:r>
-              <a:rPr lang="ko-KR" altLang="en-US" sz="1400" dirty="0" err="1"/>
-              <a:t>있던곳으로</a:t>
-            </a:r>
-            <a:r>
-              <a:rPr lang="ko-KR" altLang="en-US" sz="1400" dirty="0"/>
-              <a:t> 포커스가 가야합니다</a:t>
-            </a:r>
-            <a:r>
-              <a:rPr lang="en-US" altLang="ko-KR" sz="1400" dirty="0"/>
-              <a:t>.</a:t>
-            </a:r>
-            <a:endParaRPr lang="ko-KR" altLang="en-US" sz="1400" dirty="0"/>
-          </a:p>
-        </p:txBody>
-      </p:sp>
-      <p:cxnSp>
-        <p:nvCxnSpPr>
-          <p:cNvPr id="14" name="직선 화살표 연결선 13">
-            <a:extLst>
-              <a:ext uri="{FF2B5EF4-FFF2-40B4-BE49-F238E27FC236}">
-                <a16:creationId xmlns:a16="http://schemas.microsoft.com/office/drawing/2014/main" id="{7E7049B7-C4AA-544A-5CE6-6D8281EDD43E}"/>
-              </a:ext>
-            </a:extLst>
-          </p:cNvPr>
-          <p:cNvCxnSpPr>
-            <a:cxnSpLocks/>
-          </p:cNvCxnSpPr>
-          <p:nvPr/>
-        </p:nvCxnSpPr>
-        <p:spPr>
-          <a:xfrm flipV="1">
-            <a:off x="2691253" y="1298121"/>
-            <a:ext cx="0" cy="3943350"/>
-          </a:xfrm>
-          <a:prstGeom prst="straightConnector1">
-            <a:avLst/>
-          </a:prstGeom>
-          <a:ln>
-            <a:tailEnd type="triangle"/>
-          </a:ln>
-        </p:spPr>
-        <p:style>
-          <a:lnRef idx="1">
-            <a:schemeClr val="dk1"/>
-          </a:lnRef>
-          <a:fillRef idx="0">
-            <a:schemeClr val="dk1"/>
-          </a:fillRef>
-          <a:effectRef idx="0">
-            <a:schemeClr val="dk1"/>
-          </a:effectRef>
-          <a:fontRef idx="minor">
-            <a:schemeClr val="tx1"/>
-          </a:fontRef>
-        </p:style>
-      </p:cxnSp>
-      <p:cxnSp>
-        <p:nvCxnSpPr>
-          <p:cNvPr id="17" name="직선 연결선 16">
-            <a:extLst>
-              <a:ext uri="{FF2B5EF4-FFF2-40B4-BE49-F238E27FC236}">
-                <a16:creationId xmlns:a16="http://schemas.microsoft.com/office/drawing/2014/main" id="{F7FD24F0-77EA-66D1-B9AD-C46DF90108A0}"/>
-              </a:ext>
-            </a:extLst>
-          </p:cNvPr>
-          <p:cNvCxnSpPr/>
-          <p:nvPr/>
-        </p:nvCxnSpPr>
-        <p:spPr>
-          <a:xfrm>
-            <a:off x="2743200" y="5241471"/>
-            <a:ext cx="5519057" cy="0"/>
-          </a:xfrm>
-          <a:prstGeom prst="line">
-            <a:avLst/>
-          </a:prstGeom>
-        </p:spPr>
-        <p:style>
-          <a:lnRef idx="1">
-            <a:schemeClr val="accent1"/>
-          </a:lnRef>
-          <a:fillRef idx="0">
-            <a:schemeClr val="accent1"/>
-          </a:fillRef>
-          <a:effectRef idx="0">
-            <a:schemeClr val="accent1"/>
-          </a:effectRef>
-          <a:fontRef idx="minor">
-            <a:schemeClr val="tx1"/>
-          </a:fontRef>
-        </p:style>
-      </p:cxnSp>
-      <p:cxnSp>
-        <p:nvCxnSpPr>
-          <p:cNvPr id="19" name="직선 연결선 18">
-            <a:extLst>
-              <a:ext uri="{FF2B5EF4-FFF2-40B4-BE49-F238E27FC236}">
-                <a16:creationId xmlns:a16="http://schemas.microsoft.com/office/drawing/2014/main" id="{24E7478F-D91C-F669-C390-8DD4E1E6DADB}"/>
-              </a:ext>
-            </a:extLst>
-          </p:cNvPr>
-          <p:cNvCxnSpPr/>
-          <p:nvPr/>
-        </p:nvCxnSpPr>
-        <p:spPr>
-          <a:xfrm flipV="1">
-            <a:off x="8270421" y="2073729"/>
-            <a:ext cx="0" cy="3167742"/>
-          </a:xfrm>
-          <a:prstGeom prst="line">
-            <a:avLst/>
-          </a:prstGeom>
-        </p:spPr>
-        <p:style>
-          <a:lnRef idx="1">
-            <a:schemeClr val="accent1"/>
-          </a:lnRef>
-          <a:fillRef idx="0">
-            <a:schemeClr val="accent1"/>
-          </a:fillRef>
-          <a:effectRef idx="0">
-            <a:schemeClr val="accent1"/>
-          </a:effectRef>
-          <a:fontRef idx="minor">
-            <a:schemeClr val="tx1"/>
-          </a:fontRef>
-        </p:style>
-      </p:cxnSp>
+        </p:txBody>
+      </p:sp>
     </p:spTree>
     <p:extLst>
       <p:ext uri="{BB962C8B-B14F-4D97-AF65-F5344CB8AC3E}">
-        <p14:creationId xmlns:p14="http://schemas.microsoft.com/office/powerpoint/2010/main" val="3084232163"/>
+        <p14:creationId xmlns:p14="http://schemas.microsoft.com/office/powerpoint/2010/main" val="4128771136"/>
       </p:ext>
     </p:extLst>
   </p:cSld>
@@ -6106,10 +6157,230 @@
           <a:chExt cx="0" cy="0"/>
         </a:xfrm>
       </p:grpSpPr>
+      <p:pic>
+        <p:nvPicPr>
+          <p:cNvPr id="10" name="그림 9">
+            <a:extLst>
+              <a:ext uri="{FF2B5EF4-FFF2-40B4-BE49-F238E27FC236}">
+                <a16:creationId xmlns:a16="http://schemas.microsoft.com/office/drawing/2014/main" id="{9CCC7B50-7215-AB82-B2DB-8F457FE87F8C}"/>
+              </a:ext>
+            </a:extLst>
+          </p:cNvPr>
+          <p:cNvPicPr>
+            <a:picLocks noChangeAspect="1"/>
+          </p:cNvPicPr>
+          <p:nvPr/>
+        </p:nvPicPr>
+        <p:blipFill>
+          <a:blip r:embed="rId2"/>
+          <a:stretch>
+            <a:fillRect/>
+          </a:stretch>
+        </p:blipFill>
+        <p:spPr>
+          <a:xfrm>
+            <a:off x="540697" y="618430"/>
+            <a:ext cx="1152686" cy="504895"/>
+          </a:xfrm>
+          <a:prstGeom prst="rect">
+            <a:avLst/>
+          </a:prstGeom>
+        </p:spPr>
+      </p:pic>
+      <p:pic>
+        <p:nvPicPr>
+          <p:cNvPr id="11" name="그림 10">
+            <a:extLst>
+              <a:ext uri="{FF2B5EF4-FFF2-40B4-BE49-F238E27FC236}">
+                <a16:creationId xmlns:a16="http://schemas.microsoft.com/office/drawing/2014/main" id="{9F09A1BA-2AF2-BFCB-C038-7841AF5BA0E4}"/>
+              </a:ext>
+            </a:extLst>
+          </p:cNvPr>
+          <p:cNvPicPr>
+            <a:picLocks noChangeAspect="1"/>
+          </p:cNvPicPr>
+          <p:nvPr/>
+        </p:nvPicPr>
+        <p:blipFill>
+          <a:blip r:embed="rId3"/>
+          <a:stretch>
+            <a:fillRect/>
+          </a:stretch>
+        </p:blipFill>
+        <p:spPr>
+          <a:xfrm>
+            <a:off x="4299283" y="709362"/>
+            <a:ext cx="1209844" cy="228632"/>
+          </a:xfrm>
+          <a:prstGeom prst="rect">
+            <a:avLst/>
+          </a:prstGeom>
+        </p:spPr>
+      </p:pic>
+      <p:sp>
+        <p:nvSpPr>
+          <p:cNvPr id="16" name="TextBox 15">
+            <a:extLst>
+              <a:ext uri="{FF2B5EF4-FFF2-40B4-BE49-F238E27FC236}">
+                <a16:creationId xmlns:a16="http://schemas.microsoft.com/office/drawing/2014/main" id="{75B6845A-6C52-3876-8A96-E3D3794195F3}"/>
+              </a:ext>
+            </a:extLst>
+          </p:cNvPr>
+          <p:cNvSpPr txBox="1"/>
+          <p:nvPr/>
+        </p:nvSpPr>
+        <p:spPr>
+          <a:xfrm>
+            <a:off x="7770120" y="709362"/>
+            <a:ext cx="1054135" cy="307777"/>
+          </a:xfrm>
+          <a:prstGeom prst="rect">
+            <a:avLst/>
+          </a:prstGeom>
+          <a:noFill/>
+        </p:spPr>
+        <p:txBody>
+          <a:bodyPr wrap="none" rtlCol="0">
+            <a:spAutoFit/>
+          </a:bodyPr>
+          <a:lstStyle/>
+          <a:p>
+            <a:r>
+              <a:rPr lang="en-US" altLang="ko-KR" sz="1400" dirty="0"/>
+              <a:t>#root </a:t>
+            </a:r>
+            <a:r>
+              <a:rPr lang="ko-KR" altLang="en-US" sz="1400" dirty="0"/>
+              <a:t>추가</a:t>
+            </a:r>
+          </a:p>
+        </p:txBody>
+      </p:sp>
+      <p:pic>
+        <p:nvPicPr>
+          <p:cNvPr id="20" name="그림 19">
+            <a:extLst>
+              <a:ext uri="{FF2B5EF4-FFF2-40B4-BE49-F238E27FC236}">
+                <a16:creationId xmlns:a16="http://schemas.microsoft.com/office/drawing/2014/main" id="{C13C5065-7C55-48E5-059B-845428C6AD0E}"/>
+              </a:ext>
+            </a:extLst>
+          </p:cNvPr>
+          <p:cNvPicPr>
+            <a:picLocks noChangeAspect="1"/>
+          </p:cNvPicPr>
+          <p:nvPr/>
+        </p:nvPicPr>
+        <p:blipFill>
+          <a:blip r:embed="rId4"/>
+          <a:stretch>
+            <a:fillRect/>
+          </a:stretch>
+        </p:blipFill>
+        <p:spPr>
+          <a:xfrm>
+            <a:off x="540697" y="2138318"/>
+            <a:ext cx="3829584" cy="638264"/>
+          </a:xfrm>
+          <a:prstGeom prst="rect">
+            <a:avLst/>
+          </a:prstGeom>
+        </p:spPr>
+      </p:pic>
+      <p:cxnSp>
+        <p:nvCxnSpPr>
+          <p:cNvPr id="21" name="직선 연결선 20">
+            <a:extLst>
+              <a:ext uri="{FF2B5EF4-FFF2-40B4-BE49-F238E27FC236}">
+                <a16:creationId xmlns:a16="http://schemas.microsoft.com/office/drawing/2014/main" id="{47137473-6588-44C2-73C1-AD02810B924D}"/>
+              </a:ext>
+            </a:extLst>
+          </p:cNvPr>
+          <p:cNvCxnSpPr/>
+          <p:nvPr/>
+        </p:nvCxnSpPr>
+        <p:spPr>
+          <a:xfrm>
+            <a:off x="540697" y="1715117"/>
+            <a:ext cx="10995439" cy="0"/>
+          </a:xfrm>
+          <a:prstGeom prst="line">
+            <a:avLst/>
+          </a:prstGeom>
+        </p:spPr>
+        <p:style>
+          <a:lnRef idx="1">
+            <a:schemeClr val="accent1"/>
+          </a:lnRef>
+          <a:fillRef idx="0">
+            <a:schemeClr val="accent1"/>
+          </a:fillRef>
+          <a:effectRef idx="0">
+            <a:schemeClr val="accent1"/>
+          </a:effectRef>
+          <a:fontRef idx="minor">
+            <a:schemeClr val="tx1"/>
+          </a:fontRef>
+        </p:style>
+      </p:cxnSp>
+      <p:sp>
+        <p:nvSpPr>
+          <p:cNvPr id="22" name="TextBox 21">
+            <a:extLst>
+              <a:ext uri="{FF2B5EF4-FFF2-40B4-BE49-F238E27FC236}">
+                <a16:creationId xmlns:a16="http://schemas.microsoft.com/office/drawing/2014/main" id="{48516B44-64A3-E35F-74A4-475CDE4EE13F}"/>
+              </a:ext>
+            </a:extLst>
+          </p:cNvPr>
+          <p:cNvSpPr txBox="1"/>
+          <p:nvPr/>
+        </p:nvSpPr>
+        <p:spPr>
+          <a:xfrm>
+            <a:off x="6406321" y="2259207"/>
+            <a:ext cx="3181448" cy="307777"/>
+          </a:xfrm>
+          <a:prstGeom prst="rect">
+            <a:avLst/>
+          </a:prstGeom>
+          <a:noFill/>
+        </p:spPr>
+        <p:txBody>
+          <a:bodyPr wrap="none" rtlCol="0">
+            <a:spAutoFit/>
+          </a:bodyPr>
+          <a:lstStyle/>
+          <a:p>
+            <a:r>
+              <a:rPr lang="en-US" altLang="ko-KR" sz="1400" dirty="0" err="1"/>
+              <a:t>Href</a:t>
+            </a:r>
+            <a:r>
+              <a:rPr lang="en-US" altLang="ko-KR" sz="1400" dirty="0"/>
+              <a:t>=“</a:t>
+            </a:r>
+            <a:r>
+              <a:rPr lang="en-US" altLang="ko-KR" sz="1400" dirty="0" err="1"/>
+              <a:t>javascript:void</a:t>
+            </a:r>
+            <a:r>
+              <a:rPr lang="en-US" altLang="ko-KR" sz="1400" dirty="0"/>
+              <a:t>(0);” </a:t>
+            </a:r>
+            <a:r>
+              <a:rPr lang="ko-KR" altLang="en-US" sz="1400" dirty="0"/>
+              <a:t>넣어주세요</a:t>
+            </a:r>
+            <a:r>
+              <a:rPr lang="en-US" altLang="ko-KR" sz="1400" dirty="0"/>
+              <a:t>.</a:t>
+            </a:r>
+          </a:p>
+        </p:txBody>
+      </p:sp>
     </p:spTree>
     <p:extLst>
       <p:ext uri="{BB962C8B-B14F-4D97-AF65-F5344CB8AC3E}">
-        <p14:creationId xmlns:p14="http://schemas.microsoft.com/office/powerpoint/2010/main" val="3656500380"/>
+        <p14:creationId xmlns:p14="http://schemas.microsoft.com/office/powerpoint/2010/main" val="337830621"/>
       </p:ext>
     </p:extLst>
   </p:cSld>
@@ -6496,7 +6767,7 @@
     </p:spTree>
     <p:extLst>
       <p:ext uri="{BB962C8B-B14F-4D97-AF65-F5344CB8AC3E}">
-        <p14:creationId xmlns:p14="http://schemas.microsoft.com/office/powerpoint/2010/main" val="2556136554"/>
+        <p14:creationId xmlns:p14="http://schemas.microsoft.com/office/powerpoint/2010/main" val="707612348"/>
       </p:ext>
     </p:extLst>
   </p:cSld>
@@ -6566,17 +6837,16 @@
           <a:p>
             <a:pPr algn="ctr"/>
             <a:r>
-              <a:rPr lang="ko-KR" altLang="en-US" sz="10000"/>
-              <a:t>스마트맵</a:t>
-            </a:r>
-            <a:endParaRPr lang="ko-KR" altLang="en-US" sz="10000" dirty="0"/>
+              <a:rPr lang="ko-KR" altLang="en-US" sz="10000" dirty="0"/>
+              <a:t>생활정보</a:t>
+            </a:r>
           </a:p>
         </p:txBody>
       </p:sp>
     </p:spTree>
     <p:extLst>
       <p:ext uri="{BB962C8B-B14F-4D97-AF65-F5344CB8AC3E}">
-        <p14:creationId xmlns:p14="http://schemas.microsoft.com/office/powerpoint/2010/main" val="1805834605"/>
+        <p14:creationId xmlns:p14="http://schemas.microsoft.com/office/powerpoint/2010/main" val="3246108596"/>
       </p:ext>
     </p:extLst>
   </p:cSld>
@@ -6605,6 +6875,1104 @@
       </p:grpSpPr>
       <p:pic>
         <p:nvPicPr>
+          <p:cNvPr id="13" name="그림 12">
+            <a:extLst>
+              <a:ext uri="{FF2B5EF4-FFF2-40B4-BE49-F238E27FC236}">
+                <a16:creationId xmlns:a16="http://schemas.microsoft.com/office/drawing/2014/main" id="{2DB7D813-D699-08B7-7091-053F0E2C133D}"/>
+              </a:ext>
+            </a:extLst>
+          </p:cNvPr>
+          <p:cNvPicPr>
+            <a:picLocks noChangeAspect="1"/>
+          </p:cNvPicPr>
+          <p:nvPr/>
+        </p:nvPicPr>
+        <p:blipFill>
+          <a:blip r:embed="rId2"/>
+          <a:stretch>
+            <a:fillRect/>
+          </a:stretch>
+        </p:blipFill>
+        <p:spPr>
+          <a:xfrm>
+            <a:off x="601992" y="578923"/>
+            <a:ext cx="1762371" cy="866896"/>
+          </a:xfrm>
+          <a:prstGeom prst="rect">
+            <a:avLst/>
+          </a:prstGeom>
+        </p:spPr>
+      </p:pic>
+      <p:cxnSp>
+        <p:nvCxnSpPr>
+          <p:cNvPr id="15" name="직선 화살표 연결선 14">
+            <a:extLst>
+              <a:ext uri="{FF2B5EF4-FFF2-40B4-BE49-F238E27FC236}">
+                <a16:creationId xmlns:a16="http://schemas.microsoft.com/office/drawing/2014/main" id="{AACCF77F-CCDC-C300-E130-41A582513651}"/>
+              </a:ext>
+            </a:extLst>
+          </p:cNvPr>
+          <p:cNvCxnSpPr/>
+          <p:nvPr/>
+        </p:nvCxnSpPr>
+        <p:spPr>
+          <a:xfrm flipH="1">
+            <a:off x="2274556" y="1167493"/>
+            <a:ext cx="689080" cy="0"/>
+          </a:xfrm>
+          <a:prstGeom prst="straightConnector1">
+            <a:avLst/>
+          </a:prstGeom>
+          <a:ln>
+            <a:tailEnd type="triangle"/>
+          </a:ln>
+        </p:spPr>
+        <p:style>
+          <a:lnRef idx="1">
+            <a:schemeClr val="accent1"/>
+          </a:lnRef>
+          <a:fillRef idx="0">
+            <a:schemeClr val="accent1"/>
+          </a:fillRef>
+          <a:effectRef idx="0">
+            <a:schemeClr val="accent1"/>
+          </a:effectRef>
+          <a:fontRef idx="minor">
+            <a:schemeClr val="tx1"/>
+          </a:fontRef>
+        </p:style>
+      </p:cxnSp>
+      <p:sp>
+        <p:nvSpPr>
+          <p:cNvPr id="16" name="TextBox 15">
+            <a:extLst>
+              <a:ext uri="{FF2B5EF4-FFF2-40B4-BE49-F238E27FC236}">
+                <a16:creationId xmlns:a16="http://schemas.microsoft.com/office/drawing/2014/main" id="{41588E7C-B845-208B-B3A4-7FB067FEB45C}"/>
+              </a:ext>
+            </a:extLst>
+          </p:cNvPr>
+          <p:cNvSpPr txBox="1"/>
+          <p:nvPr/>
+        </p:nvSpPr>
+        <p:spPr>
+          <a:xfrm>
+            <a:off x="3339191" y="1097294"/>
+            <a:ext cx="3929281" cy="697050"/>
+          </a:xfrm>
+          <a:prstGeom prst="rect">
+            <a:avLst/>
+          </a:prstGeom>
+          <a:noFill/>
+        </p:spPr>
+        <p:txBody>
+          <a:bodyPr wrap="none" rtlCol="0">
+            <a:spAutoFit/>
+          </a:bodyPr>
+          <a:lstStyle/>
+          <a:p>
+            <a:pPr>
+              <a:lnSpc>
+                <a:spcPct val="150000"/>
+              </a:lnSpc>
+            </a:pPr>
+            <a:r>
+              <a:rPr lang="en-US" altLang="ko-KR" sz="1400" dirty="0" err="1"/>
+              <a:t>href</a:t>
+            </a:r>
+            <a:r>
+              <a:rPr lang="en-US" altLang="ko-KR" sz="1400" dirty="0"/>
+              <a:t>=</a:t>
+            </a:r>
+            <a:r>
+              <a:rPr lang="en-US" altLang="ko-KR" sz="1400" dirty="0">
+                <a:hlinkClick r:id="rId3"/>
+              </a:rPr>
+              <a:t>tel:010-1234-1234</a:t>
+            </a:r>
+            <a:r>
+              <a:rPr lang="en-US" altLang="ko-KR" sz="1400" dirty="0"/>
+              <a:t> </a:t>
+            </a:r>
+            <a:r>
+              <a:rPr lang="ko-KR" altLang="en-US" sz="1400" dirty="0"/>
+              <a:t>로 </a:t>
+            </a:r>
+            <a:r>
+              <a:rPr lang="ko-KR" altLang="en-US" sz="1400" dirty="0" err="1"/>
+              <a:t>하면되는데</a:t>
+            </a:r>
+            <a:r>
+              <a:rPr lang="en-US" altLang="ko-KR" sz="1400" dirty="0"/>
+              <a:t>.</a:t>
+            </a:r>
+          </a:p>
+          <a:p>
+            <a:pPr>
+              <a:lnSpc>
+                <a:spcPct val="150000"/>
+              </a:lnSpc>
+            </a:pPr>
+            <a:r>
+              <a:rPr lang="ko-KR" altLang="en-US" sz="1400" dirty="0"/>
+              <a:t>번호 노출때문에</a:t>
+            </a:r>
+            <a:r>
+              <a:rPr lang="en-US" altLang="ko-KR" sz="1400" dirty="0"/>
+              <a:t> </a:t>
+            </a:r>
+            <a:r>
+              <a:rPr lang="ko-KR" altLang="en-US" sz="1400" dirty="0"/>
+              <a:t>스크립트로 하고 </a:t>
+            </a:r>
+            <a:r>
+              <a:rPr lang="ko-KR" altLang="en-US" sz="1400" dirty="0" err="1"/>
+              <a:t>있는건가요</a:t>
+            </a:r>
+            <a:r>
+              <a:rPr lang="en-US" altLang="ko-KR" sz="1400" dirty="0"/>
+              <a:t>?</a:t>
+            </a:r>
+          </a:p>
+        </p:txBody>
+      </p:sp>
+      <p:pic>
+        <p:nvPicPr>
+          <p:cNvPr id="18" name="그림 17">
+            <a:extLst>
+              <a:ext uri="{FF2B5EF4-FFF2-40B4-BE49-F238E27FC236}">
+                <a16:creationId xmlns:a16="http://schemas.microsoft.com/office/drawing/2014/main" id="{CAF5040D-06ED-27BB-0C9C-C5674FBAE89E}"/>
+              </a:ext>
+            </a:extLst>
+          </p:cNvPr>
+          <p:cNvPicPr>
+            <a:picLocks noChangeAspect="1"/>
+          </p:cNvPicPr>
+          <p:nvPr/>
+        </p:nvPicPr>
+        <p:blipFill>
+          <a:blip r:embed="rId4"/>
+          <a:stretch>
+            <a:fillRect/>
+          </a:stretch>
+        </p:blipFill>
+        <p:spPr>
+          <a:xfrm>
+            <a:off x="3453328" y="562594"/>
+            <a:ext cx="2362530" cy="504895"/>
+          </a:xfrm>
+          <a:prstGeom prst="rect">
+            <a:avLst/>
+          </a:prstGeom>
+        </p:spPr>
+      </p:pic>
+      <p:cxnSp>
+        <p:nvCxnSpPr>
+          <p:cNvPr id="6" name="직선 연결선 5">
+            <a:extLst>
+              <a:ext uri="{FF2B5EF4-FFF2-40B4-BE49-F238E27FC236}">
+                <a16:creationId xmlns:a16="http://schemas.microsoft.com/office/drawing/2014/main" id="{FBC8F565-2FD9-A7F5-63A9-247DF0B9B893}"/>
+              </a:ext>
+            </a:extLst>
+          </p:cNvPr>
+          <p:cNvCxnSpPr/>
+          <p:nvPr/>
+        </p:nvCxnSpPr>
+        <p:spPr>
+          <a:xfrm>
+            <a:off x="540697" y="1983921"/>
+            <a:ext cx="10995439" cy="0"/>
+          </a:xfrm>
+          <a:prstGeom prst="line">
+            <a:avLst/>
+          </a:prstGeom>
+        </p:spPr>
+        <p:style>
+          <a:lnRef idx="1">
+            <a:schemeClr val="accent1"/>
+          </a:lnRef>
+          <a:fillRef idx="0">
+            <a:schemeClr val="accent1"/>
+          </a:fillRef>
+          <a:effectRef idx="0">
+            <a:schemeClr val="accent1"/>
+          </a:effectRef>
+          <a:fontRef idx="minor">
+            <a:schemeClr val="tx1"/>
+          </a:fontRef>
+        </p:style>
+      </p:cxnSp>
+      <p:pic>
+        <p:nvPicPr>
+          <p:cNvPr id="3" name="그림 2">
+            <a:extLst>
+              <a:ext uri="{FF2B5EF4-FFF2-40B4-BE49-F238E27FC236}">
+                <a16:creationId xmlns:a16="http://schemas.microsoft.com/office/drawing/2014/main" id="{E7B562EE-6725-590F-765F-7AED948406E3}"/>
+              </a:ext>
+            </a:extLst>
+          </p:cNvPr>
+          <p:cNvPicPr>
+            <a:picLocks noChangeAspect="1"/>
+          </p:cNvPicPr>
+          <p:nvPr/>
+        </p:nvPicPr>
+        <p:blipFill>
+          <a:blip r:embed="rId5"/>
+          <a:stretch>
+            <a:fillRect/>
+          </a:stretch>
+        </p:blipFill>
+        <p:spPr>
+          <a:xfrm>
+            <a:off x="601992" y="2448545"/>
+            <a:ext cx="3218894" cy="1464638"/>
+          </a:xfrm>
+          <a:prstGeom prst="rect">
+            <a:avLst/>
+          </a:prstGeom>
+        </p:spPr>
+      </p:pic>
+      <p:cxnSp>
+        <p:nvCxnSpPr>
+          <p:cNvPr id="9" name="직선 화살표 연결선 8">
+            <a:extLst>
+              <a:ext uri="{FF2B5EF4-FFF2-40B4-BE49-F238E27FC236}">
+                <a16:creationId xmlns:a16="http://schemas.microsoft.com/office/drawing/2014/main" id="{2785C300-5377-731E-CE9D-B06D62180B71}"/>
+              </a:ext>
+            </a:extLst>
+          </p:cNvPr>
+          <p:cNvCxnSpPr>
+            <a:cxnSpLocks/>
+          </p:cNvCxnSpPr>
+          <p:nvPr/>
+        </p:nvCxnSpPr>
+        <p:spPr>
+          <a:xfrm flipH="1">
+            <a:off x="2123238" y="2944586"/>
+            <a:ext cx="2269148" cy="0"/>
+          </a:xfrm>
+          <a:prstGeom prst="straightConnector1">
+            <a:avLst/>
+          </a:prstGeom>
+          <a:ln>
+            <a:tailEnd type="triangle"/>
+          </a:ln>
+        </p:spPr>
+        <p:style>
+          <a:lnRef idx="1">
+            <a:schemeClr val="accent1"/>
+          </a:lnRef>
+          <a:fillRef idx="0">
+            <a:schemeClr val="accent1"/>
+          </a:fillRef>
+          <a:effectRef idx="0">
+            <a:schemeClr val="accent1"/>
+          </a:effectRef>
+          <a:fontRef idx="minor">
+            <a:schemeClr val="tx1"/>
+          </a:fontRef>
+        </p:style>
+      </p:cxnSp>
+      <p:pic>
+        <p:nvPicPr>
+          <p:cNvPr id="7" name="그림 6">
+            <a:extLst>
+              <a:ext uri="{FF2B5EF4-FFF2-40B4-BE49-F238E27FC236}">
+                <a16:creationId xmlns:a16="http://schemas.microsoft.com/office/drawing/2014/main" id="{27ECFBE4-D99A-B389-608E-034FADA2F0F2}"/>
+              </a:ext>
+            </a:extLst>
+          </p:cNvPr>
+          <p:cNvPicPr>
+            <a:picLocks noChangeAspect="1"/>
+          </p:cNvPicPr>
+          <p:nvPr/>
+        </p:nvPicPr>
+        <p:blipFill>
+          <a:blip r:embed="rId6"/>
+          <a:stretch>
+            <a:fillRect/>
+          </a:stretch>
+        </p:blipFill>
+        <p:spPr>
+          <a:xfrm>
+            <a:off x="4667050" y="2522024"/>
+            <a:ext cx="2857899" cy="704948"/>
+          </a:xfrm>
+          <a:prstGeom prst="rect">
+            <a:avLst/>
+          </a:prstGeom>
+        </p:spPr>
+      </p:pic>
+      <p:sp>
+        <p:nvSpPr>
+          <p:cNvPr id="14" name="TextBox 13">
+            <a:extLst>
+              <a:ext uri="{FF2B5EF4-FFF2-40B4-BE49-F238E27FC236}">
+                <a16:creationId xmlns:a16="http://schemas.microsoft.com/office/drawing/2014/main" id="{A1680054-3C71-D489-2634-F5218E0329DC}"/>
+              </a:ext>
+            </a:extLst>
+          </p:cNvPr>
+          <p:cNvSpPr txBox="1"/>
+          <p:nvPr/>
+        </p:nvSpPr>
+        <p:spPr>
+          <a:xfrm>
+            <a:off x="4667050" y="3282504"/>
+            <a:ext cx="3805850" cy="373885"/>
+          </a:xfrm>
+          <a:prstGeom prst="rect">
+            <a:avLst/>
+          </a:prstGeom>
+          <a:noFill/>
+        </p:spPr>
+        <p:txBody>
+          <a:bodyPr wrap="none" rtlCol="0">
+            <a:spAutoFit/>
+          </a:bodyPr>
+          <a:lstStyle/>
+          <a:p>
+            <a:pPr>
+              <a:lnSpc>
+                <a:spcPct val="150000"/>
+              </a:lnSpc>
+            </a:pPr>
+            <a:r>
+              <a:rPr lang="ko-KR" altLang="en-US" sz="1400" dirty="0"/>
+              <a:t>링크 없으면 </a:t>
+            </a:r>
+            <a:r>
+              <a:rPr lang="en-US" altLang="ko-KR" sz="1400" dirty="0"/>
+              <a:t>a </a:t>
+            </a:r>
+            <a:r>
+              <a:rPr lang="ko-KR" altLang="en-US" sz="1400" dirty="0"/>
+              <a:t>태그를 </a:t>
+            </a:r>
+            <a:r>
+              <a:rPr lang="en-US" altLang="ko-KR" sz="1400" dirty="0"/>
+              <a:t>div </a:t>
+            </a:r>
+            <a:r>
+              <a:rPr lang="ko-KR" altLang="en-US" sz="1400" dirty="0"/>
+              <a:t>태그로 바꿔주세요</a:t>
+            </a:r>
+            <a:r>
+              <a:rPr lang="en-US" altLang="ko-KR" sz="1400" dirty="0"/>
+              <a:t>.</a:t>
+            </a:r>
+          </a:p>
+        </p:txBody>
+      </p:sp>
+      <p:cxnSp>
+        <p:nvCxnSpPr>
+          <p:cNvPr id="17" name="직선 연결선 16">
+            <a:extLst>
+              <a:ext uri="{FF2B5EF4-FFF2-40B4-BE49-F238E27FC236}">
+                <a16:creationId xmlns:a16="http://schemas.microsoft.com/office/drawing/2014/main" id="{CD147E53-7507-0E7C-60E3-560FA2B26576}"/>
+              </a:ext>
+            </a:extLst>
+          </p:cNvPr>
+          <p:cNvCxnSpPr/>
+          <p:nvPr/>
+        </p:nvCxnSpPr>
+        <p:spPr>
+          <a:xfrm>
+            <a:off x="540697" y="4343400"/>
+            <a:ext cx="10995439" cy="0"/>
+          </a:xfrm>
+          <a:prstGeom prst="line">
+            <a:avLst/>
+          </a:prstGeom>
+        </p:spPr>
+        <p:style>
+          <a:lnRef idx="1">
+            <a:schemeClr val="accent1"/>
+          </a:lnRef>
+          <a:fillRef idx="0">
+            <a:schemeClr val="accent1"/>
+          </a:fillRef>
+          <a:effectRef idx="0">
+            <a:schemeClr val="accent1"/>
+          </a:effectRef>
+          <a:fontRef idx="minor">
+            <a:schemeClr val="tx1"/>
+          </a:fontRef>
+        </p:style>
+      </p:cxnSp>
+      <p:pic>
+        <p:nvPicPr>
+          <p:cNvPr id="10" name="그림 9">
+            <a:extLst>
+              <a:ext uri="{FF2B5EF4-FFF2-40B4-BE49-F238E27FC236}">
+                <a16:creationId xmlns:a16="http://schemas.microsoft.com/office/drawing/2014/main" id="{197F9AC7-DE1C-D00D-6E2B-D28A25857B72}"/>
+              </a:ext>
+            </a:extLst>
+          </p:cNvPr>
+          <p:cNvPicPr>
+            <a:picLocks noChangeAspect="1"/>
+          </p:cNvPicPr>
+          <p:nvPr/>
+        </p:nvPicPr>
+        <p:blipFill>
+          <a:blip r:embed="rId7"/>
+          <a:stretch>
+            <a:fillRect/>
+          </a:stretch>
+        </p:blipFill>
+        <p:spPr>
+          <a:xfrm>
+            <a:off x="565190" y="4600194"/>
+            <a:ext cx="2798494" cy="1487905"/>
+          </a:xfrm>
+          <a:prstGeom prst="rect">
+            <a:avLst/>
+          </a:prstGeom>
+        </p:spPr>
+      </p:pic>
+      <p:pic>
+        <p:nvPicPr>
+          <p:cNvPr id="12" name="그림 11">
+            <a:extLst>
+              <a:ext uri="{FF2B5EF4-FFF2-40B4-BE49-F238E27FC236}">
+                <a16:creationId xmlns:a16="http://schemas.microsoft.com/office/drawing/2014/main" id="{2B44B261-39E6-881A-3096-1CBD00CD22BE}"/>
+              </a:ext>
+            </a:extLst>
+          </p:cNvPr>
+          <p:cNvPicPr>
+            <a:picLocks noChangeAspect="1"/>
+          </p:cNvPicPr>
+          <p:nvPr/>
+        </p:nvPicPr>
+        <p:blipFill>
+          <a:blip r:embed="rId8"/>
+          <a:stretch>
+            <a:fillRect/>
+          </a:stretch>
+        </p:blipFill>
+        <p:spPr>
+          <a:xfrm>
+            <a:off x="7042082" y="4842421"/>
+            <a:ext cx="3153215" cy="504895"/>
+          </a:xfrm>
+          <a:prstGeom prst="rect">
+            <a:avLst/>
+          </a:prstGeom>
+        </p:spPr>
+      </p:pic>
+      <p:pic>
+        <p:nvPicPr>
+          <p:cNvPr id="21" name="그림 20">
+            <a:extLst>
+              <a:ext uri="{FF2B5EF4-FFF2-40B4-BE49-F238E27FC236}">
+                <a16:creationId xmlns:a16="http://schemas.microsoft.com/office/drawing/2014/main" id="{F2FC1BD7-900D-75B4-71E6-CEDE59868BAB}"/>
+              </a:ext>
+            </a:extLst>
+          </p:cNvPr>
+          <p:cNvPicPr>
+            <a:picLocks noChangeAspect="1"/>
+          </p:cNvPicPr>
+          <p:nvPr/>
+        </p:nvPicPr>
+        <p:blipFill>
+          <a:blip r:embed="rId9"/>
+          <a:stretch>
+            <a:fillRect/>
+          </a:stretch>
+        </p:blipFill>
+        <p:spPr>
+          <a:xfrm>
+            <a:off x="3621516" y="4649281"/>
+            <a:ext cx="2994490" cy="1309568"/>
+          </a:xfrm>
+          <a:prstGeom prst="rect">
+            <a:avLst/>
+          </a:prstGeom>
+        </p:spPr>
+      </p:pic>
+    </p:spTree>
+    <p:extLst>
+      <p:ext uri="{BB962C8B-B14F-4D97-AF65-F5344CB8AC3E}">
+        <p14:creationId xmlns:p14="http://schemas.microsoft.com/office/powerpoint/2010/main" val="2351975111"/>
+      </p:ext>
+    </p:extLst>
+  </p:cSld>
+  <p:clrMapOvr>
+    <a:masterClrMapping/>
+  </p:clrMapOvr>
+</p:sld>
+</file>
+
+<file path=ppt/slides/slide23.xml><?xml version="1.0" encoding="utf-8"?>
+<p:sld xmlns:a="http://schemas.openxmlformats.org/drawingml/2006/main" xmlns:r="http://schemas.openxmlformats.org/officeDocument/2006/relationships" xmlns:p="http://schemas.openxmlformats.org/presentationml/2006/main">
+  <p:cSld>
+    <p:spTree>
+      <p:nvGrpSpPr>
+        <p:cNvPr id="1" name=""/>
+        <p:cNvGrpSpPr/>
+        <p:nvPr/>
+      </p:nvGrpSpPr>
+      <p:grpSpPr>
+        <a:xfrm>
+          <a:off x="0" y="0"/>
+          <a:ext cx="0" cy="0"/>
+          <a:chOff x="0" y="0"/>
+          <a:chExt cx="0" cy="0"/>
+        </a:xfrm>
+      </p:grpSpPr>
+      <p:pic>
+        <p:nvPicPr>
+          <p:cNvPr id="4" name="그림 3">
+            <a:extLst>
+              <a:ext uri="{FF2B5EF4-FFF2-40B4-BE49-F238E27FC236}">
+                <a16:creationId xmlns:a16="http://schemas.microsoft.com/office/drawing/2014/main" id="{5154AE30-FD11-74E7-5259-71D6F4C415AE}"/>
+              </a:ext>
+            </a:extLst>
+          </p:cNvPr>
+          <p:cNvPicPr>
+            <a:picLocks noChangeAspect="1"/>
+          </p:cNvPicPr>
+          <p:nvPr/>
+        </p:nvPicPr>
+        <p:blipFill>
+          <a:blip r:embed="rId2"/>
+          <a:stretch>
+            <a:fillRect/>
+          </a:stretch>
+        </p:blipFill>
+        <p:spPr>
+          <a:xfrm>
+            <a:off x="461703" y="399922"/>
+            <a:ext cx="2753136" cy="1351923"/>
+          </a:xfrm>
+          <a:prstGeom prst="rect">
+            <a:avLst/>
+          </a:prstGeom>
+        </p:spPr>
+      </p:pic>
+      <p:pic>
+        <p:nvPicPr>
+          <p:cNvPr id="6" name="그림 5">
+            <a:extLst>
+              <a:ext uri="{FF2B5EF4-FFF2-40B4-BE49-F238E27FC236}">
+                <a16:creationId xmlns:a16="http://schemas.microsoft.com/office/drawing/2014/main" id="{251FA6E5-EDF2-3FC3-78C2-98F56360C91B}"/>
+              </a:ext>
+            </a:extLst>
+          </p:cNvPr>
+          <p:cNvPicPr>
+            <a:picLocks noChangeAspect="1"/>
+          </p:cNvPicPr>
+          <p:nvPr/>
+        </p:nvPicPr>
+        <p:blipFill>
+          <a:blip r:embed="rId3"/>
+          <a:stretch>
+            <a:fillRect/>
+          </a:stretch>
+        </p:blipFill>
+        <p:spPr>
+          <a:xfrm>
+            <a:off x="4318145" y="399922"/>
+            <a:ext cx="2946435" cy="3883320"/>
+          </a:xfrm>
+          <a:prstGeom prst="rect">
+            <a:avLst/>
+          </a:prstGeom>
+        </p:spPr>
+      </p:pic>
+      <p:cxnSp>
+        <p:nvCxnSpPr>
+          <p:cNvPr id="8" name="직선 화살표 연결선 7">
+            <a:extLst>
+              <a:ext uri="{FF2B5EF4-FFF2-40B4-BE49-F238E27FC236}">
+                <a16:creationId xmlns:a16="http://schemas.microsoft.com/office/drawing/2014/main" id="{7E280CBF-8F39-D147-04F9-BD5E4AE683EA}"/>
+              </a:ext>
+            </a:extLst>
+          </p:cNvPr>
+          <p:cNvCxnSpPr/>
+          <p:nvPr/>
+        </p:nvCxnSpPr>
+        <p:spPr>
+          <a:xfrm>
+            <a:off x="3022333" y="1075883"/>
+            <a:ext cx="981776" cy="0"/>
+          </a:xfrm>
+          <a:prstGeom prst="straightConnector1">
+            <a:avLst/>
+          </a:prstGeom>
+          <a:ln>
+            <a:tailEnd type="triangle"/>
+          </a:ln>
+        </p:spPr>
+        <p:style>
+          <a:lnRef idx="1">
+            <a:schemeClr val="accent1"/>
+          </a:lnRef>
+          <a:fillRef idx="0">
+            <a:schemeClr val="accent1"/>
+          </a:fillRef>
+          <a:effectRef idx="0">
+            <a:schemeClr val="accent1"/>
+          </a:effectRef>
+          <a:fontRef idx="minor">
+            <a:schemeClr val="tx1"/>
+          </a:fontRef>
+        </p:style>
+      </p:cxnSp>
+      <p:sp>
+        <p:nvSpPr>
+          <p:cNvPr id="9" name="TextBox 8">
+            <a:extLst>
+              <a:ext uri="{FF2B5EF4-FFF2-40B4-BE49-F238E27FC236}">
+                <a16:creationId xmlns:a16="http://schemas.microsoft.com/office/drawing/2014/main" id="{74C54BB1-0956-2B4A-BEBE-3E9DBABA7AFA}"/>
+              </a:ext>
+            </a:extLst>
+          </p:cNvPr>
+          <p:cNvSpPr txBox="1"/>
+          <p:nvPr/>
+        </p:nvSpPr>
+        <p:spPr>
+          <a:xfrm>
+            <a:off x="3443326" y="1298121"/>
+            <a:ext cx="543739" cy="307777"/>
+          </a:xfrm>
+          <a:prstGeom prst="rect">
+            <a:avLst/>
+          </a:prstGeom>
+          <a:noFill/>
+        </p:spPr>
+        <p:txBody>
+          <a:bodyPr wrap="none" rtlCol="0">
+            <a:spAutoFit/>
+          </a:bodyPr>
+          <a:lstStyle/>
+          <a:p>
+            <a:r>
+              <a:rPr lang="ko-KR" altLang="en-US" sz="1400" dirty="0"/>
+              <a:t>클릭</a:t>
+            </a:r>
+          </a:p>
+        </p:txBody>
+      </p:sp>
+      <p:cxnSp>
+        <p:nvCxnSpPr>
+          <p:cNvPr id="11" name="직선 화살표 연결선 10">
+            <a:extLst>
+              <a:ext uri="{FF2B5EF4-FFF2-40B4-BE49-F238E27FC236}">
+                <a16:creationId xmlns:a16="http://schemas.microsoft.com/office/drawing/2014/main" id="{F355A14B-5DB3-CDB3-2C3E-1B395DAC811C}"/>
+              </a:ext>
+            </a:extLst>
+          </p:cNvPr>
+          <p:cNvCxnSpPr/>
+          <p:nvPr/>
+        </p:nvCxnSpPr>
+        <p:spPr>
+          <a:xfrm flipH="1">
+            <a:off x="6096000" y="399922"/>
+            <a:ext cx="1861457" cy="0"/>
+          </a:xfrm>
+          <a:prstGeom prst="straightConnector1">
+            <a:avLst/>
+          </a:prstGeom>
+          <a:ln>
+            <a:tailEnd type="triangle"/>
+          </a:ln>
+        </p:spPr>
+        <p:style>
+          <a:lnRef idx="1">
+            <a:schemeClr val="accent1"/>
+          </a:lnRef>
+          <a:fillRef idx="0">
+            <a:schemeClr val="accent1"/>
+          </a:fillRef>
+          <a:effectRef idx="0">
+            <a:schemeClr val="accent1"/>
+          </a:effectRef>
+          <a:fontRef idx="minor">
+            <a:schemeClr val="tx1"/>
+          </a:fontRef>
+        </p:style>
+      </p:cxnSp>
+      <p:sp>
+        <p:nvSpPr>
+          <p:cNvPr id="12" name="TextBox 11">
+            <a:extLst>
+              <a:ext uri="{FF2B5EF4-FFF2-40B4-BE49-F238E27FC236}">
+                <a16:creationId xmlns:a16="http://schemas.microsoft.com/office/drawing/2014/main" id="{89EF5AEC-36C3-B871-A253-B80739D57D8F}"/>
+              </a:ext>
+            </a:extLst>
+          </p:cNvPr>
+          <p:cNvSpPr txBox="1"/>
+          <p:nvPr/>
+        </p:nvSpPr>
+        <p:spPr>
+          <a:xfrm>
+            <a:off x="7685587" y="519792"/>
+            <a:ext cx="4078361" cy="1384995"/>
+          </a:xfrm>
+          <a:prstGeom prst="rect">
+            <a:avLst/>
+          </a:prstGeom>
+          <a:noFill/>
+        </p:spPr>
+        <p:txBody>
+          <a:bodyPr wrap="none" rtlCol="0">
+            <a:spAutoFit/>
+          </a:bodyPr>
+          <a:lstStyle/>
+          <a:p>
+            <a:r>
+              <a:rPr lang="ko-KR" altLang="en-US" sz="1400" dirty="0"/>
+              <a:t>포커스가 여기로 와야 합니다</a:t>
+            </a:r>
+            <a:r>
+              <a:rPr lang="en-US" altLang="ko-KR" sz="1400" dirty="0"/>
+              <a:t>.</a:t>
+            </a:r>
+          </a:p>
+          <a:p>
+            <a:endParaRPr lang="en-US" altLang="ko-KR" sz="1400" dirty="0"/>
+          </a:p>
+          <a:p>
+            <a:r>
+              <a:rPr lang="en-US" altLang="ko-KR" sz="1400" dirty="0"/>
+              <a:t>X </a:t>
+            </a:r>
+            <a:r>
+              <a:rPr lang="ko-KR" altLang="en-US" sz="1400" dirty="0"/>
+              <a:t>버튼에서 </a:t>
+            </a:r>
+            <a:r>
+              <a:rPr lang="ko-KR" altLang="en-US" sz="1400" dirty="0" err="1"/>
+              <a:t>탭누르면</a:t>
+            </a:r>
+            <a:r>
+              <a:rPr lang="ko-KR" altLang="en-US" sz="1400" dirty="0"/>
+              <a:t> 포커스가 다시 여기로 와야</a:t>
+            </a:r>
+            <a:endParaRPr lang="en-US" altLang="ko-KR" sz="1400" dirty="0"/>
+          </a:p>
+          <a:p>
+            <a:r>
+              <a:rPr lang="ko-KR" altLang="en-US" sz="1400" dirty="0"/>
+              <a:t>합니다</a:t>
+            </a:r>
+            <a:r>
+              <a:rPr lang="en-US" altLang="ko-KR" sz="1400" dirty="0"/>
+              <a:t>.</a:t>
+            </a:r>
+          </a:p>
+          <a:p>
+            <a:endParaRPr lang="en-US" altLang="ko-KR" sz="1400" dirty="0"/>
+          </a:p>
+          <a:p>
+            <a:r>
+              <a:rPr lang="en-US" altLang="ko-KR" sz="1400" dirty="0"/>
+              <a:t>X </a:t>
+            </a:r>
+            <a:r>
+              <a:rPr lang="ko-KR" altLang="en-US" sz="1400" dirty="0"/>
+              <a:t>누르면 원래 </a:t>
+            </a:r>
+            <a:r>
+              <a:rPr lang="ko-KR" altLang="en-US" sz="1400" dirty="0" err="1"/>
+              <a:t>있던곳으로</a:t>
+            </a:r>
+            <a:r>
+              <a:rPr lang="ko-KR" altLang="en-US" sz="1400" dirty="0"/>
+              <a:t> 포커스가 가야합니다</a:t>
+            </a:r>
+            <a:r>
+              <a:rPr lang="en-US" altLang="ko-KR" sz="1400" dirty="0"/>
+              <a:t>.</a:t>
+            </a:r>
+            <a:endParaRPr lang="ko-KR" altLang="en-US" sz="1400" dirty="0"/>
+          </a:p>
+        </p:txBody>
+      </p:sp>
+      <p:cxnSp>
+        <p:nvCxnSpPr>
+          <p:cNvPr id="14" name="직선 화살표 연결선 13">
+            <a:extLst>
+              <a:ext uri="{FF2B5EF4-FFF2-40B4-BE49-F238E27FC236}">
+                <a16:creationId xmlns:a16="http://schemas.microsoft.com/office/drawing/2014/main" id="{7E7049B7-C4AA-544A-5CE6-6D8281EDD43E}"/>
+              </a:ext>
+            </a:extLst>
+          </p:cNvPr>
+          <p:cNvCxnSpPr>
+            <a:cxnSpLocks/>
+          </p:cNvCxnSpPr>
+          <p:nvPr/>
+        </p:nvCxnSpPr>
+        <p:spPr>
+          <a:xfrm flipV="1">
+            <a:off x="2691253" y="1298121"/>
+            <a:ext cx="0" cy="3943350"/>
+          </a:xfrm>
+          <a:prstGeom prst="straightConnector1">
+            <a:avLst/>
+          </a:prstGeom>
+          <a:ln>
+            <a:tailEnd type="triangle"/>
+          </a:ln>
+        </p:spPr>
+        <p:style>
+          <a:lnRef idx="1">
+            <a:schemeClr val="dk1"/>
+          </a:lnRef>
+          <a:fillRef idx="0">
+            <a:schemeClr val="dk1"/>
+          </a:fillRef>
+          <a:effectRef idx="0">
+            <a:schemeClr val="dk1"/>
+          </a:effectRef>
+          <a:fontRef idx="minor">
+            <a:schemeClr val="tx1"/>
+          </a:fontRef>
+        </p:style>
+      </p:cxnSp>
+      <p:cxnSp>
+        <p:nvCxnSpPr>
+          <p:cNvPr id="17" name="직선 연결선 16">
+            <a:extLst>
+              <a:ext uri="{FF2B5EF4-FFF2-40B4-BE49-F238E27FC236}">
+                <a16:creationId xmlns:a16="http://schemas.microsoft.com/office/drawing/2014/main" id="{F7FD24F0-77EA-66D1-B9AD-C46DF90108A0}"/>
+              </a:ext>
+            </a:extLst>
+          </p:cNvPr>
+          <p:cNvCxnSpPr/>
+          <p:nvPr/>
+        </p:nvCxnSpPr>
+        <p:spPr>
+          <a:xfrm>
+            <a:off x="2743200" y="5241471"/>
+            <a:ext cx="5519057" cy="0"/>
+          </a:xfrm>
+          <a:prstGeom prst="line">
+            <a:avLst/>
+          </a:prstGeom>
+        </p:spPr>
+        <p:style>
+          <a:lnRef idx="1">
+            <a:schemeClr val="accent1"/>
+          </a:lnRef>
+          <a:fillRef idx="0">
+            <a:schemeClr val="accent1"/>
+          </a:fillRef>
+          <a:effectRef idx="0">
+            <a:schemeClr val="accent1"/>
+          </a:effectRef>
+          <a:fontRef idx="minor">
+            <a:schemeClr val="tx1"/>
+          </a:fontRef>
+        </p:style>
+      </p:cxnSp>
+      <p:cxnSp>
+        <p:nvCxnSpPr>
+          <p:cNvPr id="19" name="직선 연결선 18">
+            <a:extLst>
+              <a:ext uri="{FF2B5EF4-FFF2-40B4-BE49-F238E27FC236}">
+                <a16:creationId xmlns:a16="http://schemas.microsoft.com/office/drawing/2014/main" id="{24E7478F-D91C-F669-C390-8DD4E1E6DADB}"/>
+              </a:ext>
+            </a:extLst>
+          </p:cNvPr>
+          <p:cNvCxnSpPr/>
+          <p:nvPr/>
+        </p:nvCxnSpPr>
+        <p:spPr>
+          <a:xfrm flipV="1">
+            <a:off x="8270421" y="2073729"/>
+            <a:ext cx="0" cy="3167742"/>
+          </a:xfrm>
+          <a:prstGeom prst="line">
+            <a:avLst/>
+          </a:prstGeom>
+        </p:spPr>
+        <p:style>
+          <a:lnRef idx="1">
+            <a:schemeClr val="accent1"/>
+          </a:lnRef>
+          <a:fillRef idx="0">
+            <a:schemeClr val="accent1"/>
+          </a:fillRef>
+          <a:effectRef idx="0">
+            <a:schemeClr val="accent1"/>
+          </a:effectRef>
+          <a:fontRef idx="minor">
+            <a:schemeClr val="tx1"/>
+          </a:fontRef>
+        </p:style>
+      </p:cxnSp>
+    </p:spTree>
+    <p:extLst>
+      <p:ext uri="{BB962C8B-B14F-4D97-AF65-F5344CB8AC3E}">
+        <p14:creationId xmlns:p14="http://schemas.microsoft.com/office/powerpoint/2010/main" val="3084232163"/>
+      </p:ext>
+    </p:extLst>
+  </p:cSld>
+  <p:clrMapOvr>
+    <a:masterClrMapping/>
+  </p:clrMapOvr>
+</p:sld>
+</file>
+
+<file path=ppt/slides/slide24.xml><?xml version="1.0" encoding="utf-8"?>
+<p:sld xmlns:a="http://schemas.openxmlformats.org/drawingml/2006/main" xmlns:r="http://schemas.openxmlformats.org/officeDocument/2006/relationships" xmlns:p="http://schemas.openxmlformats.org/presentationml/2006/main">
+  <p:cSld>
+    <p:spTree>
+      <p:nvGrpSpPr>
+        <p:cNvPr id="1" name=""/>
+        <p:cNvGrpSpPr/>
+        <p:nvPr/>
+      </p:nvGrpSpPr>
+      <p:grpSpPr>
+        <a:xfrm>
+          <a:off x="0" y="0"/>
+          <a:ext cx="0" cy="0"/>
+          <a:chOff x="0" y="0"/>
+          <a:chExt cx="0" cy="0"/>
+        </a:xfrm>
+      </p:grpSpPr>
+    </p:spTree>
+    <p:extLst>
+      <p:ext uri="{BB962C8B-B14F-4D97-AF65-F5344CB8AC3E}">
+        <p14:creationId xmlns:p14="http://schemas.microsoft.com/office/powerpoint/2010/main" val="3656500380"/>
+      </p:ext>
+    </p:extLst>
+  </p:cSld>
+  <p:clrMapOvr>
+    <a:masterClrMapping/>
+  </p:clrMapOvr>
+</p:sld>
+</file>
+
+<file path=ppt/slides/slide25.xml><?xml version="1.0" encoding="utf-8"?>
+<p:sld xmlns:a="http://schemas.openxmlformats.org/drawingml/2006/main" xmlns:r="http://schemas.openxmlformats.org/officeDocument/2006/relationships" xmlns:p="http://schemas.openxmlformats.org/presentationml/2006/main">
+  <p:cSld>
+    <p:spTree>
+      <p:nvGrpSpPr>
+        <p:cNvPr id="1" name=""/>
+        <p:cNvGrpSpPr/>
+        <p:nvPr/>
+      </p:nvGrpSpPr>
+      <p:grpSpPr>
+        <a:xfrm>
+          <a:off x="0" y="0"/>
+          <a:ext cx="0" cy="0"/>
+          <a:chOff x="0" y="0"/>
+          <a:chExt cx="0" cy="0"/>
+        </a:xfrm>
+      </p:grpSpPr>
+    </p:spTree>
+    <p:extLst>
+      <p:ext uri="{BB962C8B-B14F-4D97-AF65-F5344CB8AC3E}">
+        <p14:creationId xmlns:p14="http://schemas.microsoft.com/office/powerpoint/2010/main" val="2556136554"/>
+      </p:ext>
+    </p:extLst>
+  </p:cSld>
+  <p:clrMapOvr>
+    <a:masterClrMapping/>
+  </p:clrMapOvr>
+</p:sld>
+</file>
+
+<file path=ppt/slides/slide26.xml><?xml version="1.0" encoding="utf-8"?>
+<p:sld xmlns:a="http://schemas.openxmlformats.org/drawingml/2006/main" xmlns:r="http://schemas.openxmlformats.org/officeDocument/2006/relationships" xmlns:p="http://schemas.openxmlformats.org/presentationml/2006/main">
+  <p:cSld>
+    <p:spTree>
+      <p:nvGrpSpPr>
+        <p:cNvPr id="1" name=""/>
+        <p:cNvGrpSpPr/>
+        <p:nvPr/>
+      </p:nvGrpSpPr>
+      <p:grpSpPr>
+        <a:xfrm>
+          <a:off x="0" y="0"/>
+          <a:ext cx="0" cy="0"/>
+          <a:chOff x="0" y="0"/>
+          <a:chExt cx="0" cy="0"/>
+        </a:xfrm>
+      </p:grpSpPr>
+      <p:sp>
+        <p:nvSpPr>
+          <p:cNvPr id="3" name="직사각형 2">
+            <a:extLst>
+              <a:ext uri="{FF2B5EF4-FFF2-40B4-BE49-F238E27FC236}">
+                <a16:creationId xmlns:a16="http://schemas.microsoft.com/office/drawing/2014/main" id="{C911613E-2065-A021-648C-90EA2DD07EE8}"/>
+              </a:ext>
+            </a:extLst>
+          </p:cNvPr>
+          <p:cNvSpPr/>
+          <p:nvPr/>
+        </p:nvSpPr>
+        <p:spPr>
+          <a:xfrm>
+            <a:off x="0" y="0"/>
+            <a:ext cx="12192000" cy="6858000"/>
+          </a:xfrm>
+          <a:prstGeom prst="rect">
+            <a:avLst/>
+          </a:prstGeom>
+        </p:spPr>
+        <p:style>
+          <a:lnRef idx="2">
+            <a:schemeClr val="accent1">
+              <a:shade val="50000"/>
+            </a:schemeClr>
+          </a:lnRef>
+          <a:fillRef idx="1">
+            <a:schemeClr val="accent1"/>
+          </a:fillRef>
+          <a:effectRef idx="0">
+            <a:schemeClr val="accent1"/>
+          </a:effectRef>
+          <a:fontRef idx="minor">
+            <a:schemeClr val="lt1"/>
+          </a:fontRef>
+        </p:style>
+        <p:txBody>
+          <a:bodyPr rtlCol="0" anchor="ctr"/>
+          <a:lstStyle/>
+          <a:p>
+            <a:pPr algn="ctr"/>
+            <a:r>
+              <a:rPr lang="ko-KR" altLang="en-US" sz="10000"/>
+              <a:t>스마트맵</a:t>
+            </a:r>
+            <a:endParaRPr lang="ko-KR" altLang="en-US" sz="10000" dirty="0"/>
+          </a:p>
+        </p:txBody>
+      </p:sp>
+    </p:spTree>
+    <p:extLst>
+      <p:ext uri="{BB962C8B-B14F-4D97-AF65-F5344CB8AC3E}">
+        <p14:creationId xmlns:p14="http://schemas.microsoft.com/office/powerpoint/2010/main" val="1805834605"/>
+      </p:ext>
+    </p:extLst>
+  </p:cSld>
+  <p:clrMapOvr>
+    <a:masterClrMapping/>
+  </p:clrMapOvr>
+</p:sld>
+</file>
+
+<file path=ppt/slides/slide27.xml><?xml version="1.0" encoding="utf-8"?>
+<p:sld xmlns:a="http://schemas.openxmlformats.org/drawingml/2006/main" xmlns:r="http://schemas.openxmlformats.org/officeDocument/2006/relationships" xmlns:p="http://schemas.openxmlformats.org/presentationml/2006/main">
+  <p:cSld>
+    <p:spTree>
+      <p:nvGrpSpPr>
+        <p:cNvPr id="1" name=""/>
+        <p:cNvGrpSpPr/>
+        <p:nvPr/>
+      </p:nvGrpSpPr>
+      <p:grpSpPr>
+        <a:xfrm>
+          <a:off x="0" y="0"/>
+          <a:ext cx="0" cy="0"/>
+          <a:chOff x="0" y="0"/>
+          <a:chExt cx="0" cy="0"/>
+        </a:xfrm>
+      </p:grpSpPr>
+      <p:pic>
+        <p:nvPicPr>
           <p:cNvPr id="4" name="그림 3">
             <a:extLst>
               <a:ext uri="{FF2B5EF4-FFF2-40B4-BE49-F238E27FC236}">
@@ -6812,7 +8180,7 @@
 </p:sld>
 </file>
 
-<file path=ppt/slides/slide23.xml><?xml version="1.0" encoding="utf-8"?>
+<file path=ppt/slides/slide28.xml><?xml version="1.0" encoding="utf-8"?>
 <p:sld xmlns:a="http://schemas.openxmlformats.org/drawingml/2006/main" xmlns:r="http://schemas.openxmlformats.org/officeDocument/2006/relationships" xmlns:p="http://schemas.openxmlformats.org/presentationml/2006/main">
   <p:cSld>
     <p:spTree>
@@ -6842,7 +8210,7 @@
 </p:sld>
 </file>
 
-<file path=ppt/slides/slide24.xml><?xml version="1.0" encoding="utf-8"?>
+<file path=ppt/slides/slide29.xml><?xml version="1.0" encoding="utf-8"?>
 <p:sld xmlns:a="http://schemas.openxmlformats.org/drawingml/2006/main" xmlns:r="http://schemas.openxmlformats.org/officeDocument/2006/relationships" xmlns:p="http://schemas.openxmlformats.org/presentationml/2006/main">
   <p:cSld>
     <p:spTree>
@@ -7065,46 +8433,6 @@
           </a:prstGeom>
         </p:spPr>
       </p:pic>
-      <p:sp>
-        <p:nvSpPr>
-          <p:cNvPr id="6" name="TextBox 5">
-            <a:extLst>
-              <a:ext uri="{FF2B5EF4-FFF2-40B4-BE49-F238E27FC236}">
-                <a16:creationId xmlns:a16="http://schemas.microsoft.com/office/drawing/2014/main" id="{AD6B4C42-4DA2-3E73-0AD2-DA1287FFADBF}"/>
-              </a:ext>
-            </a:extLst>
-          </p:cNvPr>
-          <p:cNvSpPr txBox="1"/>
-          <p:nvPr/>
-        </p:nvSpPr>
-        <p:spPr>
-          <a:xfrm>
-            <a:off x="7560969" y="5919328"/>
-            <a:ext cx="2988319" cy="307777"/>
-          </a:xfrm>
-          <a:prstGeom prst="rect">
-            <a:avLst/>
-          </a:prstGeom>
-          <a:noFill/>
-        </p:spPr>
-        <p:txBody>
-          <a:bodyPr wrap="none" rtlCol="0">
-            <a:spAutoFit/>
-          </a:bodyPr>
-          <a:lstStyle/>
-          <a:p>
-            <a:r>
-              <a:rPr lang="ko-KR" altLang="en-US" sz="1400" dirty="0"/>
-              <a:t>현재 활성화 된 메뉴에 넣어주세요</a:t>
-            </a:r>
-            <a:r>
-              <a:rPr lang="en-US" altLang="ko-KR" sz="1400" dirty="0"/>
-              <a:t>.</a:t>
-            </a:r>
-            <a:endParaRPr lang="ko-KR" altLang="en-US" sz="1400" dirty="0"/>
-          </a:p>
-        </p:txBody>
-      </p:sp>
       <p:pic>
         <p:nvPicPr>
           <p:cNvPr id="8" name="그림 7">
@@ -7215,107 +8543,6 @@
           <a:prstGeom prst="line">
             <a:avLst/>
           </a:prstGeom>
-        </p:spPr>
-        <p:style>
-          <a:lnRef idx="1">
-            <a:schemeClr val="accent1"/>
-          </a:lnRef>
-          <a:fillRef idx="0">
-            <a:schemeClr val="accent1"/>
-          </a:fillRef>
-          <a:effectRef idx="0">
-            <a:schemeClr val="accent1"/>
-          </a:effectRef>
-          <a:fontRef idx="minor">
-            <a:schemeClr val="tx1"/>
-          </a:fontRef>
-        </p:style>
-      </p:cxnSp>
-      <p:pic>
-        <p:nvPicPr>
-          <p:cNvPr id="18" name="그림 17">
-            <a:extLst>
-              <a:ext uri="{FF2B5EF4-FFF2-40B4-BE49-F238E27FC236}">
-                <a16:creationId xmlns:a16="http://schemas.microsoft.com/office/drawing/2014/main" id="{E9D20CF8-28B2-3CBE-6937-5C3064F3D72D}"/>
-              </a:ext>
-            </a:extLst>
-          </p:cNvPr>
-          <p:cNvPicPr>
-            <a:picLocks noChangeAspect="1"/>
-          </p:cNvPicPr>
-          <p:nvPr/>
-        </p:nvPicPr>
-        <p:blipFill>
-          <a:blip r:embed="rId7"/>
-          <a:stretch>
-            <a:fillRect/>
-          </a:stretch>
-        </p:blipFill>
-        <p:spPr>
-          <a:xfrm>
-            <a:off x="401159" y="5394261"/>
-            <a:ext cx="2819794" cy="495369"/>
-          </a:xfrm>
-          <a:prstGeom prst="rect">
-            <a:avLst/>
-          </a:prstGeom>
-        </p:spPr>
-      </p:pic>
-      <p:pic>
-        <p:nvPicPr>
-          <p:cNvPr id="22" name="그림 21">
-            <a:extLst>
-              <a:ext uri="{FF2B5EF4-FFF2-40B4-BE49-F238E27FC236}">
-                <a16:creationId xmlns:a16="http://schemas.microsoft.com/office/drawing/2014/main" id="{856A0592-454A-23F3-B725-498316DBE58A}"/>
-              </a:ext>
-            </a:extLst>
-          </p:cNvPr>
-          <p:cNvPicPr>
-            <a:picLocks noChangeAspect="1"/>
-          </p:cNvPicPr>
-          <p:nvPr/>
-        </p:nvPicPr>
-        <p:blipFill>
-          <a:blip r:embed="rId8"/>
-          <a:stretch>
-            <a:fillRect/>
-          </a:stretch>
-        </p:blipFill>
-        <p:spPr>
-          <a:xfrm>
-            <a:off x="4153282" y="5394261"/>
-            <a:ext cx="7106642" cy="295316"/>
-          </a:xfrm>
-          <a:prstGeom prst="rect">
-            <a:avLst/>
-          </a:prstGeom>
-        </p:spPr>
-      </p:pic>
-      <p:cxnSp>
-        <p:nvCxnSpPr>
-          <p:cNvPr id="24" name="직선 연결선 23">
-            <a:extLst>
-              <a:ext uri="{FF2B5EF4-FFF2-40B4-BE49-F238E27FC236}">
-                <a16:creationId xmlns:a16="http://schemas.microsoft.com/office/drawing/2014/main" id="{12D83F63-77E7-E670-B9BC-737ED2804308}"/>
-              </a:ext>
-            </a:extLst>
-          </p:cNvPr>
-          <p:cNvCxnSpPr/>
-          <p:nvPr/>
-        </p:nvCxnSpPr>
-        <p:spPr>
-          <a:xfrm>
-            <a:off x="7706603" y="5775158"/>
-            <a:ext cx="2842685" cy="0"/>
-          </a:xfrm>
-          <a:prstGeom prst="line">
-            <a:avLst/>
-          </a:prstGeom>
-          <a:ln w="25400">
-            <a:solidFill>
-              <a:srgbClr val="FF0000"/>
-            </a:solidFill>
-          </a:ln>
         </p:spPr>
         <p:style>
           <a:lnRef idx="1">
@@ -7681,6 +8908,601 @@
           <a:chExt cx="0" cy="0"/>
         </a:xfrm>
       </p:grpSpPr>
+      <p:pic>
+        <p:nvPicPr>
+          <p:cNvPr id="3" name="그림 2">
+            <a:extLst>
+              <a:ext uri="{FF2B5EF4-FFF2-40B4-BE49-F238E27FC236}">
+                <a16:creationId xmlns:a16="http://schemas.microsoft.com/office/drawing/2014/main" id="{4AB87B38-914A-AF09-2979-FBCFBEC2613B}"/>
+              </a:ext>
+            </a:extLst>
+          </p:cNvPr>
+          <p:cNvPicPr>
+            <a:picLocks noChangeAspect="1"/>
+          </p:cNvPicPr>
+          <p:nvPr/>
+        </p:nvPicPr>
+        <p:blipFill>
+          <a:blip r:embed="rId2"/>
+          <a:stretch>
+            <a:fillRect/>
+          </a:stretch>
+        </p:blipFill>
+        <p:spPr>
+          <a:xfrm>
+            <a:off x="602749" y="1060568"/>
+            <a:ext cx="666843" cy="1552792"/>
+          </a:xfrm>
+          <a:prstGeom prst="rect">
+            <a:avLst/>
+          </a:prstGeom>
+        </p:spPr>
+      </p:pic>
+      <p:sp>
+        <p:nvSpPr>
+          <p:cNvPr id="4" name="TextBox 3">
+            <a:extLst>
+              <a:ext uri="{FF2B5EF4-FFF2-40B4-BE49-F238E27FC236}">
+                <a16:creationId xmlns:a16="http://schemas.microsoft.com/office/drawing/2014/main" id="{4EB64D49-03C1-FD57-23AA-6AB09AB4E926}"/>
+              </a:ext>
+            </a:extLst>
+          </p:cNvPr>
+          <p:cNvSpPr txBox="1"/>
+          <p:nvPr/>
+        </p:nvSpPr>
+        <p:spPr>
+          <a:xfrm>
+            <a:off x="522514" y="416379"/>
+            <a:ext cx="1733167" cy="369332"/>
+          </a:xfrm>
+          <a:prstGeom prst="rect">
+            <a:avLst/>
+          </a:prstGeom>
+          <a:noFill/>
+        </p:spPr>
+        <p:txBody>
+          <a:bodyPr wrap="none" rtlCol="0">
+            <a:spAutoFit/>
+          </a:bodyPr>
+          <a:lstStyle/>
+          <a:p>
+            <a:r>
+              <a:rPr lang="ko-KR" altLang="en-US"/>
+              <a:t>토글 버튼 공통</a:t>
+            </a:r>
+            <a:endParaRPr lang="ko-KR" altLang="en-US" dirty="0"/>
+          </a:p>
+        </p:txBody>
+      </p:sp>
+      <p:pic>
+        <p:nvPicPr>
+          <p:cNvPr id="6" name="그림 5">
+            <a:extLst>
+              <a:ext uri="{FF2B5EF4-FFF2-40B4-BE49-F238E27FC236}">
+                <a16:creationId xmlns:a16="http://schemas.microsoft.com/office/drawing/2014/main" id="{88BBB04D-B1F4-9897-438E-CF4D31ED8605}"/>
+              </a:ext>
+            </a:extLst>
+          </p:cNvPr>
+          <p:cNvPicPr>
+            <a:picLocks noChangeAspect="1"/>
+          </p:cNvPicPr>
+          <p:nvPr/>
+        </p:nvPicPr>
+        <p:blipFill>
+          <a:blip r:embed="rId3"/>
+          <a:stretch>
+            <a:fillRect/>
+          </a:stretch>
+        </p:blipFill>
+        <p:spPr>
+          <a:xfrm>
+            <a:off x="2095262" y="1085061"/>
+            <a:ext cx="3705742" cy="533474"/>
+          </a:xfrm>
+          <a:prstGeom prst="rect">
+            <a:avLst/>
+          </a:prstGeom>
+        </p:spPr>
+      </p:pic>
+      <p:cxnSp>
+        <p:nvCxnSpPr>
+          <p:cNvPr id="8" name="직선 화살표 연결선 7">
+            <a:extLst>
+              <a:ext uri="{FF2B5EF4-FFF2-40B4-BE49-F238E27FC236}">
+                <a16:creationId xmlns:a16="http://schemas.microsoft.com/office/drawing/2014/main" id="{BAFC1004-E74B-FDC8-168D-0578EB05BB83}"/>
+              </a:ext>
+            </a:extLst>
+          </p:cNvPr>
+          <p:cNvCxnSpPr>
+            <a:cxnSpLocks/>
+          </p:cNvCxnSpPr>
+          <p:nvPr/>
+        </p:nvCxnSpPr>
+        <p:spPr>
+          <a:xfrm>
+            <a:off x="1389097" y="1273629"/>
+            <a:ext cx="586660" cy="0"/>
+          </a:xfrm>
+          <a:prstGeom prst="straightConnector1">
+            <a:avLst/>
+          </a:prstGeom>
+          <a:ln>
+            <a:tailEnd type="triangle"/>
+          </a:ln>
+        </p:spPr>
+        <p:style>
+          <a:lnRef idx="1">
+            <a:schemeClr val="accent1"/>
+          </a:lnRef>
+          <a:fillRef idx="0">
+            <a:schemeClr val="accent1"/>
+          </a:fillRef>
+          <a:effectRef idx="0">
+            <a:schemeClr val="accent1"/>
+          </a:effectRef>
+          <a:fontRef idx="minor">
+            <a:schemeClr val="tx1"/>
+          </a:fontRef>
+        </p:style>
+      </p:cxnSp>
+      <p:pic>
+        <p:nvPicPr>
+          <p:cNvPr id="10" name="그림 9">
+            <a:extLst>
+              <a:ext uri="{FF2B5EF4-FFF2-40B4-BE49-F238E27FC236}">
+                <a16:creationId xmlns:a16="http://schemas.microsoft.com/office/drawing/2014/main" id="{23E2DF60-61AF-7B31-E572-E62549897C03}"/>
+              </a:ext>
+            </a:extLst>
+          </p:cNvPr>
+          <p:cNvPicPr>
+            <a:picLocks noChangeAspect="1"/>
+          </p:cNvPicPr>
+          <p:nvPr/>
+        </p:nvPicPr>
+        <p:blipFill>
+          <a:blip r:embed="rId4"/>
+          <a:stretch>
+            <a:fillRect/>
+          </a:stretch>
+        </p:blipFill>
+        <p:spPr>
+          <a:xfrm>
+            <a:off x="6096000" y="1060568"/>
+            <a:ext cx="562053" cy="1543265"/>
+          </a:xfrm>
+          <a:prstGeom prst="rect">
+            <a:avLst/>
+          </a:prstGeom>
+        </p:spPr>
+      </p:pic>
+      <p:cxnSp>
+        <p:nvCxnSpPr>
+          <p:cNvPr id="12" name="직선 화살표 연결선 11">
+            <a:extLst>
+              <a:ext uri="{FF2B5EF4-FFF2-40B4-BE49-F238E27FC236}">
+                <a16:creationId xmlns:a16="http://schemas.microsoft.com/office/drawing/2014/main" id="{B2F30C3D-A490-75FA-3F22-A95E3B7C5E61}"/>
+              </a:ext>
+            </a:extLst>
+          </p:cNvPr>
+          <p:cNvCxnSpPr>
+            <a:cxnSpLocks/>
+          </p:cNvCxnSpPr>
+          <p:nvPr/>
+        </p:nvCxnSpPr>
+        <p:spPr>
+          <a:xfrm>
+            <a:off x="6777525" y="1249137"/>
+            <a:ext cx="586660" cy="0"/>
+          </a:xfrm>
+          <a:prstGeom prst="straightConnector1">
+            <a:avLst/>
+          </a:prstGeom>
+          <a:ln>
+            <a:tailEnd type="triangle"/>
+          </a:ln>
+        </p:spPr>
+        <p:style>
+          <a:lnRef idx="1">
+            <a:schemeClr val="accent1"/>
+          </a:lnRef>
+          <a:fillRef idx="0">
+            <a:schemeClr val="accent1"/>
+          </a:fillRef>
+          <a:effectRef idx="0">
+            <a:schemeClr val="accent1"/>
+          </a:effectRef>
+          <a:fontRef idx="minor">
+            <a:schemeClr val="tx1"/>
+          </a:fontRef>
+        </p:style>
+      </p:cxnSp>
+      <p:sp>
+        <p:nvSpPr>
+          <p:cNvPr id="13" name="TextBox 12">
+            <a:extLst>
+              <a:ext uri="{FF2B5EF4-FFF2-40B4-BE49-F238E27FC236}">
+                <a16:creationId xmlns:a16="http://schemas.microsoft.com/office/drawing/2014/main" id="{DCC1D92A-B3A5-EF71-9CD6-88B7845310D2}"/>
+              </a:ext>
+            </a:extLst>
+          </p:cNvPr>
+          <p:cNvSpPr txBox="1"/>
+          <p:nvPr/>
+        </p:nvSpPr>
+        <p:spPr>
+          <a:xfrm>
+            <a:off x="2032908" y="1832200"/>
+            <a:ext cx="2917786" cy="307777"/>
+          </a:xfrm>
+          <a:prstGeom prst="rect">
+            <a:avLst/>
+          </a:prstGeom>
+          <a:noFill/>
+        </p:spPr>
+        <p:txBody>
+          <a:bodyPr wrap="none" rtlCol="0">
+            <a:spAutoFit/>
+          </a:bodyPr>
+          <a:lstStyle/>
+          <a:p>
+            <a:r>
+              <a:rPr lang="ko-KR" altLang="en-US" sz="1400"/>
+              <a:t>버튼에 </a:t>
+            </a:r>
+            <a:r>
+              <a:rPr lang="en-US" altLang="ko-KR" sz="1400"/>
+              <a:t>title=“</a:t>
+            </a:r>
+            <a:r>
+              <a:rPr lang="ko-KR" altLang="en-US" sz="1400"/>
+              <a:t>위성지도 보기</a:t>
+            </a:r>
+            <a:r>
+              <a:rPr lang="en-US" altLang="ko-KR" sz="1400"/>
+              <a:t>” </a:t>
+            </a:r>
+            <a:r>
+              <a:rPr lang="ko-KR" altLang="en-US" sz="1400"/>
+              <a:t>추가</a:t>
+            </a:r>
+          </a:p>
+        </p:txBody>
+      </p:sp>
+      <p:sp>
+        <p:nvSpPr>
+          <p:cNvPr id="14" name="TextBox 13">
+            <a:extLst>
+              <a:ext uri="{FF2B5EF4-FFF2-40B4-BE49-F238E27FC236}">
+                <a16:creationId xmlns:a16="http://schemas.microsoft.com/office/drawing/2014/main" id="{82EFAD91-74F4-B125-B719-F16AF5D4B72B}"/>
+              </a:ext>
+            </a:extLst>
+          </p:cNvPr>
+          <p:cNvSpPr txBox="1"/>
+          <p:nvPr/>
+        </p:nvSpPr>
+        <p:spPr>
+          <a:xfrm>
+            <a:off x="7551966" y="1095248"/>
+            <a:ext cx="3159839" cy="307777"/>
+          </a:xfrm>
+          <a:prstGeom prst="rect">
+            <a:avLst/>
+          </a:prstGeom>
+          <a:noFill/>
+        </p:spPr>
+        <p:txBody>
+          <a:bodyPr wrap="none" rtlCol="0">
+            <a:spAutoFit/>
+          </a:bodyPr>
+          <a:lstStyle/>
+          <a:p>
+            <a:r>
+              <a:rPr lang="ko-KR" altLang="en-US" sz="1400"/>
+              <a:t>버튼에 </a:t>
+            </a:r>
+            <a:r>
+              <a:rPr lang="en-US" altLang="ko-KR" sz="1400"/>
+              <a:t>title=“</a:t>
+            </a:r>
+            <a:r>
+              <a:rPr lang="ko-KR" altLang="en-US" sz="1400"/>
+              <a:t>일반지도 보기</a:t>
+            </a:r>
+            <a:r>
+              <a:rPr lang="en-US" altLang="ko-KR" sz="1400"/>
+              <a:t>” </a:t>
+            </a:r>
+            <a:r>
+              <a:rPr lang="ko-KR" altLang="en-US" sz="1400"/>
+              <a:t>로 변경</a:t>
+            </a:r>
+          </a:p>
+        </p:txBody>
+      </p:sp>
+      <p:sp>
+        <p:nvSpPr>
+          <p:cNvPr id="15" name="TextBox 14">
+            <a:extLst>
+              <a:ext uri="{FF2B5EF4-FFF2-40B4-BE49-F238E27FC236}">
+                <a16:creationId xmlns:a16="http://schemas.microsoft.com/office/drawing/2014/main" id="{C663A42C-F17E-DD23-784E-6EE558F03265}"/>
+              </a:ext>
+            </a:extLst>
+          </p:cNvPr>
+          <p:cNvSpPr txBox="1"/>
+          <p:nvPr/>
+        </p:nvSpPr>
+        <p:spPr>
+          <a:xfrm>
+            <a:off x="7560969" y="6027183"/>
+            <a:ext cx="2988319" cy="307777"/>
+          </a:xfrm>
+          <a:prstGeom prst="rect">
+            <a:avLst/>
+          </a:prstGeom>
+          <a:noFill/>
+        </p:spPr>
+        <p:txBody>
+          <a:bodyPr wrap="none" rtlCol="0">
+            <a:spAutoFit/>
+          </a:bodyPr>
+          <a:lstStyle/>
+          <a:p>
+            <a:r>
+              <a:rPr lang="ko-KR" altLang="en-US" sz="1400" dirty="0"/>
+              <a:t>현재 활성화 된 메뉴에 넣어주세요</a:t>
+            </a:r>
+            <a:r>
+              <a:rPr lang="en-US" altLang="ko-KR" sz="1400" dirty="0"/>
+              <a:t>.</a:t>
+            </a:r>
+            <a:endParaRPr lang="ko-KR" altLang="en-US" sz="1400" dirty="0"/>
+          </a:p>
+        </p:txBody>
+      </p:sp>
+      <p:pic>
+        <p:nvPicPr>
+          <p:cNvPr id="16" name="그림 15">
+            <a:extLst>
+              <a:ext uri="{FF2B5EF4-FFF2-40B4-BE49-F238E27FC236}">
+                <a16:creationId xmlns:a16="http://schemas.microsoft.com/office/drawing/2014/main" id="{B72E16F8-F41F-727F-732A-E1D6CCD46F6B}"/>
+              </a:ext>
+            </a:extLst>
+          </p:cNvPr>
+          <p:cNvPicPr>
+            <a:picLocks noChangeAspect="1"/>
+          </p:cNvPicPr>
+          <p:nvPr/>
+        </p:nvPicPr>
+        <p:blipFill>
+          <a:blip r:embed="rId5"/>
+          <a:stretch>
+            <a:fillRect/>
+          </a:stretch>
+        </p:blipFill>
+        <p:spPr>
+          <a:xfrm>
+            <a:off x="401159" y="5502116"/>
+            <a:ext cx="2819794" cy="495369"/>
+          </a:xfrm>
+          <a:prstGeom prst="rect">
+            <a:avLst/>
+          </a:prstGeom>
+        </p:spPr>
+      </p:pic>
+      <p:pic>
+        <p:nvPicPr>
+          <p:cNvPr id="17" name="그림 16">
+            <a:extLst>
+              <a:ext uri="{FF2B5EF4-FFF2-40B4-BE49-F238E27FC236}">
+                <a16:creationId xmlns:a16="http://schemas.microsoft.com/office/drawing/2014/main" id="{B446DE15-8955-54DD-6FFB-05F022DE369F}"/>
+              </a:ext>
+            </a:extLst>
+          </p:cNvPr>
+          <p:cNvPicPr>
+            <a:picLocks noChangeAspect="1"/>
+          </p:cNvPicPr>
+          <p:nvPr/>
+        </p:nvPicPr>
+        <p:blipFill>
+          <a:blip r:embed="rId6"/>
+          <a:stretch>
+            <a:fillRect/>
+          </a:stretch>
+        </p:blipFill>
+        <p:spPr>
+          <a:xfrm>
+            <a:off x="4153282" y="5502116"/>
+            <a:ext cx="7106642" cy="295316"/>
+          </a:xfrm>
+          <a:prstGeom prst="rect">
+            <a:avLst/>
+          </a:prstGeom>
+        </p:spPr>
+      </p:pic>
+      <p:cxnSp>
+        <p:nvCxnSpPr>
+          <p:cNvPr id="18" name="직선 연결선 17">
+            <a:extLst>
+              <a:ext uri="{FF2B5EF4-FFF2-40B4-BE49-F238E27FC236}">
+                <a16:creationId xmlns:a16="http://schemas.microsoft.com/office/drawing/2014/main" id="{980D59C8-1CA5-EC1E-9EF8-E78FE19C29CE}"/>
+              </a:ext>
+            </a:extLst>
+          </p:cNvPr>
+          <p:cNvCxnSpPr/>
+          <p:nvPr/>
+        </p:nvCxnSpPr>
+        <p:spPr>
+          <a:xfrm>
+            <a:off x="7706603" y="5883013"/>
+            <a:ext cx="2842685" cy="0"/>
+          </a:xfrm>
+          <a:prstGeom prst="line">
+            <a:avLst/>
+          </a:prstGeom>
+          <a:ln w="25400">
+            <a:solidFill>
+              <a:srgbClr val="FF0000"/>
+            </a:solidFill>
+          </a:ln>
+        </p:spPr>
+        <p:style>
+          <a:lnRef idx="1">
+            <a:schemeClr val="accent1"/>
+          </a:lnRef>
+          <a:fillRef idx="0">
+            <a:schemeClr val="accent1"/>
+          </a:fillRef>
+          <a:effectRef idx="0">
+            <a:schemeClr val="accent1"/>
+          </a:effectRef>
+          <a:fontRef idx="minor">
+            <a:schemeClr val="tx1"/>
+          </a:fontRef>
+        </p:style>
+      </p:cxnSp>
+      <p:sp>
+        <p:nvSpPr>
+          <p:cNvPr id="19" name="TextBox 18">
+            <a:extLst>
+              <a:ext uri="{FF2B5EF4-FFF2-40B4-BE49-F238E27FC236}">
+                <a16:creationId xmlns:a16="http://schemas.microsoft.com/office/drawing/2014/main" id="{C9ED434A-86E3-719D-1DCB-E1F5C7E1CE0C}"/>
+              </a:ext>
+            </a:extLst>
+          </p:cNvPr>
+          <p:cNvSpPr txBox="1"/>
+          <p:nvPr/>
+        </p:nvSpPr>
+        <p:spPr>
+          <a:xfrm>
+            <a:off x="522514" y="4686621"/>
+            <a:ext cx="2045753" cy="369332"/>
+          </a:xfrm>
+          <a:prstGeom prst="rect">
+            <a:avLst/>
+          </a:prstGeom>
+          <a:noFill/>
+        </p:spPr>
+        <p:txBody>
+          <a:bodyPr wrap="none" rtlCol="0">
+            <a:spAutoFit/>
+          </a:bodyPr>
+          <a:lstStyle/>
+          <a:p>
+            <a:r>
+              <a:rPr lang="ko-KR" altLang="en-US"/>
+              <a:t>탭 메뉴 버튼 공통</a:t>
+            </a:r>
+            <a:endParaRPr lang="ko-KR" altLang="en-US" dirty="0"/>
+          </a:p>
+        </p:txBody>
+      </p:sp>
+      <p:sp>
+        <p:nvSpPr>
+          <p:cNvPr id="20" name="TextBox 19">
+            <a:extLst>
+              <a:ext uri="{FF2B5EF4-FFF2-40B4-BE49-F238E27FC236}">
+                <a16:creationId xmlns:a16="http://schemas.microsoft.com/office/drawing/2014/main" id="{45B90284-3F0A-963A-DA69-E98234639104}"/>
+              </a:ext>
+            </a:extLst>
+          </p:cNvPr>
+          <p:cNvSpPr txBox="1"/>
+          <p:nvPr/>
+        </p:nvSpPr>
+        <p:spPr>
+          <a:xfrm>
+            <a:off x="602749" y="2972098"/>
+            <a:ext cx="8820043" cy="307777"/>
+          </a:xfrm>
+          <a:prstGeom prst="rect">
+            <a:avLst/>
+          </a:prstGeom>
+          <a:noFill/>
+        </p:spPr>
+        <p:txBody>
+          <a:bodyPr wrap="none" rtlCol="0">
+            <a:spAutoFit/>
+          </a:bodyPr>
+          <a:lstStyle/>
+          <a:p>
+            <a:r>
+              <a:rPr lang="ko-KR" altLang="en-US" sz="1400"/>
+              <a:t>이게 정석인데</a:t>
+            </a:r>
+            <a:r>
+              <a:rPr lang="en-US" altLang="ko-KR" sz="1400"/>
+              <a:t>, </a:t>
+            </a:r>
+            <a:r>
+              <a:rPr lang="ko-KR" altLang="en-US" sz="1400"/>
+              <a:t>모든 토글 </a:t>
+            </a:r>
+            <a:r>
+              <a:rPr lang="en-US" altLang="ko-KR" sz="1400"/>
+              <a:t>title</a:t>
+            </a:r>
+            <a:r>
+              <a:rPr lang="ko-KR" altLang="en-US" sz="1400"/>
+              <a:t>을 다 다르게 하기 힘드니</a:t>
+            </a:r>
+            <a:r>
+              <a:rPr lang="en-US" altLang="ko-KR" sz="1400"/>
+              <a:t>, </a:t>
+            </a:r>
+            <a:r>
+              <a:rPr lang="ko-KR" altLang="en-US" sz="1400"/>
+              <a:t>활성</a:t>
+            </a:r>
+            <a:r>
+              <a:rPr lang="en-US" altLang="ko-KR" sz="1400"/>
+              <a:t>/</a:t>
+            </a:r>
+            <a:r>
+              <a:rPr lang="ko-KR" altLang="en-US" sz="1400"/>
+              <a:t>비활성으로 이름을 바꾸는게 나을수도 있어요</a:t>
+            </a:r>
+            <a:r>
+              <a:rPr lang="en-US" altLang="ko-KR" sz="1400"/>
+              <a:t>.</a:t>
+            </a:r>
+            <a:endParaRPr lang="ko-KR" altLang="en-US" sz="1400"/>
+          </a:p>
+        </p:txBody>
+      </p:sp>
+      <p:cxnSp>
+        <p:nvCxnSpPr>
+          <p:cNvPr id="21" name="직선 연결선 20">
+            <a:extLst>
+              <a:ext uri="{FF2B5EF4-FFF2-40B4-BE49-F238E27FC236}">
+                <a16:creationId xmlns:a16="http://schemas.microsoft.com/office/drawing/2014/main" id="{CC4D42EE-8655-07DB-C964-A9417C774790}"/>
+              </a:ext>
+            </a:extLst>
+          </p:cNvPr>
+          <p:cNvCxnSpPr/>
+          <p:nvPr/>
+        </p:nvCxnSpPr>
+        <p:spPr>
+          <a:xfrm>
+            <a:off x="540697" y="3770354"/>
+            <a:ext cx="10995439" cy="0"/>
+          </a:xfrm>
+          <a:prstGeom prst="line">
+            <a:avLst/>
+          </a:prstGeom>
+        </p:spPr>
+        <p:style>
+          <a:lnRef idx="1">
+            <a:schemeClr val="accent1"/>
+          </a:lnRef>
+          <a:fillRef idx="0">
+            <a:schemeClr val="accent1"/>
+          </a:fillRef>
+          <a:effectRef idx="0">
+            <a:schemeClr val="accent1"/>
+          </a:effectRef>
+          <a:fontRef idx="minor">
+            <a:schemeClr val="tx1"/>
+          </a:fontRef>
+        </p:style>
+      </p:cxnSp>
     </p:spTree>
     <p:extLst>
       <p:ext uri="{BB962C8B-B14F-4D97-AF65-F5344CB8AC3E}">
@@ -7711,60 +9533,231 @@
           <a:chExt cx="0" cy="0"/>
         </a:xfrm>
       </p:grpSpPr>
-      <p:sp>
-        <p:nvSpPr>
-          <p:cNvPr id="3" name="직사각형 2">
-            <a:extLst>
-              <a:ext uri="{FF2B5EF4-FFF2-40B4-BE49-F238E27FC236}">
-                <a16:creationId xmlns:a16="http://schemas.microsoft.com/office/drawing/2014/main" id="{C911613E-2065-A021-648C-90EA2DD07EE8}"/>
-              </a:ext>
-            </a:extLst>
-          </p:cNvPr>
-          <p:cNvSpPr/>
-          <p:nvPr/>
-        </p:nvSpPr>
-        <p:spPr>
-          <a:xfrm>
-            <a:off x="0" y="0"/>
-            <a:ext cx="12192000" cy="6858000"/>
-          </a:xfrm>
-          <a:prstGeom prst="rect">
-            <a:avLst/>
-          </a:prstGeom>
+      <p:pic>
+        <p:nvPicPr>
+          <p:cNvPr id="3" name="그림 2">
+            <a:extLst>
+              <a:ext uri="{FF2B5EF4-FFF2-40B4-BE49-F238E27FC236}">
+                <a16:creationId xmlns:a16="http://schemas.microsoft.com/office/drawing/2014/main" id="{7CA51E01-AFFF-99F6-6E00-9495006C9FAE}"/>
+              </a:ext>
+            </a:extLst>
+          </p:cNvPr>
+          <p:cNvPicPr>
+            <a:picLocks noChangeAspect="1"/>
+          </p:cNvPicPr>
+          <p:nvPr/>
+        </p:nvPicPr>
+        <p:blipFill>
+          <a:blip r:embed="rId2"/>
+          <a:stretch>
+            <a:fillRect/>
+          </a:stretch>
+        </p:blipFill>
+        <p:spPr>
+          <a:xfrm>
+            <a:off x="623056" y="983796"/>
+            <a:ext cx="2796326" cy="4890407"/>
+          </a:xfrm>
+          <a:prstGeom prst="rect">
+            <a:avLst/>
+          </a:prstGeom>
+        </p:spPr>
+      </p:pic>
+      <p:sp>
+        <p:nvSpPr>
+          <p:cNvPr id="4" name="TextBox 3">
+            <a:extLst>
+              <a:ext uri="{FF2B5EF4-FFF2-40B4-BE49-F238E27FC236}">
+                <a16:creationId xmlns:a16="http://schemas.microsoft.com/office/drawing/2014/main" id="{71E9FD64-9DF9-0155-D5E4-EDA9CEF69D02}"/>
+              </a:ext>
+            </a:extLst>
+          </p:cNvPr>
+          <p:cNvSpPr txBox="1"/>
+          <p:nvPr/>
+        </p:nvSpPr>
+        <p:spPr>
+          <a:xfrm>
+            <a:off x="522514" y="416379"/>
+            <a:ext cx="1420582" cy="369332"/>
+          </a:xfrm>
+          <a:prstGeom prst="rect">
+            <a:avLst/>
+          </a:prstGeom>
+          <a:noFill/>
+        </p:spPr>
+        <p:txBody>
+          <a:bodyPr wrap="none" rtlCol="0">
+            <a:spAutoFit/>
+          </a:bodyPr>
+          <a:lstStyle/>
+          <a:p>
+            <a:r>
+              <a:rPr lang="ko-KR" altLang="en-US"/>
+              <a:t>포커스 이동</a:t>
+            </a:r>
+            <a:endParaRPr lang="ko-KR" altLang="en-US" dirty="0"/>
+          </a:p>
+        </p:txBody>
+      </p:sp>
+      <p:cxnSp>
+        <p:nvCxnSpPr>
+          <p:cNvPr id="6" name="직선 화살표 연결선 5">
+            <a:extLst>
+              <a:ext uri="{FF2B5EF4-FFF2-40B4-BE49-F238E27FC236}">
+                <a16:creationId xmlns:a16="http://schemas.microsoft.com/office/drawing/2014/main" id="{B9EA2CAC-EA94-2903-2DC7-B46515C0A55C}"/>
+              </a:ext>
+            </a:extLst>
+          </p:cNvPr>
+          <p:cNvCxnSpPr/>
+          <p:nvPr/>
+        </p:nvCxnSpPr>
+        <p:spPr>
+          <a:xfrm>
+            <a:off x="4384221" y="1102179"/>
+            <a:ext cx="0" cy="1314450"/>
+          </a:xfrm>
+          <a:prstGeom prst="straightConnector1">
+            <a:avLst/>
+          </a:prstGeom>
+          <a:ln>
+            <a:tailEnd type="triangle"/>
+          </a:ln>
         </p:spPr>
         <p:style>
-          <a:lnRef idx="2">
-            <a:schemeClr val="accent1">
-              <a:shade val="50000"/>
-            </a:schemeClr>
+          <a:lnRef idx="1">
+            <a:schemeClr val="accent1"/>
           </a:lnRef>
-          <a:fillRef idx="1">
+          <a:fillRef idx="0">
             <a:schemeClr val="accent1"/>
           </a:fillRef>
           <a:effectRef idx="0">
             <a:schemeClr val="accent1"/>
           </a:effectRef>
           <a:fontRef idx="minor">
-            <a:schemeClr val="lt1"/>
+            <a:schemeClr val="tx1"/>
           </a:fontRef>
         </p:style>
-        <p:txBody>
-          <a:bodyPr rtlCol="0" anchor="ctr"/>
+      </p:cxnSp>
+      <p:cxnSp>
+        <p:nvCxnSpPr>
+          <p:cNvPr id="8" name="직선 화살표 연결선 7">
+            <a:extLst>
+              <a:ext uri="{FF2B5EF4-FFF2-40B4-BE49-F238E27FC236}">
+                <a16:creationId xmlns:a16="http://schemas.microsoft.com/office/drawing/2014/main" id="{8B4465D6-AA6E-2948-5C29-A5C18F0B69F0}"/>
+              </a:ext>
+            </a:extLst>
+          </p:cNvPr>
+          <p:cNvCxnSpPr/>
+          <p:nvPr/>
+        </p:nvCxnSpPr>
+        <p:spPr>
+          <a:xfrm>
+            <a:off x="4433207" y="2669721"/>
+            <a:ext cx="1662793" cy="0"/>
+          </a:xfrm>
+          <a:prstGeom prst="straightConnector1">
+            <a:avLst/>
+          </a:prstGeom>
+          <a:ln>
+            <a:tailEnd type="triangle"/>
+          </a:ln>
+        </p:spPr>
+        <p:style>
+          <a:lnRef idx="1">
+            <a:schemeClr val="accent1"/>
+          </a:lnRef>
+          <a:fillRef idx="0">
+            <a:schemeClr val="accent1"/>
+          </a:fillRef>
+          <a:effectRef idx="0">
+            <a:schemeClr val="accent1"/>
+          </a:effectRef>
+          <a:fontRef idx="minor">
+            <a:schemeClr val="tx1"/>
+          </a:fontRef>
+        </p:style>
+      </p:cxnSp>
+      <p:sp>
+        <p:nvSpPr>
+          <p:cNvPr id="9" name="TextBox 8">
+            <a:extLst>
+              <a:ext uri="{FF2B5EF4-FFF2-40B4-BE49-F238E27FC236}">
+                <a16:creationId xmlns:a16="http://schemas.microsoft.com/office/drawing/2014/main" id="{3716E1D6-01A4-D972-58FF-8AF980C44058}"/>
+              </a:ext>
+            </a:extLst>
+          </p:cNvPr>
+          <p:cNvSpPr txBox="1"/>
+          <p:nvPr/>
+        </p:nvSpPr>
+        <p:spPr>
+          <a:xfrm>
+            <a:off x="4212071" y="2947605"/>
+            <a:ext cx="6946132" cy="738664"/>
+          </a:xfrm>
+          <a:prstGeom prst="rect">
+            <a:avLst/>
+          </a:prstGeom>
+          <a:noFill/>
+        </p:spPr>
+        <p:txBody>
+          <a:bodyPr wrap="none" rtlCol="0">
+            <a:spAutoFit/>
+          </a:bodyPr>
           <a:lstStyle/>
           <a:p>
-            <a:pPr algn="ctr"/>
-            <a:r>
-              <a:rPr lang="ko-KR" altLang="en-US" sz="10000"/>
-              <a:t>오늘 세종엔</a:t>
-            </a:r>
-            <a:endParaRPr lang="ko-KR" altLang="en-US" sz="10000" dirty="0"/>
+            <a:r>
+              <a:rPr lang="ko-KR" altLang="en-US" sz="1400"/>
+              <a:t>포커스가 논리적인 순서</a:t>
+            </a:r>
+            <a:r>
+              <a:rPr lang="en-US" altLang="ko-KR" sz="1400"/>
+              <a:t>(</a:t>
+            </a:r>
+            <a:r>
+              <a:rPr lang="ko-KR" altLang="en-US" sz="1400"/>
+              <a:t>위에서 아래 좌에서 우</a:t>
+            </a:r>
+            <a:r>
+              <a:rPr lang="en-US" altLang="ko-KR" sz="1400"/>
+              <a:t>)</a:t>
+            </a:r>
+            <a:r>
+              <a:rPr lang="ko-KR" altLang="en-US" sz="1400"/>
+              <a:t>로 이동하도록 해주세요</a:t>
+            </a:r>
+            <a:r>
+              <a:rPr lang="en-US" altLang="ko-KR" sz="1400"/>
+              <a:t>.</a:t>
+            </a:r>
+          </a:p>
+          <a:p>
+            <a:endParaRPr lang="en-US" altLang="ko-KR" sz="1400"/>
+          </a:p>
+          <a:p>
+            <a:r>
+              <a:rPr lang="ko-KR" altLang="en-US" sz="1400"/>
+              <a:t>포커스가 사자리지지 않도록 해주세요</a:t>
+            </a:r>
+            <a:r>
+              <a:rPr lang="en-US" altLang="ko-KR" sz="1400"/>
+              <a:t>.(</a:t>
+            </a:r>
+            <a:r>
+              <a:rPr lang="ko-KR" altLang="en-US" sz="1400"/>
+              <a:t>버튼 눌러서 팝업이 뜨면 포커스도 같이 이동</a:t>
+            </a:r>
+            <a:r>
+              <a:rPr lang="en-US" altLang="ko-KR" sz="1400"/>
+              <a:t>)</a:t>
+            </a:r>
+            <a:endParaRPr lang="ko-KR" altLang="en-US" sz="1400"/>
           </a:p>
         </p:txBody>
       </p:sp>
     </p:spTree>
     <p:extLst>
       <p:ext uri="{BB962C8B-B14F-4D97-AF65-F5344CB8AC3E}">
-        <p14:creationId xmlns:p14="http://schemas.microsoft.com/office/powerpoint/2010/main" val="2204104532"/>
+        <p14:creationId xmlns:p14="http://schemas.microsoft.com/office/powerpoint/2010/main" val="210812959"/>
       </p:ext>
     </p:extLst>
   </p:cSld>
@@ -7791,108 +9784,12 @@
           <a:chExt cx="0" cy="0"/>
         </a:xfrm>
       </p:grpSpPr>
-      <p:pic>
-        <p:nvPicPr>
-          <p:cNvPr id="2" name="그림 1">
-            <a:extLst>
-              <a:ext uri="{FF2B5EF4-FFF2-40B4-BE49-F238E27FC236}">
-                <a16:creationId xmlns:a16="http://schemas.microsoft.com/office/drawing/2014/main" id="{7DA4C7A9-256C-1C75-6600-54AA78E9DE76}"/>
-              </a:ext>
-            </a:extLst>
-          </p:cNvPr>
-          <p:cNvPicPr>
-            <a:picLocks noChangeAspect="1"/>
-          </p:cNvPicPr>
-          <p:nvPr/>
-        </p:nvPicPr>
-        <p:blipFill>
-          <a:blip r:embed="rId2"/>
-          <a:stretch>
-            <a:fillRect/>
-          </a:stretch>
-        </p:blipFill>
-        <p:spPr>
-          <a:xfrm>
-            <a:off x="623857" y="940891"/>
-            <a:ext cx="428685" cy="600159"/>
-          </a:xfrm>
-          <a:prstGeom prst="rect">
-            <a:avLst/>
-          </a:prstGeom>
-        </p:spPr>
-      </p:pic>
-      <p:pic>
-        <p:nvPicPr>
-          <p:cNvPr id="3" name="그림 2">
-            <a:extLst>
-              <a:ext uri="{FF2B5EF4-FFF2-40B4-BE49-F238E27FC236}">
-                <a16:creationId xmlns:a16="http://schemas.microsoft.com/office/drawing/2014/main" id="{A2E757DC-4FE4-49AA-26F7-51D2177FB4EF}"/>
-              </a:ext>
-            </a:extLst>
-          </p:cNvPr>
-          <p:cNvPicPr>
-            <a:picLocks noChangeAspect="1"/>
-          </p:cNvPicPr>
-          <p:nvPr/>
-        </p:nvPicPr>
-        <p:blipFill>
-          <a:blip r:embed="rId3"/>
-          <a:stretch>
-            <a:fillRect/>
-          </a:stretch>
-        </p:blipFill>
-        <p:spPr>
-          <a:xfrm>
-            <a:off x="1221830" y="1031391"/>
-            <a:ext cx="2048161" cy="209579"/>
-          </a:xfrm>
-          <a:prstGeom prst="rect">
-            <a:avLst/>
-          </a:prstGeom>
-        </p:spPr>
-      </p:pic>
-      <p:cxnSp>
-        <p:nvCxnSpPr>
-          <p:cNvPr id="5" name="직선 연결선 4">
-            <a:extLst>
-              <a:ext uri="{FF2B5EF4-FFF2-40B4-BE49-F238E27FC236}">
-                <a16:creationId xmlns:a16="http://schemas.microsoft.com/office/drawing/2014/main" id="{7CCF44C8-B4B1-9F09-0741-7A1BB72F3A2F}"/>
-              </a:ext>
-            </a:extLst>
-          </p:cNvPr>
-          <p:cNvCxnSpPr/>
-          <p:nvPr/>
-        </p:nvCxnSpPr>
-        <p:spPr>
-          <a:xfrm>
-            <a:off x="540697" y="1738993"/>
-            <a:ext cx="10995439" cy="0"/>
-          </a:xfrm>
-          <a:prstGeom prst="line">
-            <a:avLst/>
-          </a:prstGeom>
-        </p:spPr>
-        <p:style>
-          <a:lnRef idx="1">
-            <a:schemeClr val="accent1"/>
-          </a:lnRef>
-          <a:fillRef idx="0">
-            <a:schemeClr val="accent1"/>
-          </a:fillRef>
-          <a:effectRef idx="0">
-            <a:schemeClr val="accent1"/>
-          </a:effectRef>
-          <a:fontRef idx="minor">
-            <a:schemeClr val="tx1"/>
-          </a:fontRef>
-        </p:style>
-      </p:cxnSp>
-      <p:sp>
-        <p:nvSpPr>
-          <p:cNvPr id="12" name="TextBox 11">
-            <a:extLst>
-              <a:ext uri="{FF2B5EF4-FFF2-40B4-BE49-F238E27FC236}">
-                <a16:creationId xmlns:a16="http://schemas.microsoft.com/office/drawing/2014/main" id="{138BCE96-7D4F-0781-908E-00DC6C406B99}"/>
+      <p:sp>
+        <p:nvSpPr>
+          <p:cNvPr id="2" name="TextBox 1">
+            <a:extLst>
+              <a:ext uri="{FF2B5EF4-FFF2-40B4-BE49-F238E27FC236}">
+                <a16:creationId xmlns:a16="http://schemas.microsoft.com/office/drawing/2014/main" id="{D98F6969-679A-EAEE-4D19-BE871AC11923}"/>
               </a:ext>
             </a:extLst>
           </p:cNvPr>
@@ -7901,8 +9798,8 @@
         </p:nvSpPr>
         <p:spPr>
           <a:xfrm>
-            <a:off x="5125870" y="922902"/>
-            <a:ext cx="1144865" cy="307777"/>
+            <a:off x="522514" y="416379"/>
+            <a:ext cx="1420582" cy="369332"/>
           </a:xfrm>
           <a:prstGeom prst="rect">
             <a:avLst/>
@@ -7916,100 +9813,19 @@
           <a:lstStyle/>
           <a:p>
             <a:r>
-              <a:rPr lang="ko-KR" altLang="en-US" sz="1400" dirty="0"/>
-              <a:t>타이틀 변경</a:t>
-            </a:r>
-          </a:p>
-        </p:txBody>
-      </p:sp>
-      <p:pic>
-        <p:nvPicPr>
-          <p:cNvPr id="15" name="그림 14">
-            <a:extLst>
-              <a:ext uri="{FF2B5EF4-FFF2-40B4-BE49-F238E27FC236}">
-                <a16:creationId xmlns:a16="http://schemas.microsoft.com/office/drawing/2014/main" id="{088A6085-1196-F532-CF59-BF7AB7497294}"/>
-              </a:ext>
-            </a:extLst>
-          </p:cNvPr>
-          <p:cNvPicPr>
-            <a:picLocks noChangeAspect="1"/>
-          </p:cNvPicPr>
-          <p:nvPr/>
-        </p:nvPicPr>
-        <p:blipFill>
-          <a:blip r:embed="rId4"/>
-          <a:stretch>
-            <a:fillRect/>
-          </a:stretch>
-        </p:blipFill>
-        <p:spPr>
-          <a:xfrm>
-            <a:off x="441279" y="2530825"/>
-            <a:ext cx="3896269" cy="743054"/>
-          </a:xfrm>
-          <a:prstGeom prst="rect">
-            <a:avLst/>
-          </a:prstGeom>
-        </p:spPr>
-      </p:pic>
-      <p:sp>
-        <p:nvSpPr>
-          <p:cNvPr id="16" name="직사각형 15">
-            <a:extLst>
-              <a:ext uri="{FF2B5EF4-FFF2-40B4-BE49-F238E27FC236}">
-                <a16:creationId xmlns:a16="http://schemas.microsoft.com/office/drawing/2014/main" id="{9200D68F-3E29-0788-AA6D-CE46F679B4CC}"/>
-              </a:ext>
-            </a:extLst>
-          </p:cNvPr>
-          <p:cNvSpPr/>
-          <p:nvPr/>
-        </p:nvSpPr>
-        <p:spPr>
-          <a:xfrm>
-            <a:off x="2436739" y="2833007"/>
-            <a:ext cx="391886" cy="391886"/>
-          </a:xfrm>
-          <a:prstGeom prst="rect">
-            <a:avLst/>
-          </a:prstGeom>
-          <a:noFill/>
-          <a:ln w="25400">
-            <a:solidFill>
-              <a:srgbClr val="FF0000"/>
-            </a:solidFill>
-          </a:ln>
-        </p:spPr>
-        <p:style>
-          <a:lnRef idx="2">
-            <a:schemeClr val="accent1">
-              <a:shade val="50000"/>
-            </a:schemeClr>
-          </a:lnRef>
-          <a:fillRef idx="1">
-            <a:schemeClr val="accent1"/>
-          </a:fillRef>
-          <a:effectRef idx="0">
-            <a:schemeClr val="accent1"/>
-          </a:effectRef>
-          <a:fontRef idx="minor">
-            <a:schemeClr val="lt1"/>
-          </a:fontRef>
-        </p:style>
-        <p:txBody>
-          <a:bodyPr rtlCol="0" anchor="ctr"/>
-          <a:lstStyle/>
-          <a:p>
-            <a:pPr algn="ctr"/>
-            <a:endParaRPr lang="ko-KR" altLang="en-US"/>
-          </a:p>
-        </p:txBody>
-      </p:sp>
-      <p:sp>
-        <p:nvSpPr>
-          <p:cNvPr id="17" name="TextBox 16">
-            <a:extLst>
-              <a:ext uri="{FF2B5EF4-FFF2-40B4-BE49-F238E27FC236}">
-                <a16:creationId xmlns:a16="http://schemas.microsoft.com/office/drawing/2014/main" id="{48EC0B04-BD49-0BFA-01E3-0CF150D0332A}"/>
+              <a:rPr lang="ko-KR" altLang="en-US"/>
+              <a:t>체크 리스트</a:t>
+            </a:r>
+            <a:endParaRPr lang="ko-KR" altLang="en-US" dirty="0"/>
+          </a:p>
+        </p:txBody>
+      </p:sp>
+      <p:sp>
+        <p:nvSpPr>
+          <p:cNvPr id="3" name="TextBox 2">
+            <a:extLst>
+              <a:ext uri="{FF2B5EF4-FFF2-40B4-BE49-F238E27FC236}">
+                <a16:creationId xmlns:a16="http://schemas.microsoft.com/office/drawing/2014/main" id="{546D54A7-4AA9-6A03-F2DA-0E08A8E3ACC1}"/>
               </a:ext>
             </a:extLst>
           </p:cNvPr>
@@ -8018,8 +9834,8 @@
         </p:nvSpPr>
         <p:spPr>
           <a:xfrm>
-            <a:off x="5125870" y="2247308"/>
-            <a:ext cx="2335896" cy="697050"/>
+            <a:off x="522514" y="1012372"/>
+            <a:ext cx="7071167" cy="5596597"/>
           </a:xfrm>
           <a:prstGeom prst="rect">
             <a:avLst/>
@@ -8032,211 +9848,520 @@
           </a:bodyPr>
           <a:lstStyle/>
           <a:p>
-            <a:pPr>
+            <a:pPr marL="342900" indent="-342900">
               <a:lnSpc>
                 <a:spcPct val="150000"/>
               </a:lnSpc>
+              <a:buAutoNum type="arabicPeriod"/>
             </a:pPr>
             <a:r>
-              <a:rPr lang="ko-KR" altLang="en-US" sz="1400" dirty="0"/>
-              <a:t>시작</a:t>
-            </a:r>
-            <a:r>
-              <a:rPr lang="en-US" altLang="ko-KR" sz="1400" dirty="0"/>
-              <a:t>/</a:t>
-            </a:r>
-            <a:r>
-              <a:rPr lang="ko-KR" altLang="en-US" sz="1400" dirty="0"/>
-              <a:t>정지 추가</a:t>
-            </a:r>
-            <a:endParaRPr lang="en-US" altLang="ko-KR" sz="1400" dirty="0"/>
-          </a:p>
-          <a:p>
-            <a:pPr>
+              <a:rPr lang="ko-KR" altLang="en-US" sz="1200"/>
+              <a:t>텍스트 아닌 콘텐츠에는 대체 텍스트를 제공하는가</a:t>
+            </a:r>
+            <a:r>
+              <a:rPr lang="en-US" altLang="ko-KR" sz="1200"/>
+              <a:t>?</a:t>
+            </a:r>
+          </a:p>
+          <a:p>
+            <a:pPr marL="342900" indent="-342900">
               <a:lnSpc>
                 <a:spcPct val="150000"/>
               </a:lnSpc>
+              <a:buAutoNum type="arabicPeriod"/>
             </a:pPr>
             <a:r>
-              <a:rPr lang="en-US" altLang="ko-KR" sz="1400" dirty="0"/>
-              <a:t>UI-SJN-01-001U.html </a:t>
-            </a:r>
-            <a:r>
-              <a:rPr lang="ko-KR" altLang="en-US" sz="1400" dirty="0"/>
-              <a:t>참고</a:t>
-            </a:r>
-          </a:p>
-        </p:txBody>
-      </p:sp>
-      <p:pic>
-        <p:nvPicPr>
-          <p:cNvPr id="19" name="그림 18">
-            <a:extLst>
-              <a:ext uri="{FF2B5EF4-FFF2-40B4-BE49-F238E27FC236}">
-                <a16:creationId xmlns:a16="http://schemas.microsoft.com/office/drawing/2014/main" id="{19228B63-46A2-6151-EA2B-4A6C4E1C97C7}"/>
-              </a:ext>
-            </a:extLst>
-          </p:cNvPr>
-          <p:cNvPicPr>
-            <a:picLocks noChangeAspect="1"/>
-          </p:cNvPicPr>
-          <p:nvPr/>
-        </p:nvPicPr>
-        <p:blipFill>
-          <a:blip r:embed="rId5"/>
-          <a:stretch>
-            <a:fillRect/>
-          </a:stretch>
-        </p:blipFill>
-        <p:spPr>
-          <a:xfrm>
-            <a:off x="540697" y="4152502"/>
-            <a:ext cx="3410426" cy="543001"/>
-          </a:xfrm>
-          <a:prstGeom prst="rect">
-            <a:avLst/>
-          </a:prstGeom>
-        </p:spPr>
-      </p:pic>
-      <p:cxnSp>
-        <p:nvCxnSpPr>
-          <p:cNvPr id="20" name="직선 연결선 19">
-            <a:extLst>
-              <a:ext uri="{FF2B5EF4-FFF2-40B4-BE49-F238E27FC236}">
-                <a16:creationId xmlns:a16="http://schemas.microsoft.com/office/drawing/2014/main" id="{31A57D32-21B1-D932-5AE2-4E4F3C0DF261}"/>
-              </a:ext>
-            </a:extLst>
-          </p:cNvPr>
-          <p:cNvCxnSpPr/>
-          <p:nvPr/>
-        </p:nvCxnSpPr>
-        <p:spPr>
-          <a:xfrm>
-            <a:off x="540697" y="3996243"/>
-            <a:ext cx="10995439" cy="0"/>
-          </a:xfrm>
-          <a:prstGeom prst="line">
-            <a:avLst/>
-          </a:prstGeom>
-        </p:spPr>
-        <p:style>
-          <a:lnRef idx="1">
-            <a:schemeClr val="accent1"/>
-          </a:lnRef>
-          <a:fillRef idx="0">
-            <a:schemeClr val="accent1"/>
-          </a:fillRef>
-          <a:effectRef idx="0">
-            <a:schemeClr val="accent1"/>
-          </a:effectRef>
-          <a:fontRef idx="minor">
-            <a:schemeClr val="tx1"/>
-          </a:fontRef>
-        </p:style>
-      </p:cxnSp>
-      <p:pic>
-        <p:nvPicPr>
-          <p:cNvPr id="21" name="그림 20">
-            <a:extLst>
-              <a:ext uri="{FF2B5EF4-FFF2-40B4-BE49-F238E27FC236}">
-                <a16:creationId xmlns:a16="http://schemas.microsoft.com/office/drawing/2014/main" id="{DDA2D4B6-5C80-2467-2FF9-AA63A66291C2}"/>
-              </a:ext>
-            </a:extLst>
-          </p:cNvPr>
-          <p:cNvPicPr>
-            <a:picLocks noChangeAspect="1"/>
-          </p:cNvPicPr>
-          <p:nvPr/>
-        </p:nvPicPr>
-        <p:blipFill>
-          <a:blip r:embed="rId6"/>
-          <a:stretch>
-            <a:fillRect/>
-          </a:stretch>
-        </p:blipFill>
-        <p:spPr>
-          <a:xfrm>
-            <a:off x="4338544" y="4171962"/>
-            <a:ext cx="1543265" cy="209579"/>
-          </a:xfrm>
-          <a:prstGeom prst="rect">
-            <a:avLst/>
-          </a:prstGeom>
-        </p:spPr>
-      </p:pic>
-      <p:pic>
-        <p:nvPicPr>
-          <p:cNvPr id="22" name="그림 21">
-            <a:extLst>
-              <a:ext uri="{FF2B5EF4-FFF2-40B4-BE49-F238E27FC236}">
-                <a16:creationId xmlns:a16="http://schemas.microsoft.com/office/drawing/2014/main" id="{66B248D5-3406-E50F-DDC3-D059B6FC754F}"/>
-              </a:ext>
-            </a:extLst>
-          </p:cNvPr>
-          <p:cNvPicPr>
-            <a:picLocks noChangeAspect="1"/>
-          </p:cNvPicPr>
-          <p:nvPr/>
-        </p:nvPicPr>
-        <p:blipFill>
-          <a:blip r:embed="rId7"/>
-          <a:stretch>
-            <a:fillRect/>
-          </a:stretch>
-        </p:blipFill>
-        <p:spPr>
-          <a:xfrm>
-            <a:off x="4338544" y="4591886"/>
-            <a:ext cx="3982006" cy="1343212"/>
-          </a:xfrm>
-          <a:prstGeom prst="rect">
-            <a:avLst/>
-          </a:prstGeom>
-        </p:spPr>
-      </p:pic>
-      <p:sp>
-        <p:nvSpPr>
-          <p:cNvPr id="23" name="TextBox 22">
-            <a:extLst>
-              <a:ext uri="{FF2B5EF4-FFF2-40B4-BE49-F238E27FC236}">
-                <a16:creationId xmlns:a16="http://schemas.microsoft.com/office/drawing/2014/main" id="{E5FAD1BC-23A9-ADD2-263C-C6F16E8BD87B}"/>
-              </a:ext>
-            </a:extLst>
-          </p:cNvPr>
-          <p:cNvSpPr txBox="1"/>
-          <p:nvPr/>
-        </p:nvSpPr>
-        <p:spPr>
-          <a:xfrm>
-            <a:off x="8844147" y="4969025"/>
-            <a:ext cx="2335896" cy="307777"/>
-          </a:xfrm>
-          <a:prstGeom prst="rect">
-            <a:avLst/>
-          </a:prstGeom>
-          <a:noFill/>
-        </p:spPr>
-        <p:txBody>
-          <a:bodyPr wrap="none" rtlCol="0">
-            <a:spAutoFit/>
-          </a:bodyPr>
-          <a:lstStyle/>
-          <a:p>
-            <a:r>
-              <a:rPr lang="en-US" altLang="ko-KR" sz="1400" dirty="0"/>
-              <a:t>UI-SJN-01-001U.html </a:t>
-            </a:r>
-            <a:r>
-              <a:rPr lang="ko-KR" altLang="en-US" sz="1400" dirty="0"/>
-              <a:t>참고</a:t>
-            </a:r>
+              <a:rPr lang="ko-KR" altLang="en-US" sz="1200"/>
+              <a:t>동영상 음성 등 멀티미디어 콘텐츠를 이해할 수 있도록 자막</a:t>
+            </a:r>
+            <a:r>
+              <a:rPr lang="en-US" altLang="ko-KR" sz="1200"/>
+              <a:t>, </a:t>
+            </a:r>
+            <a:r>
+              <a:rPr lang="ko-KR" altLang="en-US" sz="1200"/>
+              <a:t>대본 또는 수화를 제공하는가</a:t>
+            </a:r>
+            <a:r>
+              <a:rPr lang="en-US" altLang="ko-KR" sz="1200"/>
+              <a:t>?</a:t>
+            </a:r>
+          </a:p>
+          <a:p>
+            <a:pPr marL="342900" indent="-342900">
+              <a:lnSpc>
+                <a:spcPct val="150000"/>
+              </a:lnSpc>
+              <a:buAutoNum type="arabicPeriod"/>
+            </a:pPr>
+            <a:r>
+              <a:rPr lang="ko-KR" altLang="en-US" sz="1200"/>
+              <a:t>콘텐츠</a:t>
+            </a:r>
+            <a:r>
+              <a:rPr lang="en-US" altLang="ko-KR" sz="1200"/>
+              <a:t>(</a:t>
+            </a:r>
+            <a:r>
+              <a:rPr lang="ko-KR" altLang="en-US" sz="1200"/>
+              <a:t>그래프</a:t>
+            </a:r>
+            <a:r>
+              <a:rPr lang="en-US" altLang="ko-KR" sz="1200"/>
+              <a:t>, </a:t>
+            </a:r>
+            <a:r>
+              <a:rPr lang="ko-KR" altLang="en-US" sz="1200"/>
+              <a:t>차트</a:t>
+            </a:r>
+            <a:r>
+              <a:rPr lang="en-US" altLang="ko-KR" sz="1200"/>
+              <a:t>, </a:t>
+            </a:r>
+            <a:r>
+              <a:rPr lang="ko-KR" altLang="en-US" sz="1200"/>
+              <a:t>지도</a:t>
+            </a:r>
+            <a:r>
+              <a:rPr lang="en-US" altLang="ko-KR" sz="1200"/>
+              <a:t>, </a:t>
+            </a:r>
+            <a:r>
+              <a:rPr lang="ko-KR" altLang="en-US" sz="1200"/>
+              <a:t>필수 입력항목 등</a:t>
+            </a:r>
+            <a:r>
+              <a:rPr lang="en-US" altLang="ko-KR" sz="1200"/>
+              <a:t>)</a:t>
+            </a:r>
+            <a:r>
+              <a:rPr lang="ko-KR" altLang="en-US" sz="1200"/>
+              <a:t>는 색에 관계없이 인식할 수 있도록 제공하는가</a:t>
+            </a:r>
+            <a:r>
+              <a:rPr lang="en-US" altLang="ko-KR" sz="1200"/>
+              <a:t>?</a:t>
+            </a:r>
+          </a:p>
+          <a:p>
+            <a:pPr marL="342900" indent="-342900">
+              <a:lnSpc>
+                <a:spcPct val="150000"/>
+              </a:lnSpc>
+              <a:buAutoNum type="arabicPeriod"/>
+            </a:pPr>
+            <a:r>
+              <a:rPr lang="ko-KR" altLang="en-US" sz="1200"/>
+              <a:t>지시사항은 모양</a:t>
+            </a:r>
+            <a:r>
+              <a:rPr lang="en-US" altLang="ko-KR" sz="1200"/>
+              <a:t>, </a:t>
+            </a:r>
+            <a:r>
+              <a:rPr lang="ko-KR" altLang="en-US" sz="1200"/>
+              <a:t>크기</a:t>
+            </a:r>
+            <a:r>
+              <a:rPr lang="en-US" altLang="ko-KR" sz="1200"/>
+              <a:t>, </a:t>
+            </a:r>
+            <a:r>
+              <a:rPr lang="ko-KR" altLang="en-US" sz="1200"/>
+              <a:t>위치</a:t>
+            </a:r>
+            <a:r>
+              <a:rPr lang="en-US" altLang="ko-KR" sz="1200"/>
+              <a:t>, </a:t>
+            </a:r>
+            <a:r>
+              <a:rPr lang="ko-KR" altLang="en-US" sz="1200"/>
+              <a:t>방향</a:t>
+            </a:r>
+            <a:r>
+              <a:rPr lang="en-US" altLang="ko-KR" sz="1200"/>
+              <a:t>, </a:t>
+            </a:r>
+            <a:r>
+              <a:rPr lang="ko-KR" altLang="en-US" sz="1200"/>
+              <a:t>색</a:t>
+            </a:r>
+            <a:r>
+              <a:rPr lang="en-US" altLang="ko-KR" sz="1200"/>
+              <a:t>, </a:t>
+            </a:r>
+            <a:r>
+              <a:rPr lang="ko-KR" altLang="en-US" sz="1200"/>
+              <a:t>소리 등에 관계없이 인실될 수 있도록 제공하는가</a:t>
+            </a:r>
+            <a:r>
+              <a:rPr lang="en-US" altLang="ko-KR" sz="1200"/>
+              <a:t>?</a:t>
+            </a:r>
+          </a:p>
+          <a:p>
+            <a:pPr marL="342900" indent="-342900">
+              <a:lnSpc>
+                <a:spcPct val="150000"/>
+              </a:lnSpc>
+              <a:buAutoNum type="arabicPeriod"/>
+            </a:pPr>
+            <a:r>
+              <a:rPr lang="ko-KR" altLang="en-US" sz="1200"/>
+              <a:t>텍스트 콘텐츠와 배경 간의 명도 대비는 </a:t>
+            </a:r>
+            <a:r>
+              <a:rPr lang="en-US" altLang="ko-KR" sz="1200"/>
+              <a:t>4.5:1 </a:t>
+            </a:r>
+            <a:r>
+              <a:rPr lang="ko-KR" altLang="en-US" sz="1200"/>
+              <a:t>이상을 만족하는가</a:t>
+            </a:r>
+            <a:r>
+              <a:rPr lang="en-US" altLang="ko-KR" sz="1200"/>
+              <a:t>?</a:t>
+            </a:r>
+          </a:p>
+          <a:p>
+            <a:pPr marL="342900" indent="-342900">
+              <a:lnSpc>
+                <a:spcPct val="150000"/>
+              </a:lnSpc>
+              <a:buAutoNum type="arabicPeriod"/>
+            </a:pPr>
+            <a:r>
+              <a:rPr lang="en-US" altLang="ko-KR" sz="1200"/>
+              <a:t>3</a:t>
+            </a:r>
+            <a:r>
+              <a:rPr lang="ko-KR" altLang="en-US" sz="1200"/>
+              <a:t>초 이상 자동으로 소리가 재생되는 콘텐츠를 제공하지 않는가</a:t>
+            </a:r>
+            <a:r>
+              <a:rPr lang="en-US" altLang="ko-KR" sz="1200"/>
+              <a:t>?</a:t>
+            </a:r>
+          </a:p>
+          <a:p>
+            <a:pPr marL="342900" indent="-342900">
+              <a:lnSpc>
+                <a:spcPct val="150000"/>
+              </a:lnSpc>
+              <a:buAutoNum type="arabicPeriod"/>
+            </a:pPr>
+            <a:r>
+              <a:rPr lang="ko-KR" altLang="en-US" sz="1200"/>
+              <a:t>이웃한 콘텐츠가 여백</a:t>
+            </a:r>
+            <a:r>
+              <a:rPr lang="en-US" altLang="ko-KR" sz="1200"/>
+              <a:t>, </a:t>
+            </a:r>
+            <a:r>
+              <a:rPr lang="ko-KR" altLang="en-US" sz="1200"/>
+              <a:t>테두리</a:t>
+            </a:r>
+            <a:r>
+              <a:rPr lang="en-US" altLang="ko-KR" sz="1200"/>
+              <a:t>, </a:t>
+            </a:r>
+            <a:r>
+              <a:rPr lang="ko-KR" altLang="en-US" sz="1200"/>
+              <a:t>구분선</a:t>
+            </a:r>
+            <a:r>
+              <a:rPr lang="en-US" altLang="ko-KR" sz="1200"/>
+              <a:t>, </a:t>
+            </a:r>
+            <a:r>
+              <a:rPr lang="ko-KR" altLang="en-US" sz="1200"/>
+              <a:t>명도대비 등을 이용하여 구별되는가</a:t>
+            </a:r>
+            <a:r>
+              <a:rPr lang="en-US" altLang="ko-KR" sz="1200"/>
+              <a:t>?</a:t>
+            </a:r>
+          </a:p>
+          <a:p>
+            <a:pPr marL="342900" indent="-342900">
+              <a:lnSpc>
+                <a:spcPct val="150000"/>
+              </a:lnSpc>
+              <a:buAutoNum type="arabicPeriod"/>
+            </a:pPr>
+            <a:r>
+              <a:rPr lang="ko-KR" altLang="en-US" sz="1200"/>
+              <a:t>모든 기능은 키보드만으로도 사용할 수 있는가</a:t>
+            </a:r>
+            <a:r>
+              <a:rPr lang="en-US" altLang="ko-KR" sz="1200"/>
+              <a:t>?</a:t>
+            </a:r>
+          </a:p>
+          <a:p>
+            <a:pPr marL="342900" indent="-342900">
+              <a:lnSpc>
+                <a:spcPct val="150000"/>
+              </a:lnSpc>
+              <a:buAutoNum type="arabicPeriod"/>
+            </a:pPr>
+            <a:r>
+              <a:rPr lang="ko-KR" altLang="en-US" sz="1200"/>
+              <a:t>키보드에 의한 초점은 논리적으로 이동해야 하며 시각적으로 구별 할 수 있는가</a:t>
+            </a:r>
+            <a:r>
+              <a:rPr lang="en-US" altLang="ko-KR" sz="1200"/>
+              <a:t>?</a:t>
+            </a:r>
+          </a:p>
+          <a:p>
+            <a:pPr marL="342900" indent="-342900">
+              <a:lnSpc>
+                <a:spcPct val="150000"/>
+              </a:lnSpc>
+              <a:buAutoNum type="arabicPeriod"/>
+            </a:pPr>
+            <a:r>
+              <a:rPr lang="ko-KR" altLang="en-US" sz="1200"/>
+              <a:t>사용자 입력 및 컨트롤은 응답시간을 조절할 수 있는가</a:t>
+            </a:r>
+            <a:r>
+              <a:rPr lang="en-US" altLang="ko-KR" sz="1200"/>
+              <a:t>?</a:t>
+            </a:r>
+          </a:p>
+          <a:p>
+            <a:pPr marL="342900" indent="-342900">
+              <a:lnSpc>
+                <a:spcPct val="150000"/>
+              </a:lnSpc>
+              <a:buAutoNum type="arabicPeriod"/>
+            </a:pPr>
+            <a:r>
+              <a:rPr lang="ko-KR" altLang="en-US" sz="1200"/>
+              <a:t>시간에 따라 자동으로 변경되는 콘텐츠는 정지</a:t>
+            </a:r>
+            <a:r>
+              <a:rPr lang="en-US" altLang="ko-KR" sz="1200"/>
+              <a:t>, </a:t>
+            </a:r>
+            <a:r>
+              <a:rPr lang="ko-KR" altLang="en-US" sz="1200"/>
+              <a:t>이전</a:t>
+            </a:r>
+            <a:r>
+              <a:rPr lang="en-US" altLang="ko-KR" sz="1200"/>
+              <a:t>, </a:t>
+            </a:r>
+            <a:r>
+              <a:rPr lang="ko-KR" altLang="en-US" sz="1200"/>
+              <a:t>다음 기능 등 움직임을 제어할 수 있는가</a:t>
+            </a:r>
+            <a:r>
+              <a:rPr lang="en-US" altLang="ko-KR" sz="1200"/>
+              <a:t>?</a:t>
+            </a:r>
+          </a:p>
+          <a:p>
+            <a:pPr marL="342900" indent="-342900">
+              <a:lnSpc>
+                <a:spcPct val="150000"/>
+              </a:lnSpc>
+              <a:buAutoNum type="arabicPeriod"/>
+            </a:pPr>
+            <a:r>
+              <a:rPr lang="ko-KR" altLang="en-US" sz="1200"/>
+              <a:t>초당 </a:t>
+            </a:r>
+            <a:r>
+              <a:rPr lang="en-US" altLang="ko-KR" sz="1200"/>
+              <a:t>3~50</a:t>
+            </a:r>
+            <a:r>
+              <a:rPr lang="ko-KR" altLang="en-US" sz="1200"/>
+              <a:t>회 주기로 깝빡이거나 번쩍이는 콘텐츠를 제공하지 않는가</a:t>
+            </a:r>
+            <a:r>
+              <a:rPr lang="en-US" altLang="ko-KR" sz="1200"/>
+              <a:t>?</a:t>
+            </a:r>
+          </a:p>
+          <a:p>
+            <a:pPr marL="342900" indent="-342900">
+              <a:lnSpc>
+                <a:spcPct val="150000"/>
+              </a:lnSpc>
+              <a:buAutoNum type="arabicPeriod"/>
+            </a:pPr>
+            <a:r>
+              <a:rPr lang="ko-KR" altLang="en-US" sz="1200"/>
+              <a:t>콘텐츠의 반복되는 영역은 건너 뛸 수 있는가</a:t>
+            </a:r>
+            <a:r>
+              <a:rPr lang="en-US" altLang="ko-KR" sz="1200"/>
+              <a:t>?</a:t>
+            </a:r>
+          </a:p>
+          <a:p>
+            <a:pPr marL="342900" indent="-342900">
+              <a:lnSpc>
+                <a:spcPct val="150000"/>
+              </a:lnSpc>
+              <a:buAutoNum type="arabicPeriod"/>
+            </a:pPr>
+            <a:r>
+              <a:rPr lang="ko-KR" altLang="en-US" sz="1200"/>
+              <a:t>페이지</a:t>
+            </a:r>
+            <a:r>
+              <a:rPr lang="en-US" altLang="ko-KR" sz="1200"/>
+              <a:t>, </a:t>
+            </a:r>
+            <a:r>
+              <a:rPr lang="ko-KR" altLang="en-US" sz="1200"/>
+              <a:t>프레임</a:t>
+            </a:r>
+            <a:r>
+              <a:rPr lang="en-US" altLang="ko-KR" sz="1200"/>
+              <a:t>, </a:t>
+            </a:r>
+            <a:r>
+              <a:rPr lang="ko-KR" altLang="en-US" sz="1200"/>
+              <a:t>콘텐츠 블록에는 적절한 제목을 제공하는가</a:t>
+            </a:r>
+            <a:r>
+              <a:rPr lang="en-US" altLang="ko-KR" sz="1200"/>
+              <a:t>?</a:t>
+            </a:r>
+          </a:p>
+          <a:p>
+            <a:pPr marL="342900" indent="-342900">
+              <a:lnSpc>
+                <a:spcPct val="150000"/>
+              </a:lnSpc>
+              <a:buAutoNum type="arabicPeriod"/>
+            </a:pPr>
+            <a:r>
+              <a:rPr lang="ko-KR" altLang="en-US" sz="1200"/>
+              <a:t>링크 텍스트는 용도나 목적을 이해 할 수 있도록 제공하는가</a:t>
+            </a:r>
+            <a:r>
+              <a:rPr lang="en-US" altLang="ko-KR" sz="1200"/>
+              <a:t>?</a:t>
+            </a:r>
+          </a:p>
+          <a:p>
+            <a:pPr marL="342900" indent="-342900">
+              <a:lnSpc>
+                <a:spcPct val="150000"/>
+              </a:lnSpc>
+              <a:buAutoNum type="arabicPeriod"/>
+            </a:pPr>
+            <a:r>
+              <a:rPr lang="ko-KR" altLang="en-US" sz="1200"/>
+              <a:t>기본 언어 표시 속성을 사용하여 주로 사용하는 언어를 명시하고 있는가</a:t>
+            </a:r>
+            <a:r>
+              <a:rPr lang="en-US" altLang="ko-KR" sz="1200"/>
+              <a:t>?</a:t>
+            </a:r>
+          </a:p>
+          <a:p>
+            <a:pPr marL="342900" indent="-342900">
+              <a:lnSpc>
+                <a:spcPct val="150000"/>
+              </a:lnSpc>
+              <a:buAutoNum type="arabicPeriod"/>
+            </a:pPr>
+            <a:r>
+              <a:rPr lang="ko-KR" altLang="en-US" sz="1200"/>
+              <a:t>사용자가 의도하지 않는 기능</a:t>
+            </a:r>
+            <a:r>
+              <a:rPr lang="en-US" altLang="ko-KR" sz="1200"/>
+              <a:t>(</a:t>
+            </a:r>
+            <a:r>
+              <a:rPr lang="ko-KR" altLang="en-US" sz="1200"/>
+              <a:t>새 창</a:t>
+            </a:r>
+            <a:r>
+              <a:rPr lang="en-US" altLang="ko-KR" sz="1200"/>
+              <a:t>, </a:t>
+            </a:r>
+            <a:r>
+              <a:rPr lang="ko-KR" altLang="en-US" sz="1200"/>
+              <a:t>초점 변화 등</a:t>
+            </a:r>
+            <a:r>
+              <a:rPr lang="en-US" altLang="ko-KR" sz="1200"/>
+              <a:t>)</a:t>
+            </a:r>
+            <a:r>
+              <a:rPr lang="ko-KR" altLang="en-US" sz="1200"/>
+              <a:t>은 실행되지 않는가</a:t>
+            </a:r>
+            <a:r>
+              <a:rPr lang="en-US" altLang="ko-KR" sz="1200"/>
+              <a:t>?</a:t>
+            </a:r>
+          </a:p>
+          <a:p>
+            <a:pPr marL="342900" indent="-342900">
+              <a:lnSpc>
+                <a:spcPct val="150000"/>
+              </a:lnSpc>
+              <a:buAutoNum type="arabicPeriod"/>
+            </a:pPr>
+            <a:r>
+              <a:rPr lang="ko-KR" altLang="en-US" sz="1200"/>
+              <a:t>콘텐츠는 논리적은 순서로 제공하는가</a:t>
+            </a:r>
+            <a:r>
+              <a:rPr lang="en-US" altLang="ko-KR" sz="1200"/>
+              <a:t>?</a:t>
+            </a:r>
+          </a:p>
+          <a:p>
+            <a:pPr marL="342900" indent="-342900">
+              <a:lnSpc>
+                <a:spcPct val="150000"/>
+              </a:lnSpc>
+              <a:buAutoNum type="arabicPeriod"/>
+            </a:pPr>
+            <a:r>
+              <a:rPr lang="ko-KR" altLang="en-US" sz="1200"/>
+              <a:t>표는 이해하기 쉽게 구성되어 있는가</a:t>
+            </a:r>
+            <a:r>
+              <a:rPr lang="en-US" altLang="ko-KR" sz="1200"/>
+              <a:t>?</a:t>
+            </a:r>
+          </a:p>
+          <a:p>
+            <a:pPr marL="342900" indent="-342900">
+              <a:lnSpc>
+                <a:spcPct val="150000"/>
+              </a:lnSpc>
+              <a:buAutoNum type="arabicPeriod"/>
+            </a:pPr>
+            <a:r>
+              <a:rPr lang="ko-KR" altLang="en-US" sz="1200"/>
+              <a:t>입력 서식에 대응하는 레이블을 제공하고 있는가</a:t>
+            </a:r>
+            <a:r>
+              <a:rPr lang="en-US" altLang="ko-KR" sz="1200"/>
+              <a:t>?</a:t>
+            </a:r>
+            <a:endParaRPr lang="ko-KR" altLang="en-US" sz="1200" dirty="0"/>
           </a:p>
         </p:txBody>
       </p:sp>
     </p:spTree>
     <p:extLst>
       <p:ext uri="{BB962C8B-B14F-4D97-AF65-F5344CB8AC3E}">
-        <p14:creationId xmlns:p14="http://schemas.microsoft.com/office/powerpoint/2010/main" val="4111681464"/>
+        <p14:creationId xmlns:p14="http://schemas.microsoft.com/office/powerpoint/2010/main" val="4241145736"/>
       </p:ext>
     </p:extLst>
   </p:cSld>
@@ -8263,102 +10388,12 @@
           <a:chExt cx="0" cy="0"/>
         </a:xfrm>
       </p:grpSpPr>
-      <p:pic>
-        <p:nvPicPr>
-          <p:cNvPr id="3" name="그림 2">
-            <a:extLst>
-              <a:ext uri="{FF2B5EF4-FFF2-40B4-BE49-F238E27FC236}">
-                <a16:creationId xmlns:a16="http://schemas.microsoft.com/office/drawing/2014/main" id="{12AF879D-AEB5-0B91-3401-9FB47E728A8C}"/>
-              </a:ext>
-            </a:extLst>
-          </p:cNvPr>
-          <p:cNvPicPr>
-            <a:picLocks noChangeAspect="1"/>
-          </p:cNvPicPr>
-          <p:nvPr/>
-        </p:nvPicPr>
-        <p:blipFill>
-          <a:blip r:embed="rId2"/>
-          <a:stretch>
-            <a:fillRect/>
-          </a:stretch>
-        </p:blipFill>
-        <p:spPr>
-          <a:xfrm>
-            <a:off x="540697" y="471431"/>
-            <a:ext cx="2867425" cy="600159"/>
-          </a:xfrm>
-          <a:prstGeom prst="rect">
-            <a:avLst/>
-          </a:prstGeom>
-        </p:spPr>
-      </p:pic>
-      <p:pic>
-        <p:nvPicPr>
-          <p:cNvPr id="4" name="그림 3">
-            <a:extLst>
-              <a:ext uri="{FF2B5EF4-FFF2-40B4-BE49-F238E27FC236}">
-                <a16:creationId xmlns:a16="http://schemas.microsoft.com/office/drawing/2014/main" id="{6DB8B61E-302F-DD4F-01A9-8756098BFAC6}"/>
-              </a:ext>
-            </a:extLst>
-          </p:cNvPr>
-          <p:cNvPicPr>
-            <a:picLocks noChangeAspect="1"/>
-          </p:cNvPicPr>
-          <p:nvPr/>
-        </p:nvPicPr>
-        <p:blipFill>
-          <a:blip r:embed="rId3"/>
-          <a:stretch>
-            <a:fillRect/>
-          </a:stretch>
-        </p:blipFill>
-        <p:spPr>
-          <a:xfrm>
-            <a:off x="4128074" y="484251"/>
-            <a:ext cx="2857899" cy="171474"/>
-          </a:xfrm>
-          <a:prstGeom prst="rect">
-            <a:avLst/>
-          </a:prstGeom>
-        </p:spPr>
-      </p:pic>
-      <p:pic>
-        <p:nvPicPr>
-          <p:cNvPr id="5" name="그림 4">
-            <a:extLst>
-              <a:ext uri="{FF2B5EF4-FFF2-40B4-BE49-F238E27FC236}">
-                <a16:creationId xmlns:a16="http://schemas.microsoft.com/office/drawing/2014/main" id="{04411DC6-6327-659C-351D-08DFA673C66D}"/>
-              </a:ext>
-            </a:extLst>
-          </p:cNvPr>
-          <p:cNvPicPr>
-            <a:picLocks noChangeAspect="1"/>
-          </p:cNvPicPr>
-          <p:nvPr/>
-        </p:nvPicPr>
-        <p:blipFill>
-          <a:blip r:embed="rId4"/>
-          <a:stretch>
-            <a:fillRect/>
-          </a:stretch>
-        </p:blipFill>
-        <p:spPr>
-          <a:xfrm>
-            <a:off x="4127487" y="856465"/>
-            <a:ext cx="6249272" cy="2000529"/>
-          </a:xfrm>
-          <a:prstGeom prst="rect">
-            <a:avLst/>
-          </a:prstGeom>
-        </p:spPr>
-      </p:pic>
-      <p:sp>
-        <p:nvSpPr>
-          <p:cNvPr id="6" name="TextBox 5">
-            <a:extLst>
-              <a:ext uri="{FF2B5EF4-FFF2-40B4-BE49-F238E27FC236}">
-                <a16:creationId xmlns:a16="http://schemas.microsoft.com/office/drawing/2014/main" id="{41428220-D525-9097-20CD-C1CBB753A1DC}"/>
+      <p:sp>
+        <p:nvSpPr>
+          <p:cNvPr id="3" name="TextBox 2">
+            <a:extLst>
+              <a:ext uri="{FF2B5EF4-FFF2-40B4-BE49-F238E27FC236}">
+                <a16:creationId xmlns:a16="http://schemas.microsoft.com/office/drawing/2014/main" id="{546D54A7-4AA9-6A03-F2DA-0E08A8E3ACC1}"/>
               </a:ext>
             </a:extLst>
           </p:cNvPr>
@@ -8367,8 +10402,8 @@
         </p:nvSpPr>
         <p:spPr>
           <a:xfrm>
-            <a:off x="8914509" y="371183"/>
-            <a:ext cx="2335896" cy="307777"/>
+            <a:off x="522514" y="277587"/>
+            <a:ext cx="6125395" cy="6427593"/>
           </a:xfrm>
           <a:prstGeom prst="rect">
             <a:avLst/>
@@ -8381,408 +10416,489 @@
           </a:bodyPr>
           <a:lstStyle/>
           <a:p>
-            <a:r>
-              <a:rPr lang="en-US" altLang="ko-KR" sz="1400" dirty="0"/>
-              <a:t>UI-SJN-01-001U.html </a:t>
-            </a:r>
-            <a:r>
-              <a:rPr lang="ko-KR" altLang="en-US" sz="1400" dirty="0"/>
-              <a:t>참고</a:t>
-            </a:r>
-          </a:p>
-        </p:txBody>
-      </p:sp>
-      <p:cxnSp>
-        <p:nvCxnSpPr>
-          <p:cNvPr id="7" name="직선 연결선 6">
-            <a:extLst>
-              <a:ext uri="{FF2B5EF4-FFF2-40B4-BE49-F238E27FC236}">
-                <a16:creationId xmlns:a16="http://schemas.microsoft.com/office/drawing/2014/main" id="{3F28D411-CAA2-DCD5-FD9D-025509181614}"/>
-              </a:ext>
-            </a:extLst>
-          </p:cNvPr>
-          <p:cNvCxnSpPr/>
-          <p:nvPr/>
-        </p:nvCxnSpPr>
-        <p:spPr>
-          <a:xfrm>
-            <a:off x="579198" y="7124059"/>
-            <a:ext cx="10995439" cy="0"/>
-          </a:xfrm>
-          <a:prstGeom prst="line">
-            <a:avLst/>
-          </a:prstGeom>
-        </p:spPr>
-        <p:style>
-          <a:lnRef idx="1">
-            <a:schemeClr val="accent1"/>
-          </a:lnRef>
-          <a:fillRef idx="0">
-            <a:schemeClr val="accent1"/>
-          </a:fillRef>
-          <a:effectRef idx="0">
-            <a:schemeClr val="accent1"/>
-          </a:effectRef>
-          <a:fontRef idx="minor">
-            <a:schemeClr val="tx1"/>
-          </a:fontRef>
-        </p:style>
-      </p:cxnSp>
-      <p:pic>
-        <p:nvPicPr>
-          <p:cNvPr id="8" name="그림 7">
-            <a:extLst>
-              <a:ext uri="{FF2B5EF4-FFF2-40B4-BE49-F238E27FC236}">
-                <a16:creationId xmlns:a16="http://schemas.microsoft.com/office/drawing/2014/main" id="{6C07F840-F0B2-1AE7-6B6D-4915DF934194}"/>
-              </a:ext>
-            </a:extLst>
-          </p:cNvPr>
-          <p:cNvPicPr>
-            <a:picLocks noChangeAspect="1"/>
-          </p:cNvPicPr>
-          <p:nvPr/>
-        </p:nvPicPr>
-        <p:blipFill>
-          <a:blip r:embed="rId5"/>
-          <a:stretch>
-            <a:fillRect/>
-          </a:stretch>
-        </p:blipFill>
-        <p:spPr>
-          <a:xfrm>
-            <a:off x="371638" y="3240479"/>
-            <a:ext cx="3410426" cy="1448002"/>
-          </a:xfrm>
-          <a:prstGeom prst="rect">
-            <a:avLst/>
-          </a:prstGeom>
-        </p:spPr>
-      </p:pic>
-      <p:sp>
-        <p:nvSpPr>
-          <p:cNvPr id="9" name="TextBox 8">
-            <a:extLst>
-              <a:ext uri="{FF2B5EF4-FFF2-40B4-BE49-F238E27FC236}">
-                <a16:creationId xmlns:a16="http://schemas.microsoft.com/office/drawing/2014/main" id="{20CAEAD5-75D1-1F46-B064-9207C37BCAC4}"/>
-              </a:ext>
-            </a:extLst>
-          </p:cNvPr>
-          <p:cNvSpPr txBox="1"/>
-          <p:nvPr/>
-        </p:nvSpPr>
-        <p:spPr>
-          <a:xfrm>
-            <a:off x="4504365" y="3441966"/>
-            <a:ext cx="4487126" cy="738664"/>
-          </a:xfrm>
-          <a:prstGeom prst="rect">
-            <a:avLst/>
-          </a:prstGeom>
-          <a:noFill/>
-        </p:spPr>
-        <p:txBody>
-          <a:bodyPr wrap="none" rtlCol="0">
-            <a:spAutoFit/>
-          </a:bodyPr>
-          <a:lstStyle/>
-          <a:p>
-            <a:r>
-              <a:rPr lang="ko-KR" altLang="en-US" sz="1400" dirty="0"/>
-              <a:t>현재 차트 누르면 기상으로 이동합니다</a:t>
-            </a:r>
-            <a:r>
-              <a:rPr lang="en-US" altLang="ko-KR" sz="1400" dirty="0"/>
-              <a:t>.</a:t>
-            </a:r>
-          </a:p>
-          <a:p>
-            <a:endParaRPr lang="en-US" altLang="ko-KR" sz="1400" dirty="0"/>
-          </a:p>
-          <a:p>
-            <a:r>
-              <a:rPr lang="ko-KR" altLang="en-US" sz="1400" dirty="0"/>
-              <a:t>버튼 추가해서 버튼 누르면 이동으로 </a:t>
-            </a:r>
-            <a:r>
-              <a:rPr lang="ko-KR" altLang="en-US" sz="1400" dirty="0" err="1"/>
-              <a:t>변경해야합니다</a:t>
-            </a:r>
-            <a:r>
-              <a:rPr lang="en-US" altLang="ko-KR" sz="1400" dirty="0"/>
-              <a:t>.</a:t>
-            </a:r>
-            <a:endParaRPr lang="ko-KR" altLang="en-US" sz="1400" dirty="0"/>
-          </a:p>
-        </p:txBody>
-      </p:sp>
-      <p:pic>
-        <p:nvPicPr>
-          <p:cNvPr id="10" name="그림 9">
-            <a:extLst>
-              <a:ext uri="{FF2B5EF4-FFF2-40B4-BE49-F238E27FC236}">
-                <a16:creationId xmlns:a16="http://schemas.microsoft.com/office/drawing/2014/main" id="{F10FF671-A76A-15C4-37F9-D0904C5E1F15}"/>
-              </a:ext>
-            </a:extLst>
-          </p:cNvPr>
-          <p:cNvPicPr>
-            <a:picLocks noChangeAspect="1"/>
-          </p:cNvPicPr>
-          <p:nvPr/>
-        </p:nvPicPr>
-        <p:blipFill>
-          <a:blip r:embed="rId6"/>
-          <a:stretch>
-            <a:fillRect/>
-          </a:stretch>
-        </p:blipFill>
-        <p:spPr>
-          <a:xfrm>
-            <a:off x="428524" y="5169409"/>
-            <a:ext cx="4146444" cy="1405978"/>
-          </a:xfrm>
-          <a:prstGeom prst="rect">
-            <a:avLst/>
-          </a:prstGeom>
-        </p:spPr>
-      </p:pic>
-      <p:pic>
-        <p:nvPicPr>
-          <p:cNvPr id="11" name="그림 10">
-            <a:extLst>
-              <a:ext uri="{FF2B5EF4-FFF2-40B4-BE49-F238E27FC236}">
-                <a16:creationId xmlns:a16="http://schemas.microsoft.com/office/drawing/2014/main" id="{A33F124D-4E1A-0A99-13C0-0B32E11A130D}"/>
-              </a:ext>
-            </a:extLst>
-          </p:cNvPr>
-          <p:cNvPicPr>
-            <a:picLocks noChangeAspect="1"/>
-          </p:cNvPicPr>
-          <p:nvPr/>
-        </p:nvPicPr>
-        <p:blipFill>
-          <a:blip r:embed="rId6"/>
-          <a:stretch>
-            <a:fillRect/>
-          </a:stretch>
-        </p:blipFill>
-        <p:spPr>
-          <a:xfrm>
-            <a:off x="6828775" y="5141309"/>
-            <a:ext cx="4146444" cy="1405978"/>
-          </a:xfrm>
-          <a:prstGeom prst="rect">
-            <a:avLst/>
-          </a:prstGeom>
-        </p:spPr>
-      </p:pic>
-      <p:cxnSp>
-        <p:nvCxnSpPr>
-          <p:cNvPr id="12" name="직선 화살표 연결선 11">
-            <a:extLst>
-              <a:ext uri="{FF2B5EF4-FFF2-40B4-BE49-F238E27FC236}">
-                <a16:creationId xmlns:a16="http://schemas.microsoft.com/office/drawing/2014/main" id="{ABBC8CEE-C7DF-576E-285C-915C9BAC27E8}"/>
-              </a:ext>
-            </a:extLst>
-          </p:cNvPr>
-          <p:cNvCxnSpPr>
-            <a:cxnSpLocks/>
-          </p:cNvCxnSpPr>
-          <p:nvPr/>
-        </p:nvCxnSpPr>
-        <p:spPr>
-          <a:xfrm>
-            <a:off x="5165673" y="5685691"/>
-            <a:ext cx="1213323" cy="0"/>
-          </a:xfrm>
-          <a:prstGeom prst="straightConnector1">
-            <a:avLst/>
-          </a:prstGeom>
-          <a:ln>
-            <a:tailEnd type="triangle"/>
-          </a:ln>
-        </p:spPr>
-        <p:style>
-          <a:lnRef idx="1">
-            <a:schemeClr val="accent1"/>
-          </a:lnRef>
-          <a:fillRef idx="0">
-            <a:schemeClr val="accent1"/>
-          </a:fillRef>
-          <a:effectRef idx="0">
-            <a:schemeClr val="accent1"/>
-          </a:effectRef>
-          <a:fontRef idx="minor">
-            <a:schemeClr val="tx1"/>
-          </a:fontRef>
-        </p:style>
-      </p:cxnSp>
-      <p:sp>
-        <p:nvSpPr>
-          <p:cNvPr id="13" name="TextBox 12">
-            <a:extLst>
-              <a:ext uri="{FF2B5EF4-FFF2-40B4-BE49-F238E27FC236}">
-                <a16:creationId xmlns:a16="http://schemas.microsoft.com/office/drawing/2014/main" id="{482E7BB1-2D83-8BC0-7921-2B421E64D87A}"/>
-              </a:ext>
-            </a:extLst>
-          </p:cNvPr>
-          <p:cNvSpPr txBox="1"/>
-          <p:nvPr/>
-        </p:nvSpPr>
-        <p:spPr>
-          <a:xfrm>
-            <a:off x="5249669" y="5926587"/>
-            <a:ext cx="902811" cy="307777"/>
-          </a:xfrm>
-          <a:prstGeom prst="rect">
-            <a:avLst/>
-          </a:prstGeom>
-          <a:noFill/>
-        </p:spPr>
-        <p:txBody>
-          <a:bodyPr wrap="none" rtlCol="0">
-            <a:spAutoFit/>
-          </a:bodyPr>
-          <a:lstStyle/>
-          <a:p>
-            <a:r>
-              <a:rPr lang="ko-KR" altLang="en-US" sz="1400" dirty="0"/>
-              <a:t>문법오류</a:t>
-            </a:r>
-          </a:p>
-        </p:txBody>
-      </p:sp>
-      <p:sp>
-        <p:nvSpPr>
-          <p:cNvPr id="14" name="직사각형 13">
-            <a:extLst>
-              <a:ext uri="{FF2B5EF4-FFF2-40B4-BE49-F238E27FC236}">
-                <a16:creationId xmlns:a16="http://schemas.microsoft.com/office/drawing/2014/main" id="{8F746128-4CEA-242C-102A-999C5463B25D}"/>
-              </a:ext>
-            </a:extLst>
-          </p:cNvPr>
-          <p:cNvSpPr/>
-          <p:nvPr/>
-        </p:nvSpPr>
-        <p:spPr>
-          <a:xfrm>
-            <a:off x="7084280" y="5401395"/>
-            <a:ext cx="563335" cy="130628"/>
-          </a:xfrm>
-          <a:prstGeom prst="rect">
-            <a:avLst/>
-          </a:prstGeom>
-        </p:spPr>
-        <p:style>
-          <a:lnRef idx="2">
-            <a:schemeClr val="accent1">
-              <a:shade val="50000"/>
-            </a:schemeClr>
-          </a:lnRef>
-          <a:fillRef idx="1">
-            <a:schemeClr val="accent1"/>
-          </a:fillRef>
-          <a:effectRef idx="0">
-            <a:schemeClr val="accent1"/>
-          </a:effectRef>
-          <a:fontRef idx="minor">
-            <a:schemeClr val="lt1"/>
-          </a:fontRef>
-        </p:style>
-        <p:txBody>
-          <a:bodyPr rtlCol="0" anchor="ctr"/>
-          <a:lstStyle/>
-          <a:p>
-            <a:pPr algn="ctr"/>
-            <a:endParaRPr lang="ko-KR" altLang="en-US"/>
-          </a:p>
-        </p:txBody>
-      </p:sp>
-      <p:sp>
-        <p:nvSpPr>
-          <p:cNvPr id="15" name="직사각형 14">
-            <a:extLst>
-              <a:ext uri="{FF2B5EF4-FFF2-40B4-BE49-F238E27FC236}">
-                <a16:creationId xmlns:a16="http://schemas.microsoft.com/office/drawing/2014/main" id="{DB99410C-5960-A911-B47C-4A15D181E463}"/>
-              </a:ext>
-            </a:extLst>
-          </p:cNvPr>
-          <p:cNvSpPr/>
-          <p:nvPr/>
-        </p:nvSpPr>
-        <p:spPr>
-          <a:xfrm>
-            <a:off x="7084280" y="5809609"/>
-            <a:ext cx="563335" cy="130628"/>
-          </a:xfrm>
-          <a:prstGeom prst="rect">
-            <a:avLst/>
-          </a:prstGeom>
-        </p:spPr>
-        <p:style>
-          <a:lnRef idx="2">
-            <a:schemeClr val="accent1">
-              <a:shade val="50000"/>
-            </a:schemeClr>
-          </a:lnRef>
-          <a:fillRef idx="1">
-            <a:schemeClr val="accent1"/>
-          </a:fillRef>
-          <a:effectRef idx="0">
-            <a:schemeClr val="accent1"/>
-          </a:effectRef>
-          <a:fontRef idx="minor">
-            <a:schemeClr val="lt1"/>
-          </a:fontRef>
-        </p:style>
-        <p:txBody>
-          <a:bodyPr rtlCol="0" anchor="ctr"/>
-          <a:lstStyle/>
-          <a:p>
-            <a:pPr algn="ctr"/>
-            <a:endParaRPr lang="ko-KR" altLang="en-US"/>
-          </a:p>
-        </p:txBody>
-      </p:sp>
-      <p:cxnSp>
-        <p:nvCxnSpPr>
-          <p:cNvPr id="16" name="직선 연결선 15">
-            <a:extLst>
-              <a:ext uri="{FF2B5EF4-FFF2-40B4-BE49-F238E27FC236}">
-                <a16:creationId xmlns:a16="http://schemas.microsoft.com/office/drawing/2014/main" id="{4CCC612A-B977-99AF-4497-A845210F6B1A}"/>
-              </a:ext>
-            </a:extLst>
-          </p:cNvPr>
-          <p:cNvCxnSpPr/>
-          <p:nvPr/>
-        </p:nvCxnSpPr>
-        <p:spPr>
-          <a:xfrm>
-            <a:off x="540697" y="3163805"/>
-            <a:ext cx="10995439" cy="0"/>
-          </a:xfrm>
-          <a:prstGeom prst="line">
-            <a:avLst/>
-          </a:prstGeom>
-        </p:spPr>
-        <p:style>
-          <a:lnRef idx="1">
-            <a:schemeClr val="accent1"/>
-          </a:lnRef>
-          <a:fillRef idx="0">
-            <a:schemeClr val="accent1"/>
-          </a:fillRef>
-          <a:effectRef idx="0">
-            <a:schemeClr val="accent1"/>
-          </a:effectRef>
-          <a:fontRef idx="minor">
-            <a:schemeClr val="tx1"/>
-          </a:fontRef>
-        </p:style>
-      </p:cxnSp>
+            <a:pPr>
+              <a:lnSpc>
+                <a:spcPct val="150000"/>
+              </a:lnSpc>
+            </a:pPr>
+            <a:r>
+              <a:rPr lang="en-US" altLang="ko-KR" sz="1200"/>
+              <a:t>21. </a:t>
+            </a:r>
+            <a:r>
+              <a:rPr lang="ko-KR" altLang="en-US" sz="1200"/>
+              <a:t>입력 오류를 정정할 수 있는 방법을 제공하는가</a:t>
+            </a:r>
+            <a:r>
+              <a:rPr lang="en-US" altLang="ko-KR" sz="1200"/>
+              <a:t>?</a:t>
+            </a:r>
+          </a:p>
+          <a:p>
+            <a:pPr>
+              <a:lnSpc>
+                <a:spcPct val="150000"/>
+              </a:lnSpc>
+            </a:pPr>
+            <a:r>
+              <a:rPr lang="en-US" altLang="ko-KR" sz="1200"/>
+              <a:t>22. </a:t>
+            </a:r>
+            <a:r>
+              <a:rPr lang="ko-KR" altLang="en-US" sz="1200"/>
+              <a:t>마크업 언어의 요소는 열고 닫음</a:t>
+            </a:r>
+            <a:r>
+              <a:rPr lang="en-US" altLang="ko-KR" sz="1200"/>
+              <a:t>, </a:t>
+            </a:r>
+            <a:r>
+              <a:rPr lang="ko-KR" altLang="en-US" sz="1200"/>
+              <a:t>중첩 관계 및 속성 선언에 오류 없이 제공하는가</a:t>
+            </a:r>
+            <a:r>
+              <a:rPr lang="en-US" altLang="ko-KR" sz="1200"/>
+              <a:t>?</a:t>
+            </a:r>
+          </a:p>
+          <a:p>
+            <a:pPr>
+              <a:lnSpc>
+                <a:spcPct val="150000"/>
+              </a:lnSpc>
+            </a:pPr>
+            <a:r>
+              <a:rPr lang="en-US" altLang="ko-KR" sz="1200"/>
+              <a:t>23. </a:t>
+            </a:r>
+            <a:r>
+              <a:rPr lang="ko-KR" altLang="en-US" sz="1200"/>
+              <a:t>웹 어플리케이션은 자체 접근성을 준수하였거나 대체 콘텐츠를 제공하고 있는가</a:t>
+            </a:r>
+            <a:r>
+              <a:rPr lang="en-US" altLang="ko-KR" sz="1200"/>
+              <a:t>?</a:t>
+            </a:r>
+          </a:p>
+          <a:p>
+            <a:pPr>
+              <a:lnSpc>
+                <a:spcPct val="150000"/>
+              </a:lnSpc>
+            </a:pPr>
+            <a:r>
+              <a:rPr lang="en-US" altLang="ko-KR" sz="1200"/>
+              <a:t>23. </a:t>
+            </a:r>
+            <a:r>
+              <a:rPr lang="ko-KR" altLang="en-US" sz="1200"/>
+              <a:t>링크의 활성화 상태가 명확히 구분되도록 표현하고 있는가</a:t>
+            </a:r>
+            <a:r>
+              <a:rPr lang="en-US" altLang="ko-KR" sz="1200"/>
+              <a:t>?</a:t>
+            </a:r>
+          </a:p>
+          <a:p>
+            <a:pPr>
+              <a:lnSpc>
+                <a:spcPct val="150000"/>
+              </a:lnSpc>
+            </a:pPr>
+            <a:r>
+              <a:rPr lang="en-US" altLang="ko-KR" sz="1200"/>
+              <a:t>24. </a:t>
+            </a:r>
+            <a:r>
+              <a:rPr lang="ko-KR" altLang="en-US" sz="1200"/>
+              <a:t>메인 메뉴를 숨기지 않은 상태로 제공하고 있는가</a:t>
+            </a:r>
+            <a:r>
+              <a:rPr lang="en-US" altLang="ko-KR" sz="1200"/>
+              <a:t>?</a:t>
+            </a:r>
+          </a:p>
+          <a:p>
+            <a:pPr>
+              <a:lnSpc>
+                <a:spcPct val="150000"/>
+              </a:lnSpc>
+            </a:pPr>
+            <a:r>
+              <a:rPr lang="en-US" altLang="ko-KR" sz="1200"/>
+              <a:t>25. </a:t>
+            </a:r>
+            <a:r>
+              <a:rPr lang="ko-KR" altLang="en-US" sz="1200"/>
+              <a:t>동일한 수준의 탭은 일관성 있게 표현하고 있는가</a:t>
+            </a:r>
+            <a:r>
+              <a:rPr lang="en-US" altLang="ko-KR" sz="1200"/>
+              <a:t>?</a:t>
+            </a:r>
+          </a:p>
+          <a:p>
+            <a:pPr>
+              <a:lnSpc>
+                <a:spcPct val="150000"/>
+              </a:lnSpc>
+            </a:pPr>
+            <a:r>
+              <a:rPr lang="en-US" altLang="ko-KR" sz="1200"/>
+              <a:t>26. </a:t>
+            </a:r>
+            <a:r>
+              <a:rPr lang="ko-KR" altLang="en-US" sz="1200"/>
+              <a:t>선택된 탭의 표현을 강조하고 있는가</a:t>
+            </a:r>
+            <a:r>
+              <a:rPr lang="en-US" altLang="ko-KR" sz="1200"/>
+              <a:t>?</a:t>
+            </a:r>
+          </a:p>
+          <a:p>
+            <a:pPr>
+              <a:lnSpc>
+                <a:spcPct val="150000"/>
+              </a:lnSpc>
+            </a:pPr>
+            <a:r>
+              <a:rPr lang="en-US" altLang="ko-KR" sz="1200"/>
+              <a:t>27. </a:t>
+            </a:r>
+            <a:r>
+              <a:rPr lang="ko-KR" altLang="en-US" sz="1200"/>
+              <a:t>선택되지 않은 탭의 내용도 확인할 수 있도록 표현하는가</a:t>
+            </a:r>
+            <a:r>
+              <a:rPr lang="en-US" altLang="ko-KR" sz="1200"/>
+              <a:t>?</a:t>
+            </a:r>
+          </a:p>
+          <a:p>
+            <a:pPr>
+              <a:lnSpc>
+                <a:spcPct val="150000"/>
+              </a:lnSpc>
+            </a:pPr>
+            <a:r>
+              <a:rPr lang="en-US" altLang="ko-KR" sz="1200"/>
+              <a:t>28. </a:t>
+            </a:r>
+            <a:r>
+              <a:rPr lang="ko-KR" altLang="en-US" sz="1200"/>
+              <a:t>링크 목록은 사이트 구조에 맞게 계층화 표현 되었는가</a:t>
+            </a:r>
+            <a:r>
+              <a:rPr lang="en-US" altLang="ko-KR" sz="1200"/>
+              <a:t>?</a:t>
+            </a:r>
+          </a:p>
+          <a:p>
+            <a:pPr>
+              <a:lnSpc>
+                <a:spcPct val="150000"/>
+              </a:lnSpc>
+            </a:pPr>
+            <a:r>
+              <a:rPr lang="en-US" altLang="ko-KR" sz="1200"/>
+              <a:t>29. </a:t>
+            </a:r>
+            <a:r>
+              <a:rPr lang="ko-KR" altLang="en-US" sz="1200"/>
+              <a:t>외부 사이트나 새창으로 연결되는 링크를 구분하였는가</a:t>
+            </a:r>
+            <a:r>
+              <a:rPr lang="en-US" altLang="ko-KR" sz="1200"/>
+              <a:t>?</a:t>
+            </a:r>
+          </a:p>
+          <a:p>
+            <a:pPr>
+              <a:lnSpc>
+                <a:spcPct val="150000"/>
+              </a:lnSpc>
+            </a:pPr>
+            <a:r>
+              <a:rPr lang="en-US" altLang="ko-KR" sz="1200"/>
+              <a:t>30. </a:t>
+            </a:r>
+            <a:r>
+              <a:rPr lang="ko-KR" altLang="en-US" sz="1200"/>
+              <a:t>통합검색 기능은 검색상자와 검색버튼으로 제공하는가</a:t>
+            </a:r>
+            <a:r>
+              <a:rPr lang="en-US" altLang="ko-KR" sz="1200"/>
+              <a:t>?</a:t>
+            </a:r>
+          </a:p>
+          <a:p>
+            <a:pPr>
+              <a:lnSpc>
+                <a:spcPct val="150000"/>
+              </a:lnSpc>
+            </a:pPr>
+            <a:r>
+              <a:rPr lang="en-US" altLang="ko-KR" sz="1200"/>
+              <a:t>31. </a:t>
+            </a:r>
+            <a:r>
+              <a:rPr lang="ko-KR" altLang="en-US" sz="1200"/>
+              <a:t>검색이라는 의미를 인식할 수 있도록 아이콘 등 사용하였는가</a:t>
+            </a:r>
+            <a:r>
+              <a:rPr lang="en-US" altLang="ko-KR" sz="1200"/>
+              <a:t>?</a:t>
+            </a:r>
+          </a:p>
+          <a:p>
+            <a:pPr>
+              <a:lnSpc>
+                <a:spcPct val="150000"/>
+              </a:lnSpc>
+            </a:pPr>
+            <a:r>
+              <a:rPr lang="en-US" altLang="ko-KR" sz="1200"/>
+              <a:t>32.</a:t>
+            </a:r>
+            <a:r>
+              <a:rPr lang="ko-KR" altLang="en-US" sz="1200"/>
+              <a:t> 통합검색은 웹사이트의 모든 페이지에서 접근 가능한가</a:t>
+            </a:r>
+            <a:r>
+              <a:rPr lang="en-US" altLang="ko-KR" sz="1200"/>
+              <a:t>?</a:t>
+            </a:r>
+          </a:p>
+          <a:p>
+            <a:pPr>
+              <a:lnSpc>
+                <a:spcPct val="150000"/>
+              </a:lnSpc>
+            </a:pPr>
+            <a:r>
+              <a:rPr lang="en-US" altLang="ko-KR" sz="1200"/>
+              <a:t>33. </a:t>
+            </a:r>
+            <a:r>
+              <a:rPr lang="ko-KR" altLang="en-US" sz="1200"/>
+              <a:t>중요한 항목은 목록의 상단에 배치하고 있는가</a:t>
+            </a:r>
+            <a:r>
+              <a:rPr lang="en-US" altLang="ko-KR" sz="1200"/>
+              <a:t>?</a:t>
+            </a:r>
+          </a:p>
+          <a:p>
+            <a:pPr>
+              <a:lnSpc>
+                <a:spcPct val="150000"/>
+              </a:lnSpc>
+            </a:pPr>
+            <a:r>
+              <a:rPr lang="en-US" altLang="ko-KR" sz="1200"/>
+              <a:t>34. </a:t>
+            </a:r>
+            <a:r>
+              <a:rPr lang="ko-KR" altLang="en-US" sz="1200"/>
+              <a:t>규모가 콘 목록에 필터링 또는 검색기능을 제공하는가</a:t>
+            </a:r>
+            <a:r>
+              <a:rPr lang="en-US" altLang="ko-KR" sz="1200"/>
+              <a:t>?</a:t>
+            </a:r>
+          </a:p>
+          <a:p>
+            <a:pPr>
+              <a:lnSpc>
+                <a:spcPct val="150000"/>
+              </a:lnSpc>
+            </a:pPr>
+            <a:r>
+              <a:rPr lang="en-US" altLang="ko-KR" sz="1200"/>
+              <a:t>35. </a:t>
+            </a:r>
+            <a:r>
+              <a:rPr lang="ko-KR" altLang="en-US" sz="1200"/>
+              <a:t>작성방법은 플레이스 홀도가 아닌 텍스트로 제공하고 있는가</a:t>
+            </a:r>
+            <a:r>
+              <a:rPr lang="en-US" altLang="ko-KR" sz="1200"/>
+              <a:t>?</a:t>
+            </a:r>
+          </a:p>
+          <a:p>
+            <a:pPr>
+              <a:lnSpc>
+                <a:spcPct val="150000"/>
+              </a:lnSpc>
+            </a:pPr>
+            <a:r>
+              <a:rPr lang="en-US" altLang="ko-KR" sz="1200"/>
+              <a:t>36. </a:t>
+            </a:r>
+            <a:r>
+              <a:rPr lang="ko-KR" altLang="en-US" sz="1200"/>
+              <a:t>버튼을 용도 및 기능을 기준으로 구분하고 있는가</a:t>
+            </a:r>
+            <a:r>
+              <a:rPr lang="en-US" altLang="ko-KR" sz="1200"/>
+              <a:t>?</a:t>
+            </a:r>
+          </a:p>
+          <a:p>
+            <a:pPr>
+              <a:lnSpc>
+                <a:spcPct val="150000"/>
+              </a:lnSpc>
+            </a:pPr>
+            <a:r>
+              <a:rPr lang="en-US" altLang="ko-KR" sz="1200"/>
+              <a:t>37. </a:t>
+            </a:r>
+            <a:r>
+              <a:rPr lang="ko-KR" altLang="en-US" sz="1200"/>
+              <a:t>등록 가능한 텍스트 및 파일 크기를 표시하고 있는가</a:t>
+            </a:r>
+            <a:r>
+              <a:rPr lang="en-US" altLang="ko-KR" sz="1200"/>
+              <a:t>?</a:t>
+            </a:r>
+          </a:p>
+          <a:p>
+            <a:pPr>
+              <a:lnSpc>
+                <a:spcPct val="150000"/>
+              </a:lnSpc>
+            </a:pPr>
+            <a:r>
+              <a:rPr lang="en-US" altLang="ko-KR" sz="1200"/>
+              <a:t>38. </a:t>
+            </a:r>
+            <a:r>
+              <a:rPr lang="ko-KR" altLang="en-US" sz="1200"/>
+              <a:t>입력 세션 유지시간을 표시하고 있는가</a:t>
+            </a:r>
+            <a:r>
+              <a:rPr lang="en-US" altLang="ko-KR" sz="1200"/>
+              <a:t>?</a:t>
+            </a:r>
+          </a:p>
+          <a:p>
+            <a:pPr>
+              <a:lnSpc>
+                <a:spcPct val="150000"/>
+              </a:lnSpc>
+            </a:pPr>
+            <a:r>
+              <a:rPr lang="en-US" altLang="ko-KR" sz="1200"/>
+              <a:t>39. </a:t>
+            </a:r>
+            <a:r>
+              <a:rPr lang="ko-KR" altLang="en-US" sz="1200"/>
+              <a:t>콘텐츠의 작성자</a:t>
+            </a:r>
+            <a:r>
+              <a:rPr lang="en-US" altLang="ko-KR" sz="1200"/>
+              <a:t>, </a:t>
+            </a:r>
+            <a:r>
+              <a:rPr lang="ko-KR" altLang="en-US" sz="1200"/>
+              <a:t>작성일</a:t>
+            </a:r>
+            <a:r>
+              <a:rPr lang="en-US" altLang="ko-KR" sz="1200"/>
+              <a:t>, </a:t>
+            </a:r>
+            <a:r>
+              <a:rPr lang="ko-KR" altLang="en-US" sz="1200"/>
+              <a:t>출처</a:t>
+            </a:r>
+            <a:r>
+              <a:rPr lang="en-US" altLang="ko-KR" sz="1200"/>
+              <a:t>, </a:t>
+            </a:r>
+            <a:r>
+              <a:rPr lang="ko-KR" altLang="en-US" sz="1200"/>
+              <a:t>저작권을 표시하는가</a:t>
+            </a:r>
+            <a:r>
+              <a:rPr lang="en-US" altLang="ko-KR" sz="1200"/>
+              <a:t>?</a:t>
+            </a:r>
+          </a:p>
+          <a:p>
+            <a:pPr>
+              <a:lnSpc>
+                <a:spcPct val="150000"/>
+              </a:lnSpc>
+            </a:pPr>
+            <a:r>
+              <a:rPr lang="en-US" altLang="ko-KR" sz="1200"/>
+              <a:t>40. </a:t>
+            </a:r>
+            <a:r>
+              <a:rPr lang="ko-KR" altLang="en-US" sz="1200"/>
+              <a:t>공유</a:t>
+            </a:r>
+            <a:r>
+              <a:rPr lang="en-US" altLang="ko-KR" sz="1200"/>
+              <a:t>/</a:t>
+            </a:r>
+            <a:r>
+              <a:rPr lang="ko-KR" altLang="en-US" sz="1200"/>
+              <a:t>공감 아이콘은 관련된 대상 주변에 제공하는가</a:t>
+            </a:r>
+            <a:r>
+              <a:rPr lang="en-US" altLang="ko-KR" sz="1200"/>
+              <a:t>?</a:t>
+            </a:r>
+          </a:p>
+          <a:p>
+            <a:pPr>
+              <a:lnSpc>
+                <a:spcPct val="150000"/>
+              </a:lnSpc>
+            </a:pPr>
+            <a:r>
+              <a:rPr lang="en-US" altLang="ko-KR" sz="1200"/>
+              <a:t>41. </a:t>
+            </a:r>
+            <a:r>
+              <a:rPr lang="ko-KR" altLang="en-US" sz="1200"/>
+              <a:t>공감을 표시한 사용자의 정보가 다른 사용자에게 표시되지 않도록 하였는가</a:t>
+            </a:r>
+            <a:r>
+              <a:rPr lang="en-US" altLang="ko-KR" sz="1200"/>
+              <a:t>?</a:t>
+            </a:r>
+          </a:p>
+          <a:p>
+            <a:pPr>
+              <a:lnSpc>
+                <a:spcPct val="150000"/>
+              </a:lnSpc>
+            </a:pPr>
+            <a:r>
+              <a:rPr lang="en-US" altLang="ko-KR" sz="1200"/>
+              <a:t>42. </a:t>
+            </a:r>
+            <a:r>
+              <a:rPr lang="ko-KR" altLang="en-US" sz="1200"/>
+              <a:t>관련 콘텐츠 목록의 제목을 적절하게 제공하는가</a:t>
+            </a:r>
+            <a:r>
+              <a:rPr lang="en-US" altLang="ko-KR" sz="1200"/>
+              <a:t>?</a:t>
+            </a:r>
+            <a:endParaRPr lang="ko-KR" altLang="en-US" sz="1200" dirty="0"/>
+          </a:p>
+        </p:txBody>
+      </p:sp>
     </p:spTree>
     <p:extLst>
       <p:ext uri="{BB962C8B-B14F-4D97-AF65-F5344CB8AC3E}">
-        <p14:creationId xmlns:p14="http://schemas.microsoft.com/office/powerpoint/2010/main" val="1337393557"/>
+        <p14:creationId xmlns:p14="http://schemas.microsoft.com/office/powerpoint/2010/main" val="2526916440"/>
       </p:ext>
     </p:extLst>
   </p:cSld>
@@ -8809,42 +10925,12 @@
           <a:chExt cx="0" cy="0"/>
         </a:xfrm>
       </p:grpSpPr>
-      <p:pic>
-        <p:nvPicPr>
-          <p:cNvPr id="16" name="그림 15">
-            <a:extLst>
-              <a:ext uri="{FF2B5EF4-FFF2-40B4-BE49-F238E27FC236}">
-                <a16:creationId xmlns:a16="http://schemas.microsoft.com/office/drawing/2014/main" id="{2CD17F5D-15F8-8B8E-9587-86DA6882BFD0}"/>
-              </a:ext>
-            </a:extLst>
-          </p:cNvPr>
-          <p:cNvPicPr>
-            <a:picLocks noChangeAspect="1"/>
-          </p:cNvPicPr>
-          <p:nvPr/>
-        </p:nvPicPr>
-        <p:blipFill>
-          <a:blip r:embed="rId2"/>
-          <a:stretch>
-            <a:fillRect/>
-          </a:stretch>
-        </p:blipFill>
-        <p:spPr>
-          <a:xfrm>
-            <a:off x="574519" y="345608"/>
-            <a:ext cx="3439005" cy="2143424"/>
-          </a:xfrm>
-          <a:prstGeom prst="rect">
-            <a:avLst/>
-          </a:prstGeom>
-        </p:spPr>
-      </p:pic>
-      <p:sp>
-        <p:nvSpPr>
-          <p:cNvPr id="17" name="TextBox 16">
-            <a:extLst>
-              <a:ext uri="{FF2B5EF4-FFF2-40B4-BE49-F238E27FC236}">
-                <a16:creationId xmlns:a16="http://schemas.microsoft.com/office/drawing/2014/main" id="{9642DCA7-DF95-10F2-09D5-256CC381DB56}"/>
+      <p:sp>
+        <p:nvSpPr>
+          <p:cNvPr id="3" name="TextBox 2">
+            <a:extLst>
+              <a:ext uri="{FF2B5EF4-FFF2-40B4-BE49-F238E27FC236}">
+                <a16:creationId xmlns:a16="http://schemas.microsoft.com/office/drawing/2014/main" id="{546D54A7-4AA9-6A03-F2DA-0E08A8E3ACC1}"/>
               </a:ext>
             </a:extLst>
           </p:cNvPr>
@@ -8853,8 +10939,8 @@
         </p:nvSpPr>
         <p:spPr>
           <a:xfrm>
-            <a:off x="4651849" y="905243"/>
-            <a:ext cx="3768980" cy="307777"/>
+            <a:off x="522514" y="277587"/>
+            <a:ext cx="4594528" cy="1441613"/>
           </a:xfrm>
           <a:prstGeom prst="rect">
             <a:avLst/>
@@ -8867,157 +10953,123 @@
           </a:bodyPr>
           <a:lstStyle/>
           <a:p>
-            <a:r>
-              <a:rPr lang="ko-KR" altLang="en-US" sz="1400" dirty="0"/>
-              <a:t>버튼 추가해서 버튼 누르면 이동하도록 변경</a:t>
-            </a:r>
-            <a:r>
-              <a:rPr lang="en-US" altLang="ko-KR" sz="1400" dirty="0"/>
-              <a:t>.</a:t>
-            </a:r>
-            <a:endParaRPr lang="ko-KR" altLang="en-US" sz="1400" dirty="0"/>
-          </a:p>
-        </p:txBody>
-      </p:sp>
-      <p:pic>
-        <p:nvPicPr>
-          <p:cNvPr id="19" name="그림 18">
-            <a:extLst>
-              <a:ext uri="{FF2B5EF4-FFF2-40B4-BE49-F238E27FC236}">
-                <a16:creationId xmlns:a16="http://schemas.microsoft.com/office/drawing/2014/main" id="{F1EF7E27-29D4-5722-0CFF-76BFB9BA0568}"/>
-              </a:ext>
-            </a:extLst>
-          </p:cNvPr>
-          <p:cNvPicPr>
-            <a:picLocks noChangeAspect="1"/>
-          </p:cNvPicPr>
-          <p:nvPr/>
-        </p:nvPicPr>
-        <p:blipFill>
-          <a:blip r:embed="rId3"/>
-          <a:stretch>
-            <a:fillRect/>
-          </a:stretch>
-        </p:blipFill>
-        <p:spPr>
-          <a:xfrm>
-            <a:off x="540697" y="3351892"/>
-            <a:ext cx="3419952" cy="1705213"/>
-          </a:xfrm>
-          <a:prstGeom prst="rect">
-            <a:avLst/>
-          </a:prstGeom>
-        </p:spPr>
-      </p:pic>
-      <p:pic>
-        <p:nvPicPr>
-          <p:cNvPr id="22" name="그림 21">
-            <a:extLst>
-              <a:ext uri="{FF2B5EF4-FFF2-40B4-BE49-F238E27FC236}">
-                <a16:creationId xmlns:a16="http://schemas.microsoft.com/office/drawing/2014/main" id="{3B2095A7-7AC3-4096-55D6-D4A70567BE74}"/>
-              </a:ext>
-            </a:extLst>
-          </p:cNvPr>
-          <p:cNvPicPr>
-            <a:picLocks noChangeAspect="1"/>
-          </p:cNvPicPr>
-          <p:nvPr/>
-        </p:nvPicPr>
-        <p:blipFill>
-          <a:blip r:embed="rId4"/>
-          <a:stretch>
-            <a:fillRect/>
-          </a:stretch>
-        </p:blipFill>
-        <p:spPr>
-          <a:xfrm>
-            <a:off x="4505103" y="3429000"/>
-            <a:ext cx="3181794" cy="1457528"/>
-          </a:xfrm>
-          <a:prstGeom prst="rect">
-            <a:avLst/>
-          </a:prstGeom>
-        </p:spPr>
-      </p:pic>
-      <p:sp>
-        <p:nvSpPr>
-          <p:cNvPr id="23" name="TextBox 22">
-            <a:extLst>
-              <a:ext uri="{FF2B5EF4-FFF2-40B4-BE49-F238E27FC236}">
-                <a16:creationId xmlns:a16="http://schemas.microsoft.com/office/drawing/2014/main" id="{870CC76E-54C3-6600-271B-3E8939051A33}"/>
-              </a:ext>
-            </a:extLst>
-          </p:cNvPr>
-          <p:cNvSpPr txBox="1"/>
-          <p:nvPr/>
-        </p:nvSpPr>
-        <p:spPr>
-          <a:xfrm>
-            <a:off x="7921609" y="4003875"/>
-            <a:ext cx="1326004" cy="307777"/>
-          </a:xfrm>
-          <a:prstGeom prst="rect">
-            <a:avLst/>
-          </a:prstGeom>
-          <a:noFill/>
-        </p:spPr>
-        <p:txBody>
-          <a:bodyPr wrap="none" rtlCol="0">
-            <a:spAutoFit/>
-          </a:bodyPr>
-          <a:lstStyle/>
-          <a:p>
-            <a:r>
-              <a:rPr lang="en-US" altLang="ko-KR" sz="1400" dirty="0"/>
-              <a:t>A </a:t>
-            </a:r>
-            <a:r>
-              <a:rPr lang="ko-KR" altLang="en-US" sz="1400" dirty="0"/>
-              <a:t>태그로 변경</a:t>
-            </a:r>
-          </a:p>
-        </p:txBody>
-      </p:sp>
-      <p:cxnSp>
-        <p:nvCxnSpPr>
-          <p:cNvPr id="24" name="직선 연결선 23">
-            <a:extLst>
-              <a:ext uri="{FF2B5EF4-FFF2-40B4-BE49-F238E27FC236}">
-                <a16:creationId xmlns:a16="http://schemas.microsoft.com/office/drawing/2014/main" id="{CA5A93E4-6BE4-8EDD-972A-EF2BEBAA83A4}"/>
-              </a:ext>
-            </a:extLst>
-          </p:cNvPr>
-          <p:cNvCxnSpPr/>
-          <p:nvPr/>
-        </p:nvCxnSpPr>
-        <p:spPr>
-          <a:xfrm>
-            <a:off x="540697" y="2952049"/>
-            <a:ext cx="10995439" cy="0"/>
-          </a:xfrm>
-          <a:prstGeom prst="line">
-            <a:avLst/>
-          </a:prstGeom>
-        </p:spPr>
-        <p:style>
-          <a:lnRef idx="1">
-            <a:schemeClr val="accent1"/>
-          </a:lnRef>
-          <a:fillRef idx="0">
-            <a:schemeClr val="accent1"/>
-          </a:fillRef>
-          <a:effectRef idx="0">
-            <a:schemeClr val="accent1"/>
-          </a:effectRef>
-          <a:fontRef idx="minor">
-            <a:schemeClr val="tx1"/>
-          </a:fontRef>
-        </p:style>
-      </p:cxnSp>
+            <a:pPr>
+              <a:lnSpc>
+                <a:spcPct val="150000"/>
+              </a:lnSpc>
+            </a:pPr>
+            <a:r>
+              <a:rPr lang="en-US" altLang="ko-KR" sz="1200"/>
+              <a:t>43. </a:t>
+            </a:r>
+            <a:r>
+              <a:rPr lang="ko-KR" altLang="en-US" sz="1200"/>
+              <a:t>상세내용 주변에 관련 콘텐츠 목록을 배치하였는가</a:t>
+            </a:r>
+            <a:r>
+              <a:rPr lang="en-US" altLang="ko-KR" sz="1200"/>
+              <a:t>?</a:t>
+            </a:r>
+          </a:p>
+          <a:p>
+            <a:pPr>
+              <a:lnSpc>
+                <a:spcPct val="150000"/>
+              </a:lnSpc>
+            </a:pPr>
+            <a:r>
+              <a:rPr lang="en-US" altLang="ko-KR" sz="1200"/>
+              <a:t>44. </a:t>
+            </a:r>
+            <a:r>
+              <a:rPr lang="ko-KR" altLang="en-US" sz="1200"/>
+              <a:t>텍스트의 입력필드 크기는 적절한가</a:t>
+            </a:r>
+            <a:r>
+              <a:rPr lang="en-US" altLang="ko-KR" sz="1200"/>
+              <a:t>?</a:t>
+            </a:r>
+          </a:p>
+          <a:p>
+            <a:pPr>
+              <a:lnSpc>
+                <a:spcPct val="150000"/>
+              </a:lnSpc>
+            </a:pPr>
+            <a:r>
+              <a:rPr lang="en-US" altLang="ko-KR" sz="1200"/>
+              <a:t>45. </a:t>
+            </a:r>
+            <a:r>
+              <a:rPr lang="ko-KR" altLang="en-US" sz="1200"/>
+              <a:t>입력필드를 콘텐츠 주변에 제공하는가</a:t>
+            </a:r>
+            <a:r>
+              <a:rPr lang="en-US" altLang="ko-KR" sz="1200"/>
+              <a:t>?</a:t>
+            </a:r>
+          </a:p>
+          <a:p>
+            <a:pPr>
+              <a:lnSpc>
+                <a:spcPct val="150000"/>
+              </a:lnSpc>
+            </a:pPr>
+            <a:r>
+              <a:rPr lang="en-US" altLang="ko-KR" sz="1200"/>
+              <a:t>46. </a:t>
+            </a:r>
+            <a:r>
+              <a:rPr lang="ko-KR" altLang="en-US" sz="1200"/>
+              <a:t>작성자</a:t>
+            </a:r>
+            <a:r>
+              <a:rPr lang="en-US" altLang="ko-KR" sz="1200"/>
+              <a:t>/</a:t>
+            </a:r>
+            <a:r>
+              <a:rPr lang="ko-KR" altLang="en-US" sz="1200"/>
+              <a:t>관리자가 남긴 댓글을 다른 댓글과 구분하고 있는가</a:t>
+            </a:r>
+            <a:r>
+              <a:rPr lang="en-US" altLang="ko-KR" sz="1200"/>
+              <a:t>?</a:t>
+            </a:r>
+          </a:p>
+          <a:p>
+            <a:pPr>
+              <a:lnSpc>
+                <a:spcPct val="150000"/>
+              </a:lnSpc>
+            </a:pPr>
+            <a:r>
+              <a:rPr lang="en-US" altLang="ko-KR" sz="1200"/>
+              <a:t>47. </a:t>
+            </a:r>
+            <a:r>
+              <a:rPr lang="ko-KR" altLang="en-US" sz="1200"/>
+              <a:t>관리자가 댓글을 삭제할 경우</a:t>
+            </a:r>
+            <a:r>
+              <a:rPr lang="en-US" altLang="ko-KR" sz="1200"/>
+              <a:t>, </a:t>
+            </a:r>
+            <a:r>
+              <a:rPr lang="ko-KR" altLang="en-US" sz="1200"/>
+              <a:t>삭제의 이유를 제공하는가</a:t>
+            </a:r>
+            <a:r>
+              <a:rPr lang="en-US" altLang="ko-KR" sz="1200"/>
+              <a:t>?</a:t>
+            </a:r>
+            <a:endParaRPr lang="ko-KR" altLang="en-US" sz="1200" dirty="0"/>
+          </a:p>
+        </p:txBody>
+      </p:sp>
     </p:spTree>
     <p:extLst>
       <p:ext uri="{BB962C8B-B14F-4D97-AF65-F5344CB8AC3E}">
-        <p14:creationId xmlns:p14="http://schemas.microsoft.com/office/powerpoint/2010/main" val="2623193141"/>
+        <p14:creationId xmlns:p14="http://schemas.microsoft.com/office/powerpoint/2010/main" val="1293237916"/>
       </p:ext>
     </p:extLst>
   </p:cSld>

--- a/ppt/웹접근성 오류 체크(운영).pptx
+++ b/ppt/웹접근성 오류 체크(운영).pptx
@@ -9736,7 +9736,7 @@
           <a:p>
             <a:r>
               <a:rPr lang="ko-KR" altLang="en-US" sz="1400"/>
-              <a:t>포커스가 사자리지지 않도록 해주세요</a:t>
+              <a:t>포커스가 사라리지지 않도록 해주세요</a:t>
             </a:r>
             <a:r>
               <a:rPr lang="en-US" altLang="ko-KR" sz="1400"/>

--- a/ppt/웹접근성 오류 체크(운영).pptx
+++ b/ppt/웹접근성 오류 체크(운영).pptx
@@ -269,7 +269,7 @@
           <a:p>
             <a:fld id="{D203A8F8-6A3C-431B-BFF3-386CC4580D21}" type="datetimeFigureOut">
               <a:rPr lang="ko-KR" altLang="en-US" smtClean="0"/>
-              <a:t>2022-07-01</a:t>
+              <a:t>2022-07-06</a:t>
             </a:fld>
             <a:endParaRPr lang="ko-KR" altLang="en-US"/>
           </a:p>
@@ -437,7 +437,7 @@
           <a:p>
             <a:fld id="{D203A8F8-6A3C-431B-BFF3-386CC4580D21}" type="datetimeFigureOut">
               <a:rPr lang="ko-KR" altLang="en-US" smtClean="0"/>
-              <a:t>2022-07-01</a:t>
+              <a:t>2022-07-06</a:t>
             </a:fld>
             <a:endParaRPr lang="ko-KR" altLang="en-US"/>
           </a:p>
@@ -615,7 +615,7 @@
           <a:p>
             <a:fld id="{D203A8F8-6A3C-431B-BFF3-386CC4580D21}" type="datetimeFigureOut">
               <a:rPr lang="ko-KR" altLang="en-US" smtClean="0"/>
-              <a:t>2022-07-01</a:t>
+              <a:t>2022-07-06</a:t>
             </a:fld>
             <a:endParaRPr lang="ko-KR" altLang="en-US"/>
           </a:p>
@@ -783,7 +783,7 @@
           <a:p>
             <a:fld id="{D203A8F8-6A3C-431B-BFF3-386CC4580D21}" type="datetimeFigureOut">
               <a:rPr lang="ko-KR" altLang="en-US" smtClean="0"/>
-              <a:t>2022-07-01</a:t>
+              <a:t>2022-07-06</a:t>
             </a:fld>
             <a:endParaRPr lang="ko-KR" altLang="en-US"/>
           </a:p>
@@ -1028,7 +1028,7 @@
           <a:p>
             <a:fld id="{D203A8F8-6A3C-431B-BFF3-386CC4580D21}" type="datetimeFigureOut">
               <a:rPr lang="ko-KR" altLang="en-US" smtClean="0"/>
-              <a:t>2022-07-01</a:t>
+              <a:t>2022-07-06</a:t>
             </a:fld>
             <a:endParaRPr lang="ko-KR" altLang="en-US"/>
           </a:p>
@@ -1257,7 +1257,7 @@
           <a:p>
             <a:fld id="{D203A8F8-6A3C-431B-BFF3-386CC4580D21}" type="datetimeFigureOut">
               <a:rPr lang="ko-KR" altLang="en-US" smtClean="0"/>
-              <a:t>2022-07-01</a:t>
+              <a:t>2022-07-06</a:t>
             </a:fld>
             <a:endParaRPr lang="ko-KR" altLang="en-US"/>
           </a:p>
@@ -1621,7 +1621,7 @@
           <a:p>
             <a:fld id="{D203A8F8-6A3C-431B-BFF3-386CC4580D21}" type="datetimeFigureOut">
               <a:rPr lang="ko-KR" altLang="en-US" smtClean="0"/>
-              <a:t>2022-07-01</a:t>
+              <a:t>2022-07-06</a:t>
             </a:fld>
             <a:endParaRPr lang="ko-KR" altLang="en-US"/>
           </a:p>
@@ -1738,7 +1738,7 @@
           <a:p>
             <a:fld id="{D203A8F8-6A3C-431B-BFF3-386CC4580D21}" type="datetimeFigureOut">
               <a:rPr lang="ko-KR" altLang="en-US" smtClean="0"/>
-              <a:t>2022-07-01</a:t>
+              <a:t>2022-07-06</a:t>
             </a:fld>
             <a:endParaRPr lang="ko-KR" altLang="en-US"/>
           </a:p>
@@ -1833,7 +1833,7 @@
           <a:p>
             <a:fld id="{D203A8F8-6A3C-431B-BFF3-386CC4580D21}" type="datetimeFigureOut">
               <a:rPr lang="ko-KR" altLang="en-US" smtClean="0"/>
-              <a:t>2022-07-01</a:t>
+              <a:t>2022-07-06</a:t>
             </a:fld>
             <a:endParaRPr lang="ko-KR" altLang="en-US"/>
           </a:p>
@@ -2108,7 +2108,7 @@
           <a:p>
             <a:fld id="{D203A8F8-6A3C-431B-BFF3-386CC4580D21}" type="datetimeFigureOut">
               <a:rPr lang="ko-KR" altLang="en-US" smtClean="0"/>
-              <a:t>2022-07-01</a:t>
+              <a:t>2022-07-06</a:t>
             </a:fld>
             <a:endParaRPr lang="ko-KR" altLang="en-US"/>
           </a:p>
@@ -2360,7 +2360,7 @@
           <a:p>
             <a:fld id="{D203A8F8-6A3C-431B-BFF3-386CC4580D21}" type="datetimeFigureOut">
               <a:rPr lang="ko-KR" altLang="en-US" smtClean="0"/>
-              <a:t>2022-07-01</a:t>
+              <a:t>2022-07-06</a:t>
             </a:fld>
             <a:endParaRPr lang="ko-KR" altLang="en-US"/>
           </a:p>
@@ -2571,7 +2571,7 @@
           <a:p>
             <a:fld id="{D203A8F8-6A3C-431B-BFF3-386CC4580D21}" type="datetimeFigureOut">
               <a:rPr lang="ko-KR" altLang="en-US" smtClean="0"/>
-              <a:t>2022-07-01</a:t>
+              <a:t>2022-07-06</a:t>
             </a:fld>
             <a:endParaRPr lang="ko-KR" altLang="en-US"/>
           </a:p>
@@ -9754,6 +9754,88 @@
           </a:p>
         </p:txBody>
       </p:sp>
+      <p:cxnSp>
+        <p:nvCxnSpPr>
+          <p:cNvPr id="5" name="직선 화살표 연결선 4">
+            <a:extLst>
+              <a:ext uri="{FF2B5EF4-FFF2-40B4-BE49-F238E27FC236}">
+                <a16:creationId xmlns:a16="http://schemas.microsoft.com/office/drawing/2014/main" id="{F0DBC35B-4320-477C-52CB-4BFA3E2D5E10}"/>
+              </a:ext>
+            </a:extLst>
+          </p:cNvPr>
+          <p:cNvCxnSpPr/>
+          <p:nvPr/>
+        </p:nvCxnSpPr>
+        <p:spPr>
+          <a:xfrm flipH="1" flipV="1">
+            <a:off x="2367643" y="3845379"/>
+            <a:ext cx="1632857" cy="620485"/>
+          </a:xfrm>
+          <a:prstGeom prst="straightConnector1">
+            <a:avLst/>
+          </a:prstGeom>
+          <a:ln>
+            <a:tailEnd type="triangle"/>
+          </a:ln>
+        </p:spPr>
+        <p:style>
+          <a:lnRef idx="1">
+            <a:schemeClr val="accent1"/>
+          </a:lnRef>
+          <a:fillRef idx="0">
+            <a:schemeClr val="accent1"/>
+          </a:fillRef>
+          <a:effectRef idx="0">
+            <a:schemeClr val="accent1"/>
+          </a:effectRef>
+          <a:fontRef idx="minor">
+            <a:schemeClr val="tx1"/>
+          </a:fontRef>
+        </p:style>
+      </p:cxnSp>
+      <p:sp>
+        <p:nvSpPr>
+          <p:cNvPr id="7" name="TextBox 6">
+            <a:extLst>
+              <a:ext uri="{FF2B5EF4-FFF2-40B4-BE49-F238E27FC236}">
+                <a16:creationId xmlns:a16="http://schemas.microsoft.com/office/drawing/2014/main" id="{C0E79174-F09E-E0D4-E078-B82B9C24B5D8}"/>
+              </a:ext>
+            </a:extLst>
+          </p:cNvPr>
+          <p:cNvSpPr txBox="1"/>
+          <p:nvPr/>
+        </p:nvSpPr>
+        <p:spPr>
+          <a:xfrm>
+            <a:off x="4130428" y="4311975"/>
+            <a:ext cx="4352474" cy="307777"/>
+          </a:xfrm>
+          <a:prstGeom prst="rect">
+            <a:avLst/>
+          </a:prstGeom>
+          <a:noFill/>
+        </p:spPr>
+        <p:txBody>
+          <a:bodyPr wrap="none" rtlCol="0">
+            <a:spAutoFit/>
+          </a:bodyPr>
+          <a:lstStyle/>
+          <a:p>
+            <a:r>
+              <a:rPr lang="ko-KR" altLang="en-US" sz="1400"/>
+              <a:t>클릭과 포커스 가능하도록 </a:t>
+            </a:r>
+            <a:r>
+              <a:rPr lang="en-US" altLang="ko-KR" sz="1400"/>
+              <a:t>clickable: true; </a:t>
+            </a:r>
+            <a:r>
+              <a:rPr lang="ko-KR" altLang="en-US" sz="1400"/>
+              <a:t>옵션 추가</a:t>
+            </a:r>
+          </a:p>
+        </p:txBody>
+      </p:sp>
     </p:spTree>
     <p:extLst>
       <p:ext uri="{BB962C8B-B14F-4D97-AF65-F5344CB8AC3E}">

--- a/ppt/웹접근성 오류 체크(운영).pptx
+++ b/ppt/웹접근성 오류 체크(운영).pptx
@@ -269,7 +269,7 @@
           <a:p>
             <a:fld id="{D203A8F8-6A3C-431B-BFF3-386CC4580D21}" type="datetimeFigureOut">
               <a:rPr lang="ko-KR" altLang="en-US" smtClean="0"/>
-              <a:t>2022-07-06</a:t>
+              <a:t>2022-07-08</a:t>
             </a:fld>
             <a:endParaRPr lang="ko-KR" altLang="en-US"/>
           </a:p>
@@ -437,7 +437,7 @@
           <a:p>
             <a:fld id="{D203A8F8-6A3C-431B-BFF3-386CC4580D21}" type="datetimeFigureOut">
               <a:rPr lang="ko-KR" altLang="en-US" smtClean="0"/>
-              <a:t>2022-07-06</a:t>
+              <a:t>2022-07-08</a:t>
             </a:fld>
             <a:endParaRPr lang="ko-KR" altLang="en-US"/>
           </a:p>
@@ -615,7 +615,7 @@
           <a:p>
             <a:fld id="{D203A8F8-6A3C-431B-BFF3-386CC4580D21}" type="datetimeFigureOut">
               <a:rPr lang="ko-KR" altLang="en-US" smtClean="0"/>
-              <a:t>2022-07-06</a:t>
+              <a:t>2022-07-08</a:t>
             </a:fld>
             <a:endParaRPr lang="ko-KR" altLang="en-US"/>
           </a:p>
@@ -783,7 +783,7 @@
           <a:p>
             <a:fld id="{D203A8F8-6A3C-431B-BFF3-386CC4580D21}" type="datetimeFigureOut">
               <a:rPr lang="ko-KR" altLang="en-US" smtClean="0"/>
-              <a:t>2022-07-06</a:t>
+              <a:t>2022-07-08</a:t>
             </a:fld>
             <a:endParaRPr lang="ko-KR" altLang="en-US"/>
           </a:p>
@@ -1028,7 +1028,7 @@
           <a:p>
             <a:fld id="{D203A8F8-6A3C-431B-BFF3-386CC4580D21}" type="datetimeFigureOut">
               <a:rPr lang="ko-KR" altLang="en-US" smtClean="0"/>
-              <a:t>2022-07-06</a:t>
+              <a:t>2022-07-08</a:t>
             </a:fld>
             <a:endParaRPr lang="ko-KR" altLang="en-US"/>
           </a:p>
@@ -1257,7 +1257,7 @@
           <a:p>
             <a:fld id="{D203A8F8-6A3C-431B-BFF3-386CC4580D21}" type="datetimeFigureOut">
               <a:rPr lang="ko-KR" altLang="en-US" smtClean="0"/>
-              <a:t>2022-07-06</a:t>
+              <a:t>2022-07-08</a:t>
             </a:fld>
             <a:endParaRPr lang="ko-KR" altLang="en-US"/>
           </a:p>
@@ -1621,7 +1621,7 @@
           <a:p>
             <a:fld id="{D203A8F8-6A3C-431B-BFF3-386CC4580D21}" type="datetimeFigureOut">
               <a:rPr lang="ko-KR" altLang="en-US" smtClean="0"/>
-              <a:t>2022-07-06</a:t>
+              <a:t>2022-07-08</a:t>
             </a:fld>
             <a:endParaRPr lang="ko-KR" altLang="en-US"/>
           </a:p>
@@ -1738,7 +1738,7 @@
           <a:p>
             <a:fld id="{D203A8F8-6A3C-431B-BFF3-386CC4580D21}" type="datetimeFigureOut">
               <a:rPr lang="ko-KR" altLang="en-US" smtClean="0"/>
-              <a:t>2022-07-06</a:t>
+              <a:t>2022-07-08</a:t>
             </a:fld>
             <a:endParaRPr lang="ko-KR" altLang="en-US"/>
           </a:p>
@@ -1833,7 +1833,7 @@
           <a:p>
             <a:fld id="{D203A8F8-6A3C-431B-BFF3-386CC4580D21}" type="datetimeFigureOut">
               <a:rPr lang="ko-KR" altLang="en-US" smtClean="0"/>
-              <a:t>2022-07-06</a:t>
+              <a:t>2022-07-08</a:t>
             </a:fld>
             <a:endParaRPr lang="ko-KR" altLang="en-US"/>
           </a:p>
@@ -2108,7 +2108,7 @@
           <a:p>
             <a:fld id="{D203A8F8-6A3C-431B-BFF3-386CC4580D21}" type="datetimeFigureOut">
               <a:rPr lang="ko-KR" altLang="en-US" smtClean="0"/>
-              <a:t>2022-07-06</a:t>
+              <a:t>2022-07-08</a:t>
             </a:fld>
             <a:endParaRPr lang="ko-KR" altLang="en-US"/>
           </a:p>
@@ -2360,7 +2360,7 @@
           <a:p>
             <a:fld id="{D203A8F8-6A3C-431B-BFF3-386CC4580D21}" type="datetimeFigureOut">
               <a:rPr lang="ko-KR" altLang="en-US" smtClean="0"/>
-              <a:t>2022-07-06</a:t>
+              <a:t>2022-07-08</a:t>
             </a:fld>
             <a:endParaRPr lang="ko-KR" altLang="en-US"/>
           </a:p>
@@ -2571,7 +2571,7 @@
           <a:p>
             <a:fld id="{D203A8F8-6A3C-431B-BFF3-386CC4580D21}" type="datetimeFigureOut">
               <a:rPr lang="ko-KR" altLang="en-US" smtClean="0"/>
-              <a:t>2022-07-06</a:t>
+              <a:t>2022-07-08</a:t>
             </a:fld>
             <a:endParaRPr lang="ko-KR" altLang="en-US"/>
           </a:p>
@@ -8197,6 +8197,310 @@
           <a:chExt cx="0" cy="0"/>
         </a:xfrm>
       </p:grpSpPr>
+      <p:pic>
+        <p:nvPicPr>
+          <p:cNvPr id="5" name="그림 4">
+            <a:extLst>
+              <a:ext uri="{FF2B5EF4-FFF2-40B4-BE49-F238E27FC236}">
+                <a16:creationId xmlns:a16="http://schemas.microsoft.com/office/drawing/2014/main" id="{1F199B74-B9F2-3CD0-8EBB-9ECBB63D95E7}"/>
+              </a:ext>
+            </a:extLst>
+          </p:cNvPr>
+          <p:cNvPicPr>
+            <a:picLocks noChangeAspect="1"/>
+          </p:cNvPicPr>
+          <p:nvPr/>
+        </p:nvPicPr>
+        <p:blipFill>
+          <a:blip r:embed="rId2"/>
+          <a:stretch>
+            <a:fillRect/>
+          </a:stretch>
+        </p:blipFill>
+        <p:spPr>
+          <a:xfrm>
+            <a:off x="471399" y="288323"/>
+            <a:ext cx="2720836" cy="6281354"/>
+          </a:xfrm>
+          <a:prstGeom prst="rect">
+            <a:avLst/>
+          </a:prstGeom>
+        </p:spPr>
+      </p:pic>
+      <p:sp>
+        <p:nvSpPr>
+          <p:cNvPr id="6" name="직사각형 5">
+            <a:extLst>
+              <a:ext uri="{FF2B5EF4-FFF2-40B4-BE49-F238E27FC236}">
+                <a16:creationId xmlns:a16="http://schemas.microsoft.com/office/drawing/2014/main" id="{A72384E2-DDB6-D67D-3AAE-75A85C958AFD}"/>
+              </a:ext>
+            </a:extLst>
+          </p:cNvPr>
+          <p:cNvSpPr/>
+          <p:nvPr/>
+        </p:nvSpPr>
+        <p:spPr>
+          <a:xfrm>
+            <a:off x="1420586" y="2612571"/>
+            <a:ext cx="759278" cy="1012372"/>
+          </a:xfrm>
+          <a:prstGeom prst="rect">
+            <a:avLst/>
+          </a:prstGeom>
+          <a:noFill/>
+          <a:ln w="25400">
+            <a:solidFill>
+              <a:srgbClr val="FF0000"/>
+            </a:solidFill>
+          </a:ln>
+        </p:spPr>
+        <p:style>
+          <a:lnRef idx="2">
+            <a:schemeClr val="accent1">
+              <a:shade val="50000"/>
+            </a:schemeClr>
+          </a:lnRef>
+          <a:fillRef idx="1">
+            <a:schemeClr val="accent1"/>
+          </a:fillRef>
+          <a:effectRef idx="0">
+            <a:schemeClr val="accent1"/>
+          </a:effectRef>
+          <a:fontRef idx="minor">
+            <a:schemeClr val="lt1"/>
+          </a:fontRef>
+        </p:style>
+        <p:txBody>
+          <a:bodyPr rtlCol="0" anchor="ctr"/>
+          <a:lstStyle/>
+          <a:p>
+            <a:pPr algn="ctr"/>
+            <a:endParaRPr lang="ko-KR" altLang="en-US"/>
+          </a:p>
+        </p:txBody>
+      </p:sp>
+      <p:cxnSp>
+        <p:nvCxnSpPr>
+          <p:cNvPr id="8" name="직선 화살표 연결선 7">
+            <a:extLst>
+              <a:ext uri="{FF2B5EF4-FFF2-40B4-BE49-F238E27FC236}">
+                <a16:creationId xmlns:a16="http://schemas.microsoft.com/office/drawing/2014/main" id="{7B8DE783-DA74-9628-30CE-EB2E74A4A50B}"/>
+              </a:ext>
+            </a:extLst>
+          </p:cNvPr>
+          <p:cNvCxnSpPr/>
+          <p:nvPr/>
+        </p:nvCxnSpPr>
+        <p:spPr>
+          <a:xfrm flipH="1">
+            <a:off x="2319688" y="3070459"/>
+            <a:ext cx="1607419" cy="0"/>
+          </a:xfrm>
+          <a:prstGeom prst="straightConnector1">
+            <a:avLst/>
+          </a:prstGeom>
+          <a:ln>
+            <a:tailEnd type="triangle"/>
+          </a:ln>
+        </p:spPr>
+        <p:style>
+          <a:lnRef idx="1">
+            <a:schemeClr val="accent1"/>
+          </a:lnRef>
+          <a:fillRef idx="0">
+            <a:schemeClr val="accent1"/>
+          </a:fillRef>
+          <a:effectRef idx="0">
+            <a:schemeClr val="accent1"/>
+          </a:effectRef>
+          <a:fontRef idx="minor">
+            <a:schemeClr val="tx1"/>
+          </a:fontRef>
+        </p:style>
+      </p:cxnSp>
+      <p:sp>
+        <p:nvSpPr>
+          <p:cNvPr id="9" name="TextBox 8">
+            <a:extLst>
+              <a:ext uri="{FF2B5EF4-FFF2-40B4-BE49-F238E27FC236}">
+                <a16:creationId xmlns:a16="http://schemas.microsoft.com/office/drawing/2014/main" id="{549BECA6-D6C4-EA26-2CE3-DC14E5008E69}"/>
+              </a:ext>
+            </a:extLst>
+          </p:cNvPr>
+          <p:cNvSpPr txBox="1"/>
+          <p:nvPr/>
+        </p:nvSpPr>
+        <p:spPr>
+          <a:xfrm>
+            <a:off x="4256600" y="2010512"/>
+            <a:ext cx="5527475" cy="697050"/>
+          </a:xfrm>
+          <a:prstGeom prst="rect">
+            <a:avLst/>
+          </a:prstGeom>
+          <a:noFill/>
+        </p:spPr>
+        <p:txBody>
+          <a:bodyPr wrap="none" rtlCol="0">
+            <a:spAutoFit/>
+          </a:bodyPr>
+          <a:lstStyle/>
+          <a:p>
+            <a:pPr>
+              <a:lnSpc>
+                <a:spcPct val="150000"/>
+              </a:lnSpc>
+            </a:pPr>
+            <a:r>
+              <a:rPr lang="ko-KR" altLang="en-US" sz="1400"/>
+              <a:t>카카오맵이나 네이버맵 보니까</a:t>
+            </a:r>
+            <a:r>
+              <a:rPr lang="en-US" altLang="ko-KR" sz="1400"/>
+              <a:t>.. </a:t>
+            </a:r>
+            <a:r>
+              <a:rPr lang="ko-KR" altLang="en-US" sz="1400"/>
+              <a:t>마커에는 포커스 인식이 안되는데</a:t>
+            </a:r>
+            <a:r>
+              <a:rPr lang="en-US" altLang="ko-KR" sz="1400"/>
+              <a:t>.</a:t>
+            </a:r>
+          </a:p>
+          <a:p>
+            <a:pPr>
+              <a:lnSpc>
+                <a:spcPct val="150000"/>
+              </a:lnSpc>
+            </a:pPr>
+            <a:r>
+              <a:rPr lang="ko-KR" altLang="en-US" sz="1400"/>
+              <a:t>그게 맞는거 같아요</a:t>
+            </a:r>
+            <a:r>
+              <a:rPr lang="en-US" altLang="ko-KR" sz="1400"/>
+              <a:t>.</a:t>
+            </a:r>
+            <a:endParaRPr lang="ko-KR" altLang="en-US" sz="1400" dirty="0"/>
+          </a:p>
+        </p:txBody>
+      </p:sp>
+      <p:pic>
+        <p:nvPicPr>
+          <p:cNvPr id="11" name="그림 10">
+            <a:extLst>
+              <a:ext uri="{FF2B5EF4-FFF2-40B4-BE49-F238E27FC236}">
+                <a16:creationId xmlns:a16="http://schemas.microsoft.com/office/drawing/2014/main" id="{2773D549-EC52-7D97-2735-253F9E81CD06}"/>
+              </a:ext>
+            </a:extLst>
+          </p:cNvPr>
+          <p:cNvPicPr>
+            <a:picLocks noChangeAspect="1"/>
+          </p:cNvPicPr>
+          <p:nvPr/>
+        </p:nvPicPr>
+        <p:blipFill>
+          <a:blip r:embed="rId3"/>
+          <a:stretch>
+            <a:fillRect/>
+          </a:stretch>
+        </p:blipFill>
+        <p:spPr>
+          <a:xfrm>
+            <a:off x="4256600" y="2817929"/>
+            <a:ext cx="4058216" cy="952633"/>
+          </a:xfrm>
+          <a:prstGeom prst="rect">
+            <a:avLst/>
+          </a:prstGeom>
+        </p:spPr>
+      </p:pic>
+      <p:sp>
+        <p:nvSpPr>
+          <p:cNvPr id="12" name="TextBox 11">
+            <a:extLst>
+              <a:ext uri="{FF2B5EF4-FFF2-40B4-BE49-F238E27FC236}">
+                <a16:creationId xmlns:a16="http://schemas.microsoft.com/office/drawing/2014/main" id="{966EE9F5-473A-3634-A364-90C149E78322}"/>
+              </a:ext>
+            </a:extLst>
+          </p:cNvPr>
+          <p:cNvSpPr txBox="1"/>
+          <p:nvPr/>
+        </p:nvSpPr>
+        <p:spPr>
+          <a:xfrm>
+            <a:off x="4256600" y="3939101"/>
+            <a:ext cx="2139047" cy="307777"/>
+          </a:xfrm>
+          <a:prstGeom prst="rect">
+            <a:avLst/>
+          </a:prstGeom>
+          <a:noFill/>
+        </p:spPr>
+        <p:txBody>
+          <a:bodyPr wrap="none" rtlCol="0">
+            <a:spAutoFit/>
+          </a:bodyPr>
+          <a:lstStyle/>
+          <a:p>
+            <a:r>
+              <a:rPr lang="en-US" altLang="ko-KR" sz="1400"/>
+              <a:t>Tabindex</a:t>
+            </a:r>
+            <a:r>
+              <a:rPr lang="ko-KR" altLang="en-US" sz="1400"/>
+              <a:t> 를 지워주세요</a:t>
+            </a:r>
+            <a:r>
+              <a:rPr lang="en-US" altLang="ko-KR" sz="1400"/>
+              <a:t>.</a:t>
+            </a:r>
+            <a:endParaRPr lang="ko-KR" altLang="en-US" sz="1400" dirty="0"/>
+          </a:p>
+        </p:txBody>
+      </p:sp>
+      <p:cxnSp>
+        <p:nvCxnSpPr>
+          <p:cNvPr id="14" name="직선 연결선 13">
+            <a:extLst>
+              <a:ext uri="{FF2B5EF4-FFF2-40B4-BE49-F238E27FC236}">
+                <a16:creationId xmlns:a16="http://schemas.microsoft.com/office/drawing/2014/main" id="{9298D7DD-731D-6FCB-2E4B-CB3BD4EB025D}"/>
+              </a:ext>
+            </a:extLst>
+          </p:cNvPr>
+          <p:cNvCxnSpPr/>
+          <p:nvPr/>
+        </p:nvCxnSpPr>
+        <p:spPr>
+          <a:xfrm>
+            <a:off x="6208295" y="3294245"/>
+            <a:ext cx="895149" cy="0"/>
+          </a:xfrm>
+          <a:prstGeom prst="line">
+            <a:avLst/>
+          </a:prstGeom>
+          <a:ln w="25400">
+            <a:solidFill>
+              <a:srgbClr val="FF0000"/>
+            </a:solidFill>
+          </a:ln>
+        </p:spPr>
+        <p:style>
+          <a:lnRef idx="1">
+            <a:schemeClr val="accent1"/>
+          </a:lnRef>
+          <a:fillRef idx="0">
+            <a:schemeClr val="accent1"/>
+          </a:fillRef>
+          <a:effectRef idx="0">
+            <a:schemeClr val="accent1"/>
+          </a:effectRef>
+          <a:fontRef idx="minor">
+            <a:schemeClr val="tx1"/>
+          </a:fontRef>
+        </p:style>
+      </p:cxnSp>
     </p:spTree>
     <p:extLst>
       <p:ext uri="{BB962C8B-B14F-4D97-AF65-F5344CB8AC3E}">

--- a/ppt/웹접근성 오류 체크(운영).pptx
+++ b/ppt/웹접근성 오류 체크(운영).pptx
@@ -10568,6 +10568,238 @@
           <a:chExt cx="0" cy="0"/>
         </a:xfrm>
       </p:grpSpPr>
+      <p:pic>
+        <p:nvPicPr>
+          <p:cNvPr id="3" name="그림 2">
+            <a:extLst>
+              <a:ext uri="{FF2B5EF4-FFF2-40B4-BE49-F238E27FC236}">
+                <a16:creationId xmlns:a16="http://schemas.microsoft.com/office/drawing/2014/main" id="{C70E402E-C9C9-9C98-18A2-12C67C0AA7D5}"/>
+              </a:ext>
+            </a:extLst>
+          </p:cNvPr>
+          <p:cNvPicPr>
+            <a:picLocks noChangeAspect="1"/>
+          </p:cNvPicPr>
+          <p:nvPr/>
+        </p:nvPicPr>
+        <p:blipFill>
+          <a:blip r:embed="rId2"/>
+          <a:stretch>
+            <a:fillRect/>
+          </a:stretch>
+        </p:blipFill>
+        <p:spPr>
+          <a:xfrm>
+            <a:off x="628381" y="508710"/>
+            <a:ext cx="3848637" cy="2819794"/>
+          </a:xfrm>
+          <a:prstGeom prst="rect">
+            <a:avLst/>
+          </a:prstGeom>
+        </p:spPr>
+      </p:pic>
+      <p:sp>
+        <p:nvSpPr>
+          <p:cNvPr id="4" name="TextBox 3">
+            <a:extLst>
+              <a:ext uri="{FF2B5EF4-FFF2-40B4-BE49-F238E27FC236}">
+                <a16:creationId xmlns:a16="http://schemas.microsoft.com/office/drawing/2014/main" id="{263A1E66-45BD-7422-9CAC-F687908BC16C}"/>
+              </a:ext>
+            </a:extLst>
+          </p:cNvPr>
+          <p:cNvSpPr txBox="1"/>
+          <p:nvPr/>
+        </p:nvSpPr>
+        <p:spPr>
+          <a:xfrm>
+            <a:off x="5088200" y="1164771"/>
+            <a:ext cx="6368218" cy="697050"/>
+          </a:xfrm>
+          <a:prstGeom prst="rect">
+            <a:avLst/>
+          </a:prstGeom>
+          <a:noFill/>
+        </p:spPr>
+        <p:txBody>
+          <a:bodyPr wrap="none" rtlCol="0">
+            <a:spAutoFit/>
+          </a:bodyPr>
+          <a:lstStyle/>
+          <a:p>
+            <a:pPr>
+              <a:lnSpc>
+                <a:spcPct val="150000"/>
+              </a:lnSpc>
+            </a:pPr>
+            <a:r>
+              <a:rPr lang="en-US" altLang="ko-KR" sz="1400"/>
+              <a:t>Li</a:t>
+            </a:r>
+            <a:r>
+              <a:rPr lang="ko-KR" altLang="en-US" sz="1400"/>
+              <a:t> </a:t>
+            </a:r>
+            <a:r>
+              <a:rPr lang="en-US" altLang="ko-KR" sz="1400"/>
+              <a:t>tag</a:t>
+            </a:r>
+            <a:r>
+              <a:rPr lang="ko-KR" altLang="en-US" sz="1400"/>
+              <a:t>에 클릭 이벤트가 있으니 </a:t>
+            </a:r>
+            <a:r>
+              <a:rPr lang="en-US" altLang="ko-KR" sz="1400"/>
+              <a:t>role=“button” </a:t>
+            </a:r>
+            <a:r>
+              <a:rPr lang="ko-KR" altLang="en-US" sz="1400"/>
+              <a:t>과</a:t>
+            </a:r>
+            <a:r>
+              <a:rPr lang="en-US" altLang="ko-KR" sz="1400"/>
+              <a:t> </a:t>
+            </a:r>
+            <a:r>
+              <a:rPr lang="ko-KR" altLang="en-US" sz="1400"/>
+              <a:t>포커스를 위해 </a:t>
+            </a:r>
+            <a:r>
+              <a:rPr lang="en-US" altLang="ko-KR" sz="1400"/>
+              <a:t>tabindex=“0”</a:t>
+            </a:r>
+          </a:p>
+          <a:p>
+            <a:pPr>
+              <a:lnSpc>
+                <a:spcPct val="150000"/>
+              </a:lnSpc>
+            </a:pPr>
+            <a:r>
+              <a:rPr lang="ko-KR" altLang="en-US" sz="1400"/>
+              <a:t>넣어주세요</a:t>
+            </a:r>
+            <a:r>
+              <a:rPr lang="en-US" altLang="ko-KR" sz="1400"/>
+              <a:t>.</a:t>
+            </a:r>
+            <a:endParaRPr lang="ko-KR" altLang="en-US" sz="1400" dirty="0"/>
+          </a:p>
+        </p:txBody>
+      </p:sp>
+      <p:cxnSp>
+        <p:nvCxnSpPr>
+          <p:cNvPr id="6" name="직선 화살표 연결선 5">
+            <a:extLst>
+              <a:ext uri="{FF2B5EF4-FFF2-40B4-BE49-F238E27FC236}">
+                <a16:creationId xmlns:a16="http://schemas.microsoft.com/office/drawing/2014/main" id="{05F76477-4EF1-689A-410B-B576DD7908A0}"/>
+              </a:ext>
+            </a:extLst>
+          </p:cNvPr>
+          <p:cNvCxnSpPr/>
+          <p:nvPr/>
+        </p:nvCxnSpPr>
+        <p:spPr>
+          <a:xfrm flipH="1">
+            <a:off x="3388179" y="1575707"/>
+            <a:ext cx="1469571" cy="0"/>
+          </a:xfrm>
+          <a:prstGeom prst="straightConnector1">
+            <a:avLst/>
+          </a:prstGeom>
+          <a:ln>
+            <a:tailEnd type="triangle"/>
+          </a:ln>
+        </p:spPr>
+        <p:style>
+          <a:lnRef idx="1">
+            <a:schemeClr val="accent1"/>
+          </a:lnRef>
+          <a:fillRef idx="0">
+            <a:schemeClr val="accent1"/>
+          </a:fillRef>
+          <a:effectRef idx="0">
+            <a:schemeClr val="accent1"/>
+          </a:effectRef>
+          <a:fontRef idx="minor">
+            <a:schemeClr val="tx1"/>
+          </a:fontRef>
+        </p:style>
+      </p:cxnSp>
+      <p:sp>
+        <p:nvSpPr>
+          <p:cNvPr id="7" name="TextBox 6">
+            <a:extLst>
+              <a:ext uri="{FF2B5EF4-FFF2-40B4-BE49-F238E27FC236}">
+                <a16:creationId xmlns:a16="http://schemas.microsoft.com/office/drawing/2014/main" id="{50EAE718-2A3D-199B-2B62-BB353DF73CFA}"/>
+              </a:ext>
+            </a:extLst>
+          </p:cNvPr>
+          <p:cNvSpPr txBox="1"/>
+          <p:nvPr/>
+        </p:nvSpPr>
+        <p:spPr>
+          <a:xfrm>
+            <a:off x="5018469" y="1840793"/>
+            <a:ext cx="2074607" cy="755079"/>
+          </a:xfrm>
+          <a:prstGeom prst="rect">
+            <a:avLst/>
+          </a:prstGeom>
+          <a:noFill/>
+        </p:spPr>
+        <p:txBody>
+          <a:bodyPr wrap="none" rtlCol="0">
+            <a:spAutoFit/>
+          </a:bodyPr>
+          <a:lstStyle/>
+          <a:p>
+            <a:pPr>
+              <a:lnSpc>
+                <a:spcPct val="150000"/>
+              </a:lnSpc>
+            </a:pPr>
+            <a:r>
+              <a:rPr lang="en-US" altLang="ko-KR" sz="1000"/>
+              <a:t>&lt;li </a:t>
+            </a:r>
+            <a:r>
+              <a:rPr lang="en-US" altLang="ko-KR" sz="1000">
+                <a:solidFill>
+                  <a:srgbClr val="FF0000"/>
+                </a:solidFill>
+              </a:rPr>
+              <a:t>role=“button” tabindex=“0”</a:t>
+            </a:r>
+            <a:r>
+              <a:rPr lang="en-US" altLang="ko-KR" sz="1000"/>
+              <a:t>&gt;</a:t>
+            </a:r>
+          </a:p>
+          <a:p>
+            <a:pPr>
+              <a:lnSpc>
+                <a:spcPct val="150000"/>
+              </a:lnSpc>
+            </a:pPr>
+            <a:r>
+              <a:rPr lang="en-US" altLang="ko-KR" sz="1000"/>
+              <a:t>    ……….</a:t>
+            </a:r>
+          </a:p>
+          <a:p>
+            <a:pPr>
+              <a:lnSpc>
+                <a:spcPct val="150000"/>
+              </a:lnSpc>
+            </a:pPr>
+            <a:r>
+              <a:rPr lang="en-US" altLang="ko-KR" sz="1000"/>
+              <a:t>&lt;/li&gt;</a:t>
+            </a:r>
+            <a:endParaRPr lang="ko-KR" altLang="en-US" sz="1000"/>
+          </a:p>
+        </p:txBody>
+      </p:sp>
     </p:spTree>
     <p:extLst>
       <p:ext uri="{BB962C8B-B14F-4D97-AF65-F5344CB8AC3E}">

--- a/ppt/웹접근성 오류 체크(운영).pptx
+++ b/ppt/웹접근성 오류 체크(운영).pptx
@@ -43,6 +43,7 @@
     <p:sldId id="331" r:id="rId37"/>
     <p:sldId id="332" r:id="rId38"/>
     <p:sldId id="333" r:id="rId39"/>
+    <p:sldId id="336" r:id="rId40"/>
   </p:sldIdLst>
   <p:sldSz cx="12192000" cy="6858000"/>
   <p:notesSz cx="6858000" cy="9144000"/>
@@ -11524,10 +11525,156 @@
           <a:chExt cx="0" cy="0"/>
         </a:xfrm>
       </p:grpSpPr>
+      <p:pic>
+        <p:nvPicPr>
+          <p:cNvPr id="3" name="그림 2">
+            <a:extLst>
+              <a:ext uri="{FF2B5EF4-FFF2-40B4-BE49-F238E27FC236}">
+                <a16:creationId xmlns:a16="http://schemas.microsoft.com/office/drawing/2014/main" id="{2504BC06-E07A-92CF-A442-32D5360A48DE}"/>
+              </a:ext>
+            </a:extLst>
+          </p:cNvPr>
+          <p:cNvPicPr>
+            <a:picLocks noChangeAspect="1"/>
+          </p:cNvPicPr>
+          <p:nvPr/>
+        </p:nvPicPr>
+        <p:blipFill>
+          <a:blip r:embed="rId2"/>
+          <a:stretch>
+            <a:fillRect/>
+          </a:stretch>
+        </p:blipFill>
+        <p:spPr>
+          <a:xfrm>
+            <a:off x="880112" y="694427"/>
+            <a:ext cx="3867690" cy="3134162"/>
+          </a:xfrm>
+          <a:prstGeom prst="rect">
+            <a:avLst/>
+          </a:prstGeom>
+        </p:spPr>
+      </p:pic>
+      <p:cxnSp>
+        <p:nvCxnSpPr>
+          <p:cNvPr id="5" name="직선 화살표 연결선 4">
+            <a:extLst>
+              <a:ext uri="{FF2B5EF4-FFF2-40B4-BE49-F238E27FC236}">
+                <a16:creationId xmlns:a16="http://schemas.microsoft.com/office/drawing/2014/main" id="{98A5C21B-2741-C599-BE00-ABCB453D3915}"/>
+              </a:ext>
+            </a:extLst>
+          </p:cNvPr>
+          <p:cNvCxnSpPr/>
+          <p:nvPr/>
+        </p:nvCxnSpPr>
+        <p:spPr>
+          <a:xfrm flipV="1">
+            <a:off x="2563586" y="3616779"/>
+            <a:ext cx="0" cy="644978"/>
+          </a:xfrm>
+          <a:prstGeom prst="straightConnector1">
+            <a:avLst/>
+          </a:prstGeom>
+          <a:ln>
+            <a:tailEnd type="triangle"/>
+          </a:ln>
+        </p:spPr>
+        <p:style>
+          <a:lnRef idx="1">
+            <a:schemeClr val="accent1"/>
+          </a:lnRef>
+          <a:fillRef idx="0">
+            <a:schemeClr val="accent1"/>
+          </a:fillRef>
+          <a:effectRef idx="0">
+            <a:schemeClr val="accent1"/>
+          </a:effectRef>
+          <a:fontRef idx="minor">
+            <a:schemeClr val="tx1"/>
+          </a:fontRef>
+        </p:style>
+      </p:cxnSp>
+      <p:sp>
+        <p:nvSpPr>
+          <p:cNvPr id="6" name="TextBox 5">
+            <a:extLst>
+              <a:ext uri="{FF2B5EF4-FFF2-40B4-BE49-F238E27FC236}">
+                <a16:creationId xmlns:a16="http://schemas.microsoft.com/office/drawing/2014/main" id="{29282F93-1BAF-2888-55B0-05FD540D81AA}"/>
+              </a:ext>
+            </a:extLst>
+          </p:cNvPr>
+          <p:cNvSpPr txBox="1"/>
+          <p:nvPr/>
+        </p:nvSpPr>
+        <p:spPr>
+          <a:xfrm>
+            <a:off x="1332319" y="4408715"/>
+            <a:ext cx="2462534" cy="369332"/>
+          </a:xfrm>
+          <a:prstGeom prst="rect">
+            <a:avLst/>
+          </a:prstGeom>
+          <a:noFill/>
+        </p:spPr>
+        <p:txBody>
+          <a:bodyPr wrap="none" rtlCol="0">
+            <a:spAutoFit/>
+          </a:bodyPr>
+          <a:lstStyle/>
+          <a:p>
+            <a:r>
+              <a:rPr lang="en-US" altLang="ko-KR"/>
+              <a:t>Title=“URL</a:t>
+            </a:r>
+            <a:r>
+              <a:rPr lang="ko-KR" altLang="en-US"/>
+              <a:t> 입력</a:t>
+            </a:r>
+            <a:r>
+              <a:rPr lang="en-US" altLang="ko-KR"/>
+              <a:t>” </a:t>
+            </a:r>
+            <a:r>
+              <a:rPr lang="ko-KR" altLang="en-US"/>
+              <a:t>추가</a:t>
+            </a:r>
+          </a:p>
+        </p:txBody>
+      </p:sp>
     </p:spTree>
     <p:extLst>
       <p:ext uri="{BB962C8B-B14F-4D97-AF65-F5344CB8AC3E}">
         <p14:creationId xmlns:p14="http://schemas.microsoft.com/office/powerpoint/2010/main" val="3590042674"/>
+      </p:ext>
+    </p:extLst>
+  </p:cSld>
+  <p:clrMapOvr>
+    <a:masterClrMapping/>
+  </p:clrMapOvr>
+</p:sld>
+</file>
+
+<file path=ppt/slides/slide39.xml><?xml version="1.0" encoding="utf-8"?>
+<p:sld xmlns:a="http://schemas.openxmlformats.org/drawingml/2006/main" xmlns:r="http://schemas.openxmlformats.org/officeDocument/2006/relationships" xmlns:p="http://schemas.openxmlformats.org/presentationml/2006/main">
+  <p:cSld>
+    <p:spTree>
+      <p:nvGrpSpPr>
+        <p:cNvPr id="1" name=""/>
+        <p:cNvGrpSpPr/>
+        <p:nvPr/>
+      </p:nvGrpSpPr>
+      <p:grpSpPr>
+        <a:xfrm>
+          <a:off x="0" y="0"/>
+          <a:ext cx="0" cy="0"/>
+          <a:chOff x="0" y="0"/>
+          <a:chExt cx="0" cy="0"/>
+        </a:xfrm>
+      </p:grpSpPr>
+    </p:spTree>
+    <p:extLst>
+      <p:ext uri="{BB962C8B-B14F-4D97-AF65-F5344CB8AC3E}">
+        <p14:creationId xmlns:p14="http://schemas.microsoft.com/office/powerpoint/2010/main" val="3271160962"/>
       </p:ext>
     </p:extLst>
   </p:cSld>

--- a/ppt/웹접근성 오류 체크(운영).pptx
+++ b/ppt/웹접근성 오류 체크(운영).pptx
@@ -44,6 +44,8 @@
     <p:sldId id="332" r:id="rId38"/>
     <p:sldId id="333" r:id="rId39"/>
     <p:sldId id="336" r:id="rId40"/>
+    <p:sldId id="337" r:id="rId41"/>
+    <p:sldId id="338" r:id="rId42"/>
   </p:sldIdLst>
   <p:sldSz cx="12192000" cy="6858000"/>
   <p:notesSz cx="6858000" cy="9144000"/>
@@ -279,7 +281,7 @@
           <a:p>
             <a:fld id="{D203A8F8-6A3C-431B-BFF3-386CC4580D21}" type="datetimeFigureOut">
               <a:rPr lang="ko-KR" altLang="en-US" smtClean="0"/>
-              <a:t>2022-07-11</a:t>
+              <a:t>2022-07-13</a:t>
             </a:fld>
             <a:endParaRPr lang="ko-KR" altLang="en-US"/>
           </a:p>
@@ -447,7 +449,7 @@
           <a:p>
             <a:fld id="{D203A8F8-6A3C-431B-BFF3-386CC4580D21}" type="datetimeFigureOut">
               <a:rPr lang="ko-KR" altLang="en-US" smtClean="0"/>
-              <a:t>2022-07-11</a:t>
+              <a:t>2022-07-13</a:t>
             </a:fld>
             <a:endParaRPr lang="ko-KR" altLang="en-US"/>
           </a:p>
@@ -625,7 +627,7 @@
           <a:p>
             <a:fld id="{D203A8F8-6A3C-431B-BFF3-386CC4580D21}" type="datetimeFigureOut">
               <a:rPr lang="ko-KR" altLang="en-US" smtClean="0"/>
-              <a:t>2022-07-11</a:t>
+              <a:t>2022-07-13</a:t>
             </a:fld>
             <a:endParaRPr lang="ko-KR" altLang="en-US"/>
           </a:p>
@@ -793,7 +795,7 @@
           <a:p>
             <a:fld id="{D203A8F8-6A3C-431B-BFF3-386CC4580D21}" type="datetimeFigureOut">
               <a:rPr lang="ko-KR" altLang="en-US" smtClean="0"/>
-              <a:t>2022-07-11</a:t>
+              <a:t>2022-07-13</a:t>
             </a:fld>
             <a:endParaRPr lang="ko-KR" altLang="en-US"/>
           </a:p>
@@ -1038,7 +1040,7 @@
           <a:p>
             <a:fld id="{D203A8F8-6A3C-431B-BFF3-386CC4580D21}" type="datetimeFigureOut">
               <a:rPr lang="ko-KR" altLang="en-US" smtClean="0"/>
-              <a:t>2022-07-11</a:t>
+              <a:t>2022-07-13</a:t>
             </a:fld>
             <a:endParaRPr lang="ko-KR" altLang="en-US"/>
           </a:p>
@@ -1267,7 +1269,7 @@
           <a:p>
             <a:fld id="{D203A8F8-6A3C-431B-BFF3-386CC4580D21}" type="datetimeFigureOut">
               <a:rPr lang="ko-KR" altLang="en-US" smtClean="0"/>
-              <a:t>2022-07-11</a:t>
+              <a:t>2022-07-13</a:t>
             </a:fld>
             <a:endParaRPr lang="ko-KR" altLang="en-US"/>
           </a:p>
@@ -1631,7 +1633,7 @@
           <a:p>
             <a:fld id="{D203A8F8-6A3C-431B-BFF3-386CC4580D21}" type="datetimeFigureOut">
               <a:rPr lang="ko-KR" altLang="en-US" smtClean="0"/>
-              <a:t>2022-07-11</a:t>
+              <a:t>2022-07-13</a:t>
             </a:fld>
             <a:endParaRPr lang="ko-KR" altLang="en-US"/>
           </a:p>
@@ -1748,7 +1750,7 @@
           <a:p>
             <a:fld id="{D203A8F8-6A3C-431B-BFF3-386CC4580D21}" type="datetimeFigureOut">
               <a:rPr lang="ko-KR" altLang="en-US" smtClean="0"/>
-              <a:t>2022-07-11</a:t>
+              <a:t>2022-07-13</a:t>
             </a:fld>
             <a:endParaRPr lang="ko-KR" altLang="en-US"/>
           </a:p>
@@ -1843,7 +1845,7 @@
           <a:p>
             <a:fld id="{D203A8F8-6A3C-431B-BFF3-386CC4580D21}" type="datetimeFigureOut">
               <a:rPr lang="ko-KR" altLang="en-US" smtClean="0"/>
-              <a:t>2022-07-11</a:t>
+              <a:t>2022-07-13</a:t>
             </a:fld>
             <a:endParaRPr lang="ko-KR" altLang="en-US"/>
           </a:p>
@@ -2118,7 +2120,7 @@
           <a:p>
             <a:fld id="{D203A8F8-6A3C-431B-BFF3-386CC4580D21}" type="datetimeFigureOut">
               <a:rPr lang="ko-KR" altLang="en-US" smtClean="0"/>
-              <a:t>2022-07-11</a:t>
+              <a:t>2022-07-13</a:t>
             </a:fld>
             <a:endParaRPr lang="ko-KR" altLang="en-US"/>
           </a:p>
@@ -2370,7 +2372,7 @@
           <a:p>
             <a:fld id="{D203A8F8-6A3C-431B-BFF3-386CC4580D21}" type="datetimeFigureOut">
               <a:rPr lang="ko-KR" altLang="en-US" smtClean="0"/>
-              <a:t>2022-07-11</a:t>
+              <a:t>2022-07-13</a:t>
             </a:fld>
             <a:endParaRPr lang="ko-KR" altLang="en-US"/>
           </a:p>
@@ -2581,7 +2583,7 @@
           <a:p>
             <a:fld id="{D203A8F8-6A3C-431B-BFF3-386CC4580D21}" type="datetimeFigureOut">
               <a:rPr lang="ko-KR" altLang="en-US" smtClean="0"/>
-              <a:t>2022-07-11</a:t>
+              <a:t>2022-07-13</a:t>
             </a:fld>
             <a:endParaRPr lang="ko-KR" altLang="en-US"/>
           </a:p>
@@ -11671,6 +11673,298 @@
           <a:chExt cx="0" cy="0"/>
         </a:xfrm>
       </p:grpSpPr>
+      <p:pic>
+        <p:nvPicPr>
+          <p:cNvPr id="3" name="그림 2">
+            <a:extLst>
+              <a:ext uri="{FF2B5EF4-FFF2-40B4-BE49-F238E27FC236}">
+                <a16:creationId xmlns:a16="http://schemas.microsoft.com/office/drawing/2014/main" id="{DDD70658-23B3-B4EC-B7E6-89C0DCB384A9}"/>
+              </a:ext>
+            </a:extLst>
+          </p:cNvPr>
+          <p:cNvPicPr>
+            <a:picLocks noChangeAspect="1"/>
+          </p:cNvPicPr>
+          <p:nvPr/>
+        </p:nvPicPr>
+        <p:blipFill>
+          <a:blip r:embed="rId2"/>
+          <a:stretch>
+            <a:fillRect/>
+          </a:stretch>
+        </p:blipFill>
+        <p:spPr>
+          <a:xfrm>
+            <a:off x="744744" y="546960"/>
+            <a:ext cx="3534268" cy="685896"/>
+          </a:xfrm>
+          <a:prstGeom prst="rect">
+            <a:avLst/>
+          </a:prstGeom>
+        </p:spPr>
+      </p:pic>
+      <p:pic>
+        <p:nvPicPr>
+          <p:cNvPr id="5" name="그림 4">
+            <a:extLst>
+              <a:ext uri="{FF2B5EF4-FFF2-40B4-BE49-F238E27FC236}">
+                <a16:creationId xmlns:a16="http://schemas.microsoft.com/office/drawing/2014/main" id="{32738D0C-8232-B2C5-0AEC-6EDE2E19A564}"/>
+              </a:ext>
+            </a:extLst>
+          </p:cNvPr>
+          <p:cNvPicPr>
+            <a:picLocks noChangeAspect="1"/>
+          </p:cNvPicPr>
+          <p:nvPr/>
+        </p:nvPicPr>
+        <p:blipFill>
+          <a:blip r:embed="rId3"/>
+          <a:stretch>
+            <a:fillRect/>
+          </a:stretch>
+        </p:blipFill>
+        <p:spPr>
+          <a:xfrm>
+            <a:off x="4975891" y="461223"/>
+            <a:ext cx="3448531" cy="857370"/>
+          </a:xfrm>
+          <a:prstGeom prst="rect">
+            <a:avLst/>
+          </a:prstGeom>
+        </p:spPr>
+      </p:pic>
+      <p:cxnSp>
+        <p:nvCxnSpPr>
+          <p:cNvPr id="7" name="직선 화살표 연결선 6">
+            <a:extLst>
+              <a:ext uri="{FF2B5EF4-FFF2-40B4-BE49-F238E27FC236}">
+                <a16:creationId xmlns:a16="http://schemas.microsoft.com/office/drawing/2014/main" id="{B27C5254-DCA7-DA9E-141A-1B7ED5AA63A0}"/>
+              </a:ext>
+            </a:extLst>
+          </p:cNvPr>
+          <p:cNvCxnSpPr>
+            <a:cxnSpLocks/>
+          </p:cNvCxnSpPr>
+          <p:nvPr/>
+        </p:nvCxnSpPr>
+        <p:spPr>
+          <a:xfrm flipV="1">
+            <a:off x="6915150" y="1167492"/>
+            <a:ext cx="0" cy="351065"/>
+          </a:xfrm>
+          <a:prstGeom prst="straightConnector1">
+            <a:avLst/>
+          </a:prstGeom>
+          <a:ln>
+            <a:tailEnd type="triangle"/>
+          </a:ln>
+        </p:spPr>
+        <p:style>
+          <a:lnRef idx="1">
+            <a:schemeClr val="accent1"/>
+          </a:lnRef>
+          <a:fillRef idx="0">
+            <a:schemeClr val="accent1"/>
+          </a:fillRef>
+          <a:effectRef idx="0">
+            <a:schemeClr val="accent1"/>
+          </a:effectRef>
+          <a:fontRef idx="minor">
+            <a:schemeClr val="tx1"/>
+          </a:fontRef>
+        </p:style>
+      </p:cxnSp>
+      <p:sp>
+        <p:nvSpPr>
+          <p:cNvPr id="8" name="TextBox 7">
+            <a:extLst>
+              <a:ext uri="{FF2B5EF4-FFF2-40B4-BE49-F238E27FC236}">
+                <a16:creationId xmlns:a16="http://schemas.microsoft.com/office/drawing/2014/main" id="{38153BE2-A2CE-C1B1-BB04-F66DB3A520CB}"/>
+              </a:ext>
+            </a:extLst>
+          </p:cNvPr>
+          <p:cNvSpPr txBox="1"/>
+          <p:nvPr/>
+        </p:nvSpPr>
+        <p:spPr>
+          <a:xfrm>
+            <a:off x="6432485" y="1583871"/>
+            <a:ext cx="965329" cy="307777"/>
+          </a:xfrm>
+          <a:prstGeom prst="rect">
+            <a:avLst/>
+          </a:prstGeom>
+          <a:noFill/>
+        </p:spPr>
+        <p:txBody>
+          <a:bodyPr wrap="none" rtlCol="0">
+            <a:spAutoFit/>
+          </a:bodyPr>
+          <a:lstStyle/>
+          <a:p>
+            <a:r>
+              <a:rPr lang="ko-KR" altLang="en-US" sz="1400"/>
+              <a:t>현재 메뉴</a:t>
+            </a:r>
+          </a:p>
+        </p:txBody>
+      </p:sp>
+      <p:pic>
+        <p:nvPicPr>
+          <p:cNvPr id="11" name="그림 10">
+            <a:extLst>
+              <a:ext uri="{FF2B5EF4-FFF2-40B4-BE49-F238E27FC236}">
+                <a16:creationId xmlns:a16="http://schemas.microsoft.com/office/drawing/2014/main" id="{06998AFC-D1D9-4478-69C5-D4461EDE129E}"/>
+              </a:ext>
+            </a:extLst>
+          </p:cNvPr>
+          <p:cNvPicPr>
+            <a:picLocks noChangeAspect="1"/>
+          </p:cNvPicPr>
+          <p:nvPr/>
+        </p:nvPicPr>
+        <p:blipFill>
+          <a:blip r:embed="rId4"/>
+          <a:stretch>
+            <a:fillRect/>
+          </a:stretch>
+        </p:blipFill>
+        <p:spPr>
+          <a:xfrm>
+            <a:off x="960544" y="2789720"/>
+            <a:ext cx="1714739" cy="219106"/>
+          </a:xfrm>
+          <a:prstGeom prst="rect">
+            <a:avLst/>
+          </a:prstGeom>
+        </p:spPr>
+      </p:pic>
+      <p:sp>
+        <p:nvSpPr>
+          <p:cNvPr id="14" name="TextBox 13">
+            <a:extLst>
+              <a:ext uri="{FF2B5EF4-FFF2-40B4-BE49-F238E27FC236}">
+                <a16:creationId xmlns:a16="http://schemas.microsoft.com/office/drawing/2014/main" id="{EC96D5AA-5E78-CF76-5DC1-A71B3034A0D3}"/>
+              </a:ext>
+            </a:extLst>
+          </p:cNvPr>
+          <p:cNvSpPr txBox="1"/>
+          <p:nvPr/>
+        </p:nvSpPr>
+        <p:spPr>
+          <a:xfrm>
+            <a:off x="3313683" y="2789720"/>
+            <a:ext cx="4693914" cy="307777"/>
+          </a:xfrm>
+          <a:prstGeom prst="rect">
+            <a:avLst/>
+          </a:prstGeom>
+          <a:noFill/>
+        </p:spPr>
+        <p:txBody>
+          <a:bodyPr wrap="none" rtlCol="0">
+            <a:spAutoFit/>
+          </a:bodyPr>
+          <a:lstStyle/>
+          <a:p>
+            <a:r>
+              <a:rPr lang="en-US" altLang="ko-KR" sz="1400"/>
+              <a:t>[</a:t>
+            </a:r>
+            <a:r>
+              <a:rPr lang="ko-KR" altLang="en-US" sz="1400"/>
+              <a:t>공통</a:t>
+            </a:r>
+            <a:r>
+              <a:rPr lang="en-US" altLang="ko-KR" sz="1400"/>
+              <a:t>]</a:t>
+            </a:r>
+            <a:r>
+              <a:rPr lang="ko-KR" altLang="en-US" sz="1400"/>
+              <a:t>스크롤 들어가는 태그에 </a:t>
+            </a:r>
+            <a:r>
+              <a:rPr lang="en-US" altLang="ko-KR" sz="1400"/>
+              <a:t>tabindex=“0” </a:t>
+            </a:r>
+            <a:r>
+              <a:rPr lang="ko-KR" altLang="en-US" sz="1400"/>
+              <a:t>넣어주세요</a:t>
+            </a:r>
+            <a:r>
+              <a:rPr lang="en-US" altLang="ko-KR" sz="1400"/>
+              <a:t>.</a:t>
+            </a:r>
+            <a:endParaRPr lang="ko-KR" altLang="en-US" sz="1400"/>
+          </a:p>
+        </p:txBody>
+      </p:sp>
+      <p:cxnSp>
+        <p:nvCxnSpPr>
+          <p:cNvPr id="15" name="직선 연결선 14">
+            <a:extLst>
+              <a:ext uri="{FF2B5EF4-FFF2-40B4-BE49-F238E27FC236}">
+                <a16:creationId xmlns:a16="http://schemas.microsoft.com/office/drawing/2014/main" id="{FB30D0BA-2CD7-EA68-5E70-B567473399D6}"/>
+              </a:ext>
+            </a:extLst>
+          </p:cNvPr>
+          <p:cNvCxnSpPr/>
+          <p:nvPr/>
+        </p:nvCxnSpPr>
+        <p:spPr>
+          <a:xfrm>
+            <a:off x="540697" y="2204357"/>
+            <a:ext cx="10995439" cy="0"/>
+          </a:xfrm>
+          <a:prstGeom prst="line">
+            <a:avLst/>
+          </a:prstGeom>
+        </p:spPr>
+        <p:style>
+          <a:lnRef idx="1">
+            <a:schemeClr val="accent1"/>
+          </a:lnRef>
+          <a:fillRef idx="0">
+            <a:schemeClr val="accent1"/>
+          </a:fillRef>
+          <a:effectRef idx="0">
+            <a:schemeClr val="accent1"/>
+          </a:effectRef>
+          <a:fontRef idx="minor">
+            <a:schemeClr val="tx1"/>
+          </a:fontRef>
+        </p:style>
+      </p:cxnSp>
+      <p:pic>
+        <p:nvPicPr>
+          <p:cNvPr id="17" name="그림 16">
+            <a:extLst>
+              <a:ext uri="{FF2B5EF4-FFF2-40B4-BE49-F238E27FC236}">
+                <a16:creationId xmlns:a16="http://schemas.microsoft.com/office/drawing/2014/main" id="{CC2DA4A2-2DE3-7997-3143-BECF4A644421}"/>
+              </a:ext>
+            </a:extLst>
+          </p:cNvPr>
+          <p:cNvPicPr>
+            <a:picLocks noChangeAspect="1"/>
+          </p:cNvPicPr>
+          <p:nvPr/>
+        </p:nvPicPr>
+        <p:blipFill>
+          <a:blip r:embed="rId5"/>
+          <a:stretch>
+            <a:fillRect/>
+          </a:stretch>
+        </p:blipFill>
+        <p:spPr>
+          <a:xfrm>
+            <a:off x="2861367" y="2789721"/>
+            <a:ext cx="122913" cy="2255808"/>
+          </a:xfrm>
+          <a:prstGeom prst="rect">
+            <a:avLst/>
+          </a:prstGeom>
+        </p:spPr>
+      </p:pic>
     </p:spTree>
     <p:extLst>
       <p:ext uri="{BB962C8B-B14F-4D97-AF65-F5344CB8AC3E}">
@@ -12015,6 +12309,340 @@
     <p:extLst>
       <p:ext uri="{BB962C8B-B14F-4D97-AF65-F5344CB8AC3E}">
         <p14:creationId xmlns:p14="http://schemas.microsoft.com/office/powerpoint/2010/main" val="3369711248"/>
+      </p:ext>
+    </p:extLst>
+  </p:cSld>
+  <p:clrMapOvr>
+    <a:masterClrMapping/>
+  </p:clrMapOvr>
+</p:sld>
+</file>
+
+<file path=ppt/slides/slide40.xml><?xml version="1.0" encoding="utf-8"?>
+<p:sld xmlns:a="http://schemas.openxmlformats.org/drawingml/2006/main" xmlns:r="http://schemas.openxmlformats.org/officeDocument/2006/relationships" xmlns:p="http://schemas.openxmlformats.org/presentationml/2006/main">
+  <p:cSld>
+    <p:spTree>
+      <p:nvGrpSpPr>
+        <p:cNvPr id="1" name=""/>
+        <p:cNvGrpSpPr/>
+        <p:nvPr/>
+      </p:nvGrpSpPr>
+      <p:grpSpPr>
+        <a:xfrm>
+          <a:off x="0" y="0"/>
+          <a:ext cx="0" cy="0"/>
+          <a:chOff x="0" y="0"/>
+          <a:chExt cx="0" cy="0"/>
+        </a:xfrm>
+      </p:grpSpPr>
+      <p:pic>
+        <p:nvPicPr>
+          <p:cNvPr id="3" name="그림 2">
+            <a:extLst>
+              <a:ext uri="{FF2B5EF4-FFF2-40B4-BE49-F238E27FC236}">
+                <a16:creationId xmlns:a16="http://schemas.microsoft.com/office/drawing/2014/main" id="{50434F2D-7E22-0187-82E3-927124647EF7}"/>
+              </a:ext>
+            </a:extLst>
+          </p:cNvPr>
+          <p:cNvPicPr>
+            <a:picLocks noChangeAspect="1"/>
+          </p:cNvPicPr>
+          <p:nvPr/>
+        </p:nvPicPr>
+        <p:blipFill>
+          <a:blip r:embed="rId2"/>
+          <a:stretch>
+            <a:fillRect/>
+          </a:stretch>
+        </p:blipFill>
+        <p:spPr>
+          <a:xfrm>
+            <a:off x="412567" y="812346"/>
+            <a:ext cx="2583726" cy="5893358"/>
+          </a:xfrm>
+          <a:prstGeom prst="rect">
+            <a:avLst/>
+          </a:prstGeom>
+        </p:spPr>
+      </p:pic>
+      <p:sp>
+        <p:nvSpPr>
+          <p:cNvPr id="4" name="TextBox 3">
+            <a:extLst>
+              <a:ext uri="{FF2B5EF4-FFF2-40B4-BE49-F238E27FC236}">
+                <a16:creationId xmlns:a16="http://schemas.microsoft.com/office/drawing/2014/main" id="{419E633B-B237-3CFF-C6CE-DFCB6EDC5392}"/>
+              </a:ext>
+            </a:extLst>
+          </p:cNvPr>
+          <p:cNvSpPr txBox="1"/>
+          <p:nvPr/>
+        </p:nvSpPr>
+        <p:spPr>
+          <a:xfrm>
+            <a:off x="412567" y="253092"/>
+            <a:ext cx="3098605" cy="307777"/>
+          </a:xfrm>
+          <a:prstGeom prst="rect">
+            <a:avLst/>
+          </a:prstGeom>
+          <a:noFill/>
+        </p:spPr>
+        <p:txBody>
+          <a:bodyPr wrap="none" rtlCol="0">
+            <a:spAutoFit/>
+          </a:bodyPr>
+          <a:lstStyle/>
+          <a:p>
+            <a:r>
+              <a:rPr lang="en-US" altLang="ko-KR" sz="1400"/>
+              <a:t>https://sejongn2.kr/m/ctznPlacForm</a:t>
+            </a:r>
+            <a:endParaRPr lang="ko-KR" altLang="en-US" sz="1400"/>
+          </a:p>
+        </p:txBody>
+      </p:sp>
+      <p:cxnSp>
+        <p:nvCxnSpPr>
+          <p:cNvPr id="6" name="직선 화살표 연결선 5">
+            <a:extLst>
+              <a:ext uri="{FF2B5EF4-FFF2-40B4-BE49-F238E27FC236}">
+                <a16:creationId xmlns:a16="http://schemas.microsoft.com/office/drawing/2014/main" id="{9C2227A4-9707-2FF4-CC55-EB0F4977F397}"/>
+              </a:ext>
+            </a:extLst>
+          </p:cNvPr>
+          <p:cNvCxnSpPr/>
+          <p:nvPr/>
+        </p:nvCxnSpPr>
+        <p:spPr>
+          <a:xfrm flipH="1">
+            <a:off x="2743200" y="2865664"/>
+            <a:ext cx="612321" cy="0"/>
+          </a:xfrm>
+          <a:prstGeom prst="straightConnector1">
+            <a:avLst/>
+          </a:prstGeom>
+          <a:ln>
+            <a:tailEnd type="triangle"/>
+          </a:ln>
+        </p:spPr>
+        <p:style>
+          <a:lnRef idx="1">
+            <a:schemeClr val="accent1"/>
+          </a:lnRef>
+          <a:fillRef idx="0">
+            <a:schemeClr val="accent1"/>
+          </a:fillRef>
+          <a:effectRef idx="0">
+            <a:schemeClr val="accent1"/>
+          </a:effectRef>
+          <a:fontRef idx="minor">
+            <a:schemeClr val="tx1"/>
+          </a:fontRef>
+        </p:style>
+      </p:cxnSp>
+      <p:sp>
+        <p:nvSpPr>
+          <p:cNvPr id="7" name="TextBox 6">
+            <a:extLst>
+              <a:ext uri="{FF2B5EF4-FFF2-40B4-BE49-F238E27FC236}">
+                <a16:creationId xmlns:a16="http://schemas.microsoft.com/office/drawing/2014/main" id="{4C18CEA8-5CFC-0EE7-1BC6-01958A4BD47F}"/>
+              </a:ext>
+            </a:extLst>
+          </p:cNvPr>
+          <p:cNvSpPr txBox="1"/>
+          <p:nvPr/>
+        </p:nvSpPr>
+        <p:spPr>
+          <a:xfrm>
+            <a:off x="3470350" y="2711775"/>
+            <a:ext cx="2316660" cy="307777"/>
+          </a:xfrm>
+          <a:prstGeom prst="rect">
+            <a:avLst/>
+          </a:prstGeom>
+          <a:noFill/>
+        </p:spPr>
+        <p:txBody>
+          <a:bodyPr wrap="none" rtlCol="0">
+            <a:spAutoFit/>
+          </a:bodyPr>
+          <a:lstStyle/>
+          <a:p>
+            <a:r>
+              <a:rPr lang="en-US" altLang="ko-KR" sz="1400"/>
+              <a:t>title=“</a:t>
+            </a:r>
+            <a:r>
+              <a:rPr lang="ko-KR" altLang="en-US" sz="1400"/>
+              <a:t>상세주소 입력</a:t>
+            </a:r>
+            <a:r>
+              <a:rPr lang="en-US" altLang="ko-KR" sz="1400"/>
+              <a:t>” </a:t>
+            </a:r>
+            <a:r>
+              <a:rPr lang="ko-KR" altLang="en-US" sz="1400"/>
+              <a:t>추가</a:t>
+            </a:r>
+          </a:p>
+        </p:txBody>
+      </p:sp>
+      <p:pic>
+        <p:nvPicPr>
+          <p:cNvPr id="11" name="그림 10">
+            <a:extLst>
+              <a:ext uri="{FF2B5EF4-FFF2-40B4-BE49-F238E27FC236}">
+                <a16:creationId xmlns:a16="http://schemas.microsoft.com/office/drawing/2014/main" id="{05CA0C84-ECCA-29E2-2AEC-BE69AE2B43DB}"/>
+              </a:ext>
+            </a:extLst>
+          </p:cNvPr>
+          <p:cNvPicPr>
+            <a:picLocks noChangeAspect="1"/>
+          </p:cNvPicPr>
+          <p:nvPr/>
+        </p:nvPicPr>
+        <p:blipFill>
+          <a:blip r:embed="rId3"/>
+          <a:stretch>
+            <a:fillRect/>
+          </a:stretch>
+        </p:blipFill>
+        <p:spPr>
+          <a:xfrm>
+            <a:off x="5979381" y="1208146"/>
+            <a:ext cx="3972479" cy="2400635"/>
+          </a:xfrm>
+          <a:prstGeom prst="rect">
+            <a:avLst/>
+          </a:prstGeom>
+        </p:spPr>
+      </p:pic>
+      <p:sp>
+        <p:nvSpPr>
+          <p:cNvPr id="12" name="TextBox 11">
+            <a:extLst>
+              <a:ext uri="{FF2B5EF4-FFF2-40B4-BE49-F238E27FC236}">
+                <a16:creationId xmlns:a16="http://schemas.microsoft.com/office/drawing/2014/main" id="{BF185279-1839-D9DC-50D1-BE4FEF7F65A9}"/>
+              </a:ext>
+            </a:extLst>
+          </p:cNvPr>
+          <p:cNvSpPr txBox="1"/>
+          <p:nvPr/>
+        </p:nvSpPr>
+        <p:spPr>
+          <a:xfrm>
+            <a:off x="7149722" y="3235805"/>
+            <a:ext cx="2246128" cy="697050"/>
+          </a:xfrm>
+          <a:prstGeom prst="rect">
+            <a:avLst/>
+          </a:prstGeom>
+          <a:noFill/>
+        </p:spPr>
+        <p:txBody>
+          <a:bodyPr wrap="none" rtlCol="0">
+            <a:spAutoFit/>
+          </a:bodyPr>
+          <a:lstStyle/>
+          <a:p>
+            <a:pPr>
+              <a:lnSpc>
+                <a:spcPct val="150000"/>
+              </a:lnSpc>
+            </a:pPr>
+            <a:r>
+              <a:rPr lang="en-US" altLang="ko-KR" sz="1400"/>
+              <a:t>title=“</a:t>
+            </a:r>
+            <a:r>
+              <a:rPr lang="ko-KR" altLang="en-US" sz="1400"/>
+              <a:t>메뉴명 입력</a:t>
+            </a:r>
+            <a:r>
+              <a:rPr lang="en-US" altLang="ko-KR" sz="1400"/>
+              <a:t>” </a:t>
+            </a:r>
+            <a:r>
+              <a:rPr lang="ko-KR" altLang="en-US" sz="1400"/>
+              <a:t>추가</a:t>
+            </a:r>
+            <a:endParaRPr lang="en-US" altLang="ko-KR" sz="1400"/>
+          </a:p>
+          <a:p>
+            <a:pPr>
+              <a:lnSpc>
+                <a:spcPct val="150000"/>
+              </a:lnSpc>
+            </a:pPr>
+            <a:r>
+              <a:rPr lang="en-US" altLang="ko-KR" sz="1400"/>
+              <a:t>title=“</a:t>
+            </a:r>
+            <a:r>
+              <a:rPr lang="ko-KR" altLang="en-US" sz="1400"/>
+              <a:t>금액</a:t>
+            </a:r>
+            <a:r>
+              <a:rPr lang="en-US" altLang="ko-KR" sz="1400"/>
+              <a:t>(</a:t>
+            </a:r>
+            <a:r>
+              <a:rPr lang="ko-KR" altLang="en-US" sz="1400"/>
+              <a:t>원</a:t>
+            </a:r>
+            <a:r>
+              <a:rPr lang="en-US" altLang="ko-KR" sz="1400"/>
+              <a:t>)</a:t>
+            </a:r>
+            <a:r>
+              <a:rPr lang="ko-KR" altLang="en-US" sz="1400"/>
+              <a:t> 입력</a:t>
+            </a:r>
+            <a:r>
+              <a:rPr lang="en-US" altLang="ko-KR" sz="1400"/>
+              <a:t>” </a:t>
+            </a:r>
+            <a:r>
+              <a:rPr lang="ko-KR" altLang="en-US" sz="1400"/>
+              <a:t>추가</a:t>
+            </a:r>
+          </a:p>
+        </p:txBody>
+      </p:sp>
+    </p:spTree>
+    <p:extLst>
+      <p:ext uri="{BB962C8B-B14F-4D97-AF65-F5344CB8AC3E}">
+        <p14:creationId xmlns:p14="http://schemas.microsoft.com/office/powerpoint/2010/main" val="1892815891"/>
+      </p:ext>
+    </p:extLst>
+  </p:cSld>
+  <p:clrMapOvr>
+    <a:masterClrMapping/>
+  </p:clrMapOvr>
+</p:sld>
+</file>
+
+<file path=ppt/slides/slide41.xml><?xml version="1.0" encoding="utf-8"?>
+<p:sld xmlns:a="http://schemas.openxmlformats.org/drawingml/2006/main" xmlns:r="http://schemas.openxmlformats.org/officeDocument/2006/relationships" xmlns:p="http://schemas.openxmlformats.org/presentationml/2006/main">
+  <p:cSld>
+    <p:spTree>
+      <p:nvGrpSpPr>
+        <p:cNvPr id="1" name=""/>
+        <p:cNvGrpSpPr/>
+        <p:nvPr/>
+      </p:nvGrpSpPr>
+      <p:grpSpPr>
+        <a:xfrm>
+          <a:off x="0" y="0"/>
+          <a:ext cx="0" cy="0"/>
+          <a:chOff x="0" y="0"/>
+          <a:chExt cx="0" cy="0"/>
+        </a:xfrm>
+      </p:grpSpPr>
+    </p:spTree>
+    <p:extLst>
+      <p:ext uri="{BB962C8B-B14F-4D97-AF65-F5344CB8AC3E}">
+        <p14:creationId xmlns:p14="http://schemas.microsoft.com/office/powerpoint/2010/main" val="3596442805"/>
       </p:ext>
     </p:extLst>
   </p:cSld>
